--- a/Presentation/AspNetMvc.pptx
+++ b/Presentation/AspNetMvc.pptx
@@ -7,18 +7,21 @@
   <p:sldIdLst>
     <p:sldId id="256" r:id="rId2"/>
     <p:sldId id="257" r:id="rId3"/>
-    <p:sldId id="258" r:id="rId4"/>
-    <p:sldId id="259" r:id="rId5"/>
-    <p:sldId id="260" r:id="rId6"/>
-    <p:sldId id="261" r:id="rId7"/>
-    <p:sldId id="262" r:id="rId8"/>
-    <p:sldId id="263" r:id="rId9"/>
-    <p:sldId id="264" r:id="rId10"/>
-    <p:sldId id="265" r:id="rId11"/>
-    <p:sldId id="266" r:id="rId12"/>
-    <p:sldId id="267" r:id="rId13"/>
-    <p:sldId id="268" r:id="rId14"/>
-    <p:sldId id="269" r:id="rId15"/>
+    <p:sldId id="270" r:id="rId4"/>
+    <p:sldId id="258" r:id="rId5"/>
+    <p:sldId id="259" r:id="rId6"/>
+    <p:sldId id="271" r:id="rId7"/>
+    <p:sldId id="261" r:id="rId8"/>
+    <p:sldId id="260" r:id="rId9"/>
+    <p:sldId id="262" r:id="rId10"/>
+    <p:sldId id="272" r:id="rId11"/>
+    <p:sldId id="263" r:id="rId12"/>
+    <p:sldId id="264" r:id="rId13"/>
+    <p:sldId id="265" r:id="rId14"/>
+    <p:sldId id="266" r:id="rId15"/>
+    <p:sldId id="269" r:id="rId16"/>
+    <p:sldId id="267" r:id="rId17"/>
+    <p:sldId id="273" r:id="rId18"/>
   </p:sldIdLst>
   <p:sldSz cx="12192000" cy="6858000"/>
   <p:notesSz cx="6858000" cy="9144000"/>
@@ -117,6 +120,11 @@
       </a:defRPr>
     </a:lvl9pPr>
   </p:defaultTextStyle>
+  <p:extLst>
+    <p:ext uri="{EFAFB233-063F-42B5-8137-9DF3F51BA10A}">
+      <p15:sldGuideLst xmlns:p15="http://schemas.microsoft.com/office/powerpoint/2012/main"/>
+    </p:ext>
+  </p:extLst>
 </p:presentation>
 </file>
 
@@ -251,7 +259,7 @@
           <a:p>
             <a:fld id="{9B284AA3-C948-4AEF-9698-7E1A93E5B36F}" type="datetimeFigureOut">
               <a:rPr lang="en-US" smtClean="0"/>
-              <a:t>7/18/2015</a:t>
+              <a:t>7/20/2015</a:t>
             </a:fld>
             <a:endParaRPr lang="en-US"/>
           </a:p>
@@ -421,7 +429,7 @@
           <a:p>
             <a:fld id="{9B284AA3-C948-4AEF-9698-7E1A93E5B36F}" type="datetimeFigureOut">
               <a:rPr lang="en-US" smtClean="0"/>
-              <a:t>7/18/2015</a:t>
+              <a:t>7/20/2015</a:t>
             </a:fld>
             <a:endParaRPr lang="en-US"/>
           </a:p>
@@ -601,7 +609,7 @@
           <a:p>
             <a:fld id="{9B284AA3-C948-4AEF-9698-7E1A93E5B36F}" type="datetimeFigureOut">
               <a:rPr lang="en-US" smtClean="0"/>
-              <a:t>7/18/2015</a:t>
+              <a:t>7/20/2015</a:t>
             </a:fld>
             <a:endParaRPr lang="en-US"/>
           </a:p>
@@ -771,7 +779,7 @@
           <a:p>
             <a:fld id="{9B284AA3-C948-4AEF-9698-7E1A93E5B36F}" type="datetimeFigureOut">
               <a:rPr lang="en-US" smtClean="0"/>
-              <a:t>7/18/2015</a:t>
+              <a:t>7/20/2015</a:t>
             </a:fld>
             <a:endParaRPr lang="en-US"/>
           </a:p>
@@ -1017,7 +1025,7 @@
           <a:p>
             <a:fld id="{9B284AA3-C948-4AEF-9698-7E1A93E5B36F}" type="datetimeFigureOut">
               <a:rPr lang="en-US" smtClean="0"/>
-              <a:t>7/18/2015</a:t>
+              <a:t>7/20/2015</a:t>
             </a:fld>
             <a:endParaRPr lang="en-US"/>
           </a:p>
@@ -1249,7 +1257,7 @@
           <a:p>
             <a:fld id="{9B284AA3-C948-4AEF-9698-7E1A93E5B36F}" type="datetimeFigureOut">
               <a:rPr lang="en-US" smtClean="0"/>
-              <a:t>7/18/2015</a:t>
+              <a:t>7/20/2015</a:t>
             </a:fld>
             <a:endParaRPr lang="en-US"/>
           </a:p>
@@ -1616,7 +1624,7 @@
           <a:p>
             <a:fld id="{9B284AA3-C948-4AEF-9698-7E1A93E5B36F}" type="datetimeFigureOut">
               <a:rPr lang="en-US" smtClean="0"/>
-              <a:t>7/18/2015</a:t>
+              <a:t>7/20/2015</a:t>
             </a:fld>
             <a:endParaRPr lang="en-US"/>
           </a:p>
@@ -1734,7 +1742,7 @@
           <a:p>
             <a:fld id="{9B284AA3-C948-4AEF-9698-7E1A93E5B36F}" type="datetimeFigureOut">
               <a:rPr lang="en-US" smtClean="0"/>
-              <a:t>7/18/2015</a:t>
+              <a:t>7/20/2015</a:t>
             </a:fld>
             <a:endParaRPr lang="en-US"/>
           </a:p>
@@ -1829,7 +1837,7 @@
           <a:p>
             <a:fld id="{9B284AA3-C948-4AEF-9698-7E1A93E5B36F}" type="datetimeFigureOut">
               <a:rPr lang="en-US" smtClean="0"/>
-              <a:t>7/18/2015</a:t>
+              <a:t>7/20/2015</a:t>
             </a:fld>
             <a:endParaRPr lang="en-US"/>
           </a:p>
@@ -2106,7 +2114,7 @@
           <a:p>
             <a:fld id="{9B284AA3-C948-4AEF-9698-7E1A93E5B36F}" type="datetimeFigureOut">
               <a:rPr lang="en-US" smtClean="0"/>
-              <a:t>7/18/2015</a:t>
+              <a:t>7/20/2015</a:t>
             </a:fld>
             <a:endParaRPr lang="en-US"/>
           </a:p>
@@ -2359,7 +2367,7 @@
           <a:p>
             <a:fld id="{9B284AA3-C948-4AEF-9698-7E1A93E5B36F}" type="datetimeFigureOut">
               <a:rPr lang="en-US" smtClean="0"/>
-              <a:t>7/18/2015</a:t>
+              <a:t>7/20/2015</a:t>
             </a:fld>
             <a:endParaRPr lang="en-US"/>
           </a:p>
@@ -2572,7 +2580,7 @@
           <a:p>
             <a:fld id="{9B284AA3-C948-4AEF-9698-7E1A93E5B36F}" type="datetimeFigureOut">
               <a:rPr lang="en-US" smtClean="0"/>
-              <a:t>7/18/2015</a:t>
+              <a:t>7/20/2015</a:t>
             </a:fld>
             <a:endParaRPr lang="en-US"/>
           </a:p>
@@ -3065,16 +3073,8 @@
           <a:lstStyle/>
           <a:p>
             <a:r>
-              <a:rPr lang="en-US" dirty="0" err="1" smtClean="0"/>
-              <a:t>Melhores</a:t>
-            </a:r>
-            <a:r>
               <a:rPr lang="en-US" dirty="0" smtClean="0"/>
-              <a:t> </a:t>
-            </a:r>
-            <a:r>
-              <a:rPr lang="en-US" dirty="0" err="1" smtClean="0"/>
-              <a:t>práticas</a:t>
+              <a:t>Routing</a:t>
             </a:r>
             <a:endParaRPr lang="en-US" dirty="0"/>
           </a:p>
@@ -3102,7 +3102,7 @@
     </p:spTree>
     <p:extLst>
       <p:ext uri="{BB962C8B-B14F-4D97-AF65-F5344CB8AC3E}">
-        <p14:creationId xmlns:p14="http://schemas.microsoft.com/office/powerpoint/2010/main" val="2756249304"/>
+        <p14:creationId xmlns:p14="http://schemas.microsoft.com/office/powerpoint/2010/main" val="885337870"/>
       </p:ext>
     </p:extLst>
   </p:cSld>
@@ -3145,12 +3145,8 @@
           <a:lstStyle/>
           <a:p>
             <a:r>
-              <a:rPr lang="en-US" dirty="0" err="1" smtClean="0"/>
-              <a:t>Futuro</a:t>
-            </a:r>
-            <a:r>
               <a:rPr lang="en-US" dirty="0" smtClean="0"/>
-              <a:t> do ASP.NET</a:t>
+              <a:t>Filters</a:t>
             </a:r>
             <a:endParaRPr lang="en-US" dirty="0"/>
           </a:p>
@@ -3178,7 +3174,7 @@
     </p:spTree>
     <p:extLst>
       <p:ext uri="{BB962C8B-B14F-4D97-AF65-F5344CB8AC3E}">
-        <p14:creationId xmlns:p14="http://schemas.microsoft.com/office/powerpoint/2010/main" val="1578753499"/>
+        <p14:creationId xmlns:p14="http://schemas.microsoft.com/office/powerpoint/2010/main" val="4086552586"/>
       </p:ext>
     </p:extLst>
   </p:cSld>
@@ -3222,7 +3218,27 @@
           <a:p>
             <a:r>
               <a:rPr lang="en-US" dirty="0" err="1" smtClean="0"/>
-              <a:t>Ferramentas</a:t>
+              <a:t>Segurança</a:t>
+            </a:r>
+            <a:r>
+              <a:rPr lang="en-US" dirty="0" smtClean="0"/>
+              <a:t>: </a:t>
+            </a:r>
+            <a:r>
+              <a:rPr lang="en-US" dirty="0" err="1" smtClean="0"/>
+              <a:t>autorização</a:t>
+            </a:r>
+            <a:r>
+              <a:rPr lang="en-US" dirty="0" smtClean="0"/>
+              <a:t> </a:t>
+            </a:r>
+            <a:r>
+              <a:rPr lang="en-US" dirty="0" smtClean="0"/>
+              <a:t>e </a:t>
+            </a:r>
+            <a:r>
+              <a:rPr lang="en-US" dirty="0" err="1" smtClean="0"/>
+              <a:t>autenticação</a:t>
             </a:r>
             <a:endParaRPr lang="en-US" dirty="0"/>
           </a:p>
@@ -3243,14 +3259,18 @@
           <a:bodyPr/>
           <a:lstStyle/>
           <a:p>
-            <a:endParaRPr lang="en-US"/>
+            <a:r>
+              <a:rPr lang="en-US" dirty="0" smtClean="0"/>
+              <a:t>ASP.NET Identity</a:t>
+            </a:r>
+            <a:endParaRPr lang="en-US" dirty="0"/>
           </a:p>
         </p:txBody>
       </p:sp>
     </p:spTree>
     <p:extLst>
       <p:ext uri="{BB962C8B-B14F-4D97-AF65-F5344CB8AC3E}">
-        <p14:creationId xmlns:p14="http://schemas.microsoft.com/office/powerpoint/2010/main" val="2473890283"/>
+        <p14:creationId xmlns:p14="http://schemas.microsoft.com/office/powerpoint/2010/main" val="3226619820"/>
       </p:ext>
     </p:extLst>
   </p:cSld>
@@ -3293,8 +3313,8 @@
           <a:lstStyle/>
           <a:p>
             <a:r>
-              <a:rPr lang="en-US" dirty="0" err="1" smtClean="0"/>
-              <a:t>Considerações</a:t>
+              <a:rPr lang="en-US" dirty="0" smtClean="0"/>
+              <a:t>Hands-On</a:t>
             </a:r>
             <a:endParaRPr lang="en-US" dirty="0"/>
           </a:p>
@@ -3322,7 +3342,7 @@
     </p:spTree>
     <p:extLst>
       <p:ext uri="{BB962C8B-B14F-4D97-AF65-F5344CB8AC3E}">
-        <p14:creationId xmlns:p14="http://schemas.microsoft.com/office/powerpoint/2010/main" val="1782215375"/>
+        <p14:creationId xmlns:p14="http://schemas.microsoft.com/office/powerpoint/2010/main" val="2756249304"/>
       </p:ext>
     </p:extLst>
   </p:cSld>
@@ -3366,31 +3386,119 @@
           <a:p>
             <a:r>
               <a:rPr lang="en-US" dirty="0" err="1" smtClean="0"/>
+              <a:t>Futuro</a:t>
+            </a:r>
+            <a:r>
+              <a:rPr lang="en-US" dirty="0" smtClean="0"/>
+              <a:t> do ASP.NET</a:t>
+            </a:r>
+            <a:endParaRPr lang="en-US" dirty="0"/>
+          </a:p>
+        </p:txBody>
+      </p:sp>
+      <p:sp>
+        <p:nvSpPr>
+          <p:cNvPr id="3" name="Content Placeholder 2"/>
+          <p:cNvSpPr>
+            <a:spLocks noGrp="1"/>
+          </p:cNvSpPr>
+          <p:nvPr>
+            <p:ph idx="1"/>
+          </p:nvPr>
+        </p:nvSpPr>
+        <p:spPr/>
+        <p:txBody>
+          <a:bodyPr/>
+          <a:lstStyle/>
+          <a:p>
+            <a:endParaRPr lang="en-US"/>
+          </a:p>
+        </p:txBody>
+      </p:sp>
+    </p:spTree>
+    <p:extLst>
+      <p:ext uri="{BB962C8B-B14F-4D97-AF65-F5344CB8AC3E}">
+        <p14:creationId xmlns:p14="http://schemas.microsoft.com/office/powerpoint/2010/main" val="1578753499"/>
+      </p:ext>
+    </p:extLst>
+  </p:cSld>
+  <p:clrMapOvr>
+    <a:masterClrMapping/>
+  </p:clrMapOvr>
+</p:sld>
+</file>
+
+<file path=ppt/slides/slide15.xml><?xml version="1.0" encoding="utf-8"?>
+<p:sld xmlns:a="http://schemas.openxmlformats.org/drawingml/2006/main" xmlns:r="http://schemas.openxmlformats.org/officeDocument/2006/relationships" xmlns:p="http://schemas.openxmlformats.org/presentationml/2006/main">
+  <p:cSld>
+    <p:spTree>
+      <p:nvGrpSpPr>
+        <p:cNvPr id="1" name=""/>
+        <p:cNvGrpSpPr/>
+        <p:nvPr/>
+      </p:nvGrpSpPr>
+      <p:grpSpPr>
+        <a:xfrm>
+          <a:off x="0" y="0"/>
+          <a:ext cx="0" cy="0"/>
+          <a:chOff x="0" y="0"/>
+          <a:chExt cx="0" cy="0"/>
+        </a:xfrm>
+      </p:grpSpPr>
+      <p:sp>
+        <p:nvSpPr>
+          <p:cNvPr id="2" name="Title 1"/>
+          <p:cNvSpPr>
+            <a:spLocks noGrp="1"/>
+          </p:cNvSpPr>
+          <p:nvPr>
+            <p:ph type="title"/>
+          </p:nvPr>
+        </p:nvSpPr>
+        <p:spPr/>
+        <p:txBody>
+          <a:bodyPr/>
+          <a:lstStyle/>
+          <a:p>
+            <a:r>
+              <a:rPr lang="en-US" dirty="0" err="1" smtClean="0"/>
+              <a:t>Melhores</a:t>
+            </a:r>
+            <a:r>
+              <a:rPr lang="en-US" dirty="0" smtClean="0"/>
+              <a:t> </a:t>
+            </a:r>
+            <a:r>
+              <a:rPr lang="en-US" dirty="0" err="1" smtClean="0"/>
+              <a:t>práticas</a:t>
+            </a:r>
+            <a:endParaRPr lang="en-US" dirty="0"/>
+          </a:p>
+        </p:txBody>
+      </p:sp>
+      <p:sp>
+        <p:nvSpPr>
+          <p:cNvPr id="3" name="Content Placeholder 2"/>
+          <p:cNvSpPr>
+            <a:spLocks noGrp="1"/>
+          </p:cNvSpPr>
+          <p:nvPr>
+            <p:ph idx="1"/>
+          </p:nvPr>
+        </p:nvSpPr>
+        <p:spPr/>
+        <p:txBody>
+          <a:bodyPr/>
+          <a:lstStyle/>
+          <a:p>
+            <a:r>
+              <a:rPr lang="en-US" dirty="0" err="1"/>
               <a:t>Não</a:t>
             </a:r>
             <a:r>
-              <a:rPr lang="en-US" dirty="0" smtClean="0"/>
+              <a:rPr lang="en-US" dirty="0"/>
               <a:t> use session</a:t>
             </a:r>
-            <a:endParaRPr lang="en-US" dirty="0"/>
-          </a:p>
-        </p:txBody>
-      </p:sp>
-      <p:sp>
-        <p:nvSpPr>
-          <p:cNvPr id="3" name="Content Placeholder 2"/>
-          <p:cNvSpPr>
-            <a:spLocks noGrp="1"/>
-          </p:cNvSpPr>
-          <p:nvPr>
-            <p:ph idx="1"/>
-          </p:nvPr>
-        </p:nvSpPr>
-        <p:spPr/>
-        <p:txBody>
-          <a:bodyPr/>
-          <a:lstStyle/>
-          <a:p>
             <a:endParaRPr lang="en-US" dirty="0"/>
           </a:p>
         </p:txBody>
@@ -3399,6 +3507,266 @@
     <p:extLst>
       <p:ext uri="{BB962C8B-B14F-4D97-AF65-F5344CB8AC3E}">
         <p14:creationId xmlns:p14="http://schemas.microsoft.com/office/powerpoint/2010/main" val="1200062970"/>
+      </p:ext>
+    </p:extLst>
+  </p:cSld>
+  <p:clrMapOvr>
+    <a:masterClrMapping/>
+  </p:clrMapOvr>
+</p:sld>
+</file>
+
+<file path=ppt/slides/slide16.xml><?xml version="1.0" encoding="utf-8"?>
+<p:sld xmlns:a="http://schemas.openxmlformats.org/drawingml/2006/main" xmlns:r="http://schemas.openxmlformats.org/officeDocument/2006/relationships" xmlns:p="http://schemas.openxmlformats.org/presentationml/2006/main">
+  <p:cSld>
+    <p:spTree>
+      <p:nvGrpSpPr>
+        <p:cNvPr id="1" name=""/>
+        <p:cNvGrpSpPr/>
+        <p:nvPr/>
+      </p:nvGrpSpPr>
+      <p:grpSpPr>
+        <a:xfrm>
+          <a:off x="0" y="0"/>
+          <a:ext cx="0" cy="0"/>
+          <a:chOff x="0" y="0"/>
+          <a:chExt cx="0" cy="0"/>
+        </a:xfrm>
+      </p:grpSpPr>
+      <p:sp>
+        <p:nvSpPr>
+          <p:cNvPr id="2" name="Title 1"/>
+          <p:cNvSpPr>
+            <a:spLocks noGrp="1"/>
+          </p:cNvSpPr>
+          <p:nvPr>
+            <p:ph type="title"/>
+          </p:nvPr>
+        </p:nvSpPr>
+        <p:spPr/>
+        <p:txBody>
+          <a:bodyPr/>
+          <a:lstStyle/>
+          <a:p>
+            <a:r>
+              <a:rPr lang="en-US" dirty="0" err="1" smtClean="0"/>
+              <a:t>Ferramentas</a:t>
+            </a:r>
+            <a:endParaRPr lang="en-US" dirty="0"/>
+          </a:p>
+        </p:txBody>
+      </p:sp>
+      <p:sp>
+        <p:nvSpPr>
+          <p:cNvPr id="3" name="Content Placeholder 2"/>
+          <p:cNvSpPr>
+            <a:spLocks noGrp="1"/>
+          </p:cNvSpPr>
+          <p:nvPr>
+            <p:ph idx="1"/>
+          </p:nvPr>
+        </p:nvSpPr>
+        <p:spPr>
+          <a:xfrm>
+            <a:off x="838200" y="1472056"/>
+            <a:ext cx="10515600" cy="5038471"/>
+          </a:xfrm>
+        </p:spPr>
+        <p:txBody>
+          <a:bodyPr>
+            <a:normAutofit fontScale="85000" lnSpcReduction="20000"/>
+          </a:bodyPr>
+          <a:lstStyle/>
+          <a:p>
+            <a:r>
+              <a:rPr lang="en-US" dirty="0" smtClean="0"/>
+              <a:t>Log4net </a:t>
+            </a:r>
+            <a:r>
+              <a:rPr lang="en-US" dirty="0" err="1" smtClean="0"/>
+              <a:t>ou</a:t>
+            </a:r>
+            <a:r>
+              <a:rPr lang="en-US" dirty="0" smtClean="0"/>
+              <a:t> </a:t>
+            </a:r>
+            <a:r>
+              <a:rPr lang="en-US" dirty="0" err="1" smtClean="0"/>
+              <a:t>Elmah</a:t>
+            </a:r>
+            <a:endParaRPr lang="en-US" dirty="0" smtClean="0"/>
+          </a:p>
+          <a:p>
+            <a:r>
+              <a:rPr lang="en-US" dirty="0" smtClean="0"/>
+              <a:t>Fluent Security</a:t>
+            </a:r>
+          </a:p>
+          <a:p>
+            <a:r>
+              <a:rPr lang="en-US" dirty="0" smtClean="0"/>
+              <a:t>Fluent Validation</a:t>
+            </a:r>
+          </a:p>
+          <a:p>
+            <a:r>
+              <a:rPr lang="en-US" smtClean="0"/>
+              <a:t>Flurl</a:t>
+            </a:r>
+            <a:endParaRPr lang="en-US" dirty="0" smtClean="0"/>
+          </a:p>
+          <a:p>
+            <a:r>
+              <a:rPr lang="en-US" dirty="0" smtClean="0"/>
+              <a:t>ORMs</a:t>
+            </a:r>
+          </a:p>
+          <a:p>
+            <a:pPr lvl="1"/>
+            <a:r>
+              <a:rPr lang="en-US" dirty="0" smtClean="0"/>
+              <a:t>Entity Framework</a:t>
+            </a:r>
+          </a:p>
+          <a:p>
+            <a:pPr lvl="1"/>
+            <a:r>
+              <a:rPr lang="en-US" dirty="0" err="1" smtClean="0"/>
+              <a:t>Nhibernate</a:t>
+            </a:r>
+            <a:endParaRPr lang="en-US" dirty="0" smtClean="0"/>
+          </a:p>
+          <a:p>
+            <a:pPr lvl="1"/>
+            <a:r>
+              <a:rPr lang="en-US" dirty="0" smtClean="0"/>
+              <a:t>Micro ORMs</a:t>
+            </a:r>
+          </a:p>
+          <a:p>
+            <a:pPr lvl="2"/>
+            <a:r>
+              <a:rPr lang="en-US" dirty="0"/>
+              <a:t>Dapper</a:t>
+            </a:r>
+            <a:endParaRPr lang="en-US" dirty="0"/>
+          </a:p>
+          <a:p>
+            <a:pPr lvl="2"/>
+            <a:r>
+              <a:rPr lang="en-US" dirty="0" err="1" smtClean="0"/>
+              <a:t>PetaPoco</a:t>
+            </a:r>
+            <a:endParaRPr lang="en-US" dirty="0"/>
+          </a:p>
+          <a:p>
+            <a:pPr lvl="2"/>
+            <a:r>
+              <a:rPr lang="en-US" dirty="0" err="1" smtClean="0"/>
+              <a:t>OrmLite</a:t>
+            </a:r>
+            <a:endParaRPr lang="en-US" dirty="0" smtClean="0"/>
+          </a:p>
+          <a:p>
+            <a:r>
+              <a:rPr lang="en-US" dirty="0" smtClean="0"/>
+              <a:t>Auto mapper</a:t>
+            </a:r>
+            <a:endParaRPr lang="en-US" dirty="0"/>
+          </a:p>
+          <a:p>
+            <a:r>
+              <a:rPr lang="en-US" dirty="0" smtClean="0"/>
+              <a:t>Cache</a:t>
+            </a:r>
+          </a:p>
+          <a:p>
+            <a:pPr lvl="1"/>
+            <a:r>
+              <a:rPr lang="en-US" dirty="0" err="1" smtClean="0"/>
+              <a:t>Redis</a:t>
+            </a:r>
+            <a:endParaRPr lang="en-US" dirty="0" smtClean="0"/>
+          </a:p>
+          <a:p>
+            <a:pPr lvl="1"/>
+            <a:r>
+              <a:rPr lang="en-US" dirty="0" err="1" smtClean="0"/>
+              <a:t>MainCache</a:t>
+            </a:r>
+            <a:endParaRPr lang="en-US" dirty="0" smtClean="0"/>
+          </a:p>
+          <a:p>
+            <a:endParaRPr lang="en-US" dirty="0"/>
+          </a:p>
+        </p:txBody>
+      </p:sp>
+    </p:spTree>
+    <p:extLst>
+      <p:ext uri="{BB962C8B-B14F-4D97-AF65-F5344CB8AC3E}">
+        <p14:creationId xmlns:p14="http://schemas.microsoft.com/office/powerpoint/2010/main" val="2473890283"/>
+      </p:ext>
+    </p:extLst>
+  </p:cSld>
+  <p:clrMapOvr>
+    <a:masterClrMapping/>
+  </p:clrMapOvr>
+</p:sld>
+</file>
+
+<file path=ppt/slides/slide17.xml><?xml version="1.0" encoding="utf-8"?>
+<p:sld xmlns:a="http://schemas.openxmlformats.org/drawingml/2006/main" xmlns:r="http://schemas.openxmlformats.org/officeDocument/2006/relationships" xmlns:p="http://schemas.openxmlformats.org/presentationml/2006/main">
+  <p:cSld>
+    <p:spTree>
+      <p:nvGrpSpPr>
+        <p:cNvPr id="1" name=""/>
+        <p:cNvGrpSpPr/>
+        <p:nvPr/>
+      </p:nvGrpSpPr>
+      <p:grpSpPr>
+        <a:xfrm>
+          <a:off x="0" y="0"/>
+          <a:ext cx="0" cy="0"/>
+          <a:chOff x="0" y="0"/>
+          <a:chExt cx="0" cy="0"/>
+        </a:xfrm>
+      </p:grpSpPr>
+      <p:sp>
+        <p:nvSpPr>
+          <p:cNvPr id="2" name="Title 1"/>
+          <p:cNvSpPr>
+            <a:spLocks noGrp="1"/>
+          </p:cNvSpPr>
+          <p:nvPr>
+            <p:ph type="title"/>
+          </p:nvPr>
+        </p:nvSpPr>
+        <p:spPr>
+          <a:xfrm>
+            <a:off x="813816" y="2815717"/>
+            <a:ext cx="10515600" cy="1325563"/>
+          </a:xfrm>
+        </p:spPr>
+        <p:txBody>
+          <a:bodyPr/>
+          <a:lstStyle/>
+          <a:p>
+            <a:r>
+              <a:rPr lang="en-US" dirty="0" err="1" smtClean="0"/>
+              <a:t>Perguntas</a:t>
+            </a:r>
+            <a:r>
+              <a:rPr lang="en-US" dirty="0" smtClean="0"/>
+              <a:t>?</a:t>
+            </a:r>
+            <a:endParaRPr lang="en-US" dirty="0"/>
+          </a:p>
+        </p:txBody>
+      </p:sp>
+    </p:spTree>
+    <p:extLst>
+      <p:ext uri="{BB962C8B-B14F-4D97-AF65-F5344CB8AC3E}">
+        <p14:creationId xmlns:p14="http://schemas.microsoft.com/office/powerpoint/2010/main" val="3832291747"/>
       </p:ext>
     </p:extLst>
   </p:cSld>
@@ -3473,105 +3841,277 @@
         </p:spPr>
         <p:txBody>
           <a:bodyPr>
-            <a:normAutofit/>
+            <a:noAutofit/>
           </a:bodyPr>
           <a:lstStyle/>
           <a:p>
             <a:r>
-              <a:rPr lang="en-US" sz="2400" dirty="0" err="1" smtClean="0"/>
+              <a:rPr lang="en-US" sz="1600" dirty="0" err="1" smtClean="0"/>
+              <a:t>Introdução</a:t>
+            </a:r>
+            <a:r>
+              <a:rPr lang="en-US" sz="1600" dirty="0" smtClean="0"/>
+              <a:t> 1hr</a:t>
+            </a:r>
+          </a:p>
+          <a:p>
+            <a:pPr lvl="1"/>
+            <a:r>
+              <a:rPr lang="en-US" sz="1600" dirty="0" err="1" smtClean="0"/>
               <a:t>Padrão</a:t>
             </a:r>
             <a:r>
-              <a:rPr lang="en-US" sz="2400" dirty="0" smtClean="0"/>
-              <a:t> MVC</a:t>
-            </a:r>
-          </a:p>
-          <a:p>
-            <a:r>
-              <a:rPr lang="en-US" sz="2400" dirty="0" smtClean="0"/>
-              <a:t>ASP.NET</a:t>
-            </a:r>
-          </a:p>
-          <a:p>
-            <a:r>
-              <a:rPr lang="en-US" sz="2400" dirty="0" smtClean="0"/>
-              <a:t>Controllers</a:t>
-            </a:r>
-          </a:p>
-          <a:p>
-            <a:r>
-              <a:rPr lang="en-US" sz="2400" dirty="0" smtClean="0"/>
-              <a:t>Views</a:t>
-            </a:r>
-          </a:p>
-          <a:p>
-            <a:r>
-              <a:rPr lang="en-US" sz="2400" dirty="0" smtClean="0"/>
-              <a:t>Models</a:t>
-            </a:r>
-          </a:p>
-          <a:p>
-            <a:r>
-              <a:rPr lang="en-US" sz="2400" dirty="0" smtClean="0"/>
-              <a:t>Action Filters</a:t>
-            </a:r>
-          </a:p>
-          <a:p>
-            <a:r>
-              <a:rPr lang="en-US" sz="2400" dirty="0" err="1" smtClean="0"/>
+              <a:rPr lang="en-US" sz="1600" dirty="0" smtClean="0"/>
+              <a:t> MVC 20min</a:t>
+            </a:r>
+          </a:p>
+          <a:p>
+            <a:pPr lvl="1"/>
+            <a:r>
+              <a:rPr lang="en-US" sz="1600" dirty="0" smtClean="0"/>
+              <a:t>ASP.NET 20min</a:t>
+            </a:r>
+          </a:p>
+          <a:p>
+            <a:pPr lvl="2"/>
+            <a:r>
+              <a:rPr lang="en-US" sz="1600" dirty="0" err="1" smtClean="0"/>
+              <a:t>Plataforma</a:t>
+            </a:r>
+            <a:r>
+              <a:rPr lang="en-US" sz="1600" dirty="0" smtClean="0"/>
+              <a:t> Web </a:t>
+            </a:r>
+            <a:endParaRPr lang="en-US" sz="1600" dirty="0" smtClean="0"/>
+          </a:p>
+          <a:p>
+            <a:pPr lvl="2"/>
+            <a:r>
+              <a:rPr lang="en-US" sz="1600" dirty="0" smtClean="0"/>
+              <a:t>Web Forms</a:t>
+            </a:r>
+          </a:p>
+          <a:p>
+            <a:r>
+              <a:rPr lang="en-US" sz="1600" dirty="0" err="1" smtClean="0"/>
+              <a:t>Meio</a:t>
+            </a:r>
+            <a:r>
+              <a:rPr lang="en-US" sz="1600" dirty="0" smtClean="0"/>
+              <a:t> 5hr</a:t>
+            </a:r>
+          </a:p>
+          <a:p>
+            <a:pPr lvl="1"/>
+            <a:r>
+              <a:rPr lang="en-US" sz="1600" dirty="0" err="1" smtClean="0">
+                <a:solidFill>
+                  <a:srgbClr val="FF0000"/>
+                </a:solidFill>
+              </a:rPr>
+              <a:t>Básico</a:t>
+            </a:r>
+            <a:endParaRPr lang="en-US" sz="1600" dirty="0" smtClean="0">
+              <a:solidFill>
+                <a:srgbClr val="FF0000"/>
+              </a:solidFill>
+            </a:endParaRPr>
+          </a:p>
+          <a:p>
+            <a:pPr lvl="2"/>
+            <a:r>
+              <a:rPr lang="en-US" sz="1400" dirty="0">
+                <a:solidFill>
+                  <a:srgbClr val="FF0000"/>
+                </a:solidFill>
+              </a:rPr>
+              <a:t>Views </a:t>
+            </a:r>
+            <a:r>
+              <a:rPr lang="en-US" sz="1200" dirty="0" smtClean="0">
+                <a:solidFill>
+                  <a:srgbClr val="FF0000"/>
+                </a:solidFill>
+              </a:rPr>
+              <a:t>1hr</a:t>
+            </a:r>
+          </a:p>
+          <a:p>
+            <a:pPr lvl="2"/>
+            <a:r>
+              <a:rPr lang="en-US" sz="1600" dirty="0" smtClean="0">
+                <a:solidFill>
+                  <a:srgbClr val="FF0000"/>
+                </a:solidFill>
+              </a:rPr>
+              <a:t>Controllers 1hr</a:t>
+            </a:r>
+          </a:p>
+          <a:p>
+            <a:pPr lvl="3"/>
+            <a:r>
+              <a:rPr lang="en-US" sz="1400" dirty="0" err="1" smtClean="0">
+                <a:solidFill>
+                  <a:srgbClr val="FF0000"/>
+                </a:solidFill>
+              </a:rPr>
+              <a:t>Armazenamento</a:t>
+            </a:r>
+            <a:r>
+              <a:rPr lang="en-US" sz="1400" dirty="0" smtClean="0">
+                <a:solidFill>
+                  <a:srgbClr val="FF0000"/>
+                </a:solidFill>
+              </a:rPr>
+              <a:t> Web (Session, </a:t>
+            </a:r>
+            <a:r>
+              <a:rPr lang="en-US" sz="1400" dirty="0" err="1" smtClean="0">
+                <a:solidFill>
+                  <a:srgbClr val="FF0000"/>
+                </a:solidFill>
+              </a:rPr>
+              <a:t>TempData</a:t>
+            </a:r>
+            <a:r>
+              <a:rPr lang="en-US" sz="1400" dirty="0" smtClean="0">
+                <a:solidFill>
+                  <a:srgbClr val="FF0000"/>
+                </a:solidFill>
+              </a:rPr>
+              <a:t>, etc…)</a:t>
+            </a:r>
+          </a:p>
+          <a:p>
+            <a:pPr lvl="3"/>
+            <a:r>
+              <a:rPr lang="en-US" sz="1400" dirty="0" smtClean="0">
+                <a:solidFill>
+                  <a:srgbClr val="FF0000"/>
+                </a:solidFill>
+              </a:rPr>
+              <a:t>Actions</a:t>
+            </a:r>
+          </a:p>
+          <a:p>
+            <a:pPr lvl="2"/>
+            <a:r>
+              <a:rPr lang="en-US" sz="1600" dirty="0" smtClean="0">
+                <a:solidFill>
+                  <a:srgbClr val="FF0000"/>
+                </a:solidFill>
+              </a:rPr>
+              <a:t>Models 1hr</a:t>
+            </a:r>
+          </a:p>
+          <a:p>
+            <a:pPr lvl="2"/>
+            <a:r>
+              <a:rPr lang="en-US" sz="1600" dirty="0" smtClean="0">
+                <a:solidFill>
+                  <a:srgbClr val="FF0000"/>
+                </a:solidFill>
+              </a:rPr>
+              <a:t>Routing 1hr</a:t>
+            </a:r>
+          </a:p>
+          <a:p>
+            <a:pPr lvl="1"/>
+            <a:r>
+              <a:rPr lang="en-US" sz="1600" dirty="0" err="1" smtClean="0"/>
+              <a:t>Avançado</a:t>
+            </a:r>
+            <a:endParaRPr lang="en-US" sz="1600" dirty="0" smtClean="0"/>
+          </a:p>
+          <a:p>
+            <a:pPr lvl="2"/>
+            <a:r>
+              <a:rPr lang="en-US" sz="1600" dirty="0" smtClean="0"/>
+              <a:t>Action Filters 30min</a:t>
+            </a:r>
+          </a:p>
+          <a:p>
+            <a:pPr lvl="2"/>
+            <a:r>
+              <a:rPr lang="en-US" sz="1600" dirty="0" err="1" smtClean="0"/>
               <a:t>Autenticação</a:t>
             </a:r>
             <a:r>
-              <a:rPr lang="en-US" sz="2400" dirty="0" smtClean="0"/>
+              <a:rPr lang="en-US" sz="1600" dirty="0" smtClean="0"/>
               <a:t> e </a:t>
             </a:r>
             <a:r>
-              <a:rPr lang="en-US" sz="2400" dirty="0" err="1" smtClean="0"/>
+              <a:rPr lang="en-US" sz="1600" dirty="0" err="1" smtClean="0"/>
               <a:t>autorização</a:t>
             </a:r>
-            <a:endParaRPr lang="en-US" sz="2400" dirty="0" smtClean="0"/>
-          </a:p>
-          <a:p>
-            <a:r>
-              <a:rPr lang="en-US" sz="2400" dirty="0" err="1" smtClean="0"/>
+            <a:r>
+              <a:rPr lang="en-US" sz="1600" dirty="0" smtClean="0"/>
+              <a:t> 30min</a:t>
+            </a:r>
+          </a:p>
+          <a:p>
+            <a:pPr lvl="1"/>
+            <a:r>
+              <a:rPr lang="en-US" sz="1600" dirty="0" err="1" smtClean="0"/>
+              <a:t>Exemplo</a:t>
+            </a:r>
+            <a:r>
+              <a:rPr lang="en-US" sz="1600" dirty="0" smtClean="0"/>
+              <a:t> </a:t>
+            </a:r>
+            <a:r>
+              <a:rPr lang="en-US" sz="1600" dirty="0" err="1" smtClean="0"/>
+              <a:t>Prático</a:t>
+            </a:r>
+            <a:r>
+              <a:rPr lang="en-US" sz="1600" dirty="0" smtClean="0"/>
+              <a:t> 1hr</a:t>
+            </a:r>
+          </a:p>
+          <a:p>
+            <a:r>
+              <a:rPr lang="en-US" sz="1600" dirty="0" err="1" smtClean="0"/>
+              <a:t>Conclusão</a:t>
+            </a:r>
+            <a:r>
+              <a:rPr lang="en-US" sz="1600" dirty="0" smtClean="0"/>
+              <a:t> 1hr</a:t>
+            </a:r>
+          </a:p>
+          <a:p>
+            <a:pPr lvl="1"/>
+            <a:r>
+              <a:rPr lang="en-US" sz="1600" dirty="0" err="1"/>
               <a:t>Melhores</a:t>
             </a:r>
             <a:r>
-              <a:rPr lang="en-US" sz="2400" dirty="0" smtClean="0"/>
+              <a:rPr lang="en-US" sz="1600" dirty="0"/>
               <a:t> </a:t>
             </a:r>
             <a:r>
-              <a:rPr lang="en-US" sz="2400" dirty="0" err="1" smtClean="0"/>
+              <a:rPr lang="en-US" sz="1600" dirty="0" err="1" smtClean="0"/>
               <a:t>práticas</a:t>
             </a:r>
-            <a:endParaRPr lang="en-US" sz="2400" dirty="0" smtClean="0"/>
-          </a:p>
-          <a:p>
-            <a:r>
-              <a:rPr lang="en-US" sz="2400" dirty="0" err="1" smtClean="0"/>
+            <a:endParaRPr lang="en-US" sz="1600" dirty="0" smtClean="0"/>
+          </a:p>
+          <a:p>
+            <a:pPr lvl="1"/>
+            <a:r>
+              <a:rPr lang="en-US" sz="1600" dirty="0" err="1" smtClean="0"/>
               <a:t>Futuro</a:t>
             </a:r>
             <a:r>
-              <a:rPr lang="en-US" sz="2400" dirty="0" smtClean="0"/>
+              <a:rPr lang="en-US" sz="1600" dirty="0" smtClean="0"/>
               <a:t> do ASP. NET</a:t>
             </a:r>
           </a:p>
           <a:p>
-            <a:r>
-              <a:rPr lang="en-US" sz="2400" dirty="0" err="1" smtClean="0"/>
+            <a:pPr lvl="1"/>
+            <a:r>
+              <a:rPr lang="en-US" sz="1600" dirty="0" err="1" smtClean="0"/>
               <a:t>Ferramentas</a:t>
             </a:r>
-            <a:endParaRPr lang="en-US" sz="2400" dirty="0" smtClean="0"/>
-          </a:p>
-          <a:p>
-            <a:r>
-              <a:rPr lang="en-US" sz="2400" dirty="0" err="1" smtClean="0"/>
-              <a:t>Considerações</a:t>
-            </a:r>
-            <a:endParaRPr lang="en-US" sz="2400" dirty="0" smtClean="0"/>
-          </a:p>
-          <a:p>
-            <a:endParaRPr lang="en-US" sz="2400" dirty="0"/>
+            <a:endParaRPr lang="en-US" sz="1600" dirty="0" smtClean="0"/>
           </a:p>
         </p:txBody>
       </p:sp>
@@ -3615,50 +4155,102 @@
             <p:ph type="title"/>
           </p:nvPr>
         </p:nvSpPr>
-        <p:spPr/>
-        <p:txBody>
-          <a:bodyPr/>
-          <a:lstStyle/>
-          <a:p>
+        <p:spPr>
+          <a:xfrm>
+            <a:off x="838200" y="0"/>
+            <a:ext cx="10515600" cy="1325563"/>
+          </a:xfrm>
+        </p:spPr>
+        <p:txBody>
+          <a:bodyPr/>
+          <a:lstStyle/>
+          <a:p>
+            <a:r>
+              <a:rPr lang="en-US" dirty="0" err="1" smtClean="0"/>
+              <a:t>Plataforma</a:t>
+            </a:r>
             <a:r>
               <a:rPr lang="en-US" dirty="0" smtClean="0"/>
-              <a:t>O </a:t>
-            </a:r>
-            <a:r>
-              <a:rPr lang="en-US" dirty="0" err="1" smtClean="0"/>
-              <a:t>Padrão</a:t>
-            </a:r>
-            <a:r>
-              <a:rPr lang="en-US" dirty="0" smtClean="0"/>
-              <a:t> MVC	</a:t>
+              <a:t> ASP.NET</a:t>
             </a:r>
             <a:endParaRPr lang="en-US" dirty="0"/>
           </a:p>
         </p:txBody>
       </p:sp>
-      <p:sp>
-        <p:nvSpPr>
-          <p:cNvPr id="3" name="Content Placeholder 2"/>
-          <p:cNvSpPr>
-            <a:spLocks noGrp="1"/>
-          </p:cNvSpPr>
+      <p:pic>
+        <p:nvPicPr>
+          <p:cNvPr id="4" name="Content Placeholder 3" descr="image"/>
+          <p:cNvPicPr>
+            <a:picLocks noGrp="1"/>
+          </p:cNvPicPr>
           <p:nvPr>
             <p:ph idx="1"/>
           </p:nvPr>
-        </p:nvSpPr>
-        <p:spPr/>
-        <p:txBody>
-          <a:bodyPr/>
-          <a:lstStyle/>
-          <a:p>
-            <a:endParaRPr lang="en-US"/>
-          </a:p>
-        </p:txBody>
-      </p:sp>
+        </p:nvPicPr>
+        <p:blipFill>
+          <a:blip r:embed="rId2">
+            <a:extLst>
+              <a:ext uri="{28A0092B-C50C-407E-A947-70E740481C1C}">
+                <a14:useLocalDpi xmlns:a14="http://schemas.microsoft.com/office/drawing/2010/main" val="0"/>
+              </a:ext>
+            </a:extLst>
+          </a:blip>
+          <a:srcRect/>
+          <a:stretch>
+            <a:fillRect/>
+          </a:stretch>
+        </p:blipFill>
+        <p:spPr bwMode="auto">
+          <a:xfrm>
+            <a:off x="838200" y="1284502"/>
+            <a:ext cx="6489963" cy="4311626"/>
+          </a:xfrm>
+          <a:prstGeom prst="rect">
+            <a:avLst/>
+          </a:prstGeom>
+          <a:noFill/>
+          <a:ln>
+            <a:noFill/>
+          </a:ln>
+        </p:spPr>
+      </p:pic>
+      <p:pic>
+        <p:nvPicPr>
+          <p:cNvPr id="5" name="Picture 4" descr="AspnetCoreStack"/>
+          <p:cNvPicPr/>
+          <p:nvPr/>
+        </p:nvPicPr>
+        <p:blipFill>
+          <a:blip r:embed="rId3">
+            <a:extLst>
+              <a:ext uri="{28A0092B-C50C-407E-A947-70E740481C1C}">
+                <a14:useLocalDpi xmlns:a14="http://schemas.microsoft.com/office/drawing/2010/main" val="0"/>
+              </a:ext>
+            </a:extLst>
+          </a:blip>
+          <a:srcRect/>
+          <a:stretch>
+            <a:fillRect/>
+          </a:stretch>
+        </p:blipFill>
+        <p:spPr bwMode="auto">
+          <a:xfrm>
+            <a:off x="7971862" y="1284502"/>
+            <a:ext cx="3675317" cy="5213834"/>
+          </a:xfrm>
+          <a:prstGeom prst="rect">
+            <a:avLst/>
+          </a:prstGeom>
+          <a:noFill/>
+          <a:ln>
+            <a:noFill/>
+          </a:ln>
+        </p:spPr>
+      </p:pic>
     </p:spTree>
     <p:extLst>
       <p:ext uri="{BB962C8B-B14F-4D97-AF65-F5344CB8AC3E}">
-        <p14:creationId xmlns:p14="http://schemas.microsoft.com/office/powerpoint/2010/main" val="449919095"/>
+        <p14:creationId xmlns:p14="http://schemas.microsoft.com/office/powerpoint/2010/main" val="2858259401"/>
       </p:ext>
     </p:extLst>
   </p:cSld>
@@ -3702,7 +4294,15 @@
           <a:p>
             <a:r>
               <a:rPr lang="en-US" dirty="0" smtClean="0"/>
-              <a:t>ASP. NET MVC</a:t>
+              <a:t>O </a:t>
+            </a:r>
+            <a:r>
+              <a:rPr lang="en-US" dirty="0" err="1" smtClean="0"/>
+              <a:t>Padrão</a:t>
+            </a:r>
+            <a:r>
+              <a:rPr lang="en-US" dirty="0" smtClean="0"/>
+              <a:t> MVC	</a:t>
             </a:r>
             <a:endParaRPr lang="en-US" dirty="0"/>
           </a:p>
@@ -3710,7 +4310,7 @@
       </p:sp>
       <p:sp>
         <p:nvSpPr>
-          <p:cNvPr id="3" name="Content Placeholder 2"/>
+          <p:cNvPr id="5" name="Content Placeholder 4"/>
           <p:cNvSpPr>
             <a:spLocks noGrp="1"/>
           </p:cNvSpPr>
@@ -3718,19 +4318,46 @@
             <p:ph idx="1"/>
           </p:nvPr>
         </p:nvSpPr>
-        <p:spPr/>
-        <p:txBody>
-          <a:bodyPr/>
-          <a:lstStyle/>
-          <a:p>
-            <a:endParaRPr lang="en-US"/>
-          </a:p>
-        </p:txBody>
-      </p:sp>
+        <p:spPr>
+          <a:xfrm>
+            <a:off x="838200" y="1825625"/>
+            <a:ext cx="5877845" cy="4351338"/>
+          </a:xfrm>
+        </p:spPr>
+        <p:txBody>
+          <a:bodyPr/>
+          <a:lstStyle/>
+          <a:p>
+            <a:endParaRPr lang="en-US" dirty="0"/>
+          </a:p>
+        </p:txBody>
+      </p:sp>
+      <p:pic>
+        <p:nvPicPr>
+          <p:cNvPr id="6" name="Picture 5"/>
+          <p:cNvPicPr/>
+          <p:nvPr/>
+        </p:nvPicPr>
+        <p:blipFill>
+          <a:blip r:embed="rId2"/>
+          <a:stretch>
+            <a:fillRect/>
+          </a:stretch>
+        </p:blipFill>
+        <p:spPr>
+          <a:xfrm>
+            <a:off x="6716045" y="1825625"/>
+            <a:ext cx="4793203" cy="4351338"/>
+          </a:xfrm>
+          <a:prstGeom prst="rect">
+            <a:avLst/>
+          </a:prstGeom>
+        </p:spPr>
+      </p:pic>
     </p:spTree>
     <p:extLst>
       <p:ext uri="{BB962C8B-B14F-4D97-AF65-F5344CB8AC3E}">
-        <p14:creationId xmlns:p14="http://schemas.microsoft.com/office/powerpoint/2010/main" val="4239403711"/>
+        <p14:creationId xmlns:p14="http://schemas.microsoft.com/office/powerpoint/2010/main" val="449919095"/>
       </p:ext>
     </p:extLst>
   </p:cSld>
@@ -3774,7 +4401,7 @@
           <a:p>
             <a:r>
               <a:rPr lang="en-US" dirty="0" smtClean="0"/>
-              <a:t>Controllers</a:t>
+              <a:t>ASP. NET MVC</a:t>
             </a:r>
             <a:endParaRPr lang="en-US" dirty="0"/>
           </a:p>
@@ -3790,19 +4417,57 @@
             <p:ph idx="1"/>
           </p:nvPr>
         </p:nvSpPr>
-        <p:spPr/>
-        <p:txBody>
-          <a:bodyPr/>
-          <a:lstStyle/>
-          <a:p>
-            <a:endParaRPr lang="en-US"/>
-          </a:p>
-        </p:txBody>
-      </p:sp>
+        <p:spPr>
+          <a:xfrm>
+            <a:off x="838200" y="1825625"/>
+            <a:ext cx="4416552" cy="4351338"/>
+          </a:xfrm>
+        </p:spPr>
+        <p:txBody>
+          <a:bodyPr/>
+          <a:lstStyle/>
+          <a:p>
+            <a:endParaRPr lang="en-US" dirty="0"/>
+          </a:p>
+        </p:txBody>
+      </p:sp>
+      <p:pic>
+        <p:nvPicPr>
+          <p:cNvPr id="5" name="Picture 4" descr="http://joel.inpointform.net/wp-content/uploads/2011/05/mvc_mvp.jpg"/>
+          <p:cNvPicPr/>
+          <p:nvPr/>
+        </p:nvPicPr>
+        <p:blipFill>
+          <a:blip r:embed="rId2">
+            <a:extLst>
+              <a:ext uri="{28A0092B-C50C-407E-A947-70E740481C1C}">
+                <a14:useLocalDpi xmlns:a14="http://schemas.microsoft.com/office/drawing/2010/main" val="0"/>
+              </a:ext>
+            </a:extLst>
+          </a:blip>
+          <a:srcRect/>
+          <a:stretch>
+            <a:fillRect/>
+          </a:stretch>
+        </p:blipFill>
+        <p:spPr bwMode="auto">
+          <a:xfrm>
+            <a:off x="5510784" y="1837816"/>
+            <a:ext cx="6212205" cy="3855847"/>
+          </a:xfrm>
+          <a:prstGeom prst="rect">
+            <a:avLst/>
+          </a:prstGeom>
+          <a:noFill/>
+          <a:ln>
+            <a:noFill/>
+          </a:ln>
+        </p:spPr>
+      </p:pic>
     </p:spTree>
     <p:extLst>
       <p:ext uri="{BB962C8B-B14F-4D97-AF65-F5344CB8AC3E}">
-        <p14:creationId xmlns:p14="http://schemas.microsoft.com/office/powerpoint/2010/main" val="1776396367"/>
+        <p14:creationId xmlns:p14="http://schemas.microsoft.com/office/powerpoint/2010/main" val="4239403711"/>
       </p:ext>
     </p:extLst>
   </p:cSld>
@@ -3846,7 +4511,7 @@
           <a:p>
             <a:r>
               <a:rPr lang="en-US" dirty="0" smtClean="0"/>
-              <a:t>Views</a:t>
+              <a:t>ASP.NET Web Forms vs ASP.NET MVC</a:t>
             </a:r>
             <a:endParaRPr lang="en-US" dirty="0"/>
           </a:p>
@@ -3862,19 +4527,57 @@
             <p:ph idx="1"/>
           </p:nvPr>
         </p:nvSpPr>
-        <p:spPr/>
-        <p:txBody>
-          <a:bodyPr/>
-          <a:lstStyle/>
-          <a:p>
-            <a:endParaRPr lang="en-US"/>
-          </a:p>
-        </p:txBody>
-      </p:sp>
+        <p:spPr>
+          <a:xfrm>
+            <a:off x="838200" y="1825625"/>
+            <a:ext cx="4879848" cy="4351338"/>
+          </a:xfrm>
+        </p:spPr>
+        <p:txBody>
+          <a:bodyPr/>
+          <a:lstStyle/>
+          <a:p>
+            <a:endParaRPr lang="en-US" dirty="0"/>
+          </a:p>
+        </p:txBody>
+      </p:sp>
+      <p:pic>
+        <p:nvPicPr>
+          <p:cNvPr id="4" name="Picture 3" descr="Figure 1"/>
+          <p:cNvPicPr/>
+          <p:nvPr/>
+        </p:nvPicPr>
+        <p:blipFill>
+          <a:blip r:embed="rId2">
+            <a:extLst>
+              <a:ext uri="{28A0092B-C50C-407E-A947-70E740481C1C}">
+                <a14:useLocalDpi xmlns:a14="http://schemas.microsoft.com/office/drawing/2010/main" val="0"/>
+              </a:ext>
+            </a:extLst>
+          </a:blip>
+          <a:srcRect/>
+          <a:stretch>
+            <a:fillRect/>
+          </a:stretch>
+        </p:blipFill>
+        <p:spPr bwMode="auto">
+          <a:xfrm>
+            <a:off x="6315456" y="1825625"/>
+            <a:ext cx="5330952" cy="4222432"/>
+          </a:xfrm>
+          <a:prstGeom prst="rect">
+            <a:avLst/>
+          </a:prstGeom>
+          <a:noFill/>
+          <a:ln>
+            <a:noFill/>
+          </a:ln>
+        </p:spPr>
+      </p:pic>
     </p:spTree>
     <p:extLst>
       <p:ext uri="{BB962C8B-B14F-4D97-AF65-F5344CB8AC3E}">
-        <p14:creationId xmlns:p14="http://schemas.microsoft.com/office/powerpoint/2010/main" val="507056793"/>
+        <p14:creationId xmlns:p14="http://schemas.microsoft.com/office/powerpoint/2010/main" val="626201613"/>
       </p:ext>
     </p:extLst>
   </p:cSld>
@@ -3918,7 +4621,7 @@
           <a:p>
             <a:r>
               <a:rPr lang="en-US" dirty="0" smtClean="0"/>
-              <a:t>Models</a:t>
+              <a:t>Views</a:t>
             </a:r>
             <a:endParaRPr lang="en-US" dirty="0"/>
           </a:p>
@@ -3946,7 +4649,7 @@
     </p:spTree>
     <p:extLst>
       <p:ext uri="{BB962C8B-B14F-4D97-AF65-F5344CB8AC3E}">
-        <p14:creationId xmlns:p14="http://schemas.microsoft.com/office/powerpoint/2010/main" val="2005459318"/>
+        <p14:creationId xmlns:p14="http://schemas.microsoft.com/office/powerpoint/2010/main" val="507056793"/>
       </p:ext>
     </p:extLst>
   </p:cSld>
@@ -3990,7 +4693,7 @@
           <a:p>
             <a:r>
               <a:rPr lang="en-US" dirty="0" smtClean="0"/>
-              <a:t>Filters</a:t>
+              <a:t>Controllers</a:t>
             </a:r>
             <a:endParaRPr lang="en-US" dirty="0"/>
           </a:p>
@@ -4018,7 +4721,7 @@
     </p:spTree>
     <p:extLst>
       <p:ext uri="{BB962C8B-B14F-4D97-AF65-F5344CB8AC3E}">
-        <p14:creationId xmlns:p14="http://schemas.microsoft.com/office/powerpoint/2010/main" val="4086552586"/>
+        <p14:creationId xmlns:p14="http://schemas.microsoft.com/office/powerpoint/2010/main" val="1776396367"/>
       </p:ext>
     </p:extLst>
   </p:cSld>
@@ -4061,16 +4764,8 @@
           <a:lstStyle/>
           <a:p>
             <a:r>
-              <a:rPr lang="en-US" dirty="0" err="1" smtClean="0"/>
-              <a:t>Autorização</a:t>
-            </a:r>
-            <a:r>
               <a:rPr lang="en-US" dirty="0" smtClean="0"/>
-              <a:t> e </a:t>
-            </a:r>
-            <a:r>
-              <a:rPr lang="en-US" dirty="0" err="1" smtClean="0"/>
-              <a:t>autenticação</a:t>
+              <a:t>Models</a:t>
             </a:r>
             <a:endParaRPr lang="en-US" dirty="0"/>
           </a:p>
@@ -4091,18 +4786,14 @@
           <a:bodyPr/>
           <a:lstStyle/>
           <a:p>
-            <a:r>
-              <a:rPr lang="en-US" dirty="0" smtClean="0"/>
-              <a:t>ASP.NET Identity</a:t>
-            </a:r>
-            <a:endParaRPr lang="en-US" dirty="0"/>
+            <a:endParaRPr lang="en-US"/>
           </a:p>
         </p:txBody>
       </p:sp>
     </p:spTree>
     <p:extLst>
       <p:ext uri="{BB962C8B-B14F-4D97-AF65-F5344CB8AC3E}">
-        <p14:creationId xmlns:p14="http://schemas.microsoft.com/office/powerpoint/2010/main" val="3226619820"/>
+        <p14:creationId xmlns:p14="http://schemas.microsoft.com/office/powerpoint/2010/main" val="2005459318"/>
       </p:ext>
     </p:extLst>
   </p:cSld>

--- a/Presentation/AspNetMvc.pptx
+++ b/Presentation/AspNetMvc.pptx
@@ -7,12 +7,12 @@
   <p:sldIdLst>
     <p:sldId id="256" r:id="rId2"/>
     <p:sldId id="257" r:id="rId3"/>
-    <p:sldId id="258" r:id="rId4"/>
-    <p:sldId id="270" r:id="rId5"/>
-    <p:sldId id="274" r:id="rId6"/>
-    <p:sldId id="259" r:id="rId7"/>
-    <p:sldId id="271" r:id="rId8"/>
-    <p:sldId id="275" r:id="rId9"/>
+    <p:sldId id="275" r:id="rId4"/>
+    <p:sldId id="258" r:id="rId5"/>
+    <p:sldId id="270" r:id="rId6"/>
+    <p:sldId id="274" r:id="rId7"/>
+    <p:sldId id="259" r:id="rId8"/>
+    <p:sldId id="271" r:id="rId9"/>
     <p:sldId id="276" r:id="rId10"/>
     <p:sldId id="261" r:id="rId11"/>
     <p:sldId id="278" r:id="rId12"/>
@@ -20,24 +20,25 @@
     <p:sldId id="260" r:id="rId14"/>
     <p:sldId id="283" r:id="rId15"/>
     <p:sldId id="262" r:id="rId16"/>
-    <p:sldId id="282" r:id="rId17"/>
-    <p:sldId id="281" r:id="rId18"/>
-    <p:sldId id="272" r:id="rId19"/>
-    <p:sldId id="288" r:id="rId20"/>
-    <p:sldId id="263" r:id="rId21"/>
-    <p:sldId id="284" r:id="rId22"/>
-    <p:sldId id="285" r:id="rId23"/>
-    <p:sldId id="286" r:id="rId24"/>
-    <p:sldId id="287" r:id="rId25"/>
-    <p:sldId id="277" r:id="rId26"/>
-    <p:sldId id="264" r:id="rId27"/>
-    <p:sldId id="290" r:id="rId28"/>
-    <p:sldId id="291" r:id="rId29"/>
-    <p:sldId id="265" r:id="rId30"/>
-    <p:sldId id="269" r:id="rId31"/>
-    <p:sldId id="267" r:id="rId32"/>
-    <p:sldId id="266" r:id="rId33"/>
-    <p:sldId id="273" r:id="rId34"/>
+    <p:sldId id="281" r:id="rId17"/>
+    <p:sldId id="292" r:id="rId18"/>
+    <p:sldId id="282" r:id="rId19"/>
+    <p:sldId id="272" r:id="rId20"/>
+    <p:sldId id="288" r:id="rId21"/>
+    <p:sldId id="263" r:id="rId22"/>
+    <p:sldId id="284" r:id="rId23"/>
+    <p:sldId id="285" r:id="rId24"/>
+    <p:sldId id="286" r:id="rId25"/>
+    <p:sldId id="287" r:id="rId26"/>
+    <p:sldId id="277" r:id="rId27"/>
+    <p:sldId id="264" r:id="rId28"/>
+    <p:sldId id="290" r:id="rId29"/>
+    <p:sldId id="291" r:id="rId30"/>
+    <p:sldId id="265" r:id="rId31"/>
+    <p:sldId id="269" r:id="rId32"/>
+    <p:sldId id="267" r:id="rId33"/>
+    <p:sldId id="266" r:id="rId34"/>
+    <p:sldId id="273" r:id="rId35"/>
   </p:sldIdLst>
   <p:sldSz cx="12192000" cy="6858000"/>
   <p:notesSz cx="6858000" cy="9144000"/>
@@ -1261,8 +1262,15 @@
       <dgm:spPr/>
     </dgm:pt>
     <dgm:pt modelId="{C86777CB-B33D-4C8A-9511-C3D973658E12}" type="pres">
-      <dgm:prSet presAssocID="{C653C2FD-AC01-4CF8-B356-37A7C472C0D6}" presName="arrow" presStyleLbl="bgShp" presStyleIdx="0" presStyleCnt="1" custScaleX="109097" custLinFactNeighborX="-828"/>
-      <dgm:spPr/>
+      <dgm:prSet presAssocID="{C653C2FD-AC01-4CF8-B356-37A7C472C0D6}" presName="arrow" presStyleLbl="bgShp" presStyleIdx="0" presStyleCnt="1" custScaleX="109097" custLinFactNeighborX="-2030"/>
+      <dgm:spPr>
+        <a:solidFill>
+          <a:schemeClr val="bg2">
+            <a:lumMod val="40000"/>
+            <a:lumOff val="60000"/>
+          </a:schemeClr>
+        </a:solidFill>
+      </dgm:spPr>
       <dgm:t>
         <a:bodyPr/>
         <a:lstStyle/>
@@ -1277,7 +1285,33 @@
     </dgm:pt>
     <dgm:pt modelId="{368BC525-FAD0-44BA-A568-518BDEDA1A3A}" type="pres">
       <dgm:prSet presAssocID="{AE81220D-6CCE-4710-94E2-98E20B1C5B80}" presName="bullet5a" presStyleLbl="node1" presStyleIdx="0" presStyleCnt="5" custLinFactX="-2959" custLinFactNeighborX="-100000" custLinFactNeighborY="-24669"/>
-      <dgm:spPr/>
+      <dgm:spPr>
+        <a:gradFill flip="none" rotWithShape="0">
+          <a:gsLst>
+            <a:gs pos="0">
+              <a:schemeClr val="accent5">
+                <a:lumMod val="0"/>
+                <a:lumOff val="100000"/>
+              </a:schemeClr>
+            </a:gs>
+            <a:gs pos="35000">
+              <a:schemeClr val="accent5">
+                <a:lumMod val="0"/>
+                <a:lumOff val="100000"/>
+              </a:schemeClr>
+            </a:gs>
+            <a:gs pos="100000">
+              <a:schemeClr val="accent5">
+                <a:lumMod val="100000"/>
+              </a:schemeClr>
+            </a:gs>
+          </a:gsLst>
+          <a:path path="circle">
+            <a:fillToRect l="50000" t="-80000" r="50000" b="180000"/>
+          </a:path>
+          <a:tileRect/>
+        </a:gradFill>
+      </dgm:spPr>
     </dgm:pt>
     <dgm:pt modelId="{7CB05DE3-CF21-4A41-A117-C2056143086F}" type="pres">
       <dgm:prSet presAssocID="{AE81220D-6CCE-4710-94E2-98E20B1C5B80}" presName="textBox5a" presStyleLbl="revTx" presStyleIdx="0" presStyleCnt="5" custScaleX="115441" custScaleY="67318" custLinFactNeighborX="-11219" custLinFactNeighborY="-6972">
@@ -1296,7 +1330,33 @@
     </dgm:pt>
     <dgm:pt modelId="{C20D409C-3E0E-401F-A17D-161E2051613C}" type="pres">
       <dgm:prSet presAssocID="{8E7C0621-0E7C-44CC-B0DC-F572F28F79B3}" presName="bullet5b" presStyleLbl="node1" presStyleIdx="1" presStyleCnt="5"/>
-      <dgm:spPr/>
+      <dgm:spPr>
+        <a:gradFill flip="none" rotWithShape="0">
+          <a:gsLst>
+            <a:gs pos="0">
+              <a:schemeClr val="accent5">
+                <a:lumMod val="0"/>
+                <a:lumOff val="100000"/>
+              </a:schemeClr>
+            </a:gs>
+            <a:gs pos="35000">
+              <a:schemeClr val="accent5">
+                <a:lumMod val="0"/>
+                <a:lumOff val="100000"/>
+              </a:schemeClr>
+            </a:gs>
+            <a:gs pos="100000">
+              <a:schemeClr val="accent5">
+                <a:lumMod val="100000"/>
+              </a:schemeClr>
+            </a:gs>
+          </a:gsLst>
+          <a:path path="circle">
+            <a:fillToRect l="50000" t="-80000" r="50000" b="180000"/>
+          </a:path>
+          <a:tileRect/>
+        </a:gradFill>
+      </dgm:spPr>
     </dgm:pt>
     <dgm:pt modelId="{2FAA0972-8FDA-45DF-AEB1-EB1B640F1122}" type="pres">
       <dgm:prSet presAssocID="{8E7C0621-0E7C-44CC-B0DC-F572F28F79B3}" presName="textBox5b" presStyleLbl="revTx" presStyleIdx="1" presStyleCnt="5" custScaleY="44560" custLinFactNeighborX="-87660" custLinFactNeighborY="-79200">
@@ -1315,7 +1375,33 @@
     </dgm:pt>
     <dgm:pt modelId="{6FBDA9B7-E5D0-4D62-BCF4-19D60FA04F50}" type="pres">
       <dgm:prSet presAssocID="{DDD274C9-D270-426C-AF27-80340598DB4A}" presName="bullet5c" presStyleLbl="node1" presStyleIdx="2" presStyleCnt="5"/>
-      <dgm:spPr/>
+      <dgm:spPr>
+        <a:gradFill flip="none" rotWithShape="0">
+          <a:gsLst>
+            <a:gs pos="0">
+              <a:schemeClr val="accent5">
+                <a:lumMod val="0"/>
+                <a:lumOff val="100000"/>
+              </a:schemeClr>
+            </a:gs>
+            <a:gs pos="35000">
+              <a:schemeClr val="accent5">
+                <a:lumMod val="0"/>
+                <a:lumOff val="100000"/>
+              </a:schemeClr>
+            </a:gs>
+            <a:gs pos="100000">
+              <a:schemeClr val="accent5">
+                <a:lumMod val="100000"/>
+              </a:schemeClr>
+            </a:gs>
+          </a:gsLst>
+          <a:path path="circle">
+            <a:fillToRect l="50000" t="-80000" r="50000" b="180000"/>
+          </a:path>
+          <a:tileRect/>
+        </a:gradFill>
+      </dgm:spPr>
     </dgm:pt>
     <dgm:pt modelId="{CC6365D6-BC5A-4662-88C2-460380F95395}" type="pres">
       <dgm:prSet presAssocID="{DDD274C9-D270-426C-AF27-80340598DB4A}" presName="textBox5c" presStyleLbl="revTx" presStyleIdx="2" presStyleCnt="5" custScaleY="35810" custLinFactNeighborX="-10919" custLinFactNeighborY="-14762">
@@ -1334,7 +1420,33 @@
     </dgm:pt>
     <dgm:pt modelId="{238B15F4-CFF9-43D7-862E-CABB501E2892}" type="pres">
       <dgm:prSet presAssocID="{873985C0-B3D7-4D7E-B27D-43584CD3EDB0}" presName="bullet5d" presStyleLbl="node1" presStyleIdx="3" presStyleCnt="5"/>
-      <dgm:spPr/>
+      <dgm:spPr>
+        <a:gradFill flip="none" rotWithShape="0">
+          <a:gsLst>
+            <a:gs pos="0">
+              <a:schemeClr val="accent5">
+                <a:lumMod val="0"/>
+                <a:lumOff val="100000"/>
+              </a:schemeClr>
+            </a:gs>
+            <a:gs pos="35000">
+              <a:schemeClr val="accent5">
+                <a:lumMod val="0"/>
+                <a:lumOff val="100000"/>
+              </a:schemeClr>
+            </a:gs>
+            <a:gs pos="100000">
+              <a:schemeClr val="accent5">
+                <a:lumMod val="100000"/>
+              </a:schemeClr>
+            </a:gs>
+          </a:gsLst>
+          <a:path path="circle">
+            <a:fillToRect l="50000" t="-80000" r="50000" b="180000"/>
+          </a:path>
+          <a:tileRect/>
+        </a:gradFill>
+      </dgm:spPr>
     </dgm:pt>
     <dgm:pt modelId="{48381EF1-0387-4E13-A84D-28EB559E8678}" type="pres">
       <dgm:prSet presAssocID="{873985C0-B3D7-4D7E-B27D-43584CD3EDB0}" presName="textBox5d" presStyleLbl="revTx" presStyleIdx="3" presStyleCnt="5" custScaleX="127358" custScaleY="19679" custLinFactNeighborX="-77802" custLinFactNeighborY="-73890">
@@ -1353,7 +1465,33 @@
     </dgm:pt>
     <dgm:pt modelId="{4E2663D7-ACE9-4775-AA3F-17DDBE267A56}" type="pres">
       <dgm:prSet presAssocID="{2E1B50D5-8F05-4BB8-B651-B0757621529F}" presName="bullet5e" presStyleLbl="node1" presStyleIdx="4" presStyleCnt="5"/>
-      <dgm:spPr/>
+      <dgm:spPr>
+        <a:gradFill flip="none" rotWithShape="0">
+          <a:gsLst>
+            <a:gs pos="0">
+              <a:schemeClr val="accent5">
+                <a:lumMod val="0"/>
+                <a:lumOff val="100000"/>
+              </a:schemeClr>
+            </a:gs>
+            <a:gs pos="35000">
+              <a:schemeClr val="accent5">
+                <a:lumMod val="0"/>
+                <a:lumOff val="100000"/>
+              </a:schemeClr>
+            </a:gs>
+            <a:gs pos="100000">
+              <a:schemeClr val="accent5">
+                <a:lumMod val="100000"/>
+              </a:schemeClr>
+            </a:gs>
+          </a:gsLst>
+          <a:path path="circle">
+            <a:fillToRect l="50000" t="-80000" r="50000" b="180000"/>
+          </a:path>
+          <a:tileRect/>
+        </a:gradFill>
+      </dgm:spPr>
     </dgm:pt>
     <dgm:pt modelId="{8F385B18-7ECC-490B-B267-043A6C368803}" type="pres">
       <dgm:prSet presAssocID="{2E1B50D5-8F05-4BB8-B651-B0757621529F}" presName="textBox5e" presStyleLbl="revTx" presStyleIdx="4" presStyleCnt="5" custScaleX="128883" custScaleY="26245" custLinFactNeighborX="-31856" custLinFactNeighborY="-17228">
@@ -1431,12 +1569,9 @@
           </a:avLst>
         </a:prstGeom>
         <a:solidFill>
-          <a:schemeClr val="accent1">
-            <a:tint val="40000"/>
-            <a:hueOff val="0"/>
-            <a:satOff val="0"/>
-            <a:lumOff val="0"/>
-            <a:alphaOff val="0"/>
+          <a:schemeClr val="bg2">
+            <a:lumMod val="40000"/>
+            <a:lumOff val="60000"/>
           </a:schemeClr>
         </a:solidFill>
         <a:ln>
@@ -1470,33 +1605,30 @@
         <a:prstGeom prst="ellipse">
           <a:avLst/>
         </a:prstGeom>
-        <a:gradFill rotWithShape="0">
+        <a:gradFill flip="none" rotWithShape="0">
           <a:gsLst>
             <a:gs pos="0">
-              <a:schemeClr val="accent1">
-                <a:alpha val="90000"/>
-                <a:hueOff val="0"/>
-                <a:satOff val="0"/>
-                <a:lumOff val="0"/>
-                <a:alphaOff val="0"/>
-                <a:tint val="64000"/>
-                <a:lumMod val="118000"/>
+              <a:schemeClr val="accent5">
+                <a:lumMod val="0"/>
+                <a:lumOff val="100000"/>
+              </a:schemeClr>
+            </a:gs>
+            <a:gs pos="35000">
+              <a:schemeClr val="accent5">
+                <a:lumMod val="0"/>
+                <a:lumOff val="100000"/>
               </a:schemeClr>
             </a:gs>
             <a:gs pos="100000">
-              <a:schemeClr val="accent1">
-                <a:alpha val="90000"/>
-                <a:hueOff val="0"/>
-                <a:satOff val="0"/>
-                <a:lumOff val="0"/>
-                <a:alphaOff val="0"/>
-                <a:tint val="92000"/>
-                <a:alpha val="100000"/>
-                <a:lumMod val="110000"/>
+              <a:schemeClr val="accent5">
+                <a:lumMod val="100000"/>
               </a:schemeClr>
             </a:gs>
           </a:gsLst>
-          <a:lin ang="5400000" scaled="0"/>
+          <a:path path="circle">
+            <a:fillToRect l="50000" t="-80000" r="50000" b="180000"/>
+          </a:path>
+          <a:tileRect/>
         </a:gradFill>
         <a:ln>
           <a:noFill/>
@@ -1605,33 +1737,30 @@
         <a:prstGeom prst="ellipse">
           <a:avLst/>
         </a:prstGeom>
-        <a:gradFill rotWithShape="0">
+        <a:gradFill flip="none" rotWithShape="0">
           <a:gsLst>
             <a:gs pos="0">
-              <a:schemeClr val="accent1">
-                <a:alpha val="90000"/>
-                <a:hueOff val="0"/>
-                <a:satOff val="0"/>
-                <a:lumOff val="0"/>
-                <a:alphaOff val="-10000"/>
-                <a:tint val="64000"/>
-                <a:lumMod val="118000"/>
+              <a:schemeClr val="accent5">
+                <a:lumMod val="0"/>
+                <a:lumOff val="100000"/>
+              </a:schemeClr>
+            </a:gs>
+            <a:gs pos="35000">
+              <a:schemeClr val="accent5">
+                <a:lumMod val="0"/>
+                <a:lumOff val="100000"/>
               </a:schemeClr>
             </a:gs>
             <a:gs pos="100000">
-              <a:schemeClr val="accent1">
-                <a:alpha val="90000"/>
-                <a:hueOff val="0"/>
-                <a:satOff val="0"/>
-                <a:lumOff val="0"/>
-                <a:alphaOff val="-10000"/>
-                <a:tint val="92000"/>
-                <a:alpha val="100000"/>
-                <a:lumMod val="110000"/>
+              <a:schemeClr val="accent5">
+                <a:lumMod val="100000"/>
               </a:schemeClr>
             </a:gs>
           </a:gsLst>
-          <a:lin ang="5400000" scaled="0"/>
+          <a:path path="circle">
+            <a:fillToRect l="50000" t="-80000" r="50000" b="180000"/>
+          </a:path>
+          <a:tileRect/>
         </a:gradFill>
         <a:ln>
           <a:noFill/>
@@ -1740,33 +1869,30 @@
         <a:prstGeom prst="ellipse">
           <a:avLst/>
         </a:prstGeom>
-        <a:gradFill rotWithShape="0">
+        <a:gradFill flip="none" rotWithShape="0">
           <a:gsLst>
             <a:gs pos="0">
-              <a:schemeClr val="accent1">
-                <a:alpha val="90000"/>
-                <a:hueOff val="0"/>
-                <a:satOff val="0"/>
-                <a:lumOff val="0"/>
-                <a:alphaOff val="-20000"/>
-                <a:tint val="64000"/>
-                <a:lumMod val="118000"/>
+              <a:schemeClr val="accent5">
+                <a:lumMod val="0"/>
+                <a:lumOff val="100000"/>
+              </a:schemeClr>
+            </a:gs>
+            <a:gs pos="35000">
+              <a:schemeClr val="accent5">
+                <a:lumMod val="0"/>
+                <a:lumOff val="100000"/>
               </a:schemeClr>
             </a:gs>
             <a:gs pos="100000">
-              <a:schemeClr val="accent1">
-                <a:alpha val="90000"/>
-                <a:hueOff val="0"/>
-                <a:satOff val="0"/>
-                <a:lumOff val="0"/>
-                <a:alphaOff val="-20000"/>
-                <a:tint val="92000"/>
-                <a:alpha val="100000"/>
-                <a:lumMod val="110000"/>
+              <a:schemeClr val="accent5">
+                <a:lumMod val="100000"/>
               </a:schemeClr>
             </a:gs>
           </a:gsLst>
-          <a:lin ang="5400000" scaled="0"/>
+          <a:path path="circle">
+            <a:fillToRect l="50000" t="-80000" r="50000" b="180000"/>
+          </a:path>
+          <a:tileRect/>
         </a:gradFill>
         <a:ln>
           <a:noFill/>
@@ -1874,33 +2000,30 @@
         <a:prstGeom prst="ellipse">
           <a:avLst/>
         </a:prstGeom>
-        <a:gradFill rotWithShape="0">
+        <a:gradFill flip="none" rotWithShape="0">
           <a:gsLst>
             <a:gs pos="0">
-              <a:schemeClr val="accent1">
-                <a:alpha val="90000"/>
-                <a:hueOff val="0"/>
-                <a:satOff val="0"/>
-                <a:lumOff val="0"/>
-                <a:alphaOff val="-30000"/>
-                <a:tint val="64000"/>
-                <a:lumMod val="118000"/>
+              <a:schemeClr val="accent5">
+                <a:lumMod val="0"/>
+                <a:lumOff val="100000"/>
+              </a:schemeClr>
+            </a:gs>
+            <a:gs pos="35000">
+              <a:schemeClr val="accent5">
+                <a:lumMod val="0"/>
+                <a:lumOff val="100000"/>
               </a:schemeClr>
             </a:gs>
             <a:gs pos="100000">
-              <a:schemeClr val="accent1">
-                <a:alpha val="90000"/>
-                <a:hueOff val="0"/>
-                <a:satOff val="0"/>
-                <a:lumOff val="0"/>
-                <a:alphaOff val="-30000"/>
-                <a:tint val="92000"/>
-                <a:alpha val="100000"/>
-                <a:lumMod val="110000"/>
+              <a:schemeClr val="accent5">
+                <a:lumMod val="100000"/>
               </a:schemeClr>
             </a:gs>
           </a:gsLst>
-          <a:lin ang="5400000" scaled="0"/>
+          <a:path path="circle">
+            <a:fillToRect l="50000" t="-80000" r="50000" b="180000"/>
+          </a:path>
+          <a:tileRect/>
         </a:gradFill>
         <a:ln>
           <a:noFill/>
@@ -2009,33 +2132,30 @@
         <a:prstGeom prst="ellipse">
           <a:avLst/>
         </a:prstGeom>
-        <a:gradFill rotWithShape="0">
+        <a:gradFill flip="none" rotWithShape="0">
           <a:gsLst>
             <a:gs pos="0">
-              <a:schemeClr val="accent1">
-                <a:alpha val="90000"/>
-                <a:hueOff val="0"/>
-                <a:satOff val="0"/>
-                <a:lumOff val="0"/>
-                <a:alphaOff val="-40000"/>
-                <a:tint val="64000"/>
-                <a:lumMod val="118000"/>
+              <a:schemeClr val="accent5">
+                <a:lumMod val="0"/>
+                <a:lumOff val="100000"/>
+              </a:schemeClr>
+            </a:gs>
+            <a:gs pos="35000">
+              <a:schemeClr val="accent5">
+                <a:lumMod val="0"/>
+                <a:lumOff val="100000"/>
               </a:schemeClr>
             </a:gs>
             <a:gs pos="100000">
-              <a:schemeClr val="accent1">
-                <a:alpha val="90000"/>
-                <a:hueOff val="0"/>
-                <a:satOff val="0"/>
-                <a:lumOff val="0"/>
-                <a:alphaOff val="-40000"/>
-                <a:tint val="92000"/>
-                <a:alpha val="100000"/>
-                <a:lumMod val="110000"/>
+              <a:schemeClr val="accent5">
+                <a:lumMod val="100000"/>
               </a:schemeClr>
             </a:gs>
           </a:gsLst>
-          <a:lin ang="5400000" scaled="0"/>
+          <a:path path="circle">
+            <a:fillToRect l="50000" t="-80000" r="50000" b="180000"/>
+          </a:path>
+          <a:tileRect/>
         </a:gradFill>
         <a:ln>
           <a:noFill/>
@@ -5026,7 +5146,7 @@
           <a:p>
             <a:fld id="{9B284AA3-C948-4AEF-9698-7E1A93E5B36F}" type="datetimeFigureOut">
               <a:rPr lang="en-US" smtClean="0"/>
-              <a:t>7/23/2015</a:t>
+              <a:t>7/24/2015</a:t>
             </a:fld>
             <a:endParaRPr lang="en-US"/>
           </a:p>
@@ -5301,7 +5421,7 @@
           <a:p>
             <a:fld id="{9B284AA3-C948-4AEF-9698-7E1A93E5B36F}" type="datetimeFigureOut">
               <a:rPr lang="en-US" smtClean="0"/>
-              <a:t>7/23/2015</a:t>
+              <a:t>7/24/2015</a:t>
             </a:fld>
             <a:endParaRPr lang="en-US"/>
           </a:p>
@@ -5495,7 +5615,7 @@
           <a:p>
             <a:fld id="{9B284AA3-C948-4AEF-9698-7E1A93E5B36F}" type="datetimeFigureOut">
               <a:rPr lang="en-US" smtClean="0"/>
-              <a:t>7/23/2015</a:t>
+              <a:t>7/24/2015</a:t>
             </a:fld>
             <a:endParaRPr lang="en-US"/>
           </a:p>
@@ -5768,7 +5888,7 @@
           <a:p>
             <a:fld id="{9B284AA3-C948-4AEF-9698-7E1A93E5B36F}" type="datetimeFigureOut">
               <a:rPr lang="en-US" smtClean="0"/>
-              <a:t>7/23/2015</a:t>
+              <a:t>7/24/2015</a:t>
             </a:fld>
             <a:endParaRPr lang="en-US"/>
           </a:p>
@@ -6109,7 +6229,7 @@
           <a:p>
             <a:fld id="{9B284AA3-C948-4AEF-9698-7E1A93E5B36F}" type="datetimeFigureOut">
               <a:rPr lang="en-US" smtClean="0"/>
-              <a:t>7/23/2015</a:t>
+              <a:t>7/24/2015</a:t>
             </a:fld>
             <a:endParaRPr lang="en-US"/>
           </a:p>
@@ -6732,7 +6852,7 @@
           <a:p>
             <a:fld id="{9B284AA3-C948-4AEF-9698-7E1A93E5B36F}" type="datetimeFigureOut">
               <a:rPr lang="en-US" smtClean="0"/>
-              <a:t>7/23/2015</a:t>
+              <a:t>7/24/2015</a:t>
             </a:fld>
             <a:endParaRPr lang="en-US"/>
           </a:p>
@@ -7592,7 +7712,7 @@
           <a:p>
             <a:fld id="{9B284AA3-C948-4AEF-9698-7E1A93E5B36F}" type="datetimeFigureOut">
               <a:rPr lang="en-US" smtClean="0"/>
-              <a:t>7/23/2015</a:t>
+              <a:t>7/24/2015</a:t>
             </a:fld>
             <a:endParaRPr lang="en-US"/>
           </a:p>
@@ -7762,7 +7882,7 @@
           <a:p>
             <a:fld id="{9B284AA3-C948-4AEF-9698-7E1A93E5B36F}" type="datetimeFigureOut">
               <a:rPr lang="en-US" smtClean="0"/>
-              <a:t>7/23/2015</a:t>
+              <a:t>7/24/2015</a:t>
             </a:fld>
             <a:endParaRPr lang="en-US"/>
           </a:p>
@@ -7942,7 +8062,7 @@
           <a:p>
             <a:fld id="{9B284AA3-C948-4AEF-9698-7E1A93E5B36F}" type="datetimeFigureOut">
               <a:rPr lang="en-US" smtClean="0"/>
-              <a:t>7/23/2015</a:t>
+              <a:t>7/24/2015</a:t>
             </a:fld>
             <a:endParaRPr lang="en-US"/>
           </a:p>
@@ -8112,7 +8232,7 @@
           <a:p>
             <a:fld id="{9B284AA3-C948-4AEF-9698-7E1A93E5B36F}" type="datetimeFigureOut">
               <a:rPr lang="en-US" smtClean="0"/>
-              <a:t>7/23/2015</a:t>
+              <a:t>7/24/2015</a:t>
             </a:fld>
             <a:endParaRPr lang="en-US"/>
           </a:p>
@@ -8359,7 +8479,7 @@
           <a:p>
             <a:fld id="{9B284AA3-C948-4AEF-9698-7E1A93E5B36F}" type="datetimeFigureOut">
               <a:rPr lang="en-US" smtClean="0"/>
-              <a:t>7/23/2015</a:t>
+              <a:t>7/24/2015</a:t>
             </a:fld>
             <a:endParaRPr lang="en-US"/>
           </a:p>
@@ -8651,7 +8771,7 @@
           <a:p>
             <a:fld id="{9B284AA3-C948-4AEF-9698-7E1A93E5B36F}" type="datetimeFigureOut">
               <a:rPr lang="en-US" smtClean="0"/>
-              <a:t>7/23/2015</a:t>
+              <a:t>7/24/2015</a:t>
             </a:fld>
             <a:endParaRPr lang="en-US"/>
           </a:p>
@@ -9095,7 +9215,7 @@
           <a:p>
             <a:fld id="{9B284AA3-C948-4AEF-9698-7E1A93E5B36F}" type="datetimeFigureOut">
               <a:rPr lang="en-US" smtClean="0"/>
-              <a:t>7/23/2015</a:t>
+              <a:t>7/24/2015</a:t>
             </a:fld>
             <a:endParaRPr lang="en-US"/>
           </a:p>
@@ -9213,7 +9333,7 @@
           <a:p>
             <a:fld id="{9B284AA3-C948-4AEF-9698-7E1A93E5B36F}" type="datetimeFigureOut">
               <a:rPr lang="en-US" smtClean="0"/>
-              <a:t>7/23/2015</a:t>
+              <a:t>7/24/2015</a:t>
             </a:fld>
             <a:endParaRPr lang="en-US"/>
           </a:p>
@@ -9308,7 +9428,7 @@
           <a:p>
             <a:fld id="{9B284AA3-C948-4AEF-9698-7E1A93E5B36F}" type="datetimeFigureOut">
               <a:rPr lang="en-US" smtClean="0"/>
-              <a:t>7/23/2015</a:t>
+              <a:t>7/24/2015</a:t>
             </a:fld>
             <a:endParaRPr lang="en-US"/>
           </a:p>
@@ -9587,7 +9707,7 @@
           <a:p>
             <a:fld id="{9B284AA3-C948-4AEF-9698-7E1A93E5B36F}" type="datetimeFigureOut">
               <a:rPr lang="en-US" smtClean="0"/>
-              <a:t>7/23/2015</a:t>
+              <a:t>7/24/2015</a:t>
             </a:fld>
             <a:endParaRPr lang="en-US"/>
           </a:p>
@@ -9862,7 +9982,7 @@
           <a:p>
             <a:fld id="{9B284AA3-C948-4AEF-9698-7E1A93E5B36F}" type="datetimeFigureOut">
               <a:rPr lang="en-US" smtClean="0"/>
-              <a:t>7/23/2015</a:t>
+              <a:t>7/24/2015</a:t>
             </a:fld>
             <a:endParaRPr lang="en-US"/>
           </a:p>
@@ -10291,7 +10411,7 @@
           <a:p>
             <a:fld id="{9B284AA3-C948-4AEF-9698-7E1A93E5B36F}" type="datetimeFigureOut">
               <a:rPr lang="en-US" smtClean="0"/>
-              <a:t>7/23/2015</a:t>
+              <a:t>7/24/2015</a:t>
             </a:fld>
             <a:endParaRPr lang="en-US"/>
           </a:p>
@@ -11127,7 +11247,9 @@
           </a:xfrm>
         </p:spPr>
         <p:txBody>
-          <a:bodyPr/>
+          <a:bodyPr>
+            <a:normAutofit lnSpcReduction="10000"/>
+          </a:bodyPr>
           <a:lstStyle/>
           <a:p>
             <a:r>
@@ -11158,17 +11280,13 @@
             <a:endParaRPr lang="en-US" dirty="0" smtClean="0"/>
           </a:p>
           <a:p>
-            <a:pPr lvl="1"/>
-            <a:r>
-              <a:rPr lang="en-US" dirty="0" err="1" smtClean="0"/>
-              <a:t>Html.ListBox</a:t>
-            </a:r>
-            <a:endParaRPr lang="en-US" dirty="0" smtClean="0"/>
-          </a:p>
-          <a:p>
+            <a:r>
+              <a:rPr lang="en-US" dirty="0" smtClean="0"/>
+              <a:t>Inputs </a:t>
+            </a:r>
             <a:r>
               <a:rPr lang="en-US" dirty="0"/>
-              <a:t>Inputs Helper</a:t>
+              <a:t>Helper</a:t>
             </a:r>
           </a:p>
           <a:p>
@@ -11183,14 +11301,6 @@
             <a:pPr lvl="1"/>
             <a:r>
               <a:rPr lang="en-US" dirty="0" err="1" smtClean="0"/>
-              <a:t>Html.TextArea</a:t>
-            </a:r>
-            <a:endParaRPr lang="en-US" dirty="0" smtClean="0"/>
-          </a:p>
-          <a:p>
-            <a:pPr lvl="1"/>
-            <a:r>
-              <a:rPr lang="en-US" dirty="0" err="1" smtClean="0"/>
               <a:t>Html.CheckBox</a:t>
             </a:r>
             <a:endParaRPr lang="en-US" dirty="0" smtClean="0"/>
@@ -11207,14 +11317,6 @@
             <a:pPr lvl="1"/>
             <a:r>
               <a:rPr lang="en-US" dirty="0" err="1" smtClean="0"/>
-              <a:t>Html.Password</a:t>
-            </a:r>
-            <a:endParaRPr lang="en-US" dirty="0" smtClean="0"/>
-          </a:p>
-          <a:p>
-            <a:pPr lvl="1"/>
-            <a:r>
-              <a:rPr lang="en-US" dirty="0" err="1" smtClean="0"/>
               <a:t>Html.Hidden</a:t>
             </a:r>
             <a:endParaRPr lang="en-US" dirty="0" smtClean="0"/>
@@ -11225,6 +11327,34 @@
               <a:rPr lang="en-US" dirty="0" err="1" smtClean="0"/>
               <a:t>Html.EditorFor</a:t>
             </a:r>
+            <a:endParaRPr lang="en-US" dirty="0" smtClean="0"/>
+          </a:p>
+          <a:p>
+            <a:r>
+              <a:rPr lang="en-US" dirty="0"/>
+              <a:t>Display Helpers</a:t>
+            </a:r>
+          </a:p>
+          <a:p>
+            <a:pPr lvl="1"/>
+            <a:r>
+              <a:rPr lang="en-US" dirty="0" err="1"/>
+              <a:t>Html.Label</a:t>
+            </a:r>
+            <a:endParaRPr lang="en-US" dirty="0"/>
+          </a:p>
+          <a:p>
+            <a:pPr lvl="1"/>
+            <a:r>
+              <a:rPr lang="en-US" dirty="0" err="1" smtClean="0"/>
+              <a:t>Html.DisplayName</a:t>
+            </a:r>
+            <a:endParaRPr lang="en-US" dirty="0" smtClean="0"/>
+          </a:p>
+          <a:p>
+            <a:pPr marL="457200" lvl="1" indent="0">
+              <a:buNone/>
+            </a:pPr>
             <a:endParaRPr lang="en-US" dirty="0" smtClean="0"/>
           </a:p>
           <a:p>
@@ -11242,7 +11372,7 @@
         </p:nvSpPr>
         <p:spPr>
           <a:xfrm>
-            <a:off x="6205663" y="280416"/>
+            <a:off x="6339775" y="877824"/>
             <a:ext cx="5376737" cy="6147041"/>
           </a:xfrm>
           <a:prstGeom prst="rect">
@@ -11251,7 +11381,7 @@
         </p:spPr>
         <p:txBody>
           <a:bodyPr vert="horz" lIns="91440" tIns="45720" rIns="91440" bIns="45720" rtlCol="0">
-            <a:normAutofit fontScale="92500" lnSpcReduction="20000"/>
+            <a:normAutofit/>
           </a:bodyPr>
           <a:lstStyle>
             <a:lvl1pPr marL="342900" indent="-342900" algn="l" defTabSz="457200" rtl="0" eaLnBrk="1" latinLnBrk="0" hangingPunct="1">
@@ -11483,36 +11613,6 @@
           <a:p>
             <a:r>
               <a:rPr lang="en-US" dirty="0" smtClean="0"/>
-              <a:t>Display Helpers</a:t>
-            </a:r>
-          </a:p>
-          <a:p>
-            <a:pPr lvl="1"/>
-            <a:r>
-              <a:rPr lang="en-US" dirty="0" err="1" smtClean="0"/>
-              <a:t>Html.Label</a:t>
-            </a:r>
-            <a:endParaRPr lang="en-US" dirty="0" smtClean="0"/>
-          </a:p>
-          <a:p>
-            <a:pPr lvl="1"/>
-            <a:r>
-              <a:rPr lang="en-US" dirty="0" err="1" smtClean="0"/>
-              <a:t>Html.Display</a:t>
-            </a:r>
-            <a:endParaRPr lang="en-US" dirty="0" smtClean="0"/>
-          </a:p>
-          <a:p>
-            <a:pPr lvl="1"/>
-            <a:r>
-              <a:rPr lang="en-US" dirty="0" err="1" smtClean="0"/>
-              <a:t>Html.DisplayName</a:t>
-            </a:r>
-            <a:endParaRPr lang="en-US" dirty="0" smtClean="0"/>
-          </a:p>
-          <a:p>
-            <a:r>
-              <a:rPr lang="en-US" dirty="0" smtClean="0"/>
               <a:t>Validation Helpers</a:t>
             </a:r>
           </a:p>
@@ -11543,14 +11643,6 @@
             <a:r>
               <a:rPr lang="en-US" dirty="0" err="1" smtClean="0"/>
               <a:t>Html.ActionLink</a:t>
-            </a:r>
-            <a:endParaRPr lang="en-US" dirty="0" smtClean="0"/>
-          </a:p>
-          <a:p>
-            <a:pPr lvl="1"/>
-            <a:r>
-              <a:rPr lang="en-US" dirty="0" err="1" smtClean="0"/>
-              <a:t>Html.RouteLink</a:t>
             </a:r>
             <a:endParaRPr lang="en-US" dirty="0" smtClean="0"/>
           </a:p>
@@ -11941,6 +12033,12 @@
           <a:p>
             <a:r>
               <a:rPr lang="en-US" dirty="0" smtClean="0"/>
+              <a:t>GET vs POST</a:t>
+            </a:r>
+          </a:p>
+          <a:p>
+            <a:r>
+              <a:rPr lang="en-US" dirty="0" smtClean="0"/>
               <a:t>Action</a:t>
             </a:r>
           </a:p>
@@ -12031,7 +12129,6 @@
               <a:rPr lang="en-US" dirty="0" smtClean="0"/>
               <a:t>Over Posting</a:t>
             </a:r>
-            <a:endParaRPr lang="en-US" dirty="0" smtClean="0"/>
           </a:p>
         </p:txBody>
       </p:sp>
@@ -12241,168 +12338,8 @@
           <a:p>
             <a:r>
               <a:rPr lang="en-US" dirty="0" smtClean="0"/>
-              <a:t>Model binding</a:t>
-            </a:r>
-          </a:p>
-          <a:p>
-            <a:r>
-              <a:rPr lang="en-US" dirty="0" smtClean="0"/>
               <a:t>View Models (Presentation Model)</a:t>
             </a:r>
-            <a:endParaRPr lang="en-US" dirty="0" smtClean="0"/>
-          </a:p>
-          <a:p>
-            <a:r>
-              <a:rPr lang="en-US" dirty="0" err="1" smtClean="0"/>
-              <a:t>Criando</a:t>
-            </a:r>
-            <a:r>
-              <a:rPr lang="en-US" dirty="0" smtClean="0"/>
-              <a:t> </a:t>
-            </a:r>
-            <a:r>
-              <a:rPr lang="en-US" dirty="0" err="1" smtClean="0"/>
-              <a:t>validações</a:t>
-            </a:r>
-            <a:r>
-              <a:rPr lang="en-US" dirty="0" smtClean="0"/>
-              <a:t> com Data annotations</a:t>
-            </a:r>
-            <a:endParaRPr lang="en-US" dirty="0" smtClean="0"/>
-          </a:p>
-          <a:p>
-            <a:pPr lvl="1"/>
-            <a:r>
-              <a:rPr lang="en-US" dirty="0"/>
-              <a:t>Required</a:t>
-            </a:r>
-          </a:p>
-          <a:p>
-            <a:pPr lvl="1"/>
-            <a:r>
-              <a:rPr lang="en-US" dirty="0" err="1"/>
-              <a:t>StringLength</a:t>
-            </a:r>
-            <a:endParaRPr lang="en-US" dirty="0"/>
-          </a:p>
-          <a:p>
-            <a:pPr lvl="1"/>
-            <a:r>
-              <a:rPr lang="en-US" dirty="0" err="1"/>
-              <a:t>RegularExpression</a:t>
-            </a:r>
-            <a:endParaRPr lang="en-US" dirty="0"/>
-          </a:p>
-          <a:p>
-            <a:pPr lvl="1"/>
-            <a:r>
-              <a:rPr lang="en-US" dirty="0"/>
-              <a:t>Range</a:t>
-            </a:r>
-          </a:p>
-          <a:p>
-            <a:pPr lvl="1"/>
-            <a:r>
-              <a:rPr lang="en-US" dirty="0"/>
-              <a:t>Compare</a:t>
-            </a:r>
-          </a:p>
-          <a:p>
-            <a:pPr lvl="1"/>
-            <a:r>
-              <a:rPr lang="en-US" dirty="0" smtClean="0"/>
-              <a:t>Remote</a:t>
-            </a:r>
-          </a:p>
-          <a:p>
-            <a:pPr lvl="1"/>
-            <a:r>
-              <a:rPr lang="en-US" dirty="0" err="1" smtClean="0"/>
-              <a:t>Você</a:t>
-            </a:r>
-            <a:r>
-              <a:rPr lang="en-US" dirty="0" smtClean="0"/>
-              <a:t> </a:t>
-            </a:r>
-            <a:r>
-              <a:rPr lang="en-US" dirty="0" err="1" smtClean="0"/>
-              <a:t>pode</a:t>
-            </a:r>
-            <a:r>
-              <a:rPr lang="en-US" dirty="0" smtClean="0"/>
-              <a:t> </a:t>
-            </a:r>
-            <a:r>
-              <a:rPr lang="en-US" dirty="0" err="1" smtClean="0"/>
-              <a:t>criar</a:t>
-            </a:r>
-            <a:r>
-              <a:rPr lang="en-US" dirty="0" smtClean="0"/>
-              <a:t> a </a:t>
-            </a:r>
-            <a:r>
-              <a:rPr lang="en-US" dirty="0" err="1" smtClean="0"/>
-              <a:t>sua</a:t>
-            </a:r>
-            <a:r>
-              <a:rPr lang="en-US" dirty="0" smtClean="0"/>
-              <a:t> </a:t>
-            </a:r>
-            <a:r>
-              <a:rPr lang="en-US" dirty="0" err="1" smtClean="0"/>
-              <a:t>própria</a:t>
-            </a:r>
-            <a:r>
-              <a:rPr lang="en-US" dirty="0" smtClean="0"/>
-              <a:t> </a:t>
-            </a:r>
-            <a:r>
-              <a:rPr lang="en-US" dirty="0" err="1" smtClean="0"/>
-              <a:t>anotação</a:t>
-            </a:r>
-            <a:r>
-              <a:rPr lang="en-US" dirty="0" smtClean="0"/>
-              <a:t> </a:t>
-            </a:r>
-            <a:r>
-              <a:rPr lang="en-US" dirty="0" err="1" smtClean="0"/>
-              <a:t>customizada</a:t>
-            </a:r>
-            <a:r>
-              <a:rPr lang="en-US" dirty="0" smtClean="0"/>
-              <a:t>.</a:t>
-            </a:r>
-          </a:p>
-          <a:p>
-            <a:r>
-              <a:rPr lang="en-US" dirty="0" err="1" smtClean="0"/>
-              <a:t>Criando</a:t>
-            </a:r>
-            <a:r>
-              <a:rPr lang="en-US" dirty="0" smtClean="0"/>
-              <a:t> </a:t>
-            </a:r>
-            <a:r>
-              <a:rPr lang="en-US" dirty="0" err="1" smtClean="0"/>
-              <a:t>validações</a:t>
-            </a:r>
-            <a:r>
-              <a:rPr lang="en-US" dirty="0" smtClean="0"/>
-              <a:t> </a:t>
-            </a:r>
-            <a:r>
-              <a:rPr lang="en-US" dirty="0" err="1" smtClean="0"/>
-              <a:t>customizadas</a:t>
-            </a:r>
-            <a:r>
-              <a:rPr lang="en-US" dirty="0" smtClean="0"/>
-              <a:t> com </a:t>
-            </a:r>
-            <a:r>
-              <a:rPr lang="en-US" dirty="0" err="1" smtClean="0"/>
-              <a:t>IValidatableObject</a:t>
-            </a:r>
-            <a:endParaRPr lang="en-US" dirty="0" smtClean="0"/>
           </a:p>
         </p:txBody>
       </p:sp>
@@ -12726,7 +12663,6 @@
               <a:rPr lang="en-US" sz="1800" dirty="0" smtClean="0"/>
               <a:t>.</a:t>
             </a:r>
-            <a:endParaRPr lang="en-US" sz="1800" dirty="0" smtClean="0"/>
           </a:p>
         </p:txBody>
       </p:sp>
@@ -12777,7 +12713,7 @@
           <a:p>
             <a:r>
               <a:rPr lang="en-US" dirty="0" err="1" smtClean="0"/>
-              <a:t>Onde</a:t>
+              <a:t>Preparando</a:t>
             </a:r>
             <a:r>
               <a:rPr lang="en-US" dirty="0" smtClean="0"/>
@@ -12785,19 +12721,11 @@
             </a:r>
             <a:r>
               <a:rPr lang="en-US" dirty="0" err="1" smtClean="0"/>
-              <a:t>validação</a:t>
+              <a:t>sua</a:t>
             </a:r>
             <a:r>
               <a:rPr lang="en-US" dirty="0" smtClean="0"/>
-              <a:t> </a:t>
-            </a:r>
-            <a:r>
-              <a:rPr lang="en-US" dirty="0" err="1" smtClean="0"/>
-              <a:t>ocorre</a:t>
-            </a:r>
-            <a:r>
-              <a:rPr lang="en-US" dirty="0" smtClean="0"/>
-              <a:t>?</a:t>
+              <a:t> View Model</a:t>
             </a:r>
             <a:endParaRPr lang="en-US" dirty="0"/>
           </a:p>
@@ -12813,55 +12741,117 @@
             <p:ph idx="1"/>
           </p:nvPr>
         </p:nvSpPr>
-        <p:spPr/>
+        <p:spPr>
+          <a:xfrm>
+            <a:off x="646111" y="1626198"/>
+            <a:ext cx="8946541" cy="4195481"/>
+          </a:xfrm>
+        </p:spPr>
         <p:txBody>
-          <a:bodyPr/>
+          <a:bodyPr>
+            <a:normAutofit fontScale="92500" lnSpcReduction="10000"/>
+          </a:bodyPr>
           <a:lstStyle/>
           <a:p>
             <a:r>
+              <a:rPr lang="en-US" dirty="0" err="1" smtClean="0"/>
+              <a:t>Atributos</a:t>
+            </a:r>
+            <a:r>
               <a:rPr lang="en-US" dirty="0" smtClean="0"/>
-              <a:t>No server-side</a:t>
+              <a:t> Data types</a:t>
             </a:r>
           </a:p>
           <a:p>
             <a:pPr lvl="1"/>
             <a:r>
+              <a:rPr lang="en-US" dirty="0" err="1" smtClean="0"/>
+              <a:t>CreditCard</a:t>
+            </a:r>
+            <a:endParaRPr lang="en-US" dirty="0" smtClean="0"/>
+          </a:p>
+          <a:p>
+            <a:pPr lvl="1"/>
+            <a:r>
               <a:rPr lang="en-US" dirty="0" smtClean="0"/>
-              <a:t>Model State</a:t>
-            </a:r>
-          </a:p>
-          <a:p>
+              <a:t>Currency</a:t>
+            </a:r>
+          </a:p>
+          <a:p>
+            <a:pPr lvl="1"/>
+            <a:r>
+              <a:rPr lang="en-US" dirty="0" err="1" smtClean="0"/>
+              <a:t>EmailAddress</a:t>
+            </a:r>
+            <a:endParaRPr lang="en-US" dirty="0" smtClean="0"/>
+          </a:p>
+          <a:p>
+            <a:pPr lvl="1"/>
             <a:r>
               <a:rPr lang="en-US" dirty="0" smtClean="0"/>
-              <a:t>No client-side</a:t>
+              <a:t>Password</a:t>
             </a:r>
           </a:p>
           <a:p>
             <a:pPr lvl="1"/>
             <a:r>
               <a:rPr lang="en-US" dirty="0" err="1" smtClean="0"/>
-              <a:t>Requer</a:t>
+              <a:t>Url</a:t>
+            </a:r>
+            <a:endParaRPr lang="en-US" dirty="0" smtClean="0"/>
+          </a:p>
+          <a:p>
+            <a:r>
+              <a:rPr lang="en-US" dirty="0" err="1" smtClean="0"/>
+              <a:t>Formatação</a:t>
             </a:r>
             <a:r>
               <a:rPr lang="en-US" dirty="0" smtClean="0"/>
-              <a:t> o </a:t>
-            </a:r>
+              <a:t> com Data annotations</a:t>
+            </a:r>
+            <a:endParaRPr lang="en-US" dirty="0"/>
+          </a:p>
+          <a:p>
+            <a:pPr lvl="1"/>
+            <a:r>
+              <a:rPr lang="en-US" dirty="0"/>
+              <a:t>Display</a:t>
+            </a:r>
+          </a:p>
+          <a:p>
+            <a:pPr lvl="1"/>
+            <a:r>
+              <a:rPr lang="en-US" dirty="0" err="1"/>
+              <a:t>DisplayFormat</a:t>
+            </a:r>
+            <a:endParaRPr lang="en-US" dirty="0"/>
+          </a:p>
+          <a:p>
+            <a:pPr lvl="1"/>
+            <a:r>
+              <a:rPr lang="en-US" dirty="0" err="1"/>
+              <a:t>ScaffoldColumn</a:t>
+            </a:r>
+            <a:endParaRPr lang="en-US" dirty="0"/>
+          </a:p>
+          <a:p>
+            <a:pPr lvl="1"/>
             <a:r>
               <a:rPr lang="en-US" dirty="0" err="1" smtClean="0"/>
-              <a:t>uso</a:t>
-            </a:r>
-            <a:r>
-              <a:rPr lang="en-US" dirty="0" smtClean="0"/>
-              <a:t> jQuery unobtrusive validation</a:t>
+              <a:t>ReadOnly</a:t>
             </a:r>
             <a:endParaRPr lang="en-US" dirty="0"/>
+          </a:p>
+          <a:p>
+            <a:pPr lvl="1"/>
+            <a:endParaRPr lang="en-US" dirty="0" smtClean="0"/>
           </a:p>
         </p:txBody>
       </p:sp>
     </p:spTree>
     <p:extLst>
       <p:ext uri="{BB962C8B-B14F-4D97-AF65-F5344CB8AC3E}">
-        <p14:creationId xmlns:p14="http://schemas.microsoft.com/office/powerpoint/2010/main" val="781519632"/>
+        <p14:creationId xmlns:p14="http://schemas.microsoft.com/office/powerpoint/2010/main" val="2261675551"/>
       </p:ext>
     </p:extLst>
   </p:cSld>
@@ -12904,22 +12894,22 @@
           <a:lstStyle/>
           <a:p>
             <a:r>
-              <a:rPr lang="en-US" dirty="0" err="1" smtClean="0"/>
-              <a:t>Preparando</a:t>
-            </a:r>
-            <a:r>
-              <a:rPr lang="en-US" dirty="0" smtClean="0"/>
-              <a:t> a </a:t>
-            </a:r>
-            <a:r>
-              <a:rPr lang="en-US" dirty="0" err="1" smtClean="0"/>
-              <a:t>sua</a:t>
-            </a:r>
-            <a:r>
-              <a:rPr lang="en-US" dirty="0" smtClean="0"/>
-              <a:t> View Model</a:t>
-            </a:r>
-            <a:endParaRPr lang="en-US" dirty="0"/>
+              <a:rPr lang="en-US" sz="3200" dirty="0" err="1" smtClean="0"/>
+              <a:t>Criando</a:t>
+            </a:r>
+            <a:r>
+              <a:rPr lang="en-US" sz="3200" dirty="0" smtClean="0"/>
+              <a:t> </a:t>
+            </a:r>
+            <a:r>
+              <a:rPr lang="en-US" sz="3200" dirty="0" err="1" smtClean="0"/>
+              <a:t>validações</a:t>
+            </a:r>
+            <a:r>
+              <a:rPr lang="en-US" sz="3200" dirty="0" smtClean="0"/>
+              <a:t> com Data annotations </a:t>
+            </a:r>
+            <a:endParaRPr lang="en-US" sz="3200" dirty="0"/>
           </a:p>
         </p:txBody>
       </p:sp>
@@ -12935,115 +12925,174 @@
         </p:nvSpPr>
         <p:spPr>
           <a:xfrm>
-            <a:off x="646111" y="1626198"/>
+            <a:off x="761936" y="1577430"/>
             <a:ext cx="8946541" cy="4195481"/>
           </a:xfrm>
         </p:spPr>
         <p:txBody>
-          <a:bodyPr>
-            <a:normAutofit fontScale="92500" lnSpcReduction="10000"/>
-          </a:bodyPr>
+          <a:bodyPr/>
           <a:lstStyle/>
           <a:p>
             <a:r>
-              <a:rPr lang="en-US" dirty="0" err="1" smtClean="0"/>
-              <a:t>Atributos</a:t>
-            </a:r>
-            <a:r>
-              <a:rPr lang="en-US" dirty="0" smtClean="0"/>
-              <a:t> Data types</a:t>
+              <a:rPr lang="en-US" dirty="0" err="1"/>
+              <a:t>Criando</a:t>
+            </a:r>
+            <a:r>
+              <a:rPr lang="en-US" dirty="0"/>
+              <a:t> </a:t>
+            </a:r>
+            <a:r>
+              <a:rPr lang="en-US" dirty="0" err="1"/>
+              <a:t>validações</a:t>
+            </a:r>
+            <a:r>
+              <a:rPr lang="en-US" dirty="0"/>
+              <a:t> com Data annotations</a:t>
             </a:r>
           </a:p>
           <a:p>
             <a:pPr lvl="1"/>
             <a:r>
-              <a:rPr lang="en-US" dirty="0" err="1" smtClean="0"/>
-              <a:t>CreditCard</a:t>
-            </a:r>
-            <a:endParaRPr lang="en-US" dirty="0" smtClean="0"/>
+              <a:rPr lang="en-US" dirty="0"/>
+              <a:t>Required</a:t>
+            </a:r>
           </a:p>
           <a:p>
             <a:pPr lvl="1"/>
             <a:r>
-              <a:rPr lang="en-US" dirty="0" smtClean="0"/>
-              <a:t>Currency</a:t>
-            </a:r>
+              <a:rPr lang="en-US" dirty="0" err="1"/>
+              <a:t>StringLength</a:t>
+            </a:r>
+            <a:endParaRPr lang="en-US" dirty="0"/>
           </a:p>
           <a:p>
             <a:pPr lvl="1"/>
             <a:r>
-              <a:rPr lang="en-US" dirty="0" err="1" smtClean="0"/>
-              <a:t>EmailAddress</a:t>
-            </a:r>
-            <a:endParaRPr lang="en-US" dirty="0" smtClean="0"/>
+              <a:rPr lang="en-US" dirty="0" err="1"/>
+              <a:t>RegularExpression</a:t>
+            </a:r>
+            <a:endParaRPr lang="en-US" dirty="0"/>
           </a:p>
           <a:p>
             <a:pPr lvl="1"/>
             <a:r>
-              <a:rPr lang="en-US" dirty="0" smtClean="0"/>
-              <a:t>Password</a:t>
+              <a:rPr lang="en-US" dirty="0"/>
+              <a:t>Range</a:t>
             </a:r>
           </a:p>
           <a:p>
             <a:pPr lvl="1"/>
             <a:r>
-              <a:rPr lang="en-US" dirty="0" err="1" smtClean="0"/>
-              <a:t>Url</a:t>
-            </a:r>
-            <a:endParaRPr lang="en-US" dirty="0" smtClean="0"/>
-          </a:p>
-          <a:p>
-            <a:r>
-              <a:rPr lang="en-US" dirty="0" err="1" smtClean="0"/>
-              <a:t>Formatação</a:t>
-            </a:r>
-            <a:r>
-              <a:rPr lang="en-US" dirty="0" smtClean="0"/>
-              <a:t> com Data annotations</a:t>
+              <a:rPr lang="en-US" dirty="0"/>
+              <a:t>Compare</a:t>
+            </a:r>
+          </a:p>
+          <a:p>
+            <a:pPr lvl="1"/>
+            <a:r>
+              <a:rPr lang="en-US" dirty="0"/>
+              <a:t>Remote</a:t>
+            </a:r>
+          </a:p>
+          <a:p>
+            <a:pPr lvl="1"/>
+            <a:r>
+              <a:rPr lang="en-US" dirty="0" err="1"/>
+              <a:t>Você</a:t>
+            </a:r>
+            <a:r>
+              <a:rPr lang="en-US" dirty="0"/>
+              <a:t> </a:t>
+            </a:r>
+            <a:r>
+              <a:rPr lang="en-US" dirty="0" err="1"/>
+              <a:t>pode</a:t>
+            </a:r>
+            <a:r>
+              <a:rPr lang="en-US" dirty="0"/>
+              <a:t> </a:t>
+            </a:r>
+            <a:r>
+              <a:rPr lang="en-US" dirty="0" err="1"/>
+              <a:t>criar</a:t>
+            </a:r>
+            <a:r>
+              <a:rPr lang="en-US" dirty="0"/>
+              <a:t> a </a:t>
+            </a:r>
+            <a:r>
+              <a:rPr lang="en-US" dirty="0" err="1"/>
+              <a:t>sua</a:t>
+            </a:r>
+            <a:r>
+              <a:rPr lang="en-US" dirty="0"/>
+              <a:t> </a:t>
+            </a:r>
+            <a:r>
+              <a:rPr lang="en-US" dirty="0" err="1"/>
+              <a:t>própria</a:t>
+            </a:r>
+            <a:r>
+              <a:rPr lang="en-US" dirty="0"/>
+              <a:t> </a:t>
+            </a:r>
+            <a:r>
+              <a:rPr lang="en-US" dirty="0" err="1"/>
+              <a:t>anotação</a:t>
+            </a:r>
+            <a:r>
+              <a:rPr lang="en-US" dirty="0"/>
+              <a:t> </a:t>
+            </a:r>
+            <a:r>
+              <a:rPr lang="en-US" dirty="0" err="1"/>
+              <a:t>customizada</a:t>
+            </a:r>
+            <a:r>
+              <a:rPr lang="en-US" dirty="0"/>
+              <a:t>.</a:t>
+            </a:r>
+          </a:p>
+          <a:p>
+            <a:r>
+              <a:rPr lang="en-US" dirty="0" err="1"/>
+              <a:t>Criando</a:t>
+            </a:r>
+            <a:r>
+              <a:rPr lang="en-US" dirty="0"/>
+              <a:t> </a:t>
+            </a:r>
+            <a:r>
+              <a:rPr lang="en-US" dirty="0" err="1"/>
+              <a:t>validações</a:t>
+            </a:r>
+            <a:r>
+              <a:rPr lang="en-US" dirty="0"/>
+              <a:t> </a:t>
+            </a:r>
+            <a:r>
+              <a:rPr lang="en-US" dirty="0" err="1"/>
+              <a:t>customizadas</a:t>
+            </a:r>
+            <a:r>
+              <a:rPr lang="en-US" dirty="0"/>
+              <a:t> com </a:t>
+            </a:r>
+            <a:r>
+              <a:rPr lang="en-US" dirty="0" err="1"/>
+              <a:t>IValidatableObject</a:t>
             </a:r>
             <a:endParaRPr lang="en-US" dirty="0"/>
           </a:p>
           <a:p>
-            <a:pPr lvl="1"/>
-            <a:r>
-              <a:rPr lang="en-US" dirty="0"/>
-              <a:t>Display</a:t>
-            </a:r>
-          </a:p>
-          <a:p>
-            <a:pPr lvl="1"/>
-            <a:r>
-              <a:rPr lang="en-US" dirty="0" err="1"/>
-              <a:t>DisplayFormat</a:t>
-            </a:r>
             <a:endParaRPr lang="en-US" dirty="0"/>
-          </a:p>
-          <a:p>
-            <a:pPr lvl="1"/>
-            <a:r>
-              <a:rPr lang="en-US" dirty="0" err="1"/>
-              <a:t>ScaffoldColumn</a:t>
-            </a:r>
-            <a:endParaRPr lang="en-US" dirty="0"/>
-          </a:p>
-          <a:p>
-            <a:pPr lvl="1"/>
-            <a:r>
-              <a:rPr lang="en-US" dirty="0" err="1" smtClean="0"/>
-              <a:t>ReadOnly</a:t>
-            </a:r>
-            <a:endParaRPr lang="en-US" dirty="0"/>
-          </a:p>
-          <a:p>
-            <a:pPr lvl="1"/>
-            <a:endParaRPr lang="en-US" dirty="0" smtClean="0"/>
           </a:p>
         </p:txBody>
       </p:sp>
     </p:spTree>
     <p:extLst>
       <p:ext uri="{BB962C8B-B14F-4D97-AF65-F5344CB8AC3E}">
-        <p14:creationId xmlns:p14="http://schemas.microsoft.com/office/powerpoint/2010/main" val="2261675551"/>
+        <p14:creationId xmlns:p14="http://schemas.microsoft.com/office/powerpoint/2010/main" val="4145139695"/>
       </p:ext>
     </p:extLst>
   </p:cSld>
@@ -13086,8 +13135,28 @@
           <a:lstStyle/>
           <a:p>
             <a:r>
+              <a:rPr lang="en-US" dirty="0" err="1" smtClean="0"/>
+              <a:t>Onde</a:t>
+            </a:r>
+            <a:r>
               <a:rPr lang="en-US" dirty="0" smtClean="0"/>
-              <a:t>Routing</a:t>
+              <a:t> a </a:t>
+            </a:r>
+            <a:r>
+              <a:rPr lang="en-US" dirty="0" err="1" smtClean="0"/>
+              <a:t>validação</a:t>
+            </a:r>
+            <a:r>
+              <a:rPr lang="en-US" dirty="0" smtClean="0"/>
+              <a:t> </a:t>
+            </a:r>
+            <a:r>
+              <a:rPr lang="en-US" dirty="0" err="1" smtClean="0"/>
+              <a:t>ocorre</a:t>
+            </a:r>
+            <a:r>
+              <a:rPr lang="en-US" dirty="0" smtClean="0"/>
+              <a:t>?</a:t>
             </a:r>
             <a:endParaRPr lang="en-US" dirty="0"/>
           </a:p>
@@ -13103,141 +13172,46 @@
             <p:ph idx="1"/>
           </p:nvPr>
         </p:nvSpPr>
-        <p:spPr>
-          <a:xfrm>
-            <a:off x="646111" y="1626198"/>
-            <a:ext cx="8946541" cy="4195481"/>
-          </a:xfrm>
-        </p:spPr>
+        <p:spPr/>
         <p:txBody>
           <a:bodyPr/>
           <a:lstStyle/>
           <a:p>
             <a:r>
               <a:rPr lang="en-US" dirty="0" smtClean="0"/>
-              <a:t>Handled Vanity URLs</a:t>
+              <a:t>No server-side</a:t>
             </a:r>
           </a:p>
           <a:p>
             <a:pPr lvl="1"/>
             <a:r>
-              <a:rPr lang="en-US" dirty="0" smtClean="0">
-                <a:hlinkClick r:id="rId2"/>
-              </a:rPr>
-              <a:t>www.mymusicstore.com/Home</a:t>
-            </a:r>
-            <a:endParaRPr lang="en-US" dirty="0" smtClean="0"/>
-          </a:p>
-          <a:p>
-            <a:r>
               <a:rPr lang="en-US" dirty="0" smtClean="0"/>
-              <a:t>O Routing do MVC </a:t>
-            </a:r>
+              <a:t>Model State</a:t>
+            </a:r>
+          </a:p>
+          <a:p>
+            <a:r>
+              <a:rPr lang="en-US" dirty="0" smtClean="0"/>
+              <a:t>No client-side</a:t>
+            </a:r>
+          </a:p>
+          <a:p>
+            <a:pPr lvl="1"/>
             <a:r>
               <a:rPr lang="en-US" dirty="0" err="1" smtClean="0"/>
-              <a:t>controla</a:t>
+              <a:t>Requer</a:t>
             </a:r>
             <a:r>
               <a:rPr lang="en-US" dirty="0" smtClean="0"/>
-              <a:t> </a:t>
+              <a:t> o </a:t>
             </a:r>
             <a:r>
               <a:rPr lang="en-US" dirty="0" err="1" smtClean="0"/>
-              <a:t>qual</a:t>
+              <a:t>uso</a:t>
             </a:r>
             <a:r>
               <a:rPr lang="en-US" dirty="0" smtClean="0"/>
-              <a:t> </a:t>
-            </a:r>
-            <a:r>
-              <a:rPr lang="en-US" dirty="0" smtClean="0"/>
-              <a:t>Controller/Action </a:t>
-            </a:r>
-            <a:r>
-              <a:rPr lang="en-US" dirty="0" err="1" smtClean="0"/>
-              <a:t>vai</a:t>
-            </a:r>
-            <a:r>
-              <a:rPr lang="en-US" dirty="0" smtClean="0"/>
-              <a:t> </a:t>
-            </a:r>
-            <a:r>
-              <a:rPr lang="en-US" dirty="0" err="1" smtClean="0"/>
-              <a:t>ser</a:t>
-            </a:r>
-            <a:r>
-              <a:rPr lang="en-US" dirty="0" smtClean="0"/>
-              <a:t> </a:t>
-            </a:r>
-            <a:r>
-              <a:rPr lang="en-US" dirty="0" err="1" smtClean="0"/>
-              <a:t>chamado</a:t>
-            </a:r>
-            <a:r>
-              <a:rPr lang="en-US" dirty="0" smtClean="0"/>
-              <a:t> </a:t>
-            </a:r>
-            <a:r>
-              <a:rPr lang="en-US" dirty="0" err="1" smtClean="0"/>
-              <a:t>baseado</a:t>
-            </a:r>
-            <a:r>
-              <a:rPr lang="en-US" dirty="0" smtClean="0"/>
-              <a:t> </a:t>
-            </a:r>
-            <a:r>
-              <a:rPr lang="en-US" dirty="0" err="1" smtClean="0"/>
-              <a:t>na</a:t>
-            </a:r>
-            <a:r>
-              <a:rPr lang="en-US" dirty="0" smtClean="0"/>
-              <a:t> URL </a:t>
-            </a:r>
-            <a:r>
-              <a:rPr lang="en-US" dirty="0" err="1" smtClean="0"/>
-              <a:t>fornecida</a:t>
-            </a:r>
-            <a:r>
-              <a:rPr lang="en-US" dirty="0" smtClean="0"/>
-              <a:t> </a:t>
-            </a:r>
-            <a:r>
-              <a:rPr lang="en-US" dirty="0" err="1" smtClean="0"/>
-              <a:t>na</a:t>
-            </a:r>
-            <a:r>
-              <a:rPr lang="en-US" dirty="0" smtClean="0"/>
-              <a:t> </a:t>
-            </a:r>
-            <a:r>
-              <a:rPr lang="en-US" dirty="0" err="1" smtClean="0"/>
-              <a:t>requisição</a:t>
-            </a:r>
-            <a:endParaRPr lang="en-US" dirty="0" smtClean="0"/>
-          </a:p>
-          <a:p>
-            <a:r>
-              <a:rPr lang="en-US" dirty="0" err="1" smtClean="0"/>
-              <a:t>Métodos</a:t>
-            </a:r>
-            <a:r>
-              <a:rPr lang="en-US" dirty="0" smtClean="0"/>
-              <a:t> para customizer o routing</a:t>
-            </a:r>
-          </a:p>
-          <a:p>
-            <a:pPr lvl="1"/>
-            <a:r>
-              <a:rPr lang="en-US" dirty="0" err="1" smtClean="0"/>
-              <a:t>RouteConfig.cs</a:t>
-            </a:r>
-            <a:endParaRPr lang="en-US" dirty="0" smtClean="0"/>
-          </a:p>
-          <a:p>
-            <a:pPr lvl="1"/>
-            <a:r>
-              <a:rPr lang="en-US" dirty="0" err="1" smtClean="0"/>
-              <a:t>AttributeRouting</a:t>
+              <a:t> jQuery unobtrusive validation</a:t>
             </a:r>
             <a:endParaRPr lang="en-US" dirty="0"/>
           </a:p>
@@ -13246,7 +13220,7 @@
     </p:spTree>
     <p:extLst>
       <p:ext uri="{BB962C8B-B14F-4D97-AF65-F5344CB8AC3E}">
-        <p14:creationId xmlns:p14="http://schemas.microsoft.com/office/powerpoint/2010/main" val="885337870"/>
+        <p14:creationId xmlns:p14="http://schemas.microsoft.com/office/powerpoint/2010/main" val="781519632"/>
       </p:ext>
     </p:extLst>
   </p:cSld>
@@ -13289,9 +13263,10 @@
           <a:lstStyle/>
           <a:p>
             <a:r>
-              <a:rPr lang="en-US" dirty="0"/>
-              <a:t>Attribute Routing</a:t>
-            </a:r>
+              <a:rPr lang="en-US" dirty="0" smtClean="0"/>
+              <a:t>Routing</a:t>
+            </a:r>
+            <a:endParaRPr lang="en-US" dirty="0"/>
           </a:p>
         </p:txBody>
       </p:sp>
@@ -13307,468 +13282,144 @@
         </p:nvSpPr>
         <p:spPr>
           <a:xfrm>
-            <a:off x="646111" y="1853248"/>
+            <a:off x="646111" y="1626198"/>
             <a:ext cx="8946541" cy="4195481"/>
           </a:xfrm>
         </p:spPr>
-        <p:style>
-          <a:lnRef idx="2">
-            <a:schemeClr val="dk1"/>
-          </a:lnRef>
-          <a:fillRef idx="1">
-            <a:schemeClr val="lt1"/>
-          </a:fillRef>
-          <a:effectRef idx="0">
-            <a:schemeClr val="dk1"/>
-          </a:effectRef>
-          <a:fontRef idx="minor">
-            <a:schemeClr val="dk1"/>
-          </a:fontRef>
-        </p:style>
         <p:txBody>
           <a:bodyPr/>
           <a:lstStyle/>
           <a:p>
-            <a:pPr marL="0" indent="0">
-              <a:buNone/>
-            </a:pPr>
+            <a:r>
+              <a:rPr lang="en-US" dirty="0" smtClean="0"/>
+              <a:t>Handled Vanity URLs </a:t>
+            </a:r>
+            <a:r>
+              <a:rPr lang="en-US" dirty="0" err="1" smtClean="0"/>
+              <a:t>ou</a:t>
+            </a:r>
+            <a:r>
+              <a:rPr lang="en-US" dirty="0" smtClean="0"/>
+              <a:t> friendly URLs</a:t>
+            </a:r>
+          </a:p>
+          <a:p>
+            <a:pPr lvl="1"/>
             <a:r>
               <a:rPr lang="en-US" dirty="0" smtClean="0">
-                <a:solidFill>
-                  <a:srgbClr val="000000"/>
-                </a:solidFill>
-                <a:highlight>
-                  <a:srgbClr val="FFFFFF"/>
-                </a:highlight>
-                <a:latin typeface="Consolas" panose="020B0609020204030204" pitchFamily="49" charset="0"/>
+                <a:hlinkClick r:id="rId2"/>
               </a:rPr>
-              <a:t>[</a:t>
-            </a:r>
-            <a:r>
-              <a:rPr lang="en-US" dirty="0" err="1" smtClean="0">
-                <a:solidFill>
-                  <a:srgbClr val="2B91AF"/>
-                </a:solidFill>
-                <a:highlight>
-                  <a:srgbClr val="FFFFFF"/>
-                </a:highlight>
-                <a:latin typeface="Consolas" panose="020B0609020204030204" pitchFamily="49" charset="0"/>
-              </a:rPr>
-              <a:t>RoutePrefix</a:t>
-            </a:r>
-            <a:r>
-              <a:rPr lang="en-US" dirty="0" smtClean="0">
-                <a:solidFill>
-                  <a:srgbClr val="000000"/>
-                </a:solidFill>
-                <a:highlight>
-                  <a:srgbClr val="FFFFFF"/>
-                </a:highlight>
-                <a:latin typeface="Consolas" panose="020B0609020204030204" pitchFamily="49" charset="0"/>
-              </a:rPr>
-              <a:t>(</a:t>
-            </a:r>
-            <a:r>
-              <a:rPr lang="en-US" dirty="0" smtClean="0">
-                <a:solidFill>
-                  <a:srgbClr val="A31515"/>
-                </a:solidFill>
-                <a:highlight>
-                  <a:srgbClr val="FFFFFF"/>
-                </a:highlight>
-                <a:latin typeface="Consolas" panose="020B0609020204030204" pitchFamily="49" charset="0"/>
-              </a:rPr>
-              <a:t>"Album"</a:t>
-            </a:r>
-            <a:r>
-              <a:rPr lang="en-US" dirty="0" smtClean="0">
-                <a:solidFill>
-                  <a:srgbClr val="000000"/>
-                </a:solidFill>
-                <a:highlight>
-                  <a:srgbClr val="FFFFFF"/>
-                </a:highlight>
-                <a:latin typeface="Consolas" panose="020B0609020204030204" pitchFamily="49" charset="0"/>
-              </a:rPr>
-              <a:t>)]</a:t>
-            </a:r>
-          </a:p>
-          <a:p>
-            <a:pPr marL="0" indent="0">
-              <a:buNone/>
-            </a:pPr>
-            <a:r>
-              <a:rPr lang="en-US" dirty="0" smtClean="0">
-                <a:solidFill>
-                  <a:srgbClr val="0000FF"/>
-                </a:solidFill>
-                <a:highlight>
-                  <a:srgbClr val="FFFFFF"/>
-                </a:highlight>
-                <a:latin typeface="Consolas" panose="020B0609020204030204" pitchFamily="49" charset="0"/>
-              </a:rPr>
-              <a:t>public</a:t>
-            </a:r>
-            <a:r>
-              <a:rPr lang="en-US" dirty="0" smtClean="0">
-                <a:solidFill>
-                  <a:srgbClr val="000000"/>
-                </a:solidFill>
-                <a:highlight>
-                  <a:srgbClr val="FFFFFF"/>
-                </a:highlight>
-                <a:latin typeface="Consolas" panose="020B0609020204030204" pitchFamily="49" charset="0"/>
-              </a:rPr>
+              <a:t>www.mymusicstore.com/Home</a:t>
+            </a:r>
+            <a:endParaRPr lang="en-US" dirty="0" smtClean="0"/>
+          </a:p>
+          <a:p>
+            <a:r>
+              <a:rPr lang="en-US" dirty="0" smtClean="0"/>
+              <a:t>O Routing do MVC </a:t>
+            </a:r>
+            <a:r>
+              <a:rPr lang="en-US" dirty="0" err="1" smtClean="0"/>
+              <a:t>controla</a:t>
+            </a:r>
+            <a:r>
+              <a:rPr lang="en-US" dirty="0" smtClean="0"/>
               <a:t> </a:t>
             </a:r>
             <a:r>
-              <a:rPr lang="en-US" dirty="0" smtClean="0">
-                <a:solidFill>
-                  <a:srgbClr val="0000FF"/>
-                </a:solidFill>
-                <a:highlight>
-                  <a:srgbClr val="FFFFFF"/>
-                </a:highlight>
-                <a:latin typeface="Consolas" panose="020B0609020204030204" pitchFamily="49" charset="0"/>
-              </a:rPr>
-              <a:t>class</a:t>
-            </a:r>
-            <a:r>
-              <a:rPr lang="en-US" dirty="0" smtClean="0">
-                <a:solidFill>
-                  <a:srgbClr val="000000"/>
-                </a:solidFill>
-                <a:highlight>
-                  <a:srgbClr val="FFFFFF"/>
-                </a:highlight>
-                <a:latin typeface="Consolas" panose="020B0609020204030204" pitchFamily="49" charset="0"/>
-              </a:rPr>
+              <a:rPr lang="en-US" dirty="0" err="1" smtClean="0"/>
+              <a:t>qual</a:t>
+            </a:r>
+            <a:r>
+              <a:rPr lang="en-US" dirty="0" smtClean="0"/>
+              <a:t> Controller/Action </a:t>
+            </a:r>
+            <a:r>
+              <a:rPr lang="en-US" dirty="0" err="1" smtClean="0"/>
+              <a:t>vai</a:t>
+            </a:r>
+            <a:r>
+              <a:rPr lang="en-US" dirty="0" smtClean="0"/>
               <a:t> </a:t>
             </a:r>
             <a:r>
-              <a:rPr lang="en-US" dirty="0" err="1" smtClean="0">
-                <a:solidFill>
-                  <a:srgbClr val="2B91AF"/>
-                </a:solidFill>
-                <a:highlight>
-                  <a:srgbClr val="FFFFFF"/>
-                </a:highlight>
-                <a:latin typeface="Consolas" panose="020B0609020204030204" pitchFamily="49" charset="0"/>
-              </a:rPr>
-              <a:t>AlbumsController</a:t>
-            </a:r>
-            <a:r>
-              <a:rPr lang="en-US" dirty="0" smtClean="0">
-                <a:solidFill>
-                  <a:srgbClr val="000000"/>
-                </a:solidFill>
-                <a:highlight>
-                  <a:srgbClr val="FFFFFF"/>
-                </a:highlight>
-                <a:latin typeface="Consolas" panose="020B0609020204030204" pitchFamily="49" charset="0"/>
-              </a:rPr>
-              <a:t> : </a:t>
-            </a:r>
-            <a:r>
-              <a:rPr lang="en-US" dirty="0" smtClean="0">
-                <a:solidFill>
-                  <a:srgbClr val="2B91AF"/>
-                </a:solidFill>
-                <a:highlight>
-                  <a:srgbClr val="FFFFFF"/>
-                </a:highlight>
-                <a:latin typeface="Consolas" panose="020B0609020204030204" pitchFamily="49" charset="0"/>
-              </a:rPr>
-              <a:t>Controller</a:t>
-            </a:r>
-            <a:endParaRPr lang="en-US" dirty="0" smtClean="0">
-              <a:solidFill>
-                <a:srgbClr val="000000"/>
-              </a:solidFill>
-              <a:highlight>
-                <a:srgbClr val="FFFFFF"/>
-              </a:highlight>
-              <a:latin typeface="Consolas" panose="020B0609020204030204" pitchFamily="49" charset="0"/>
-            </a:endParaRPr>
-          </a:p>
-          <a:p>
-            <a:pPr marL="0" indent="0">
-              <a:buNone/>
-            </a:pPr>
-            <a:r>
-              <a:rPr lang="en-US" dirty="0" smtClean="0">
-                <a:solidFill>
-                  <a:srgbClr val="000000"/>
-                </a:solidFill>
-                <a:highlight>
-                  <a:srgbClr val="FFFFFF"/>
-                </a:highlight>
-                <a:latin typeface="Consolas" panose="020B0609020204030204" pitchFamily="49" charset="0"/>
-              </a:rPr>
-              <a:t>{</a:t>
-            </a:r>
-          </a:p>
-          <a:p>
-            <a:pPr marL="0" indent="0">
-              <a:buNone/>
-            </a:pPr>
-            <a:r>
-              <a:rPr lang="en-US" dirty="0" smtClean="0">
-                <a:solidFill>
-                  <a:srgbClr val="000000"/>
-                </a:solidFill>
-                <a:highlight>
-                  <a:srgbClr val="FFFFFF"/>
-                </a:highlight>
-                <a:latin typeface="Consolas" panose="020B0609020204030204" pitchFamily="49" charset="0"/>
-              </a:rPr>
-              <a:t>   [</a:t>
-            </a:r>
-            <a:r>
-              <a:rPr lang="en-US" dirty="0" smtClean="0">
-                <a:solidFill>
-                  <a:srgbClr val="2B91AF"/>
-                </a:solidFill>
-                <a:highlight>
-                  <a:srgbClr val="FFFFFF"/>
-                </a:highlight>
-                <a:latin typeface="Consolas" panose="020B0609020204030204" pitchFamily="49" charset="0"/>
-              </a:rPr>
-              <a:t>Route</a:t>
-            </a:r>
-            <a:r>
-              <a:rPr lang="en-US" dirty="0" smtClean="0">
-                <a:solidFill>
-                  <a:srgbClr val="000000"/>
-                </a:solidFill>
-                <a:highlight>
-                  <a:srgbClr val="FFFFFF"/>
-                </a:highlight>
-                <a:latin typeface="Consolas" panose="020B0609020204030204" pitchFamily="49" charset="0"/>
-              </a:rPr>
-              <a:t>(</a:t>
-            </a:r>
-            <a:r>
-              <a:rPr lang="en-US" dirty="0" smtClean="0">
-                <a:solidFill>
-                  <a:srgbClr val="A31515"/>
-                </a:solidFill>
-                <a:highlight>
-                  <a:srgbClr val="FFFFFF"/>
-                </a:highlight>
-                <a:latin typeface="Consolas" panose="020B0609020204030204" pitchFamily="49" charset="0"/>
-              </a:rPr>
-              <a:t>"Album/Edit/{</a:t>
-            </a:r>
-            <a:r>
-              <a:rPr lang="en-US" dirty="0" err="1" smtClean="0">
-                <a:solidFill>
-                  <a:srgbClr val="A31515"/>
-                </a:solidFill>
-                <a:highlight>
-                  <a:srgbClr val="FFFFFF"/>
-                </a:highlight>
-                <a:latin typeface="Consolas" panose="020B0609020204030204" pitchFamily="49" charset="0"/>
-              </a:rPr>
-              <a:t>id:int</a:t>
-            </a:r>
-            <a:r>
-              <a:rPr lang="en-US" dirty="0" smtClean="0">
-                <a:solidFill>
-                  <a:srgbClr val="A31515"/>
-                </a:solidFill>
-                <a:highlight>
-                  <a:srgbClr val="FFFFFF"/>
-                </a:highlight>
-                <a:latin typeface="Consolas" panose="020B0609020204030204" pitchFamily="49" charset="0"/>
-              </a:rPr>
-              <a:t>}"</a:t>
-            </a:r>
-            <a:r>
-              <a:rPr lang="en-US" dirty="0" smtClean="0">
-                <a:solidFill>
-                  <a:srgbClr val="000000"/>
-                </a:solidFill>
-                <a:highlight>
-                  <a:srgbClr val="FFFFFF"/>
-                </a:highlight>
-                <a:latin typeface="Consolas" panose="020B0609020204030204" pitchFamily="49" charset="0"/>
-              </a:rPr>
-              <a:t>)]</a:t>
-            </a:r>
-          </a:p>
-          <a:p>
-            <a:pPr marL="0" indent="0">
-              <a:buNone/>
-            </a:pPr>
-            <a:r>
-              <a:rPr lang="en-US" dirty="0" smtClean="0">
-                <a:solidFill>
-                  <a:srgbClr val="0000FF"/>
-                </a:solidFill>
-                <a:highlight>
-                  <a:srgbClr val="FFFFFF"/>
-                </a:highlight>
-                <a:latin typeface="Consolas" panose="020B0609020204030204" pitchFamily="49" charset="0"/>
-              </a:rPr>
-              <a:t>   public</a:t>
-            </a:r>
-            <a:r>
-              <a:rPr lang="en-US" dirty="0" smtClean="0">
-                <a:solidFill>
-                  <a:srgbClr val="000000"/>
-                </a:solidFill>
-                <a:highlight>
-                  <a:srgbClr val="FFFFFF"/>
-                </a:highlight>
-                <a:latin typeface="Consolas" panose="020B0609020204030204" pitchFamily="49" charset="0"/>
-              </a:rPr>
+              <a:rPr lang="en-US" dirty="0" err="1" smtClean="0"/>
+              <a:t>ser</a:t>
+            </a:r>
+            <a:r>
+              <a:rPr lang="en-US" dirty="0" smtClean="0"/>
               <a:t> </a:t>
             </a:r>
             <a:r>
-              <a:rPr lang="en-US" dirty="0" err="1" smtClean="0">
-                <a:solidFill>
-                  <a:srgbClr val="2B91AF"/>
-                </a:solidFill>
-                <a:highlight>
-                  <a:srgbClr val="FFFFFF"/>
-                </a:highlight>
-                <a:latin typeface="Consolas" panose="020B0609020204030204" pitchFamily="49" charset="0"/>
-              </a:rPr>
-              <a:t>ActionResult</a:t>
-            </a:r>
-            <a:r>
-              <a:rPr lang="en-US" dirty="0" smtClean="0">
-                <a:solidFill>
-                  <a:srgbClr val="000000"/>
-                </a:solidFill>
-                <a:highlight>
-                  <a:srgbClr val="FFFFFF"/>
-                </a:highlight>
-                <a:latin typeface="Consolas" panose="020B0609020204030204" pitchFamily="49" charset="0"/>
-              </a:rPr>
-              <a:t> Edit(</a:t>
-            </a:r>
-            <a:r>
-              <a:rPr lang="en-US" dirty="0" err="1" smtClean="0">
-                <a:solidFill>
-                  <a:srgbClr val="0000FF"/>
-                </a:solidFill>
-                <a:highlight>
-                  <a:srgbClr val="FFFFFF"/>
-                </a:highlight>
-                <a:latin typeface="Consolas" panose="020B0609020204030204" pitchFamily="49" charset="0"/>
-              </a:rPr>
-              <a:t>int</a:t>
-            </a:r>
-            <a:r>
-              <a:rPr lang="en-US" dirty="0" smtClean="0">
-                <a:solidFill>
-                  <a:srgbClr val="000000"/>
-                </a:solidFill>
-                <a:highlight>
-                  <a:srgbClr val="FFFFFF"/>
-                </a:highlight>
-                <a:latin typeface="Consolas" panose="020B0609020204030204" pitchFamily="49" charset="0"/>
-              </a:rPr>
-              <a:t> id)</a:t>
-            </a:r>
-          </a:p>
-          <a:p>
-            <a:pPr marL="0" indent="0">
-              <a:buNone/>
-            </a:pPr>
-            <a:r>
-              <a:rPr lang="en-US" dirty="0" smtClean="0">
-                <a:solidFill>
-                  <a:srgbClr val="000000"/>
-                </a:solidFill>
-                <a:highlight>
-                  <a:srgbClr val="FFFFFF"/>
-                </a:highlight>
-                <a:latin typeface="Consolas" panose="020B0609020204030204" pitchFamily="49" charset="0"/>
-              </a:rPr>
-              <a:t>   {</a:t>
-            </a:r>
-          </a:p>
-          <a:p>
-            <a:pPr marL="0" indent="0">
-              <a:buNone/>
-            </a:pPr>
-            <a:r>
-              <a:rPr lang="en-US" dirty="0" smtClean="0">
-                <a:solidFill>
-                  <a:srgbClr val="000000"/>
-                </a:solidFill>
-                <a:highlight>
-                  <a:srgbClr val="FFFFFF"/>
-                </a:highlight>
-                <a:latin typeface="Consolas" panose="020B0609020204030204" pitchFamily="49" charset="0"/>
-              </a:rPr>
-              <a:t>      </a:t>
-            </a:r>
-            <a:r>
-              <a:rPr lang="en-US" dirty="0" smtClean="0">
-                <a:solidFill>
-                  <a:srgbClr val="008000"/>
-                </a:solidFill>
-                <a:highlight>
-                  <a:srgbClr val="FFFFFF"/>
-                </a:highlight>
-                <a:latin typeface="Consolas" panose="020B0609020204030204" pitchFamily="49" charset="0"/>
-              </a:rPr>
-              <a:t>// code</a:t>
-            </a:r>
-            <a:endParaRPr lang="en-US" dirty="0" smtClean="0">
-              <a:solidFill>
-                <a:srgbClr val="000000"/>
-              </a:solidFill>
-              <a:highlight>
-                <a:srgbClr val="FFFFFF"/>
-              </a:highlight>
-              <a:latin typeface="Consolas" panose="020B0609020204030204" pitchFamily="49" charset="0"/>
-            </a:endParaRPr>
-          </a:p>
-          <a:p>
-            <a:pPr marL="0" indent="0">
-              <a:buNone/>
-            </a:pPr>
-            <a:r>
-              <a:rPr lang="en-US" dirty="0" smtClean="0">
-                <a:solidFill>
-                  <a:srgbClr val="000000"/>
-                </a:solidFill>
-                <a:highlight>
-                  <a:srgbClr val="FFFFFF"/>
-                </a:highlight>
-                <a:latin typeface="Consolas" panose="020B0609020204030204" pitchFamily="49" charset="0"/>
-              </a:rPr>
-              <a:t>   }</a:t>
-            </a:r>
-            <a:endParaRPr lang="en-US" dirty="0" smtClean="0">
-              <a:highlight>
-                <a:srgbClr val="FFFFFF"/>
-              </a:highlight>
-            </a:endParaRPr>
-          </a:p>
-          <a:p>
-            <a:pPr marL="0" indent="0">
-              <a:buNone/>
-            </a:pPr>
-            <a:r>
-              <a:rPr lang="en-US" dirty="0" smtClean="0">
-                <a:solidFill>
-                  <a:srgbClr val="000000"/>
-                </a:solidFill>
-                <a:highlight>
-                  <a:srgbClr val="FFFFFF"/>
-                </a:highlight>
-                <a:latin typeface="Consolas" panose="020B0609020204030204" pitchFamily="49" charset="0"/>
-              </a:rPr>
-              <a:t>}</a:t>
-            </a:r>
-          </a:p>
-          <a:p>
+              <a:rPr lang="en-US" dirty="0" err="1" smtClean="0"/>
+              <a:t>chamado</a:t>
+            </a:r>
+            <a:r>
+              <a:rPr lang="en-US" dirty="0" smtClean="0"/>
+              <a:t> </a:t>
+            </a:r>
+            <a:r>
+              <a:rPr lang="en-US" dirty="0" err="1" smtClean="0"/>
+              <a:t>baseado</a:t>
+            </a:r>
+            <a:r>
+              <a:rPr lang="en-US" dirty="0" smtClean="0"/>
+              <a:t> </a:t>
+            </a:r>
+            <a:r>
+              <a:rPr lang="en-US" dirty="0" err="1" smtClean="0"/>
+              <a:t>na</a:t>
+            </a:r>
+            <a:r>
+              <a:rPr lang="en-US" dirty="0" smtClean="0"/>
+              <a:t> URL </a:t>
+            </a:r>
+            <a:r>
+              <a:rPr lang="en-US" dirty="0" err="1" smtClean="0"/>
+              <a:t>fornecida</a:t>
+            </a:r>
+            <a:r>
+              <a:rPr lang="en-US" dirty="0" smtClean="0"/>
+              <a:t> </a:t>
+            </a:r>
+            <a:r>
+              <a:rPr lang="en-US" dirty="0" err="1" smtClean="0"/>
+              <a:t>na</a:t>
+            </a:r>
+            <a:r>
+              <a:rPr lang="en-US" dirty="0" smtClean="0"/>
+              <a:t> </a:t>
+            </a:r>
+            <a:r>
+              <a:rPr lang="en-US" dirty="0" err="1" smtClean="0"/>
+              <a:t>requisição</a:t>
+            </a:r>
+            <a:endParaRPr lang="en-US" dirty="0" smtClean="0"/>
+          </a:p>
+          <a:p>
+            <a:r>
+              <a:rPr lang="en-US" dirty="0" err="1" smtClean="0"/>
+              <a:t>Métodos</a:t>
+            </a:r>
+            <a:r>
+              <a:rPr lang="en-US" dirty="0" smtClean="0"/>
+              <a:t> para customizer o routing</a:t>
+            </a:r>
+          </a:p>
+          <a:p>
+            <a:pPr lvl="1"/>
+            <a:r>
+              <a:rPr lang="en-US" dirty="0" err="1" smtClean="0"/>
+              <a:t>RouteConfig.cs</a:t>
+            </a:r>
+            <a:endParaRPr lang="en-US" dirty="0" smtClean="0"/>
+          </a:p>
+          <a:p>
+            <a:pPr lvl="1"/>
+            <a:r>
+              <a:rPr lang="en-US" dirty="0" err="1" smtClean="0"/>
+              <a:t>AttributeRouting</a:t>
+            </a:r>
             <a:endParaRPr lang="en-US" dirty="0"/>
           </a:p>
         </p:txBody>
@@ -13776,7 +13427,7 @@
     </p:spTree>
     <p:extLst>
       <p:ext uri="{BB962C8B-B14F-4D97-AF65-F5344CB8AC3E}">
-        <p14:creationId xmlns:p14="http://schemas.microsoft.com/office/powerpoint/2010/main" val="1223941353"/>
+        <p14:creationId xmlns:p14="http://schemas.microsoft.com/office/powerpoint/2010/main" val="885337870"/>
       </p:ext>
     </p:extLst>
   </p:cSld>
@@ -14170,6 +13821,536 @@
           <a:lstStyle/>
           <a:p>
             <a:r>
+              <a:rPr lang="en-US" dirty="0"/>
+              <a:t>Attribute Routing</a:t>
+            </a:r>
+          </a:p>
+        </p:txBody>
+      </p:sp>
+      <p:sp>
+        <p:nvSpPr>
+          <p:cNvPr id="3" name="Content Placeholder 2"/>
+          <p:cNvSpPr>
+            <a:spLocks noGrp="1"/>
+          </p:cNvSpPr>
+          <p:nvPr>
+            <p:ph idx="1"/>
+          </p:nvPr>
+        </p:nvSpPr>
+        <p:spPr>
+          <a:xfrm>
+            <a:off x="646111" y="1853248"/>
+            <a:ext cx="8946541" cy="4195481"/>
+          </a:xfrm>
+        </p:spPr>
+        <p:style>
+          <a:lnRef idx="2">
+            <a:schemeClr val="dk1"/>
+          </a:lnRef>
+          <a:fillRef idx="1">
+            <a:schemeClr val="lt1"/>
+          </a:fillRef>
+          <a:effectRef idx="0">
+            <a:schemeClr val="dk1"/>
+          </a:effectRef>
+          <a:fontRef idx="minor">
+            <a:schemeClr val="dk1"/>
+          </a:fontRef>
+        </p:style>
+        <p:txBody>
+          <a:bodyPr/>
+          <a:lstStyle/>
+          <a:p>
+            <a:pPr marL="0" indent="0">
+              <a:buNone/>
+            </a:pPr>
+            <a:r>
+              <a:rPr lang="en-US" dirty="0" smtClean="0">
+                <a:solidFill>
+                  <a:srgbClr val="000000"/>
+                </a:solidFill>
+                <a:highlight>
+                  <a:srgbClr val="FFFFFF"/>
+                </a:highlight>
+                <a:latin typeface="Consolas" panose="020B0609020204030204" pitchFamily="49" charset="0"/>
+              </a:rPr>
+              <a:t>[</a:t>
+            </a:r>
+            <a:r>
+              <a:rPr lang="en-US" dirty="0" err="1" smtClean="0">
+                <a:solidFill>
+                  <a:srgbClr val="2B91AF"/>
+                </a:solidFill>
+                <a:highlight>
+                  <a:srgbClr val="FFFFFF"/>
+                </a:highlight>
+                <a:latin typeface="Consolas" panose="020B0609020204030204" pitchFamily="49" charset="0"/>
+              </a:rPr>
+              <a:t>RoutePrefix</a:t>
+            </a:r>
+            <a:r>
+              <a:rPr lang="en-US" dirty="0" smtClean="0">
+                <a:solidFill>
+                  <a:srgbClr val="000000"/>
+                </a:solidFill>
+                <a:highlight>
+                  <a:srgbClr val="FFFFFF"/>
+                </a:highlight>
+                <a:latin typeface="Consolas" panose="020B0609020204030204" pitchFamily="49" charset="0"/>
+              </a:rPr>
+              <a:t>(</a:t>
+            </a:r>
+            <a:r>
+              <a:rPr lang="en-US" dirty="0" smtClean="0">
+                <a:solidFill>
+                  <a:srgbClr val="A31515"/>
+                </a:solidFill>
+                <a:highlight>
+                  <a:srgbClr val="FFFFFF"/>
+                </a:highlight>
+                <a:latin typeface="Consolas" panose="020B0609020204030204" pitchFamily="49" charset="0"/>
+              </a:rPr>
+              <a:t>"Album"</a:t>
+            </a:r>
+            <a:r>
+              <a:rPr lang="en-US" dirty="0" smtClean="0">
+                <a:solidFill>
+                  <a:srgbClr val="000000"/>
+                </a:solidFill>
+                <a:highlight>
+                  <a:srgbClr val="FFFFFF"/>
+                </a:highlight>
+                <a:latin typeface="Consolas" panose="020B0609020204030204" pitchFamily="49" charset="0"/>
+              </a:rPr>
+              <a:t>)]</a:t>
+            </a:r>
+          </a:p>
+          <a:p>
+            <a:pPr marL="0" indent="0">
+              <a:buNone/>
+            </a:pPr>
+            <a:r>
+              <a:rPr lang="en-US" dirty="0" smtClean="0">
+                <a:solidFill>
+                  <a:srgbClr val="0000FF"/>
+                </a:solidFill>
+                <a:highlight>
+                  <a:srgbClr val="FFFFFF"/>
+                </a:highlight>
+                <a:latin typeface="Consolas" panose="020B0609020204030204" pitchFamily="49" charset="0"/>
+              </a:rPr>
+              <a:t>public</a:t>
+            </a:r>
+            <a:r>
+              <a:rPr lang="en-US" dirty="0" smtClean="0">
+                <a:solidFill>
+                  <a:srgbClr val="000000"/>
+                </a:solidFill>
+                <a:highlight>
+                  <a:srgbClr val="FFFFFF"/>
+                </a:highlight>
+                <a:latin typeface="Consolas" panose="020B0609020204030204" pitchFamily="49" charset="0"/>
+              </a:rPr>
+              <a:t> </a:t>
+            </a:r>
+            <a:r>
+              <a:rPr lang="en-US" dirty="0" smtClean="0">
+                <a:solidFill>
+                  <a:srgbClr val="0000FF"/>
+                </a:solidFill>
+                <a:highlight>
+                  <a:srgbClr val="FFFFFF"/>
+                </a:highlight>
+                <a:latin typeface="Consolas" panose="020B0609020204030204" pitchFamily="49" charset="0"/>
+              </a:rPr>
+              <a:t>class</a:t>
+            </a:r>
+            <a:r>
+              <a:rPr lang="en-US" dirty="0" smtClean="0">
+                <a:solidFill>
+                  <a:srgbClr val="000000"/>
+                </a:solidFill>
+                <a:highlight>
+                  <a:srgbClr val="FFFFFF"/>
+                </a:highlight>
+                <a:latin typeface="Consolas" panose="020B0609020204030204" pitchFamily="49" charset="0"/>
+              </a:rPr>
+              <a:t> </a:t>
+            </a:r>
+            <a:r>
+              <a:rPr lang="en-US" dirty="0" err="1" smtClean="0">
+                <a:solidFill>
+                  <a:srgbClr val="2B91AF"/>
+                </a:solidFill>
+                <a:highlight>
+                  <a:srgbClr val="FFFFFF"/>
+                </a:highlight>
+                <a:latin typeface="Consolas" panose="020B0609020204030204" pitchFamily="49" charset="0"/>
+              </a:rPr>
+              <a:t>AlbumsController</a:t>
+            </a:r>
+            <a:r>
+              <a:rPr lang="en-US" dirty="0" smtClean="0">
+                <a:solidFill>
+                  <a:srgbClr val="000000"/>
+                </a:solidFill>
+                <a:highlight>
+                  <a:srgbClr val="FFFFFF"/>
+                </a:highlight>
+                <a:latin typeface="Consolas" panose="020B0609020204030204" pitchFamily="49" charset="0"/>
+              </a:rPr>
+              <a:t> : </a:t>
+            </a:r>
+            <a:r>
+              <a:rPr lang="en-US" dirty="0" smtClean="0">
+                <a:solidFill>
+                  <a:srgbClr val="2B91AF"/>
+                </a:solidFill>
+                <a:highlight>
+                  <a:srgbClr val="FFFFFF"/>
+                </a:highlight>
+                <a:latin typeface="Consolas" panose="020B0609020204030204" pitchFamily="49" charset="0"/>
+              </a:rPr>
+              <a:t>Controller</a:t>
+            </a:r>
+            <a:endParaRPr lang="en-US" dirty="0" smtClean="0">
+              <a:solidFill>
+                <a:srgbClr val="000000"/>
+              </a:solidFill>
+              <a:highlight>
+                <a:srgbClr val="FFFFFF"/>
+              </a:highlight>
+              <a:latin typeface="Consolas" panose="020B0609020204030204" pitchFamily="49" charset="0"/>
+            </a:endParaRPr>
+          </a:p>
+          <a:p>
+            <a:pPr marL="0" indent="0">
+              <a:buNone/>
+            </a:pPr>
+            <a:r>
+              <a:rPr lang="en-US" dirty="0" smtClean="0">
+                <a:solidFill>
+                  <a:srgbClr val="000000"/>
+                </a:solidFill>
+                <a:highlight>
+                  <a:srgbClr val="FFFFFF"/>
+                </a:highlight>
+                <a:latin typeface="Consolas" panose="020B0609020204030204" pitchFamily="49" charset="0"/>
+              </a:rPr>
+              <a:t>{</a:t>
+            </a:r>
+          </a:p>
+          <a:p>
+            <a:pPr marL="0" indent="0">
+              <a:buNone/>
+            </a:pPr>
+            <a:r>
+              <a:rPr lang="en-US" dirty="0" smtClean="0">
+                <a:solidFill>
+                  <a:srgbClr val="000000"/>
+                </a:solidFill>
+                <a:highlight>
+                  <a:srgbClr val="FFFFFF"/>
+                </a:highlight>
+                <a:latin typeface="Consolas" panose="020B0609020204030204" pitchFamily="49" charset="0"/>
+              </a:rPr>
+              <a:t>   [</a:t>
+            </a:r>
+            <a:r>
+              <a:rPr lang="en-US" dirty="0" smtClean="0">
+                <a:solidFill>
+                  <a:srgbClr val="2B91AF"/>
+                </a:solidFill>
+                <a:highlight>
+                  <a:srgbClr val="FFFFFF"/>
+                </a:highlight>
+                <a:latin typeface="Consolas" panose="020B0609020204030204" pitchFamily="49" charset="0"/>
+              </a:rPr>
+              <a:t>Route</a:t>
+            </a:r>
+            <a:r>
+              <a:rPr lang="en-US" dirty="0" smtClean="0">
+                <a:solidFill>
+                  <a:srgbClr val="000000"/>
+                </a:solidFill>
+                <a:highlight>
+                  <a:srgbClr val="FFFFFF"/>
+                </a:highlight>
+                <a:latin typeface="Consolas" panose="020B0609020204030204" pitchFamily="49" charset="0"/>
+              </a:rPr>
+              <a:t>(</a:t>
+            </a:r>
+            <a:r>
+              <a:rPr lang="en-US" dirty="0" smtClean="0">
+                <a:solidFill>
+                  <a:srgbClr val="A31515"/>
+                </a:solidFill>
+                <a:highlight>
+                  <a:srgbClr val="FFFFFF"/>
+                </a:highlight>
+                <a:latin typeface="Consolas" panose="020B0609020204030204" pitchFamily="49" charset="0"/>
+              </a:rPr>
+              <a:t>"Album/Edit/{</a:t>
+            </a:r>
+            <a:r>
+              <a:rPr lang="en-US" dirty="0" err="1" smtClean="0">
+                <a:solidFill>
+                  <a:srgbClr val="A31515"/>
+                </a:solidFill>
+                <a:highlight>
+                  <a:srgbClr val="FFFFFF"/>
+                </a:highlight>
+                <a:latin typeface="Consolas" panose="020B0609020204030204" pitchFamily="49" charset="0"/>
+              </a:rPr>
+              <a:t>id:int</a:t>
+            </a:r>
+            <a:r>
+              <a:rPr lang="en-US" dirty="0" smtClean="0">
+                <a:solidFill>
+                  <a:srgbClr val="A31515"/>
+                </a:solidFill>
+                <a:highlight>
+                  <a:srgbClr val="FFFFFF"/>
+                </a:highlight>
+                <a:latin typeface="Consolas" panose="020B0609020204030204" pitchFamily="49" charset="0"/>
+              </a:rPr>
+              <a:t>}"</a:t>
+            </a:r>
+            <a:r>
+              <a:rPr lang="en-US" dirty="0" smtClean="0">
+                <a:solidFill>
+                  <a:srgbClr val="000000"/>
+                </a:solidFill>
+                <a:highlight>
+                  <a:srgbClr val="FFFFFF"/>
+                </a:highlight>
+                <a:latin typeface="Consolas" panose="020B0609020204030204" pitchFamily="49" charset="0"/>
+              </a:rPr>
+              <a:t>)]</a:t>
+            </a:r>
+          </a:p>
+          <a:p>
+            <a:pPr marL="0" indent="0">
+              <a:buNone/>
+            </a:pPr>
+            <a:r>
+              <a:rPr lang="en-US" dirty="0" smtClean="0">
+                <a:solidFill>
+                  <a:srgbClr val="0000FF"/>
+                </a:solidFill>
+                <a:highlight>
+                  <a:srgbClr val="FFFFFF"/>
+                </a:highlight>
+                <a:latin typeface="Consolas" panose="020B0609020204030204" pitchFamily="49" charset="0"/>
+              </a:rPr>
+              <a:t>   public</a:t>
+            </a:r>
+            <a:r>
+              <a:rPr lang="en-US" dirty="0" smtClean="0">
+                <a:solidFill>
+                  <a:srgbClr val="000000"/>
+                </a:solidFill>
+                <a:highlight>
+                  <a:srgbClr val="FFFFFF"/>
+                </a:highlight>
+                <a:latin typeface="Consolas" panose="020B0609020204030204" pitchFamily="49" charset="0"/>
+              </a:rPr>
+              <a:t> </a:t>
+            </a:r>
+            <a:r>
+              <a:rPr lang="en-US" dirty="0" err="1" smtClean="0">
+                <a:solidFill>
+                  <a:srgbClr val="2B91AF"/>
+                </a:solidFill>
+                <a:highlight>
+                  <a:srgbClr val="FFFFFF"/>
+                </a:highlight>
+                <a:latin typeface="Consolas" panose="020B0609020204030204" pitchFamily="49" charset="0"/>
+              </a:rPr>
+              <a:t>ActionResult</a:t>
+            </a:r>
+            <a:r>
+              <a:rPr lang="en-US" dirty="0" smtClean="0">
+                <a:solidFill>
+                  <a:srgbClr val="000000"/>
+                </a:solidFill>
+                <a:highlight>
+                  <a:srgbClr val="FFFFFF"/>
+                </a:highlight>
+                <a:latin typeface="Consolas" panose="020B0609020204030204" pitchFamily="49" charset="0"/>
+              </a:rPr>
+              <a:t> Edit(</a:t>
+            </a:r>
+            <a:r>
+              <a:rPr lang="en-US" dirty="0" err="1" smtClean="0">
+                <a:solidFill>
+                  <a:srgbClr val="0000FF"/>
+                </a:solidFill>
+                <a:highlight>
+                  <a:srgbClr val="FFFFFF"/>
+                </a:highlight>
+                <a:latin typeface="Consolas" panose="020B0609020204030204" pitchFamily="49" charset="0"/>
+              </a:rPr>
+              <a:t>int</a:t>
+            </a:r>
+            <a:r>
+              <a:rPr lang="en-US" dirty="0" smtClean="0">
+                <a:solidFill>
+                  <a:srgbClr val="000000"/>
+                </a:solidFill>
+                <a:highlight>
+                  <a:srgbClr val="FFFFFF"/>
+                </a:highlight>
+                <a:latin typeface="Consolas" panose="020B0609020204030204" pitchFamily="49" charset="0"/>
+              </a:rPr>
+              <a:t> id)</a:t>
+            </a:r>
+          </a:p>
+          <a:p>
+            <a:pPr marL="0" indent="0">
+              <a:buNone/>
+            </a:pPr>
+            <a:r>
+              <a:rPr lang="en-US" dirty="0" smtClean="0">
+                <a:solidFill>
+                  <a:srgbClr val="000000"/>
+                </a:solidFill>
+                <a:highlight>
+                  <a:srgbClr val="FFFFFF"/>
+                </a:highlight>
+                <a:latin typeface="Consolas" panose="020B0609020204030204" pitchFamily="49" charset="0"/>
+              </a:rPr>
+              <a:t>   {</a:t>
+            </a:r>
+          </a:p>
+          <a:p>
+            <a:pPr marL="0" indent="0">
+              <a:buNone/>
+            </a:pPr>
+            <a:r>
+              <a:rPr lang="en-US" dirty="0" smtClean="0">
+                <a:solidFill>
+                  <a:srgbClr val="000000"/>
+                </a:solidFill>
+                <a:highlight>
+                  <a:srgbClr val="FFFFFF"/>
+                </a:highlight>
+                <a:latin typeface="Consolas" panose="020B0609020204030204" pitchFamily="49" charset="0"/>
+              </a:rPr>
+              <a:t>      </a:t>
+            </a:r>
+            <a:r>
+              <a:rPr lang="en-US" dirty="0" smtClean="0">
+                <a:solidFill>
+                  <a:srgbClr val="008000"/>
+                </a:solidFill>
+                <a:highlight>
+                  <a:srgbClr val="FFFFFF"/>
+                </a:highlight>
+                <a:latin typeface="Consolas" panose="020B0609020204030204" pitchFamily="49" charset="0"/>
+              </a:rPr>
+              <a:t>// code</a:t>
+            </a:r>
+            <a:endParaRPr lang="en-US" dirty="0" smtClean="0">
+              <a:solidFill>
+                <a:srgbClr val="000000"/>
+              </a:solidFill>
+              <a:highlight>
+                <a:srgbClr val="FFFFFF"/>
+              </a:highlight>
+              <a:latin typeface="Consolas" panose="020B0609020204030204" pitchFamily="49" charset="0"/>
+            </a:endParaRPr>
+          </a:p>
+          <a:p>
+            <a:pPr marL="0" indent="0">
+              <a:buNone/>
+            </a:pPr>
+            <a:r>
+              <a:rPr lang="en-US" dirty="0" smtClean="0">
+                <a:solidFill>
+                  <a:srgbClr val="000000"/>
+                </a:solidFill>
+                <a:highlight>
+                  <a:srgbClr val="FFFFFF"/>
+                </a:highlight>
+                <a:latin typeface="Consolas" panose="020B0609020204030204" pitchFamily="49" charset="0"/>
+              </a:rPr>
+              <a:t>   }</a:t>
+            </a:r>
+            <a:endParaRPr lang="en-US" dirty="0" smtClean="0">
+              <a:highlight>
+                <a:srgbClr val="FFFFFF"/>
+              </a:highlight>
+            </a:endParaRPr>
+          </a:p>
+          <a:p>
+            <a:pPr marL="0" indent="0">
+              <a:buNone/>
+            </a:pPr>
+            <a:r>
+              <a:rPr lang="en-US" dirty="0" smtClean="0">
+                <a:solidFill>
+                  <a:srgbClr val="000000"/>
+                </a:solidFill>
+                <a:highlight>
+                  <a:srgbClr val="FFFFFF"/>
+                </a:highlight>
+                <a:latin typeface="Consolas" panose="020B0609020204030204" pitchFamily="49" charset="0"/>
+              </a:rPr>
+              <a:t>}</a:t>
+            </a:r>
+          </a:p>
+          <a:p>
+            <a:endParaRPr lang="en-US" dirty="0"/>
+          </a:p>
+        </p:txBody>
+      </p:sp>
+    </p:spTree>
+    <p:extLst>
+      <p:ext uri="{BB962C8B-B14F-4D97-AF65-F5344CB8AC3E}">
+        <p14:creationId xmlns:p14="http://schemas.microsoft.com/office/powerpoint/2010/main" val="1223941353"/>
+      </p:ext>
+    </p:extLst>
+  </p:cSld>
+  <p:clrMapOvr>
+    <a:masterClrMapping/>
+  </p:clrMapOvr>
+</p:sld>
+</file>
+
+<file path=ppt/slides/slide21.xml><?xml version="1.0" encoding="utf-8"?>
+<p:sld xmlns:a="http://schemas.openxmlformats.org/drawingml/2006/main" xmlns:r="http://schemas.openxmlformats.org/officeDocument/2006/relationships" xmlns:p="http://schemas.openxmlformats.org/presentationml/2006/main">
+  <p:cSld>
+    <p:spTree>
+      <p:nvGrpSpPr>
+        <p:cNvPr id="1" name=""/>
+        <p:cNvGrpSpPr/>
+        <p:nvPr/>
+      </p:nvGrpSpPr>
+      <p:grpSpPr>
+        <a:xfrm>
+          <a:off x="0" y="0"/>
+          <a:ext cx="0" cy="0"/>
+          <a:chOff x="0" y="0"/>
+          <a:chExt cx="0" cy="0"/>
+        </a:xfrm>
+      </p:grpSpPr>
+      <p:sp>
+        <p:nvSpPr>
+          <p:cNvPr id="2" name="Title 1"/>
+          <p:cNvSpPr>
+            <a:spLocks noGrp="1"/>
+          </p:cNvSpPr>
+          <p:nvPr>
+            <p:ph type="title"/>
+          </p:nvPr>
+        </p:nvSpPr>
+        <p:spPr/>
+        <p:txBody>
+          <a:bodyPr/>
+          <a:lstStyle/>
+          <a:p>
+            <a:r>
               <a:rPr lang="en-US" dirty="0" smtClean="0"/>
               <a:t>Filters</a:t>
             </a:r>
@@ -14353,7 +14534,7 @@
 </p:sld>
 </file>
 
-<file path=ppt/slides/slide21.xml><?xml version="1.0" encoding="utf-8"?>
+<file path=ppt/slides/slide22.xml><?xml version="1.0" encoding="utf-8"?>
 <p:sld xmlns:a="http://schemas.openxmlformats.org/drawingml/2006/main" xmlns:r="http://schemas.openxmlformats.org/officeDocument/2006/relationships" xmlns:p="http://schemas.openxmlformats.org/presentationml/2006/main">
   <p:cSld>
     <p:spTree>
@@ -14581,11 +14762,7 @@
             <a:pPr algn="ctr"/>
             <a:r>
               <a:rPr lang="en-US" dirty="0" smtClean="0"/>
-              <a:t>Action </a:t>
-            </a:r>
-            <a:r>
-              <a:rPr lang="en-US" dirty="0" smtClean="0"/>
-              <a:t>é </a:t>
+              <a:t>Action é </a:t>
             </a:r>
             <a:r>
               <a:rPr lang="en-US" dirty="0" err="1" smtClean="0"/>
@@ -14700,11 +14877,7 @@
             <a:pPr algn="ctr"/>
             <a:r>
               <a:rPr lang="en-US" dirty="0" smtClean="0"/>
-              <a:t>HTML </a:t>
-            </a:r>
-            <a:r>
-              <a:rPr lang="en-US" dirty="0" smtClean="0"/>
-              <a:t>é </a:t>
+              <a:t>HTML é </a:t>
             </a:r>
             <a:r>
               <a:rPr lang="en-US" dirty="0" err="1" smtClean="0"/>
@@ -15355,7 +15528,7 @@
 </p:sld>
 </file>
 
-<file path=ppt/slides/slide22.xml><?xml version="1.0" encoding="utf-8"?>
+<file path=ppt/slides/slide23.xml><?xml version="1.0" encoding="utf-8"?>
 <p:sld xmlns:a="http://schemas.openxmlformats.org/drawingml/2006/main" xmlns:r="http://schemas.openxmlformats.org/officeDocument/2006/relationships" xmlns:p="http://schemas.openxmlformats.org/presentationml/2006/main">
   <p:cSld>
     <p:spTree>
@@ -15602,15 +15775,7 @@
             </a:r>
             <a:r>
               <a:rPr lang="en-US" dirty="0" smtClean="0"/>
-              <a:t> </a:t>
-            </a:r>
-            <a:r>
-              <a:rPr lang="en-US" dirty="0" smtClean="0"/>
-              <a:t>do </a:t>
-            </a:r>
-            <a:r>
-              <a:rPr lang="en-US" dirty="0" smtClean="0"/>
-              <a:t>Filter</a:t>
+              <a:t> do Filter</a:t>
             </a:r>
           </a:p>
         </p:txBody>
@@ -15850,11 +16015,7 @@
             <a:pPr algn="ctr"/>
             <a:r>
               <a:rPr lang="en-US" dirty="0" smtClean="0"/>
-              <a:t>HTML </a:t>
-            </a:r>
-            <a:r>
-              <a:rPr lang="en-US" dirty="0" smtClean="0"/>
-              <a:t>é </a:t>
+              <a:t>HTML é </a:t>
             </a:r>
             <a:r>
               <a:rPr lang="en-US" dirty="0" err="1" smtClean="0"/>
@@ -15956,11 +16117,7 @@
             <a:pPr algn="ctr"/>
             <a:r>
               <a:rPr lang="en-US" dirty="0" smtClean="0"/>
-              <a:t>Action </a:t>
-            </a:r>
-            <a:r>
-              <a:rPr lang="en-US" dirty="0" smtClean="0"/>
-              <a:t>é </a:t>
+              <a:t>Action é </a:t>
             </a:r>
             <a:r>
               <a:rPr lang="en-US" dirty="0" err="1" smtClean="0"/>
@@ -16776,287 +16933,6 @@
 </p:sld>
 </file>
 
-<file path=ppt/slides/slide23.xml><?xml version="1.0" encoding="utf-8"?>
-<p:sld xmlns:a="http://schemas.openxmlformats.org/drawingml/2006/main" xmlns:r="http://schemas.openxmlformats.org/officeDocument/2006/relationships" xmlns:p="http://schemas.openxmlformats.org/presentationml/2006/main">
-  <p:cSld>
-    <p:spTree>
-      <p:nvGrpSpPr>
-        <p:cNvPr id="1" name=""/>
-        <p:cNvGrpSpPr/>
-        <p:nvPr/>
-      </p:nvGrpSpPr>
-      <p:grpSpPr>
-        <a:xfrm>
-          <a:off x="0" y="0"/>
-          <a:ext cx="0" cy="0"/>
-          <a:chOff x="0" y="0"/>
-          <a:chExt cx="0" cy="0"/>
-        </a:xfrm>
-      </p:grpSpPr>
-      <p:sp>
-        <p:nvSpPr>
-          <p:cNvPr id="2" name="Title 1"/>
-          <p:cNvSpPr>
-            <a:spLocks noGrp="1"/>
-          </p:cNvSpPr>
-          <p:nvPr>
-            <p:ph type="title"/>
-          </p:nvPr>
-        </p:nvSpPr>
-        <p:spPr/>
-        <p:txBody>
-          <a:bodyPr/>
-          <a:lstStyle/>
-          <a:p>
-            <a:r>
-              <a:rPr lang="en-US" dirty="0" smtClean="0"/>
-              <a:t>Filters de </a:t>
-            </a:r>
-            <a:r>
-              <a:rPr lang="en-US" dirty="0" err="1" smtClean="0"/>
-              <a:t>segurança</a:t>
-            </a:r>
-            <a:endParaRPr lang="en-US" dirty="0"/>
-          </a:p>
-        </p:txBody>
-      </p:sp>
-      <p:sp>
-        <p:nvSpPr>
-          <p:cNvPr id="3" name="Content Placeholder 2"/>
-          <p:cNvSpPr>
-            <a:spLocks noGrp="1"/>
-          </p:cNvSpPr>
-          <p:nvPr>
-            <p:ph idx="1"/>
-          </p:nvPr>
-        </p:nvSpPr>
-        <p:spPr>
-          <a:xfrm>
-            <a:off x="646111" y="1853248"/>
-            <a:ext cx="8946541" cy="4195481"/>
-          </a:xfrm>
-        </p:spPr>
-        <p:txBody>
-          <a:bodyPr>
-            <a:normAutofit lnSpcReduction="10000"/>
-          </a:bodyPr>
-          <a:lstStyle/>
-          <a:p>
-            <a:r>
-              <a:rPr lang="en-US" dirty="0" smtClean="0"/>
-              <a:t>Authorize</a:t>
-            </a:r>
-          </a:p>
-          <a:p>
-            <a:pPr lvl="1"/>
-            <a:r>
-              <a:rPr lang="en-US" dirty="0" err="1" smtClean="0"/>
-              <a:t>Controla</a:t>
-            </a:r>
-            <a:r>
-              <a:rPr lang="en-US" dirty="0" smtClean="0"/>
-              <a:t> </a:t>
-            </a:r>
-            <a:r>
-              <a:rPr lang="en-US" dirty="0" err="1" smtClean="0"/>
-              <a:t>quem</a:t>
-            </a:r>
-            <a:r>
-              <a:rPr lang="en-US" dirty="0" smtClean="0"/>
-              <a:t> </a:t>
-            </a:r>
-            <a:r>
-              <a:rPr lang="en-US" dirty="0" err="1" smtClean="0"/>
-              <a:t>pode</a:t>
-            </a:r>
-            <a:r>
-              <a:rPr lang="en-US" dirty="0" smtClean="0"/>
-              <a:t> </a:t>
-            </a:r>
-            <a:r>
-              <a:rPr lang="en-US" dirty="0" err="1" smtClean="0"/>
-              <a:t>acessar</a:t>
-            </a:r>
-            <a:r>
-              <a:rPr lang="en-US" dirty="0" smtClean="0"/>
-              <a:t> a Controller/Action</a:t>
-            </a:r>
-          </a:p>
-          <a:p>
-            <a:pPr lvl="1"/>
-            <a:r>
-              <a:rPr lang="en-US" dirty="0" smtClean="0"/>
-              <a:t>Properties</a:t>
-            </a:r>
-          </a:p>
-          <a:p>
-            <a:pPr lvl="2"/>
-            <a:r>
-              <a:rPr lang="en-US" dirty="0" smtClean="0"/>
-              <a:t>Users</a:t>
-            </a:r>
-          </a:p>
-          <a:p>
-            <a:pPr lvl="2"/>
-            <a:r>
-              <a:rPr lang="en-US" dirty="0" smtClean="0"/>
-              <a:t>Roles</a:t>
-            </a:r>
-          </a:p>
-          <a:p>
-            <a:pPr lvl="1"/>
-            <a:r>
-              <a:rPr lang="en-US" dirty="0" err="1" smtClean="0"/>
-              <a:t>ValidateAntiForgeryToken</a:t>
-            </a:r>
-            <a:endParaRPr lang="en-US" dirty="0" smtClean="0"/>
-          </a:p>
-          <a:p>
-            <a:pPr lvl="2"/>
-            <a:r>
-              <a:rPr lang="en-US" dirty="0" err="1" smtClean="0"/>
-              <a:t>Defende</a:t>
-            </a:r>
-            <a:r>
-              <a:rPr lang="en-US" dirty="0" smtClean="0"/>
-              <a:t> a Action de </a:t>
-            </a:r>
-            <a:r>
-              <a:rPr lang="en-US" dirty="0" err="1" smtClean="0"/>
-              <a:t>possíveis</a:t>
-            </a:r>
-            <a:r>
-              <a:rPr lang="en-US" dirty="0" smtClean="0"/>
-              <a:t> </a:t>
-            </a:r>
-            <a:r>
-              <a:rPr lang="en-US" dirty="0" err="1" smtClean="0"/>
-              <a:t>requisções</a:t>
-            </a:r>
-            <a:r>
-              <a:rPr lang="en-US" dirty="0" smtClean="0"/>
-              <a:t> </a:t>
-            </a:r>
-            <a:r>
-              <a:rPr lang="en-US" dirty="0" err="1" smtClean="0"/>
-              <a:t>maliciosas</a:t>
-            </a:r>
-            <a:r>
-              <a:rPr lang="en-US" dirty="0" smtClean="0"/>
-              <a:t> </a:t>
-            </a:r>
-            <a:r>
-              <a:rPr lang="en-US" dirty="0" err="1" smtClean="0"/>
-              <a:t>vindas</a:t>
-            </a:r>
-            <a:r>
-              <a:rPr lang="en-US" dirty="0" smtClean="0"/>
-              <a:t> de </a:t>
-            </a:r>
-            <a:r>
-              <a:rPr lang="en-US" dirty="0" err="1" smtClean="0"/>
-              <a:t>outras</a:t>
-            </a:r>
-            <a:r>
-              <a:rPr lang="en-US" dirty="0" smtClean="0"/>
-              <a:t> </a:t>
-            </a:r>
-            <a:r>
-              <a:rPr lang="en-US" dirty="0" err="1" smtClean="0"/>
-              <a:t>aplicações</a:t>
-            </a:r>
-            <a:endParaRPr lang="en-US" dirty="0" smtClean="0"/>
-          </a:p>
-          <a:p>
-            <a:pPr lvl="2"/>
-            <a:r>
-              <a:rPr lang="en-US" dirty="0" err="1" smtClean="0"/>
-              <a:t>Obriga</a:t>
-            </a:r>
-            <a:r>
-              <a:rPr lang="en-US" dirty="0" smtClean="0"/>
-              <a:t> que </a:t>
-            </a:r>
-            <a:r>
-              <a:rPr lang="en-US" dirty="0" err="1" smtClean="0"/>
-              <a:t>seja</a:t>
-            </a:r>
-            <a:r>
-              <a:rPr lang="en-US" dirty="0" smtClean="0"/>
-              <a:t> </a:t>
-            </a:r>
-            <a:r>
-              <a:rPr lang="en-US" dirty="0" err="1" smtClean="0"/>
-              <a:t>adicionado</a:t>
-            </a:r>
-            <a:r>
-              <a:rPr lang="en-US" dirty="0" smtClean="0"/>
-              <a:t> </a:t>
-            </a:r>
-            <a:r>
-              <a:rPr lang="en-US" dirty="0" err="1" smtClean="0"/>
-              <a:t>na</a:t>
-            </a:r>
-            <a:r>
-              <a:rPr lang="en-US" dirty="0" smtClean="0"/>
-              <a:t> View o token anti-forgery</a:t>
-            </a:r>
-          </a:p>
-          <a:p>
-            <a:pPr lvl="3"/>
-            <a:r>
-              <a:rPr lang="en-US" dirty="0" smtClean="0"/>
-              <a:t>@</a:t>
-            </a:r>
-            <a:r>
-              <a:rPr lang="en-US" dirty="0" err="1" smtClean="0"/>
-              <a:t>Html.AntiForgeryToken</a:t>
-            </a:r>
-            <a:endParaRPr lang="en-US" dirty="0" smtClean="0"/>
-          </a:p>
-          <a:p>
-            <a:pPr lvl="1"/>
-            <a:r>
-              <a:rPr lang="en-US" dirty="0" err="1" smtClean="0"/>
-              <a:t>RequireHttps</a:t>
-            </a:r>
-            <a:endParaRPr lang="en-US" dirty="0" smtClean="0"/>
-          </a:p>
-          <a:p>
-            <a:pPr lvl="2"/>
-            <a:r>
-              <a:rPr lang="en-US" dirty="0" err="1" smtClean="0"/>
-              <a:t>Requer</a:t>
-            </a:r>
-            <a:r>
-              <a:rPr lang="en-US" dirty="0" smtClean="0"/>
-              <a:t> a </a:t>
-            </a:r>
-            <a:r>
-              <a:rPr lang="en-US" dirty="0" err="1" smtClean="0"/>
-              <a:t>utilização</a:t>
-            </a:r>
-            <a:r>
-              <a:rPr lang="en-US" dirty="0" smtClean="0"/>
-              <a:t> do protocol https/SSL</a:t>
-            </a:r>
-            <a:endParaRPr lang="en-US" dirty="0"/>
-          </a:p>
-        </p:txBody>
-      </p:sp>
-    </p:spTree>
-    <p:extLst>
-      <p:ext uri="{BB962C8B-B14F-4D97-AF65-F5344CB8AC3E}">
-        <p14:creationId xmlns:p14="http://schemas.microsoft.com/office/powerpoint/2010/main" val="594623933"/>
-      </p:ext>
-    </p:extLst>
-  </p:cSld>
-  <p:clrMapOvr>
-    <a:masterClrMapping/>
-  </p:clrMapOvr>
-</p:sld>
-</file>
-
 <file path=ppt/slides/slide24.xml><?xml version="1.0" encoding="utf-8"?>
 <p:sld xmlns:a="http://schemas.openxmlformats.org/drawingml/2006/main" xmlns:r="http://schemas.openxmlformats.org/officeDocument/2006/relationships" xmlns:p="http://schemas.openxmlformats.org/presentationml/2006/main">
   <p:cSld>
@@ -17090,16 +16966,12 @@
           <a:lstStyle/>
           <a:p>
             <a:r>
+              <a:rPr lang="en-US" dirty="0" smtClean="0"/>
+              <a:t>Filters de </a:t>
+            </a:r>
+            <a:r>
               <a:rPr lang="en-US" dirty="0" err="1" smtClean="0"/>
-              <a:t>HandleError</a:t>
-            </a:r>
-            <a:r>
-              <a:rPr lang="en-US" dirty="0" smtClean="0"/>
-              <a:t> e </a:t>
-            </a:r>
-            <a:r>
-              <a:rPr lang="en-US" dirty="0" err="1" smtClean="0"/>
-              <a:t>OutputCache</a:t>
+              <a:t>segurança</a:t>
             </a:r>
             <a:endParaRPr lang="en-US" dirty="0"/>
           </a:p>
@@ -17122,28 +16994,21 @@
           </a:xfrm>
         </p:spPr>
         <p:txBody>
-          <a:bodyPr/>
+          <a:bodyPr>
+            <a:normAutofit lnSpcReduction="10000"/>
+          </a:bodyPr>
           <a:lstStyle/>
           <a:p>
             <a:r>
+              <a:rPr lang="en-US" dirty="0" smtClean="0"/>
+              <a:t>Authorize</a:t>
+            </a:r>
+          </a:p>
+          <a:p>
+            <a:pPr lvl="1"/>
+            <a:r>
               <a:rPr lang="en-US" dirty="0" err="1" smtClean="0"/>
-              <a:t>HandleError</a:t>
-            </a:r>
-            <a:endParaRPr lang="en-US" dirty="0" smtClean="0"/>
-          </a:p>
-          <a:p>
-            <a:pPr lvl="1"/>
-            <a:r>
-              <a:rPr lang="en-US" dirty="0" err="1" smtClean="0"/>
-              <a:t>Redireciona</a:t>
-            </a:r>
-            <a:r>
-              <a:rPr lang="en-US" dirty="0" smtClean="0"/>
-              <a:t> para o </a:t>
-            </a:r>
-            <a:r>
-              <a:rPr lang="en-US" dirty="0" err="1" smtClean="0"/>
-              <a:t>usuário</a:t>
+              <a:t>Controla</a:t>
             </a:r>
             <a:r>
               <a:rPr lang="en-US" dirty="0" smtClean="0"/>
@@ -17151,15 +17016,7 @@
             </a:r>
             <a:r>
               <a:rPr lang="en-US" dirty="0" err="1" smtClean="0"/>
-              <a:t>uma</a:t>
-            </a:r>
-            <a:r>
-              <a:rPr lang="en-US" dirty="0" smtClean="0"/>
-              <a:t> view </a:t>
-            </a:r>
-            <a:r>
-              <a:rPr lang="en-US" dirty="0" err="1" smtClean="0"/>
-              <a:t>quando</a:t>
+              <a:t>quem</a:t>
             </a:r>
             <a:r>
               <a:rPr lang="en-US" dirty="0" smtClean="0"/>
@@ -17167,7 +17024,7 @@
             </a:r>
             <a:r>
               <a:rPr lang="en-US" dirty="0" err="1" smtClean="0"/>
-              <a:t>uma</a:t>
+              <a:t>pode</a:t>
             </a:r>
             <a:r>
               <a:rPr lang="en-US" dirty="0" smtClean="0"/>
@@ -17175,23 +17032,103 @@
             </a:r>
             <a:r>
               <a:rPr lang="en-US" dirty="0" err="1" smtClean="0"/>
-              <a:t>execão</a:t>
+              <a:t>acessar</a:t>
             </a:r>
             <a:r>
               <a:rPr lang="en-US" dirty="0" smtClean="0"/>
-              <a:t> é </a:t>
-            </a:r>
+              <a:t> a Controller/Action</a:t>
+            </a:r>
+          </a:p>
+          <a:p>
+            <a:pPr lvl="1"/>
+            <a:r>
+              <a:rPr lang="en-US" dirty="0" smtClean="0"/>
+              <a:t>Properties</a:t>
+            </a:r>
+          </a:p>
+          <a:p>
+            <a:pPr lvl="2"/>
+            <a:r>
+              <a:rPr lang="en-US" dirty="0" smtClean="0"/>
+              <a:t>Users</a:t>
+            </a:r>
+          </a:p>
+          <a:p>
+            <a:pPr lvl="2"/>
+            <a:r>
+              <a:rPr lang="en-US" dirty="0" smtClean="0"/>
+              <a:t>Roles</a:t>
+            </a:r>
+          </a:p>
+          <a:p>
+            <a:pPr lvl="1"/>
             <a:r>
               <a:rPr lang="en-US" dirty="0" err="1" smtClean="0"/>
-              <a:t>lançada</a:t>
+              <a:t>ValidateAntiForgeryToken</a:t>
             </a:r>
             <a:endParaRPr lang="en-US" dirty="0" smtClean="0"/>
           </a:p>
           <a:p>
-            <a:pPr lvl="1"/>
+            <a:pPr lvl="2"/>
             <a:r>
               <a:rPr lang="en-US" dirty="0" err="1" smtClean="0"/>
-              <a:t>Precisa</a:t>
+              <a:t>Defende</a:t>
+            </a:r>
+            <a:r>
+              <a:rPr lang="en-US" dirty="0" smtClean="0"/>
+              <a:t> a Action de </a:t>
+            </a:r>
+            <a:r>
+              <a:rPr lang="en-US" dirty="0" err="1" smtClean="0"/>
+              <a:t>possíveis</a:t>
+            </a:r>
+            <a:r>
+              <a:rPr lang="en-US" dirty="0" smtClean="0"/>
+              <a:t> </a:t>
+            </a:r>
+            <a:r>
+              <a:rPr lang="en-US" dirty="0" err="1" smtClean="0"/>
+              <a:t>requisções</a:t>
+            </a:r>
+            <a:r>
+              <a:rPr lang="en-US" dirty="0" smtClean="0"/>
+              <a:t> </a:t>
+            </a:r>
+            <a:r>
+              <a:rPr lang="en-US" dirty="0" err="1" smtClean="0"/>
+              <a:t>maliciosas</a:t>
+            </a:r>
+            <a:r>
+              <a:rPr lang="en-US" dirty="0" smtClean="0"/>
+              <a:t> </a:t>
+            </a:r>
+            <a:r>
+              <a:rPr lang="en-US" dirty="0" err="1" smtClean="0"/>
+              <a:t>vindas</a:t>
+            </a:r>
+            <a:r>
+              <a:rPr lang="en-US" dirty="0" smtClean="0"/>
+              <a:t> de </a:t>
+            </a:r>
+            <a:r>
+              <a:rPr lang="en-US" dirty="0" err="1" smtClean="0"/>
+              <a:t>outras</a:t>
+            </a:r>
+            <a:r>
+              <a:rPr lang="en-US" dirty="0" smtClean="0"/>
+              <a:t> </a:t>
+            </a:r>
+            <a:r>
+              <a:rPr lang="en-US" dirty="0" err="1" smtClean="0"/>
+              <a:t>aplicações</a:t>
+            </a:r>
+            <a:endParaRPr lang="en-US" dirty="0" smtClean="0"/>
+          </a:p>
+          <a:p>
+            <a:pPr lvl="2"/>
+            <a:r>
+              <a:rPr lang="en-US" dirty="0" err="1" smtClean="0"/>
+              <a:t>Obriga</a:t>
             </a:r>
             <a:r>
               <a:rPr lang="en-US" dirty="0" smtClean="0"/>
@@ -17199,7 +17136,7 @@
             </a:r>
             <a:r>
               <a:rPr lang="en-US" dirty="0" err="1" smtClean="0"/>
-              <a:t>esteja</a:t>
+              <a:t>seja</a:t>
             </a:r>
             <a:r>
               <a:rPr lang="en-US" dirty="0" smtClean="0"/>
@@ -17207,25 +17144,30 @@
             </a:r>
             <a:r>
               <a:rPr lang="en-US" dirty="0" err="1" smtClean="0"/>
-              <a:t>habilitado</a:t>
+              <a:t>adicionado</a:t>
             </a:r>
             <a:r>
               <a:rPr lang="en-US" dirty="0" smtClean="0"/>
-              <a:t> no </a:t>
+              <a:t> </a:t>
             </a:r>
             <a:r>
               <a:rPr lang="en-US" dirty="0" err="1" smtClean="0"/>
-              <a:t>web.config</a:t>
+              <a:t>na</a:t>
             </a:r>
             <a:r>
               <a:rPr lang="en-US" dirty="0" smtClean="0"/>
-              <a:t> custom errors</a:t>
-            </a:r>
-          </a:p>
-          <a:p>
+              <a:t> View o token anti-forgery</a:t>
+            </a:r>
+          </a:p>
+          <a:p>
+            <a:pPr lvl="3"/>
+            <a:r>
+              <a:rPr lang="en-US" dirty="0" smtClean="0"/>
+              <a:t>@</a:t>
+            </a:r>
             <a:r>
               <a:rPr lang="en-US" dirty="0" err="1" smtClean="0"/>
-              <a:t>OutputCache</a:t>
+              <a:t>Html.AntiForgeryToken</a:t>
             </a:r>
             <a:endParaRPr lang="en-US" dirty="0" smtClean="0"/>
           </a:p>
@@ -17233,42 +17175,28 @@
             <a:pPr lvl="1"/>
             <a:r>
               <a:rPr lang="en-US" dirty="0" err="1" smtClean="0"/>
-              <a:t>Instrui</a:t>
+              <a:t>RequireHttps</a:t>
+            </a:r>
+            <a:endParaRPr lang="en-US" dirty="0" smtClean="0"/>
+          </a:p>
+          <a:p>
+            <a:pPr lvl="2"/>
+            <a:r>
+              <a:rPr lang="en-US" dirty="0" err="1" smtClean="0"/>
+              <a:t>Requer</a:t>
             </a:r>
             <a:r>
               <a:rPr lang="en-US" dirty="0" smtClean="0"/>
-              <a:t> o ASP.NET a </a:t>
+              <a:t> a </a:t>
             </a:r>
             <a:r>
               <a:rPr lang="en-US" dirty="0" err="1" smtClean="0"/>
-              <a:t>fazer</a:t>
+              <a:t>utilização</a:t>
             </a:r>
             <a:r>
               <a:rPr lang="en-US" dirty="0" smtClean="0"/>
-              <a:t> um cache do </a:t>
-            </a:r>
-            <a:r>
-              <a:rPr lang="en-US" dirty="0" err="1" smtClean="0"/>
-              <a:t>resultado</a:t>
-            </a:r>
-            <a:r>
-              <a:rPr lang="en-US" dirty="0" smtClean="0"/>
-              <a:t> HTML  </a:t>
-            </a:r>
-          </a:p>
-          <a:p>
-            <a:pPr lvl="1"/>
-            <a:r>
-              <a:rPr lang="en-US" dirty="0" err="1" smtClean="0"/>
-              <a:t>Melhora</a:t>
-            </a:r>
-            <a:r>
-              <a:rPr lang="en-US" dirty="0" smtClean="0"/>
-              <a:t> a performance</a:t>
-            </a:r>
-          </a:p>
-          <a:p>
-            <a:pPr lvl="1"/>
+              <a:t> do protocol https/SSL</a:t>
+            </a:r>
             <a:endParaRPr lang="en-US" dirty="0"/>
           </a:p>
         </p:txBody>
@@ -17276,7 +17204,7 @@
     </p:spTree>
     <p:extLst>
       <p:ext uri="{BB962C8B-B14F-4D97-AF65-F5344CB8AC3E}">
-        <p14:creationId xmlns:p14="http://schemas.microsoft.com/office/powerpoint/2010/main" val="3140091383"/>
+        <p14:creationId xmlns:p14="http://schemas.microsoft.com/office/powerpoint/2010/main" val="594623933"/>
       </p:ext>
     </p:extLst>
   </p:cSld>
@@ -17319,16 +17247,16 @@
           <a:lstStyle/>
           <a:p>
             <a:r>
-              <a:rPr lang="en-US" dirty="0"/>
-              <a:t>Bundles </a:t>
+              <a:rPr lang="en-US" dirty="0" err="1" smtClean="0"/>
+              <a:t>HandleError</a:t>
             </a:r>
             <a:r>
               <a:rPr lang="en-US" dirty="0" smtClean="0"/>
-              <a:t>e </a:t>
+              <a:t> e </a:t>
             </a:r>
             <a:r>
               <a:rPr lang="en-US" dirty="0" err="1" smtClean="0"/>
-              <a:t>Minification</a:t>
+              <a:t>OutputCache</a:t>
             </a:r>
             <a:endParaRPr lang="en-US" dirty="0"/>
           </a:p>
@@ -17346,7 +17274,7 @@
         </p:nvSpPr>
         <p:spPr>
           <a:xfrm>
-            <a:off x="875201" y="1638390"/>
+            <a:off x="646111" y="1853248"/>
             <a:ext cx="8946541" cy="4195481"/>
           </a:xfrm>
         </p:spPr>
@@ -17356,16 +17284,148 @@
           <a:p>
             <a:r>
               <a:rPr lang="en-US" dirty="0" err="1" smtClean="0"/>
-              <a:t>Arquivos</a:t>
+              <a:t>HandleError</a:t>
+            </a:r>
+            <a:endParaRPr lang="en-US" dirty="0" smtClean="0"/>
+          </a:p>
+          <a:p>
+            <a:pPr lvl="1"/>
+            <a:r>
+              <a:rPr lang="en-US" dirty="0" err="1" smtClean="0"/>
+              <a:t>Redireciona</a:t>
             </a:r>
             <a:r>
               <a:rPr lang="en-US" dirty="0" smtClean="0"/>
-              <a:t> CSS e </a:t>
+              <a:t> para o </a:t>
             </a:r>
             <a:r>
               <a:rPr lang="en-US" dirty="0" err="1" smtClean="0"/>
-              <a:t>Javascript</a:t>
-            </a:r>
+              <a:t>usuário</a:t>
+            </a:r>
+            <a:r>
+              <a:rPr lang="en-US" dirty="0" smtClean="0"/>
+              <a:t> </a:t>
+            </a:r>
+            <a:r>
+              <a:rPr lang="en-US" dirty="0" err="1" smtClean="0"/>
+              <a:t>uma</a:t>
+            </a:r>
+            <a:r>
+              <a:rPr lang="en-US" dirty="0" smtClean="0"/>
+              <a:t> view </a:t>
+            </a:r>
+            <a:r>
+              <a:rPr lang="en-US" dirty="0" err="1" smtClean="0"/>
+              <a:t>quando</a:t>
+            </a:r>
+            <a:r>
+              <a:rPr lang="en-US" dirty="0" smtClean="0"/>
+              <a:t> </a:t>
+            </a:r>
+            <a:r>
+              <a:rPr lang="en-US" dirty="0" err="1" smtClean="0"/>
+              <a:t>uma</a:t>
+            </a:r>
+            <a:r>
+              <a:rPr lang="en-US" dirty="0" smtClean="0"/>
+              <a:t> </a:t>
+            </a:r>
+            <a:r>
+              <a:rPr lang="en-US" dirty="0" err="1" smtClean="0"/>
+              <a:t>execão</a:t>
+            </a:r>
+            <a:r>
+              <a:rPr lang="en-US" dirty="0" smtClean="0"/>
+              <a:t> é </a:t>
+            </a:r>
+            <a:r>
+              <a:rPr lang="en-US" dirty="0" err="1" smtClean="0"/>
+              <a:t>lançada</a:t>
+            </a:r>
+            <a:endParaRPr lang="en-US" dirty="0" smtClean="0"/>
+          </a:p>
+          <a:p>
+            <a:pPr lvl="1"/>
+            <a:r>
+              <a:rPr lang="en-US" dirty="0" err="1" smtClean="0"/>
+              <a:t>Precisa</a:t>
+            </a:r>
+            <a:r>
+              <a:rPr lang="en-US" dirty="0" smtClean="0"/>
+              <a:t> que </a:t>
+            </a:r>
+            <a:r>
+              <a:rPr lang="en-US" dirty="0" err="1" smtClean="0"/>
+              <a:t>esteja</a:t>
+            </a:r>
+            <a:r>
+              <a:rPr lang="en-US" dirty="0" smtClean="0"/>
+              <a:t> </a:t>
+            </a:r>
+            <a:r>
+              <a:rPr lang="en-US" dirty="0" err="1" smtClean="0"/>
+              <a:t>habilitado</a:t>
+            </a:r>
+            <a:r>
+              <a:rPr lang="en-US" dirty="0" smtClean="0"/>
+              <a:t> no </a:t>
+            </a:r>
+            <a:r>
+              <a:rPr lang="en-US" dirty="0" err="1" smtClean="0"/>
+              <a:t>web.config</a:t>
+            </a:r>
+            <a:r>
+              <a:rPr lang="en-US" dirty="0" smtClean="0"/>
+              <a:t> custom errors</a:t>
+            </a:r>
+          </a:p>
+          <a:p>
+            <a:r>
+              <a:rPr lang="en-US" dirty="0" err="1" smtClean="0"/>
+              <a:t>OutputCache</a:t>
+            </a:r>
+            <a:endParaRPr lang="en-US" dirty="0" smtClean="0"/>
+          </a:p>
+          <a:p>
+            <a:pPr lvl="1"/>
+            <a:r>
+              <a:rPr lang="en-US" dirty="0" err="1" smtClean="0"/>
+              <a:t>Instrui</a:t>
+            </a:r>
+            <a:r>
+              <a:rPr lang="en-US" dirty="0" smtClean="0"/>
+              <a:t> o ASP.NET a </a:t>
+            </a:r>
+            <a:r>
+              <a:rPr lang="en-US" dirty="0" err="1" smtClean="0"/>
+              <a:t>fazer</a:t>
+            </a:r>
+            <a:r>
+              <a:rPr lang="en-US" dirty="0" smtClean="0"/>
+              <a:t> um cache do </a:t>
+            </a:r>
+            <a:r>
+              <a:rPr lang="en-US" dirty="0" err="1" smtClean="0"/>
+              <a:t>resultado</a:t>
+            </a:r>
+            <a:r>
+              <a:rPr lang="en-US" dirty="0" smtClean="0"/>
+              <a:t> HTML  </a:t>
+            </a:r>
+          </a:p>
+          <a:p>
+            <a:pPr lvl="1"/>
+            <a:r>
+              <a:rPr lang="en-US" dirty="0" err="1" smtClean="0"/>
+              <a:t>Melhora</a:t>
+            </a:r>
+            <a:r>
+              <a:rPr lang="en-US" dirty="0" smtClean="0"/>
+              <a:t> a performance</a:t>
+            </a:r>
+          </a:p>
+          <a:p>
+            <a:pPr lvl="1"/>
             <a:endParaRPr lang="en-US" dirty="0"/>
           </a:p>
         </p:txBody>
@@ -17373,7 +17433,7 @@
     </p:spTree>
     <p:extLst>
       <p:ext uri="{BB962C8B-B14F-4D97-AF65-F5344CB8AC3E}">
-        <p14:creationId xmlns:p14="http://schemas.microsoft.com/office/powerpoint/2010/main" val="3834561722"/>
+        <p14:creationId xmlns:p14="http://schemas.microsoft.com/office/powerpoint/2010/main" val="3140091383"/>
       </p:ext>
     </p:extLst>
   </p:cSld>
@@ -17416,24 +17476,16 @@
           <a:lstStyle/>
           <a:p>
             <a:r>
+              <a:rPr lang="en-US" dirty="0"/>
+              <a:t>Bundles </a:t>
+            </a:r>
+            <a:r>
+              <a:rPr lang="en-US" dirty="0" smtClean="0"/>
+              <a:t>e </a:t>
+            </a:r>
+            <a:r>
               <a:rPr lang="en-US" dirty="0" err="1" smtClean="0"/>
-              <a:t>Segurança</a:t>
-            </a:r>
-            <a:r>
-              <a:rPr lang="en-US" dirty="0" smtClean="0"/>
-              <a:t>: </a:t>
-            </a:r>
-            <a:r>
-              <a:rPr lang="en-US" dirty="0" err="1" smtClean="0"/>
-              <a:t>autorização</a:t>
-            </a:r>
-            <a:r>
-              <a:rPr lang="en-US" dirty="0" smtClean="0"/>
-              <a:t> e </a:t>
-            </a:r>
-            <a:r>
-              <a:rPr lang="en-US" dirty="0" err="1" smtClean="0"/>
-              <a:t>autenticação</a:t>
+              <a:t>Minification</a:t>
             </a:r>
             <a:endParaRPr lang="en-US" dirty="0"/>
           </a:p>
@@ -17449,49 +17501,36 @@
             <p:ph idx="1"/>
           </p:nvPr>
         </p:nvSpPr>
-        <p:spPr/>
+        <p:spPr>
+          <a:xfrm>
+            <a:off x="875201" y="1638390"/>
+            <a:ext cx="8946541" cy="4195481"/>
+          </a:xfrm>
+        </p:spPr>
         <p:txBody>
           <a:bodyPr/>
           <a:lstStyle/>
           <a:p>
             <a:r>
+              <a:rPr lang="en-US" dirty="0" err="1" smtClean="0"/>
+              <a:t>Arquivos</a:t>
+            </a:r>
+            <a:r>
               <a:rPr lang="en-US" dirty="0" smtClean="0"/>
-              <a:t>ASP.NET </a:t>
-            </a:r>
-            <a:r>
-              <a:rPr lang="en-US" dirty="0" smtClean="0"/>
-              <a:t>Identity</a:t>
+              <a:t> CSS e </a:t>
+            </a:r>
+            <a:r>
+              <a:rPr lang="en-US" dirty="0" err="1" smtClean="0"/>
+              <a:t>Javascript</a:t>
             </a:r>
             <a:endParaRPr lang="en-US" dirty="0"/>
           </a:p>
         </p:txBody>
       </p:sp>
-      <p:graphicFrame>
-        <p:nvGraphicFramePr>
-          <p:cNvPr id="5" name="Diagram 4"/>
-          <p:cNvGraphicFramePr/>
-          <p:nvPr>
-            <p:extLst>
-              <p:ext uri="{D42A27DB-BD31-4B8C-83A1-F6EECF244321}">
-                <p14:modId xmlns:p14="http://schemas.microsoft.com/office/powerpoint/2010/main" val="3520136989"/>
-              </p:ext>
-            </p:extLst>
-          </p:nvPr>
-        </p:nvGraphicFramePr>
-        <p:xfrm>
-          <a:off x="2337309" y="1853248"/>
-          <a:ext cx="7858760" cy="4502183"/>
-        </p:xfrm>
-        <a:graphic>
-          <a:graphicData uri="http://schemas.openxmlformats.org/drawingml/2006/diagram">
-            <dgm:relIds xmlns:dgm="http://schemas.openxmlformats.org/drawingml/2006/diagram" xmlns:r="http://schemas.openxmlformats.org/officeDocument/2006/relationships" r:dm="rId2" r:lo="rId3" r:qs="rId4" r:cs="rId5"/>
-          </a:graphicData>
-        </a:graphic>
-      </p:graphicFrame>
     </p:spTree>
     <p:extLst>
       <p:ext uri="{BB962C8B-B14F-4D97-AF65-F5344CB8AC3E}">
-        <p14:creationId xmlns:p14="http://schemas.microsoft.com/office/powerpoint/2010/main" val="3226619820"/>
+        <p14:creationId xmlns:p14="http://schemas.microsoft.com/office/powerpoint/2010/main" val="3834561722"/>
       </p:ext>
     </p:extLst>
   </p:cSld>
@@ -17534,8 +17573,24 @@
           <a:lstStyle/>
           <a:p>
             <a:r>
+              <a:rPr lang="en-US" dirty="0" err="1" smtClean="0"/>
+              <a:t>Segurança</a:t>
+            </a:r>
+            <a:r>
               <a:rPr lang="en-US" dirty="0" smtClean="0"/>
-              <a:t>ASP.NET Identity</a:t>
+              <a:t>: </a:t>
+            </a:r>
+            <a:r>
+              <a:rPr lang="en-US" dirty="0" err="1" smtClean="0"/>
+              <a:t>autorização</a:t>
+            </a:r>
+            <a:r>
+              <a:rPr lang="en-US" dirty="0" smtClean="0"/>
+              <a:t> e </a:t>
+            </a:r>
+            <a:r>
+              <a:rPr lang="en-US" dirty="0" err="1" smtClean="0"/>
+              <a:t>autenticação</a:t>
             </a:r>
             <a:endParaRPr lang="en-US" dirty="0"/>
           </a:p>
@@ -17551,217 +17606,45 @@
             <p:ph idx="1"/>
           </p:nvPr>
         </p:nvSpPr>
-        <p:spPr>
-          <a:xfrm>
-            <a:off x="646111" y="1699350"/>
-            <a:ext cx="8946541" cy="4195481"/>
-          </a:xfrm>
-        </p:spPr>
+        <p:spPr/>
         <p:txBody>
           <a:bodyPr/>
           <a:lstStyle/>
           <a:p>
-            <a:pPr defTabSz="914400" eaLnBrk="0" fontAlgn="base" hangingPunct="0">
-              <a:spcBef>
-                <a:spcPct val="0"/>
-              </a:spcBef>
-              <a:spcAft>
-                <a:spcPct val="0"/>
-              </a:spcAft>
-            </a:pPr>
-            <a:r>
-              <a:rPr lang="pt-BR" dirty="0"/>
-              <a:t>Autenticação != Autorização</a:t>
-            </a:r>
-          </a:p>
-          <a:p>
-            <a:pPr defTabSz="914400" eaLnBrk="0" fontAlgn="base" hangingPunct="0">
-              <a:spcBef>
-                <a:spcPct val="0"/>
-              </a:spcBef>
-              <a:spcAft>
-                <a:spcPct val="0"/>
-              </a:spcAft>
-            </a:pPr>
-            <a:endParaRPr lang="en-US" altLang="en-US" dirty="0" smtClean="0"/>
-          </a:p>
-          <a:p>
-            <a:pPr defTabSz="914400" eaLnBrk="0" fontAlgn="base" hangingPunct="0">
-              <a:spcBef>
-                <a:spcPct val="0"/>
-              </a:spcBef>
-              <a:spcAft>
-                <a:spcPct val="0"/>
-              </a:spcAft>
-            </a:pPr>
-            <a:r>
-              <a:rPr lang="en-US" altLang="en-US" dirty="0" smtClean="0"/>
-              <a:t>One </a:t>
-            </a:r>
-            <a:r>
-              <a:rPr lang="en-US" altLang="en-US" dirty="0"/>
-              <a:t>ASP.NET </a:t>
-            </a:r>
-            <a:r>
-              <a:rPr lang="en-US" altLang="en-US" dirty="0" smtClean="0"/>
-              <a:t>Identity</a:t>
-            </a:r>
-            <a:endParaRPr lang="en-US" altLang="en-US" dirty="0"/>
-          </a:p>
-          <a:p>
-            <a:pPr defTabSz="914400" eaLnBrk="0" fontAlgn="base" hangingPunct="0">
-              <a:spcBef>
-                <a:spcPct val="0"/>
-              </a:spcBef>
-              <a:spcAft>
-                <a:spcPct val="0"/>
-              </a:spcAft>
-            </a:pPr>
-            <a:r>
-              <a:rPr lang="en-US" altLang="en-US" dirty="0" err="1" smtClean="0"/>
-              <a:t>Controle</a:t>
-            </a:r>
-            <a:r>
-              <a:rPr lang="en-US" altLang="en-US" dirty="0" smtClean="0"/>
-              <a:t> de </a:t>
-            </a:r>
-            <a:r>
-              <a:rPr lang="en-US" altLang="en-US" dirty="0" err="1" smtClean="0"/>
-              <a:t>persistência</a:t>
-            </a:r>
-            <a:endParaRPr lang="en-US" altLang="en-US" dirty="0"/>
-          </a:p>
-          <a:p>
-            <a:pPr defTabSz="914400" eaLnBrk="0" fontAlgn="base" hangingPunct="0">
-              <a:spcBef>
-                <a:spcPct val="0"/>
-              </a:spcBef>
-              <a:spcAft>
-                <a:spcPct val="0"/>
-              </a:spcAft>
-            </a:pPr>
-            <a:r>
-              <a:rPr lang="en-US" altLang="en-US" dirty="0" err="1" smtClean="0"/>
-              <a:t>Possibilita</a:t>
-            </a:r>
-            <a:r>
-              <a:rPr lang="en-US" altLang="en-US" dirty="0" smtClean="0"/>
-              <a:t> testes </a:t>
-            </a:r>
-            <a:r>
-              <a:rPr lang="en-US" altLang="en-US" dirty="0" err="1" smtClean="0"/>
-              <a:t>unitários</a:t>
-            </a:r>
-            <a:endParaRPr lang="en-US" altLang="en-US" dirty="0"/>
-          </a:p>
-          <a:p>
-            <a:pPr defTabSz="914400" eaLnBrk="0" fontAlgn="base" hangingPunct="0">
-              <a:spcBef>
-                <a:spcPct val="0"/>
-              </a:spcBef>
-              <a:spcAft>
-                <a:spcPct val="0"/>
-              </a:spcAft>
-            </a:pPr>
-            <a:r>
-              <a:rPr lang="en-US" altLang="en-US" dirty="0"/>
-              <a:t>Role provider</a:t>
-            </a:r>
-          </a:p>
-          <a:p>
-            <a:pPr defTabSz="914400" eaLnBrk="0" fontAlgn="base" hangingPunct="0">
-              <a:spcBef>
-                <a:spcPct val="0"/>
-              </a:spcBef>
-              <a:spcAft>
-                <a:spcPct val="0"/>
-              </a:spcAft>
-            </a:pPr>
-            <a:r>
-              <a:rPr lang="en-US" altLang="en-US" dirty="0"/>
-              <a:t>Claims Based</a:t>
-            </a:r>
-          </a:p>
-          <a:p>
-            <a:pPr defTabSz="914400" eaLnBrk="0" fontAlgn="base" hangingPunct="0">
-              <a:spcBef>
-                <a:spcPct val="0"/>
-              </a:spcBef>
-              <a:spcAft>
-                <a:spcPct val="0"/>
-              </a:spcAft>
-            </a:pPr>
-            <a:r>
-              <a:rPr lang="en-US" altLang="en-US" dirty="0"/>
-              <a:t>Social Login </a:t>
-            </a:r>
-            <a:r>
-              <a:rPr lang="en-US" altLang="en-US" dirty="0" smtClean="0"/>
-              <a:t>Providers </a:t>
-            </a:r>
-            <a:r>
-              <a:rPr lang="en-US" dirty="0"/>
-              <a:t>(Facebook, Google, Microsoft, Twitter)</a:t>
-            </a:r>
-            <a:endParaRPr lang="en-US" altLang="en-US" dirty="0"/>
-          </a:p>
-          <a:p>
-            <a:pPr defTabSz="914400" eaLnBrk="0" fontAlgn="base" hangingPunct="0">
-              <a:spcBef>
-                <a:spcPct val="0"/>
-              </a:spcBef>
-              <a:spcAft>
-                <a:spcPct val="0"/>
-              </a:spcAft>
-            </a:pPr>
-            <a:r>
-              <a:rPr lang="en-US" altLang="en-US" dirty="0"/>
-              <a:t>Windows Azure Active Directory</a:t>
-            </a:r>
-          </a:p>
-          <a:p>
-            <a:pPr defTabSz="914400" eaLnBrk="0" fontAlgn="base" hangingPunct="0">
-              <a:spcBef>
-                <a:spcPct val="0"/>
-              </a:spcBef>
-              <a:spcAft>
-                <a:spcPct val="0"/>
-              </a:spcAft>
-            </a:pPr>
-            <a:r>
-              <a:rPr lang="en-US" altLang="en-US" dirty="0"/>
-              <a:t>OWIN Integration</a:t>
-            </a:r>
-          </a:p>
-          <a:p>
-            <a:pPr defTabSz="914400" eaLnBrk="0" fontAlgn="base" hangingPunct="0">
-              <a:spcBef>
-                <a:spcPct val="0"/>
-              </a:spcBef>
-              <a:spcAft>
-                <a:spcPct val="0"/>
-              </a:spcAft>
-            </a:pPr>
-            <a:r>
-              <a:rPr lang="en-US" altLang="en-US" dirty="0" err="1"/>
-              <a:t>NuGet</a:t>
-            </a:r>
-            <a:r>
-              <a:rPr lang="en-US" altLang="en-US" dirty="0"/>
-              <a:t> </a:t>
-            </a:r>
-            <a:r>
-              <a:rPr lang="en-US" altLang="en-US" dirty="0" smtClean="0"/>
-              <a:t>package</a:t>
-            </a:r>
-            <a:endParaRPr lang="en-US" altLang="en-US" dirty="0"/>
+            <a:r>
+              <a:rPr lang="en-US" dirty="0" smtClean="0"/>
+              <a:t>ASP.NET Identity</a:t>
+            </a:r>
+            <a:endParaRPr lang="en-US" dirty="0"/>
           </a:p>
         </p:txBody>
       </p:sp>
+      <p:graphicFrame>
+        <p:nvGraphicFramePr>
+          <p:cNvPr id="5" name="Diagram 4"/>
+          <p:cNvGraphicFramePr/>
+          <p:nvPr>
+            <p:extLst>
+              <p:ext uri="{D42A27DB-BD31-4B8C-83A1-F6EECF244321}">
+                <p14:modId xmlns:p14="http://schemas.microsoft.com/office/powerpoint/2010/main" val="1930656303"/>
+              </p:ext>
+            </p:extLst>
+          </p:nvPr>
+        </p:nvGraphicFramePr>
+        <p:xfrm>
+          <a:off x="2337309" y="1853248"/>
+          <a:ext cx="7858760" cy="4502183"/>
+        </p:xfrm>
+        <a:graphic>
+          <a:graphicData uri="http://schemas.openxmlformats.org/drawingml/2006/diagram">
+            <dgm:relIds xmlns:dgm="http://schemas.openxmlformats.org/drawingml/2006/diagram" xmlns:r="http://schemas.openxmlformats.org/officeDocument/2006/relationships" r:dm="rId2" r:lo="rId3" r:qs="rId4" r:cs="rId5"/>
+          </a:graphicData>
+        </a:graphic>
+      </p:graphicFrame>
     </p:spTree>
     <p:extLst>
       <p:ext uri="{BB962C8B-B14F-4D97-AF65-F5344CB8AC3E}">
-        <p14:creationId xmlns:p14="http://schemas.microsoft.com/office/powerpoint/2010/main" val="1835180806"/>
+        <p14:creationId xmlns:p14="http://schemas.microsoft.com/office/powerpoint/2010/main" val="3226619820"/>
       </p:ext>
     </p:extLst>
   </p:cSld>
@@ -17804,12 +17687,8 @@
           <a:lstStyle/>
           <a:p>
             <a:r>
-              <a:rPr lang="en-US" dirty="0" err="1" smtClean="0"/>
-              <a:t>Recursos</a:t>
-            </a:r>
-            <a:r>
               <a:rPr lang="en-US" dirty="0" smtClean="0"/>
-              <a:t> do Identity</a:t>
+              <a:t>ASP.NET Identity</a:t>
             </a:r>
             <a:endParaRPr lang="en-US" dirty="0"/>
           </a:p>
@@ -17827,58 +17706,215 @@
         </p:nvSpPr>
         <p:spPr>
           <a:xfrm>
-            <a:off x="646111" y="1540854"/>
+            <a:off x="646111" y="1699350"/>
             <a:ext cx="8946541" cy="4195481"/>
           </a:xfrm>
         </p:spPr>
         <p:txBody>
-          <a:bodyPr>
-            <a:normAutofit/>
-          </a:bodyPr>
+          <a:bodyPr/>
           <a:lstStyle/>
           <a:p>
+            <a:pPr defTabSz="914400" eaLnBrk="0" fontAlgn="base" hangingPunct="0">
+              <a:spcBef>
+                <a:spcPct val="0"/>
+              </a:spcBef>
+              <a:spcAft>
+                <a:spcPct val="0"/>
+              </a:spcAft>
+            </a:pPr>
+            <a:r>
+              <a:rPr lang="pt-BR" dirty="0"/>
+              <a:t>Autenticação != Autorização</a:t>
+            </a:r>
+          </a:p>
+          <a:p>
+            <a:pPr defTabSz="914400" eaLnBrk="0" fontAlgn="base" hangingPunct="0">
+              <a:spcBef>
+                <a:spcPct val="0"/>
+              </a:spcBef>
+              <a:spcAft>
+                <a:spcPct val="0"/>
+              </a:spcAft>
+            </a:pPr>
+            <a:endParaRPr lang="en-US" altLang="en-US" dirty="0" smtClean="0"/>
+          </a:p>
+          <a:p>
+            <a:pPr defTabSz="914400" eaLnBrk="0" fontAlgn="base" hangingPunct="0">
+              <a:spcBef>
+                <a:spcPct val="0"/>
+              </a:spcBef>
+              <a:spcAft>
+                <a:spcPct val="0"/>
+              </a:spcAft>
+            </a:pPr>
+            <a:r>
+              <a:rPr lang="en-US" altLang="en-US" dirty="0" smtClean="0"/>
+              <a:t>One </a:t>
+            </a:r>
+            <a:r>
+              <a:rPr lang="en-US" altLang="en-US" dirty="0"/>
+              <a:t>ASP.NET </a:t>
+            </a:r>
+            <a:r>
+              <a:rPr lang="en-US" altLang="en-US" dirty="0" smtClean="0"/>
+              <a:t>Identity</a:t>
+            </a:r>
+            <a:endParaRPr lang="en-US" altLang="en-US" dirty="0"/>
+          </a:p>
+          <a:p>
+            <a:pPr defTabSz="914400" eaLnBrk="0" fontAlgn="base" hangingPunct="0">
+              <a:spcBef>
+                <a:spcPct val="0"/>
+              </a:spcBef>
+              <a:spcAft>
+                <a:spcPct val="0"/>
+              </a:spcAft>
+            </a:pPr>
+            <a:r>
+              <a:rPr lang="en-US" altLang="en-US" dirty="0" err="1" smtClean="0"/>
+              <a:t>Controle</a:t>
+            </a:r>
+            <a:r>
+              <a:rPr lang="en-US" altLang="en-US" dirty="0" smtClean="0"/>
+              <a:t> de </a:t>
+            </a:r>
+            <a:r>
+              <a:rPr lang="en-US" altLang="en-US" dirty="0" err="1" smtClean="0"/>
+              <a:t>persistência</a:t>
+            </a:r>
+            <a:endParaRPr lang="en-US" altLang="en-US" dirty="0"/>
+          </a:p>
+          <a:p>
+            <a:pPr defTabSz="914400" eaLnBrk="0" fontAlgn="base" hangingPunct="0">
+              <a:spcBef>
+                <a:spcPct val="0"/>
+              </a:spcBef>
+              <a:spcAft>
+                <a:spcPct val="0"/>
+              </a:spcAft>
+            </a:pPr>
+            <a:r>
+              <a:rPr lang="en-US" altLang="en-US" dirty="0" err="1" smtClean="0"/>
+              <a:t>Possibilita</a:t>
+            </a:r>
+            <a:r>
+              <a:rPr lang="en-US" altLang="en-US" dirty="0" smtClean="0"/>
+              <a:t> testes </a:t>
+            </a:r>
+            <a:r>
+              <a:rPr lang="en-US" altLang="en-US" dirty="0" err="1" smtClean="0"/>
+              <a:t>unitários</a:t>
+            </a:r>
+            <a:endParaRPr lang="en-US" altLang="en-US" dirty="0"/>
+          </a:p>
+          <a:p>
+            <a:pPr defTabSz="914400" eaLnBrk="0" fontAlgn="base" hangingPunct="0">
+              <a:spcBef>
+                <a:spcPct val="0"/>
+              </a:spcBef>
+              <a:spcAft>
+                <a:spcPct val="0"/>
+              </a:spcAft>
+            </a:pPr>
+            <a:r>
+              <a:rPr lang="en-US" altLang="en-US" dirty="0"/>
+              <a:t>Role provider</a:t>
+            </a:r>
+          </a:p>
+          <a:p>
+            <a:pPr defTabSz="914400" eaLnBrk="0" fontAlgn="base" hangingPunct="0">
+              <a:spcBef>
+                <a:spcPct val="0"/>
+              </a:spcBef>
+              <a:spcAft>
+                <a:spcPct val="0"/>
+              </a:spcAft>
+            </a:pPr>
+            <a:r>
+              <a:rPr lang="en-US" altLang="en-US" dirty="0"/>
+              <a:t>Claims Based</a:t>
+            </a:r>
+          </a:p>
+          <a:p>
+            <a:pPr defTabSz="914400" eaLnBrk="0" fontAlgn="base" hangingPunct="0">
+              <a:spcBef>
+                <a:spcPct val="0"/>
+              </a:spcBef>
+              <a:spcAft>
+                <a:spcPct val="0"/>
+              </a:spcAft>
+            </a:pPr>
+            <a:r>
+              <a:rPr lang="en-US" altLang="en-US" dirty="0"/>
+              <a:t>Social Login </a:t>
+            </a:r>
+            <a:r>
+              <a:rPr lang="en-US" altLang="en-US" dirty="0" smtClean="0"/>
+              <a:t>Providers </a:t>
+            </a:r>
             <a:r>
               <a:rPr lang="en-US" dirty="0"/>
-              <a:t>Two-Factor Authentication</a:t>
-            </a:r>
-          </a:p>
-          <a:p>
-            <a:r>
-              <a:rPr lang="en-US" dirty="0"/>
-              <a:t>Account Lockout</a:t>
-            </a:r>
-          </a:p>
-          <a:p>
-            <a:r>
-              <a:rPr lang="en-US" dirty="0"/>
-              <a:t>Account confirmation</a:t>
-            </a:r>
-          </a:p>
-          <a:p>
-            <a:r>
-              <a:rPr lang="en-US" dirty="0"/>
-              <a:t>Password reset</a:t>
-            </a:r>
-          </a:p>
-          <a:p>
-            <a:r>
-              <a:rPr lang="en-US" dirty="0"/>
-              <a:t>Sign-out everywhere</a:t>
-            </a:r>
-          </a:p>
-          <a:p>
-            <a:r>
-              <a:rPr lang="en-US" dirty="0" smtClean="0"/>
-              <a:t>Password validator</a:t>
-            </a:r>
-            <a:endParaRPr lang="en-US" dirty="0"/>
+              <a:t>(Facebook, Google, Microsoft, Twitter)</a:t>
+            </a:r>
+            <a:endParaRPr lang="en-US" altLang="en-US" dirty="0"/>
+          </a:p>
+          <a:p>
+            <a:pPr defTabSz="914400" eaLnBrk="0" fontAlgn="base" hangingPunct="0">
+              <a:spcBef>
+                <a:spcPct val="0"/>
+              </a:spcBef>
+              <a:spcAft>
+                <a:spcPct val="0"/>
+              </a:spcAft>
+            </a:pPr>
+            <a:r>
+              <a:rPr lang="en-US" altLang="en-US" dirty="0"/>
+              <a:t>Windows Azure Active Directory</a:t>
+            </a:r>
+          </a:p>
+          <a:p>
+            <a:pPr defTabSz="914400" eaLnBrk="0" fontAlgn="base" hangingPunct="0">
+              <a:spcBef>
+                <a:spcPct val="0"/>
+              </a:spcBef>
+              <a:spcAft>
+                <a:spcPct val="0"/>
+              </a:spcAft>
+            </a:pPr>
+            <a:r>
+              <a:rPr lang="en-US" altLang="en-US" dirty="0"/>
+              <a:t>OWIN Integration</a:t>
+            </a:r>
+          </a:p>
+          <a:p>
+            <a:pPr defTabSz="914400" eaLnBrk="0" fontAlgn="base" hangingPunct="0">
+              <a:spcBef>
+                <a:spcPct val="0"/>
+              </a:spcBef>
+              <a:spcAft>
+                <a:spcPct val="0"/>
+              </a:spcAft>
+            </a:pPr>
+            <a:r>
+              <a:rPr lang="en-US" altLang="en-US" dirty="0" err="1"/>
+              <a:t>NuGet</a:t>
+            </a:r>
+            <a:r>
+              <a:rPr lang="en-US" altLang="en-US" dirty="0"/>
+              <a:t> </a:t>
+            </a:r>
+            <a:r>
+              <a:rPr lang="en-US" altLang="en-US" dirty="0" smtClean="0"/>
+              <a:t>package</a:t>
+            </a:r>
+            <a:endParaRPr lang="en-US" altLang="en-US" dirty="0"/>
           </a:p>
         </p:txBody>
       </p:sp>
     </p:spTree>
     <p:extLst>
       <p:ext uri="{BB962C8B-B14F-4D97-AF65-F5344CB8AC3E}">
-        <p14:creationId xmlns:p14="http://schemas.microsoft.com/office/powerpoint/2010/main" val="1060717145"/>
+        <p14:creationId xmlns:p14="http://schemas.microsoft.com/office/powerpoint/2010/main" val="1835180806"/>
       </p:ext>
     </p:extLst>
   </p:cSld>
@@ -17922,27 +17958,11 @@
           <a:p>
             <a:r>
               <a:rPr lang="en-US" dirty="0" err="1" smtClean="0"/>
-              <a:t>Enfim</a:t>
+              <a:t>Recursos</a:t>
             </a:r>
             <a:r>
               <a:rPr lang="en-US" dirty="0" smtClean="0"/>
-              <a:t>, </a:t>
-            </a:r>
-            <a:r>
-              <a:rPr lang="en-US" dirty="0" err="1" smtClean="0"/>
-              <a:t>vamos</a:t>
-            </a:r>
-            <a:r>
-              <a:rPr lang="en-US" dirty="0" smtClean="0"/>
-              <a:t> </a:t>
-            </a:r>
-            <a:r>
-              <a:rPr lang="en-US" dirty="0" err="1" smtClean="0"/>
-              <a:t>programar</a:t>
-            </a:r>
-            <a:r>
-              <a:rPr lang="en-US" dirty="0" smtClean="0"/>
-              <a:t>…</a:t>
+              <a:t> do Identity</a:t>
             </a:r>
             <a:endParaRPr lang="en-US" dirty="0"/>
           </a:p>
@@ -17958,11 +17978,52 @@
             <p:ph idx="1"/>
           </p:nvPr>
         </p:nvSpPr>
-        <p:spPr/>
+        <p:spPr>
+          <a:xfrm>
+            <a:off x="646111" y="1540854"/>
+            <a:ext cx="8946541" cy="4195481"/>
+          </a:xfrm>
+        </p:spPr>
         <p:txBody>
-          <a:bodyPr/>
+          <a:bodyPr>
+            <a:normAutofit/>
+          </a:bodyPr>
           <a:lstStyle/>
           <a:p>
+            <a:r>
+              <a:rPr lang="en-US" dirty="0"/>
+              <a:t>Two-Factor Authentication</a:t>
+            </a:r>
+          </a:p>
+          <a:p>
+            <a:r>
+              <a:rPr lang="en-US" dirty="0"/>
+              <a:t>Account Lockout</a:t>
+            </a:r>
+          </a:p>
+          <a:p>
+            <a:r>
+              <a:rPr lang="en-US" dirty="0"/>
+              <a:t>Account confirmation</a:t>
+            </a:r>
+          </a:p>
+          <a:p>
+            <a:r>
+              <a:rPr lang="en-US" dirty="0"/>
+              <a:t>Password reset</a:t>
+            </a:r>
+          </a:p>
+          <a:p>
+            <a:r>
+              <a:rPr lang="en-US" dirty="0"/>
+              <a:t>Sign-out everywhere</a:t>
+            </a:r>
+          </a:p>
+          <a:p>
+            <a:r>
+              <a:rPr lang="en-US" dirty="0" smtClean="0"/>
+              <a:t>Password validator</a:t>
+            </a:r>
             <a:endParaRPr lang="en-US" dirty="0"/>
           </a:p>
         </p:txBody>
@@ -17970,7 +18031,7 @@
     </p:spTree>
     <p:extLst>
       <p:ext uri="{BB962C8B-B14F-4D97-AF65-F5344CB8AC3E}">
-        <p14:creationId xmlns:p14="http://schemas.microsoft.com/office/powerpoint/2010/main" val="2756249304"/>
+        <p14:creationId xmlns:p14="http://schemas.microsoft.com/office/powerpoint/2010/main" val="1060717145"/>
       </p:ext>
     </p:extLst>
   </p:cSld>
@@ -18014,15 +18075,7 @@
           <a:p>
             <a:r>
               <a:rPr lang="en-US" dirty="0" smtClean="0"/>
-              <a:t>O </a:t>
-            </a:r>
-            <a:r>
-              <a:rPr lang="en-US" dirty="0" err="1" smtClean="0"/>
-              <a:t>Padrão</a:t>
-            </a:r>
-            <a:r>
-              <a:rPr lang="en-US" dirty="0" smtClean="0"/>
-              <a:t> MVC	</a:t>
+              <a:t>Web</a:t>
             </a:r>
             <a:endParaRPr lang="en-US" dirty="0"/>
           </a:p>
@@ -18030,7 +18083,7 @@
       </p:sp>
       <p:sp>
         <p:nvSpPr>
-          <p:cNvPr id="5" name="Content Placeholder 4"/>
+          <p:cNvPr id="3" name="Content Placeholder 2"/>
           <p:cNvSpPr>
             <a:spLocks noGrp="1"/>
           </p:cNvSpPr>
@@ -18038,78 +18091,29 @@
             <p:ph idx="1"/>
           </p:nvPr>
         </p:nvSpPr>
-        <p:spPr>
-          <a:xfrm>
-            <a:off x="838200" y="1825625"/>
-            <a:ext cx="5877845" cy="4351338"/>
-          </a:xfrm>
-        </p:spPr>
+        <p:spPr/>
         <p:txBody>
           <a:bodyPr/>
           <a:lstStyle/>
           <a:p>
             <a:r>
-              <a:rPr lang="pt-BR" dirty="0" smtClean="0"/>
-              <a:t>Originalmente </a:t>
-            </a:r>
-            <a:r>
-              <a:rPr lang="pt-BR" dirty="0"/>
-              <a:t>nomeada como </a:t>
-            </a:r>
-            <a:r>
-              <a:rPr lang="pt-BR" dirty="0" smtClean="0"/>
-              <a:t>Thing-Mode-View-Editor</a:t>
-            </a:r>
-          </a:p>
-          <a:p>
-            <a:r>
-              <a:rPr lang="pt-BR" dirty="0"/>
-              <a:t>Originada na comunidade Smalltalk, mais específico na Xerox PARC entre 1970s e 1980s</a:t>
-            </a:r>
-          </a:p>
-          <a:p>
-            <a:r>
-              <a:rPr lang="pt-BR" dirty="0" smtClean="0"/>
-              <a:t>Perde força em 1980s com o surgimento do conceito de event-drive design</a:t>
-            </a:r>
-          </a:p>
-          <a:p>
-            <a:r>
-              <a:rPr lang="pt-BR" dirty="0" smtClean="0"/>
-              <a:t>Ressurgimento do padrão na plataforma web em 2003 pela comunidade Ruby</a:t>
-            </a:r>
-          </a:p>
-          <a:p>
-            <a:endParaRPr lang="pt-BR" dirty="0" smtClean="0"/>
+              <a:rPr lang="en-US" dirty="0" smtClean="0"/>
+              <a:t>Client Server</a:t>
+            </a:r>
+          </a:p>
+          <a:p>
+            <a:r>
+              <a:rPr lang="en-US" dirty="0" smtClean="0"/>
+              <a:t>Get vs Post</a:t>
+            </a:r>
+            <a:endParaRPr lang="en-US" dirty="0"/>
           </a:p>
         </p:txBody>
       </p:sp>
-      <p:pic>
-        <p:nvPicPr>
-          <p:cNvPr id="6" name="Picture 5"/>
-          <p:cNvPicPr/>
-          <p:nvPr/>
-        </p:nvPicPr>
-        <p:blipFill>
-          <a:blip r:embed="rId2"/>
-          <a:stretch>
-            <a:fillRect/>
-          </a:stretch>
-        </p:blipFill>
-        <p:spPr>
-          <a:xfrm>
-            <a:off x="6716045" y="1825625"/>
-            <a:ext cx="4793203" cy="4351338"/>
-          </a:xfrm>
-          <a:prstGeom prst="rect">
-            <a:avLst/>
-          </a:prstGeom>
-        </p:spPr>
-      </p:pic>
     </p:spTree>
     <p:extLst>
       <p:ext uri="{BB962C8B-B14F-4D97-AF65-F5344CB8AC3E}">
-        <p14:creationId xmlns:p14="http://schemas.microsoft.com/office/powerpoint/2010/main" val="449919095"/>
+        <p14:creationId xmlns:p14="http://schemas.microsoft.com/office/powerpoint/2010/main" val="3491458501"/>
       </p:ext>
     </p:extLst>
   </p:cSld>
@@ -18153,7 +18157,15 @@
           <a:p>
             <a:r>
               <a:rPr lang="en-US" dirty="0" err="1" smtClean="0"/>
-              <a:t>Melhores</a:t>
+              <a:t>Enfim</a:t>
+            </a:r>
+            <a:r>
+              <a:rPr lang="en-US" dirty="0" smtClean="0"/>
+              <a:t>, </a:t>
+            </a:r>
+            <a:r>
+              <a:rPr lang="en-US" dirty="0" err="1" smtClean="0"/>
+              <a:t>vamos</a:t>
             </a:r>
             <a:r>
               <a:rPr lang="en-US" dirty="0" smtClean="0"/>
@@ -18161,7 +18173,11 @@
             </a:r>
             <a:r>
               <a:rPr lang="en-US" dirty="0" err="1" smtClean="0"/>
-              <a:t>práticas</a:t>
+              <a:t>programar</a:t>
+            </a:r>
+            <a:r>
+              <a:rPr lang="en-US" dirty="0" smtClean="0"/>
+              <a:t>…</a:t>
             </a:r>
             <a:endParaRPr lang="en-US" dirty="0"/>
           </a:p>
@@ -18182,6 +18198,86 @@
           <a:bodyPr/>
           <a:lstStyle/>
           <a:p>
+            <a:endParaRPr lang="en-US" dirty="0"/>
+          </a:p>
+        </p:txBody>
+      </p:sp>
+    </p:spTree>
+    <p:extLst>
+      <p:ext uri="{BB962C8B-B14F-4D97-AF65-F5344CB8AC3E}">
+        <p14:creationId xmlns:p14="http://schemas.microsoft.com/office/powerpoint/2010/main" val="2756249304"/>
+      </p:ext>
+    </p:extLst>
+  </p:cSld>
+  <p:clrMapOvr>
+    <a:masterClrMapping/>
+  </p:clrMapOvr>
+</p:sld>
+</file>
+
+<file path=ppt/slides/slide31.xml><?xml version="1.0" encoding="utf-8"?>
+<p:sld xmlns:a="http://schemas.openxmlformats.org/drawingml/2006/main" xmlns:r="http://schemas.openxmlformats.org/officeDocument/2006/relationships" xmlns:p="http://schemas.openxmlformats.org/presentationml/2006/main">
+  <p:cSld>
+    <p:spTree>
+      <p:nvGrpSpPr>
+        <p:cNvPr id="1" name=""/>
+        <p:cNvGrpSpPr/>
+        <p:nvPr/>
+      </p:nvGrpSpPr>
+      <p:grpSpPr>
+        <a:xfrm>
+          <a:off x="0" y="0"/>
+          <a:ext cx="0" cy="0"/>
+          <a:chOff x="0" y="0"/>
+          <a:chExt cx="0" cy="0"/>
+        </a:xfrm>
+      </p:grpSpPr>
+      <p:sp>
+        <p:nvSpPr>
+          <p:cNvPr id="2" name="Title 1"/>
+          <p:cNvSpPr>
+            <a:spLocks noGrp="1"/>
+          </p:cNvSpPr>
+          <p:nvPr>
+            <p:ph type="title"/>
+          </p:nvPr>
+        </p:nvSpPr>
+        <p:spPr/>
+        <p:txBody>
+          <a:bodyPr/>
+          <a:lstStyle/>
+          <a:p>
+            <a:r>
+              <a:rPr lang="en-US" dirty="0" err="1" smtClean="0"/>
+              <a:t>Melhores</a:t>
+            </a:r>
+            <a:r>
+              <a:rPr lang="en-US" dirty="0" smtClean="0"/>
+              <a:t> </a:t>
+            </a:r>
+            <a:r>
+              <a:rPr lang="en-US" dirty="0" err="1" smtClean="0"/>
+              <a:t>práticas</a:t>
+            </a:r>
+            <a:endParaRPr lang="en-US" dirty="0"/>
+          </a:p>
+        </p:txBody>
+      </p:sp>
+      <p:sp>
+        <p:nvSpPr>
+          <p:cNvPr id="3" name="Content Placeholder 2"/>
+          <p:cNvSpPr>
+            <a:spLocks noGrp="1"/>
+          </p:cNvSpPr>
+          <p:nvPr>
+            <p:ph idx="1"/>
+          </p:nvPr>
+        </p:nvSpPr>
+        <p:spPr/>
+        <p:txBody>
+          <a:bodyPr/>
+          <a:lstStyle/>
+          <a:p>
             <a:r>
               <a:rPr lang="en-US" dirty="0" smtClean="0"/>
               <a:t>Tome </a:t>
@@ -18223,11 +18319,7 @@
           <a:p>
             <a:r>
               <a:rPr lang="en-US" dirty="0" smtClean="0"/>
-              <a:t>Output </a:t>
-            </a:r>
-            <a:r>
-              <a:rPr lang="en-US" dirty="0" smtClean="0"/>
-              <a:t>caching</a:t>
+              <a:t>Output caching</a:t>
             </a:r>
           </a:p>
           <a:p>
@@ -18256,7 +18348,7 @@
 </p:sld>
 </file>
 
-<file path=ppt/slides/slide31.xml><?xml version="1.0" encoding="utf-8"?>
+<file path=ppt/slides/slide32.xml><?xml version="1.0" encoding="utf-8"?>
 <p:sld xmlns:a="http://schemas.openxmlformats.org/drawingml/2006/main" xmlns:r="http://schemas.openxmlformats.org/officeDocument/2006/relationships" xmlns:p="http://schemas.openxmlformats.org/presentationml/2006/main">
   <p:cSld>
     <p:spTree>
@@ -18657,6 +18749,17 @@
             <a:endParaRPr lang="en-US" sz="2000" dirty="0" smtClean="0"/>
           </a:p>
           <a:p>
+            <a:r>
+              <a:rPr lang="en-US" sz="2400" b="1" dirty="0" err="1" smtClean="0"/>
+              <a:t>RazorGenerator</a:t>
+            </a:r>
+            <a:r>
+              <a:rPr lang="en-US" dirty="0"/>
+              <a:t> </a:t>
+            </a:r>
+            <a:endParaRPr lang="en-US" dirty="0" smtClean="0"/>
+          </a:p>
+          <a:p>
             <a:endParaRPr lang="en-US" dirty="0"/>
           </a:p>
         </p:txBody>
@@ -18674,7 +18777,7 @@
 </p:sld>
 </file>
 
-<file path=ppt/slides/slide32.xml><?xml version="1.0" encoding="utf-8"?>
+<file path=ppt/slides/slide33.xml><?xml version="1.0" encoding="utf-8"?>
 <p:sld xmlns:a="http://schemas.openxmlformats.org/drawingml/2006/main" xmlns:r="http://schemas.openxmlformats.org/officeDocument/2006/relationships" xmlns:p="http://schemas.openxmlformats.org/presentationml/2006/main">
   <p:cSld>
     <p:spTree>
@@ -18750,7 +18853,7 @@
 </p:sld>
 </file>
 
-<file path=ppt/slides/slide33.xml><?xml version="1.0" encoding="utf-8"?>
+<file path=ppt/slides/slide34.xml><?xml version="1.0" encoding="utf-8"?>
 <p:sld xmlns:a="http://schemas.openxmlformats.org/drawingml/2006/main" xmlns:r="http://schemas.openxmlformats.org/officeDocument/2006/relationships" xmlns:p="http://schemas.openxmlformats.org/presentationml/2006/main">
   <p:cSld>
     <p:spTree>
@@ -18838,10 +18941,41 @@
             <p:ph type="title"/>
           </p:nvPr>
         </p:nvSpPr>
+        <p:spPr/>
+        <p:txBody>
+          <a:bodyPr/>
+          <a:lstStyle/>
+          <a:p>
+            <a:r>
+              <a:rPr lang="en-US" dirty="0" smtClean="0"/>
+              <a:t>O </a:t>
+            </a:r>
+            <a:r>
+              <a:rPr lang="en-US" dirty="0" err="1" smtClean="0"/>
+              <a:t>Padrão</a:t>
+            </a:r>
+            <a:r>
+              <a:rPr lang="en-US" dirty="0" smtClean="0"/>
+              <a:t> MVC	</a:t>
+            </a:r>
+            <a:endParaRPr lang="en-US" dirty="0"/>
+          </a:p>
+        </p:txBody>
+      </p:sp>
+      <p:sp>
+        <p:nvSpPr>
+          <p:cNvPr id="5" name="Content Placeholder 4"/>
+          <p:cNvSpPr>
+            <a:spLocks noGrp="1"/>
+          </p:cNvSpPr>
+          <p:nvPr>
+            <p:ph idx="1"/>
+          </p:nvPr>
+        </p:nvSpPr>
         <p:spPr>
           <a:xfrm>
-            <a:off x="736600" y="432711"/>
-            <a:ext cx="10515600" cy="1325563"/>
+            <a:off x="838200" y="1825625"/>
+            <a:ext cx="5877845" cy="4351338"/>
           </a:xfrm>
         </p:spPr>
         <p:txBody>
@@ -18849,810 +18983,67 @@
           <a:lstStyle/>
           <a:p>
             <a:r>
-              <a:rPr lang="en-US" dirty="0" err="1" smtClean="0"/>
-              <a:t>Plataforma</a:t>
-            </a:r>
-            <a:r>
-              <a:rPr lang="en-US" dirty="0" smtClean="0"/>
-              <a:t> ASP.NET</a:t>
-            </a:r>
-            <a:endParaRPr lang="en-US" dirty="0"/>
+              <a:rPr lang="pt-BR" dirty="0" smtClean="0"/>
+              <a:t>Originalmente </a:t>
+            </a:r>
+            <a:r>
+              <a:rPr lang="pt-BR" dirty="0"/>
+              <a:t>nomeada como </a:t>
+            </a:r>
+            <a:r>
+              <a:rPr lang="pt-BR" dirty="0" smtClean="0"/>
+              <a:t>Thing-Mode-View-Editor</a:t>
+            </a:r>
+          </a:p>
+          <a:p>
+            <a:r>
+              <a:rPr lang="pt-BR" dirty="0"/>
+              <a:t>Originada na comunidade Smalltalk, mais específico na Xerox PARC entre 1970s e 1980s</a:t>
+            </a:r>
+          </a:p>
+          <a:p>
+            <a:r>
+              <a:rPr lang="pt-BR" dirty="0" smtClean="0"/>
+              <a:t>Perde força em 1980s com o surgimento do conceito de event-drive design</a:t>
+            </a:r>
+          </a:p>
+          <a:p>
+            <a:r>
+              <a:rPr lang="pt-BR" dirty="0" smtClean="0"/>
+              <a:t>Ressurgimento do padrão na plataforma web em 2003 pela comunidade Ruby</a:t>
+            </a:r>
+          </a:p>
+          <a:p>
+            <a:endParaRPr lang="pt-BR" dirty="0" smtClean="0"/>
           </a:p>
         </p:txBody>
       </p:sp>
-      <p:sp>
-        <p:nvSpPr>
-          <p:cNvPr id="9" name="Rectangle 8"/>
-          <p:cNvSpPr/>
+      <p:pic>
+        <p:nvPicPr>
+          <p:cNvPr id="6" name="Picture 5"/>
+          <p:cNvPicPr/>
           <p:nvPr/>
-        </p:nvSpPr>
-        <p:spPr bwMode="gray">
+        </p:nvPicPr>
+        <p:blipFill>
+          <a:blip r:embed="rId2"/>
+          <a:stretch>
+            <a:fillRect/>
+          </a:stretch>
+        </p:blipFill>
+        <p:spPr>
           <a:xfrm>
-            <a:off x="736603" y="4696903"/>
-            <a:ext cx="10405530" cy="1466765"/>
+            <a:off x="6716045" y="1825625"/>
+            <a:ext cx="4793203" cy="4351338"/>
           </a:xfrm>
           <a:prstGeom prst="rect">
             <a:avLst/>
           </a:prstGeom>
-          <a:solidFill>
-            <a:srgbClr val="0070C0"/>
-          </a:solidFill>
-          <a:ln w="9525" cap="flat" cmpd="sng" algn="ctr">
-            <a:noFill/>
-            <a:prstDash val="solid"/>
-            <a:headEnd type="none" w="med" len="med"/>
-            <a:tailEnd type="none" w="med" len="med"/>
-          </a:ln>
-          <a:effectLst/>
         </p:spPr>
-        <p:txBody>
-          <a:bodyPr rot="0" spcFirstLastPara="0" vertOverflow="overflow" horzOverflow="overflow" vert="horz" wrap="square" lIns="45719" tIns="45719" rIns="45719" bIns="45719" numCol="1" spcCol="0" rtlCol="0" fromWordArt="0" anchor="ctr" anchorCtr="0" forceAA="0" compatLnSpc="1">
-            <a:prstTxWarp prst="textNoShape">
-              <a:avLst/>
-            </a:prstTxWarp>
-            <a:noAutofit/>
-          </a:bodyPr>
-          <a:lstStyle/>
-          <a:p>
-            <a:pPr algn="ctr" defTabSz="914061" fontAlgn="base">
-              <a:spcBef>
-                <a:spcPct val="0"/>
-              </a:spcBef>
-              <a:spcAft>
-                <a:spcPct val="0"/>
-              </a:spcAft>
-              <a:defRPr/>
-            </a:pPr>
-            <a:r>
-              <a:rPr lang="en-US" sz="5400" b="1" kern="0" spc="-51" dirty="0">
-                <a:gradFill>
-                  <a:gsLst>
-                    <a:gs pos="0">
-                      <a:srgbClr val="FFFFFF"/>
-                    </a:gs>
-                    <a:gs pos="100000">
-                      <a:srgbClr val="FFFFFF"/>
-                    </a:gs>
-                  </a:gsLst>
-                  <a:lin ang="5400000" scaled="0"/>
-                </a:gradFill>
-                <a:latin typeface="Segoe UI Light" panose="020B0502040204020203" pitchFamily="34" charset="0"/>
-                <a:ea typeface="Segoe UI" pitchFamily="34" charset="0"/>
-                <a:cs typeface="Segoe UI" pitchFamily="34" charset="0"/>
-              </a:rPr>
-              <a:t>ASP.NET</a:t>
-            </a:r>
-            <a:endParaRPr lang="en-US" sz="5400" kern="0" spc="-51" dirty="0">
-              <a:gradFill>
-                <a:gsLst>
-                  <a:gs pos="0">
-                    <a:srgbClr val="FFFFFF"/>
-                  </a:gs>
-                  <a:gs pos="100000">
-                    <a:srgbClr val="FFFFFF"/>
-                  </a:gs>
-                </a:gsLst>
-                <a:lin ang="5400000" scaled="0"/>
-              </a:gradFill>
-              <a:latin typeface="Segoe UI Light" panose="020B0502040204020203" pitchFamily="34" charset="0"/>
-              <a:ea typeface="Segoe UI" pitchFamily="34" charset="0"/>
-              <a:cs typeface="Segoe UI" pitchFamily="34" charset="0"/>
-            </a:endParaRPr>
-          </a:p>
-        </p:txBody>
-      </p:sp>
-      <p:sp>
-        <p:nvSpPr>
-          <p:cNvPr id="10" name="Rectangle 9"/>
-          <p:cNvSpPr/>
-          <p:nvPr/>
-        </p:nvSpPr>
-        <p:spPr bwMode="gray">
-          <a:xfrm>
-            <a:off x="736601" y="3143425"/>
-            <a:ext cx="1621903" cy="1445937"/>
-          </a:xfrm>
-          <a:prstGeom prst="rect">
-            <a:avLst/>
-          </a:prstGeom>
-          <a:solidFill>
-            <a:srgbClr val="00B050"/>
-          </a:solidFill>
-          <a:ln w="9525" cap="flat" cmpd="sng" algn="ctr">
-            <a:noFill/>
-            <a:prstDash val="solid"/>
-            <a:headEnd type="none" w="med" len="med"/>
-            <a:tailEnd type="none" w="med" len="med"/>
-          </a:ln>
-          <a:effectLst/>
-        </p:spPr>
-        <p:txBody>
-          <a:bodyPr rot="0" spcFirstLastPara="0" vertOverflow="overflow" horzOverflow="overflow" vert="horz" wrap="square" lIns="45719" tIns="45719" rIns="45719" bIns="45719" numCol="1" spcCol="0" rtlCol="0" fromWordArt="0" anchor="ctr" anchorCtr="0" forceAA="0" compatLnSpc="1">
-            <a:prstTxWarp prst="textNoShape">
-              <a:avLst/>
-            </a:prstTxWarp>
-            <a:noAutofit/>
-          </a:bodyPr>
-          <a:lstStyle/>
-          <a:p>
-            <a:pPr algn="ctr" defTabSz="914061" fontAlgn="base">
-              <a:spcBef>
-                <a:spcPct val="0"/>
-              </a:spcBef>
-              <a:spcAft>
-                <a:spcPct val="0"/>
-              </a:spcAft>
-              <a:defRPr/>
-            </a:pPr>
-            <a:r>
-              <a:rPr lang="en-US" sz="3600" b="1" kern="0" spc="-51" dirty="0">
-                <a:gradFill>
-                  <a:gsLst>
-                    <a:gs pos="0">
-                      <a:srgbClr val="FFFFFF"/>
-                    </a:gs>
-                    <a:gs pos="100000">
-                      <a:srgbClr val="FFFFFF"/>
-                    </a:gs>
-                  </a:gsLst>
-                  <a:lin ang="5400000" scaled="0"/>
-                </a:gradFill>
-                <a:latin typeface="Segoe UI Light" panose="020B0502040204020203" pitchFamily="34" charset="0"/>
-                <a:ea typeface="Segoe UI" pitchFamily="34" charset="0"/>
-                <a:cs typeface="Segoe UI" pitchFamily="34" charset="0"/>
-              </a:rPr>
-              <a:t>Web</a:t>
-            </a:r>
-          </a:p>
-          <a:p>
-            <a:pPr algn="ctr" defTabSz="914061" fontAlgn="base">
-              <a:spcBef>
-                <a:spcPct val="0"/>
-              </a:spcBef>
-              <a:spcAft>
-                <a:spcPct val="0"/>
-              </a:spcAft>
-              <a:defRPr/>
-            </a:pPr>
-            <a:r>
-              <a:rPr lang="en-US" sz="3600" b="1" kern="0" spc="-51" dirty="0">
-                <a:gradFill>
-                  <a:gsLst>
-                    <a:gs pos="0">
-                      <a:srgbClr val="FFFFFF"/>
-                    </a:gs>
-                    <a:gs pos="100000">
-                      <a:srgbClr val="FFFFFF"/>
-                    </a:gs>
-                  </a:gsLst>
-                  <a:lin ang="5400000" scaled="0"/>
-                </a:gradFill>
-                <a:latin typeface="Segoe UI Light" panose="020B0502040204020203" pitchFamily="34" charset="0"/>
-                <a:ea typeface="Segoe UI" pitchFamily="34" charset="0"/>
-                <a:cs typeface="Segoe UI" pitchFamily="34" charset="0"/>
-              </a:rPr>
-              <a:t>Forms</a:t>
-            </a:r>
-            <a:endParaRPr lang="en-US" sz="3600" kern="0" spc="-51" dirty="0">
-              <a:gradFill>
-                <a:gsLst>
-                  <a:gs pos="0">
-                    <a:srgbClr val="FFFFFF"/>
-                  </a:gs>
-                  <a:gs pos="100000">
-                    <a:srgbClr val="FFFFFF"/>
-                  </a:gs>
-                </a:gsLst>
-                <a:lin ang="5400000" scaled="0"/>
-              </a:gradFill>
-              <a:latin typeface="Segoe UI Light" panose="020B0502040204020203" pitchFamily="34" charset="0"/>
-              <a:ea typeface="Segoe UI" pitchFamily="34" charset="0"/>
-              <a:cs typeface="Segoe UI" pitchFamily="34" charset="0"/>
-            </a:endParaRPr>
-          </a:p>
-        </p:txBody>
-      </p:sp>
-      <p:sp>
-        <p:nvSpPr>
-          <p:cNvPr id="11" name="Rectangle 10"/>
-          <p:cNvSpPr/>
-          <p:nvPr/>
-        </p:nvSpPr>
-        <p:spPr bwMode="gray">
-          <a:xfrm>
-            <a:off x="736600" y="1507522"/>
-            <a:ext cx="6587067" cy="1528363"/>
-          </a:xfrm>
-          <a:prstGeom prst="rect">
-            <a:avLst/>
-          </a:prstGeom>
-          <a:solidFill>
-            <a:srgbClr val="00B0F0"/>
-          </a:solidFill>
-          <a:ln w="9525" cap="flat" cmpd="sng" algn="ctr">
-            <a:noFill/>
-            <a:prstDash val="solid"/>
-            <a:headEnd type="none" w="med" len="med"/>
-            <a:tailEnd type="none" w="med" len="med"/>
-          </a:ln>
-          <a:effectLst/>
-        </p:spPr>
-        <p:txBody>
-          <a:bodyPr rot="0" spcFirstLastPara="0" vertOverflow="overflow" horzOverflow="overflow" vert="horz" wrap="square" lIns="45719" tIns="45719" rIns="45719" bIns="45719" numCol="1" spcCol="0" rtlCol="0" fromWordArt="0" anchor="ctr" anchorCtr="0" forceAA="0" compatLnSpc="1">
-            <a:prstTxWarp prst="textNoShape">
-              <a:avLst/>
-            </a:prstTxWarp>
-            <a:noAutofit/>
-          </a:bodyPr>
-          <a:lstStyle/>
-          <a:p>
-            <a:pPr algn="ctr" defTabSz="914061" fontAlgn="base">
-              <a:spcBef>
-                <a:spcPct val="0"/>
-              </a:spcBef>
-              <a:spcAft>
-                <a:spcPct val="0"/>
-              </a:spcAft>
-              <a:defRPr/>
-            </a:pPr>
-            <a:r>
-              <a:rPr lang="en-US" sz="5400" b="1" kern="0" spc="-51" dirty="0">
-                <a:gradFill>
-                  <a:gsLst>
-                    <a:gs pos="0">
-                      <a:srgbClr val="FFFFFF"/>
-                    </a:gs>
-                    <a:gs pos="100000">
-                      <a:srgbClr val="FFFFFF"/>
-                    </a:gs>
-                  </a:gsLst>
-                  <a:lin ang="5400000" scaled="0"/>
-                </a:gradFill>
-                <a:latin typeface="Segoe UI Light" panose="020B0502040204020203" pitchFamily="34" charset="0"/>
-                <a:ea typeface="Segoe UI" pitchFamily="34" charset="0"/>
-                <a:cs typeface="Segoe UI" pitchFamily="34" charset="0"/>
-              </a:rPr>
-              <a:t>Sites</a:t>
-            </a:r>
-            <a:endParaRPr lang="en-US" sz="5400" kern="0" spc="-51" dirty="0">
-              <a:gradFill>
-                <a:gsLst>
-                  <a:gs pos="0">
-                    <a:srgbClr val="FFFFFF"/>
-                  </a:gs>
-                  <a:gs pos="100000">
-                    <a:srgbClr val="FFFFFF"/>
-                  </a:gs>
-                </a:gsLst>
-                <a:lin ang="5400000" scaled="0"/>
-              </a:gradFill>
-              <a:latin typeface="Segoe UI Light" panose="020B0502040204020203" pitchFamily="34" charset="0"/>
-              <a:ea typeface="Segoe UI" pitchFamily="34" charset="0"/>
-              <a:cs typeface="Segoe UI" pitchFamily="34" charset="0"/>
-            </a:endParaRPr>
-          </a:p>
-        </p:txBody>
-      </p:sp>
-      <p:sp>
-        <p:nvSpPr>
-          <p:cNvPr id="12" name="Rectangle 11"/>
-          <p:cNvSpPr/>
-          <p:nvPr/>
-        </p:nvSpPr>
-        <p:spPr bwMode="gray">
-          <a:xfrm>
-            <a:off x="2493327" y="3143425"/>
-            <a:ext cx="1621903" cy="1445937"/>
-          </a:xfrm>
-          <a:prstGeom prst="rect">
-            <a:avLst/>
-          </a:prstGeom>
-          <a:solidFill>
-            <a:srgbClr val="00B050"/>
-          </a:solidFill>
-          <a:ln w="9525" cap="flat" cmpd="sng" algn="ctr">
-            <a:noFill/>
-            <a:prstDash val="solid"/>
-            <a:headEnd type="none" w="med" len="med"/>
-            <a:tailEnd type="none" w="med" len="med"/>
-          </a:ln>
-          <a:effectLst/>
-        </p:spPr>
-        <p:txBody>
-          <a:bodyPr rot="0" spcFirstLastPara="0" vertOverflow="overflow" horzOverflow="overflow" vert="horz" wrap="square" lIns="45719" tIns="45719" rIns="45719" bIns="45719" numCol="1" spcCol="0" rtlCol="0" fromWordArt="0" anchor="ctr" anchorCtr="0" forceAA="0" compatLnSpc="1">
-            <a:prstTxWarp prst="textNoShape">
-              <a:avLst/>
-            </a:prstTxWarp>
-            <a:noAutofit/>
-          </a:bodyPr>
-          <a:lstStyle/>
-          <a:p>
-            <a:pPr algn="ctr" defTabSz="914061" fontAlgn="base">
-              <a:spcBef>
-                <a:spcPct val="0"/>
-              </a:spcBef>
-              <a:spcAft>
-                <a:spcPct val="0"/>
-              </a:spcAft>
-              <a:defRPr/>
-            </a:pPr>
-            <a:r>
-              <a:rPr lang="en-US" sz="3600" b="1" kern="0" spc="-51" dirty="0">
-                <a:gradFill>
-                  <a:gsLst>
-                    <a:gs pos="0">
-                      <a:srgbClr val="FFFFFF"/>
-                    </a:gs>
-                    <a:gs pos="100000">
-                      <a:srgbClr val="FFFFFF"/>
-                    </a:gs>
-                  </a:gsLst>
-                  <a:lin ang="5400000" scaled="0"/>
-                </a:gradFill>
-                <a:latin typeface="Segoe UI Light" panose="020B0502040204020203" pitchFamily="34" charset="0"/>
-                <a:ea typeface="Segoe UI" pitchFamily="34" charset="0"/>
-                <a:cs typeface="Segoe UI" pitchFamily="34" charset="0"/>
-              </a:rPr>
-              <a:t>Web</a:t>
-            </a:r>
-          </a:p>
-          <a:p>
-            <a:pPr algn="ctr" defTabSz="914061" fontAlgn="base">
-              <a:spcBef>
-                <a:spcPct val="0"/>
-              </a:spcBef>
-              <a:spcAft>
-                <a:spcPct val="0"/>
-              </a:spcAft>
-              <a:defRPr/>
-            </a:pPr>
-            <a:r>
-              <a:rPr lang="en-US" sz="3600" b="1" kern="0" spc="-51" dirty="0">
-                <a:gradFill>
-                  <a:gsLst>
-                    <a:gs pos="0">
-                      <a:srgbClr val="FFFFFF"/>
-                    </a:gs>
-                    <a:gs pos="100000">
-                      <a:srgbClr val="FFFFFF"/>
-                    </a:gs>
-                  </a:gsLst>
-                  <a:lin ang="5400000" scaled="0"/>
-                </a:gradFill>
-                <a:latin typeface="Segoe UI Light" panose="020B0502040204020203" pitchFamily="34" charset="0"/>
-                <a:ea typeface="Segoe UI" pitchFamily="34" charset="0"/>
-                <a:cs typeface="Segoe UI" pitchFamily="34" charset="0"/>
-              </a:rPr>
-              <a:t>Pages</a:t>
-            </a:r>
-            <a:endParaRPr lang="en-US" sz="3600" kern="0" spc="-51" dirty="0">
-              <a:gradFill>
-                <a:gsLst>
-                  <a:gs pos="0">
-                    <a:srgbClr val="FFFFFF"/>
-                  </a:gs>
-                  <a:gs pos="100000">
-                    <a:srgbClr val="FFFFFF"/>
-                  </a:gs>
-                </a:gsLst>
-                <a:lin ang="5400000" scaled="0"/>
-              </a:gradFill>
-              <a:latin typeface="Segoe UI Light" panose="020B0502040204020203" pitchFamily="34" charset="0"/>
-              <a:ea typeface="Segoe UI" pitchFamily="34" charset="0"/>
-              <a:cs typeface="Segoe UI" pitchFamily="34" charset="0"/>
-            </a:endParaRPr>
-          </a:p>
-        </p:txBody>
-      </p:sp>
-      <p:sp>
-        <p:nvSpPr>
-          <p:cNvPr id="13" name="Rectangle 12"/>
-          <p:cNvSpPr/>
-          <p:nvPr/>
-        </p:nvSpPr>
-        <p:spPr bwMode="gray">
-          <a:xfrm>
-            <a:off x="4250051" y="3143425"/>
-            <a:ext cx="5135353" cy="608978"/>
-          </a:xfrm>
-          <a:prstGeom prst="rect">
-            <a:avLst/>
-          </a:prstGeom>
-          <a:solidFill>
-            <a:srgbClr val="00B050"/>
-          </a:solidFill>
-          <a:ln w="9525" cap="flat" cmpd="sng" algn="ctr">
-            <a:noFill/>
-            <a:prstDash val="solid"/>
-            <a:headEnd type="none" w="med" len="med"/>
-            <a:tailEnd type="none" w="med" len="med"/>
-          </a:ln>
-          <a:effectLst/>
-        </p:spPr>
-        <p:txBody>
-          <a:bodyPr rot="0" spcFirstLastPara="0" vertOverflow="overflow" horzOverflow="overflow" vert="horz" wrap="square" lIns="45719" tIns="45719" rIns="45719" bIns="45719" numCol="1" spcCol="0" rtlCol="0" fromWordArt="0" anchor="ctr" anchorCtr="0" forceAA="0" compatLnSpc="1">
-            <a:prstTxWarp prst="textNoShape">
-              <a:avLst/>
-            </a:prstTxWarp>
-            <a:noAutofit/>
-          </a:bodyPr>
-          <a:lstStyle/>
-          <a:p>
-            <a:pPr algn="ctr" defTabSz="914061" fontAlgn="base">
-              <a:spcBef>
-                <a:spcPct val="0"/>
-              </a:spcBef>
-              <a:spcAft>
-                <a:spcPct val="0"/>
-              </a:spcAft>
-              <a:defRPr/>
-            </a:pPr>
-            <a:r>
-              <a:rPr lang="en-US" sz="3600" b="1" kern="0" spc="-51" dirty="0">
-                <a:gradFill>
-                  <a:gsLst>
-                    <a:gs pos="0">
-                      <a:srgbClr val="FFFFFF"/>
-                    </a:gs>
-                    <a:gs pos="100000">
-                      <a:srgbClr val="FFFFFF"/>
-                    </a:gs>
-                  </a:gsLst>
-                  <a:lin ang="5400000" scaled="0"/>
-                </a:gradFill>
-                <a:latin typeface="Segoe UI Light" panose="020B0502040204020203" pitchFamily="34" charset="0"/>
-                <a:ea typeface="Segoe UI" pitchFamily="34" charset="0"/>
-                <a:cs typeface="Segoe UI" pitchFamily="34" charset="0"/>
-              </a:rPr>
-              <a:t>Single Page Apps</a:t>
-            </a:r>
-            <a:endParaRPr lang="en-US" sz="3600" kern="0" spc="-51" dirty="0">
-              <a:gradFill>
-                <a:gsLst>
-                  <a:gs pos="0">
-                    <a:srgbClr val="FFFFFF"/>
-                  </a:gs>
-                  <a:gs pos="100000">
-                    <a:srgbClr val="FFFFFF"/>
-                  </a:gs>
-                </a:gsLst>
-                <a:lin ang="5400000" scaled="0"/>
-              </a:gradFill>
-              <a:latin typeface="Segoe UI Light" panose="020B0502040204020203" pitchFamily="34" charset="0"/>
-              <a:ea typeface="Segoe UI" pitchFamily="34" charset="0"/>
-              <a:cs typeface="Segoe UI" pitchFamily="34" charset="0"/>
-            </a:endParaRPr>
-          </a:p>
-        </p:txBody>
-      </p:sp>
-      <p:sp>
-        <p:nvSpPr>
-          <p:cNvPr id="14" name="Rectangle 13"/>
-          <p:cNvSpPr/>
-          <p:nvPr/>
-        </p:nvSpPr>
-        <p:spPr bwMode="gray">
-          <a:xfrm>
-            <a:off x="4250052" y="3859945"/>
-            <a:ext cx="3073615" cy="729417"/>
-          </a:xfrm>
-          <a:prstGeom prst="rect">
-            <a:avLst/>
-          </a:prstGeom>
-          <a:solidFill>
-            <a:srgbClr val="00B050"/>
-          </a:solidFill>
-          <a:ln w="9525" cap="flat" cmpd="sng" algn="ctr">
-            <a:noFill/>
-            <a:prstDash val="solid"/>
-            <a:headEnd type="none" w="med" len="med"/>
-            <a:tailEnd type="none" w="med" len="med"/>
-          </a:ln>
-          <a:effectLst/>
-        </p:spPr>
-        <p:txBody>
-          <a:bodyPr rot="0" spcFirstLastPara="0" vertOverflow="overflow" horzOverflow="overflow" vert="horz" wrap="square" lIns="45719" tIns="45719" rIns="45719" bIns="45719" numCol="1" spcCol="0" rtlCol="0" fromWordArt="0" anchor="ctr" anchorCtr="0" forceAA="0" compatLnSpc="1">
-            <a:prstTxWarp prst="textNoShape">
-              <a:avLst/>
-            </a:prstTxWarp>
-            <a:noAutofit/>
-          </a:bodyPr>
-          <a:lstStyle/>
-          <a:p>
-            <a:pPr algn="ctr" defTabSz="914061" fontAlgn="base">
-              <a:spcBef>
-                <a:spcPct val="0"/>
-              </a:spcBef>
-              <a:spcAft>
-                <a:spcPct val="0"/>
-              </a:spcAft>
-              <a:defRPr/>
-            </a:pPr>
-            <a:r>
-              <a:rPr lang="en-US" sz="3600" b="1" kern="0" spc="-51" dirty="0">
-                <a:gradFill>
-                  <a:gsLst>
-                    <a:gs pos="0">
-                      <a:srgbClr val="FFFFFF"/>
-                    </a:gs>
-                    <a:gs pos="100000">
-                      <a:srgbClr val="FFFFFF"/>
-                    </a:gs>
-                  </a:gsLst>
-                  <a:lin ang="5400000" scaled="0"/>
-                </a:gradFill>
-                <a:latin typeface="Segoe UI Light" panose="020B0502040204020203" pitchFamily="34" charset="0"/>
-                <a:ea typeface="Segoe UI" pitchFamily="34" charset="0"/>
-                <a:cs typeface="Segoe UI" pitchFamily="34" charset="0"/>
-              </a:rPr>
-              <a:t>MVC</a:t>
-            </a:r>
-            <a:endParaRPr lang="en-US" sz="3600" kern="0" spc="-51" dirty="0">
-              <a:gradFill>
-                <a:gsLst>
-                  <a:gs pos="0">
-                    <a:srgbClr val="FFFFFF"/>
-                  </a:gs>
-                  <a:gs pos="100000">
-                    <a:srgbClr val="FFFFFF"/>
-                  </a:gs>
-                </a:gsLst>
-                <a:lin ang="5400000" scaled="0"/>
-              </a:gradFill>
-              <a:latin typeface="Segoe UI Light" panose="020B0502040204020203" pitchFamily="34" charset="0"/>
-              <a:ea typeface="Segoe UI" pitchFamily="34" charset="0"/>
-              <a:cs typeface="Segoe UI" pitchFamily="34" charset="0"/>
-            </a:endParaRPr>
-          </a:p>
-        </p:txBody>
-      </p:sp>
-      <p:sp>
-        <p:nvSpPr>
-          <p:cNvPr id="15" name="Rectangle 14"/>
-          <p:cNvSpPr/>
-          <p:nvPr/>
-        </p:nvSpPr>
-        <p:spPr bwMode="gray">
-          <a:xfrm>
-            <a:off x="7458490" y="3859945"/>
-            <a:ext cx="1926916" cy="729417"/>
-          </a:xfrm>
-          <a:prstGeom prst="rect">
-            <a:avLst/>
-          </a:prstGeom>
-          <a:solidFill>
-            <a:srgbClr val="00B050"/>
-          </a:solidFill>
-          <a:ln w="9525" cap="flat" cmpd="sng" algn="ctr">
-            <a:noFill/>
-            <a:prstDash val="solid"/>
-            <a:headEnd type="none" w="med" len="med"/>
-            <a:tailEnd type="none" w="med" len="med"/>
-          </a:ln>
-          <a:effectLst/>
-        </p:spPr>
-        <p:txBody>
-          <a:bodyPr rot="0" spcFirstLastPara="0" vertOverflow="overflow" horzOverflow="overflow" vert="horz" wrap="square" lIns="45719" tIns="45719" rIns="45719" bIns="45719" numCol="1" spcCol="0" rtlCol="0" fromWordArt="0" anchor="ctr" anchorCtr="0" forceAA="0" compatLnSpc="1">
-            <a:prstTxWarp prst="textNoShape">
-              <a:avLst/>
-            </a:prstTxWarp>
-            <a:noAutofit/>
-          </a:bodyPr>
-          <a:lstStyle/>
-          <a:p>
-            <a:pPr algn="ctr" defTabSz="914061" fontAlgn="base">
-              <a:spcBef>
-                <a:spcPct val="0"/>
-              </a:spcBef>
-              <a:spcAft>
-                <a:spcPct val="0"/>
-              </a:spcAft>
-              <a:defRPr/>
-            </a:pPr>
-            <a:r>
-              <a:rPr lang="en-US" sz="3200" b="1" kern="0" spc="-51" dirty="0">
-                <a:gradFill>
-                  <a:gsLst>
-                    <a:gs pos="0">
-                      <a:srgbClr val="FFFFFF"/>
-                    </a:gs>
-                    <a:gs pos="100000">
-                      <a:srgbClr val="FFFFFF"/>
-                    </a:gs>
-                  </a:gsLst>
-                  <a:lin ang="5400000" scaled="0"/>
-                </a:gradFill>
-                <a:latin typeface="Segoe UI Light" panose="020B0502040204020203" pitchFamily="34" charset="0"/>
-                <a:ea typeface="Segoe UI" pitchFamily="34" charset="0"/>
-                <a:cs typeface="Segoe UI" pitchFamily="34" charset="0"/>
-              </a:rPr>
-              <a:t>Web API</a:t>
-            </a:r>
-            <a:endParaRPr lang="en-US" sz="3200" kern="0" spc="-51" dirty="0">
-              <a:gradFill>
-                <a:gsLst>
-                  <a:gs pos="0">
-                    <a:srgbClr val="FFFFFF"/>
-                  </a:gs>
-                  <a:gs pos="100000">
-                    <a:srgbClr val="FFFFFF"/>
-                  </a:gs>
-                </a:gsLst>
-                <a:lin ang="5400000" scaled="0"/>
-              </a:gradFill>
-              <a:latin typeface="Segoe UI Light" panose="020B0502040204020203" pitchFamily="34" charset="0"/>
-              <a:ea typeface="Segoe UI" pitchFamily="34" charset="0"/>
-              <a:cs typeface="Segoe UI" pitchFamily="34" charset="0"/>
-            </a:endParaRPr>
-          </a:p>
-        </p:txBody>
-      </p:sp>
-      <p:sp>
-        <p:nvSpPr>
-          <p:cNvPr id="16" name="Rectangle 15"/>
-          <p:cNvSpPr/>
-          <p:nvPr/>
-        </p:nvSpPr>
-        <p:spPr bwMode="gray">
-          <a:xfrm>
-            <a:off x="9520230" y="3143425"/>
-            <a:ext cx="1621903" cy="1445937"/>
-          </a:xfrm>
-          <a:prstGeom prst="rect">
-            <a:avLst/>
-          </a:prstGeom>
-          <a:solidFill>
-            <a:srgbClr val="00B050"/>
-          </a:solidFill>
-          <a:ln w="9525" cap="flat" cmpd="sng" algn="ctr">
-            <a:noFill/>
-            <a:prstDash val="solid"/>
-            <a:headEnd type="none" w="med" len="med"/>
-            <a:tailEnd type="none" w="med" len="med"/>
-          </a:ln>
-          <a:effectLst/>
-        </p:spPr>
-        <p:txBody>
-          <a:bodyPr rot="0" spcFirstLastPara="0" vertOverflow="overflow" horzOverflow="overflow" vert="horz" wrap="square" lIns="45719" tIns="45719" rIns="45719" bIns="45719" numCol="1" spcCol="0" rtlCol="0" fromWordArt="0" anchor="ctr" anchorCtr="0" forceAA="0" compatLnSpc="1">
-            <a:prstTxWarp prst="textNoShape">
-              <a:avLst/>
-            </a:prstTxWarp>
-            <a:noAutofit/>
-          </a:bodyPr>
-          <a:lstStyle/>
-          <a:p>
-            <a:pPr algn="ctr" defTabSz="914061" fontAlgn="base">
-              <a:spcBef>
-                <a:spcPct val="0"/>
-              </a:spcBef>
-              <a:spcAft>
-                <a:spcPct val="0"/>
-              </a:spcAft>
-              <a:defRPr/>
-            </a:pPr>
-            <a:r>
-              <a:rPr lang="en-US" sz="3600" b="1" kern="0" spc="-51" dirty="0">
-                <a:gradFill>
-                  <a:gsLst>
-                    <a:gs pos="0">
-                      <a:srgbClr val="FFFFFF"/>
-                    </a:gs>
-                    <a:gs pos="100000">
-                      <a:srgbClr val="FFFFFF"/>
-                    </a:gs>
-                  </a:gsLst>
-                  <a:lin ang="5400000" scaled="0"/>
-                </a:gradFill>
-                <a:latin typeface="Segoe UI Light" panose="020B0502040204020203" pitchFamily="34" charset="0"/>
-                <a:ea typeface="Segoe UI" pitchFamily="34" charset="0"/>
-                <a:cs typeface="Segoe UI" pitchFamily="34" charset="0"/>
-              </a:rPr>
-              <a:t>SignalR</a:t>
-            </a:r>
-            <a:endParaRPr lang="en-US" sz="3600" kern="0" spc="-51" dirty="0">
-              <a:gradFill>
-                <a:gsLst>
-                  <a:gs pos="0">
-                    <a:srgbClr val="FFFFFF"/>
-                  </a:gs>
-                  <a:gs pos="100000">
-                    <a:srgbClr val="FFFFFF"/>
-                  </a:gs>
-                </a:gsLst>
-                <a:lin ang="5400000" scaled="0"/>
-              </a:gradFill>
-              <a:latin typeface="Segoe UI Light" panose="020B0502040204020203" pitchFamily="34" charset="0"/>
-              <a:ea typeface="Segoe UI" pitchFamily="34" charset="0"/>
-              <a:cs typeface="Segoe UI" pitchFamily="34" charset="0"/>
-            </a:endParaRPr>
-          </a:p>
-        </p:txBody>
-      </p:sp>
-      <p:sp>
-        <p:nvSpPr>
-          <p:cNvPr id="17" name="Rectangle 16"/>
-          <p:cNvSpPr/>
-          <p:nvPr/>
-        </p:nvSpPr>
-        <p:spPr bwMode="gray">
-          <a:xfrm>
-            <a:off x="7458491" y="1507523"/>
-            <a:ext cx="3683642" cy="1528363"/>
-          </a:xfrm>
-          <a:prstGeom prst="rect">
-            <a:avLst/>
-          </a:prstGeom>
-          <a:solidFill>
-            <a:srgbClr val="00B0F0"/>
-          </a:solidFill>
-          <a:ln w="9525" cap="flat" cmpd="sng" algn="ctr">
-            <a:noFill/>
-            <a:prstDash val="solid"/>
-            <a:headEnd type="none" w="med" len="med"/>
-            <a:tailEnd type="none" w="med" len="med"/>
-          </a:ln>
-          <a:effectLst/>
-        </p:spPr>
-        <p:txBody>
-          <a:bodyPr rot="0" spcFirstLastPara="0" vertOverflow="overflow" horzOverflow="overflow" vert="horz" wrap="square" lIns="45719" tIns="45719" rIns="45719" bIns="45719" numCol="1" spcCol="0" rtlCol="0" fromWordArt="0" anchor="ctr" anchorCtr="0" forceAA="0" compatLnSpc="1">
-            <a:prstTxWarp prst="textNoShape">
-              <a:avLst/>
-            </a:prstTxWarp>
-            <a:noAutofit/>
-          </a:bodyPr>
-          <a:lstStyle/>
-          <a:p>
-            <a:pPr algn="ctr" defTabSz="914061" fontAlgn="base">
-              <a:spcBef>
-                <a:spcPct val="0"/>
-              </a:spcBef>
-              <a:spcAft>
-                <a:spcPct val="0"/>
-              </a:spcAft>
-              <a:defRPr/>
-            </a:pPr>
-            <a:r>
-              <a:rPr lang="en-US" sz="5400" b="1" kern="0" spc="-51" dirty="0">
-                <a:gradFill>
-                  <a:gsLst>
-                    <a:gs pos="0">
-                      <a:srgbClr val="FFFFFF"/>
-                    </a:gs>
-                    <a:gs pos="100000">
-                      <a:srgbClr val="FFFFFF"/>
-                    </a:gs>
-                  </a:gsLst>
-                  <a:lin ang="5400000" scaled="0"/>
-                </a:gradFill>
-                <a:latin typeface="Segoe UI Light" panose="020B0502040204020203" pitchFamily="34" charset="0"/>
-                <a:ea typeface="Segoe UI" pitchFamily="34" charset="0"/>
-                <a:cs typeface="Segoe UI" pitchFamily="34" charset="0"/>
-              </a:rPr>
-              <a:t>Services</a:t>
-            </a:r>
-            <a:endParaRPr lang="en-US" sz="5400" kern="0" spc="-51" dirty="0">
-              <a:gradFill>
-                <a:gsLst>
-                  <a:gs pos="0">
-                    <a:srgbClr val="FFFFFF"/>
-                  </a:gs>
-                  <a:gs pos="100000">
-                    <a:srgbClr val="FFFFFF"/>
-                  </a:gs>
-                </a:gsLst>
-                <a:lin ang="5400000" scaled="0"/>
-              </a:gradFill>
-              <a:latin typeface="Segoe UI Light" panose="020B0502040204020203" pitchFamily="34" charset="0"/>
-              <a:ea typeface="Segoe UI" pitchFamily="34" charset="0"/>
-              <a:cs typeface="Segoe UI" pitchFamily="34" charset="0"/>
-            </a:endParaRPr>
-          </a:p>
-        </p:txBody>
-      </p:sp>
+      </p:pic>
     </p:spTree>
     <p:extLst>
       <p:ext uri="{BB962C8B-B14F-4D97-AF65-F5344CB8AC3E}">
-        <p14:creationId xmlns:p14="http://schemas.microsoft.com/office/powerpoint/2010/main" val="2858259401"/>
+        <p14:creationId xmlns:p14="http://schemas.microsoft.com/office/powerpoint/2010/main" val="449919095"/>
       </p:ext>
     </p:extLst>
   </p:cSld>
@@ -19691,6 +19082,857 @@
         </p:nvSpPr>
         <p:spPr>
           <a:xfrm>
+            <a:off x="736600" y="432711"/>
+            <a:ext cx="10515600" cy="1325563"/>
+          </a:xfrm>
+        </p:spPr>
+        <p:txBody>
+          <a:bodyPr/>
+          <a:lstStyle/>
+          <a:p>
+            <a:r>
+              <a:rPr lang="en-US" dirty="0" err="1" smtClean="0"/>
+              <a:t>Plataforma</a:t>
+            </a:r>
+            <a:r>
+              <a:rPr lang="en-US" dirty="0" smtClean="0"/>
+              <a:t> ASP.NET</a:t>
+            </a:r>
+            <a:endParaRPr lang="en-US" dirty="0"/>
+          </a:p>
+        </p:txBody>
+      </p:sp>
+      <p:sp>
+        <p:nvSpPr>
+          <p:cNvPr id="9" name="Rectangle 8"/>
+          <p:cNvSpPr/>
+          <p:nvPr/>
+        </p:nvSpPr>
+        <p:spPr bwMode="gray">
+          <a:xfrm>
+            <a:off x="736603" y="4696903"/>
+            <a:ext cx="10405530" cy="1466765"/>
+          </a:xfrm>
+          <a:prstGeom prst="rect">
+            <a:avLst/>
+          </a:prstGeom>
+          <a:solidFill>
+            <a:srgbClr val="0070C0"/>
+          </a:solidFill>
+          <a:ln w="9525" cap="flat" cmpd="sng" algn="ctr">
+            <a:noFill/>
+            <a:prstDash val="solid"/>
+            <a:headEnd type="none" w="med" len="med"/>
+            <a:tailEnd type="none" w="med" len="med"/>
+          </a:ln>
+          <a:effectLst/>
+        </p:spPr>
+        <p:txBody>
+          <a:bodyPr rot="0" spcFirstLastPara="0" vertOverflow="overflow" horzOverflow="overflow" vert="horz" wrap="square" lIns="45719" tIns="45719" rIns="45719" bIns="45719" numCol="1" spcCol="0" rtlCol="0" fromWordArt="0" anchor="ctr" anchorCtr="0" forceAA="0" compatLnSpc="1">
+            <a:prstTxWarp prst="textNoShape">
+              <a:avLst/>
+            </a:prstTxWarp>
+            <a:noAutofit/>
+          </a:bodyPr>
+          <a:lstStyle/>
+          <a:p>
+            <a:pPr algn="ctr" defTabSz="914061" fontAlgn="base">
+              <a:spcBef>
+                <a:spcPct val="0"/>
+              </a:spcBef>
+              <a:spcAft>
+                <a:spcPct val="0"/>
+              </a:spcAft>
+              <a:defRPr/>
+            </a:pPr>
+            <a:r>
+              <a:rPr lang="en-US" sz="5400" b="1" kern="0" spc="-51" dirty="0">
+                <a:gradFill>
+                  <a:gsLst>
+                    <a:gs pos="0">
+                      <a:srgbClr val="FFFFFF"/>
+                    </a:gs>
+                    <a:gs pos="100000">
+                      <a:srgbClr val="FFFFFF"/>
+                    </a:gs>
+                  </a:gsLst>
+                  <a:lin ang="5400000" scaled="0"/>
+                </a:gradFill>
+                <a:latin typeface="Segoe UI Light" panose="020B0502040204020203" pitchFamily="34" charset="0"/>
+                <a:ea typeface="Segoe UI" pitchFamily="34" charset="0"/>
+                <a:cs typeface="Segoe UI" pitchFamily="34" charset="0"/>
+              </a:rPr>
+              <a:t>ASP.NET</a:t>
+            </a:r>
+            <a:endParaRPr lang="en-US" sz="5400" kern="0" spc="-51" dirty="0">
+              <a:gradFill>
+                <a:gsLst>
+                  <a:gs pos="0">
+                    <a:srgbClr val="FFFFFF"/>
+                  </a:gs>
+                  <a:gs pos="100000">
+                    <a:srgbClr val="FFFFFF"/>
+                  </a:gs>
+                </a:gsLst>
+                <a:lin ang="5400000" scaled="0"/>
+              </a:gradFill>
+              <a:latin typeface="Segoe UI Light" panose="020B0502040204020203" pitchFamily="34" charset="0"/>
+              <a:ea typeface="Segoe UI" pitchFamily="34" charset="0"/>
+              <a:cs typeface="Segoe UI" pitchFamily="34" charset="0"/>
+            </a:endParaRPr>
+          </a:p>
+        </p:txBody>
+      </p:sp>
+      <p:sp>
+        <p:nvSpPr>
+          <p:cNvPr id="10" name="Rectangle 9"/>
+          <p:cNvSpPr/>
+          <p:nvPr/>
+        </p:nvSpPr>
+        <p:spPr bwMode="gray">
+          <a:xfrm>
+            <a:off x="736601" y="3143425"/>
+            <a:ext cx="1621903" cy="1445937"/>
+          </a:xfrm>
+          <a:prstGeom prst="rect">
+            <a:avLst/>
+          </a:prstGeom>
+          <a:solidFill>
+            <a:srgbClr val="00B050"/>
+          </a:solidFill>
+          <a:ln w="9525" cap="flat" cmpd="sng" algn="ctr">
+            <a:noFill/>
+            <a:prstDash val="solid"/>
+            <a:headEnd type="none" w="med" len="med"/>
+            <a:tailEnd type="none" w="med" len="med"/>
+          </a:ln>
+          <a:effectLst/>
+        </p:spPr>
+        <p:txBody>
+          <a:bodyPr rot="0" spcFirstLastPara="0" vertOverflow="overflow" horzOverflow="overflow" vert="horz" wrap="square" lIns="45719" tIns="45719" rIns="45719" bIns="45719" numCol="1" spcCol="0" rtlCol="0" fromWordArt="0" anchor="ctr" anchorCtr="0" forceAA="0" compatLnSpc="1">
+            <a:prstTxWarp prst="textNoShape">
+              <a:avLst/>
+            </a:prstTxWarp>
+            <a:noAutofit/>
+          </a:bodyPr>
+          <a:lstStyle/>
+          <a:p>
+            <a:pPr algn="ctr" defTabSz="914061" fontAlgn="base">
+              <a:spcBef>
+                <a:spcPct val="0"/>
+              </a:spcBef>
+              <a:spcAft>
+                <a:spcPct val="0"/>
+              </a:spcAft>
+              <a:defRPr/>
+            </a:pPr>
+            <a:r>
+              <a:rPr lang="en-US" sz="3600" b="1" kern="0" spc="-51" dirty="0">
+                <a:gradFill>
+                  <a:gsLst>
+                    <a:gs pos="0">
+                      <a:srgbClr val="FFFFFF"/>
+                    </a:gs>
+                    <a:gs pos="100000">
+                      <a:srgbClr val="FFFFFF"/>
+                    </a:gs>
+                  </a:gsLst>
+                  <a:lin ang="5400000" scaled="0"/>
+                </a:gradFill>
+                <a:latin typeface="Segoe UI Light" panose="020B0502040204020203" pitchFamily="34" charset="0"/>
+                <a:ea typeface="Segoe UI" pitchFamily="34" charset="0"/>
+                <a:cs typeface="Segoe UI" pitchFamily="34" charset="0"/>
+              </a:rPr>
+              <a:t>Web</a:t>
+            </a:r>
+          </a:p>
+          <a:p>
+            <a:pPr algn="ctr" defTabSz="914061" fontAlgn="base">
+              <a:spcBef>
+                <a:spcPct val="0"/>
+              </a:spcBef>
+              <a:spcAft>
+                <a:spcPct val="0"/>
+              </a:spcAft>
+              <a:defRPr/>
+            </a:pPr>
+            <a:r>
+              <a:rPr lang="en-US" sz="3600" b="1" kern="0" spc="-51" dirty="0">
+                <a:gradFill>
+                  <a:gsLst>
+                    <a:gs pos="0">
+                      <a:srgbClr val="FFFFFF"/>
+                    </a:gs>
+                    <a:gs pos="100000">
+                      <a:srgbClr val="FFFFFF"/>
+                    </a:gs>
+                  </a:gsLst>
+                  <a:lin ang="5400000" scaled="0"/>
+                </a:gradFill>
+                <a:latin typeface="Segoe UI Light" panose="020B0502040204020203" pitchFamily="34" charset="0"/>
+                <a:ea typeface="Segoe UI" pitchFamily="34" charset="0"/>
+                <a:cs typeface="Segoe UI" pitchFamily="34" charset="0"/>
+              </a:rPr>
+              <a:t>Forms</a:t>
+            </a:r>
+            <a:endParaRPr lang="en-US" sz="3600" kern="0" spc="-51" dirty="0">
+              <a:gradFill>
+                <a:gsLst>
+                  <a:gs pos="0">
+                    <a:srgbClr val="FFFFFF"/>
+                  </a:gs>
+                  <a:gs pos="100000">
+                    <a:srgbClr val="FFFFFF"/>
+                  </a:gs>
+                </a:gsLst>
+                <a:lin ang="5400000" scaled="0"/>
+              </a:gradFill>
+              <a:latin typeface="Segoe UI Light" panose="020B0502040204020203" pitchFamily="34" charset="0"/>
+              <a:ea typeface="Segoe UI" pitchFamily="34" charset="0"/>
+              <a:cs typeface="Segoe UI" pitchFamily="34" charset="0"/>
+            </a:endParaRPr>
+          </a:p>
+        </p:txBody>
+      </p:sp>
+      <p:sp>
+        <p:nvSpPr>
+          <p:cNvPr id="11" name="Rectangle 10"/>
+          <p:cNvSpPr/>
+          <p:nvPr/>
+        </p:nvSpPr>
+        <p:spPr bwMode="gray">
+          <a:xfrm>
+            <a:off x="736600" y="1507522"/>
+            <a:ext cx="6587067" cy="1528363"/>
+          </a:xfrm>
+          <a:prstGeom prst="rect">
+            <a:avLst/>
+          </a:prstGeom>
+          <a:solidFill>
+            <a:srgbClr val="00B0F0"/>
+          </a:solidFill>
+          <a:ln w="9525" cap="flat" cmpd="sng" algn="ctr">
+            <a:noFill/>
+            <a:prstDash val="solid"/>
+            <a:headEnd type="none" w="med" len="med"/>
+            <a:tailEnd type="none" w="med" len="med"/>
+          </a:ln>
+          <a:effectLst/>
+        </p:spPr>
+        <p:txBody>
+          <a:bodyPr rot="0" spcFirstLastPara="0" vertOverflow="overflow" horzOverflow="overflow" vert="horz" wrap="square" lIns="45719" tIns="45719" rIns="45719" bIns="45719" numCol="1" spcCol="0" rtlCol="0" fromWordArt="0" anchor="ctr" anchorCtr="0" forceAA="0" compatLnSpc="1">
+            <a:prstTxWarp prst="textNoShape">
+              <a:avLst/>
+            </a:prstTxWarp>
+            <a:noAutofit/>
+          </a:bodyPr>
+          <a:lstStyle/>
+          <a:p>
+            <a:pPr algn="ctr" defTabSz="914061" fontAlgn="base">
+              <a:spcBef>
+                <a:spcPct val="0"/>
+              </a:spcBef>
+              <a:spcAft>
+                <a:spcPct val="0"/>
+              </a:spcAft>
+              <a:defRPr/>
+            </a:pPr>
+            <a:r>
+              <a:rPr lang="en-US" sz="5400" b="1" kern="0" spc="-51" dirty="0">
+                <a:gradFill>
+                  <a:gsLst>
+                    <a:gs pos="0">
+                      <a:srgbClr val="FFFFFF"/>
+                    </a:gs>
+                    <a:gs pos="100000">
+                      <a:srgbClr val="FFFFFF"/>
+                    </a:gs>
+                  </a:gsLst>
+                  <a:lin ang="5400000" scaled="0"/>
+                </a:gradFill>
+                <a:latin typeface="Segoe UI Light" panose="020B0502040204020203" pitchFamily="34" charset="0"/>
+                <a:ea typeface="Segoe UI" pitchFamily="34" charset="0"/>
+                <a:cs typeface="Segoe UI" pitchFamily="34" charset="0"/>
+              </a:rPr>
+              <a:t>Sites</a:t>
+            </a:r>
+            <a:endParaRPr lang="en-US" sz="5400" kern="0" spc="-51" dirty="0">
+              <a:gradFill>
+                <a:gsLst>
+                  <a:gs pos="0">
+                    <a:srgbClr val="FFFFFF"/>
+                  </a:gs>
+                  <a:gs pos="100000">
+                    <a:srgbClr val="FFFFFF"/>
+                  </a:gs>
+                </a:gsLst>
+                <a:lin ang="5400000" scaled="0"/>
+              </a:gradFill>
+              <a:latin typeface="Segoe UI Light" panose="020B0502040204020203" pitchFamily="34" charset="0"/>
+              <a:ea typeface="Segoe UI" pitchFamily="34" charset="0"/>
+              <a:cs typeface="Segoe UI" pitchFamily="34" charset="0"/>
+            </a:endParaRPr>
+          </a:p>
+        </p:txBody>
+      </p:sp>
+      <p:sp>
+        <p:nvSpPr>
+          <p:cNvPr id="12" name="Rectangle 11"/>
+          <p:cNvSpPr/>
+          <p:nvPr/>
+        </p:nvSpPr>
+        <p:spPr bwMode="gray">
+          <a:xfrm>
+            <a:off x="2493327" y="3143425"/>
+            <a:ext cx="1621903" cy="1445937"/>
+          </a:xfrm>
+          <a:prstGeom prst="rect">
+            <a:avLst/>
+          </a:prstGeom>
+          <a:solidFill>
+            <a:srgbClr val="00B050"/>
+          </a:solidFill>
+          <a:ln w="9525" cap="flat" cmpd="sng" algn="ctr">
+            <a:noFill/>
+            <a:prstDash val="solid"/>
+            <a:headEnd type="none" w="med" len="med"/>
+            <a:tailEnd type="none" w="med" len="med"/>
+          </a:ln>
+          <a:effectLst/>
+        </p:spPr>
+        <p:txBody>
+          <a:bodyPr rot="0" spcFirstLastPara="0" vertOverflow="overflow" horzOverflow="overflow" vert="horz" wrap="square" lIns="45719" tIns="45719" rIns="45719" bIns="45719" numCol="1" spcCol="0" rtlCol="0" fromWordArt="0" anchor="ctr" anchorCtr="0" forceAA="0" compatLnSpc="1">
+            <a:prstTxWarp prst="textNoShape">
+              <a:avLst/>
+            </a:prstTxWarp>
+            <a:noAutofit/>
+          </a:bodyPr>
+          <a:lstStyle/>
+          <a:p>
+            <a:pPr algn="ctr" defTabSz="914061" fontAlgn="base">
+              <a:spcBef>
+                <a:spcPct val="0"/>
+              </a:spcBef>
+              <a:spcAft>
+                <a:spcPct val="0"/>
+              </a:spcAft>
+              <a:defRPr/>
+            </a:pPr>
+            <a:r>
+              <a:rPr lang="en-US" sz="3600" b="1" kern="0" spc="-51" dirty="0">
+                <a:gradFill>
+                  <a:gsLst>
+                    <a:gs pos="0">
+                      <a:srgbClr val="FFFFFF"/>
+                    </a:gs>
+                    <a:gs pos="100000">
+                      <a:srgbClr val="FFFFFF"/>
+                    </a:gs>
+                  </a:gsLst>
+                  <a:lin ang="5400000" scaled="0"/>
+                </a:gradFill>
+                <a:latin typeface="Segoe UI Light" panose="020B0502040204020203" pitchFamily="34" charset="0"/>
+                <a:ea typeface="Segoe UI" pitchFamily="34" charset="0"/>
+                <a:cs typeface="Segoe UI" pitchFamily="34" charset="0"/>
+              </a:rPr>
+              <a:t>Web</a:t>
+            </a:r>
+          </a:p>
+          <a:p>
+            <a:pPr algn="ctr" defTabSz="914061" fontAlgn="base">
+              <a:spcBef>
+                <a:spcPct val="0"/>
+              </a:spcBef>
+              <a:spcAft>
+                <a:spcPct val="0"/>
+              </a:spcAft>
+              <a:defRPr/>
+            </a:pPr>
+            <a:r>
+              <a:rPr lang="en-US" sz="3600" b="1" kern="0" spc="-51" dirty="0">
+                <a:gradFill>
+                  <a:gsLst>
+                    <a:gs pos="0">
+                      <a:srgbClr val="FFFFFF"/>
+                    </a:gs>
+                    <a:gs pos="100000">
+                      <a:srgbClr val="FFFFFF"/>
+                    </a:gs>
+                  </a:gsLst>
+                  <a:lin ang="5400000" scaled="0"/>
+                </a:gradFill>
+                <a:latin typeface="Segoe UI Light" panose="020B0502040204020203" pitchFamily="34" charset="0"/>
+                <a:ea typeface="Segoe UI" pitchFamily="34" charset="0"/>
+                <a:cs typeface="Segoe UI" pitchFamily="34" charset="0"/>
+              </a:rPr>
+              <a:t>Pages</a:t>
+            </a:r>
+            <a:endParaRPr lang="en-US" sz="3600" kern="0" spc="-51" dirty="0">
+              <a:gradFill>
+                <a:gsLst>
+                  <a:gs pos="0">
+                    <a:srgbClr val="FFFFFF"/>
+                  </a:gs>
+                  <a:gs pos="100000">
+                    <a:srgbClr val="FFFFFF"/>
+                  </a:gs>
+                </a:gsLst>
+                <a:lin ang="5400000" scaled="0"/>
+              </a:gradFill>
+              <a:latin typeface="Segoe UI Light" panose="020B0502040204020203" pitchFamily="34" charset="0"/>
+              <a:ea typeface="Segoe UI" pitchFamily="34" charset="0"/>
+              <a:cs typeface="Segoe UI" pitchFamily="34" charset="0"/>
+            </a:endParaRPr>
+          </a:p>
+        </p:txBody>
+      </p:sp>
+      <p:sp>
+        <p:nvSpPr>
+          <p:cNvPr id="13" name="Rectangle 12"/>
+          <p:cNvSpPr/>
+          <p:nvPr/>
+        </p:nvSpPr>
+        <p:spPr bwMode="gray">
+          <a:xfrm>
+            <a:off x="4250051" y="3143425"/>
+            <a:ext cx="5135353" cy="608978"/>
+          </a:xfrm>
+          <a:prstGeom prst="rect">
+            <a:avLst/>
+          </a:prstGeom>
+          <a:solidFill>
+            <a:srgbClr val="00B050"/>
+          </a:solidFill>
+          <a:ln w="9525" cap="flat" cmpd="sng" algn="ctr">
+            <a:noFill/>
+            <a:prstDash val="solid"/>
+            <a:headEnd type="none" w="med" len="med"/>
+            <a:tailEnd type="none" w="med" len="med"/>
+          </a:ln>
+          <a:effectLst/>
+        </p:spPr>
+        <p:txBody>
+          <a:bodyPr rot="0" spcFirstLastPara="0" vertOverflow="overflow" horzOverflow="overflow" vert="horz" wrap="square" lIns="45719" tIns="45719" rIns="45719" bIns="45719" numCol="1" spcCol="0" rtlCol="0" fromWordArt="0" anchor="ctr" anchorCtr="0" forceAA="0" compatLnSpc="1">
+            <a:prstTxWarp prst="textNoShape">
+              <a:avLst/>
+            </a:prstTxWarp>
+            <a:noAutofit/>
+          </a:bodyPr>
+          <a:lstStyle/>
+          <a:p>
+            <a:pPr algn="ctr" defTabSz="914061" fontAlgn="base">
+              <a:spcBef>
+                <a:spcPct val="0"/>
+              </a:spcBef>
+              <a:spcAft>
+                <a:spcPct val="0"/>
+              </a:spcAft>
+              <a:defRPr/>
+            </a:pPr>
+            <a:r>
+              <a:rPr lang="en-US" sz="3600" b="1" kern="0" spc="-51" dirty="0">
+                <a:gradFill>
+                  <a:gsLst>
+                    <a:gs pos="0">
+                      <a:srgbClr val="FFFFFF"/>
+                    </a:gs>
+                    <a:gs pos="100000">
+                      <a:srgbClr val="FFFFFF"/>
+                    </a:gs>
+                  </a:gsLst>
+                  <a:lin ang="5400000" scaled="0"/>
+                </a:gradFill>
+                <a:latin typeface="Segoe UI Light" panose="020B0502040204020203" pitchFamily="34" charset="0"/>
+                <a:ea typeface="Segoe UI" pitchFamily="34" charset="0"/>
+                <a:cs typeface="Segoe UI" pitchFamily="34" charset="0"/>
+              </a:rPr>
+              <a:t>Single Page Apps</a:t>
+            </a:r>
+            <a:endParaRPr lang="en-US" sz="3600" kern="0" spc="-51" dirty="0">
+              <a:gradFill>
+                <a:gsLst>
+                  <a:gs pos="0">
+                    <a:srgbClr val="FFFFFF"/>
+                  </a:gs>
+                  <a:gs pos="100000">
+                    <a:srgbClr val="FFFFFF"/>
+                  </a:gs>
+                </a:gsLst>
+                <a:lin ang="5400000" scaled="0"/>
+              </a:gradFill>
+              <a:latin typeface="Segoe UI Light" panose="020B0502040204020203" pitchFamily="34" charset="0"/>
+              <a:ea typeface="Segoe UI" pitchFamily="34" charset="0"/>
+              <a:cs typeface="Segoe UI" pitchFamily="34" charset="0"/>
+            </a:endParaRPr>
+          </a:p>
+        </p:txBody>
+      </p:sp>
+      <p:sp>
+        <p:nvSpPr>
+          <p:cNvPr id="14" name="Rectangle 13"/>
+          <p:cNvSpPr/>
+          <p:nvPr/>
+        </p:nvSpPr>
+        <p:spPr bwMode="gray">
+          <a:xfrm>
+            <a:off x="4250052" y="3859945"/>
+            <a:ext cx="3073615" cy="729417"/>
+          </a:xfrm>
+          <a:prstGeom prst="rect">
+            <a:avLst/>
+          </a:prstGeom>
+          <a:solidFill>
+            <a:srgbClr val="00B050"/>
+          </a:solidFill>
+          <a:ln w="9525" cap="flat" cmpd="sng" algn="ctr">
+            <a:noFill/>
+            <a:prstDash val="solid"/>
+            <a:headEnd type="none" w="med" len="med"/>
+            <a:tailEnd type="none" w="med" len="med"/>
+          </a:ln>
+          <a:effectLst/>
+        </p:spPr>
+        <p:txBody>
+          <a:bodyPr rot="0" spcFirstLastPara="0" vertOverflow="overflow" horzOverflow="overflow" vert="horz" wrap="square" lIns="45719" tIns="45719" rIns="45719" bIns="45719" numCol="1" spcCol="0" rtlCol="0" fromWordArt="0" anchor="ctr" anchorCtr="0" forceAA="0" compatLnSpc="1">
+            <a:prstTxWarp prst="textNoShape">
+              <a:avLst/>
+            </a:prstTxWarp>
+            <a:noAutofit/>
+          </a:bodyPr>
+          <a:lstStyle/>
+          <a:p>
+            <a:pPr algn="ctr" defTabSz="914061" fontAlgn="base">
+              <a:spcBef>
+                <a:spcPct val="0"/>
+              </a:spcBef>
+              <a:spcAft>
+                <a:spcPct val="0"/>
+              </a:spcAft>
+              <a:defRPr/>
+            </a:pPr>
+            <a:r>
+              <a:rPr lang="en-US" sz="3600" b="1" kern="0" spc="-51" dirty="0">
+                <a:gradFill>
+                  <a:gsLst>
+                    <a:gs pos="0">
+                      <a:srgbClr val="FFFFFF"/>
+                    </a:gs>
+                    <a:gs pos="100000">
+                      <a:srgbClr val="FFFFFF"/>
+                    </a:gs>
+                  </a:gsLst>
+                  <a:lin ang="5400000" scaled="0"/>
+                </a:gradFill>
+                <a:latin typeface="Segoe UI Light" panose="020B0502040204020203" pitchFamily="34" charset="0"/>
+                <a:ea typeface="Segoe UI" pitchFamily="34" charset="0"/>
+                <a:cs typeface="Segoe UI" pitchFamily="34" charset="0"/>
+              </a:rPr>
+              <a:t>MVC</a:t>
+            </a:r>
+            <a:endParaRPr lang="en-US" sz="3600" kern="0" spc="-51" dirty="0">
+              <a:gradFill>
+                <a:gsLst>
+                  <a:gs pos="0">
+                    <a:srgbClr val="FFFFFF"/>
+                  </a:gs>
+                  <a:gs pos="100000">
+                    <a:srgbClr val="FFFFFF"/>
+                  </a:gs>
+                </a:gsLst>
+                <a:lin ang="5400000" scaled="0"/>
+              </a:gradFill>
+              <a:latin typeface="Segoe UI Light" panose="020B0502040204020203" pitchFamily="34" charset="0"/>
+              <a:ea typeface="Segoe UI" pitchFamily="34" charset="0"/>
+              <a:cs typeface="Segoe UI" pitchFamily="34" charset="0"/>
+            </a:endParaRPr>
+          </a:p>
+        </p:txBody>
+      </p:sp>
+      <p:sp>
+        <p:nvSpPr>
+          <p:cNvPr id="15" name="Rectangle 14"/>
+          <p:cNvSpPr/>
+          <p:nvPr/>
+        </p:nvSpPr>
+        <p:spPr bwMode="gray">
+          <a:xfrm>
+            <a:off x="7458490" y="3859945"/>
+            <a:ext cx="1926916" cy="729417"/>
+          </a:xfrm>
+          <a:prstGeom prst="rect">
+            <a:avLst/>
+          </a:prstGeom>
+          <a:solidFill>
+            <a:srgbClr val="00B050"/>
+          </a:solidFill>
+          <a:ln w="9525" cap="flat" cmpd="sng" algn="ctr">
+            <a:noFill/>
+            <a:prstDash val="solid"/>
+            <a:headEnd type="none" w="med" len="med"/>
+            <a:tailEnd type="none" w="med" len="med"/>
+          </a:ln>
+          <a:effectLst/>
+        </p:spPr>
+        <p:txBody>
+          <a:bodyPr rot="0" spcFirstLastPara="0" vertOverflow="overflow" horzOverflow="overflow" vert="horz" wrap="square" lIns="45719" tIns="45719" rIns="45719" bIns="45719" numCol="1" spcCol="0" rtlCol="0" fromWordArt="0" anchor="ctr" anchorCtr="0" forceAA="0" compatLnSpc="1">
+            <a:prstTxWarp prst="textNoShape">
+              <a:avLst/>
+            </a:prstTxWarp>
+            <a:noAutofit/>
+          </a:bodyPr>
+          <a:lstStyle/>
+          <a:p>
+            <a:pPr algn="ctr" defTabSz="914061" fontAlgn="base">
+              <a:spcBef>
+                <a:spcPct val="0"/>
+              </a:spcBef>
+              <a:spcAft>
+                <a:spcPct val="0"/>
+              </a:spcAft>
+              <a:defRPr/>
+            </a:pPr>
+            <a:r>
+              <a:rPr lang="en-US" sz="3200" b="1" kern="0" spc="-51" dirty="0">
+                <a:gradFill>
+                  <a:gsLst>
+                    <a:gs pos="0">
+                      <a:srgbClr val="FFFFFF"/>
+                    </a:gs>
+                    <a:gs pos="100000">
+                      <a:srgbClr val="FFFFFF"/>
+                    </a:gs>
+                  </a:gsLst>
+                  <a:lin ang="5400000" scaled="0"/>
+                </a:gradFill>
+                <a:latin typeface="Segoe UI Light" panose="020B0502040204020203" pitchFamily="34" charset="0"/>
+                <a:ea typeface="Segoe UI" pitchFamily="34" charset="0"/>
+                <a:cs typeface="Segoe UI" pitchFamily="34" charset="0"/>
+              </a:rPr>
+              <a:t>Web API</a:t>
+            </a:r>
+            <a:endParaRPr lang="en-US" sz="3200" kern="0" spc="-51" dirty="0">
+              <a:gradFill>
+                <a:gsLst>
+                  <a:gs pos="0">
+                    <a:srgbClr val="FFFFFF"/>
+                  </a:gs>
+                  <a:gs pos="100000">
+                    <a:srgbClr val="FFFFFF"/>
+                  </a:gs>
+                </a:gsLst>
+                <a:lin ang="5400000" scaled="0"/>
+              </a:gradFill>
+              <a:latin typeface="Segoe UI Light" panose="020B0502040204020203" pitchFamily="34" charset="0"/>
+              <a:ea typeface="Segoe UI" pitchFamily="34" charset="0"/>
+              <a:cs typeface="Segoe UI" pitchFamily="34" charset="0"/>
+            </a:endParaRPr>
+          </a:p>
+        </p:txBody>
+      </p:sp>
+      <p:sp>
+        <p:nvSpPr>
+          <p:cNvPr id="16" name="Rectangle 15"/>
+          <p:cNvSpPr/>
+          <p:nvPr/>
+        </p:nvSpPr>
+        <p:spPr bwMode="gray">
+          <a:xfrm>
+            <a:off x="9520230" y="3143425"/>
+            <a:ext cx="1621903" cy="1445937"/>
+          </a:xfrm>
+          <a:prstGeom prst="rect">
+            <a:avLst/>
+          </a:prstGeom>
+          <a:solidFill>
+            <a:srgbClr val="00B050"/>
+          </a:solidFill>
+          <a:ln w="9525" cap="flat" cmpd="sng" algn="ctr">
+            <a:noFill/>
+            <a:prstDash val="solid"/>
+            <a:headEnd type="none" w="med" len="med"/>
+            <a:tailEnd type="none" w="med" len="med"/>
+          </a:ln>
+          <a:effectLst/>
+        </p:spPr>
+        <p:txBody>
+          <a:bodyPr rot="0" spcFirstLastPara="0" vertOverflow="overflow" horzOverflow="overflow" vert="horz" wrap="square" lIns="45719" tIns="45719" rIns="45719" bIns="45719" numCol="1" spcCol="0" rtlCol="0" fromWordArt="0" anchor="ctr" anchorCtr="0" forceAA="0" compatLnSpc="1">
+            <a:prstTxWarp prst="textNoShape">
+              <a:avLst/>
+            </a:prstTxWarp>
+            <a:noAutofit/>
+          </a:bodyPr>
+          <a:lstStyle/>
+          <a:p>
+            <a:pPr algn="ctr" defTabSz="914061" fontAlgn="base">
+              <a:spcBef>
+                <a:spcPct val="0"/>
+              </a:spcBef>
+              <a:spcAft>
+                <a:spcPct val="0"/>
+              </a:spcAft>
+              <a:defRPr/>
+            </a:pPr>
+            <a:r>
+              <a:rPr lang="en-US" sz="3600" b="1" kern="0" spc="-51" dirty="0">
+                <a:gradFill>
+                  <a:gsLst>
+                    <a:gs pos="0">
+                      <a:srgbClr val="FFFFFF"/>
+                    </a:gs>
+                    <a:gs pos="100000">
+                      <a:srgbClr val="FFFFFF"/>
+                    </a:gs>
+                  </a:gsLst>
+                  <a:lin ang="5400000" scaled="0"/>
+                </a:gradFill>
+                <a:latin typeface="Segoe UI Light" panose="020B0502040204020203" pitchFamily="34" charset="0"/>
+                <a:ea typeface="Segoe UI" pitchFamily="34" charset="0"/>
+                <a:cs typeface="Segoe UI" pitchFamily="34" charset="0"/>
+              </a:rPr>
+              <a:t>SignalR</a:t>
+            </a:r>
+            <a:endParaRPr lang="en-US" sz="3600" kern="0" spc="-51" dirty="0">
+              <a:gradFill>
+                <a:gsLst>
+                  <a:gs pos="0">
+                    <a:srgbClr val="FFFFFF"/>
+                  </a:gs>
+                  <a:gs pos="100000">
+                    <a:srgbClr val="FFFFFF"/>
+                  </a:gs>
+                </a:gsLst>
+                <a:lin ang="5400000" scaled="0"/>
+              </a:gradFill>
+              <a:latin typeface="Segoe UI Light" panose="020B0502040204020203" pitchFamily="34" charset="0"/>
+              <a:ea typeface="Segoe UI" pitchFamily="34" charset="0"/>
+              <a:cs typeface="Segoe UI" pitchFamily="34" charset="0"/>
+            </a:endParaRPr>
+          </a:p>
+        </p:txBody>
+      </p:sp>
+      <p:sp>
+        <p:nvSpPr>
+          <p:cNvPr id="17" name="Rectangle 16"/>
+          <p:cNvSpPr/>
+          <p:nvPr/>
+        </p:nvSpPr>
+        <p:spPr bwMode="gray">
+          <a:xfrm>
+            <a:off x="7458491" y="1507523"/>
+            <a:ext cx="3683642" cy="1528363"/>
+          </a:xfrm>
+          <a:prstGeom prst="rect">
+            <a:avLst/>
+          </a:prstGeom>
+          <a:solidFill>
+            <a:srgbClr val="00B0F0"/>
+          </a:solidFill>
+          <a:ln w="9525" cap="flat" cmpd="sng" algn="ctr">
+            <a:noFill/>
+            <a:prstDash val="solid"/>
+            <a:headEnd type="none" w="med" len="med"/>
+            <a:tailEnd type="none" w="med" len="med"/>
+          </a:ln>
+          <a:effectLst/>
+        </p:spPr>
+        <p:txBody>
+          <a:bodyPr rot="0" spcFirstLastPara="0" vertOverflow="overflow" horzOverflow="overflow" vert="horz" wrap="square" lIns="45719" tIns="45719" rIns="45719" bIns="45719" numCol="1" spcCol="0" rtlCol="0" fromWordArt="0" anchor="ctr" anchorCtr="0" forceAA="0" compatLnSpc="1">
+            <a:prstTxWarp prst="textNoShape">
+              <a:avLst/>
+            </a:prstTxWarp>
+            <a:noAutofit/>
+          </a:bodyPr>
+          <a:lstStyle/>
+          <a:p>
+            <a:pPr algn="ctr" defTabSz="914061" fontAlgn="base">
+              <a:spcBef>
+                <a:spcPct val="0"/>
+              </a:spcBef>
+              <a:spcAft>
+                <a:spcPct val="0"/>
+              </a:spcAft>
+              <a:defRPr/>
+            </a:pPr>
+            <a:r>
+              <a:rPr lang="en-US" sz="5400" b="1" kern="0" spc="-51" dirty="0">
+                <a:gradFill>
+                  <a:gsLst>
+                    <a:gs pos="0">
+                      <a:srgbClr val="FFFFFF"/>
+                    </a:gs>
+                    <a:gs pos="100000">
+                      <a:srgbClr val="FFFFFF"/>
+                    </a:gs>
+                  </a:gsLst>
+                  <a:lin ang="5400000" scaled="0"/>
+                </a:gradFill>
+                <a:latin typeface="Segoe UI Light" panose="020B0502040204020203" pitchFamily="34" charset="0"/>
+                <a:ea typeface="Segoe UI" pitchFamily="34" charset="0"/>
+                <a:cs typeface="Segoe UI" pitchFamily="34" charset="0"/>
+              </a:rPr>
+              <a:t>Services</a:t>
+            </a:r>
+            <a:endParaRPr lang="en-US" sz="5400" kern="0" spc="-51" dirty="0">
+              <a:gradFill>
+                <a:gsLst>
+                  <a:gs pos="0">
+                    <a:srgbClr val="FFFFFF"/>
+                  </a:gs>
+                  <a:gs pos="100000">
+                    <a:srgbClr val="FFFFFF"/>
+                  </a:gs>
+                </a:gsLst>
+                <a:lin ang="5400000" scaled="0"/>
+              </a:gradFill>
+              <a:latin typeface="Segoe UI Light" panose="020B0502040204020203" pitchFamily="34" charset="0"/>
+              <a:ea typeface="Segoe UI" pitchFamily="34" charset="0"/>
+              <a:cs typeface="Segoe UI" pitchFamily="34" charset="0"/>
+            </a:endParaRPr>
+          </a:p>
+        </p:txBody>
+      </p:sp>
+    </p:spTree>
+    <p:extLst>
+      <p:ext uri="{BB962C8B-B14F-4D97-AF65-F5344CB8AC3E}">
+        <p14:creationId xmlns:p14="http://schemas.microsoft.com/office/powerpoint/2010/main" val="2858259401"/>
+      </p:ext>
+    </p:extLst>
+  </p:cSld>
+  <p:clrMapOvr>
+    <a:masterClrMapping/>
+  </p:clrMapOvr>
+</p:sld>
+</file>
+
+<file path=ppt/slides/slide6.xml><?xml version="1.0" encoding="utf-8"?>
+<p:sld xmlns:a="http://schemas.openxmlformats.org/drawingml/2006/main" xmlns:r="http://schemas.openxmlformats.org/officeDocument/2006/relationships" xmlns:p="http://schemas.openxmlformats.org/presentationml/2006/main">
+  <p:cSld>
+    <p:spTree>
+      <p:nvGrpSpPr>
+        <p:cNvPr id="1" name=""/>
+        <p:cNvGrpSpPr/>
+        <p:nvPr/>
+      </p:nvGrpSpPr>
+      <p:grpSpPr>
+        <a:xfrm>
+          <a:off x="0" y="0"/>
+          <a:ext cx="0" cy="0"/>
+          <a:chOff x="0" y="0"/>
+          <a:chExt cx="0" cy="0"/>
+        </a:xfrm>
+      </p:grpSpPr>
+      <p:sp>
+        <p:nvSpPr>
+          <p:cNvPr id="2" name="Title 1"/>
+          <p:cNvSpPr>
+            <a:spLocks noGrp="1"/>
+          </p:cNvSpPr>
+          <p:nvPr>
+            <p:ph type="title"/>
+          </p:nvPr>
+        </p:nvSpPr>
+        <p:spPr>
+          <a:xfrm>
             <a:off x="725424" y="2017957"/>
             <a:ext cx="3285744" cy="2115131"/>
           </a:xfrm>
@@ -21014,7 +21256,7 @@
 </p:sld>
 </file>
 
-<file path=ppt/slides/slide6.xml><?xml version="1.0" encoding="utf-8"?>
+<file path=ppt/slides/slide7.xml><?xml version="1.0" encoding="utf-8"?>
 <p:sld xmlns:a="http://schemas.openxmlformats.org/drawingml/2006/main" xmlns:r="http://schemas.openxmlformats.org/officeDocument/2006/relationships" xmlns:p="http://schemas.openxmlformats.org/presentationml/2006/main">
   <p:cSld>
     <p:spTree>
@@ -21134,7 +21376,7 @@
 </p:sld>
 </file>
 
-<file path=ppt/slides/slide7.xml><?xml version="1.0" encoding="utf-8"?>
+<file path=ppt/slides/slide8.xml><?xml version="1.0" encoding="utf-8"?>
 <p:sld xmlns:a="http://schemas.openxmlformats.org/drawingml/2006/main" xmlns:r="http://schemas.openxmlformats.org/officeDocument/2006/relationships" xmlns:p="http://schemas.openxmlformats.org/presentationml/2006/main">
   <p:cSld>
     <p:spTree>
@@ -21234,88 +21476,6 @@
     <p:extLst>
       <p:ext uri="{BB962C8B-B14F-4D97-AF65-F5344CB8AC3E}">
         <p14:creationId xmlns:p14="http://schemas.microsoft.com/office/powerpoint/2010/main" val="626201613"/>
-      </p:ext>
-    </p:extLst>
-  </p:cSld>
-  <p:clrMapOvr>
-    <a:masterClrMapping/>
-  </p:clrMapOvr>
-</p:sld>
-</file>
-
-<file path=ppt/slides/slide8.xml><?xml version="1.0" encoding="utf-8"?>
-<p:sld xmlns:a="http://schemas.openxmlformats.org/drawingml/2006/main" xmlns:r="http://schemas.openxmlformats.org/officeDocument/2006/relationships" xmlns:p="http://schemas.openxmlformats.org/presentationml/2006/main">
-  <p:cSld>
-    <p:spTree>
-      <p:nvGrpSpPr>
-        <p:cNvPr id="1" name=""/>
-        <p:cNvGrpSpPr/>
-        <p:nvPr/>
-      </p:nvGrpSpPr>
-      <p:grpSpPr>
-        <a:xfrm>
-          <a:off x="0" y="0"/>
-          <a:ext cx="0" cy="0"/>
-          <a:chOff x="0" y="0"/>
-          <a:chExt cx="0" cy="0"/>
-        </a:xfrm>
-      </p:grpSpPr>
-      <p:sp>
-        <p:nvSpPr>
-          <p:cNvPr id="2" name="Title 1"/>
-          <p:cNvSpPr>
-            <a:spLocks noGrp="1"/>
-          </p:cNvSpPr>
-          <p:nvPr>
-            <p:ph type="title"/>
-          </p:nvPr>
-        </p:nvSpPr>
-        <p:spPr/>
-        <p:txBody>
-          <a:bodyPr/>
-          <a:lstStyle/>
-          <a:p>
-            <a:r>
-              <a:rPr lang="en-US" dirty="0" smtClean="0"/>
-              <a:t>Web</a:t>
-            </a:r>
-            <a:endParaRPr lang="en-US" dirty="0"/>
-          </a:p>
-        </p:txBody>
-      </p:sp>
-      <p:sp>
-        <p:nvSpPr>
-          <p:cNvPr id="3" name="Content Placeholder 2"/>
-          <p:cNvSpPr>
-            <a:spLocks noGrp="1"/>
-          </p:cNvSpPr>
-          <p:nvPr>
-            <p:ph idx="1"/>
-          </p:nvPr>
-        </p:nvSpPr>
-        <p:spPr/>
-        <p:txBody>
-          <a:bodyPr/>
-          <a:lstStyle/>
-          <a:p>
-            <a:r>
-              <a:rPr lang="en-US" dirty="0" smtClean="0"/>
-              <a:t>Client Server</a:t>
-            </a:r>
-          </a:p>
-          <a:p>
-            <a:r>
-              <a:rPr lang="en-US" dirty="0" smtClean="0"/>
-              <a:t>Get vs Post</a:t>
-            </a:r>
-            <a:endParaRPr lang="en-US" dirty="0"/>
-          </a:p>
-        </p:txBody>
-      </p:sp>
-    </p:spTree>
-    <p:extLst>
-      <p:ext uri="{BB962C8B-B14F-4D97-AF65-F5344CB8AC3E}">
-        <p14:creationId xmlns:p14="http://schemas.microsoft.com/office/powerpoint/2010/main" val="3491458501"/>
       </p:ext>
     </p:extLst>
   </p:cSld>

--- a/Presentation/AspNetMvc.pptx
+++ b/Presentation/AspNetMvc.pptx
@@ -1552,705 +1552,6 @@
       <dsp:cNvGrpSpPr/>
     </dsp:nvGrpSpPr>
     <dsp:grpSpPr/>
-    <dsp:sp modelId="{C86777CB-B33D-4C8A-9511-C3D973658E12}">
-      <dsp:nvSpPr>
-        <dsp:cNvPr id="0" name=""/>
-        <dsp:cNvSpPr/>
-      </dsp:nvSpPr>
-      <dsp:spPr>
-        <a:xfrm>
-          <a:off x="-17" y="0"/>
-          <a:ext cx="7858794" cy="4502183"/>
-        </a:xfrm>
-        <a:prstGeom prst="swooshArrow">
-          <a:avLst>
-            <a:gd name="adj1" fmla="val 25000"/>
-            <a:gd name="adj2" fmla="val 25000"/>
-          </a:avLst>
-        </a:prstGeom>
-        <a:solidFill>
-          <a:schemeClr val="bg2">
-            <a:lumMod val="40000"/>
-            <a:lumOff val="60000"/>
-          </a:schemeClr>
-        </a:solidFill>
-        <a:ln>
-          <a:noFill/>
-        </a:ln>
-        <a:effectLst/>
-      </dsp:spPr>
-      <dsp:style>
-        <a:lnRef idx="0">
-          <a:scrgbClr r="0" g="0" b="0"/>
-        </a:lnRef>
-        <a:fillRef idx="1">
-          <a:scrgbClr r="0" g="0" b="0"/>
-        </a:fillRef>
-        <a:effectRef idx="1">
-          <a:scrgbClr r="0" g="0" b="0"/>
-        </a:effectRef>
-        <a:fontRef idx="minor"/>
-      </dsp:style>
-    </dsp:sp>
-    <dsp:sp modelId="{368BC525-FAD0-44BA-A568-518BDEDA1A3A}">
-      <dsp:nvSpPr>
-        <dsp:cNvPr id="0" name=""/>
-        <dsp:cNvSpPr/>
-      </dsp:nvSpPr>
-      <dsp:spPr>
-        <a:xfrm>
-          <a:off x="866594" y="3306951"/>
-          <a:ext cx="165680" cy="165680"/>
-        </a:xfrm>
-        <a:prstGeom prst="ellipse">
-          <a:avLst/>
-        </a:prstGeom>
-        <a:gradFill flip="none" rotWithShape="0">
-          <a:gsLst>
-            <a:gs pos="0">
-              <a:schemeClr val="accent5">
-                <a:lumMod val="0"/>
-                <a:lumOff val="100000"/>
-              </a:schemeClr>
-            </a:gs>
-            <a:gs pos="35000">
-              <a:schemeClr val="accent5">
-                <a:lumMod val="0"/>
-                <a:lumOff val="100000"/>
-              </a:schemeClr>
-            </a:gs>
-            <a:gs pos="100000">
-              <a:schemeClr val="accent5">
-                <a:lumMod val="100000"/>
-              </a:schemeClr>
-            </a:gs>
-          </a:gsLst>
-          <a:path path="circle">
-            <a:fillToRect l="50000" t="-80000" r="50000" b="180000"/>
-          </a:path>
-          <a:tileRect/>
-        </a:gradFill>
-        <a:ln>
-          <a:noFill/>
-        </a:ln>
-        <a:effectLst/>
-        <a:scene3d>
-          <a:camera prst="orthographicFront"/>
-          <a:lightRig rig="flat" dir="t"/>
-        </a:scene3d>
-        <a:sp3d prstMaterial="dkEdge">
-          <a:bevelT w="8200" h="38100"/>
-        </a:sp3d>
-      </dsp:spPr>
-      <dsp:style>
-        <a:lnRef idx="0">
-          <a:scrgbClr r="0" g="0" b="0"/>
-        </a:lnRef>
-        <a:fillRef idx="2">
-          <a:scrgbClr r="0" g="0" b="0"/>
-        </a:fillRef>
-        <a:effectRef idx="1">
-          <a:scrgbClr r="0" g="0" b="0"/>
-        </a:effectRef>
-        <a:fontRef idx="minor">
-          <a:schemeClr val="dk1"/>
-        </a:fontRef>
-      </dsp:style>
-    </dsp:sp>
-    <dsp:sp modelId="{7CB05DE3-CF21-4A41-A117-C2056143086F}">
-      <dsp:nvSpPr>
-        <dsp:cNvPr id="0" name=""/>
-        <dsp:cNvSpPr/>
-      </dsp:nvSpPr>
-      <dsp:spPr>
-        <a:xfrm>
-          <a:off x="941293" y="3531054"/>
-          <a:ext cx="1089367" cy="721325"/>
-        </a:xfrm>
-        <a:prstGeom prst="rect">
-          <a:avLst/>
-        </a:prstGeom>
-        <a:noFill/>
-        <a:ln>
-          <a:noFill/>
-        </a:ln>
-        <a:effectLst/>
-      </dsp:spPr>
-      <dsp:style>
-        <a:lnRef idx="0">
-          <a:scrgbClr r="0" g="0" b="0"/>
-        </a:lnRef>
-        <a:fillRef idx="0">
-          <a:scrgbClr r="0" g="0" b="0"/>
-        </a:fillRef>
-        <a:effectRef idx="0">
-          <a:scrgbClr r="0" g="0" b="0"/>
-        </a:effectRef>
-        <a:fontRef idx="minor"/>
-      </dsp:style>
-      <dsp:txBody>
-        <a:bodyPr spcFirstLastPara="0" vert="horz" wrap="square" lIns="87791" tIns="0" rIns="0" bIns="0" numCol="1" spcCol="1270" anchor="t" anchorCtr="0">
-          <a:noAutofit/>
-        </a:bodyPr>
-        <a:lstStyle/>
-        <a:p>
-          <a:pPr lvl="0" algn="l" defTabSz="577850">
-            <a:lnSpc>
-              <a:spcPct val="90000"/>
-            </a:lnSpc>
-            <a:spcBef>
-              <a:spcPct val="0"/>
-            </a:spcBef>
-            <a:spcAft>
-              <a:spcPct val="35000"/>
-            </a:spcAft>
-          </a:pPr>
-          <a:r>
-            <a:rPr lang="en-US" sz="1300" kern="1200" dirty="0" smtClean="0"/>
-            <a:t>ASP.NET 1.1</a:t>
-          </a:r>
-          <a:br>
-            <a:rPr lang="en-US" sz="1300" kern="1200" dirty="0" smtClean="0"/>
-          </a:br>
-          <a:r>
-            <a:rPr lang="en-US" sz="1300" kern="1200" dirty="0" smtClean="0"/>
-            <a:t>N/A</a:t>
-          </a:r>
-          <a:endParaRPr lang="en-US" sz="1300" kern="1200" dirty="0"/>
-        </a:p>
-      </dsp:txBody>
-      <dsp:txXfrm>
-        <a:off x="941293" y="3531054"/>
-        <a:ext cx="1089367" cy="721325"/>
-      </dsp:txXfrm>
-    </dsp:sp>
-    <dsp:sp modelId="{C20D409C-3E0E-401F-A17D-161E2051613C}">
-      <dsp:nvSpPr>
-        <dsp:cNvPr id="0" name=""/>
-        <dsp:cNvSpPr/>
-      </dsp:nvSpPr>
-      <dsp:spPr>
-        <a:xfrm>
-          <a:off x="1934012" y="2486105"/>
-          <a:ext cx="259325" cy="259325"/>
-        </a:xfrm>
-        <a:prstGeom prst="ellipse">
-          <a:avLst/>
-        </a:prstGeom>
-        <a:gradFill flip="none" rotWithShape="0">
-          <a:gsLst>
-            <a:gs pos="0">
-              <a:schemeClr val="accent5">
-                <a:lumMod val="0"/>
-                <a:lumOff val="100000"/>
-              </a:schemeClr>
-            </a:gs>
-            <a:gs pos="35000">
-              <a:schemeClr val="accent5">
-                <a:lumMod val="0"/>
-                <a:lumOff val="100000"/>
-              </a:schemeClr>
-            </a:gs>
-            <a:gs pos="100000">
-              <a:schemeClr val="accent5">
-                <a:lumMod val="100000"/>
-              </a:schemeClr>
-            </a:gs>
-          </a:gsLst>
-          <a:path path="circle">
-            <a:fillToRect l="50000" t="-80000" r="50000" b="180000"/>
-          </a:path>
-          <a:tileRect/>
-        </a:gradFill>
-        <a:ln>
-          <a:noFill/>
-        </a:ln>
-        <a:effectLst/>
-        <a:scene3d>
-          <a:camera prst="orthographicFront"/>
-          <a:lightRig rig="flat" dir="t"/>
-        </a:scene3d>
-        <a:sp3d prstMaterial="dkEdge">
-          <a:bevelT w="8200" h="38100"/>
-        </a:sp3d>
-      </dsp:spPr>
-      <dsp:style>
-        <a:lnRef idx="0">
-          <a:scrgbClr r="0" g="0" b="0"/>
-        </a:lnRef>
-        <a:fillRef idx="2">
-          <a:scrgbClr r="0" g="0" b="0"/>
-        </a:fillRef>
-        <a:effectRef idx="1">
-          <a:scrgbClr r="0" g="0" b="0"/>
-        </a:effectRef>
-        <a:fontRef idx="minor">
-          <a:schemeClr val="dk1"/>
-        </a:fontRef>
-      </dsp:style>
-    </dsp:sp>
-    <dsp:sp modelId="{2FAA0972-8FDA-45DF-AEB1-EB1B640F1122}">
-      <dsp:nvSpPr>
-        <dsp:cNvPr id="0" name=""/>
-        <dsp:cNvSpPr/>
-      </dsp:nvSpPr>
-      <dsp:spPr>
-        <a:xfrm>
-          <a:off x="1015454" y="1644642"/>
-          <a:ext cx="1195779" cy="840586"/>
-        </a:xfrm>
-        <a:prstGeom prst="rect">
-          <a:avLst/>
-        </a:prstGeom>
-        <a:noFill/>
-        <a:ln>
-          <a:noFill/>
-        </a:ln>
-        <a:effectLst/>
-      </dsp:spPr>
-      <dsp:style>
-        <a:lnRef idx="0">
-          <a:scrgbClr r="0" g="0" b="0"/>
-        </a:lnRef>
-        <a:fillRef idx="0">
-          <a:scrgbClr r="0" g="0" b="0"/>
-        </a:fillRef>
-        <a:effectRef idx="0">
-          <a:scrgbClr r="0" g="0" b="0"/>
-        </a:effectRef>
-        <a:fontRef idx="minor"/>
-      </dsp:style>
-      <dsp:txBody>
-        <a:bodyPr spcFirstLastPara="0" vert="horz" wrap="square" lIns="137411" tIns="0" rIns="0" bIns="0" numCol="1" spcCol="1270" anchor="t" anchorCtr="0">
-          <a:noAutofit/>
-        </a:bodyPr>
-        <a:lstStyle/>
-        <a:p>
-          <a:pPr lvl="0" algn="l" defTabSz="577850">
-            <a:lnSpc>
-              <a:spcPct val="90000"/>
-            </a:lnSpc>
-            <a:spcBef>
-              <a:spcPct val="0"/>
-            </a:spcBef>
-            <a:spcAft>
-              <a:spcPct val="35000"/>
-            </a:spcAft>
-          </a:pPr>
-          <a:r>
-            <a:rPr lang="en-US" sz="1300" kern="1200" dirty="0" smtClean="0"/>
-            <a:t>ASP.NET 2.0</a:t>
-          </a:r>
-          <a:br>
-            <a:rPr lang="en-US" sz="1300" kern="1200" dirty="0" smtClean="0"/>
-          </a:br>
-          <a:r>
-            <a:rPr lang="en-US" sz="1300" kern="1200" dirty="0" smtClean="0"/>
-            <a:t>Membership Provider</a:t>
-          </a:r>
-          <a:endParaRPr lang="en-US" sz="1300" kern="1200" dirty="0"/>
-        </a:p>
-      </dsp:txBody>
-      <dsp:txXfrm>
-        <a:off x="1015454" y="1644642"/>
-        <a:ext cx="1195779" cy="840586"/>
-      </dsp:txXfrm>
-    </dsp:sp>
-    <dsp:sp modelId="{6FBDA9B7-E5D0-4D62-BCF4-19D60FA04F50}">
-      <dsp:nvSpPr>
-        <dsp:cNvPr id="0" name=""/>
-        <dsp:cNvSpPr/>
-      </dsp:nvSpPr>
-      <dsp:spPr>
-        <a:xfrm>
-          <a:off x="3086571" y="1799072"/>
-          <a:ext cx="345767" cy="345767"/>
-        </a:xfrm>
-        <a:prstGeom prst="ellipse">
-          <a:avLst/>
-        </a:prstGeom>
-        <a:gradFill flip="none" rotWithShape="0">
-          <a:gsLst>
-            <a:gs pos="0">
-              <a:schemeClr val="accent5">
-                <a:lumMod val="0"/>
-                <a:lumOff val="100000"/>
-              </a:schemeClr>
-            </a:gs>
-            <a:gs pos="35000">
-              <a:schemeClr val="accent5">
-                <a:lumMod val="0"/>
-                <a:lumOff val="100000"/>
-              </a:schemeClr>
-            </a:gs>
-            <a:gs pos="100000">
-              <a:schemeClr val="accent5">
-                <a:lumMod val="100000"/>
-              </a:schemeClr>
-            </a:gs>
-          </a:gsLst>
-          <a:path path="circle">
-            <a:fillToRect l="50000" t="-80000" r="50000" b="180000"/>
-          </a:path>
-          <a:tileRect/>
-        </a:gradFill>
-        <a:ln>
-          <a:noFill/>
-        </a:ln>
-        <a:effectLst/>
-        <a:scene3d>
-          <a:camera prst="orthographicFront"/>
-          <a:lightRig rig="flat" dir="t"/>
-        </a:scene3d>
-        <a:sp3d prstMaterial="dkEdge">
-          <a:bevelT w="8200" h="38100"/>
-        </a:sp3d>
-      </dsp:spPr>
-      <dsp:style>
-        <a:lnRef idx="0">
-          <a:scrgbClr r="0" g="0" b="0"/>
-        </a:lnRef>
-        <a:fillRef idx="2">
-          <a:scrgbClr r="0" g="0" b="0"/>
-        </a:fillRef>
-        <a:effectRef idx="1">
-          <a:scrgbClr r="0" g="0" b="0"/>
-        </a:effectRef>
-        <a:fontRef idx="minor">
-          <a:schemeClr val="dk1"/>
-        </a:fontRef>
-      </dsp:style>
-    </dsp:sp>
-    <dsp:sp modelId="{CC6365D6-BC5A-4662-88C2-460380F95395}">
-      <dsp:nvSpPr>
-        <dsp:cNvPr id="0" name=""/>
-        <dsp:cNvSpPr/>
-      </dsp:nvSpPr>
-      <dsp:spPr>
-        <a:xfrm>
-          <a:off x="3107651" y="2410520"/>
-          <a:ext cx="1390274" cy="906074"/>
-        </a:xfrm>
-        <a:prstGeom prst="rect">
-          <a:avLst/>
-        </a:prstGeom>
-        <a:noFill/>
-        <a:ln>
-          <a:noFill/>
-        </a:ln>
-        <a:effectLst/>
-      </dsp:spPr>
-      <dsp:style>
-        <a:lnRef idx="0">
-          <a:scrgbClr r="0" g="0" b="0"/>
-        </a:lnRef>
-        <a:fillRef idx="0">
-          <a:scrgbClr r="0" g="0" b="0"/>
-        </a:fillRef>
-        <a:effectRef idx="0">
-          <a:scrgbClr r="0" g="0" b="0"/>
-        </a:effectRef>
-        <a:fontRef idx="minor"/>
-      </dsp:style>
-      <dsp:txBody>
-        <a:bodyPr spcFirstLastPara="0" vert="horz" wrap="square" lIns="183215" tIns="0" rIns="0" bIns="0" numCol="1" spcCol="1270" anchor="t" anchorCtr="0">
-          <a:noAutofit/>
-        </a:bodyPr>
-        <a:lstStyle/>
-        <a:p>
-          <a:pPr lvl="0" algn="l" defTabSz="577850">
-            <a:lnSpc>
-              <a:spcPct val="90000"/>
-            </a:lnSpc>
-            <a:spcBef>
-              <a:spcPct val="0"/>
-            </a:spcBef>
-            <a:spcAft>
-              <a:spcPct val="35000"/>
-            </a:spcAft>
-          </a:pPr>
-          <a:r>
-            <a:rPr lang="en-US" sz="1300" kern="1200" dirty="0" smtClean="0"/>
-            <a:t>ASP.NET 4</a:t>
-          </a:r>
-          <a:br>
-            <a:rPr lang="en-US" sz="1300" kern="1200" dirty="0" smtClean="0"/>
-          </a:br>
-          <a:r>
-            <a:rPr lang="en-US" sz="1300" kern="1200" dirty="0" smtClean="0"/>
-            <a:t>Simple Membership</a:t>
-          </a:r>
-        </a:p>
-      </dsp:txBody>
-      <dsp:txXfrm>
-        <a:off x="3107651" y="2410520"/>
-        <a:ext cx="1390274" cy="906074"/>
-      </dsp:txXfrm>
-    </dsp:sp>
-    <dsp:sp modelId="{238B15F4-CFF9-43D7-862E-CABB501E2892}">
-      <dsp:nvSpPr>
-        <dsp:cNvPr id="0" name=""/>
-        <dsp:cNvSpPr/>
-      </dsp:nvSpPr>
-      <dsp:spPr>
-        <a:xfrm>
-          <a:off x="4426421" y="1262412"/>
-          <a:ext cx="446616" cy="446616"/>
-        </a:xfrm>
-        <a:prstGeom prst="ellipse">
-          <a:avLst/>
-        </a:prstGeom>
-        <a:gradFill flip="none" rotWithShape="0">
-          <a:gsLst>
-            <a:gs pos="0">
-              <a:schemeClr val="accent5">
-                <a:lumMod val="0"/>
-                <a:lumOff val="100000"/>
-              </a:schemeClr>
-            </a:gs>
-            <a:gs pos="35000">
-              <a:schemeClr val="accent5">
-                <a:lumMod val="0"/>
-                <a:lumOff val="100000"/>
-              </a:schemeClr>
-            </a:gs>
-            <a:gs pos="100000">
-              <a:schemeClr val="accent5">
-                <a:lumMod val="100000"/>
-              </a:schemeClr>
-            </a:gs>
-          </a:gsLst>
-          <a:path path="circle">
-            <a:fillToRect l="50000" t="-80000" r="50000" b="180000"/>
-          </a:path>
-          <a:tileRect/>
-        </a:gradFill>
-        <a:ln>
-          <a:noFill/>
-        </a:ln>
-        <a:effectLst/>
-        <a:scene3d>
-          <a:camera prst="orthographicFront"/>
-          <a:lightRig rig="flat" dir="t"/>
-        </a:scene3d>
-        <a:sp3d prstMaterial="dkEdge">
-          <a:bevelT w="8200" h="38100"/>
-        </a:sp3d>
-      </dsp:spPr>
-      <dsp:style>
-        <a:lnRef idx="0">
-          <a:scrgbClr r="0" g="0" b="0"/>
-        </a:lnRef>
-        <a:fillRef idx="2">
-          <a:scrgbClr r="0" g="0" b="0"/>
-        </a:fillRef>
-        <a:effectRef idx="1">
-          <a:scrgbClr r="0" g="0" b="0"/>
-        </a:effectRef>
-        <a:fontRef idx="minor">
-          <a:schemeClr val="dk1"/>
-        </a:fontRef>
-      </dsp:style>
-    </dsp:sp>
-    <dsp:sp modelId="{48381EF1-0387-4E13-A84D-28EB559E8678}">
-      <dsp:nvSpPr>
-        <dsp:cNvPr id="0" name=""/>
-        <dsp:cNvSpPr/>
-      </dsp:nvSpPr>
-      <dsp:spPr>
-        <a:xfrm>
-          <a:off x="3331763" y="468282"/>
-          <a:ext cx="1834844" cy="593609"/>
-        </a:xfrm>
-        <a:prstGeom prst="rect">
-          <a:avLst/>
-        </a:prstGeom>
-        <a:noFill/>
-        <a:ln>
-          <a:noFill/>
-        </a:ln>
-        <a:effectLst/>
-      </dsp:spPr>
-      <dsp:style>
-        <a:lnRef idx="0">
-          <a:scrgbClr r="0" g="0" b="0"/>
-        </a:lnRef>
-        <a:fillRef idx="0">
-          <a:scrgbClr r="0" g="0" b="0"/>
-        </a:fillRef>
-        <a:effectRef idx="0">
-          <a:scrgbClr r="0" g="0" b="0"/>
-        </a:effectRef>
-        <a:fontRef idx="minor"/>
-      </dsp:style>
-      <dsp:txBody>
-        <a:bodyPr spcFirstLastPara="0" vert="horz" wrap="square" lIns="236653" tIns="0" rIns="0" bIns="0" numCol="1" spcCol="1270" anchor="t" anchorCtr="0">
-          <a:noAutofit/>
-        </a:bodyPr>
-        <a:lstStyle/>
-        <a:p>
-          <a:pPr lvl="0" algn="l" defTabSz="577850">
-            <a:lnSpc>
-              <a:spcPct val="90000"/>
-            </a:lnSpc>
-            <a:spcBef>
-              <a:spcPct val="0"/>
-            </a:spcBef>
-            <a:spcAft>
-              <a:spcPct val="35000"/>
-            </a:spcAft>
-          </a:pPr>
-          <a:r>
-            <a:rPr lang="en-US" sz="1300" kern="1200" dirty="0" smtClean="0"/>
-            <a:t>ASP.NET 4/4.5</a:t>
-          </a:r>
-          <a:br>
-            <a:rPr lang="en-US" sz="1300" kern="1200" dirty="0" smtClean="0"/>
-          </a:br>
-          <a:r>
-            <a:rPr lang="en-US" sz="1300" kern="1200" dirty="0" smtClean="0"/>
-            <a:t>Universal Providers</a:t>
-          </a:r>
-          <a:endParaRPr lang="en-US" sz="1300" kern="1200" dirty="0"/>
-        </a:p>
-      </dsp:txBody>
-      <dsp:txXfrm>
-        <a:off x="3331763" y="468282"/>
-        <a:ext cx="1834844" cy="593609"/>
-      </dsp:txXfrm>
-    </dsp:sp>
-    <dsp:sp modelId="{4E2663D7-ACE9-4775-AA3F-17DDBE267A56}">
-      <dsp:nvSpPr>
-        <dsp:cNvPr id="0" name=""/>
-        <dsp:cNvSpPr/>
-      </dsp:nvSpPr>
-      <dsp:spPr>
-        <a:xfrm>
-          <a:off x="5805889" y="904038"/>
-          <a:ext cx="569075" cy="569075"/>
-        </a:xfrm>
-        <a:prstGeom prst="ellipse">
-          <a:avLst/>
-        </a:prstGeom>
-        <a:gradFill flip="none" rotWithShape="0">
-          <a:gsLst>
-            <a:gs pos="0">
-              <a:schemeClr val="accent5">
-                <a:lumMod val="0"/>
-                <a:lumOff val="100000"/>
-              </a:schemeClr>
-            </a:gs>
-            <a:gs pos="35000">
-              <a:schemeClr val="accent5">
-                <a:lumMod val="0"/>
-                <a:lumOff val="100000"/>
-              </a:schemeClr>
-            </a:gs>
-            <a:gs pos="100000">
-              <a:schemeClr val="accent5">
-                <a:lumMod val="100000"/>
-              </a:schemeClr>
-            </a:gs>
-          </a:gsLst>
-          <a:path path="circle">
-            <a:fillToRect l="50000" t="-80000" r="50000" b="180000"/>
-          </a:path>
-          <a:tileRect/>
-        </a:gradFill>
-        <a:ln>
-          <a:noFill/>
-        </a:ln>
-        <a:effectLst/>
-        <a:scene3d>
-          <a:camera prst="orthographicFront"/>
-          <a:lightRig rig="flat" dir="t"/>
-        </a:scene3d>
-        <a:sp3d prstMaterial="dkEdge">
-          <a:bevelT w="8200" h="38100"/>
-        </a:sp3d>
-      </dsp:spPr>
-      <dsp:style>
-        <a:lnRef idx="0">
-          <a:scrgbClr r="0" g="0" b="0"/>
-        </a:lnRef>
-        <a:fillRef idx="2">
-          <a:scrgbClr r="0" g="0" b="0"/>
-        </a:fillRef>
-        <a:effectRef idx="1">
-          <a:scrgbClr r="0" g="0" b="0"/>
-        </a:effectRef>
-        <a:fontRef idx="minor">
-          <a:schemeClr val="dk1"/>
-        </a:fontRef>
-      </dsp:style>
-    </dsp:sp>
-    <dsp:sp modelId="{8F385B18-7ECC-490B-B267-043A6C368803}">
-      <dsp:nvSpPr>
-        <dsp:cNvPr id="0" name=""/>
-        <dsp:cNvSpPr/>
-      </dsp:nvSpPr>
-      <dsp:spPr>
-        <a:xfrm>
-          <a:off x="5423420" y="1839683"/>
-          <a:ext cx="1856815" cy="869656"/>
-        </a:xfrm>
-        <a:prstGeom prst="rect">
-          <a:avLst/>
-        </a:prstGeom>
-        <a:noFill/>
-        <a:ln>
-          <a:noFill/>
-        </a:ln>
-        <a:effectLst/>
-      </dsp:spPr>
-      <dsp:style>
-        <a:lnRef idx="0">
-          <a:scrgbClr r="0" g="0" b="0"/>
-        </a:lnRef>
-        <a:fillRef idx="0">
-          <a:scrgbClr r="0" g="0" b="0"/>
-        </a:fillRef>
-        <a:effectRef idx="0">
-          <a:scrgbClr r="0" g="0" b="0"/>
-        </a:effectRef>
-        <a:fontRef idx="minor"/>
-      </dsp:style>
-      <dsp:txBody>
-        <a:bodyPr spcFirstLastPara="0" vert="horz" wrap="square" lIns="301542" tIns="0" rIns="0" bIns="0" numCol="1" spcCol="1270" anchor="t" anchorCtr="0">
-          <a:noAutofit/>
-        </a:bodyPr>
-        <a:lstStyle/>
-        <a:p>
-          <a:pPr lvl="0" algn="l" defTabSz="577850">
-            <a:lnSpc>
-              <a:spcPct val="90000"/>
-            </a:lnSpc>
-            <a:spcBef>
-              <a:spcPct val="0"/>
-            </a:spcBef>
-            <a:spcAft>
-              <a:spcPct val="35000"/>
-            </a:spcAft>
-          </a:pPr>
-          <a:r>
-            <a:rPr lang="en-US" sz="1300" kern="1200" dirty="0" smtClean="0"/>
-            <a:t>ASP.NET 4.5</a:t>
-          </a:r>
-          <a:br>
-            <a:rPr lang="en-US" sz="1300" kern="1200" dirty="0" smtClean="0"/>
-          </a:br>
-          <a:r>
-            <a:rPr lang="en-US" sz="1300" kern="1200" dirty="0" smtClean="0"/>
-            <a:t>One ASP.NET Identity</a:t>
-          </a:r>
-          <a:endParaRPr lang="en-US" sz="1300" kern="1200" dirty="0"/>
-        </a:p>
-      </dsp:txBody>
-      <dsp:txXfrm>
-        <a:off x="5423420" y="1839683"/>
-        <a:ext cx="1856815" cy="869656"/>
-      </dsp:txXfrm>
-    </dsp:sp>
   </dsp:spTree>
 </dsp:drawing>
 </file>
@@ -10977,6 +10278,14 @@
           <a:bodyPr/>
           <a:lstStyle/>
           <a:p>
+            <a:r>
+              <a:rPr lang="en-US" dirty="0" smtClean="0"/>
+              <a:t>Eduardo </a:t>
+            </a:r>
+            <a:r>
+              <a:rPr lang="en-US" dirty="0" err="1" smtClean="0"/>
+              <a:t>silva</a:t>
+            </a:r>
             <a:endParaRPr lang="en-US" dirty="0"/>
           </a:p>
         </p:txBody>
@@ -18831,12 +18140,213 @@
             <p:ph idx="1"/>
           </p:nvPr>
         </p:nvSpPr>
-        <p:spPr/>
+        <p:spPr>
+          <a:xfrm>
+            <a:off x="646111" y="1553046"/>
+            <a:ext cx="8946541" cy="4969674"/>
+          </a:xfrm>
+        </p:spPr>
         <p:txBody>
-          <a:bodyPr/>
+          <a:bodyPr>
+            <a:normAutofit/>
+          </a:bodyPr>
           <a:lstStyle/>
           <a:p>
-            <a:endParaRPr lang="en-US"/>
+            <a:r>
+              <a:rPr lang="en-US" dirty="0" smtClean="0"/>
+              <a:t>ASP.NET 5 </a:t>
+            </a:r>
+            <a:r>
+              <a:rPr lang="en-US" dirty="0" err="1" smtClean="0"/>
+              <a:t>será</a:t>
+            </a:r>
+            <a:r>
+              <a:rPr lang="en-US" dirty="0" smtClean="0"/>
+              <a:t> </a:t>
+            </a:r>
+            <a:r>
+              <a:rPr lang="en-US" dirty="0" err="1" smtClean="0"/>
+              <a:t>multiplataforma</a:t>
+            </a:r>
+            <a:endParaRPr lang="en-US" dirty="0" smtClean="0"/>
+          </a:p>
+          <a:p>
+            <a:r>
+              <a:rPr lang="en-US" dirty="0" smtClean="0"/>
+              <a:t>Novo </a:t>
+            </a:r>
+            <a:r>
+              <a:rPr lang="en-US" dirty="0" err="1" smtClean="0"/>
+              <a:t>compilador</a:t>
+            </a:r>
+            <a:r>
+              <a:rPr lang="en-US" dirty="0" smtClean="0"/>
+              <a:t> (Roslyn)</a:t>
+            </a:r>
+          </a:p>
+          <a:p>
+            <a:r>
+              <a:rPr lang="en-US" dirty="0" err="1" smtClean="0"/>
+              <a:t>Divisão</a:t>
+            </a:r>
+            <a:r>
+              <a:rPr lang="en-US" dirty="0" smtClean="0"/>
+              <a:t> de </a:t>
+            </a:r>
+            <a:r>
+              <a:rPr lang="en-US" dirty="0" err="1" smtClean="0"/>
+              <a:t>responsabilidade</a:t>
+            </a:r>
+            <a:r>
+              <a:rPr lang="en-US" dirty="0" smtClean="0"/>
+              <a:t> entre </a:t>
+            </a:r>
+            <a:r>
+              <a:rPr lang="en-US" dirty="0" err="1" smtClean="0"/>
+              <a:t>os</a:t>
+            </a:r>
+            <a:r>
+              <a:rPr lang="en-US" dirty="0" smtClean="0"/>
+              <a:t> </a:t>
+            </a:r>
+            <a:r>
+              <a:rPr lang="en-US" dirty="0" err="1" smtClean="0"/>
+              <a:t>gerenciadores</a:t>
+            </a:r>
+            <a:r>
+              <a:rPr lang="en-US" dirty="0" smtClean="0"/>
+              <a:t> de </a:t>
+            </a:r>
+            <a:r>
+              <a:rPr lang="en-US" dirty="0" err="1" smtClean="0"/>
+              <a:t>pacotes</a:t>
+            </a:r>
+            <a:endParaRPr lang="en-US" dirty="0" smtClean="0"/>
+          </a:p>
+          <a:p>
+            <a:pPr lvl="1"/>
+            <a:r>
+              <a:rPr lang="en-US" dirty="0" err="1" smtClean="0"/>
+              <a:t>Nuget</a:t>
+            </a:r>
+            <a:r>
+              <a:rPr lang="en-US" dirty="0" smtClean="0"/>
+              <a:t>: Server-side</a:t>
+            </a:r>
+          </a:p>
+          <a:p>
+            <a:pPr lvl="1"/>
+            <a:r>
+              <a:rPr lang="en-US" dirty="0" smtClean="0"/>
+              <a:t>Bower: Client-side</a:t>
+            </a:r>
+          </a:p>
+          <a:p>
+            <a:r>
+              <a:rPr lang="en-US" dirty="0" smtClean="0"/>
+              <a:t>System.Web.dll </a:t>
+            </a:r>
+            <a:r>
+              <a:rPr lang="en-US" dirty="0" err="1" smtClean="0"/>
+              <a:t>não</a:t>
+            </a:r>
+            <a:r>
+              <a:rPr lang="en-US" dirty="0" smtClean="0"/>
+              <a:t> </a:t>
+            </a:r>
+            <a:r>
+              <a:rPr lang="en-US" dirty="0" err="1" smtClean="0"/>
+              <a:t>estará</a:t>
+            </a:r>
+            <a:r>
+              <a:rPr lang="en-US" dirty="0" smtClean="0"/>
+              <a:t> </a:t>
+            </a:r>
+            <a:r>
+              <a:rPr lang="en-US" dirty="0" err="1" smtClean="0"/>
+              <a:t>mais</a:t>
+            </a:r>
+            <a:r>
+              <a:rPr lang="en-US" dirty="0" smtClean="0"/>
+              <a:t> </a:t>
+            </a:r>
+            <a:r>
+              <a:rPr lang="en-US" dirty="0" err="1" smtClean="0"/>
+              <a:t>disponível</a:t>
+            </a:r>
+            <a:r>
+              <a:rPr lang="en-US" dirty="0" smtClean="0"/>
+              <a:t>.</a:t>
+            </a:r>
+          </a:p>
+          <a:p>
+            <a:r>
+              <a:rPr lang="en-US" dirty="0" err="1" smtClean="0"/>
+              <a:t>Compilação</a:t>
+            </a:r>
+            <a:r>
+              <a:rPr lang="en-US" dirty="0" smtClean="0"/>
+              <a:t> </a:t>
+            </a:r>
+            <a:r>
+              <a:rPr lang="en-US" dirty="0" err="1" smtClean="0"/>
+              <a:t>dinâmica</a:t>
+            </a:r>
+            <a:endParaRPr lang="en-US" dirty="0" smtClean="0"/>
+          </a:p>
+          <a:p>
+            <a:r>
+              <a:rPr lang="en-US" dirty="0" err="1" smtClean="0"/>
+              <a:t>Arquivos</a:t>
+            </a:r>
+            <a:r>
+              <a:rPr lang="en-US" dirty="0" smtClean="0"/>
+              <a:t> de </a:t>
+            </a:r>
+            <a:r>
+              <a:rPr lang="en-US" dirty="0" err="1" smtClean="0"/>
+              <a:t>configurações</a:t>
+            </a:r>
+            <a:r>
+              <a:rPr lang="en-US" dirty="0" smtClean="0"/>
+              <a:t> </a:t>
+            </a:r>
+            <a:r>
+              <a:rPr lang="en-US" dirty="0" err="1" smtClean="0"/>
+              <a:t>serão</a:t>
+            </a:r>
+            <a:r>
+              <a:rPr lang="en-US" dirty="0" smtClean="0"/>
+              <a:t> </a:t>
+            </a:r>
+            <a:r>
+              <a:rPr lang="en-US" dirty="0" err="1" smtClean="0"/>
+              <a:t>baseados</a:t>
+            </a:r>
+            <a:r>
+              <a:rPr lang="en-US" dirty="0" smtClean="0"/>
+              <a:t> </a:t>
+            </a:r>
+            <a:r>
+              <a:rPr lang="en-US" dirty="0" err="1" smtClean="0"/>
+              <a:t>em</a:t>
+            </a:r>
+            <a:r>
+              <a:rPr lang="en-US" dirty="0" smtClean="0"/>
+              <a:t> JSON</a:t>
+            </a:r>
+          </a:p>
+          <a:p>
+            <a:r>
+              <a:rPr lang="en-US" dirty="0" smtClean="0"/>
+              <a:t>View Components</a:t>
+            </a:r>
+          </a:p>
+          <a:p>
+            <a:r>
+              <a:rPr lang="en-US" dirty="0" smtClean="0"/>
+              <a:t>Tag Helpers</a:t>
+            </a:r>
           </a:p>
         </p:txBody>
       </p:sp>

--- a/Presentation/AspNetMvc.pptx
+++ b/Presentation/AspNetMvc.pptx
@@ -5089,7 +5089,7 @@
           <a:p>
             <a:fld id="{9B284AA3-C948-4AEF-9698-7E1A93E5B36F}" type="datetimeFigureOut">
               <a:rPr lang="en-US" smtClean="0"/>
-              <a:t>24-Jul-15</a:t>
+              <a:t>7/25/2015</a:t>
             </a:fld>
             <a:endParaRPr lang="en-US"/>
           </a:p>
@@ -5364,7 +5364,7 @@
           <a:p>
             <a:fld id="{9B284AA3-C948-4AEF-9698-7E1A93E5B36F}" type="datetimeFigureOut">
               <a:rPr lang="en-US" smtClean="0"/>
-              <a:t>24-Jul-15</a:t>
+              <a:t>7/25/2015</a:t>
             </a:fld>
             <a:endParaRPr lang="en-US"/>
           </a:p>
@@ -5558,7 +5558,7 @@
           <a:p>
             <a:fld id="{9B284AA3-C948-4AEF-9698-7E1A93E5B36F}" type="datetimeFigureOut">
               <a:rPr lang="en-US" smtClean="0"/>
-              <a:t>24-Jul-15</a:t>
+              <a:t>7/25/2015</a:t>
             </a:fld>
             <a:endParaRPr lang="en-US"/>
           </a:p>
@@ -5831,7 +5831,7 @@
           <a:p>
             <a:fld id="{9B284AA3-C948-4AEF-9698-7E1A93E5B36F}" type="datetimeFigureOut">
               <a:rPr lang="en-US" smtClean="0"/>
-              <a:t>24-Jul-15</a:t>
+              <a:t>7/25/2015</a:t>
             </a:fld>
             <a:endParaRPr lang="en-US"/>
           </a:p>
@@ -6172,7 +6172,7 @@
           <a:p>
             <a:fld id="{9B284AA3-C948-4AEF-9698-7E1A93E5B36F}" type="datetimeFigureOut">
               <a:rPr lang="en-US" smtClean="0"/>
-              <a:t>24-Jul-15</a:t>
+              <a:t>7/25/2015</a:t>
             </a:fld>
             <a:endParaRPr lang="en-US"/>
           </a:p>
@@ -6795,7 +6795,7 @@
           <a:p>
             <a:fld id="{9B284AA3-C948-4AEF-9698-7E1A93E5B36F}" type="datetimeFigureOut">
               <a:rPr lang="en-US" smtClean="0"/>
-              <a:t>24-Jul-15</a:t>
+              <a:t>7/25/2015</a:t>
             </a:fld>
             <a:endParaRPr lang="en-US"/>
           </a:p>
@@ -7655,7 +7655,7 @@
           <a:p>
             <a:fld id="{9B284AA3-C948-4AEF-9698-7E1A93E5B36F}" type="datetimeFigureOut">
               <a:rPr lang="en-US" smtClean="0"/>
-              <a:t>24-Jul-15</a:t>
+              <a:t>7/25/2015</a:t>
             </a:fld>
             <a:endParaRPr lang="en-US"/>
           </a:p>
@@ -7825,7 +7825,7 @@
           <a:p>
             <a:fld id="{9B284AA3-C948-4AEF-9698-7E1A93E5B36F}" type="datetimeFigureOut">
               <a:rPr lang="en-US" smtClean="0"/>
-              <a:t>24-Jul-15</a:t>
+              <a:t>7/25/2015</a:t>
             </a:fld>
             <a:endParaRPr lang="en-US"/>
           </a:p>
@@ -8005,7 +8005,7 @@
           <a:p>
             <a:fld id="{9B284AA3-C948-4AEF-9698-7E1A93E5B36F}" type="datetimeFigureOut">
               <a:rPr lang="en-US" smtClean="0"/>
-              <a:t>24-Jul-15</a:t>
+              <a:t>7/25/2015</a:t>
             </a:fld>
             <a:endParaRPr lang="en-US"/>
           </a:p>
@@ -8175,7 +8175,7 @@
           <a:p>
             <a:fld id="{9B284AA3-C948-4AEF-9698-7E1A93E5B36F}" type="datetimeFigureOut">
               <a:rPr lang="en-US" smtClean="0"/>
-              <a:t>24-Jul-15</a:t>
+              <a:t>7/25/2015</a:t>
             </a:fld>
             <a:endParaRPr lang="en-US"/>
           </a:p>
@@ -8422,7 +8422,7 @@
           <a:p>
             <a:fld id="{9B284AA3-C948-4AEF-9698-7E1A93E5B36F}" type="datetimeFigureOut">
               <a:rPr lang="en-US" smtClean="0"/>
-              <a:t>24-Jul-15</a:t>
+              <a:t>7/25/2015</a:t>
             </a:fld>
             <a:endParaRPr lang="en-US"/>
           </a:p>
@@ -8714,7 +8714,7 @@
           <a:p>
             <a:fld id="{9B284AA3-C948-4AEF-9698-7E1A93E5B36F}" type="datetimeFigureOut">
               <a:rPr lang="en-US" smtClean="0"/>
-              <a:t>24-Jul-15</a:t>
+              <a:t>7/25/2015</a:t>
             </a:fld>
             <a:endParaRPr lang="en-US"/>
           </a:p>
@@ -9158,7 +9158,7 @@
           <a:p>
             <a:fld id="{9B284AA3-C948-4AEF-9698-7E1A93E5B36F}" type="datetimeFigureOut">
               <a:rPr lang="en-US" smtClean="0"/>
-              <a:t>24-Jul-15</a:t>
+              <a:t>7/25/2015</a:t>
             </a:fld>
             <a:endParaRPr lang="en-US"/>
           </a:p>
@@ -9276,7 +9276,7 @@
           <a:p>
             <a:fld id="{9B284AA3-C948-4AEF-9698-7E1A93E5B36F}" type="datetimeFigureOut">
               <a:rPr lang="en-US" smtClean="0"/>
-              <a:t>24-Jul-15</a:t>
+              <a:t>7/25/2015</a:t>
             </a:fld>
             <a:endParaRPr lang="en-US"/>
           </a:p>
@@ -9371,7 +9371,7 @@
           <a:p>
             <a:fld id="{9B284AA3-C948-4AEF-9698-7E1A93E5B36F}" type="datetimeFigureOut">
               <a:rPr lang="en-US" smtClean="0"/>
-              <a:t>24-Jul-15</a:t>
+              <a:t>7/25/2015</a:t>
             </a:fld>
             <a:endParaRPr lang="en-US"/>
           </a:p>
@@ -9650,7 +9650,7 @@
           <a:p>
             <a:fld id="{9B284AA3-C948-4AEF-9698-7E1A93E5B36F}" type="datetimeFigureOut">
               <a:rPr lang="en-US" smtClean="0"/>
-              <a:t>24-Jul-15</a:t>
+              <a:t>7/25/2015</a:t>
             </a:fld>
             <a:endParaRPr lang="en-US"/>
           </a:p>
@@ -9925,7 +9925,7 @@
           <a:p>
             <a:fld id="{9B284AA3-C948-4AEF-9698-7E1A93E5B36F}" type="datetimeFigureOut">
               <a:rPr lang="en-US" smtClean="0"/>
-              <a:t>24-Jul-15</a:t>
+              <a:t>7/25/2015</a:t>
             </a:fld>
             <a:endParaRPr lang="en-US"/>
           </a:p>
@@ -10354,7 +10354,7 @@
           <a:p>
             <a:fld id="{9B284AA3-C948-4AEF-9698-7E1A93E5B36F}" type="datetimeFigureOut">
               <a:rPr lang="en-US" smtClean="0"/>
-              <a:t>24-Jul-15</a:t>
+              <a:t>7/25/2015</a:t>
             </a:fld>
             <a:endParaRPr lang="en-US"/>
           </a:p>
@@ -12205,11 +12205,7 @@
           <a:p>
             <a:r>
               <a:rPr lang="en-US" dirty="0" smtClean="0"/>
-              <a:t>Controllers: Get </a:t>
-            </a:r>
-            <a:r>
-              <a:rPr lang="en-US" dirty="0" smtClean="0"/>
-              <a:t>vs Post</a:t>
+              <a:t>Controllers: Get vs Post</a:t>
             </a:r>
             <a:endParaRPr lang="en-US" dirty="0"/>
           </a:p>
@@ -13008,6 +13004,12 @@
           <a:p>
             <a:r>
               <a:rPr lang="en-US" dirty="0" smtClean="0"/>
+              <a:t>GET vs POST</a:t>
+            </a:r>
+          </a:p>
+          <a:p>
+            <a:r>
+              <a:rPr lang="en-US" dirty="0" smtClean="0"/>
               <a:t>Action</a:t>
             </a:r>
             <a:endParaRPr lang="en-US" dirty="0" smtClean="0"/>
@@ -13090,13 +13092,8 @@
             <a:pPr lvl="2"/>
             <a:r>
               <a:rPr lang="en-US" dirty="0" smtClean="0"/>
-              <a:t>MVC model </a:t>
-            </a:r>
-            <a:r>
-              <a:rPr lang="en-US" dirty="0" smtClean="0"/>
-              <a:t>binding</a:t>
-            </a:r>
-            <a:endParaRPr lang="en-US" dirty="0" smtClean="0"/>
+              <a:t>MVC model binding</a:t>
+            </a:r>
           </a:p>
         </p:txBody>
       </p:sp>
@@ -13914,15 +13911,13 @@
           <a:p>
             <a:r>
               <a:rPr lang="en-US" dirty="0" smtClean="0"/>
-              <a:t>Client Server</a:t>
-            </a:r>
-          </a:p>
-          <a:p>
+              <a:t>Client </a:t>
+            </a:r>
             <a:r>
               <a:rPr lang="en-US" dirty="0" smtClean="0"/>
-              <a:t>Get vs Post</a:t>
-            </a:r>
-            <a:endParaRPr lang="en-US" dirty="0"/>
+              <a:t>Server</a:t>
+            </a:r>
+            <a:endParaRPr lang="en-US" dirty="0" smtClean="0"/>
           </a:p>
         </p:txBody>
       </p:sp>
@@ -14397,7 +14392,6 @@
               <a:rPr lang="en-US" dirty="0" smtClean="0"/>
               <a:t>URL</a:t>
             </a:r>
-            <a:endParaRPr lang="en-US" dirty="0" smtClean="0"/>
           </a:p>
           <a:p>
             <a:pPr lvl="1"/>
@@ -14412,11 +14406,7 @@
           <a:p>
             <a:r>
               <a:rPr lang="en-US" dirty="0" smtClean="0"/>
-              <a:t>O </a:t>
-            </a:r>
-            <a:r>
-              <a:rPr lang="en-US" dirty="0" smtClean="0"/>
-              <a:t>Routing do MVC </a:t>
+              <a:t>O Routing do MVC </a:t>
             </a:r>
             <a:r>
               <a:rPr lang="en-US" dirty="0" err="1" smtClean="0"/>
@@ -15640,7 +15630,6 @@
               <a:rPr lang="en-US" sz="2400" dirty="0"/>
               <a:t> com a View</a:t>
             </a:r>
-            <a:endParaRPr lang="en-US" sz="2400" dirty="0"/>
           </a:p>
         </p:txBody>
       </p:sp>
@@ -15977,7 +15966,6 @@
               <a:rPr lang="en-US" dirty="0"/>
               <a:t> Filters</a:t>
             </a:r>
-            <a:endParaRPr lang="en-US" dirty="0"/>
           </a:p>
         </p:txBody>
       </p:sp>
@@ -16161,7 +16149,6 @@
               <a:rPr lang="en-US" sz="2400" dirty="0"/>
               <a:t> com a View</a:t>
             </a:r>
-            <a:endParaRPr lang="en-US" sz="2400" dirty="0"/>
           </a:p>
         </p:txBody>
       </p:sp>
@@ -17955,7 +17942,45 @@
             </a:r>
             <a:r>
               <a:rPr lang="en-US" dirty="0" smtClean="0"/>
-              <a:t> Over posting</a:t>
+              <a:t> Over </a:t>
+            </a:r>
+            <a:r>
+              <a:rPr lang="en-US" dirty="0" smtClean="0"/>
+              <a:t>posting</a:t>
+            </a:r>
+          </a:p>
+          <a:p>
+            <a:r>
+              <a:rPr lang="en-US" dirty="0" err="1" smtClean="0"/>
+              <a:t>Utilizem</a:t>
+            </a:r>
+            <a:r>
+              <a:rPr lang="en-US" dirty="0" smtClean="0"/>
+              <a:t> Task, </a:t>
+            </a:r>
+            <a:r>
+              <a:rPr lang="en-US" dirty="0" err="1" smtClean="0"/>
+              <a:t>async</a:t>
+            </a:r>
+            <a:r>
+              <a:rPr lang="en-US" dirty="0" smtClean="0"/>
+              <a:t> e await </a:t>
+            </a:r>
+            <a:r>
+              <a:rPr lang="en-US" dirty="0" err="1" smtClean="0"/>
+              <a:t>nas</a:t>
+            </a:r>
+            <a:r>
+              <a:rPr lang="en-US" dirty="0" smtClean="0"/>
+              <a:t> Actions que </a:t>
+            </a:r>
+            <a:r>
+              <a:rPr lang="en-US" dirty="0" err="1" smtClean="0"/>
+              <a:t>realizam</a:t>
+            </a:r>
+            <a:r>
+              <a:rPr lang="en-US" dirty="0" smtClean="0"/>
+              <a:t> IO</a:t>
             </a:r>
             <a:endParaRPr lang="en-US" dirty="0"/>
           </a:p>

--- a/Presentation/AspNetMvc.pptx
+++ b/Presentation/AspNetMvc.pptx
@@ -10,8 +10,8 @@
     <p:sldId id="258" r:id="rId4"/>
     <p:sldId id="270" r:id="rId5"/>
     <p:sldId id="274" r:id="rId6"/>
-    <p:sldId id="259" r:id="rId7"/>
-    <p:sldId id="293" r:id="rId8"/>
+    <p:sldId id="293" r:id="rId7"/>
+    <p:sldId id="300" r:id="rId8"/>
     <p:sldId id="294" r:id="rId9"/>
     <p:sldId id="295" r:id="rId10"/>
     <p:sldId id="296" r:id="rId11"/>
@@ -24,8 +24,8 @@
     <p:sldId id="283" r:id="rId18"/>
     <p:sldId id="262" r:id="rId19"/>
     <p:sldId id="281" r:id="rId20"/>
-    <p:sldId id="282" r:id="rId21"/>
-    <p:sldId id="292" r:id="rId22"/>
+    <p:sldId id="292" r:id="rId21"/>
+    <p:sldId id="282" r:id="rId22"/>
     <p:sldId id="272" r:id="rId23"/>
     <p:sldId id="288" r:id="rId24"/>
     <p:sldId id="277" r:id="rId25"/>
@@ -5089,7 +5089,7 @@
           <a:p>
             <a:fld id="{9B284AA3-C948-4AEF-9698-7E1A93E5B36F}" type="datetimeFigureOut">
               <a:rPr lang="en-US" smtClean="0"/>
-              <a:t>7/25/2015</a:t>
+              <a:t>25-Jul-15</a:t>
             </a:fld>
             <a:endParaRPr lang="en-US"/>
           </a:p>
@@ -5364,7 +5364,7 @@
           <a:p>
             <a:fld id="{9B284AA3-C948-4AEF-9698-7E1A93E5B36F}" type="datetimeFigureOut">
               <a:rPr lang="en-US" smtClean="0"/>
-              <a:t>7/25/2015</a:t>
+              <a:t>25-Jul-15</a:t>
             </a:fld>
             <a:endParaRPr lang="en-US"/>
           </a:p>
@@ -5558,7 +5558,7 @@
           <a:p>
             <a:fld id="{9B284AA3-C948-4AEF-9698-7E1A93E5B36F}" type="datetimeFigureOut">
               <a:rPr lang="en-US" smtClean="0"/>
-              <a:t>7/25/2015</a:t>
+              <a:t>25-Jul-15</a:t>
             </a:fld>
             <a:endParaRPr lang="en-US"/>
           </a:p>
@@ -5831,7 +5831,7 @@
           <a:p>
             <a:fld id="{9B284AA3-C948-4AEF-9698-7E1A93E5B36F}" type="datetimeFigureOut">
               <a:rPr lang="en-US" smtClean="0"/>
-              <a:t>7/25/2015</a:t>
+              <a:t>25-Jul-15</a:t>
             </a:fld>
             <a:endParaRPr lang="en-US"/>
           </a:p>
@@ -6172,7 +6172,7 @@
           <a:p>
             <a:fld id="{9B284AA3-C948-4AEF-9698-7E1A93E5B36F}" type="datetimeFigureOut">
               <a:rPr lang="en-US" smtClean="0"/>
-              <a:t>7/25/2015</a:t>
+              <a:t>25-Jul-15</a:t>
             </a:fld>
             <a:endParaRPr lang="en-US"/>
           </a:p>
@@ -6795,7 +6795,7 @@
           <a:p>
             <a:fld id="{9B284AA3-C948-4AEF-9698-7E1A93E5B36F}" type="datetimeFigureOut">
               <a:rPr lang="en-US" smtClean="0"/>
-              <a:t>7/25/2015</a:t>
+              <a:t>25-Jul-15</a:t>
             </a:fld>
             <a:endParaRPr lang="en-US"/>
           </a:p>
@@ -7655,7 +7655,7 @@
           <a:p>
             <a:fld id="{9B284AA3-C948-4AEF-9698-7E1A93E5B36F}" type="datetimeFigureOut">
               <a:rPr lang="en-US" smtClean="0"/>
-              <a:t>7/25/2015</a:t>
+              <a:t>25-Jul-15</a:t>
             </a:fld>
             <a:endParaRPr lang="en-US"/>
           </a:p>
@@ -7825,7 +7825,7 @@
           <a:p>
             <a:fld id="{9B284AA3-C948-4AEF-9698-7E1A93E5B36F}" type="datetimeFigureOut">
               <a:rPr lang="en-US" smtClean="0"/>
-              <a:t>7/25/2015</a:t>
+              <a:t>25-Jul-15</a:t>
             </a:fld>
             <a:endParaRPr lang="en-US"/>
           </a:p>
@@ -8005,7 +8005,7 @@
           <a:p>
             <a:fld id="{9B284AA3-C948-4AEF-9698-7E1A93E5B36F}" type="datetimeFigureOut">
               <a:rPr lang="en-US" smtClean="0"/>
-              <a:t>7/25/2015</a:t>
+              <a:t>25-Jul-15</a:t>
             </a:fld>
             <a:endParaRPr lang="en-US"/>
           </a:p>
@@ -8175,7 +8175,7 @@
           <a:p>
             <a:fld id="{9B284AA3-C948-4AEF-9698-7E1A93E5B36F}" type="datetimeFigureOut">
               <a:rPr lang="en-US" smtClean="0"/>
-              <a:t>7/25/2015</a:t>
+              <a:t>25-Jul-15</a:t>
             </a:fld>
             <a:endParaRPr lang="en-US"/>
           </a:p>
@@ -8422,7 +8422,7 @@
           <a:p>
             <a:fld id="{9B284AA3-C948-4AEF-9698-7E1A93E5B36F}" type="datetimeFigureOut">
               <a:rPr lang="en-US" smtClean="0"/>
-              <a:t>7/25/2015</a:t>
+              <a:t>25-Jul-15</a:t>
             </a:fld>
             <a:endParaRPr lang="en-US"/>
           </a:p>
@@ -8714,7 +8714,7 @@
           <a:p>
             <a:fld id="{9B284AA3-C948-4AEF-9698-7E1A93E5B36F}" type="datetimeFigureOut">
               <a:rPr lang="en-US" smtClean="0"/>
-              <a:t>7/25/2015</a:t>
+              <a:t>25-Jul-15</a:t>
             </a:fld>
             <a:endParaRPr lang="en-US"/>
           </a:p>
@@ -9158,7 +9158,7 @@
           <a:p>
             <a:fld id="{9B284AA3-C948-4AEF-9698-7E1A93E5B36F}" type="datetimeFigureOut">
               <a:rPr lang="en-US" smtClean="0"/>
-              <a:t>7/25/2015</a:t>
+              <a:t>25-Jul-15</a:t>
             </a:fld>
             <a:endParaRPr lang="en-US"/>
           </a:p>
@@ -9276,7 +9276,7 @@
           <a:p>
             <a:fld id="{9B284AA3-C948-4AEF-9698-7E1A93E5B36F}" type="datetimeFigureOut">
               <a:rPr lang="en-US" smtClean="0"/>
-              <a:t>7/25/2015</a:t>
+              <a:t>25-Jul-15</a:t>
             </a:fld>
             <a:endParaRPr lang="en-US"/>
           </a:p>
@@ -9371,7 +9371,7 @@
           <a:p>
             <a:fld id="{9B284AA3-C948-4AEF-9698-7E1A93E5B36F}" type="datetimeFigureOut">
               <a:rPr lang="en-US" smtClean="0"/>
-              <a:t>7/25/2015</a:t>
+              <a:t>25-Jul-15</a:t>
             </a:fld>
             <a:endParaRPr lang="en-US"/>
           </a:p>
@@ -9650,7 +9650,7 @@
           <a:p>
             <a:fld id="{9B284AA3-C948-4AEF-9698-7E1A93E5B36F}" type="datetimeFigureOut">
               <a:rPr lang="en-US" smtClean="0"/>
-              <a:t>7/25/2015</a:t>
+              <a:t>25-Jul-15</a:t>
             </a:fld>
             <a:endParaRPr lang="en-US"/>
           </a:p>
@@ -9925,7 +9925,7 @@
           <a:p>
             <a:fld id="{9B284AA3-C948-4AEF-9698-7E1A93E5B36F}" type="datetimeFigureOut">
               <a:rPr lang="en-US" smtClean="0"/>
-              <a:t>7/25/2015</a:t>
+              <a:t>25-Jul-15</a:t>
             </a:fld>
             <a:endParaRPr lang="en-US"/>
           </a:p>
@@ -10354,7 +10354,7 @@
           <a:p>
             <a:fld id="{9B284AA3-C948-4AEF-9698-7E1A93E5B36F}" type="datetimeFigureOut">
               <a:rPr lang="en-US" smtClean="0"/>
-              <a:t>7/25/2015</a:t>
+              <a:t>25-Jul-15</a:t>
             </a:fld>
             <a:endParaRPr lang="en-US"/>
           </a:p>
@@ -11007,11 +11007,16 @@
         </p:nvSpPr>
         <p:spPr/>
         <p:txBody>
-          <a:bodyPr>
+          <a:bodyPr numCol="2">
             <a:normAutofit/>
           </a:bodyPr>
           <a:lstStyle/>
           <a:p>
+            <a:pPr>
+              <a:lnSpc>
+                <a:spcPct val="150000"/>
+              </a:lnSpc>
+            </a:pPr>
             <a:r>
               <a:rPr lang="en-US" sz="2400" dirty="0" err="1" smtClean="0"/>
               <a:t>App_Data</a:t>
@@ -11019,6 +11024,11 @@
             <a:endParaRPr lang="en-US" sz="2400" dirty="0" smtClean="0"/>
           </a:p>
           <a:p>
+            <a:pPr>
+              <a:lnSpc>
+                <a:spcPct val="150000"/>
+              </a:lnSpc>
+            </a:pPr>
             <a:r>
               <a:rPr lang="en-US" sz="2400" dirty="0" err="1" smtClean="0"/>
               <a:t>App_Start</a:t>
@@ -11026,24 +11036,61 @@
             <a:endParaRPr lang="en-US" sz="2400" dirty="0" smtClean="0"/>
           </a:p>
           <a:p>
+            <a:pPr>
+              <a:lnSpc>
+                <a:spcPct val="150000"/>
+              </a:lnSpc>
+            </a:pPr>
             <a:r>
               <a:rPr lang="en-US" sz="2400" dirty="0" smtClean="0"/>
               <a:t>Controllers</a:t>
             </a:r>
           </a:p>
           <a:p>
+            <a:pPr>
+              <a:lnSpc>
+                <a:spcPct val="150000"/>
+              </a:lnSpc>
+            </a:pPr>
             <a:r>
               <a:rPr lang="en-US" sz="2400" dirty="0" smtClean="0"/>
               <a:t>Models</a:t>
             </a:r>
           </a:p>
           <a:p>
+            <a:pPr>
+              <a:lnSpc>
+                <a:spcPct val="150000"/>
+              </a:lnSpc>
+            </a:pPr>
+            <a:endParaRPr lang="en-US" sz="2400" dirty="0"/>
+          </a:p>
+          <a:p>
+            <a:pPr marL="0" indent="0">
+              <a:lnSpc>
+                <a:spcPct val="150000"/>
+              </a:lnSpc>
+              <a:buNone/>
+            </a:pPr>
+            <a:endParaRPr lang="en-US" sz="2400" dirty="0" smtClean="0"/>
+          </a:p>
+          <a:p>
+            <a:pPr>
+              <a:lnSpc>
+                <a:spcPct val="150000"/>
+              </a:lnSpc>
+            </a:pPr>
             <a:r>
               <a:rPr lang="en-US" sz="2400" dirty="0" smtClean="0"/>
               <a:t>Views</a:t>
             </a:r>
           </a:p>
           <a:p>
+            <a:pPr>
+              <a:lnSpc>
+                <a:spcPct val="150000"/>
+              </a:lnSpc>
+            </a:pPr>
             <a:r>
               <a:rPr lang="en-US" sz="2400" dirty="0" err="1" smtClean="0"/>
               <a:t>Web.Config</a:t>
@@ -11051,6 +11098,11 @@
             <a:endParaRPr lang="en-US" sz="2400" dirty="0" smtClean="0"/>
           </a:p>
           <a:p>
+            <a:pPr>
+              <a:lnSpc>
+                <a:spcPct val="150000"/>
+              </a:lnSpc>
+            </a:pPr>
             <a:r>
               <a:rPr lang="en-US" sz="2400" dirty="0" err="1" smtClean="0"/>
               <a:t>Global.asax</a:t>
@@ -11058,6 +11110,11 @@
             <a:endParaRPr lang="en-US" sz="2400" dirty="0" smtClean="0"/>
           </a:p>
           <a:p>
+            <a:pPr>
+              <a:lnSpc>
+                <a:spcPct val="150000"/>
+              </a:lnSpc>
+            </a:pPr>
             <a:r>
               <a:rPr lang="en-US" sz="2400" dirty="0" err="1"/>
               <a:t>Nuget</a:t>
@@ -11139,12 +11196,175 @@
             <p:ph idx="1"/>
           </p:nvPr>
         </p:nvSpPr>
-        <p:spPr/>
-        <p:txBody>
-          <a:bodyPr/>
+        <p:spPr>
+          <a:xfrm>
+            <a:off x="1103312" y="2052918"/>
+            <a:ext cx="9483122" cy="4195481"/>
+          </a:xfrm>
+        </p:spPr>
+        <p:txBody>
+          <a:bodyPr>
+            <a:normAutofit/>
+          </a:bodyPr>
           <a:lstStyle/>
           <a:p>
-            <a:endParaRPr lang="en-US"/>
+            <a:pPr>
+              <a:lnSpc>
+                <a:spcPct val="150000"/>
+              </a:lnSpc>
+            </a:pPr>
+            <a:r>
+              <a:rPr lang="en-US" sz="2400" dirty="0" smtClean="0"/>
+              <a:t>Scaffold é </a:t>
+            </a:r>
+            <a:r>
+              <a:rPr lang="en-US" sz="2400" dirty="0" err="1" smtClean="0"/>
+              <a:t>uma</a:t>
+            </a:r>
+            <a:r>
+              <a:rPr lang="en-US" sz="2400" dirty="0" smtClean="0"/>
+              <a:t> </a:t>
+            </a:r>
+            <a:r>
+              <a:rPr lang="en-US" sz="2400" dirty="0" err="1" smtClean="0"/>
+              <a:t>tecnica</a:t>
+            </a:r>
+            <a:r>
+              <a:rPr lang="en-US" sz="2400" dirty="0" smtClean="0"/>
+              <a:t> de </a:t>
+            </a:r>
+            <a:r>
+              <a:rPr lang="en-US" sz="2400" dirty="0" err="1" smtClean="0"/>
+              <a:t>geração</a:t>
+            </a:r>
+            <a:r>
+              <a:rPr lang="en-US" sz="2400" dirty="0" smtClean="0"/>
+              <a:t> de </a:t>
+            </a:r>
+            <a:r>
+              <a:rPr lang="en-US" sz="2400" dirty="0" err="1" smtClean="0"/>
+              <a:t>código</a:t>
+            </a:r>
+            <a:r>
+              <a:rPr lang="en-US" sz="2400" dirty="0" smtClean="0"/>
+              <a:t> para </a:t>
+            </a:r>
+            <a:r>
+              <a:rPr lang="en-US" sz="2400" dirty="0" err="1" smtClean="0"/>
+              <a:t>facilitar</a:t>
+            </a:r>
+            <a:r>
+              <a:rPr lang="en-US" sz="2400" dirty="0" smtClean="0"/>
+              <a:t> a </a:t>
+            </a:r>
+            <a:r>
+              <a:rPr lang="en-US" sz="2400" dirty="0" err="1" smtClean="0"/>
+              <a:t>criação</a:t>
+            </a:r>
+            <a:r>
+              <a:rPr lang="en-US" sz="2400" dirty="0" smtClean="0"/>
+              <a:t> de </a:t>
+            </a:r>
+            <a:r>
+              <a:rPr lang="en-US" sz="2400" dirty="0" err="1" smtClean="0"/>
+              <a:t>telas</a:t>
+            </a:r>
+            <a:r>
+              <a:rPr lang="en-US" sz="2400" dirty="0" smtClean="0"/>
+              <a:t> de </a:t>
+            </a:r>
+            <a:r>
+              <a:rPr lang="en-US" sz="2400" dirty="0" err="1" smtClean="0"/>
+              <a:t>cadastro</a:t>
+            </a:r>
+            <a:r>
+              <a:rPr lang="en-US" sz="2400" dirty="0" smtClean="0"/>
+              <a:t> </a:t>
+            </a:r>
+            <a:r>
+              <a:rPr lang="en-US" sz="2400" dirty="0" err="1" smtClean="0"/>
+              <a:t>báscias</a:t>
+            </a:r>
+            <a:r>
+              <a:rPr lang="en-US" sz="2400" dirty="0" smtClean="0"/>
+              <a:t> (CRUD)</a:t>
+            </a:r>
+          </a:p>
+          <a:p>
+            <a:pPr>
+              <a:lnSpc>
+                <a:spcPct val="150000"/>
+              </a:lnSpc>
+            </a:pPr>
+            <a:r>
+              <a:rPr lang="en-US" sz="2400" dirty="0" err="1" smtClean="0"/>
+              <a:t>Depois</a:t>
+            </a:r>
+            <a:r>
+              <a:rPr lang="en-US" sz="2400" dirty="0" smtClean="0"/>
+              <a:t> de </a:t>
+            </a:r>
+            <a:r>
+              <a:rPr lang="en-US" sz="2400" dirty="0" err="1" smtClean="0"/>
+              <a:t>gerado</a:t>
+            </a:r>
+            <a:r>
+              <a:rPr lang="en-US" sz="2400" dirty="0" smtClean="0"/>
+              <a:t> o </a:t>
+            </a:r>
+            <a:r>
+              <a:rPr lang="en-US" sz="2400" dirty="0" err="1" smtClean="0"/>
+              <a:t>código</a:t>
+            </a:r>
+            <a:r>
+              <a:rPr lang="en-US" sz="2400" dirty="0" smtClean="0"/>
+              <a:t> </a:t>
+            </a:r>
+            <a:r>
+              <a:rPr lang="en-US" sz="2400" dirty="0" err="1" smtClean="0"/>
+              <a:t>pode</a:t>
+            </a:r>
+            <a:r>
+              <a:rPr lang="en-US" sz="2400" dirty="0" smtClean="0"/>
+              <a:t> </a:t>
+            </a:r>
+            <a:r>
+              <a:rPr lang="en-US" sz="2400" dirty="0" err="1" smtClean="0"/>
+              <a:t>ser</a:t>
+            </a:r>
+            <a:r>
+              <a:rPr lang="en-US" sz="2400" dirty="0" smtClean="0"/>
+              <a:t> </a:t>
+            </a:r>
+            <a:r>
+              <a:rPr lang="en-US" sz="2400" dirty="0" err="1" smtClean="0"/>
+              <a:t>personalizado</a:t>
+            </a:r>
+            <a:r>
+              <a:rPr lang="en-US" sz="2400" dirty="0" smtClean="0"/>
+              <a:t> para attender as </a:t>
+            </a:r>
+            <a:r>
+              <a:rPr lang="en-US" sz="2400" dirty="0" err="1" smtClean="0"/>
+              <a:t>necessicades</a:t>
+            </a:r>
+            <a:r>
+              <a:rPr lang="en-US" sz="2400" dirty="0" smtClean="0"/>
+              <a:t> de </a:t>
+            </a:r>
+            <a:r>
+              <a:rPr lang="en-US" sz="2400" dirty="0" err="1" smtClean="0"/>
+              <a:t>cada</a:t>
+            </a:r>
+            <a:r>
+              <a:rPr lang="en-US" sz="2400" dirty="0" smtClean="0"/>
+              <a:t> </a:t>
+            </a:r>
+            <a:r>
+              <a:rPr lang="en-US" sz="2400" dirty="0" err="1" smtClean="0"/>
+              <a:t>cenário</a:t>
+            </a:r>
+            <a:endParaRPr lang="en-US" sz="2400" dirty="0"/>
           </a:p>
         </p:txBody>
       </p:sp>
@@ -11967,182 +12187,184 @@
         <p:spPr>
           <a:xfrm>
             <a:off x="646111" y="1853248"/>
-            <a:ext cx="8946541" cy="4195481"/>
+            <a:ext cx="10004717" cy="4195481"/>
           </a:xfrm>
         </p:spPr>
         <p:txBody>
-          <a:bodyPr/>
+          <a:bodyPr>
+            <a:normAutofit/>
+          </a:bodyPr>
           <a:lstStyle/>
           <a:p>
             <a:r>
-              <a:rPr lang="en-US" dirty="0" smtClean="0"/>
+              <a:rPr lang="en-US" sz="2400" dirty="0" smtClean="0"/>
               <a:t>Layout </a:t>
             </a:r>
             <a:r>
-              <a:rPr lang="en-US" dirty="0" err="1" smtClean="0"/>
+              <a:rPr lang="en-US" sz="2400" dirty="0" err="1" smtClean="0"/>
               <a:t>garante</a:t>
             </a:r>
             <a:r>
-              <a:rPr lang="en-US" dirty="0" smtClean="0"/>
+              <a:rPr lang="en-US" sz="2400" dirty="0" smtClean="0"/>
               <a:t> a </a:t>
             </a:r>
             <a:r>
-              <a:rPr lang="en-US" dirty="0" err="1" smtClean="0"/>
+              <a:rPr lang="en-US" sz="2400" dirty="0" err="1" smtClean="0"/>
               <a:t>consistência</a:t>
             </a:r>
             <a:r>
-              <a:rPr lang="en-US" dirty="0" smtClean="0"/>
+              <a:rPr lang="en-US" sz="2400" dirty="0" smtClean="0"/>
               <a:t> da </a:t>
             </a:r>
             <a:r>
-              <a:rPr lang="en-US" dirty="0" err="1" smtClean="0"/>
+              <a:rPr lang="en-US" sz="2400" dirty="0" err="1" smtClean="0"/>
               <a:t>estrutura</a:t>
             </a:r>
             <a:r>
-              <a:rPr lang="en-US" dirty="0" smtClean="0"/>
+              <a:rPr lang="en-US" sz="2400" dirty="0" smtClean="0"/>
               <a:t> da </a:t>
             </a:r>
             <a:r>
-              <a:rPr lang="en-US" dirty="0" err="1" smtClean="0"/>
+              <a:rPr lang="en-US" sz="2400" dirty="0" err="1" smtClean="0"/>
               <a:t>página</a:t>
             </a:r>
-            <a:endParaRPr lang="en-US" dirty="0" smtClean="0"/>
-          </a:p>
-          <a:p>
-            <a:r>
-              <a:rPr lang="en-US" dirty="0" err="1" smtClean="0"/>
+            <a:endParaRPr lang="en-US" sz="2400" dirty="0" smtClean="0"/>
+          </a:p>
+          <a:p>
+            <a:r>
+              <a:rPr lang="en-US" sz="2400" dirty="0" err="1" smtClean="0"/>
               <a:t>Métodos</a:t>
             </a:r>
-            <a:endParaRPr lang="en-US" dirty="0" smtClean="0"/>
+            <a:endParaRPr lang="en-US" sz="2400" dirty="0" smtClean="0"/>
           </a:p>
           <a:p>
             <a:pPr lvl="1"/>
             <a:r>
-              <a:rPr lang="en-US" dirty="0" err="1" smtClean="0"/>
+              <a:rPr lang="en-US" sz="2000" dirty="0" err="1" smtClean="0"/>
               <a:t>RenderBody</a:t>
             </a:r>
             <a:r>
-              <a:rPr lang="en-US" dirty="0" smtClean="0"/>
+              <a:rPr lang="en-US" sz="2000" dirty="0" smtClean="0"/>
               <a:t>()</a:t>
             </a:r>
           </a:p>
           <a:p>
             <a:pPr lvl="1"/>
             <a:r>
-              <a:rPr lang="en-US" dirty="0" err="1" smtClean="0"/>
+              <a:rPr lang="en-US" sz="2000" dirty="0" err="1" smtClean="0"/>
               <a:t>RenderSection</a:t>
             </a:r>
-            <a:endParaRPr lang="en-US" dirty="0" smtClean="0"/>
+            <a:endParaRPr lang="en-US" sz="2000" dirty="0" smtClean="0"/>
           </a:p>
           <a:p>
             <a:pPr lvl="2"/>
             <a:r>
-              <a:rPr lang="en-US" dirty="0" err="1" smtClean="0"/>
+              <a:rPr lang="en-US" sz="1800" dirty="0" err="1" smtClean="0"/>
               <a:t>Permite</a:t>
             </a:r>
             <a:r>
-              <a:rPr lang="en-US" dirty="0" smtClean="0"/>
+              <a:rPr lang="en-US" sz="1800" dirty="0" smtClean="0"/>
               <a:t> que </a:t>
             </a:r>
             <a:r>
-              <a:rPr lang="en-US" dirty="0" err="1" smtClean="0"/>
+              <a:rPr lang="en-US" sz="1800" dirty="0" err="1" smtClean="0"/>
               <a:t>nas</a:t>
             </a:r>
             <a:r>
-              <a:rPr lang="en-US" dirty="0" smtClean="0"/>
+              <a:rPr lang="en-US" sz="1800" dirty="0" smtClean="0"/>
               <a:t> views </a:t>
             </a:r>
             <a:r>
-              <a:rPr lang="en-US" dirty="0" err="1" smtClean="0"/>
+              <a:rPr lang="en-US" sz="1800" dirty="0" err="1" smtClean="0"/>
               <a:t>sejam</a:t>
             </a:r>
             <a:r>
-              <a:rPr lang="en-US" dirty="0" smtClean="0"/>
+              <a:rPr lang="en-US" sz="1800" dirty="0" smtClean="0"/>
               <a:t> </a:t>
             </a:r>
             <a:r>
-              <a:rPr lang="en-US" dirty="0" err="1" smtClean="0"/>
+              <a:rPr lang="en-US" sz="1800" dirty="0" err="1" smtClean="0"/>
               <a:t>adicionados</a:t>
             </a:r>
             <a:r>
-              <a:rPr lang="en-US" dirty="0" smtClean="0"/>
+              <a:rPr lang="en-US" sz="1800" dirty="0" smtClean="0"/>
               <a:t> </a:t>
             </a:r>
             <a:r>
-              <a:rPr lang="en-US" dirty="0" err="1" smtClean="0"/>
+              <a:rPr lang="en-US" sz="1800" dirty="0" err="1" smtClean="0"/>
               <a:t>sessões</a:t>
             </a:r>
             <a:r>
-              <a:rPr lang="en-US" dirty="0" smtClean="0"/>
+              <a:rPr lang="en-US" sz="1800" dirty="0" smtClean="0"/>
               <a:t> </a:t>
             </a:r>
             <a:r>
-              <a:rPr lang="en-US" dirty="0" err="1" smtClean="0"/>
+              <a:rPr lang="en-US" sz="1800" dirty="0" err="1" smtClean="0"/>
               <a:t>específcas</a:t>
             </a:r>
-            <a:endParaRPr lang="en-US" dirty="0" smtClean="0"/>
+            <a:endParaRPr lang="en-US" sz="1800" dirty="0" smtClean="0"/>
           </a:p>
           <a:p>
             <a:pPr lvl="3"/>
             <a:r>
-              <a:rPr lang="en-US" dirty="0" smtClean="0"/>
+              <a:rPr lang="en-US" sz="1600" dirty="0" smtClean="0"/>
               <a:t>Scripts</a:t>
             </a:r>
           </a:p>
           <a:p>
             <a:pPr lvl="3"/>
             <a:r>
-              <a:rPr lang="en-US" dirty="0" smtClean="0"/>
+              <a:rPr lang="en-US" sz="1600" dirty="0" smtClean="0"/>
               <a:t>Styles</a:t>
             </a:r>
           </a:p>
           <a:p>
             <a:pPr lvl="3"/>
             <a:r>
-              <a:rPr lang="en-US" dirty="0" err="1" smtClean="0"/>
+              <a:rPr lang="en-US" sz="1600" dirty="0" err="1" smtClean="0"/>
               <a:t>Etc</a:t>
             </a:r>
-            <a:endParaRPr lang="en-US" dirty="0" smtClean="0"/>
+            <a:endParaRPr lang="en-US" sz="1600" dirty="0" smtClean="0"/>
           </a:p>
           <a:p>
             <a:pPr lvl="2"/>
             <a:r>
-              <a:rPr lang="en-US" dirty="0" smtClean="0"/>
+              <a:rPr lang="en-US" sz="1800" dirty="0" smtClean="0"/>
               <a:t>Use </a:t>
             </a:r>
             <a:r>
-              <a:rPr lang="en-US" b="1" dirty="0" smtClean="0"/>
+              <a:rPr lang="en-US" sz="1800" b="1" dirty="0" smtClean="0"/>
               <a:t>@section name</a:t>
             </a:r>
             <a:r>
-              <a:rPr lang="en-US" dirty="0" smtClean="0"/>
+              <a:rPr lang="en-US" sz="1800" dirty="0" smtClean="0"/>
               <a:t> para </a:t>
             </a:r>
             <a:r>
-              <a:rPr lang="en-US" dirty="0" err="1" smtClean="0"/>
+              <a:rPr lang="en-US" sz="1800" dirty="0" err="1" smtClean="0"/>
               <a:t>criar</a:t>
             </a:r>
             <a:r>
-              <a:rPr lang="en-US" dirty="0" smtClean="0"/>
+              <a:rPr lang="en-US" sz="1800" dirty="0" smtClean="0"/>
               <a:t> as </a:t>
             </a:r>
             <a:r>
-              <a:rPr lang="en-US" dirty="0" err="1" smtClean="0"/>
+              <a:rPr lang="en-US" sz="1800" dirty="0" err="1" smtClean="0"/>
               <a:t>sessões</a:t>
             </a:r>
             <a:r>
-              <a:rPr lang="en-US" dirty="0" smtClean="0"/>
+              <a:rPr lang="en-US" sz="1800" dirty="0" smtClean="0"/>
               <a:t> </a:t>
             </a:r>
             <a:r>
-              <a:rPr lang="en-US" dirty="0" err="1" smtClean="0"/>
+              <a:rPr lang="en-US" sz="1800" dirty="0" err="1" smtClean="0"/>
               <a:t>na</a:t>
             </a:r>
             <a:r>
-              <a:rPr lang="en-US" dirty="0" smtClean="0"/>
+              <a:rPr lang="en-US" sz="1800" dirty="0" smtClean="0"/>
               <a:t> View</a:t>
             </a:r>
-            <a:endParaRPr lang="en-US" dirty="0"/>
+            <a:endParaRPr lang="en-US" sz="1800" dirty="0"/>
           </a:p>
         </p:txBody>
       </p:sp>
@@ -13012,7 +13234,6 @@
               <a:rPr lang="en-US" dirty="0" smtClean="0"/>
               <a:t>Action</a:t>
             </a:r>
-            <a:endParaRPr lang="en-US" dirty="0" smtClean="0"/>
           </a:p>
           <a:p>
             <a:pPr lvl="1"/>
@@ -13305,8 +13526,8 @@
         </p:nvSpPr>
         <p:spPr>
           <a:xfrm>
-            <a:off x="646111" y="2121472"/>
-            <a:ext cx="9404723" cy="4645088"/>
+            <a:off x="646111" y="3193960"/>
+            <a:ext cx="9404723" cy="3572599"/>
           </a:xfrm>
         </p:spPr>
         <p:txBody>
@@ -13332,7 +13553,7 @@
         </p:nvSpPr>
         <p:spPr>
           <a:xfrm>
-            <a:off x="646111" y="1176560"/>
+            <a:off x="646111" y="1767496"/>
             <a:ext cx="9404723" cy="2852928"/>
           </a:xfrm>
           <a:prstGeom prst="rect">
@@ -13729,108 +13950,166 @@
         </p:nvSpPr>
         <p:spPr>
           <a:xfrm>
-            <a:off x="646111" y="1626198"/>
-            <a:ext cx="8946541" cy="4195481"/>
+            <a:off x="646110" y="1626198"/>
+            <a:ext cx="11241089" cy="4748844"/>
           </a:xfrm>
         </p:spPr>
         <p:txBody>
-          <a:bodyPr>
-            <a:normAutofit fontScale="92500" lnSpcReduction="10000"/>
+          <a:bodyPr numCol="2">
+            <a:noAutofit/>
           </a:bodyPr>
           <a:lstStyle/>
           <a:p>
-            <a:r>
-              <a:rPr lang="en-US" dirty="0" err="1" smtClean="0"/>
+            <a:pPr>
+              <a:lnSpc>
+                <a:spcPct val="160000"/>
+              </a:lnSpc>
+            </a:pPr>
+            <a:r>
+              <a:rPr lang="en-US" sz="2400" dirty="0" err="1" smtClean="0"/>
               <a:t>Atributos</a:t>
             </a:r>
             <a:r>
-              <a:rPr lang="en-US" dirty="0" smtClean="0"/>
+              <a:rPr lang="en-US" sz="2400" dirty="0" smtClean="0"/>
               <a:t> Data types</a:t>
             </a:r>
           </a:p>
           <a:p>
-            <a:pPr lvl="1"/>
-            <a:r>
-              <a:rPr lang="en-US" dirty="0" err="1" smtClean="0"/>
+            <a:pPr lvl="1">
+              <a:lnSpc>
+                <a:spcPct val="150000"/>
+              </a:lnSpc>
+            </a:pPr>
+            <a:r>
+              <a:rPr lang="en-US" sz="2000" dirty="0" err="1" smtClean="0"/>
               <a:t>CreditCard</a:t>
             </a:r>
-            <a:endParaRPr lang="en-US" dirty="0" smtClean="0"/>
-          </a:p>
-          <a:p>
-            <a:pPr lvl="1"/>
-            <a:r>
-              <a:rPr lang="en-US" dirty="0" smtClean="0"/>
+            <a:endParaRPr lang="en-US" sz="2000" dirty="0" smtClean="0"/>
+          </a:p>
+          <a:p>
+            <a:pPr lvl="1">
+              <a:lnSpc>
+                <a:spcPct val="160000"/>
+              </a:lnSpc>
+            </a:pPr>
+            <a:r>
+              <a:rPr lang="en-US" sz="2000" dirty="0" smtClean="0"/>
               <a:t>Currency</a:t>
             </a:r>
           </a:p>
           <a:p>
-            <a:pPr lvl="1"/>
-            <a:r>
-              <a:rPr lang="en-US" dirty="0" err="1" smtClean="0"/>
+            <a:pPr lvl="1">
+              <a:lnSpc>
+                <a:spcPct val="160000"/>
+              </a:lnSpc>
+            </a:pPr>
+            <a:r>
+              <a:rPr lang="en-US" sz="2000" dirty="0" err="1" smtClean="0"/>
               <a:t>EmailAddress</a:t>
             </a:r>
-            <a:endParaRPr lang="en-US" dirty="0" smtClean="0"/>
-          </a:p>
-          <a:p>
-            <a:pPr lvl="1"/>
-            <a:r>
-              <a:rPr lang="en-US" dirty="0" smtClean="0"/>
+            <a:endParaRPr lang="en-US" sz="2000" dirty="0" smtClean="0"/>
+          </a:p>
+          <a:p>
+            <a:pPr lvl="1">
+              <a:lnSpc>
+                <a:spcPct val="160000"/>
+              </a:lnSpc>
+            </a:pPr>
+            <a:r>
+              <a:rPr lang="en-US" sz="2000" dirty="0" smtClean="0"/>
               <a:t>Password</a:t>
             </a:r>
           </a:p>
           <a:p>
-            <a:pPr lvl="1"/>
-            <a:r>
-              <a:rPr lang="en-US" dirty="0" err="1" smtClean="0"/>
+            <a:pPr lvl="1">
+              <a:lnSpc>
+                <a:spcPct val="160000"/>
+              </a:lnSpc>
+            </a:pPr>
+            <a:r>
+              <a:rPr lang="en-US" sz="2000" dirty="0" err="1" smtClean="0"/>
               <a:t>Url</a:t>
             </a:r>
-            <a:endParaRPr lang="en-US" dirty="0" smtClean="0"/>
-          </a:p>
-          <a:p>
-            <a:r>
-              <a:rPr lang="en-US" dirty="0" err="1" smtClean="0"/>
+            <a:endParaRPr lang="en-US" sz="2000" dirty="0" smtClean="0"/>
+          </a:p>
+          <a:p>
+            <a:pPr lvl="1">
+              <a:lnSpc>
+                <a:spcPct val="160000"/>
+              </a:lnSpc>
+            </a:pPr>
+            <a:endParaRPr lang="en-US" sz="2000" dirty="0" smtClean="0"/>
+          </a:p>
+          <a:p>
+            <a:pPr>
+              <a:lnSpc>
+                <a:spcPct val="160000"/>
+              </a:lnSpc>
+            </a:pPr>
+            <a:r>
+              <a:rPr lang="en-US" sz="2400" dirty="0" err="1" smtClean="0"/>
               <a:t>Formatação</a:t>
             </a:r>
             <a:r>
-              <a:rPr lang="en-US" dirty="0" smtClean="0"/>
+              <a:rPr lang="en-US" sz="2400" dirty="0" smtClean="0"/>
               <a:t> com Data annotations</a:t>
             </a:r>
-            <a:endParaRPr lang="en-US" dirty="0"/>
-          </a:p>
-          <a:p>
-            <a:pPr lvl="1"/>
-            <a:r>
-              <a:rPr lang="en-US" dirty="0"/>
+            <a:endParaRPr lang="en-US" sz="2400" dirty="0"/>
+          </a:p>
+          <a:p>
+            <a:pPr lvl="1">
+              <a:lnSpc>
+                <a:spcPct val="160000"/>
+              </a:lnSpc>
+            </a:pPr>
+            <a:r>
+              <a:rPr lang="en-US" sz="2000" dirty="0"/>
               <a:t>Display</a:t>
             </a:r>
           </a:p>
           <a:p>
-            <a:pPr lvl="1"/>
-            <a:r>
-              <a:rPr lang="en-US" dirty="0" err="1"/>
+            <a:pPr lvl="1">
+              <a:lnSpc>
+                <a:spcPct val="160000"/>
+              </a:lnSpc>
+            </a:pPr>
+            <a:r>
+              <a:rPr lang="en-US" sz="2000" dirty="0" err="1"/>
               <a:t>DisplayFormat</a:t>
             </a:r>
-            <a:endParaRPr lang="en-US" dirty="0"/>
-          </a:p>
-          <a:p>
-            <a:pPr lvl="1"/>
-            <a:r>
-              <a:rPr lang="en-US" dirty="0" err="1"/>
+            <a:endParaRPr lang="en-US" sz="2000" dirty="0"/>
+          </a:p>
+          <a:p>
+            <a:pPr lvl="1">
+              <a:lnSpc>
+                <a:spcPct val="160000"/>
+              </a:lnSpc>
+            </a:pPr>
+            <a:r>
+              <a:rPr lang="en-US" sz="2000" dirty="0" err="1"/>
               <a:t>ScaffoldColumn</a:t>
             </a:r>
-            <a:endParaRPr lang="en-US" dirty="0"/>
-          </a:p>
-          <a:p>
-            <a:pPr lvl="1"/>
-            <a:r>
-              <a:rPr lang="en-US" dirty="0" err="1" smtClean="0"/>
+            <a:endParaRPr lang="en-US" sz="2000" dirty="0"/>
+          </a:p>
+          <a:p>
+            <a:pPr lvl="1">
+              <a:lnSpc>
+                <a:spcPct val="160000"/>
+              </a:lnSpc>
+            </a:pPr>
+            <a:r>
+              <a:rPr lang="en-US" sz="2000" dirty="0" err="1" smtClean="0"/>
               <a:t>ReadOnly</a:t>
             </a:r>
-            <a:endParaRPr lang="en-US" dirty="0"/>
-          </a:p>
-          <a:p>
-            <a:pPr lvl="1"/>
-            <a:endParaRPr lang="en-US" dirty="0" smtClean="0"/>
+            <a:endParaRPr lang="en-US" sz="2000" dirty="0"/>
+          </a:p>
+          <a:p>
+            <a:pPr lvl="1">
+              <a:lnSpc>
+                <a:spcPct val="160000"/>
+              </a:lnSpc>
+            </a:pPr>
+            <a:endParaRPr lang="en-US" sz="2000" dirty="0" smtClean="0"/>
           </a:p>
         </p:txBody>
       </p:sp>
@@ -13904,20 +14183,392 @@
             <p:ph idx="1"/>
           </p:nvPr>
         </p:nvSpPr>
-        <p:spPr/>
-        <p:txBody>
-          <a:bodyPr/>
+        <p:spPr>
+          <a:xfrm>
+            <a:off x="1103312" y="2052918"/>
+            <a:ext cx="8946541" cy="561493"/>
+          </a:xfrm>
+        </p:spPr>
+        <p:txBody>
+          <a:bodyPr>
+            <a:normAutofit/>
+          </a:bodyPr>
           <a:lstStyle/>
           <a:p>
             <a:r>
+              <a:rPr lang="en-US" sz="2800" dirty="0" smtClean="0"/>
+              <a:t>Client Server</a:t>
+            </a:r>
+          </a:p>
+        </p:txBody>
+      </p:sp>
+      <p:sp>
+        <p:nvSpPr>
+          <p:cNvPr id="4" name="Cube 3"/>
+          <p:cNvSpPr/>
+          <p:nvPr/>
+        </p:nvSpPr>
+        <p:spPr>
+          <a:xfrm>
+            <a:off x="9064619" y="3045853"/>
+            <a:ext cx="1970468" cy="2614412"/>
+          </a:xfrm>
+          <a:prstGeom prst="cube">
+            <a:avLst/>
+          </a:prstGeom>
+        </p:spPr>
+        <p:style>
+          <a:lnRef idx="1">
+            <a:schemeClr val="accent4"/>
+          </a:lnRef>
+          <a:fillRef idx="3">
+            <a:schemeClr val="accent4"/>
+          </a:fillRef>
+          <a:effectRef idx="2">
+            <a:schemeClr val="accent4"/>
+          </a:effectRef>
+          <a:fontRef idx="minor">
+            <a:schemeClr val="lt1"/>
+          </a:fontRef>
+        </p:style>
+        <p:txBody>
+          <a:bodyPr rtlCol="0" anchor="ctr"/>
+          <a:lstStyle/>
+          <a:p>
+            <a:pPr algn="ctr"/>
+            <a:r>
+              <a:rPr lang="en-US" sz="2400" b="1" dirty="0" smtClean="0"/>
+              <a:t>Server</a:t>
+            </a:r>
+            <a:endParaRPr lang="en-US" sz="2400" b="1" dirty="0"/>
+          </a:p>
+        </p:txBody>
+      </p:sp>
+      <p:sp>
+        <p:nvSpPr>
+          <p:cNvPr id="5" name="Rectangle 4"/>
+          <p:cNvSpPr/>
+          <p:nvPr/>
+        </p:nvSpPr>
+        <p:spPr>
+          <a:xfrm>
+            <a:off x="646111" y="4105477"/>
+            <a:ext cx="1506829" cy="914400"/>
+          </a:xfrm>
+          <a:prstGeom prst="rect">
+            <a:avLst/>
+          </a:prstGeom>
+        </p:spPr>
+        <p:style>
+          <a:lnRef idx="1">
+            <a:schemeClr val="accent5"/>
+          </a:lnRef>
+          <a:fillRef idx="3">
+            <a:schemeClr val="accent5"/>
+          </a:fillRef>
+          <a:effectRef idx="2">
+            <a:schemeClr val="accent5"/>
+          </a:effectRef>
+          <a:fontRef idx="minor">
+            <a:schemeClr val="lt1"/>
+          </a:fontRef>
+        </p:style>
+        <p:txBody>
+          <a:bodyPr rtlCol="0" anchor="ctr"/>
+          <a:lstStyle/>
+          <a:p>
+            <a:pPr algn="ctr"/>
+            <a:r>
+              <a:rPr lang="en-US" sz="2000" b="1" dirty="0" err="1" smtClean="0"/>
+              <a:t>Cliente</a:t>
+            </a:r>
+            <a:endParaRPr lang="en-US" sz="2000" b="1" dirty="0"/>
+          </a:p>
+        </p:txBody>
+      </p:sp>
+      <p:sp>
+        <p:nvSpPr>
+          <p:cNvPr id="6" name="Hexagon 5"/>
+          <p:cNvSpPr/>
+          <p:nvPr/>
+        </p:nvSpPr>
+        <p:spPr>
+          <a:xfrm>
+            <a:off x="2152940" y="5178646"/>
+            <a:ext cx="1545465" cy="1332297"/>
+          </a:xfrm>
+          <a:prstGeom prst="hexagon">
+            <a:avLst/>
+          </a:prstGeom>
+        </p:spPr>
+        <p:style>
+          <a:lnRef idx="1">
+            <a:schemeClr val="accent6"/>
+          </a:lnRef>
+          <a:fillRef idx="3">
+            <a:schemeClr val="accent6"/>
+          </a:fillRef>
+          <a:effectRef idx="2">
+            <a:schemeClr val="accent6"/>
+          </a:effectRef>
+          <a:fontRef idx="minor">
+            <a:schemeClr val="lt1"/>
+          </a:fontRef>
+        </p:style>
+        <p:txBody>
+          <a:bodyPr rtlCol="0" anchor="ctr"/>
+          <a:lstStyle/>
+          <a:p>
+            <a:pPr algn="ctr"/>
+            <a:r>
+              <a:rPr lang="en-US" sz="2000" b="1" dirty="0" err="1"/>
+              <a:t>Cliente</a:t>
+            </a:r>
+            <a:endParaRPr lang="en-US" sz="2000" b="1" dirty="0"/>
+          </a:p>
+          <a:p>
+            <a:pPr algn="ctr"/>
+            <a:endParaRPr lang="en-US" sz="2000" b="1" dirty="0"/>
+          </a:p>
+        </p:txBody>
+      </p:sp>
+      <p:sp>
+        <p:nvSpPr>
+          <p:cNvPr id="7" name="Diamond 6"/>
+          <p:cNvSpPr/>
+          <p:nvPr/>
+        </p:nvSpPr>
+        <p:spPr>
+          <a:xfrm>
+            <a:off x="2776482" y="2614411"/>
+            <a:ext cx="2150772" cy="1275009"/>
+          </a:xfrm>
+          <a:prstGeom prst="diamond">
+            <a:avLst/>
+          </a:prstGeom>
+        </p:spPr>
+        <p:style>
+          <a:lnRef idx="1">
+            <a:schemeClr val="accent2"/>
+          </a:lnRef>
+          <a:fillRef idx="3">
+            <a:schemeClr val="accent2"/>
+          </a:fillRef>
+          <a:effectRef idx="2">
+            <a:schemeClr val="accent2"/>
+          </a:effectRef>
+          <a:fontRef idx="minor">
+            <a:schemeClr val="lt1"/>
+          </a:fontRef>
+        </p:style>
+        <p:txBody>
+          <a:bodyPr rtlCol="0" anchor="ctr"/>
+          <a:lstStyle/>
+          <a:p>
+            <a:pPr algn="ctr"/>
+            <a:r>
+              <a:rPr lang="en-US" sz="2000" b="1" dirty="0" err="1"/>
+              <a:t>Cliente</a:t>
+            </a:r>
+            <a:endParaRPr lang="en-US" sz="2000" b="1" dirty="0"/>
+          </a:p>
+          <a:p>
+            <a:pPr algn="ctr"/>
+            <a:endParaRPr lang="en-US" sz="2000" b="1" dirty="0"/>
+          </a:p>
+        </p:txBody>
+      </p:sp>
+      <p:sp>
+        <p:nvSpPr>
+          <p:cNvPr id="8" name="Cloud 7"/>
+          <p:cNvSpPr/>
+          <p:nvPr/>
+        </p:nvSpPr>
+        <p:spPr>
+          <a:xfrm>
+            <a:off x="5112912" y="4181308"/>
+            <a:ext cx="2009105" cy="762737"/>
+          </a:xfrm>
+          <a:prstGeom prst="cloud">
+            <a:avLst/>
+          </a:prstGeom>
+        </p:spPr>
+        <p:style>
+          <a:lnRef idx="2">
+            <a:schemeClr val="dk1"/>
+          </a:lnRef>
+          <a:fillRef idx="1">
+            <a:schemeClr val="lt1"/>
+          </a:fillRef>
+          <a:effectRef idx="0">
+            <a:schemeClr val="dk1"/>
+          </a:effectRef>
+          <a:fontRef idx="minor">
+            <a:schemeClr val="dk1"/>
+          </a:fontRef>
+        </p:style>
+        <p:txBody>
+          <a:bodyPr rtlCol="0" anchor="ctr"/>
+          <a:lstStyle/>
+          <a:p>
+            <a:pPr algn="ctr"/>
+            <a:r>
               <a:rPr lang="en-US" dirty="0" smtClean="0"/>
-              <a:t>Client </a:t>
-            </a:r>
-            <a:r>
-              <a:rPr lang="en-US" dirty="0" smtClean="0"/>
-              <a:t>Server</a:t>
-            </a:r>
-            <a:endParaRPr lang="en-US" dirty="0" smtClean="0"/>
+              <a:t>Internet</a:t>
+            </a:r>
+            <a:endParaRPr lang="en-US" dirty="0"/>
+          </a:p>
+        </p:txBody>
+      </p:sp>
+      <p:sp>
+        <p:nvSpPr>
+          <p:cNvPr id="9" name="Left-Right Arrow 8"/>
+          <p:cNvSpPr/>
+          <p:nvPr/>
+        </p:nvSpPr>
+        <p:spPr>
+          <a:xfrm>
+            <a:off x="7231486" y="4353059"/>
+            <a:ext cx="1564783" cy="296214"/>
+          </a:xfrm>
+          <a:prstGeom prst="leftRightArrow">
+            <a:avLst/>
+          </a:prstGeom>
+        </p:spPr>
+        <p:style>
+          <a:lnRef idx="2">
+            <a:schemeClr val="accent4"/>
+          </a:lnRef>
+          <a:fillRef idx="1">
+            <a:schemeClr val="lt1"/>
+          </a:fillRef>
+          <a:effectRef idx="0">
+            <a:schemeClr val="accent4"/>
+          </a:effectRef>
+          <a:fontRef idx="minor">
+            <a:schemeClr val="dk1"/>
+          </a:fontRef>
+        </p:style>
+        <p:txBody>
+          <a:bodyPr rtlCol="0" anchor="ctr"/>
+          <a:lstStyle/>
+          <a:p>
+            <a:pPr algn="ctr"/>
+            <a:endParaRPr lang="en-US"/>
+          </a:p>
+        </p:txBody>
+      </p:sp>
+      <p:sp>
+        <p:nvSpPr>
+          <p:cNvPr id="10" name="Left-Right Arrow 9"/>
+          <p:cNvSpPr/>
+          <p:nvPr/>
+        </p:nvSpPr>
+        <p:spPr>
+          <a:xfrm rot="1269682">
+            <a:off x="4643932" y="3707272"/>
+            <a:ext cx="1171948" cy="193184"/>
+          </a:xfrm>
+          <a:prstGeom prst="leftRightArrow">
+            <a:avLst/>
+          </a:prstGeom>
+        </p:spPr>
+        <p:style>
+          <a:lnRef idx="2">
+            <a:schemeClr val="accent4"/>
+          </a:lnRef>
+          <a:fillRef idx="1">
+            <a:schemeClr val="lt1"/>
+          </a:fillRef>
+          <a:effectRef idx="0">
+            <a:schemeClr val="accent4"/>
+          </a:effectRef>
+          <a:fontRef idx="minor">
+            <a:schemeClr val="dk1"/>
+          </a:fontRef>
+        </p:style>
+        <p:txBody>
+          <a:bodyPr rtlCol="0" anchor="ctr"/>
+          <a:lstStyle/>
+          <a:p>
+            <a:pPr algn="ctr"/>
+            <a:endParaRPr lang="en-US"/>
+          </a:p>
+        </p:txBody>
+      </p:sp>
+      <p:sp>
+        <p:nvSpPr>
+          <p:cNvPr id="11" name="Left-Right Arrow 10"/>
+          <p:cNvSpPr/>
+          <p:nvPr/>
+        </p:nvSpPr>
+        <p:spPr>
+          <a:xfrm>
+            <a:off x="2510530" y="4467527"/>
+            <a:ext cx="2375750" cy="288112"/>
+          </a:xfrm>
+          <a:prstGeom prst="leftRightArrow">
+            <a:avLst/>
+          </a:prstGeom>
+        </p:spPr>
+        <p:style>
+          <a:lnRef idx="2">
+            <a:schemeClr val="accent4"/>
+          </a:lnRef>
+          <a:fillRef idx="1">
+            <a:schemeClr val="lt1"/>
+          </a:fillRef>
+          <a:effectRef idx="0">
+            <a:schemeClr val="accent4"/>
+          </a:effectRef>
+          <a:fontRef idx="minor">
+            <a:schemeClr val="dk1"/>
+          </a:fontRef>
+        </p:style>
+        <p:txBody>
+          <a:bodyPr rtlCol="0" anchor="ctr"/>
+          <a:lstStyle/>
+          <a:p>
+            <a:pPr algn="ctr"/>
+            <a:endParaRPr lang="en-US"/>
+          </a:p>
+        </p:txBody>
+      </p:sp>
+      <p:sp>
+        <p:nvSpPr>
+          <p:cNvPr id="12" name="Left-Right Arrow 11"/>
+          <p:cNvSpPr/>
+          <p:nvPr/>
+        </p:nvSpPr>
+        <p:spPr>
+          <a:xfrm rot="19800000">
+            <a:off x="3790062" y="5348348"/>
+            <a:ext cx="1706627" cy="210070"/>
+          </a:xfrm>
+          <a:prstGeom prst="leftRightArrow">
+            <a:avLst/>
+          </a:prstGeom>
+        </p:spPr>
+        <p:style>
+          <a:lnRef idx="2">
+            <a:schemeClr val="accent4"/>
+          </a:lnRef>
+          <a:fillRef idx="1">
+            <a:schemeClr val="lt1"/>
+          </a:fillRef>
+          <a:effectRef idx="0">
+            <a:schemeClr val="accent4"/>
+          </a:effectRef>
+          <a:fontRef idx="minor">
+            <a:schemeClr val="dk1"/>
+          </a:fontRef>
+        </p:style>
+        <p:txBody>
+          <a:bodyPr rtlCol="0" anchor="ctr"/>
+          <a:lstStyle/>
+          <a:p>
+            <a:pPr algn="ctr"/>
+            <a:endParaRPr lang="en-US"/>
           </a:p>
         </p:txBody>
       </p:sp>
@@ -13974,30 +14625,22 @@
           <a:lstStyle/>
           <a:p>
             <a:r>
-              <a:rPr lang="en-US" dirty="0" err="1" smtClean="0"/>
-              <a:t>Onde</a:t>
-            </a:r>
-            <a:r>
-              <a:rPr lang="en-US" dirty="0" smtClean="0"/>
-              <a:t> a </a:t>
-            </a:r>
-            <a:r>
-              <a:rPr lang="en-US" dirty="0" err="1" smtClean="0"/>
-              <a:t>validação</a:t>
-            </a:r>
-            <a:r>
-              <a:rPr lang="en-US" dirty="0" smtClean="0"/>
+              <a:rPr lang="en-US" sz="3200" dirty="0" err="1" smtClean="0"/>
+              <a:t>Criando</a:t>
+            </a:r>
+            <a:r>
+              <a:rPr lang="en-US" sz="3200" dirty="0" smtClean="0"/>
               <a:t> </a:t>
             </a:r>
             <a:r>
-              <a:rPr lang="en-US" dirty="0" err="1" smtClean="0"/>
-              <a:t>ocorre</a:t>
-            </a:r>
-            <a:r>
-              <a:rPr lang="en-US" dirty="0" smtClean="0"/>
-              <a:t>?</a:t>
-            </a:r>
-            <a:endParaRPr lang="en-US" dirty="0"/>
+              <a:rPr lang="en-US" sz="3200" dirty="0" err="1" smtClean="0"/>
+              <a:t>validações</a:t>
+            </a:r>
+            <a:r>
+              <a:rPr lang="en-US" sz="3200" dirty="0" smtClean="0"/>
+              <a:t> com Data annotations </a:t>
+            </a:r>
+            <a:endParaRPr lang="en-US" sz="3200" dirty="0"/>
           </a:p>
         </p:txBody>
       </p:sp>
@@ -14011,55 +14654,221 @@
             <p:ph idx="1"/>
           </p:nvPr>
         </p:nvSpPr>
-        <p:spPr/>
-        <p:txBody>
-          <a:bodyPr/>
+        <p:spPr>
+          <a:xfrm>
+            <a:off x="761936" y="1577430"/>
+            <a:ext cx="9927529" cy="4977916"/>
+          </a:xfrm>
+        </p:spPr>
+        <p:txBody>
+          <a:bodyPr>
+            <a:noAutofit/>
+          </a:bodyPr>
           <a:lstStyle/>
           <a:p>
-            <a:r>
-              <a:rPr lang="en-US" dirty="0" smtClean="0"/>
-              <a:t>No server-side</a:t>
-            </a:r>
-          </a:p>
-          <a:p>
-            <a:pPr lvl="1"/>
-            <a:r>
-              <a:rPr lang="en-US" dirty="0" smtClean="0"/>
-              <a:t>Model State</a:t>
-            </a:r>
-          </a:p>
-          <a:p>
-            <a:r>
-              <a:rPr lang="en-US" dirty="0" smtClean="0"/>
-              <a:t>No client-side</a:t>
-            </a:r>
-          </a:p>
-          <a:p>
-            <a:pPr lvl="1"/>
-            <a:r>
-              <a:rPr lang="en-US" dirty="0" err="1" smtClean="0"/>
-              <a:t>Requer</a:t>
-            </a:r>
-            <a:r>
-              <a:rPr lang="en-US" dirty="0" smtClean="0"/>
-              <a:t> o </a:t>
-            </a:r>
-            <a:r>
-              <a:rPr lang="en-US" dirty="0" err="1" smtClean="0"/>
-              <a:t>uso</a:t>
-            </a:r>
-            <a:r>
-              <a:rPr lang="en-US" dirty="0" smtClean="0"/>
-              <a:t> jQuery unobtrusive validation</a:t>
-            </a:r>
-            <a:endParaRPr lang="en-US" dirty="0"/>
+            <a:pPr>
+              <a:lnSpc>
+                <a:spcPct val="150000"/>
+              </a:lnSpc>
+            </a:pPr>
+            <a:r>
+              <a:rPr lang="en-US" sz="1800" dirty="0" err="1"/>
+              <a:t>Criando</a:t>
+            </a:r>
+            <a:r>
+              <a:rPr lang="en-US" sz="1800" dirty="0"/>
+              <a:t> </a:t>
+            </a:r>
+            <a:r>
+              <a:rPr lang="en-US" sz="1800" dirty="0" err="1"/>
+              <a:t>validações</a:t>
+            </a:r>
+            <a:r>
+              <a:rPr lang="en-US" sz="1800" dirty="0"/>
+              <a:t> com Data annotations</a:t>
+            </a:r>
+          </a:p>
+          <a:p>
+            <a:pPr lvl="1">
+              <a:lnSpc>
+                <a:spcPct val="150000"/>
+              </a:lnSpc>
+            </a:pPr>
+            <a:r>
+              <a:rPr lang="en-US" sz="1600" dirty="0"/>
+              <a:t>Required</a:t>
+            </a:r>
+          </a:p>
+          <a:p>
+            <a:pPr lvl="1">
+              <a:lnSpc>
+                <a:spcPct val="150000"/>
+              </a:lnSpc>
+            </a:pPr>
+            <a:r>
+              <a:rPr lang="en-US" sz="1600" dirty="0" err="1"/>
+              <a:t>StringLength</a:t>
+            </a:r>
+            <a:endParaRPr lang="en-US" sz="1600" dirty="0"/>
+          </a:p>
+          <a:p>
+            <a:pPr lvl="1">
+              <a:lnSpc>
+                <a:spcPct val="150000"/>
+              </a:lnSpc>
+            </a:pPr>
+            <a:r>
+              <a:rPr lang="en-US" sz="1600" dirty="0" err="1"/>
+              <a:t>RegularExpression</a:t>
+            </a:r>
+            <a:endParaRPr lang="en-US" sz="1600" dirty="0"/>
+          </a:p>
+          <a:p>
+            <a:pPr lvl="1">
+              <a:lnSpc>
+                <a:spcPct val="150000"/>
+              </a:lnSpc>
+            </a:pPr>
+            <a:r>
+              <a:rPr lang="en-US" sz="1600" dirty="0"/>
+              <a:t>Range</a:t>
+            </a:r>
+          </a:p>
+          <a:p>
+            <a:pPr lvl="1">
+              <a:lnSpc>
+                <a:spcPct val="150000"/>
+              </a:lnSpc>
+            </a:pPr>
+            <a:r>
+              <a:rPr lang="en-US" sz="1600" dirty="0"/>
+              <a:t>Compare</a:t>
+            </a:r>
+          </a:p>
+          <a:p>
+            <a:pPr lvl="1">
+              <a:lnSpc>
+                <a:spcPct val="150000"/>
+              </a:lnSpc>
+            </a:pPr>
+            <a:r>
+              <a:rPr lang="en-US" sz="1600" dirty="0"/>
+              <a:t>Remote</a:t>
+            </a:r>
+          </a:p>
+          <a:p>
+            <a:pPr lvl="1">
+              <a:lnSpc>
+                <a:spcPct val="150000"/>
+              </a:lnSpc>
+            </a:pPr>
+            <a:r>
+              <a:rPr lang="en-US" sz="1600" dirty="0" err="1"/>
+              <a:t>Você</a:t>
+            </a:r>
+            <a:r>
+              <a:rPr lang="en-US" sz="1600" dirty="0"/>
+              <a:t> </a:t>
+            </a:r>
+            <a:r>
+              <a:rPr lang="en-US" sz="1600" dirty="0" err="1"/>
+              <a:t>pode</a:t>
+            </a:r>
+            <a:r>
+              <a:rPr lang="en-US" sz="1600" dirty="0"/>
+              <a:t> </a:t>
+            </a:r>
+            <a:r>
+              <a:rPr lang="en-US" sz="1600" dirty="0" err="1"/>
+              <a:t>criar</a:t>
+            </a:r>
+            <a:r>
+              <a:rPr lang="en-US" sz="1600" dirty="0"/>
+              <a:t> a </a:t>
+            </a:r>
+            <a:r>
+              <a:rPr lang="en-US" sz="1600" dirty="0" err="1"/>
+              <a:t>sua</a:t>
+            </a:r>
+            <a:r>
+              <a:rPr lang="en-US" sz="1600" dirty="0"/>
+              <a:t> </a:t>
+            </a:r>
+            <a:r>
+              <a:rPr lang="en-US" sz="1600" dirty="0" err="1"/>
+              <a:t>própria</a:t>
+            </a:r>
+            <a:r>
+              <a:rPr lang="en-US" sz="1600" dirty="0"/>
+              <a:t> </a:t>
+            </a:r>
+            <a:r>
+              <a:rPr lang="en-US" sz="1600" dirty="0" err="1"/>
+              <a:t>anotação</a:t>
+            </a:r>
+            <a:r>
+              <a:rPr lang="en-US" sz="1600" dirty="0"/>
+              <a:t> </a:t>
+            </a:r>
+            <a:r>
+              <a:rPr lang="en-US" sz="1600" dirty="0" err="1"/>
+              <a:t>customizada</a:t>
+            </a:r>
+            <a:r>
+              <a:rPr lang="en-US" sz="1600" dirty="0"/>
+              <a:t>.</a:t>
+            </a:r>
+          </a:p>
+          <a:p>
+            <a:pPr>
+              <a:lnSpc>
+                <a:spcPct val="150000"/>
+              </a:lnSpc>
+            </a:pPr>
+            <a:r>
+              <a:rPr lang="en-US" sz="1800" dirty="0" err="1"/>
+              <a:t>Criando</a:t>
+            </a:r>
+            <a:r>
+              <a:rPr lang="en-US" sz="1800" dirty="0"/>
+              <a:t> </a:t>
+            </a:r>
+            <a:r>
+              <a:rPr lang="en-US" sz="1800" dirty="0" err="1"/>
+              <a:t>validações</a:t>
+            </a:r>
+            <a:r>
+              <a:rPr lang="en-US" sz="1800" dirty="0"/>
+              <a:t> </a:t>
+            </a:r>
+            <a:r>
+              <a:rPr lang="en-US" sz="1800" dirty="0" err="1"/>
+              <a:t>customizadas</a:t>
+            </a:r>
+            <a:r>
+              <a:rPr lang="en-US" sz="1800" dirty="0"/>
+              <a:t> com </a:t>
+            </a:r>
+            <a:r>
+              <a:rPr lang="en-US" sz="1800" dirty="0" err="1"/>
+              <a:t>IValidatableObject</a:t>
+            </a:r>
+            <a:endParaRPr lang="en-US" sz="1800" dirty="0"/>
+          </a:p>
+          <a:p>
+            <a:pPr>
+              <a:lnSpc>
+                <a:spcPct val="150000"/>
+              </a:lnSpc>
+            </a:pPr>
+            <a:endParaRPr lang="en-US" sz="1800" dirty="0"/>
           </a:p>
         </p:txBody>
       </p:sp>
     </p:spTree>
     <p:extLst>
       <p:ext uri="{BB962C8B-B14F-4D97-AF65-F5344CB8AC3E}">
-        <p14:creationId xmlns:p14="http://schemas.microsoft.com/office/powerpoint/2010/main" val="781519632"/>
+        <p14:creationId xmlns:p14="http://schemas.microsoft.com/office/powerpoint/2010/main" val="4145139695"/>
       </p:ext>
     </p:extLst>
   </p:cSld>
@@ -14109,22 +14918,30 @@
           <a:lstStyle/>
           <a:p>
             <a:r>
-              <a:rPr lang="en-US" sz="3200" dirty="0" err="1" smtClean="0"/>
-              <a:t>Criando</a:t>
-            </a:r>
-            <a:r>
-              <a:rPr lang="en-US" sz="3200" dirty="0" smtClean="0"/>
+              <a:rPr lang="en-US" dirty="0" err="1" smtClean="0"/>
+              <a:t>Onde</a:t>
+            </a:r>
+            <a:r>
+              <a:rPr lang="en-US" dirty="0" smtClean="0"/>
+              <a:t> a </a:t>
+            </a:r>
+            <a:r>
+              <a:rPr lang="en-US" dirty="0" err="1" smtClean="0"/>
+              <a:t>validação</a:t>
+            </a:r>
+            <a:r>
+              <a:rPr lang="en-US" dirty="0" smtClean="0"/>
               <a:t> </a:t>
             </a:r>
             <a:r>
-              <a:rPr lang="en-US" sz="3200" dirty="0" err="1" smtClean="0"/>
-              <a:t>validações</a:t>
-            </a:r>
-            <a:r>
-              <a:rPr lang="en-US" sz="3200" dirty="0" smtClean="0"/>
-              <a:t> com Data annotations </a:t>
-            </a:r>
-            <a:endParaRPr lang="en-US" sz="3200" dirty="0"/>
+              <a:rPr lang="en-US" dirty="0" err="1" smtClean="0"/>
+              <a:t>ocorre</a:t>
+            </a:r>
+            <a:r>
+              <a:rPr lang="en-US" dirty="0" smtClean="0"/>
+              <a:t>?</a:t>
+            </a:r>
+            <a:endParaRPr lang="en-US" dirty="0"/>
           </a:p>
         </p:txBody>
       </p:sp>
@@ -14138,176 +14955,87 @@
             <p:ph idx="1"/>
           </p:nvPr>
         </p:nvSpPr>
-        <p:spPr>
-          <a:xfrm>
-            <a:off x="761936" y="1577430"/>
-            <a:ext cx="8946541" cy="4195481"/>
-          </a:xfrm>
-        </p:spPr>
-        <p:txBody>
-          <a:bodyPr/>
+        <p:spPr/>
+        <p:txBody>
+          <a:bodyPr>
+            <a:normAutofit/>
+          </a:bodyPr>
           <a:lstStyle/>
           <a:p>
-            <a:r>
-              <a:rPr lang="en-US" dirty="0" err="1"/>
-              <a:t>Criando</a:t>
-            </a:r>
-            <a:r>
-              <a:rPr lang="en-US" dirty="0"/>
-              <a:t> </a:t>
-            </a:r>
-            <a:r>
-              <a:rPr lang="en-US" dirty="0" err="1"/>
-              <a:t>validações</a:t>
-            </a:r>
-            <a:r>
-              <a:rPr lang="en-US" dirty="0"/>
-              <a:t> com Data annotations</a:t>
-            </a:r>
-          </a:p>
-          <a:p>
-            <a:pPr lvl="1"/>
-            <a:r>
-              <a:rPr lang="en-US" dirty="0"/>
-              <a:t>Required</a:t>
-            </a:r>
-          </a:p>
-          <a:p>
-            <a:pPr lvl="1"/>
-            <a:r>
-              <a:rPr lang="en-US" dirty="0" err="1"/>
-              <a:t>StringLength</a:t>
-            </a:r>
-            <a:endParaRPr lang="en-US" dirty="0"/>
-          </a:p>
-          <a:p>
-            <a:pPr lvl="1"/>
-            <a:r>
-              <a:rPr lang="en-US" dirty="0" err="1"/>
-              <a:t>RegularExpression</a:t>
-            </a:r>
-            <a:endParaRPr lang="en-US" dirty="0"/>
-          </a:p>
-          <a:p>
-            <a:pPr lvl="1"/>
-            <a:r>
-              <a:rPr lang="en-US" dirty="0"/>
-              <a:t>Range</a:t>
-            </a:r>
-          </a:p>
-          <a:p>
-            <a:pPr lvl="1"/>
-            <a:r>
-              <a:rPr lang="en-US" dirty="0"/>
-              <a:t>Compare</a:t>
-            </a:r>
-          </a:p>
-          <a:p>
-            <a:pPr lvl="1"/>
-            <a:r>
-              <a:rPr lang="en-US" dirty="0"/>
-              <a:t>Remote</a:t>
-            </a:r>
-          </a:p>
-          <a:p>
-            <a:pPr lvl="1"/>
-            <a:r>
-              <a:rPr lang="en-US" dirty="0" err="1"/>
-              <a:t>Você</a:t>
-            </a:r>
-            <a:r>
-              <a:rPr lang="en-US" dirty="0"/>
-              <a:t> </a:t>
-            </a:r>
-            <a:r>
-              <a:rPr lang="en-US" dirty="0" err="1"/>
-              <a:t>pode</a:t>
-            </a:r>
-            <a:r>
-              <a:rPr lang="en-US" dirty="0"/>
-              <a:t> </a:t>
-            </a:r>
-            <a:r>
-              <a:rPr lang="en-US" dirty="0" err="1"/>
-              <a:t>criar</a:t>
-            </a:r>
-            <a:r>
-              <a:rPr lang="en-US" dirty="0"/>
-              <a:t> a </a:t>
-            </a:r>
-            <a:r>
-              <a:rPr lang="en-US" dirty="0" err="1"/>
-              <a:t>sua</a:t>
-            </a:r>
-            <a:r>
-              <a:rPr lang="en-US" dirty="0"/>
-              <a:t> </a:t>
-            </a:r>
-            <a:r>
-              <a:rPr lang="en-US" dirty="0" err="1"/>
-              <a:t>própria</a:t>
-            </a:r>
-            <a:r>
-              <a:rPr lang="en-US" dirty="0"/>
-              <a:t> </a:t>
-            </a:r>
-            <a:r>
-              <a:rPr lang="en-US" dirty="0" err="1"/>
-              <a:t>anotação</a:t>
-            </a:r>
-            <a:r>
-              <a:rPr lang="en-US" dirty="0"/>
-              <a:t> </a:t>
-            </a:r>
-            <a:r>
-              <a:rPr lang="en-US" dirty="0" err="1"/>
-              <a:t>customizada</a:t>
-            </a:r>
-            <a:r>
-              <a:rPr lang="en-US" dirty="0"/>
-              <a:t>.</a:t>
-            </a:r>
-          </a:p>
-          <a:p>
-            <a:r>
-              <a:rPr lang="en-US" dirty="0" err="1"/>
-              <a:t>Criando</a:t>
-            </a:r>
-            <a:r>
-              <a:rPr lang="en-US" dirty="0"/>
-              <a:t> </a:t>
-            </a:r>
-            <a:r>
-              <a:rPr lang="en-US" dirty="0" err="1"/>
-              <a:t>validações</a:t>
-            </a:r>
-            <a:r>
-              <a:rPr lang="en-US" dirty="0"/>
-              <a:t> </a:t>
-            </a:r>
-            <a:r>
-              <a:rPr lang="en-US" dirty="0" err="1"/>
-              <a:t>customizadas</a:t>
-            </a:r>
-            <a:r>
-              <a:rPr lang="en-US" dirty="0"/>
-              <a:t> com </a:t>
-            </a:r>
-            <a:r>
-              <a:rPr lang="en-US" dirty="0" err="1"/>
-              <a:t>IValidatableObject</a:t>
-            </a:r>
-            <a:endParaRPr lang="en-US" dirty="0"/>
-          </a:p>
-          <a:p>
-            <a:endParaRPr lang="en-US" dirty="0"/>
+            <a:pPr>
+              <a:lnSpc>
+                <a:spcPct val="150000"/>
+              </a:lnSpc>
+            </a:pPr>
+            <a:r>
+              <a:rPr lang="en-US" sz="2800" dirty="0" smtClean="0"/>
+              <a:t>No server-side</a:t>
+            </a:r>
+          </a:p>
+          <a:p>
+            <a:pPr lvl="1">
+              <a:lnSpc>
+                <a:spcPct val="150000"/>
+              </a:lnSpc>
+            </a:pPr>
+            <a:r>
+              <a:rPr lang="en-US" sz="2400" dirty="0" smtClean="0"/>
+              <a:t>Model </a:t>
+            </a:r>
+            <a:r>
+              <a:rPr lang="en-US" sz="2400" dirty="0" smtClean="0"/>
+              <a:t>State</a:t>
+            </a:r>
+          </a:p>
+          <a:p>
+            <a:pPr lvl="1">
+              <a:lnSpc>
+                <a:spcPct val="150000"/>
+              </a:lnSpc>
+            </a:pPr>
+            <a:endParaRPr lang="en-US" sz="2400" dirty="0" smtClean="0"/>
+          </a:p>
+          <a:p>
+            <a:pPr>
+              <a:lnSpc>
+                <a:spcPct val="150000"/>
+              </a:lnSpc>
+            </a:pPr>
+            <a:r>
+              <a:rPr lang="en-US" sz="2800" dirty="0" smtClean="0"/>
+              <a:t>No client-side</a:t>
+            </a:r>
+          </a:p>
+          <a:p>
+            <a:pPr lvl="1">
+              <a:lnSpc>
+                <a:spcPct val="150000"/>
+              </a:lnSpc>
+            </a:pPr>
+            <a:r>
+              <a:rPr lang="en-US" sz="2400" dirty="0" err="1" smtClean="0"/>
+              <a:t>Requer</a:t>
+            </a:r>
+            <a:r>
+              <a:rPr lang="en-US" sz="2400" dirty="0" smtClean="0"/>
+              <a:t> o </a:t>
+            </a:r>
+            <a:r>
+              <a:rPr lang="en-US" sz="2400" dirty="0" err="1" smtClean="0"/>
+              <a:t>uso</a:t>
+            </a:r>
+            <a:r>
+              <a:rPr lang="en-US" sz="2400" dirty="0" smtClean="0"/>
+              <a:t> jQuery unobtrusive validation</a:t>
+            </a:r>
+            <a:endParaRPr lang="en-US" sz="2400" dirty="0"/>
           </a:p>
         </p:txBody>
       </p:sp>
     </p:spTree>
     <p:extLst>
       <p:ext uri="{BB962C8B-B14F-4D97-AF65-F5344CB8AC3E}">
-        <p14:creationId xmlns:p14="http://schemas.microsoft.com/office/powerpoint/2010/main" val="4145139695"/>
+        <p14:creationId xmlns:p14="http://schemas.microsoft.com/office/powerpoint/2010/main" val="781519632"/>
       </p:ext>
     </p:extLst>
   </p:cSld>
@@ -14377,140 +15105,239 @@
         <p:spPr>
           <a:xfrm>
             <a:off x="646111" y="1626198"/>
-            <a:ext cx="8946541" cy="4195481"/>
+            <a:ext cx="10429720" cy="4195481"/>
           </a:xfrm>
         </p:spPr>
         <p:txBody>
-          <a:bodyPr/>
+          <a:bodyPr>
+            <a:normAutofit fontScale="92500" lnSpcReduction="20000"/>
+          </a:bodyPr>
           <a:lstStyle/>
           <a:p>
-            <a:r>
-              <a:rPr lang="en-US" dirty="0"/>
+            <a:pPr>
+              <a:lnSpc>
+                <a:spcPct val="150000"/>
+              </a:lnSpc>
+            </a:pPr>
+            <a:r>
+              <a:rPr lang="en-US" sz="2400" dirty="0"/>
               <a:t>Semantic </a:t>
             </a:r>
             <a:r>
-              <a:rPr lang="en-US" dirty="0" smtClean="0"/>
+              <a:rPr lang="en-US" sz="2400" dirty="0" smtClean="0"/>
               <a:t>URL</a:t>
             </a:r>
           </a:p>
           <a:p>
-            <a:pPr lvl="1"/>
-            <a:r>
-              <a:rPr lang="en-US" dirty="0" smtClean="0">
-                <a:hlinkClick r:id="rId2"/>
+            <a:pPr lvl="1">
+              <a:lnSpc>
+                <a:spcPct val="150000"/>
+              </a:lnSpc>
+            </a:pPr>
+            <a:r>
+              <a:rPr lang="en-US" sz="2200" dirty="0">
+                <a:solidFill>
+                  <a:schemeClr val="bg2">
+                    <a:lumMod val="60000"/>
+                    <a:lumOff val="40000"/>
+                  </a:schemeClr>
+                </a:solidFill>
               </a:rPr>
-              <a:t>www.mymusicstore.com/Home</a:t>
-            </a:r>
-            <a:endParaRPr lang="en-US" dirty="0" smtClean="0"/>
-          </a:p>
-          <a:p>
-            <a:r>
-              <a:rPr lang="en-US" dirty="0" smtClean="0"/>
-              <a:t>O Routing do MVC </a:t>
-            </a:r>
-            <a:r>
-              <a:rPr lang="en-US" dirty="0" err="1" smtClean="0"/>
+              <a:t>http://sao-paulo.estadao.com.br/</a:t>
+            </a:r>
+            <a:r>
+              <a:rPr lang="en-US" sz="2200" b="1" dirty="0">
+                <a:solidFill>
+                  <a:schemeClr val="tx1">
+                    <a:lumMod val="95000"/>
+                  </a:schemeClr>
+                </a:solidFill>
+              </a:rPr>
+              <a:t>blogs</a:t>
+            </a:r>
+            <a:r>
+              <a:rPr lang="en-US" sz="2200" dirty="0">
+                <a:solidFill>
+                  <a:schemeClr val="bg2">
+                    <a:lumMod val="60000"/>
+                    <a:lumOff val="40000"/>
+                  </a:schemeClr>
+                </a:solidFill>
+              </a:rPr>
+              <a:t>/</a:t>
+            </a:r>
+            <a:r>
+              <a:rPr lang="en-US" sz="2200" b="1" dirty="0">
+                <a:solidFill>
+                  <a:schemeClr val="accent1">
+                    <a:lumMod val="60000"/>
+                    <a:lumOff val="40000"/>
+                  </a:schemeClr>
+                </a:solidFill>
+              </a:rPr>
+              <a:t>edison-veiga</a:t>
+            </a:r>
+            <a:r>
+              <a:rPr lang="en-US" sz="2200" dirty="0">
+                <a:solidFill>
+                  <a:schemeClr val="bg2">
+                    <a:lumMod val="60000"/>
+                    <a:lumOff val="40000"/>
+                  </a:schemeClr>
+                </a:solidFill>
+              </a:rPr>
+              <a:t>/</a:t>
+            </a:r>
+            <a:r>
+              <a:rPr lang="en-US" sz="2200" b="1" dirty="0">
+                <a:solidFill>
+                  <a:srgbClr val="92D050"/>
+                </a:solidFill>
+              </a:rPr>
+              <a:t>espacos-culturais-de-sp-estao-concentrados-no-centro-e-na-zona-oeste</a:t>
+            </a:r>
+            <a:r>
+              <a:rPr lang="en-US" sz="2200" dirty="0" smtClean="0">
+                <a:solidFill>
+                  <a:schemeClr val="bg2">
+                    <a:lumMod val="60000"/>
+                    <a:lumOff val="40000"/>
+                  </a:schemeClr>
+                </a:solidFill>
+              </a:rPr>
+              <a:t>/</a:t>
+            </a:r>
+          </a:p>
+          <a:p>
+            <a:pPr>
+              <a:lnSpc>
+                <a:spcPct val="150000"/>
+              </a:lnSpc>
+            </a:pPr>
+            <a:r>
+              <a:rPr lang="en-US" sz="2600" dirty="0" smtClean="0"/>
+              <a:t>O </a:t>
+            </a:r>
+            <a:r>
+              <a:rPr lang="en-US" sz="2600" dirty="0" smtClean="0"/>
+              <a:t>Routing do MVC </a:t>
+            </a:r>
+            <a:r>
+              <a:rPr lang="en-US" sz="2600" dirty="0" err="1" smtClean="0"/>
               <a:t>controla</a:t>
             </a:r>
             <a:r>
-              <a:rPr lang="en-US" dirty="0" smtClean="0"/>
+              <a:rPr lang="en-US" sz="2600" dirty="0" smtClean="0"/>
               <a:t> </a:t>
             </a:r>
             <a:r>
-              <a:rPr lang="en-US" dirty="0" err="1" smtClean="0"/>
+              <a:rPr lang="en-US" sz="2600" dirty="0" err="1" smtClean="0"/>
               <a:t>qual</a:t>
             </a:r>
             <a:r>
-              <a:rPr lang="en-US" dirty="0" smtClean="0"/>
+              <a:rPr lang="en-US" sz="2600" dirty="0" smtClean="0"/>
               <a:t> Controller/Action </a:t>
             </a:r>
             <a:r>
-              <a:rPr lang="en-US" dirty="0" err="1" smtClean="0"/>
+              <a:rPr lang="en-US" sz="2600" dirty="0" err="1" smtClean="0"/>
               <a:t>vai</a:t>
             </a:r>
             <a:r>
-              <a:rPr lang="en-US" dirty="0" smtClean="0"/>
+              <a:rPr lang="en-US" sz="2600" dirty="0" smtClean="0"/>
               <a:t> </a:t>
             </a:r>
             <a:r>
-              <a:rPr lang="en-US" dirty="0" err="1" smtClean="0"/>
+              <a:rPr lang="en-US" sz="2600" dirty="0" err="1" smtClean="0"/>
               <a:t>ser</a:t>
             </a:r>
             <a:r>
-              <a:rPr lang="en-US" dirty="0" smtClean="0"/>
+              <a:rPr lang="en-US" sz="2600" dirty="0" smtClean="0"/>
               <a:t> </a:t>
             </a:r>
             <a:r>
-              <a:rPr lang="en-US" dirty="0" err="1" smtClean="0"/>
+              <a:rPr lang="en-US" sz="2600" dirty="0" err="1" smtClean="0"/>
               <a:t>chamado</a:t>
             </a:r>
             <a:r>
-              <a:rPr lang="en-US" dirty="0" smtClean="0"/>
+              <a:rPr lang="en-US" sz="2600" dirty="0" smtClean="0"/>
               <a:t> </a:t>
             </a:r>
             <a:r>
-              <a:rPr lang="en-US" dirty="0" err="1" smtClean="0"/>
+              <a:rPr lang="en-US" sz="2600" dirty="0" err="1" smtClean="0"/>
               <a:t>baseado</a:t>
             </a:r>
             <a:r>
-              <a:rPr lang="en-US" dirty="0" smtClean="0"/>
+              <a:rPr lang="en-US" sz="2600" dirty="0" smtClean="0"/>
               <a:t> </a:t>
             </a:r>
             <a:r>
-              <a:rPr lang="en-US" dirty="0" err="1" smtClean="0"/>
+              <a:rPr lang="en-US" sz="2600" dirty="0" err="1" smtClean="0"/>
               <a:t>na</a:t>
             </a:r>
             <a:r>
-              <a:rPr lang="en-US" dirty="0" smtClean="0"/>
+              <a:rPr lang="en-US" sz="2600" dirty="0" smtClean="0"/>
               <a:t> URL </a:t>
             </a:r>
             <a:r>
-              <a:rPr lang="en-US" dirty="0" err="1" smtClean="0"/>
+              <a:rPr lang="en-US" sz="2600" dirty="0" err="1" smtClean="0"/>
               <a:t>fornecida</a:t>
             </a:r>
             <a:r>
-              <a:rPr lang="en-US" dirty="0" smtClean="0"/>
+              <a:rPr lang="en-US" sz="2600" dirty="0" smtClean="0"/>
               <a:t> </a:t>
             </a:r>
             <a:r>
-              <a:rPr lang="en-US" dirty="0" err="1" smtClean="0"/>
+              <a:rPr lang="en-US" sz="2600" dirty="0" err="1" smtClean="0"/>
               <a:t>na</a:t>
             </a:r>
             <a:r>
-              <a:rPr lang="en-US" dirty="0" smtClean="0"/>
+              <a:rPr lang="en-US" sz="2600" dirty="0" smtClean="0"/>
               <a:t> </a:t>
             </a:r>
             <a:r>
-              <a:rPr lang="en-US" dirty="0" err="1" smtClean="0"/>
+              <a:rPr lang="en-US" sz="2600" dirty="0" err="1" smtClean="0"/>
               <a:t>requisição</a:t>
             </a:r>
-            <a:endParaRPr lang="en-US" dirty="0" smtClean="0"/>
-          </a:p>
-          <a:p>
-            <a:r>
-              <a:rPr lang="en-US" dirty="0" err="1" smtClean="0"/>
+            <a:endParaRPr lang="en-US" sz="2600" dirty="0" smtClean="0"/>
+          </a:p>
+          <a:p>
+            <a:pPr>
+              <a:lnSpc>
+                <a:spcPct val="150000"/>
+              </a:lnSpc>
+            </a:pPr>
+            <a:r>
+              <a:rPr lang="en-US" sz="2400" dirty="0" err="1" smtClean="0"/>
               <a:t>Métodos</a:t>
             </a:r>
             <a:r>
-              <a:rPr lang="en-US" dirty="0" smtClean="0"/>
+              <a:rPr lang="en-US" sz="2400" dirty="0" smtClean="0"/>
               <a:t> para customizer o routing</a:t>
             </a:r>
           </a:p>
           <a:p>
-            <a:pPr lvl="1"/>
-            <a:r>
-              <a:rPr lang="en-US" dirty="0" err="1" smtClean="0"/>
+            <a:pPr lvl="1">
+              <a:lnSpc>
+                <a:spcPct val="150000"/>
+              </a:lnSpc>
+            </a:pPr>
+            <a:r>
+              <a:rPr lang="en-US" sz="2000" dirty="0" err="1" smtClean="0"/>
               <a:t>RouteConfig.cs</a:t>
             </a:r>
-            <a:endParaRPr lang="en-US" dirty="0" smtClean="0"/>
-          </a:p>
-          <a:p>
-            <a:pPr lvl="1"/>
-            <a:r>
-              <a:rPr lang="en-US" dirty="0" err="1" smtClean="0"/>
+            <a:endParaRPr lang="en-US" sz="2000" dirty="0" smtClean="0"/>
+          </a:p>
+          <a:p>
+            <a:pPr lvl="1">
+              <a:lnSpc>
+                <a:spcPct val="150000"/>
+              </a:lnSpc>
+            </a:pPr>
+            <a:r>
+              <a:rPr lang="en-US" sz="2000" dirty="0" err="1" smtClean="0"/>
               <a:t>AttributeRouting</a:t>
             </a:r>
-            <a:endParaRPr lang="en-US" dirty="0"/>
+            <a:endParaRPr lang="en-US" sz="2000" dirty="0"/>
           </a:p>
         </p:txBody>
       </p:sp>
@@ -15232,9 +16059,16 @@
           </a:xfrm>
         </p:spPr>
         <p:txBody>
-          <a:bodyPr/>
+          <a:bodyPr>
+            <a:normAutofit lnSpcReduction="10000"/>
+          </a:bodyPr>
           <a:lstStyle/>
           <a:p>
+            <a:pPr>
+              <a:lnSpc>
+                <a:spcPct val="150000"/>
+              </a:lnSpc>
+            </a:pPr>
             <a:r>
               <a:rPr lang="en-US" dirty="0"/>
               <a:t>Filters </a:t>
@@ -15250,7 +16084,11 @@
             <a:endParaRPr lang="en-US" dirty="0"/>
           </a:p>
           <a:p>
-            <a:pPr lvl="1"/>
+            <a:pPr lvl="1">
+              <a:lnSpc>
+                <a:spcPct val="150000"/>
+              </a:lnSpc>
+            </a:pPr>
             <a:r>
               <a:rPr lang="en-US" dirty="0" smtClean="0"/>
               <a:t>Que “</a:t>
@@ -15266,6 +16104,11 @@
             <a:endParaRPr lang="en-US" dirty="0"/>
           </a:p>
           <a:p>
+            <a:pPr>
+              <a:lnSpc>
+                <a:spcPct val="150000"/>
+              </a:lnSpc>
+            </a:pPr>
             <a:r>
               <a:rPr lang="en-US" dirty="0" err="1" smtClean="0"/>
               <a:t>Execução</a:t>
@@ -15281,7 +16124,11 @@
             <a:endParaRPr lang="en-US" dirty="0" smtClean="0"/>
           </a:p>
           <a:p>
-            <a:pPr lvl="1"/>
+            <a:pPr lvl="1">
+              <a:lnSpc>
+                <a:spcPct val="150000"/>
+              </a:lnSpc>
+            </a:pPr>
             <a:r>
               <a:rPr lang="en-US" dirty="0" err="1" smtClean="0"/>
               <a:t>Pode</a:t>
@@ -15308,7 +16155,11 @@
             </a:r>
           </a:p>
           <a:p>
-            <a:pPr lvl="1"/>
+            <a:pPr lvl="1">
+              <a:lnSpc>
+                <a:spcPct val="150000"/>
+              </a:lnSpc>
+            </a:pPr>
             <a:r>
               <a:rPr lang="en-US" dirty="0" err="1" smtClean="0"/>
               <a:t>Ou</a:t>
@@ -15335,6 +16186,11 @@
             </a:r>
           </a:p>
           <a:p>
+            <a:pPr>
+              <a:lnSpc>
+                <a:spcPct val="150000"/>
+              </a:lnSpc>
+            </a:pPr>
             <a:r>
               <a:rPr lang="en-US" dirty="0" err="1" smtClean="0"/>
               <a:t>Podem</a:t>
@@ -15358,7 +16214,11 @@
             <a:endParaRPr lang="en-US" dirty="0" smtClean="0"/>
           </a:p>
           <a:p>
-            <a:pPr lvl="1"/>
+            <a:pPr lvl="1">
+              <a:lnSpc>
+                <a:spcPct val="150000"/>
+              </a:lnSpc>
+            </a:pPr>
             <a:r>
               <a:rPr lang="en-US" dirty="0" err="1" smtClean="0"/>
               <a:t>FilterConfig.cs</a:t>
@@ -15366,7 +16226,11 @@
             <a:endParaRPr lang="en-US" dirty="0" smtClean="0"/>
           </a:p>
           <a:p>
-            <a:pPr lvl="2"/>
+            <a:pPr lvl="2">
+              <a:lnSpc>
+                <a:spcPct val="150000"/>
+              </a:lnSpc>
+            </a:pPr>
             <a:r>
               <a:rPr lang="en-US" dirty="0" err="1" smtClean="0"/>
               <a:t>Global.asax.cs</a:t>
@@ -15374,6 +16238,11 @@
             <a:endParaRPr lang="en-US" dirty="0"/>
           </a:p>
           <a:p>
+            <a:pPr>
+              <a:lnSpc>
+                <a:spcPct val="150000"/>
+              </a:lnSpc>
+            </a:pPr>
             <a:endParaRPr lang="en-US" dirty="0"/>
           </a:p>
         </p:txBody>
@@ -16593,215 +17462,215 @@
         </p:nvSpPr>
         <p:spPr>
           <a:xfrm>
-            <a:off x="646111" y="1853248"/>
-            <a:ext cx="8946541" cy="4195481"/>
+            <a:off x="646111" y="1621429"/>
+            <a:ext cx="9850171" cy="4869523"/>
           </a:xfrm>
         </p:spPr>
         <p:txBody>
           <a:bodyPr>
-            <a:normAutofit lnSpcReduction="10000"/>
+            <a:normAutofit/>
           </a:bodyPr>
           <a:lstStyle/>
           <a:p>
             <a:r>
-              <a:rPr lang="en-US" dirty="0" smtClean="0"/>
+              <a:rPr lang="en-US" sz="2400" dirty="0" smtClean="0"/>
               <a:t>Authorize</a:t>
             </a:r>
           </a:p>
           <a:p>
             <a:pPr lvl="1"/>
             <a:r>
-              <a:rPr lang="en-US" dirty="0" err="1" smtClean="0"/>
+              <a:rPr lang="en-US" sz="2000" dirty="0" err="1" smtClean="0"/>
               <a:t>Controla</a:t>
             </a:r>
             <a:r>
-              <a:rPr lang="en-US" dirty="0" smtClean="0"/>
+              <a:rPr lang="en-US" sz="2000" dirty="0" smtClean="0"/>
               <a:t> </a:t>
             </a:r>
             <a:r>
-              <a:rPr lang="en-US" dirty="0" err="1" smtClean="0"/>
+              <a:rPr lang="en-US" sz="2000" dirty="0" err="1" smtClean="0"/>
               <a:t>quem</a:t>
             </a:r>
             <a:r>
-              <a:rPr lang="en-US" dirty="0" smtClean="0"/>
+              <a:rPr lang="en-US" sz="2000" dirty="0" smtClean="0"/>
               <a:t> </a:t>
             </a:r>
             <a:r>
-              <a:rPr lang="en-US" dirty="0" err="1" smtClean="0"/>
+              <a:rPr lang="en-US" sz="2000" dirty="0" err="1" smtClean="0"/>
               <a:t>pode</a:t>
             </a:r>
             <a:r>
-              <a:rPr lang="en-US" dirty="0" smtClean="0"/>
+              <a:rPr lang="en-US" sz="2000" dirty="0" smtClean="0"/>
               <a:t> </a:t>
             </a:r>
             <a:r>
-              <a:rPr lang="en-US" dirty="0" err="1" smtClean="0"/>
+              <a:rPr lang="en-US" sz="2000" dirty="0" err="1" smtClean="0"/>
               <a:t>acessar</a:t>
             </a:r>
             <a:r>
-              <a:rPr lang="en-US" dirty="0" smtClean="0"/>
+              <a:rPr lang="en-US" sz="2000" dirty="0" smtClean="0"/>
               <a:t> a Controller/Action</a:t>
             </a:r>
           </a:p>
           <a:p>
             <a:pPr lvl="1"/>
             <a:r>
-              <a:rPr lang="en-US" dirty="0" smtClean="0"/>
+              <a:rPr lang="en-US" sz="2000" dirty="0" smtClean="0"/>
               <a:t>Properties</a:t>
             </a:r>
           </a:p>
           <a:p>
             <a:pPr lvl="2"/>
             <a:r>
-              <a:rPr lang="en-US" dirty="0" smtClean="0"/>
+              <a:rPr lang="en-US" sz="1800" dirty="0" smtClean="0"/>
               <a:t>Users</a:t>
             </a:r>
           </a:p>
           <a:p>
             <a:pPr lvl="2"/>
             <a:r>
-              <a:rPr lang="en-US" dirty="0" smtClean="0"/>
+              <a:rPr lang="en-US" sz="1800" dirty="0" smtClean="0"/>
               <a:t>Roles</a:t>
             </a:r>
           </a:p>
           <a:p>
             <a:pPr lvl="1"/>
             <a:r>
-              <a:rPr lang="en-US" dirty="0" err="1" smtClean="0"/>
+              <a:rPr lang="en-US" sz="2000" dirty="0" err="1" smtClean="0"/>
               <a:t>ValidateAntiForgeryToken</a:t>
             </a:r>
-            <a:endParaRPr lang="en-US" dirty="0" smtClean="0"/>
+            <a:endParaRPr lang="en-US" sz="2000" dirty="0" smtClean="0"/>
           </a:p>
           <a:p>
             <a:pPr lvl="2"/>
             <a:r>
-              <a:rPr lang="en-US" dirty="0" err="1" smtClean="0"/>
+              <a:rPr lang="en-US" sz="1800" dirty="0" err="1" smtClean="0"/>
               <a:t>Defende</a:t>
             </a:r>
             <a:r>
-              <a:rPr lang="en-US" dirty="0" smtClean="0"/>
+              <a:rPr lang="en-US" sz="1800" dirty="0" smtClean="0"/>
               <a:t> a Action de </a:t>
             </a:r>
             <a:r>
-              <a:rPr lang="en-US" dirty="0" err="1" smtClean="0"/>
+              <a:rPr lang="en-US" sz="1800" dirty="0" err="1" smtClean="0"/>
               <a:t>possíveis</a:t>
             </a:r>
             <a:r>
-              <a:rPr lang="en-US" dirty="0" smtClean="0"/>
+              <a:rPr lang="en-US" sz="1800" dirty="0" smtClean="0"/>
               <a:t> </a:t>
             </a:r>
             <a:r>
-              <a:rPr lang="en-US" dirty="0" err="1" smtClean="0"/>
+              <a:rPr lang="en-US" sz="1800" dirty="0" err="1" smtClean="0"/>
               <a:t>requisções</a:t>
             </a:r>
             <a:r>
-              <a:rPr lang="en-US" dirty="0" smtClean="0"/>
+              <a:rPr lang="en-US" sz="1800" dirty="0" smtClean="0"/>
               <a:t> </a:t>
             </a:r>
             <a:r>
-              <a:rPr lang="en-US" dirty="0" err="1" smtClean="0"/>
+              <a:rPr lang="en-US" sz="1800" dirty="0" err="1" smtClean="0"/>
               <a:t>maliciosas</a:t>
             </a:r>
             <a:r>
-              <a:rPr lang="en-US" dirty="0" smtClean="0"/>
+              <a:rPr lang="en-US" sz="1800" dirty="0" smtClean="0"/>
               <a:t> </a:t>
             </a:r>
             <a:r>
-              <a:rPr lang="en-US" dirty="0" err="1" smtClean="0"/>
+              <a:rPr lang="en-US" sz="1800" dirty="0" err="1" smtClean="0"/>
               <a:t>vindas</a:t>
             </a:r>
             <a:r>
-              <a:rPr lang="en-US" dirty="0" smtClean="0"/>
+              <a:rPr lang="en-US" sz="1800" dirty="0" smtClean="0"/>
               <a:t> de </a:t>
             </a:r>
             <a:r>
-              <a:rPr lang="en-US" dirty="0" err="1" smtClean="0"/>
+              <a:rPr lang="en-US" sz="1800" dirty="0" err="1" smtClean="0"/>
               <a:t>outras</a:t>
             </a:r>
             <a:r>
-              <a:rPr lang="en-US" dirty="0" smtClean="0"/>
+              <a:rPr lang="en-US" sz="1800" dirty="0" smtClean="0"/>
               <a:t> </a:t>
             </a:r>
             <a:r>
-              <a:rPr lang="en-US" dirty="0" err="1" smtClean="0"/>
+              <a:rPr lang="en-US" sz="1800" dirty="0" err="1" smtClean="0"/>
               <a:t>aplicações</a:t>
             </a:r>
-            <a:endParaRPr lang="en-US" dirty="0" smtClean="0"/>
+            <a:endParaRPr lang="en-US" sz="1800" dirty="0" smtClean="0"/>
           </a:p>
           <a:p>
             <a:pPr lvl="2"/>
             <a:r>
-              <a:rPr lang="en-US" dirty="0" err="1" smtClean="0"/>
+              <a:rPr lang="en-US" sz="1800" dirty="0" err="1" smtClean="0"/>
               <a:t>Obriga</a:t>
             </a:r>
             <a:r>
-              <a:rPr lang="en-US" dirty="0" smtClean="0"/>
+              <a:rPr lang="en-US" sz="1800" dirty="0" smtClean="0"/>
               <a:t> que </a:t>
             </a:r>
             <a:r>
-              <a:rPr lang="en-US" dirty="0" err="1" smtClean="0"/>
+              <a:rPr lang="en-US" sz="1800" dirty="0" err="1" smtClean="0"/>
               <a:t>seja</a:t>
             </a:r>
             <a:r>
-              <a:rPr lang="en-US" dirty="0" smtClean="0"/>
+              <a:rPr lang="en-US" sz="1800" dirty="0" smtClean="0"/>
               <a:t> </a:t>
             </a:r>
             <a:r>
-              <a:rPr lang="en-US" dirty="0" err="1" smtClean="0"/>
+              <a:rPr lang="en-US" sz="1800" dirty="0" err="1" smtClean="0"/>
               <a:t>adicionado</a:t>
             </a:r>
             <a:r>
-              <a:rPr lang="en-US" dirty="0" smtClean="0"/>
+              <a:rPr lang="en-US" sz="1800" dirty="0" smtClean="0"/>
               <a:t> </a:t>
             </a:r>
             <a:r>
-              <a:rPr lang="en-US" dirty="0" err="1" smtClean="0"/>
+              <a:rPr lang="en-US" sz="1800" dirty="0" err="1" smtClean="0"/>
               <a:t>na</a:t>
             </a:r>
             <a:r>
-              <a:rPr lang="en-US" dirty="0" smtClean="0"/>
+              <a:rPr lang="en-US" sz="1800" dirty="0" smtClean="0"/>
               <a:t> View o token anti-forgery</a:t>
             </a:r>
           </a:p>
           <a:p>
             <a:pPr lvl="3"/>
             <a:r>
-              <a:rPr lang="en-US" dirty="0" smtClean="0"/>
+              <a:rPr lang="en-US" sz="1600" dirty="0" smtClean="0"/>
               <a:t>@</a:t>
             </a:r>
             <a:r>
-              <a:rPr lang="en-US" dirty="0" err="1" smtClean="0"/>
+              <a:rPr lang="en-US" sz="1600" dirty="0" err="1" smtClean="0"/>
               <a:t>Html.AntiForgeryToken</a:t>
             </a:r>
-            <a:endParaRPr lang="en-US" dirty="0" smtClean="0"/>
+            <a:endParaRPr lang="en-US" sz="1600" dirty="0" smtClean="0"/>
           </a:p>
           <a:p>
             <a:pPr lvl="1"/>
             <a:r>
-              <a:rPr lang="en-US" dirty="0" err="1" smtClean="0"/>
+              <a:rPr lang="en-US" sz="2000" dirty="0" err="1" smtClean="0"/>
               <a:t>RequireHttps</a:t>
             </a:r>
-            <a:endParaRPr lang="en-US" dirty="0" smtClean="0"/>
+            <a:endParaRPr lang="en-US" sz="2000" dirty="0" smtClean="0"/>
           </a:p>
           <a:p>
             <a:pPr lvl="2"/>
             <a:r>
-              <a:rPr lang="en-US" dirty="0" err="1" smtClean="0"/>
+              <a:rPr lang="en-US" sz="1800" dirty="0" err="1" smtClean="0"/>
               <a:t>Requer</a:t>
             </a:r>
             <a:r>
-              <a:rPr lang="en-US" dirty="0" smtClean="0"/>
+              <a:rPr lang="en-US" sz="1800" dirty="0" smtClean="0"/>
               <a:t> a </a:t>
             </a:r>
             <a:r>
-              <a:rPr lang="en-US" dirty="0" err="1" smtClean="0"/>
+              <a:rPr lang="en-US" sz="1800" dirty="0" err="1" smtClean="0"/>
               <a:t>utilização</a:t>
             </a:r>
             <a:r>
-              <a:rPr lang="en-US" dirty="0" smtClean="0"/>
+              <a:rPr lang="en-US" sz="1800" dirty="0" smtClean="0"/>
               <a:t> do protocol https/SSL</a:t>
             </a:r>
-            <a:endParaRPr lang="en-US" dirty="0"/>
+            <a:endParaRPr lang="en-US" sz="1800" dirty="0"/>
           </a:p>
         </p:txBody>
       </p:sp>
@@ -17007,71 +17876,97 @@
         <p:spPr>
           <a:xfrm>
             <a:off x="838200" y="1825625"/>
-            <a:ext cx="5877845" cy="4351338"/>
+            <a:ext cx="10211873" cy="4351338"/>
           </a:xfrm>
         </p:spPr>
         <p:txBody>
-          <a:bodyPr/>
+          <a:bodyPr>
+            <a:noAutofit/>
+          </a:bodyPr>
           <a:lstStyle/>
           <a:p>
-            <a:r>
-              <a:rPr lang="pt-BR" dirty="0" smtClean="0"/>
+            <a:pPr>
+              <a:lnSpc>
+                <a:spcPct val="150000"/>
+              </a:lnSpc>
+            </a:pPr>
+            <a:r>
+              <a:rPr lang="pt-BR" sz="2400" dirty="0" smtClean="0"/>
               <a:t>Originalmente </a:t>
             </a:r>
             <a:r>
-              <a:rPr lang="pt-BR" dirty="0"/>
-              <a:t>nomeada como </a:t>
-            </a:r>
-            <a:r>
-              <a:rPr lang="pt-BR" dirty="0" smtClean="0"/>
-              <a:t>Thing-Mode-View-Editor</a:t>
-            </a:r>
-          </a:p>
-          <a:p>
-            <a:r>
-              <a:rPr lang="pt-BR" dirty="0"/>
-              <a:t>Originada na comunidade Smalltalk, mais específico na Xerox PARC entre 1970s e 1980s</a:t>
-            </a:r>
-          </a:p>
-          <a:p>
-            <a:r>
-              <a:rPr lang="pt-BR" dirty="0" smtClean="0"/>
+              <a:rPr lang="pt-BR" sz="2400" dirty="0" err="1" smtClean="0"/>
+              <a:t>Thing</a:t>
+            </a:r>
+            <a:r>
+              <a:rPr lang="pt-BR" sz="2400" dirty="0" smtClean="0"/>
+              <a:t>-</a:t>
+            </a:r>
+            <a:r>
+              <a:rPr lang="pt-BR" sz="2400" dirty="0" err="1" smtClean="0"/>
+              <a:t>Mode</a:t>
+            </a:r>
+            <a:r>
+              <a:rPr lang="pt-BR" sz="2400" dirty="0" smtClean="0"/>
+              <a:t>-</a:t>
+            </a:r>
+            <a:r>
+              <a:rPr lang="pt-BR" sz="2400" dirty="0" err="1" smtClean="0"/>
+              <a:t>View</a:t>
+            </a:r>
+            <a:r>
+              <a:rPr lang="pt-BR" sz="2400" dirty="0" smtClean="0"/>
+              <a:t>-Editor</a:t>
+            </a:r>
+            <a:endParaRPr lang="pt-BR" sz="2400" dirty="0" smtClean="0"/>
+          </a:p>
+          <a:p>
+            <a:pPr>
+              <a:lnSpc>
+                <a:spcPct val="150000"/>
+              </a:lnSpc>
+            </a:pPr>
+            <a:r>
+              <a:rPr lang="pt-BR" sz="2400" dirty="0" smtClean="0"/>
+              <a:t>Original da comunidade </a:t>
+            </a:r>
+            <a:r>
+              <a:rPr lang="pt-BR" sz="2400" dirty="0"/>
+              <a:t>Smalltalk, mais específico na Xerox PARC entre 1970s e 1980s</a:t>
+            </a:r>
+          </a:p>
+          <a:p>
+            <a:pPr>
+              <a:lnSpc>
+                <a:spcPct val="150000"/>
+              </a:lnSpc>
+            </a:pPr>
+            <a:r>
+              <a:rPr lang="pt-BR" sz="2400" dirty="0" smtClean="0"/>
               <a:t>Perde força em 1980s com o surgimento do conceito de event-drive design</a:t>
             </a:r>
           </a:p>
           <a:p>
-            <a:r>
-              <a:rPr lang="pt-BR" dirty="0" smtClean="0"/>
+            <a:pPr>
+              <a:lnSpc>
+                <a:spcPct val="150000"/>
+              </a:lnSpc>
+            </a:pPr>
+            <a:r>
+              <a:rPr lang="pt-BR" sz="2400" dirty="0" smtClean="0"/>
               <a:t>Ressurgimento do padrão na plataforma web em 2003 pela comunidade Ruby</a:t>
             </a:r>
           </a:p>
           <a:p>
-            <a:endParaRPr lang="pt-BR" dirty="0" smtClean="0"/>
-          </a:p>
-        </p:txBody>
-      </p:sp>
-      <p:pic>
-        <p:nvPicPr>
-          <p:cNvPr id="6" name="Picture 5"/>
-          <p:cNvPicPr/>
-          <p:nvPr/>
-        </p:nvPicPr>
-        <p:blipFill>
-          <a:blip r:embed="rId2"/>
-          <a:stretch>
-            <a:fillRect/>
-          </a:stretch>
-        </p:blipFill>
-        <p:spPr>
-          <a:xfrm>
-            <a:off x="6716045" y="1825625"/>
-            <a:ext cx="4793203" cy="4351338"/>
-          </a:xfrm>
-          <a:prstGeom prst="rect">
-            <a:avLst/>
-          </a:prstGeom>
-        </p:spPr>
-      </p:pic>
+            <a:pPr>
+              <a:lnSpc>
+                <a:spcPct val="150000"/>
+              </a:lnSpc>
+            </a:pPr>
+            <a:endParaRPr lang="pt-BR" sz="2400" dirty="0" smtClean="0"/>
+          </a:p>
+        </p:txBody>
+      </p:sp>
     </p:spTree>
     <p:extLst>
       <p:ext uri="{BB962C8B-B14F-4D97-AF65-F5344CB8AC3E}">
@@ -17145,14 +18040,19 @@
         <p:spPr>
           <a:xfrm>
             <a:off x="646111" y="1699350"/>
-            <a:ext cx="8946541" cy="4195481"/>
+            <a:ext cx="10790328" cy="4195481"/>
           </a:xfrm>
         </p:spPr>
         <p:txBody>
-          <a:bodyPr/>
+          <a:bodyPr>
+            <a:noAutofit/>
+          </a:bodyPr>
           <a:lstStyle/>
           <a:p>
             <a:pPr defTabSz="914400" eaLnBrk="0" fontAlgn="base" hangingPunct="0">
+              <a:lnSpc>
+                <a:spcPct val="150000"/>
+              </a:lnSpc>
               <a:spcBef>
                 <a:spcPct val="0"/>
               </a:spcBef>
@@ -17167,6 +18067,9 @@
           </a:p>
           <a:p>
             <a:pPr defTabSz="914400" eaLnBrk="0" fontAlgn="base" hangingPunct="0">
+              <a:lnSpc>
+                <a:spcPct val="150000"/>
+              </a:lnSpc>
               <a:spcBef>
                 <a:spcPct val="0"/>
               </a:spcBef>
@@ -17178,6 +18081,9 @@
           </a:p>
           <a:p>
             <a:pPr defTabSz="914400" eaLnBrk="0" fontAlgn="base" hangingPunct="0">
+              <a:lnSpc>
+                <a:spcPct val="150000"/>
+              </a:lnSpc>
               <a:spcBef>
                 <a:spcPct val="0"/>
               </a:spcBef>
@@ -17201,6 +18107,9 @@
           </a:p>
           <a:p>
             <a:pPr defTabSz="914400" eaLnBrk="0" fontAlgn="base" hangingPunct="0">
+              <a:lnSpc>
+                <a:spcPct val="150000"/>
+              </a:lnSpc>
               <a:spcBef>
                 <a:spcPct val="0"/>
               </a:spcBef>
@@ -17224,6 +18133,9 @@
           </a:p>
           <a:p>
             <a:pPr defTabSz="914400" eaLnBrk="0" fontAlgn="base" hangingPunct="0">
+              <a:lnSpc>
+                <a:spcPct val="150000"/>
+              </a:lnSpc>
               <a:spcBef>
                 <a:spcPct val="0"/>
               </a:spcBef>
@@ -17247,6 +18159,9 @@
           </a:p>
           <a:p>
             <a:pPr defTabSz="914400" eaLnBrk="0" fontAlgn="base" hangingPunct="0">
+              <a:lnSpc>
+                <a:spcPct val="150000"/>
+              </a:lnSpc>
               <a:spcBef>
                 <a:spcPct val="0"/>
               </a:spcBef>
@@ -17261,6 +18176,9 @@
           </a:p>
           <a:p>
             <a:pPr defTabSz="914400" eaLnBrk="0" fontAlgn="base" hangingPunct="0">
+              <a:lnSpc>
+                <a:spcPct val="150000"/>
+              </a:lnSpc>
               <a:spcBef>
                 <a:spcPct val="0"/>
               </a:spcBef>
@@ -17275,6 +18193,9 @@
           </a:p>
           <a:p>
             <a:pPr defTabSz="914400" eaLnBrk="0" fontAlgn="base" hangingPunct="0">
+              <a:lnSpc>
+                <a:spcPct val="150000"/>
+              </a:lnSpc>
               <a:spcBef>
                 <a:spcPct val="0"/>
               </a:spcBef>
@@ -17298,6 +18219,9 @@
           </a:p>
           <a:p>
             <a:pPr defTabSz="914400" eaLnBrk="0" fontAlgn="base" hangingPunct="0">
+              <a:lnSpc>
+                <a:spcPct val="150000"/>
+              </a:lnSpc>
               <a:spcBef>
                 <a:spcPct val="0"/>
               </a:spcBef>
@@ -17312,6 +18236,9 @@
           </a:p>
           <a:p>
             <a:pPr defTabSz="914400" eaLnBrk="0" fontAlgn="base" hangingPunct="0">
+              <a:lnSpc>
+                <a:spcPct val="150000"/>
+              </a:lnSpc>
               <a:spcBef>
                 <a:spcPct val="0"/>
               </a:spcBef>
@@ -17326,6 +18253,9 @@
           </a:p>
           <a:p>
             <a:pPr defTabSz="914400" eaLnBrk="0" fontAlgn="base" hangingPunct="0">
+              <a:lnSpc>
+                <a:spcPct val="150000"/>
+              </a:lnSpc>
               <a:spcBef>
                 <a:spcPct val="0"/>
               </a:spcBef>
@@ -17435,36 +18365,66 @@
           </a:bodyPr>
           <a:lstStyle/>
           <a:p>
+            <a:pPr>
+              <a:lnSpc>
+                <a:spcPct val="150000"/>
+              </a:lnSpc>
+            </a:pPr>
             <a:r>
               <a:rPr lang="en-US" dirty="0"/>
               <a:t>Two-Factor Authentication</a:t>
             </a:r>
           </a:p>
           <a:p>
+            <a:pPr>
+              <a:lnSpc>
+                <a:spcPct val="150000"/>
+              </a:lnSpc>
+            </a:pPr>
             <a:r>
               <a:rPr lang="en-US" dirty="0"/>
               <a:t>Account Lockout</a:t>
             </a:r>
           </a:p>
           <a:p>
+            <a:pPr>
+              <a:lnSpc>
+                <a:spcPct val="150000"/>
+              </a:lnSpc>
+            </a:pPr>
             <a:r>
               <a:rPr lang="en-US" dirty="0"/>
               <a:t>Account confirmation</a:t>
             </a:r>
           </a:p>
           <a:p>
+            <a:pPr>
+              <a:lnSpc>
+                <a:spcPct val="150000"/>
+              </a:lnSpc>
+            </a:pPr>
             <a:r>
               <a:rPr lang="en-US" dirty="0"/>
               <a:t>Password reset</a:t>
             </a:r>
           </a:p>
           <a:p>
+            <a:pPr>
+              <a:lnSpc>
+                <a:spcPct val="150000"/>
+              </a:lnSpc>
+            </a:pPr>
             <a:r>
               <a:rPr lang="en-US" dirty="0"/>
               <a:t>Sign-out everywhere</a:t>
             </a:r>
           </a:p>
           <a:p>
+            <a:pPr>
+              <a:lnSpc>
+                <a:spcPct val="150000"/>
+              </a:lnSpc>
+            </a:pPr>
             <a:r>
               <a:rPr lang="en-US" dirty="0" smtClean="0"/>
               <a:t>Password validator</a:t>
@@ -17657,154 +18617,186 @@
           </a:xfrm>
         </p:spPr>
         <p:txBody>
-          <a:bodyPr/>
+          <a:bodyPr>
+            <a:normAutofit/>
+          </a:bodyPr>
           <a:lstStyle/>
           <a:p>
-            <a:r>
-              <a:rPr lang="en-US" dirty="0" err="1" smtClean="0"/>
+            <a:pPr>
+              <a:lnSpc>
+                <a:spcPct val="150000"/>
+              </a:lnSpc>
+            </a:pPr>
+            <a:r>
+              <a:rPr lang="en-US" sz="2400" dirty="0" err="1" smtClean="0"/>
               <a:t>HandleError</a:t>
             </a:r>
-            <a:endParaRPr lang="en-US" dirty="0" smtClean="0"/>
-          </a:p>
-          <a:p>
-            <a:pPr lvl="1"/>
-            <a:r>
-              <a:rPr lang="en-US" dirty="0" err="1" smtClean="0"/>
+            <a:endParaRPr lang="en-US" sz="2400" dirty="0" smtClean="0"/>
+          </a:p>
+          <a:p>
+            <a:pPr lvl="1">
+              <a:lnSpc>
+                <a:spcPct val="150000"/>
+              </a:lnSpc>
+            </a:pPr>
+            <a:r>
+              <a:rPr lang="en-US" sz="2000" dirty="0" err="1" smtClean="0"/>
               <a:t>Redireciona</a:t>
             </a:r>
             <a:r>
-              <a:rPr lang="en-US" dirty="0" smtClean="0"/>
+              <a:rPr lang="en-US" sz="2000" dirty="0" smtClean="0"/>
               <a:t> para o </a:t>
             </a:r>
             <a:r>
-              <a:rPr lang="en-US" dirty="0" err="1" smtClean="0"/>
+              <a:rPr lang="en-US" sz="2000" dirty="0" err="1" smtClean="0"/>
               <a:t>usuário</a:t>
             </a:r>
             <a:r>
-              <a:rPr lang="en-US" dirty="0" smtClean="0"/>
+              <a:rPr lang="en-US" sz="2000" dirty="0" smtClean="0"/>
               <a:t> </a:t>
             </a:r>
             <a:r>
-              <a:rPr lang="en-US" dirty="0" err="1" smtClean="0"/>
+              <a:rPr lang="en-US" sz="2000" dirty="0" err="1" smtClean="0"/>
               <a:t>uma</a:t>
             </a:r>
             <a:r>
-              <a:rPr lang="en-US" dirty="0" smtClean="0"/>
+              <a:rPr lang="en-US" sz="2000" dirty="0" smtClean="0"/>
               <a:t> view </a:t>
             </a:r>
             <a:r>
-              <a:rPr lang="en-US" dirty="0" err="1" smtClean="0"/>
+              <a:rPr lang="en-US" sz="2000" dirty="0" err="1" smtClean="0"/>
               <a:t>quando</a:t>
             </a:r>
             <a:r>
-              <a:rPr lang="en-US" dirty="0" smtClean="0"/>
+              <a:rPr lang="en-US" sz="2000" dirty="0" smtClean="0"/>
               <a:t> </a:t>
             </a:r>
             <a:r>
-              <a:rPr lang="en-US" dirty="0" err="1" smtClean="0"/>
+              <a:rPr lang="en-US" sz="2000" dirty="0" err="1" smtClean="0"/>
               <a:t>uma</a:t>
             </a:r>
             <a:r>
-              <a:rPr lang="en-US" dirty="0" smtClean="0"/>
+              <a:rPr lang="en-US" sz="2000" dirty="0" smtClean="0"/>
               <a:t> </a:t>
             </a:r>
             <a:r>
-              <a:rPr lang="en-US" dirty="0" err="1" smtClean="0"/>
+              <a:rPr lang="en-US" sz="2000" dirty="0" err="1" smtClean="0"/>
               <a:t>execão</a:t>
             </a:r>
             <a:r>
-              <a:rPr lang="en-US" dirty="0" smtClean="0"/>
+              <a:rPr lang="en-US" sz="2000" dirty="0" smtClean="0"/>
               <a:t> é </a:t>
             </a:r>
             <a:r>
-              <a:rPr lang="en-US" dirty="0" err="1" smtClean="0"/>
+              <a:rPr lang="en-US" sz="2000" dirty="0" err="1" smtClean="0"/>
               <a:t>lançada</a:t>
             </a:r>
-            <a:endParaRPr lang="en-US" dirty="0" smtClean="0"/>
-          </a:p>
-          <a:p>
-            <a:pPr lvl="1"/>
-            <a:r>
-              <a:rPr lang="en-US" dirty="0" err="1" smtClean="0"/>
+            <a:endParaRPr lang="en-US" sz="2000" dirty="0" smtClean="0"/>
+          </a:p>
+          <a:p>
+            <a:pPr lvl="1">
+              <a:lnSpc>
+                <a:spcPct val="150000"/>
+              </a:lnSpc>
+            </a:pPr>
+            <a:r>
+              <a:rPr lang="en-US" sz="2000" dirty="0" err="1" smtClean="0"/>
               <a:t>Precisa</a:t>
             </a:r>
             <a:r>
-              <a:rPr lang="en-US" dirty="0" smtClean="0"/>
+              <a:rPr lang="en-US" sz="2000" dirty="0" smtClean="0"/>
               <a:t> que </a:t>
             </a:r>
             <a:r>
-              <a:rPr lang="en-US" dirty="0" err="1" smtClean="0"/>
+              <a:rPr lang="en-US" sz="2000" dirty="0" err="1" smtClean="0"/>
               <a:t>esteja</a:t>
             </a:r>
             <a:r>
-              <a:rPr lang="en-US" dirty="0" smtClean="0"/>
+              <a:rPr lang="en-US" sz="2000" dirty="0" smtClean="0"/>
               <a:t> </a:t>
             </a:r>
             <a:r>
-              <a:rPr lang="en-US" dirty="0" err="1" smtClean="0"/>
+              <a:rPr lang="en-US" sz="2000" dirty="0" err="1" smtClean="0"/>
               <a:t>habilitado</a:t>
             </a:r>
             <a:r>
-              <a:rPr lang="en-US" dirty="0" smtClean="0"/>
+              <a:rPr lang="en-US" sz="2000" dirty="0" smtClean="0"/>
               <a:t> no </a:t>
             </a:r>
             <a:r>
-              <a:rPr lang="en-US" dirty="0" err="1" smtClean="0"/>
+              <a:rPr lang="en-US" sz="2000" dirty="0" err="1" smtClean="0"/>
               <a:t>web.config</a:t>
             </a:r>
             <a:r>
-              <a:rPr lang="en-US" dirty="0" smtClean="0"/>
+              <a:rPr lang="en-US" sz="2000" dirty="0" smtClean="0"/>
               <a:t> custom errors</a:t>
             </a:r>
           </a:p>
           <a:p>
-            <a:r>
-              <a:rPr lang="en-US" dirty="0" err="1" smtClean="0"/>
+            <a:pPr>
+              <a:lnSpc>
+                <a:spcPct val="150000"/>
+              </a:lnSpc>
+            </a:pPr>
+            <a:r>
+              <a:rPr lang="en-US" sz="2400" dirty="0" err="1" smtClean="0"/>
               <a:t>OutputCache</a:t>
             </a:r>
-            <a:endParaRPr lang="en-US" dirty="0" smtClean="0"/>
-          </a:p>
-          <a:p>
-            <a:pPr lvl="1"/>
-            <a:r>
-              <a:rPr lang="en-US" dirty="0" err="1" smtClean="0"/>
+            <a:endParaRPr lang="en-US" sz="2400" dirty="0" smtClean="0"/>
+          </a:p>
+          <a:p>
+            <a:pPr lvl="1">
+              <a:lnSpc>
+                <a:spcPct val="150000"/>
+              </a:lnSpc>
+            </a:pPr>
+            <a:r>
+              <a:rPr lang="en-US" sz="2000" dirty="0" err="1" smtClean="0"/>
               <a:t>Instrui</a:t>
             </a:r>
             <a:r>
-              <a:rPr lang="en-US" dirty="0" smtClean="0"/>
+              <a:rPr lang="en-US" sz="2000" dirty="0" smtClean="0"/>
               <a:t> o ASP.NET a </a:t>
             </a:r>
             <a:r>
-              <a:rPr lang="en-US" dirty="0" err="1" smtClean="0"/>
+              <a:rPr lang="en-US" sz="2000" dirty="0" err="1" smtClean="0"/>
               <a:t>fazer</a:t>
             </a:r>
             <a:r>
-              <a:rPr lang="en-US" dirty="0" smtClean="0"/>
+              <a:rPr lang="en-US" sz="2000" dirty="0" smtClean="0"/>
               <a:t> um cache do </a:t>
             </a:r>
             <a:r>
-              <a:rPr lang="en-US" dirty="0" err="1" smtClean="0"/>
+              <a:rPr lang="en-US" sz="2000" dirty="0" err="1" smtClean="0"/>
               <a:t>resultado</a:t>
             </a:r>
             <a:r>
-              <a:rPr lang="en-US" dirty="0" smtClean="0"/>
+              <a:rPr lang="en-US" sz="2000" dirty="0" smtClean="0"/>
               <a:t> HTML  </a:t>
             </a:r>
           </a:p>
           <a:p>
-            <a:pPr lvl="1"/>
-            <a:r>
-              <a:rPr lang="en-US" dirty="0" err="1" smtClean="0"/>
+            <a:pPr lvl="1">
+              <a:lnSpc>
+                <a:spcPct val="150000"/>
+              </a:lnSpc>
+            </a:pPr>
+            <a:r>
+              <a:rPr lang="en-US" sz="2000" dirty="0" err="1" smtClean="0"/>
               <a:t>Melhora</a:t>
             </a:r>
             <a:r>
-              <a:rPr lang="en-US" dirty="0" smtClean="0"/>
+              <a:rPr lang="en-US" sz="2000" dirty="0" smtClean="0"/>
               <a:t> a performance</a:t>
             </a:r>
           </a:p>
           <a:p>
-            <a:pPr lvl="1"/>
-            <a:endParaRPr lang="en-US" dirty="0"/>
+            <a:pPr lvl="1">
+              <a:lnSpc>
+                <a:spcPct val="150000"/>
+              </a:lnSpc>
+            </a:pPr>
+            <a:endParaRPr lang="en-US" sz="2000" dirty="0"/>
           </a:p>
         </p:txBody>
       </p:sp>
@@ -17886,11 +18878,21 @@
             <p:ph idx="1"/>
           </p:nvPr>
         </p:nvSpPr>
-        <p:spPr/>
+        <p:spPr>
+          <a:xfrm>
+            <a:off x="875201" y="1853248"/>
+            <a:ext cx="8946541" cy="4195481"/>
+          </a:xfrm>
+        </p:spPr>
         <p:txBody>
           <a:bodyPr/>
           <a:lstStyle/>
           <a:p>
+            <a:pPr>
+              <a:lnSpc>
+                <a:spcPct val="150000"/>
+              </a:lnSpc>
+            </a:pPr>
             <a:r>
               <a:rPr lang="en-US" dirty="0" smtClean="0"/>
               <a:t>Tome </a:t>
@@ -17905,6 +18907,11 @@
             </a:r>
           </a:p>
           <a:p>
+            <a:pPr>
+              <a:lnSpc>
+                <a:spcPct val="150000"/>
+              </a:lnSpc>
+            </a:pPr>
             <a:r>
               <a:rPr lang="en-US" dirty="0" err="1" smtClean="0"/>
               <a:t>Adicionar</a:t>
@@ -17920,6 +18927,11 @@
             <a:endParaRPr lang="en-US" dirty="0" smtClean="0"/>
           </a:p>
           <a:p>
+            <a:pPr>
+              <a:lnSpc>
+                <a:spcPct val="150000"/>
+              </a:lnSpc>
+            </a:pPr>
             <a:r>
               <a:rPr lang="en-US" dirty="0" err="1" smtClean="0"/>
               <a:t>Pré-compilar</a:t>
@@ -17930,26 +18942,37 @@
             </a:r>
           </a:p>
           <a:p>
+            <a:pPr>
+              <a:lnSpc>
+                <a:spcPct val="150000"/>
+              </a:lnSpc>
+            </a:pPr>
             <a:r>
               <a:rPr lang="en-US" dirty="0" smtClean="0"/>
               <a:t>Output caching</a:t>
             </a:r>
           </a:p>
           <a:p>
+            <a:pPr>
+              <a:lnSpc>
+                <a:spcPct val="150000"/>
+              </a:lnSpc>
+            </a:pPr>
             <a:r>
               <a:rPr lang="en-US" dirty="0" err="1" smtClean="0"/>
               <a:t>Previna</a:t>
             </a:r>
             <a:r>
               <a:rPr lang="en-US" dirty="0" smtClean="0"/>
-              <a:t> Over </a:t>
-            </a:r>
-            <a:r>
-              <a:rPr lang="en-US" dirty="0" smtClean="0"/>
-              <a:t>posting</a:t>
-            </a:r>
-          </a:p>
-          <a:p>
+              <a:t> Over posting</a:t>
+            </a:r>
+          </a:p>
+          <a:p>
+            <a:pPr>
+              <a:lnSpc>
+                <a:spcPct val="150000"/>
+              </a:lnSpc>
+            </a:pPr>
             <a:r>
               <a:rPr lang="en-US" dirty="0" err="1" smtClean="0"/>
               <a:t>Utilizem</a:t>
@@ -21012,126 +22035,6 @@
 </file>
 
 <file path=ppt/slides/slide6.xml><?xml version="1.0" encoding="utf-8"?>
-<p:sld xmlns:a="http://schemas.openxmlformats.org/drawingml/2006/main" xmlns:r="http://schemas.openxmlformats.org/officeDocument/2006/relationships" xmlns:p="http://schemas.openxmlformats.org/presentationml/2006/main">
-  <p:cSld>
-    <p:spTree>
-      <p:nvGrpSpPr>
-        <p:cNvPr id="1" name=""/>
-        <p:cNvGrpSpPr/>
-        <p:nvPr/>
-      </p:nvGrpSpPr>
-      <p:grpSpPr>
-        <a:xfrm>
-          <a:off x="0" y="0"/>
-          <a:ext cx="0" cy="0"/>
-          <a:chOff x="0" y="0"/>
-          <a:chExt cx="0" cy="0"/>
-        </a:xfrm>
-      </p:grpSpPr>
-      <p:sp>
-        <p:nvSpPr>
-          <p:cNvPr id="2" name="Title 1"/>
-          <p:cNvSpPr>
-            <a:spLocks noGrp="1"/>
-          </p:cNvSpPr>
-          <p:nvPr>
-            <p:ph type="title"/>
-          </p:nvPr>
-        </p:nvSpPr>
-        <p:spPr/>
-        <p:txBody>
-          <a:bodyPr/>
-          <a:lstStyle/>
-          <a:p>
-            <a:r>
-              <a:rPr lang="en-US" dirty="0" smtClean="0"/>
-              <a:t>ASP. NET MVC</a:t>
-            </a:r>
-            <a:endParaRPr lang="en-US" dirty="0"/>
-          </a:p>
-        </p:txBody>
-      </p:sp>
-      <p:pic>
-        <p:nvPicPr>
-          <p:cNvPr id="38" name="Picture 37" descr="http://joel.inpointform.net/wp-content/uploads/2011/05/mvc_mvp.jpg"/>
-          <p:cNvPicPr/>
-          <p:nvPr/>
-        </p:nvPicPr>
-        <p:blipFill>
-          <a:blip r:embed="rId2">
-            <a:extLst>
-              <a:ext uri="{28A0092B-C50C-407E-A947-70E740481C1C}">
-                <a14:useLocalDpi xmlns:a14="http://schemas.microsoft.com/office/drawing/2010/main" val="0"/>
-              </a:ext>
-            </a:extLst>
-          </a:blip>
-          <a:srcRect/>
-          <a:stretch>
-            <a:fillRect/>
-          </a:stretch>
-        </p:blipFill>
-        <p:spPr bwMode="auto">
-          <a:xfrm>
-            <a:off x="5632704" y="1710664"/>
-            <a:ext cx="6266688" cy="4129304"/>
-          </a:xfrm>
-          <a:prstGeom prst="rect">
-            <a:avLst/>
-          </a:prstGeom>
-          <a:noFill/>
-          <a:ln>
-            <a:noFill/>
-          </a:ln>
-        </p:spPr>
-      </p:pic>
-      <p:sp>
-        <p:nvSpPr>
-          <p:cNvPr id="5" name="Content Placeholder 4"/>
-          <p:cNvSpPr>
-            <a:spLocks noGrp="1"/>
-          </p:cNvSpPr>
-          <p:nvPr>
-            <p:ph idx="1"/>
-          </p:nvPr>
-        </p:nvSpPr>
-        <p:spPr>
-          <a:xfrm>
-            <a:off x="646111" y="1600936"/>
-            <a:ext cx="4430387" cy="4351338"/>
-          </a:xfrm>
-        </p:spPr>
-        <p:txBody>
-          <a:bodyPr/>
-          <a:lstStyle/>
-          <a:p>
-            <a:r>
-              <a:rPr lang="pt-BR" dirty="0" smtClean="0"/>
-              <a:t>Em 2009 foi lançada a primeira versão do ASP.NET MVC</a:t>
-            </a:r>
-          </a:p>
-        </p:txBody>
-      </p:sp>
-    </p:spTree>
-    <p:extLst>
-      <p:ext uri="{BB962C8B-B14F-4D97-AF65-F5344CB8AC3E}">
-        <p14:creationId xmlns:p14="http://schemas.microsoft.com/office/powerpoint/2010/main" val="4239403711"/>
-      </p:ext>
-    </p:extLst>
-  </p:cSld>
-  <p:clrMapOvr>
-    <a:masterClrMapping/>
-  </p:clrMapOvr>
-  <p:timing>
-    <p:tnLst>
-      <p:par>
-        <p:cTn id="1" dur="indefinite" restart="never" nodeType="tmRoot"/>
-      </p:par>
-    </p:tnLst>
-  </p:timing>
-</p:sld>
-</file>
-
-<file path=ppt/slides/slide7.xml><?xml version="1.0" encoding="utf-8"?>
 <p:sld xmlns:a="http://schemas.openxmlformats.org/drawingml/2006/main" xmlns:r="http://schemas.openxmlformats.org/officeDocument/2006/relationships" xmlns:p="http://schemas.openxmlformats.org/presentationml/2006/main">
   <p:cSld>
     <p:spTree>
@@ -21730,6 +22633,92 @@
 </p:sld>
 </file>
 
+<file path=ppt/slides/slide7.xml><?xml version="1.0" encoding="utf-8"?>
+<p:sld xmlns:a="http://schemas.openxmlformats.org/drawingml/2006/main" xmlns:r="http://schemas.openxmlformats.org/officeDocument/2006/relationships" xmlns:p="http://schemas.openxmlformats.org/presentationml/2006/main">
+  <p:cSld>
+    <p:spTree>
+      <p:nvGrpSpPr>
+        <p:cNvPr id="1" name=""/>
+        <p:cNvGrpSpPr/>
+        <p:nvPr/>
+      </p:nvGrpSpPr>
+      <p:grpSpPr>
+        <a:xfrm>
+          <a:off x="0" y="0"/>
+          <a:ext cx="0" cy="0"/>
+          <a:chOff x="0" y="0"/>
+          <a:chExt cx="0" cy="0"/>
+        </a:xfrm>
+      </p:grpSpPr>
+      <p:sp>
+        <p:nvSpPr>
+          <p:cNvPr id="2" name="Title 1"/>
+          <p:cNvSpPr>
+            <a:spLocks noGrp="1"/>
+          </p:cNvSpPr>
+          <p:nvPr>
+            <p:ph type="title"/>
+          </p:nvPr>
+        </p:nvSpPr>
+        <p:spPr>
+          <a:xfrm>
+            <a:off x="646112" y="156504"/>
+            <a:ext cx="9103196" cy="1400530"/>
+          </a:xfrm>
+        </p:spPr>
+        <p:txBody>
+          <a:bodyPr/>
+          <a:lstStyle/>
+          <a:p>
+            <a:r>
+              <a:rPr lang="en-US" sz="3600" dirty="0" err="1" smtClean="0"/>
+              <a:t>Asp.Net</a:t>
+            </a:r>
+            <a:r>
+              <a:rPr lang="en-US" sz="3600" dirty="0" smtClean="0"/>
+              <a:t> Web Forms</a:t>
+            </a:r>
+            <a:endParaRPr lang="en-US" sz="3600" dirty="0"/>
+          </a:p>
+        </p:txBody>
+      </p:sp>
+      <p:pic>
+        <p:nvPicPr>
+          <p:cNvPr id="4" name="Picture 3"/>
+          <p:cNvPicPr>
+            <a:picLocks noChangeAspect="1"/>
+          </p:cNvPicPr>
+          <p:nvPr/>
+        </p:nvPicPr>
+        <p:blipFill>
+          <a:blip r:embed="rId2"/>
+          <a:stretch>
+            <a:fillRect/>
+          </a:stretch>
+        </p:blipFill>
+        <p:spPr>
+          <a:xfrm>
+            <a:off x="1916673" y="985558"/>
+            <a:ext cx="7111418" cy="5704982"/>
+          </a:xfrm>
+          <a:prstGeom prst="rect">
+            <a:avLst/>
+          </a:prstGeom>
+        </p:spPr>
+      </p:pic>
+    </p:spTree>
+    <p:extLst>
+      <p:ext uri="{BB962C8B-B14F-4D97-AF65-F5344CB8AC3E}">
+        <p14:creationId xmlns:p14="http://schemas.microsoft.com/office/powerpoint/2010/main" val="640079254"/>
+      </p:ext>
+    </p:extLst>
+  </p:cSld>
+  <p:clrMapOvr>
+    <a:masterClrMapping/>
+  </p:clrMapOvr>
+</p:sld>
+</file>
+
 <file path=ppt/slides/slide8.xml><?xml version="1.0" encoding="utf-8"?>
 <p:sld xmlns:a="http://schemas.openxmlformats.org/drawingml/2006/main" xmlns:r="http://schemas.openxmlformats.org/officeDocument/2006/relationships" xmlns:p="http://schemas.openxmlformats.org/presentationml/2006/main">
   <p:cSld>

--- a/Presentation/AspNetMvc.pptx
+++ b/Presentation/AspNetMvc.pptx
@@ -11793,11 +11793,7 @@
             </a:r>
             <a:r>
               <a:rPr lang="en-US" sz="2400" dirty="0" smtClean="0"/>
-              <a:t> (CRUD</a:t>
-            </a:r>
-            <a:r>
-              <a:rPr lang="en-US" sz="2400" dirty="0" smtClean="0"/>
-              <a:t>)</a:t>
+              <a:t> (CRUD)</a:t>
             </a:r>
           </a:p>
           <a:p>
@@ -14974,7 +14970,15 @@
           <a:p>
             <a:r>
               <a:rPr lang="en-US" sz="2400" dirty="0" smtClean="0"/>
-              <a:t>View Models (Presentation Model)</a:t>
+              <a:t>View </a:t>
+            </a:r>
+            <a:r>
+              <a:rPr lang="en-US" sz="2400" dirty="0" smtClean="0"/>
+              <a:t>Models </a:t>
+            </a:r>
+            <a:r>
+              <a:rPr lang="en-US" sz="2400" dirty="0" smtClean="0"/>
+              <a:t>(Presentation Model)</a:t>
             </a:r>
           </a:p>
         </p:txBody>
@@ -15231,73 +15235,34 @@
             <a:pPr marL="0" indent="0">
               <a:buNone/>
             </a:pPr>
-            <a:r>
-              <a:rPr lang="en-US" dirty="0" smtClean="0"/>
-              <a:t>São </a:t>
-            </a:r>
-            <a:r>
-              <a:rPr lang="en-US" dirty="0" err="1" smtClean="0"/>
-              <a:t>simplesmente</a:t>
-            </a:r>
-            <a:r>
-              <a:rPr lang="en-US" dirty="0" smtClean="0"/>
-              <a:t> classes que </a:t>
-            </a:r>
-            <a:r>
-              <a:rPr lang="en-US" dirty="0" err="1" smtClean="0"/>
-              <a:t>representam</a:t>
-            </a:r>
-            <a:r>
-              <a:rPr lang="en-US" dirty="0" smtClean="0"/>
-              <a:t> </a:t>
-            </a:r>
-            <a:r>
-              <a:rPr lang="en-US" dirty="0" err="1" smtClean="0"/>
-              <a:t>os</a:t>
-            </a:r>
-            <a:r>
-              <a:rPr lang="en-US" dirty="0" smtClean="0"/>
-              <a:t> dados que </a:t>
-            </a:r>
-            <a:r>
-              <a:rPr lang="en-US" dirty="0" err="1" smtClean="0"/>
-              <a:t>interagirão</a:t>
-            </a:r>
-            <a:r>
-              <a:rPr lang="en-US" dirty="0" smtClean="0"/>
-              <a:t> com </a:t>
-            </a:r>
-            <a:r>
-              <a:rPr lang="en-US" dirty="0" err="1" smtClean="0"/>
-              <a:t>os</a:t>
-            </a:r>
-            <a:r>
-              <a:rPr lang="en-US" dirty="0" smtClean="0"/>
-              <a:t> </a:t>
-            </a:r>
-            <a:r>
-              <a:rPr lang="en-US" dirty="0" err="1" smtClean="0"/>
-              <a:t>usuário</a:t>
-            </a:r>
-            <a:r>
-              <a:rPr lang="en-US" dirty="0" smtClean="0"/>
-              <a:t> da </a:t>
-            </a:r>
-            <a:r>
-              <a:rPr lang="en-US" dirty="0" err="1" smtClean="0"/>
-              <a:t>sua</a:t>
-            </a:r>
-            <a:r>
-              <a:rPr lang="en-US" dirty="0" smtClean="0"/>
-              <a:t> </a:t>
-            </a:r>
-            <a:r>
-              <a:rPr lang="en-US" dirty="0" err="1" smtClean="0"/>
-              <a:t>aplicação</a:t>
-            </a:r>
-            <a:r>
-              <a:rPr lang="en-US" dirty="0" smtClean="0"/>
-              <a:t>.</a:t>
+            <a:endParaRPr lang="en-US" dirty="0" smtClean="0"/>
+          </a:p>
+        </p:txBody>
+      </p:sp>
+      <p:sp>
+        <p:nvSpPr>
+          <p:cNvPr id="5" name="Rectangle 4"/>
+          <p:cNvSpPr/>
+          <p:nvPr/>
+        </p:nvSpPr>
+        <p:spPr>
+          <a:xfrm>
+            <a:off x="2163650" y="6222522"/>
+            <a:ext cx="10328856" cy="369332"/>
+          </a:xfrm>
+          <a:prstGeom prst="rect">
+            <a:avLst/>
+          </a:prstGeom>
+        </p:spPr>
+        <p:txBody>
+          <a:bodyPr wrap="square">
+            <a:spAutoFit/>
+          </a:bodyPr>
+          <a:lstStyle/>
+          <a:p>
+            <a:r>
+              <a:rPr lang="en-US" dirty="0"/>
+              <a:t>http://stackoverflow.com/questions/4061440/asp-net-mvc-model-vs-viewmodel</a:t>
             </a:r>
           </a:p>
         </p:txBody>
@@ -15839,6 +15804,34 @@
               </a:lnSpc>
             </a:pPr>
             <a:endParaRPr lang="en-US" sz="1800" dirty="0"/>
+          </a:p>
+        </p:txBody>
+      </p:sp>
+      <p:sp>
+        <p:nvSpPr>
+          <p:cNvPr id="4" name="Rectangle 3"/>
+          <p:cNvSpPr/>
+          <p:nvPr/>
+        </p:nvSpPr>
+        <p:spPr>
+          <a:xfrm>
+            <a:off x="942240" y="6370680"/>
+            <a:ext cx="11818513" cy="369332"/>
+          </a:xfrm>
+          <a:prstGeom prst="rect">
+            <a:avLst/>
+          </a:prstGeom>
+        </p:spPr>
+        <p:txBody>
+          <a:bodyPr wrap="square">
+            <a:spAutoFit/>
+          </a:bodyPr>
+          <a:lstStyle/>
+          <a:p>
+            <a:r>
+              <a:rPr lang="en-US" dirty="0"/>
+              <a:t>http://stackoverflow.com/questions/16100300/asp-net-mvc-custom-validation-by-dataannotation</a:t>
+            </a:r>
           </a:p>
         </p:txBody>
       </p:sp>

--- a/Presentation/AspNetMvc.pptx
+++ b/Presentation/AspNetMvc.pptx
@@ -10904,10 +10904,10 @@
           <a:lstStyle/>
           <a:p>
             <a:r>
-              <a:rPr lang="en-US" dirty="0" smtClean="0"/>
+              <a:rPr lang="pt-BR" noProof="0" dirty="0" smtClean="0"/>
               <a:t>ASP.NET MVC</a:t>
             </a:r>
-            <a:endParaRPr lang="en-US" dirty="0"/>
+            <a:endParaRPr lang="pt-BR" noProof="0" dirty="0"/>
           </a:p>
         </p:txBody>
       </p:sp>
@@ -10927,14 +10927,10 @@
           <a:lstStyle/>
           <a:p>
             <a:r>
-              <a:rPr lang="en-US" dirty="0" smtClean="0"/>
-              <a:t>Eduardo </a:t>
-            </a:r>
-            <a:r>
-              <a:rPr lang="en-US" dirty="0" err="1" smtClean="0"/>
-              <a:t>silva</a:t>
-            </a:r>
-            <a:endParaRPr lang="en-US" dirty="0"/>
+              <a:rPr lang="pt-BR" noProof="0" dirty="0" smtClean="0"/>
+              <a:t>Eduardo silva</a:t>
+            </a:r>
+            <a:endParaRPr lang="pt-BR" noProof="0" dirty="0"/>
           </a:p>
         </p:txBody>
       </p:sp>
@@ -10991,10 +10987,18 @@
           <a:lstStyle/>
           <a:p>
             <a:r>
-              <a:rPr lang="en-US" dirty="0" smtClean="0"/>
-              <a:t>Request Based</a:t>
-            </a:r>
-            <a:endParaRPr lang="en-US" dirty="0"/>
+              <a:rPr lang="pt-BR" noProof="0" dirty="0" err="1" smtClean="0"/>
+              <a:t>Request</a:t>
+            </a:r>
+            <a:r>
+              <a:rPr lang="pt-BR" noProof="0" dirty="0" smtClean="0"/>
+              <a:t> </a:t>
+            </a:r>
+            <a:r>
+              <a:rPr lang="pt-BR" noProof="0" dirty="0" err="1" smtClean="0"/>
+              <a:t>Based</a:t>
+            </a:r>
+            <a:endParaRPr lang="pt-BR" noProof="0" dirty="0"/>
           </a:p>
         </p:txBody>
       </p:sp>
@@ -11494,13 +11498,10 @@
           <a:lstStyle/>
           <a:p>
             <a:r>
-              <a:rPr lang="en-US" dirty="0" err="1"/>
-              <a:t>Estrutura</a:t>
-            </a:r>
-            <a:r>
-              <a:rPr lang="en-US" dirty="0"/>
-              <a:t> do Projeto</a:t>
-            </a:r>
+              <a:rPr lang="pt-BR" noProof="0" dirty="0" smtClean="0"/>
+              <a:t>Estrutura do Projeto</a:t>
+            </a:r>
+            <a:endParaRPr lang="pt-BR" noProof="0" dirty="0"/>
           </a:p>
         </p:txBody>
       </p:sp>
@@ -11527,10 +11528,10 @@
               </a:lnSpc>
             </a:pPr>
             <a:r>
-              <a:rPr lang="en-US" sz="2800" dirty="0" err="1" smtClean="0"/>
+              <a:rPr lang="pt-BR" sz="2800" noProof="0" dirty="0" err="1" smtClean="0"/>
               <a:t>App_Data</a:t>
             </a:r>
-            <a:endParaRPr lang="en-US" sz="2800" dirty="0" smtClean="0"/>
+            <a:endParaRPr lang="pt-BR" sz="2800" noProof="0" dirty="0" smtClean="0"/>
           </a:p>
           <a:p>
             <a:pPr>
@@ -11539,10 +11540,10 @@
               </a:lnSpc>
             </a:pPr>
             <a:r>
-              <a:rPr lang="en-US" sz="2800" dirty="0" err="1" smtClean="0"/>
+              <a:rPr lang="pt-BR" sz="2800" noProof="0" dirty="0" err="1" smtClean="0"/>
               <a:t>App_Start</a:t>
             </a:r>
-            <a:endParaRPr lang="en-US" sz="2800" dirty="0" smtClean="0"/>
+            <a:endParaRPr lang="pt-BR" sz="2800" noProof="0" dirty="0" smtClean="0"/>
           </a:p>
           <a:p>
             <a:pPr>
@@ -11551,9 +11552,10 @@
               </a:lnSpc>
             </a:pPr>
             <a:r>
-              <a:rPr lang="en-US" sz="2800" dirty="0" smtClean="0"/>
+              <a:rPr lang="pt-BR" sz="2800" noProof="0" dirty="0" err="1" smtClean="0"/>
               <a:t>Controllers</a:t>
             </a:r>
+            <a:endParaRPr lang="pt-BR" sz="2800" noProof="0" dirty="0" smtClean="0"/>
           </a:p>
           <a:p>
             <a:pPr>
@@ -11562,9 +11564,10 @@
               </a:lnSpc>
             </a:pPr>
             <a:r>
-              <a:rPr lang="en-US" sz="2800" dirty="0" smtClean="0"/>
+              <a:rPr lang="pt-BR" sz="2800" noProof="0" dirty="0" err="1" smtClean="0"/>
               <a:t>Models</a:t>
             </a:r>
+            <a:endParaRPr lang="pt-BR" sz="2800" noProof="0" dirty="0" smtClean="0"/>
           </a:p>
           <a:p>
             <a:pPr marL="0" indent="0">
@@ -11573,7 +11576,7 @@
               </a:lnSpc>
               <a:buNone/>
             </a:pPr>
-            <a:endParaRPr lang="en-US" sz="2800" dirty="0" smtClean="0"/>
+            <a:endParaRPr lang="pt-BR" sz="2800" noProof="0" dirty="0" smtClean="0"/>
           </a:p>
           <a:p>
             <a:pPr>
@@ -11582,9 +11585,10 @@
               </a:lnSpc>
             </a:pPr>
             <a:r>
-              <a:rPr lang="en-US" sz="2800" dirty="0" smtClean="0"/>
+              <a:rPr lang="pt-BR" sz="2800" noProof="0" dirty="0" err="1" smtClean="0"/>
               <a:t>Views</a:t>
             </a:r>
+            <a:endParaRPr lang="pt-BR" sz="2800" noProof="0" dirty="0" smtClean="0"/>
           </a:p>
           <a:p>
             <a:pPr>
@@ -11593,10 +11597,10 @@
               </a:lnSpc>
             </a:pPr>
             <a:r>
-              <a:rPr lang="en-US" sz="2800" dirty="0" err="1" smtClean="0"/>
+              <a:rPr lang="pt-BR" sz="2800" noProof="0" dirty="0" err="1" smtClean="0"/>
               <a:t>Web.Config</a:t>
             </a:r>
-            <a:endParaRPr lang="en-US" sz="2800" dirty="0" smtClean="0"/>
+            <a:endParaRPr lang="pt-BR" sz="2800" noProof="0" dirty="0" smtClean="0"/>
           </a:p>
           <a:p>
             <a:pPr>
@@ -11605,10 +11609,10 @@
               </a:lnSpc>
             </a:pPr>
             <a:r>
-              <a:rPr lang="en-US" sz="2800" dirty="0" err="1" smtClean="0"/>
+              <a:rPr lang="pt-BR" sz="2800" noProof="0" dirty="0" err="1" smtClean="0"/>
               <a:t>Global.asax</a:t>
             </a:r>
-            <a:endParaRPr lang="en-US" sz="2800" dirty="0" smtClean="0"/>
+            <a:endParaRPr lang="pt-BR" sz="2800" noProof="0" dirty="0" smtClean="0"/>
           </a:p>
           <a:p>
             <a:pPr>
@@ -11617,13 +11621,18 @@
               </a:lnSpc>
             </a:pPr>
             <a:r>
-              <a:rPr lang="en-US" sz="2800" dirty="0" err="1"/>
+              <a:rPr lang="pt-BR" sz="2800" noProof="0" dirty="0" err="1" smtClean="0"/>
               <a:t>Nuget</a:t>
             </a:r>
             <a:r>
-              <a:rPr lang="en-US" sz="2800" dirty="0"/>
-              <a:t> Packages</a:t>
-            </a:r>
+              <a:rPr lang="pt-BR" sz="2800" noProof="0" dirty="0" smtClean="0"/>
+              <a:t> </a:t>
+            </a:r>
+            <a:r>
+              <a:rPr lang="pt-BR" sz="2800" noProof="0" dirty="0" err="1" smtClean="0"/>
+              <a:t>Packages</a:t>
+            </a:r>
+            <a:endParaRPr lang="pt-BR" sz="2800" noProof="0" dirty="0"/>
           </a:p>
         </p:txBody>
       </p:sp>
@@ -11680,10 +11689,10 @@
           <a:lstStyle/>
           <a:p>
             <a:r>
-              <a:rPr lang="en-US" dirty="0" smtClean="0"/>
+              <a:rPr lang="pt-BR" noProof="0" dirty="0" err="1" smtClean="0"/>
               <a:t>Scaffold</a:t>
             </a:r>
-            <a:endParaRPr lang="en-US" dirty="0"/>
+            <a:endParaRPr lang="pt-BR" noProof="0" dirty="0"/>
           </a:p>
         </p:txBody>
       </p:sp>
@@ -11715,80 +11724,12 @@
               </a:lnSpc>
             </a:pPr>
             <a:r>
-              <a:rPr lang="en-US" sz="2800" dirty="0" smtClean="0"/>
-              <a:t>Scaffold é </a:t>
-            </a:r>
-            <a:r>
-              <a:rPr lang="en-US" sz="2800" dirty="0" err="1" smtClean="0"/>
-              <a:t>uma</a:t>
-            </a:r>
-            <a:r>
-              <a:rPr lang="en-US" sz="2800" dirty="0" smtClean="0"/>
-              <a:t> </a:t>
-            </a:r>
-            <a:r>
-              <a:rPr lang="en-US" sz="2800" dirty="0" err="1" smtClean="0"/>
-              <a:t>tecnica</a:t>
-            </a:r>
-            <a:r>
-              <a:rPr lang="en-US" sz="2800" dirty="0" smtClean="0"/>
-              <a:t> de </a:t>
-            </a:r>
-            <a:r>
-              <a:rPr lang="en-US" sz="2800" dirty="0" err="1" smtClean="0"/>
-              <a:t>geração</a:t>
-            </a:r>
-            <a:r>
-              <a:rPr lang="en-US" sz="2800" dirty="0" smtClean="0"/>
-              <a:t> de </a:t>
-            </a:r>
-            <a:r>
-              <a:rPr lang="en-US" sz="2800" dirty="0" err="1" smtClean="0"/>
-              <a:t>código</a:t>
-            </a:r>
-            <a:r>
-              <a:rPr lang="en-US" sz="2800" dirty="0" smtClean="0"/>
-              <a:t> para </a:t>
-            </a:r>
-            <a:r>
-              <a:rPr lang="en-US" sz="2800" dirty="0" err="1" smtClean="0"/>
-              <a:t>facilitar</a:t>
-            </a:r>
-            <a:r>
-              <a:rPr lang="en-US" sz="2800" dirty="0" smtClean="0"/>
-              <a:t> a </a:t>
-            </a:r>
-            <a:r>
-              <a:rPr lang="en-US" sz="2800" dirty="0" err="1" smtClean="0"/>
-              <a:t>criação</a:t>
-            </a:r>
-            <a:r>
-              <a:rPr lang="en-US" sz="2800" dirty="0" smtClean="0"/>
-              <a:t> de </a:t>
-            </a:r>
-            <a:r>
-              <a:rPr lang="en-US" sz="2800" dirty="0" err="1" smtClean="0"/>
-              <a:t>telas</a:t>
-            </a:r>
-            <a:r>
-              <a:rPr lang="en-US" sz="2800" dirty="0" smtClean="0"/>
-              <a:t> de </a:t>
-            </a:r>
-            <a:r>
-              <a:rPr lang="en-US" sz="2800" dirty="0" err="1" smtClean="0"/>
-              <a:t>cadastro</a:t>
-            </a:r>
-            <a:r>
-              <a:rPr lang="en-US" sz="2800" dirty="0" smtClean="0"/>
-              <a:t> </a:t>
-            </a:r>
-            <a:r>
-              <a:rPr lang="en-US" sz="2800" dirty="0" err="1" smtClean="0"/>
-              <a:t>báscias</a:t>
-            </a:r>
-            <a:r>
-              <a:rPr lang="en-US" sz="2800" dirty="0" smtClean="0"/>
-              <a:t> (CRUD)</a:t>
+              <a:rPr lang="pt-BR" sz="2800" noProof="0" dirty="0" err="1" smtClean="0"/>
+              <a:t>Scaffold</a:t>
+            </a:r>
+            <a:r>
+              <a:rPr lang="pt-BR" sz="2800" noProof="0" dirty="0" smtClean="0"/>
+              <a:t> é uma técnica de geração de código para facilitar a criação de telas de cadastro básicas (CRUD)</a:t>
             </a:r>
           </a:p>
           <a:p>
@@ -11797,7 +11738,7 @@
                 <a:spcPct val="150000"/>
               </a:lnSpc>
             </a:pPr>
-            <a:endParaRPr lang="en-US" sz="2800" dirty="0" smtClean="0"/>
+            <a:endParaRPr lang="pt-BR" sz="2800" noProof="0" dirty="0" smtClean="0"/>
           </a:p>
           <a:p>
             <a:pPr>
@@ -11806,74 +11747,10 @@
               </a:lnSpc>
             </a:pPr>
             <a:r>
-              <a:rPr lang="en-US" sz="2800" dirty="0" err="1" smtClean="0"/>
-              <a:t>Depois</a:t>
-            </a:r>
-            <a:r>
-              <a:rPr lang="en-US" sz="2800" dirty="0" smtClean="0"/>
-              <a:t> de </a:t>
-            </a:r>
-            <a:r>
-              <a:rPr lang="en-US" sz="2800" dirty="0" err="1" smtClean="0"/>
-              <a:t>gerado</a:t>
-            </a:r>
-            <a:r>
-              <a:rPr lang="en-US" sz="2800" dirty="0" smtClean="0"/>
-              <a:t> o </a:t>
-            </a:r>
-            <a:r>
-              <a:rPr lang="en-US" sz="2800" dirty="0" err="1" smtClean="0"/>
-              <a:t>código</a:t>
-            </a:r>
-            <a:r>
-              <a:rPr lang="en-US" sz="2800" dirty="0" smtClean="0"/>
-              <a:t> </a:t>
-            </a:r>
-            <a:r>
-              <a:rPr lang="en-US" sz="2800" dirty="0" err="1" smtClean="0"/>
-              <a:t>pode</a:t>
-            </a:r>
-            <a:r>
-              <a:rPr lang="en-US" sz="2800" dirty="0" smtClean="0"/>
-              <a:t> </a:t>
-            </a:r>
-            <a:r>
-              <a:rPr lang="en-US" sz="2800" dirty="0" err="1" smtClean="0"/>
-              <a:t>ser</a:t>
-            </a:r>
-            <a:r>
-              <a:rPr lang="en-US" sz="2800" dirty="0" smtClean="0"/>
-              <a:t> </a:t>
-            </a:r>
-            <a:r>
-              <a:rPr lang="en-US" sz="2800" dirty="0" err="1" smtClean="0"/>
-              <a:t>personalizado</a:t>
-            </a:r>
-            <a:r>
-              <a:rPr lang="en-US" sz="2800" dirty="0" smtClean="0"/>
-              <a:t> para attender as </a:t>
-            </a:r>
-            <a:r>
-              <a:rPr lang="en-US" sz="2800" dirty="0" err="1" smtClean="0"/>
-              <a:t>necessicades</a:t>
-            </a:r>
-            <a:r>
-              <a:rPr lang="en-US" sz="2800" dirty="0" smtClean="0"/>
-              <a:t> de </a:t>
-            </a:r>
-            <a:r>
-              <a:rPr lang="en-US" sz="2800" dirty="0" err="1" smtClean="0"/>
-              <a:t>cada</a:t>
-            </a:r>
-            <a:r>
-              <a:rPr lang="en-US" sz="2800" dirty="0" smtClean="0"/>
-              <a:t> </a:t>
-            </a:r>
-            <a:r>
-              <a:rPr lang="en-US" sz="2800" dirty="0" err="1" smtClean="0"/>
-              <a:t>cenário</a:t>
-            </a:r>
-            <a:endParaRPr lang="en-US" sz="2800" dirty="0"/>
+              <a:rPr lang="pt-BR" sz="2800" noProof="0" dirty="0" smtClean="0"/>
+              <a:t>Depois de gerado o código pode ser personalizado para atender as necessidades cada cenário</a:t>
+            </a:r>
+            <a:endParaRPr lang="pt-BR" sz="2800" noProof="0" dirty="0"/>
           </a:p>
         </p:txBody>
       </p:sp>
@@ -11930,10 +11807,10 @@
           <a:lstStyle/>
           <a:p>
             <a:r>
-              <a:rPr lang="en-US" dirty="0" smtClean="0"/>
+              <a:rPr lang="pt-BR" noProof="0" dirty="0" err="1" smtClean="0"/>
               <a:t>Views</a:t>
             </a:r>
-            <a:endParaRPr lang="en-US" dirty="0"/>
+            <a:endParaRPr lang="pt-BR" noProof="0" dirty="0"/>
           </a:p>
         </p:txBody>
       </p:sp>
@@ -11949,7 +11826,7 @@
         </p:nvSpPr>
         <p:spPr>
           <a:xfrm>
-            <a:off x="646111" y="1303170"/>
+            <a:off x="646111" y="1668930"/>
             <a:ext cx="8946541" cy="4919471"/>
           </a:xfrm>
         </p:spPr>
@@ -11960,83 +11837,119 @@
           <a:lstStyle/>
           <a:p>
             <a:r>
-              <a:rPr lang="en-US" sz="2800" dirty="0" smtClean="0"/>
-              <a:t>Views Engines</a:t>
-            </a:r>
+              <a:rPr lang="pt-BR" sz="2800" noProof="0" dirty="0" err="1" smtClean="0"/>
+              <a:t>Views</a:t>
+            </a:r>
+            <a:r>
+              <a:rPr lang="pt-BR" sz="2800" noProof="0" dirty="0" smtClean="0"/>
+              <a:t> </a:t>
+            </a:r>
+            <a:r>
+              <a:rPr lang="pt-BR" sz="2800" noProof="0" dirty="0" err="1" smtClean="0"/>
+              <a:t>Engines</a:t>
+            </a:r>
+            <a:endParaRPr lang="pt-BR" sz="2800" noProof="0" dirty="0" smtClean="0"/>
           </a:p>
           <a:p>
             <a:pPr lvl="1"/>
             <a:r>
-              <a:rPr lang="en-US" sz="2400" dirty="0" smtClean="0"/>
+              <a:rPr lang="pt-BR" sz="2400" noProof="0" dirty="0" err="1" smtClean="0"/>
               <a:t>Razor</a:t>
             </a:r>
-            <a:endParaRPr lang="en-US" sz="2400" dirty="0" smtClean="0"/>
+            <a:endParaRPr lang="pt-BR" sz="2400" noProof="0" dirty="0" smtClean="0"/>
           </a:p>
           <a:p>
             <a:pPr lvl="1"/>
             <a:r>
-              <a:rPr lang="en-US" sz="2400" dirty="0" err="1" smtClean="0"/>
-              <a:t>Alternativas</a:t>
-            </a:r>
-            <a:r>
-              <a:rPr lang="en-US" sz="2400" dirty="0" smtClean="0"/>
-              <a:t> de views engines:</a:t>
+              <a:rPr lang="pt-BR" sz="2400" noProof="0" dirty="0" smtClean="0"/>
+              <a:t>Alternativas de </a:t>
+            </a:r>
+            <a:r>
+              <a:rPr lang="pt-BR" sz="2400" noProof="0" dirty="0" err="1" smtClean="0"/>
+              <a:t>views</a:t>
+            </a:r>
+            <a:r>
+              <a:rPr lang="pt-BR" sz="2400" noProof="0" dirty="0" smtClean="0"/>
+              <a:t> </a:t>
+            </a:r>
+            <a:r>
+              <a:rPr lang="pt-BR" sz="2400" noProof="0" dirty="0" err="1" smtClean="0"/>
+              <a:t>engines</a:t>
+            </a:r>
+            <a:r>
+              <a:rPr lang="pt-BR" sz="2400" noProof="0" dirty="0" smtClean="0"/>
+              <a:t>:</a:t>
             </a:r>
           </a:p>
           <a:p>
             <a:pPr lvl="2"/>
             <a:r>
-              <a:rPr lang="en-US" sz="2000" dirty="0" smtClean="0"/>
+              <a:rPr lang="pt-BR" sz="2000" noProof="0" dirty="0" err="1" smtClean="0"/>
               <a:t>Spark</a:t>
             </a:r>
+            <a:endParaRPr lang="pt-BR" sz="2000" noProof="0" dirty="0" smtClean="0"/>
           </a:p>
           <a:p>
             <a:pPr lvl="2"/>
             <a:r>
-              <a:rPr lang="en-US" sz="2000" dirty="0" err="1" smtClean="0"/>
+              <a:rPr lang="pt-BR" sz="2000" noProof="0" dirty="0" err="1" smtClean="0"/>
               <a:t>Nhaml</a:t>
             </a:r>
-            <a:endParaRPr lang="en-US" sz="2000" dirty="0" smtClean="0"/>
+            <a:endParaRPr lang="pt-BR" sz="2000" noProof="0" dirty="0" smtClean="0"/>
           </a:p>
           <a:p>
             <a:pPr lvl="2"/>
             <a:r>
-              <a:rPr lang="en-US" sz="2000" dirty="0" smtClean="0"/>
+              <a:rPr lang="pt-BR" sz="2000" noProof="0" dirty="0" err="1" smtClean="0"/>
               <a:t>Brail</a:t>
             </a:r>
+            <a:endParaRPr lang="pt-BR" sz="2000" noProof="0" dirty="0" smtClean="0"/>
           </a:p>
           <a:p>
             <a:pPr lvl="2"/>
             <a:r>
-              <a:rPr lang="en-US" sz="2000" dirty="0" smtClean="0"/>
-              <a:t>String Template</a:t>
-            </a:r>
+              <a:rPr lang="pt-BR" sz="2000" noProof="0" dirty="0" err="1" smtClean="0"/>
+              <a:t>String</a:t>
+            </a:r>
+            <a:r>
+              <a:rPr lang="pt-BR" sz="2000" noProof="0" dirty="0" smtClean="0"/>
+              <a:t> </a:t>
+            </a:r>
+            <a:r>
+              <a:rPr lang="pt-BR" sz="2000" noProof="0" dirty="0" err="1" smtClean="0"/>
+              <a:t>Template</a:t>
+            </a:r>
+            <a:endParaRPr lang="pt-BR" sz="2000" noProof="0" dirty="0" smtClean="0"/>
           </a:p>
           <a:p>
             <a:pPr lvl="2"/>
             <a:r>
-              <a:rPr lang="en-US" sz="2000" dirty="0" err="1" smtClean="0"/>
+              <a:rPr lang="pt-BR" sz="2000" noProof="0" dirty="0" err="1" smtClean="0"/>
               <a:t>Nustache</a:t>
             </a:r>
-            <a:endParaRPr lang="en-US" sz="2000" dirty="0" smtClean="0"/>
-          </a:p>
-          <a:p>
-            <a:r>
-              <a:rPr lang="en-US" sz="2800" dirty="0" smtClean="0"/>
-              <a:t>Views </a:t>
-            </a:r>
-            <a:r>
-              <a:rPr lang="en-US" sz="2800" dirty="0" err="1" smtClean="0"/>
+            <a:endParaRPr lang="pt-BR" sz="2000" noProof="0" dirty="0" smtClean="0"/>
+          </a:p>
+          <a:p>
+            <a:r>
+              <a:rPr lang="pt-BR" sz="2800" noProof="0" dirty="0" err="1" smtClean="0"/>
+              <a:t>Views</a:t>
+            </a:r>
+            <a:r>
+              <a:rPr lang="pt-BR" sz="2800" noProof="0" dirty="0" smtClean="0"/>
+              <a:t> </a:t>
+            </a:r>
+            <a:r>
+              <a:rPr lang="pt-BR" sz="2800" noProof="0" dirty="0" err="1" smtClean="0"/>
               <a:t>Tipadas</a:t>
             </a:r>
-            <a:endParaRPr lang="en-US" sz="2800" dirty="0" smtClean="0"/>
+            <a:endParaRPr lang="pt-BR" sz="2800" noProof="0" dirty="0" smtClean="0"/>
           </a:p>
           <a:p>
             <a:pPr lvl="1"/>
-            <a:endParaRPr lang="en-US" sz="2400" dirty="0" smtClean="0"/>
-          </a:p>
-          <a:p>
-            <a:endParaRPr lang="en-US" sz="2800" dirty="0" smtClean="0"/>
+            <a:endParaRPr lang="pt-BR" sz="2400" noProof="0" dirty="0" smtClean="0"/>
+          </a:p>
+          <a:p>
+            <a:endParaRPr lang="pt-BR" sz="2800" noProof="0" dirty="0" smtClean="0"/>
           </a:p>
         </p:txBody>
       </p:sp>
@@ -12093,10 +12006,10 @@
           <a:lstStyle/>
           <a:p>
             <a:r>
-              <a:rPr lang="en-US" dirty="0" smtClean="0"/>
+              <a:rPr lang="pt-BR" noProof="0" dirty="0" err="1" smtClean="0"/>
               <a:t>Views</a:t>
             </a:r>
-            <a:endParaRPr lang="en-US" dirty="0"/>
+            <a:endParaRPr lang="pt-BR" noProof="0" dirty="0"/>
           </a:p>
         </p:txBody>
       </p:sp>
@@ -12123,86 +12036,119 @@
           <a:lstStyle/>
           <a:p>
             <a:r>
-              <a:rPr lang="en-US" sz="3200" dirty="0" smtClean="0"/>
-              <a:t>Views </a:t>
-            </a:r>
-            <a:r>
-              <a:rPr lang="en-US" sz="3200" dirty="0" smtClean="0"/>
+              <a:rPr lang="pt-BR" sz="3200" noProof="0" dirty="0" err="1" smtClean="0"/>
+              <a:t>Views</a:t>
+            </a:r>
+            <a:r>
+              <a:rPr lang="pt-BR" sz="3200" noProof="0" dirty="0" smtClean="0"/>
+              <a:t> </a:t>
+            </a:r>
+            <a:r>
+              <a:rPr lang="pt-BR" sz="3200" noProof="0" dirty="0" err="1" smtClean="0"/>
               <a:t>Engines</a:t>
             </a:r>
+            <a:endParaRPr lang="pt-BR" sz="3200" noProof="0" dirty="0" smtClean="0"/>
           </a:p>
           <a:p>
             <a:pPr lvl="1"/>
             <a:r>
-              <a:rPr lang="en-US" sz="2800" dirty="0" smtClean="0"/>
+              <a:rPr lang="pt-BR" sz="2800" noProof="0" dirty="0" err="1" smtClean="0"/>
               <a:t>Razor</a:t>
             </a:r>
+            <a:endParaRPr lang="pt-BR" sz="2800" noProof="0" dirty="0" smtClean="0"/>
           </a:p>
           <a:p>
             <a:pPr lvl="1"/>
             <a:r>
-              <a:rPr lang="en-US" sz="2800" dirty="0" err="1" smtClean="0"/>
-              <a:t>Alternativas</a:t>
-            </a:r>
-            <a:r>
-              <a:rPr lang="en-US" sz="2800" dirty="0" smtClean="0"/>
-              <a:t> de views engines:</a:t>
+              <a:rPr lang="pt-BR" sz="2800" noProof="0" dirty="0" smtClean="0"/>
+              <a:t>Alternativas de </a:t>
+            </a:r>
+            <a:r>
+              <a:rPr lang="pt-BR" sz="2800" noProof="0" dirty="0" err="1" smtClean="0"/>
+              <a:t>views</a:t>
+            </a:r>
+            <a:r>
+              <a:rPr lang="pt-BR" sz="2800" noProof="0" dirty="0" smtClean="0"/>
+              <a:t> </a:t>
+            </a:r>
+            <a:r>
+              <a:rPr lang="pt-BR" sz="2800" noProof="0" dirty="0" err="1" smtClean="0"/>
+              <a:t>engines</a:t>
+            </a:r>
+            <a:r>
+              <a:rPr lang="pt-BR" sz="2800" noProof="0" dirty="0" smtClean="0"/>
+              <a:t>:</a:t>
             </a:r>
           </a:p>
           <a:p>
             <a:pPr lvl="2"/>
             <a:r>
-              <a:rPr lang="en-US" sz="2400" dirty="0" smtClean="0"/>
+              <a:rPr lang="pt-BR" sz="2400" noProof="0" dirty="0" err="1" smtClean="0"/>
               <a:t>Spark</a:t>
             </a:r>
+            <a:endParaRPr lang="pt-BR" sz="2400" noProof="0" dirty="0" smtClean="0"/>
           </a:p>
           <a:p>
             <a:pPr lvl="2"/>
             <a:r>
-              <a:rPr lang="en-US" sz="2400" dirty="0" err="1" smtClean="0"/>
+              <a:rPr lang="pt-BR" sz="2400" noProof="0" dirty="0" err="1" smtClean="0"/>
               <a:t>Nhaml</a:t>
             </a:r>
-            <a:endParaRPr lang="en-US" sz="2400" dirty="0" smtClean="0"/>
+            <a:endParaRPr lang="pt-BR" sz="2400" noProof="0" dirty="0" smtClean="0"/>
           </a:p>
           <a:p>
             <a:pPr lvl="2"/>
             <a:r>
-              <a:rPr lang="en-US" sz="2400" dirty="0" smtClean="0"/>
+              <a:rPr lang="pt-BR" sz="2400" noProof="0" dirty="0" err="1" smtClean="0"/>
               <a:t>Brail</a:t>
             </a:r>
+            <a:endParaRPr lang="pt-BR" sz="2400" noProof="0" dirty="0" smtClean="0"/>
           </a:p>
           <a:p>
             <a:pPr lvl="2"/>
             <a:r>
-              <a:rPr lang="en-US" sz="2400" dirty="0" smtClean="0"/>
-              <a:t>String Template</a:t>
-            </a:r>
+              <a:rPr lang="pt-BR" sz="2400" noProof="0" dirty="0" err="1" smtClean="0"/>
+              <a:t>String</a:t>
+            </a:r>
+            <a:r>
+              <a:rPr lang="pt-BR" sz="2400" noProof="0" dirty="0" smtClean="0"/>
+              <a:t> </a:t>
+            </a:r>
+            <a:r>
+              <a:rPr lang="pt-BR" sz="2400" noProof="0" dirty="0" err="1" smtClean="0"/>
+              <a:t>Template</a:t>
+            </a:r>
+            <a:endParaRPr lang="pt-BR" sz="2400" noProof="0" dirty="0" smtClean="0"/>
           </a:p>
           <a:p>
             <a:pPr lvl="2"/>
             <a:r>
-              <a:rPr lang="en-US" sz="2400" dirty="0" err="1" smtClean="0"/>
+              <a:rPr lang="pt-BR" sz="2400" noProof="0" dirty="0" err="1" smtClean="0"/>
               <a:t>Nustache</a:t>
             </a:r>
-            <a:endParaRPr lang="en-US" sz="2400" dirty="0" smtClean="0"/>
-          </a:p>
-          <a:p>
-            <a:r>
-              <a:rPr lang="en-US" sz="3200" dirty="0" smtClean="0"/>
-              <a:t>Views </a:t>
-            </a:r>
-            <a:r>
-              <a:rPr lang="en-US" sz="3200" dirty="0" err="1" smtClean="0"/>
+            <a:endParaRPr lang="pt-BR" sz="2400" noProof="0" dirty="0" smtClean="0"/>
+          </a:p>
+          <a:p>
+            <a:r>
+              <a:rPr lang="pt-BR" sz="3200" noProof="0" dirty="0" err="1" smtClean="0"/>
+              <a:t>Views</a:t>
+            </a:r>
+            <a:r>
+              <a:rPr lang="pt-BR" sz="3200" noProof="0" dirty="0" smtClean="0"/>
+              <a:t> </a:t>
+            </a:r>
+            <a:r>
+              <a:rPr lang="pt-BR" sz="3200" noProof="0" dirty="0" err="1" smtClean="0"/>
               <a:t>Tipadas</a:t>
             </a:r>
-            <a:endParaRPr lang="en-US" sz="3200" dirty="0" smtClean="0"/>
+            <a:endParaRPr lang="pt-BR" sz="3200" noProof="0" dirty="0" smtClean="0"/>
           </a:p>
           <a:p>
             <a:pPr lvl="1"/>
-            <a:endParaRPr lang="en-US" sz="2800" dirty="0" smtClean="0"/>
-          </a:p>
-          <a:p>
-            <a:endParaRPr lang="en-US" sz="3200" dirty="0" smtClean="0"/>
+            <a:endParaRPr lang="pt-BR" sz="2800" noProof="0" dirty="0" smtClean="0"/>
+          </a:p>
+          <a:p>
+            <a:endParaRPr lang="pt-BR" sz="3200" noProof="0" dirty="0" smtClean="0"/>
           </a:p>
         </p:txBody>
       </p:sp>
@@ -12259,10 +12205,18 @@
           <a:lstStyle/>
           <a:p>
             <a:r>
-              <a:rPr lang="en-US" dirty="0" smtClean="0"/>
-              <a:t>Html Helpers</a:t>
-            </a:r>
-            <a:endParaRPr lang="en-US" dirty="0"/>
+              <a:rPr lang="pt-BR" noProof="0" dirty="0" err="1" smtClean="0"/>
+              <a:t>Html</a:t>
+            </a:r>
+            <a:r>
+              <a:rPr lang="pt-BR" noProof="0" dirty="0" smtClean="0"/>
+              <a:t> </a:t>
+            </a:r>
+            <a:r>
+              <a:rPr lang="pt-BR" noProof="0" dirty="0" err="1" smtClean="0"/>
+              <a:t>Helpers</a:t>
+            </a:r>
+            <a:endParaRPr lang="pt-BR" noProof="0" dirty="0"/>
           </a:p>
         </p:txBody>
       </p:sp>
@@ -12294,9 +12248,18 @@
               </a:lnSpc>
             </a:pPr>
             <a:r>
-              <a:rPr lang="en-US" sz="2800" dirty="0" smtClean="0"/>
-              <a:t>Form Helper</a:t>
-            </a:r>
+              <a:rPr lang="pt-BR" sz="2800" noProof="0" dirty="0" err="1" smtClean="0"/>
+              <a:t>Form</a:t>
+            </a:r>
+            <a:r>
+              <a:rPr lang="pt-BR" sz="2800" noProof="0" dirty="0" smtClean="0"/>
+              <a:t> </a:t>
+            </a:r>
+            <a:r>
+              <a:rPr lang="pt-BR" sz="2800" noProof="0" dirty="0" err="1" smtClean="0"/>
+              <a:t>Helper</a:t>
+            </a:r>
+            <a:endParaRPr lang="pt-BR" sz="2800" noProof="0" dirty="0" smtClean="0"/>
           </a:p>
           <a:p>
             <a:pPr lvl="1">
@@ -12305,10 +12268,10 @@
               </a:lnSpc>
             </a:pPr>
             <a:r>
-              <a:rPr lang="en-US" sz="2400" dirty="0" err="1" smtClean="0"/>
+              <a:rPr lang="pt-BR" sz="2400" noProof="0" dirty="0" err="1" smtClean="0"/>
               <a:t>Html.BeginForm</a:t>
             </a:r>
-            <a:endParaRPr lang="en-US" sz="2400" dirty="0" smtClean="0"/>
+            <a:endParaRPr lang="pt-BR" sz="2400" noProof="0" dirty="0" smtClean="0"/>
           </a:p>
           <a:p>
             <a:pPr>
@@ -12317,9 +12280,18 @@
               </a:lnSpc>
             </a:pPr>
             <a:r>
-              <a:rPr lang="en-US" sz="2800" dirty="0" smtClean="0"/>
-              <a:t>Selects Helper</a:t>
-            </a:r>
+              <a:rPr lang="pt-BR" sz="2800" noProof="0" dirty="0" err="1" smtClean="0"/>
+              <a:t>Selects</a:t>
+            </a:r>
+            <a:r>
+              <a:rPr lang="pt-BR" sz="2800" noProof="0" dirty="0" smtClean="0"/>
+              <a:t> </a:t>
+            </a:r>
+            <a:r>
+              <a:rPr lang="pt-BR" sz="2800" noProof="0" dirty="0" err="1" smtClean="0"/>
+              <a:t>Helper</a:t>
+            </a:r>
+            <a:endParaRPr lang="pt-BR" sz="2800" noProof="0" dirty="0" smtClean="0"/>
           </a:p>
           <a:p>
             <a:pPr lvl="1">
@@ -12328,10 +12300,10 @@
               </a:lnSpc>
             </a:pPr>
             <a:r>
-              <a:rPr lang="en-US" sz="2400" dirty="0" err="1" smtClean="0"/>
+              <a:rPr lang="pt-BR" sz="2400" noProof="0" dirty="0" err="1" smtClean="0"/>
               <a:t>Html.DropDownList</a:t>
             </a:r>
-            <a:endParaRPr lang="en-US" sz="2400" dirty="0" smtClean="0"/>
+            <a:endParaRPr lang="pt-BR" sz="2400" noProof="0" dirty="0" smtClean="0"/>
           </a:p>
           <a:p>
             <a:pPr>
@@ -12340,13 +12312,14 @@
               </a:lnSpc>
             </a:pPr>
             <a:r>
-              <a:rPr lang="en-US" sz="2800" dirty="0" smtClean="0"/>
+              <a:rPr lang="pt-BR" sz="2800" noProof="0" dirty="0" smtClean="0"/>
               <a:t>Inputs </a:t>
             </a:r>
             <a:r>
-              <a:rPr lang="en-US" sz="2800" dirty="0"/>
+              <a:rPr lang="pt-BR" sz="2800" noProof="0" dirty="0" err="1" smtClean="0"/>
               <a:t>Helper</a:t>
             </a:r>
+            <a:endParaRPr lang="pt-BR" sz="2800" noProof="0" dirty="0" smtClean="0"/>
           </a:p>
           <a:p>
             <a:pPr lvl="1">
@@ -12355,10 +12328,10 @@
               </a:lnSpc>
             </a:pPr>
             <a:r>
-              <a:rPr lang="en-US" sz="2400" dirty="0" err="1" smtClean="0"/>
+              <a:rPr lang="pt-BR" sz="2400" noProof="0" dirty="0" err="1" smtClean="0"/>
               <a:t>Html.TextBox</a:t>
             </a:r>
-            <a:endParaRPr lang="en-US" sz="2400" dirty="0" smtClean="0"/>
+            <a:endParaRPr lang="pt-BR" sz="2400" noProof="0" dirty="0" smtClean="0"/>
           </a:p>
           <a:p>
             <a:pPr lvl="1">
@@ -12367,10 +12340,10 @@
               </a:lnSpc>
             </a:pPr>
             <a:r>
-              <a:rPr lang="en-US" sz="2400" dirty="0" err="1" smtClean="0"/>
+              <a:rPr lang="pt-BR" sz="2400" noProof="0" dirty="0" err="1" smtClean="0"/>
               <a:t>Html.CheckBox</a:t>
             </a:r>
-            <a:endParaRPr lang="en-US" sz="2400" dirty="0" smtClean="0"/>
+            <a:endParaRPr lang="pt-BR" sz="2400" noProof="0" dirty="0" smtClean="0"/>
           </a:p>
           <a:p>
             <a:pPr lvl="1">
@@ -12379,10 +12352,10 @@
               </a:lnSpc>
             </a:pPr>
             <a:r>
-              <a:rPr lang="en-US" sz="2400" dirty="0" err="1" smtClean="0"/>
+              <a:rPr lang="pt-BR" sz="2400" noProof="0" dirty="0" err="1" smtClean="0"/>
               <a:t>Html.RadioButton</a:t>
             </a:r>
-            <a:endParaRPr lang="en-US" sz="2400" dirty="0" smtClean="0"/>
+            <a:endParaRPr lang="pt-BR" sz="2400" noProof="0" dirty="0" smtClean="0"/>
           </a:p>
           <a:p>
             <a:pPr lvl="1">
@@ -12391,10 +12364,10 @@
               </a:lnSpc>
             </a:pPr>
             <a:r>
-              <a:rPr lang="en-US" sz="2400" dirty="0" err="1" smtClean="0"/>
+              <a:rPr lang="pt-BR" sz="2400" noProof="0" dirty="0" err="1" smtClean="0"/>
               <a:t>Html.Hidden</a:t>
             </a:r>
-            <a:endParaRPr lang="en-US" sz="2400" dirty="0" smtClean="0"/>
+            <a:endParaRPr lang="pt-BR" sz="2400" noProof="0" dirty="0" smtClean="0"/>
           </a:p>
           <a:p>
             <a:pPr lvl="1">
@@ -12403,10 +12376,10 @@
               </a:lnSpc>
             </a:pPr>
             <a:r>
-              <a:rPr lang="en-US" sz="2400" dirty="0" err="1" smtClean="0"/>
+              <a:rPr lang="pt-BR" sz="2400" noProof="0" dirty="0" err="1" smtClean="0"/>
               <a:t>Html.EditorFor</a:t>
             </a:r>
-            <a:endParaRPr lang="en-US" sz="2400" dirty="0" smtClean="0"/>
+            <a:endParaRPr lang="pt-BR" sz="2400" noProof="0" dirty="0" smtClean="0"/>
           </a:p>
           <a:p>
             <a:pPr>
@@ -12415,9 +12388,14 @@
               </a:lnSpc>
             </a:pPr>
             <a:r>
-              <a:rPr lang="en-US" sz="2800" dirty="0"/>
-              <a:t>Display Helpers</a:t>
-            </a:r>
+              <a:rPr lang="pt-BR" sz="2800" noProof="0" dirty="0" smtClean="0"/>
+              <a:t>Display </a:t>
+            </a:r>
+            <a:r>
+              <a:rPr lang="pt-BR" sz="2800" noProof="0" dirty="0" err="1" smtClean="0"/>
+              <a:t>Helpers</a:t>
+            </a:r>
+            <a:endParaRPr lang="pt-BR" sz="2800" noProof="0" dirty="0" smtClean="0"/>
           </a:p>
           <a:p>
             <a:pPr lvl="1">
@@ -12426,10 +12404,10 @@
               </a:lnSpc>
             </a:pPr>
             <a:r>
-              <a:rPr lang="en-US" sz="2400" dirty="0" err="1"/>
+              <a:rPr lang="pt-BR" sz="2400" noProof="0" dirty="0" err="1" smtClean="0"/>
               <a:t>Html.Label</a:t>
             </a:r>
-            <a:endParaRPr lang="en-US" sz="2400" dirty="0"/>
+            <a:endParaRPr lang="pt-BR" sz="2400" noProof="0" dirty="0" smtClean="0"/>
           </a:p>
           <a:p>
             <a:pPr lvl="1">
@@ -12438,10 +12416,10 @@
               </a:lnSpc>
             </a:pPr>
             <a:r>
-              <a:rPr lang="en-US" sz="2400" dirty="0" err="1" smtClean="0"/>
+              <a:rPr lang="pt-BR" sz="2400" noProof="0" dirty="0" err="1" smtClean="0"/>
               <a:t>Html.DisplayName</a:t>
             </a:r>
-            <a:endParaRPr lang="en-US" sz="2400" dirty="0" smtClean="0"/>
+            <a:endParaRPr lang="pt-BR" sz="2400" noProof="0" dirty="0" smtClean="0"/>
           </a:p>
           <a:p>
             <a:pPr marL="457200" lvl="1" indent="0">
@@ -12450,7 +12428,7 @@
               </a:lnSpc>
               <a:buNone/>
             </a:pPr>
-            <a:endParaRPr lang="en-US" sz="2400" dirty="0" smtClean="0"/>
+            <a:endParaRPr lang="pt-BR" sz="2400" noProof="0" dirty="0" smtClean="0"/>
           </a:p>
           <a:p>
             <a:pPr>
@@ -12458,7 +12436,7 @@
                 <a:spcPct val="150000"/>
               </a:lnSpc>
             </a:pPr>
-            <a:endParaRPr lang="en-US" sz="2800" dirty="0"/>
+            <a:endParaRPr lang="pt-BR" sz="2800" noProof="0" dirty="0"/>
           </a:p>
         </p:txBody>
       </p:sp>
@@ -12515,10 +12493,18 @@
           <a:lstStyle/>
           <a:p>
             <a:r>
-              <a:rPr lang="en-US" dirty="0" smtClean="0"/>
-              <a:t>Html Helpers</a:t>
-            </a:r>
-            <a:endParaRPr lang="en-US" dirty="0"/>
+              <a:rPr lang="pt-BR" noProof="0" dirty="0" err="1" smtClean="0"/>
+              <a:t>Html</a:t>
+            </a:r>
+            <a:r>
+              <a:rPr lang="pt-BR" noProof="0" dirty="0" smtClean="0"/>
+              <a:t> </a:t>
+            </a:r>
+            <a:r>
+              <a:rPr lang="pt-BR" noProof="0" dirty="0" err="1" smtClean="0"/>
+              <a:t>Helpers</a:t>
+            </a:r>
+            <a:endParaRPr lang="pt-BR" noProof="0" dirty="0"/>
           </a:p>
         </p:txBody>
       </p:sp>
@@ -12992,10 +12978,10 @@
           <a:lstStyle/>
           <a:p>
             <a:r>
-              <a:rPr lang="en-US" dirty="0" smtClean="0"/>
+              <a:rPr lang="pt-BR" noProof="0" dirty="0" smtClean="0"/>
               <a:t>Layouts</a:t>
             </a:r>
-            <a:endParaRPr lang="en-US" dirty="0"/>
+            <a:endParaRPr lang="pt-BR" noProof="0" dirty="0"/>
           </a:p>
         </p:txBody>
       </p:sp>
@@ -13022,174 +13008,104 @@
           <a:lstStyle/>
           <a:p>
             <a:r>
-              <a:rPr lang="en-US" sz="3200" dirty="0" smtClean="0"/>
-              <a:t>Layout </a:t>
-            </a:r>
-            <a:r>
-              <a:rPr lang="en-US" sz="3200" dirty="0" err="1" smtClean="0"/>
-              <a:t>garante</a:t>
-            </a:r>
-            <a:r>
-              <a:rPr lang="en-US" sz="3200" dirty="0" smtClean="0"/>
-              <a:t> a </a:t>
-            </a:r>
-            <a:r>
-              <a:rPr lang="en-US" sz="3200" dirty="0" err="1" smtClean="0"/>
-              <a:t>consistência</a:t>
-            </a:r>
-            <a:r>
-              <a:rPr lang="en-US" sz="3200" dirty="0" smtClean="0"/>
-              <a:t> da </a:t>
-            </a:r>
-            <a:r>
-              <a:rPr lang="en-US" sz="3200" dirty="0" err="1" smtClean="0"/>
-              <a:t>estrutura</a:t>
-            </a:r>
-            <a:r>
-              <a:rPr lang="en-US" sz="3200" dirty="0" smtClean="0"/>
-              <a:t> da </a:t>
-            </a:r>
-            <a:r>
-              <a:rPr lang="en-US" sz="3200" dirty="0" err="1" smtClean="0"/>
-              <a:t>página</a:t>
-            </a:r>
-            <a:endParaRPr lang="en-US" sz="3200" dirty="0" smtClean="0"/>
-          </a:p>
-          <a:p>
-            <a:r>
-              <a:rPr lang="en-US" sz="3200" dirty="0" err="1" smtClean="0"/>
+              <a:rPr lang="pt-BR" sz="3200" noProof="0" dirty="0" smtClean="0"/>
+              <a:t>Layout garante a consistência da estrutura da página</a:t>
+            </a:r>
+          </a:p>
+          <a:p>
+            <a:r>
+              <a:rPr lang="pt-BR" sz="3200" noProof="0" dirty="0" smtClean="0"/>
               <a:t>Métodos</a:t>
             </a:r>
-            <a:endParaRPr lang="en-US" sz="3200" dirty="0" smtClean="0"/>
           </a:p>
           <a:p>
             <a:pPr lvl="1"/>
             <a:r>
-              <a:rPr lang="en-US" sz="2800" dirty="0" err="1" smtClean="0"/>
+              <a:rPr lang="pt-BR" sz="2800" noProof="0" dirty="0" err="1" smtClean="0"/>
               <a:t>RenderBody</a:t>
             </a:r>
             <a:r>
-              <a:rPr lang="en-US" sz="2800" dirty="0" smtClean="0"/>
+              <a:rPr lang="pt-BR" sz="2800" noProof="0" dirty="0" smtClean="0"/>
               <a:t>()</a:t>
             </a:r>
           </a:p>
           <a:p>
             <a:pPr lvl="1"/>
             <a:r>
-              <a:rPr lang="en-US" sz="2800" dirty="0" err="1" smtClean="0"/>
+              <a:rPr lang="pt-BR" sz="2800" noProof="0" dirty="0" err="1" smtClean="0"/>
               <a:t>RenderSection</a:t>
             </a:r>
-            <a:endParaRPr lang="en-US" sz="2800" dirty="0" smtClean="0"/>
+            <a:endParaRPr lang="pt-BR" sz="2800" noProof="0" dirty="0" smtClean="0"/>
           </a:p>
           <a:p>
             <a:pPr lvl="2"/>
             <a:r>
-              <a:rPr lang="en-US" sz="2400" dirty="0" err="1" smtClean="0"/>
-              <a:t>Permite</a:t>
-            </a:r>
-            <a:r>
-              <a:rPr lang="en-US" sz="2400" dirty="0" smtClean="0"/>
-              <a:t> que </a:t>
-            </a:r>
-            <a:r>
-              <a:rPr lang="en-US" sz="2400" dirty="0" err="1" smtClean="0"/>
-              <a:t>nas</a:t>
-            </a:r>
-            <a:r>
-              <a:rPr lang="en-US" sz="2400" dirty="0" smtClean="0"/>
-              <a:t> views </a:t>
-            </a:r>
-            <a:r>
-              <a:rPr lang="en-US" sz="2400" dirty="0" err="1" smtClean="0"/>
-              <a:t>sejam</a:t>
-            </a:r>
-            <a:r>
-              <a:rPr lang="en-US" sz="2400" dirty="0" smtClean="0"/>
+              <a:rPr lang="pt-BR" sz="2400" noProof="0" dirty="0" smtClean="0"/>
+              <a:t>Permite que nas </a:t>
+            </a:r>
+            <a:r>
+              <a:rPr lang="pt-BR" sz="2400" noProof="0" dirty="0" err="1" smtClean="0"/>
+              <a:t>views</a:t>
+            </a:r>
+            <a:r>
+              <a:rPr lang="pt-BR" sz="2400" noProof="0" dirty="0" smtClean="0"/>
+              <a:t> sejam adicionados sessões específicas</a:t>
+            </a:r>
+          </a:p>
+          <a:p>
+            <a:pPr lvl="3"/>
+            <a:r>
+              <a:rPr lang="pt-BR" sz="2000" noProof="0" dirty="0" smtClean="0"/>
+              <a:t>Scripts</a:t>
+            </a:r>
+          </a:p>
+          <a:p>
+            <a:pPr lvl="3"/>
+            <a:r>
+              <a:rPr lang="pt-BR" sz="2000" noProof="0" dirty="0" err="1" smtClean="0"/>
+              <a:t>Styles</a:t>
+            </a:r>
+            <a:endParaRPr lang="pt-BR" sz="2000" noProof="0" dirty="0" smtClean="0"/>
+          </a:p>
+          <a:p>
+            <a:pPr lvl="3"/>
+            <a:r>
+              <a:rPr lang="pt-BR" sz="2000" noProof="0" dirty="0" err="1" smtClean="0"/>
+              <a:t>Etc</a:t>
+            </a:r>
+            <a:endParaRPr lang="pt-BR" sz="2000" noProof="0" dirty="0" smtClean="0"/>
+          </a:p>
+          <a:p>
+            <a:pPr lvl="2"/>
+            <a:r>
+              <a:rPr lang="pt-BR" sz="2400" noProof="0" dirty="0" smtClean="0"/>
+              <a:t>Use </a:t>
+            </a:r>
+            <a:r>
+              <a:rPr lang="pt-BR" sz="2400" b="1" noProof="0" dirty="0" smtClean="0"/>
+              <a:t>@</a:t>
+            </a:r>
+            <a:r>
+              <a:rPr lang="pt-BR" sz="2400" b="1" noProof="0" dirty="0" err="1" smtClean="0"/>
+              <a:t>section</a:t>
+            </a:r>
+            <a:r>
+              <a:rPr lang="pt-BR" sz="2400" b="1" noProof="0" dirty="0" smtClean="0"/>
               <a:t> </a:t>
             </a:r>
             <a:r>
-              <a:rPr lang="en-US" sz="2400" dirty="0" err="1" smtClean="0"/>
-              <a:t>adicionados</a:t>
-            </a:r>
-            <a:r>
-              <a:rPr lang="en-US" sz="2400" dirty="0" smtClean="0"/>
-              <a:t> </a:t>
-            </a:r>
-            <a:r>
-              <a:rPr lang="en-US" sz="2400" dirty="0" err="1" smtClean="0"/>
-              <a:t>sessões</a:t>
-            </a:r>
-            <a:r>
-              <a:rPr lang="en-US" sz="2400" dirty="0" smtClean="0"/>
-              <a:t> </a:t>
-            </a:r>
-            <a:r>
-              <a:rPr lang="en-US" sz="2400" dirty="0" err="1" smtClean="0"/>
-              <a:t>específcas</a:t>
-            </a:r>
-            <a:endParaRPr lang="en-US" sz="2400" dirty="0" smtClean="0"/>
-          </a:p>
-          <a:p>
-            <a:pPr lvl="3"/>
-            <a:r>
-              <a:rPr lang="en-US" sz="2000" dirty="0" smtClean="0"/>
-              <a:t>Scripts</a:t>
-            </a:r>
-          </a:p>
-          <a:p>
-            <a:pPr lvl="3"/>
-            <a:r>
-              <a:rPr lang="en-US" sz="2000" dirty="0" smtClean="0"/>
-              <a:t>Styles</a:t>
-            </a:r>
-          </a:p>
-          <a:p>
-            <a:pPr lvl="3"/>
-            <a:r>
-              <a:rPr lang="en-US" sz="2000" dirty="0" err="1" smtClean="0"/>
-              <a:t>Etc</a:t>
-            </a:r>
-            <a:endParaRPr lang="en-US" sz="2000" dirty="0" smtClean="0"/>
-          </a:p>
-          <a:p>
-            <a:pPr lvl="2"/>
-            <a:r>
-              <a:rPr lang="en-US" sz="2400" dirty="0" smtClean="0"/>
-              <a:t>Use </a:t>
-            </a:r>
-            <a:r>
-              <a:rPr lang="en-US" sz="2400" b="1" dirty="0" smtClean="0"/>
-              <a:t>@section name</a:t>
-            </a:r>
-            <a:r>
-              <a:rPr lang="en-US" sz="2400" dirty="0" smtClean="0"/>
-              <a:t> para </a:t>
-            </a:r>
-            <a:r>
-              <a:rPr lang="en-US" sz="2400" dirty="0" err="1" smtClean="0"/>
-              <a:t>criar</a:t>
-            </a:r>
-            <a:r>
-              <a:rPr lang="en-US" sz="2400" dirty="0" smtClean="0"/>
-              <a:t> as </a:t>
-            </a:r>
-            <a:r>
-              <a:rPr lang="en-US" sz="2400" dirty="0" err="1" smtClean="0"/>
-              <a:t>sessões</a:t>
-            </a:r>
-            <a:r>
-              <a:rPr lang="en-US" sz="2400" dirty="0" smtClean="0"/>
-              <a:t> </a:t>
-            </a:r>
-            <a:r>
-              <a:rPr lang="en-US" sz="2400" dirty="0" err="1" smtClean="0"/>
-              <a:t>na</a:t>
-            </a:r>
-            <a:r>
-              <a:rPr lang="en-US" sz="2400" dirty="0" smtClean="0"/>
-              <a:t> View</a:t>
-            </a:r>
-            <a:endParaRPr lang="en-US" sz="2400" dirty="0"/>
+              <a:rPr lang="pt-BR" sz="2400" b="1" noProof="0" dirty="0" err="1" smtClean="0"/>
+              <a:t>name</a:t>
+            </a:r>
+            <a:r>
+              <a:rPr lang="pt-BR" sz="2400" noProof="0" dirty="0" smtClean="0"/>
+              <a:t> para criar as sessões na </a:t>
+            </a:r>
+            <a:r>
+              <a:rPr lang="pt-BR" sz="2400" noProof="0" dirty="0" err="1" smtClean="0"/>
+              <a:t>View</a:t>
+            </a:r>
+            <a:endParaRPr lang="pt-BR" sz="2400" noProof="0" dirty="0"/>
           </a:p>
         </p:txBody>
       </p:sp>
@@ -13251,10 +13167,30 @@
           <a:lstStyle/>
           <a:p>
             <a:r>
-              <a:rPr lang="en-US" dirty="0" smtClean="0"/>
-              <a:t>Controllers: Get vs Post</a:t>
-            </a:r>
-            <a:endParaRPr lang="en-US" dirty="0"/>
+              <a:rPr lang="pt-BR" noProof="0" dirty="0" err="1" smtClean="0"/>
+              <a:t>Controllers</a:t>
+            </a:r>
+            <a:r>
+              <a:rPr lang="pt-BR" noProof="0" dirty="0" smtClean="0"/>
+              <a:t>: </a:t>
+            </a:r>
+            <a:r>
+              <a:rPr lang="pt-BR" noProof="0" dirty="0" err="1" smtClean="0"/>
+              <a:t>Get</a:t>
+            </a:r>
+            <a:r>
+              <a:rPr lang="pt-BR" noProof="0" dirty="0" smtClean="0"/>
+              <a:t> </a:t>
+            </a:r>
+            <a:r>
+              <a:rPr lang="pt-BR" noProof="0" dirty="0" err="1" smtClean="0"/>
+              <a:t>vs</a:t>
+            </a:r>
+            <a:r>
+              <a:rPr lang="pt-BR" noProof="0" dirty="0" smtClean="0"/>
+              <a:t> Post</a:t>
+            </a:r>
+            <a:endParaRPr lang="pt-BR" noProof="0" dirty="0"/>
           </a:p>
         </p:txBody>
       </p:sp>
@@ -13266,7 +13202,11 @@
           </p:cNvGraphicFramePr>
           <p:nvPr>
             <p:ph idx="1"/>
-            <p:extLst/>
+            <p:extLst>
+              <p:ext uri="{D42A27DB-BD31-4B8C-83A1-F6EECF244321}">
+                <p14:modId xmlns:p14="http://schemas.microsoft.com/office/powerpoint/2010/main" val="1894342916"/>
+              </p:ext>
+            </p:extLst>
           </p:nvPr>
         </p:nvGraphicFramePr>
         <p:xfrm>
@@ -13357,24 +13297,12 @@
                     <a:p>
                       <a:pPr algn="l" fontAlgn="t"/>
                       <a:r>
-                        <a:rPr lang="en-US" sz="1600" u="none" strike="noStrike" dirty="0" smtClean="0">
+                        <a:rPr lang="pt-BR" sz="1600" u="none" strike="noStrike" noProof="0" dirty="0" smtClean="0">
                           <a:effectLst/>
                         </a:rPr>
-                        <a:t>VOLTAR </a:t>
+                        <a:t>VOLTAR / Recarregar</a:t>
                       </a:r>
-                      <a:r>
-                        <a:rPr lang="en-US" sz="1600" u="none" strike="noStrike" dirty="0">
-                          <a:effectLst/>
-                        </a:rPr>
-                        <a:t>/ </a:t>
-                      </a:r>
-                      <a:r>
-                        <a:rPr lang="en-US" sz="1600" u="none" strike="noStrike" dirty="0" err="1">
-                          <a:effectLst/>
-                        </a:rPr>
-                        <a:t>Recarregar</a:t>
-                      </a:r>
-                      <a:endParaRPr lang="en-US" sz="1600" b="0" i="0" u="none" strike="noStrike" dirty="0">
+                      <a:endParaRPr lang="pt-BR" sz="1600" b="0" i="0" u="none" strike="noStrike" noProof="0" dirty="0">
                         <a:solidFill>
                           <a:srgbClr val="333333"/>
                         </a:solidFill>
@@ -13392,12 +13320,12 @@
                     <a:p>
                       <a:pPr algn="l" fontAlgn="t"/>
                       <a:r>
-                        <a:rPr lang="en-US" sz="1600" u="none" strike="noStrike" dirty="0" err="1">
+                        <a:rPr lang="pt-BR" sz="1600" u="none" strike="noStrike" noProof="0" dirty="0" smtClean="0">
                           <a:effectLst/>
                         </a:rPr>
                         <a:t>Inofensivo</a:t>
                       </a:r>
-                      <a:endParaRPr lang="en-US" sz="1600" b="0" i="0" u="none" strike="noStrike" dirty="0">
+                      <a:endParaRPr lang="pt-BR" sz="1600" b="0" i="0" u="none" strike="noStrike" noProof="0" dirty="0">
                         <a:solidFill>
                           <a:srgbClr val="333333"/>
                         </a:solidFill>
@@ -13415,24 +13343,24 @@
                     <a:p>
                       <a:pPr algn="l" fontAlgn="t"/>
                       <a:r>
-                        <a:rPr lang="pt-BR" sz="1600" u="none" strike="noStrike" dirty="0">
+                        <a:rPr lang="pt-BR" sz="1600" u="none" strike="noStrike" noProof="0" dirty="0">
                           <a:effectLst/>
                         </a:rPr>
                         <a:t>Os dados </a:t>
                       </a:r>
                       <a:r>
-                        <a:rPr lang="pt-BR" sz="1600" u="none" strike="noStrike" dirty="0" err="1">
+                        <a:rPr lang="pt-BR" sz="1600" u="none" strike="noStrike" noProof="0" dirty="0" smtClean="0">
                           <a:effectLst/>
                         </a:rPr>
-                        <a:t>setão</a:t>
+                        <a:t>serão </a:t>
                       </a:r>
                       <a:r>
-                        <a:rPr lang="pt-BR" sz="1600" u="none" strike="noStrike" dirty="0">
+                        <a:rPr lang="pt-BR" sz="1600" u="none" strike="noStrike" noProof="0" dirty="0">
                           <a:effectLst/>
                         </a:rPr>
-                        <a:t> reenviados (navegador avisa o usuário que os dados serão enviados novamente)</a:t>
+                        <a:t>reenviados (navegador avisa o usuário que os dados serão enviados novamente)</a:t>
                       </a:r>
-                      <a:endParaRPr lang="pt-BR" sz="1600" b="0" i="0" u="none" strike="noStrike" dirty="0">
+                      <a:endParaRPr lang="pt-BR" sz="1600" b="0" i="0" u="none" strike="noStrike" noProof="0" dirty="0">
                         <a:solidFill>
                           <a:srgbClr val="333333"/>
                         </a:solidFill>
@@ -13452,12 +13380,12 @@
                     <a:p>
                       <a:pPr algn="l" fontAlgn="t"/>
                       <a:r>
-                        <a:rPr lang="en-US" sz="1600" u="none" strike="noStrike">
+                        <a:rPr lang="pt-BR" sz="1600" u="none" strike="noStrike" noProof="0" dirty="0" smtClean="0">
                           <a:effectLst/>
                         </a:rPr>
                         <a:t>Salvar os links</a:t>
                       </a:r>
-                      <a:endParaRPr lang="en-US" sz="1600" b="0" i="0" u="none" strike="noStrike">
+                      <a:endParaRPr lang="pt-BR" sz="1600" b="0" i="0" u="none" strike="noStrike" noProof="0" dirty="0">
                         <a:solidFill>
                           <a:srgbClr val="333333"/>
                         </a:solidFill>
@@ -13475,12 +13403,12 @@
                     <a:p>
                       <a:pPr algn="l" fontAlgn="t"/>
                       <a:r>
-                        <a:rPr lang="pt-BR" sz="1600" u="none" strike="noStrike" dirty="0">
+                        <a:rPr lang="pt-BR" sz="1600" u="none" strike="noStrike" noProof="0" dirty="0">
                           <a:effectLst/>
                         </a:rPr>
                         <a:t>Links podem ser salvos e compartilhados</a:t>
                       </a:r>
-                      <a:endParaRPr lang="pt-BR" sz="1600" b="0" i="0" u="none" strike="noStrike" dirty="0">
+                      <a:endParaRPr lang="pt-BR" sz="1600" b="0" i="0" u="none" strike="noStrike" noProof="0" dirty="0">
                         <a:solidFill>
                           <a:srgbClr val="333333"/>
                         </a:solidFill>
@@ -13498,12 +13426,12 @@
                     <a:p>
                       <a:pPr algn="l" fontAlgn="t"/>
                       <a:r>
-                        <a:rPr lang="en-US" sz="1600" u="none" strike="noStrike">
+                        <a:rPr lang="pt-BR" sz="1600" u="none" strike="noStrike" noProof="0" dirty="0" smtClean="0">
                           <a:effectLst/>
                         </a:rPr>
                         <a:t>Não podem ser salvos</a:t>
                       </a:r>
-                      <a:endParaRPr lang="en-US" sz="1600" b="0" i="0" u="none" strike="noStrike">
+                      <a:endParaRPr lang="pt-BR" sz="1600" b="0" i="0" u="none" strike="noStrike" noProof="0" dirty="0">
                         <a:solidFill>
                           <a:srgbClr val="333333"/>
                         </a:solidFill>
@@ -13523,12 +13451,12 @@
                     <a:p>
                       <a:pPr algn="l" fontAlgn="t"/>
                       <a:r>
-                        <a:rPr lang="en-US" sz="1600" u="none" strike="noStrike">
+                        <a:rPr lang="pt-BR" sz="1600" u="none" strike="noStrike" noProof="0" dirty="0" smtClean="0">
                           <a:effectLst/>
                         </a:rPr>
                         <a:t>Cache</a:t>
                       </a:r>
-                      <a:endParaRPr lang="en-US" sz="1600" b="0" i="0" u="none" strike="noStrike">
+                      <a:endParaRPr lang="pt-BR" sz="1600" b="0" i="0" u="none" strike="noStrike" noProof="0" dirty="0">
                         <a:solidFill>
                           <a:srgbClr val="333333"/>
                         </a:solidFill>
@@ -13546,18 +13474,12 @@
                     <a:p>
                       <a:pPr algn="l" fontAlgn="t"/>
                       <a:r>
-                        <a:rPr lang="en-US" sz="1600" u="none" strike="noStrike" dirty="0" err="1">
+                        <a:rPr lang="pt-BR" sz="1600" u="none" strike="noStrike" noProof="0" dirty="0" smtClean="0">
                           <a:effectLst/>
                         </a:rPr>
-                        <a:t>Permite</a:t>
+                        <a:t>Permite Cache</a:t>
                       </a:r>
-                      <a:r>
-                        <a:rPr lang="en-US" sz="1600" u="none" strike="noStrike" dirty="0">
-                          <a:effectLst/>
-                        </a:rPr>
-                        <a:t> Cache</a:t>
-                      </a:r>
-                      <a:endParaRPr lang="en-US" sz="1600" b="0" i="0" u="none" strike="noStrike" dirty="0">
+                      <a:endParaRPr lang="pt-BR" sz="1600" b="0" i="0" u="none" strike="noStrike" noProof="0" dirty="0">
                         <a:solidFill>
                           <a:srgbClr val="333333"/>
                         </a:solidFill>
@@ -13575,24 +13497,12 @@
                     <a:p>
                       <a:pPr algn="l" fontAlgn="t"/>
                       <a:r>
-                        <a:rPr lang="en-US" sz="1600" u="none" strike="noStrike" dirty="0" err="1">
+                        <a:rPr lang="pt-BR" sz="1600" u="none" strike="noStrike" noProof="0" dirty="0" smtClean="0">
                           <a:effectLst/>
                         </a:rPr>
-                        <a:t>Não</a:t>
+                        <a:t>Não Permite</a:t>
                       </a:r>
-                      <a:r>
-                        <a:rPr lang="en-US" sz="1600" u="none" strike="noStrike" dirty="0">
-                          <a:effectLst/>
-                        </a:rPr>
-                        <a:t> </a:t>
-                      </a:r>
-                      <a:r>
-                        <a:rPr lang="en-US" sz="1600" u="none" strike="noStrike" dirty="0" err="1">
-                          <a:effectLst/>
-                        </a:rPr>
-                        <a:t>Permite</a:t>
-                      </a:r>
-                      <a:endParaRPr lang="en-US" sz="1600" b="0" i="0" u="none" strike="noStrike" dirty="0">
+                      <a:endParaRPr lang="pt-BR" sz="1600" b="0" i="0" u="none" strike="noStrike" noProof="0" dirty="0">
                         <a:solidFill>
                           <a:srgbClr val="333333"/>
                         </a:solidFill>
@@ -13612,12 +13522,12 @@
                     <a:p>
                       <a:pPr algn="l" fontAlgn="t"/>
                       <a:r>
-                        <a:rPr lang="en-US" sz="1600" u="none" strike="noStrike">
+                        <a:rPr lang="pt-BR" sz="1600" u="none" strike="noStrike" noProof="0" dirty="0" smtClean="0">
                           <a:effectLst/>
                         </a:rPr>
                         <a:t>Histórico</a:t>
                       </a:r>
-                      <a:endParaRPr lang="en-US" sz="1600" b="0" i="0" u="none" strike="noStrike">
+                      <a:endParaRPr lang="pt-BR" sz="1600" b="0" i="0" u="none" strike="noStrike" noProof="0" dirty="0">
                         <a:solidFill>
                           <a:srgbClr val="333333"/>
                         </a:solidFill>
@@ -13635,36 +13545,12 @@
                     <a:p>
                       <a:pPr algn="l" fontAlgn="t"/>
                       <a:r>
-                        <a:rPr lang="en-US" sz="1600" u="none" strike="noStrike" dirty="0" err="1">
+                        <a:rPr lang="pt-BR" sz="1600" u="none" strike="noStrike" noProof="0" dirty="0" smtClean="0">
                           <a:effectLst/>
                         </a:rPr>
-                        <a:t>Parametro</a:t>
+                        <a:t>Parâmetro ficam no histórico</a:t>
                       </a:r>
-                      <a:r>
-                        <a:rPr lang="en-US" sz="1600" u="none" strike="noStrike" dirty="0">
-                          <a:effectLst/>
-                        </a:rPr>
-                        <a:t> </a:t>
-                      </a:r>
-                      <a:r>
-                        <a:rPr lang="en-US" sz="1600" u="none" strike="noStrike" dirty="0" err="1">
-                          <a:effectLst/>
-                        </a:rPr>
-                        <a:t>ficam</a:t>
-                      </a:r>
-                      <a:r>
-                        <a:rPr lang="en-US" sz="1600" u="none" strike="noStrike" dirty="0">
-                          <a:effectLst/>
-                        </a:rPr>
-                        <a:t> no </a:t>
-                      </a:r>
-                      <a:r>
-                        <a:rPr lang="en-US" sz="1600" u="none" strike="noStrike" dirty="0" err="1">
-                          <a:effectLst/>
-                        </a:rPr>
-                        <a:t>histórico</a:t>
-                      </a:r>
-                      <a:endParaRPr lang="en-US" sz="1600" b="0" i="0" u="none" strike="noStrike" dirty="0">
+                      <a:endParaRPr lang="pt-BR" sz="1600" b="0" i="0" u="none" strike="noStrike" noProof="0" dirty="0">
                         <a:solidFill>
                           <a:srgbClr val="333333"/>
                         </a:solidFill>
@@ -13682,36 +13568,12 @@
                     <a:p>
                       <a:pPr algn="l" fontAlgn="t"/>
                       <a:r>
-                        <a:rPr lang="en-US" sz="1600" u="none" strike="noStrike" dirty="0" err="1">
+                        <a:rPr lang="pt-BR" sz="1600" u="none" strike="noStrike" noProof="0" dirty="0" smtClean="0">
                           <a:effectLst/>
                         </a:rPr>
-                        <a:t>Parametros</a:t>
+                        <a:t>Parâmetros são perdidos</a:t>
                       </a:r>
-                      <a:r>
-                        <a:rPr lang="en-US" sz="1600" u="none" strike="noStrike" dirty="0">
-                          <a:effectLst/>
-                        </a:rPr>
-                        <a:t> </a:t>
-                      </a:r>
-                      <a:r>
-                        <a:rPr lang="en-US" sz="1600" u="none" strike="noStrike" dirty="0" err="1">
-                          <a:effectLst/>
-                        </a:rPr>
-                        <a:t>são</a:t>
-                      </a:r>
-                      <a:r>
-                        <a:rPr lang="en-US" sz="1600" u="none" strike="noStrike" dirty="0">
-                          <a:effectLst/>
-                        </a:rPr>
-                        <a:t> </a:t>
-                      </a:r>
-                      <a:r>
-                        <a:rPr lang="en-US" sz="1600" u="none" strike="noStrike" dirty="0" err="1">
-                          <a:effectLst/>
-                        </a:rPr>
-                        <a:t>perdidos</a:t>
-                      </a:r>
-                      <a:endParaRPr lang="en-US" sz="1600" b="0" i="0" u="none" strike="noStrike" dirty="0">
+                      <a:endParaRPr lang="pt-BR" sz="1600" b="0" i="0" u="none" strike="noStrike" noProof="0" dirty="0">
                         <a:solidFill>
                           <a:srgbClr val="333333"/>
                         </a:solidFill>
@@ -13731,12 +13593,12 @@
                     <a:p>
                       <a:pPr algn="l" fontAlgn="t"/>
                       <a:r>
-                        <a:rPr lang="en-US" sz="1600" u="none" strike="noStrike">
+                        <a:rPr lang="pt-BR" sz="1600" u="none" strike="noStrike" noProof="0" dirty="0" smtClean="0">
                           <a:effectLst/>
                         </a:rPr>
                         <a:t>Tamanho dos dados</a:t>
                       </a:r>
-                      <a:endParaRPr lang="en-US" sz="1600" b="0" i="0" u="none" strike="noStrike">
+                      <a:endParaRPr lang="pt-BR" sz="1600" b="0" i="0" u="none" strike="noStrike" noProof="0" dirty="0">
                         <a:solidFill>
                           <a:srgbClr val="333333"/>
                         </a:solidFill>
@@ -13754,12 +13616,12 @@
                     <a:p>
                       <a:pPr algn="l" fontAlgn="t"/>
                       <a:r>
-                        <a:rPr lang="pt-BR" sz="1600" u="none" strike="noStrike" dirty="0">
+                        <a:rPr lang="pt-BR" sz="1600" u="none" strike="noStrike" noProof="0" dirty="0">
                           <a:effectLst/>
                         </a:rPr>
                         <a:t>Máximo de 2048 caracteres numa URL</a:t>
                       </a:r>
-                      <a:endParaRPr lang="pt-BR" sz="1600" b="0" i="0" u="none" strike="noStrike" dirty="0">
+                      <a:endParaRPr lang="pt-BR" sz="1600" b="0" i="0" u="none" strike="noStrike" noProof="0" dirty="0">
                         <a:solidFill>
                           <a:srgbClr val="333333"/>
                         </a:solidFill>
@@ -13777,24 +13639,12 @@
                     <a:p>
                       <a:pPr algn="l" fontAlgn="t"/>
                       <a:r>
-                        <a:rPr lang="en-US" sz="1600" u="none" strike="noStrike" dirty="0" err="1">
+                        <a:rPr lang="pt-BR" sz="1600" u="none" strike="noStrike" noProof="0" dirty="0" smtClean="0">
                           <a:effectLst/>
                         </a:rPr>
-                        <a:t>Sem</a:t>
+                        <a:t>Sem restrições</a:t>
                       </a:r>
-                      <a:r>
-                        <a:rPr lang="en-US" sz="1600" u="none" strike="noStrike" dirty="0">
-                          <a:effectLst/>
-                        </a:rPr>
-                        <a:t> </a:t>
-                      </a:r>
-                      <a:r>
-                        <a:rPr lang="en-US" sz="1600" u="none" strike="noStrike" dirty="0" err="1">
-                          <a:effectLst/>
-                        </a:rPr>
-                        <a:t>restrições</a:t>
-                      </a:r>
-                      <a:endParaRPr lang="en-US" sz="1600" b="0" i="0" u="none" strike="noStrike" dirty="0">
+                      <a:endParaRPr lang="pt-BR" sz="1600" b="0" i="0" u="none" strike="noStrike" noProof="0" dirty="0">
                         <a:solidFill>
                           <a:srgbClr val="333333"/>
                         </a:solidFill>
@@ -13814,12 +13664,12 @@
                     <a:p>
                       <a:pPr algn="l" fontAlgn="t"/>
                       <a:r>
-                        <a:rPr lang="en-US" sz="1600" u="none" strike="noStrike">
+                        <a:rPr lang="pt-BR" sz="1600" u="none" strike="noStrike" noProof="0" dirty="0" smtClean="0">
                           <a:effectLst/>
                         </a:rPr>
                         <a:t>Caracteres</a:t>
                       </a:r>
-                      <a:endParaRPr lang="en-US" sz="1600" b="0" i="0" u="none" strike="noStrike">
+                      <a:endParaRPr lang="pt-BR" sz="1600" b="0" i="0" u="none" strike="noStrike" noProof="0" dirty="0">
                         <a:solidFill>
                           <a:srgbClr val="333333"/>
                         </a:solidFill>
@@ -13837,12 +13687,12 @@
                     <a:p>
                       <a:pPr algn="l" fontAlgn="t"/>
                       <a:r>
-                        <a:rPr lang="en-US" sz="1600" u="none" strike="noStrike">
+                        <a:rPr lang="pt-BR" sz="1600" u="none" strike="noStrike" noProof="0" dirty="0" smtClean="0">
                           <a:effectLst/>
                         </a:rPr>
                         <a:t>Somente ASCII</a:t>
                       </a:r>
-                      <a:endParaRPr lang="en-US" sz="1600" b="0" i="0" u="none" strike="noStrike">
+                      <a:endParaRPr lang="pt-BR" sz="1600" b="0" i="0" u="none" strike="noStrike" noProof="0" dirty="0">
                         <a:solidFill>
                           <a:srgbClr val="333333"/>
                         </a:solidFill>
@@ -13860,12 +13710,12 @@
                     <a:p>
                       <a:pPr algn="l" fontAlgn="t"/>
                       <a:r>
-                        <a:rPr lang="pt-BR" sz="1600" u="none" strike="noStrike" dirty="0">
+                        <a:rPr lang="pt-BR" sz="1600" u="none" strike="noStrike" noProof="0" dirty="0">
                           <a:effectLst/>
                         </a:rPr>
                         <a:t>Sem restrições. Inclusive binário é permitido</a:t>
                       </a:r>
-                      <a:endParaRPr lang="pt-BR" sz="1600" b="0" i="0" u="none" strike="noStrike" dirty="0">
+                      <a:endParaRPr lang="pt-BR" sz="1600" b="0" i="0" u="none" strike="noStrike" noProof="0" dirty="0">
                         <a:solidFill>
                           <a:srgbClr val="333333"/>
                         </a:solidFill>
@@ -13885,12 +13735,12 @@
                     <a:p>
                       <a:pPr algn="l" fontAlgn="t"/>
                       <a:r>
-                        <a:rPr lang="en-US" sz="1600" u="none" strike="noStrike">
+                        <a:rPr lang="pt-BR" sz="1600" u="none" strike="noStrike" noProof="0" dirty="0" smtClean="0">
                           <a:effectLst/>
                         </a:rPr>
                         <a:t>Privacidade</a:t>
                       </a:r>
-                      <a:endParaRPr lang="en-US" sz="1600" b="0" i="0" u="none" strike="noStrike">
+                      <a:endParaRPr lang="pt-BR" sz="1600" b="0" i="0" u="none" strike="noStrike" noProof="0" dirty="0">
                         <a:solidFill>
                           <a:srgbClr val="333333"/>
                         </a:solidFill>
@@ -13908,12 +13758,30 @@
                     <a:p>
                       <a:pPr algn="l" fontAlgn="t"/>
                       <a:r>
-                        <a:rPr lang="pt-BR" sz="1600" u="none" strike="noStrike">
+                        <a:rPr lang="pt-BR" sz="1600" u="none" strike="noStrike" noProof="0" dirty="0">
                           <a:effectLst/>
                         </a:rPr>
-                        <a:t>Nenhuma. Parametros ficam expostos nas URL. Podem ficar gravados em Logs de Operadoras, Servidores, etc</a:t>
+                        <a:t>Nenhuma. </a:t>
                       </a:r>
-                      <a:endParaRPr lang="pt-BR" sz="1600" b="0" i="0" u="none" strike="noStrike">
+                      <a:r>
+                        <a:rPr lang="pt-BR" sz="1600" u="none" strike="noStrike" noProof="0" dirty="0" smtClean="0">
+                          <a:effectLst/>
+                        </a:rPr>
+                        <a:t>Parâmetros </a:t>
+                      </a:r>
+                      <a:r>
+                        <a:rPr lang="pt-BR" sz="1600" u="none" strike="noStrike" noProof="0" dirty="0">
+                          <a:effectLst/>
+                        </a:rPr>
+                        <a:t>ficam expostos nas URL. Podem ficar gravados em Logs de Operadoras, Servidores, </a:t>
+                      </a:r>
+                      <a:r>
+                        <a:rPr lang="pt-BR" sz="1600" u="none" strike="noStrike" noProof="0" dirty="0" err="1">
+                          <a:effectLst/>
+                        </a:rPr>
+                        <a:t>etc</a:t>
+                      </a:r>
+                      <a:endParaRPr lang="pt-BR" sz="1600" b="0" i="0" u="none" strike="noStrike" noProof="0" dirty="0">
                         <a:solidFill>
                           <a:srgbClr val="333333"/>
                         </a:solidFill>
@@ -13931,36 +13799,36 @@
                     <a:p>
                       <a:pPr algn="l" fontAlgn="t"/>
                       <a:r>
-                        <a:rPr lang="pt-BR" sz="1600" u="none" strike="noStrike" dirty="0">
+                        <a:rPr lang="pt-BR" sz="1600" u="none" strike="noStrike" noProof="0" dirty="0">
                           <a:effectLst/>
                         </a:rPr>
                         <a:t>Alguma privacidade. </a:t>
                       </a:r>
                       <a:r>
-                        <a:rPr lang="pt-BR" sz="1600" u="none" strike="noStrike" dirty="0" smtClean="0">
+                        <a:rPr lang="pt-BR" sz="1600" u="none" strike="noStrike" noProof="0" dirty="0" smtClean="0">
                           <a:effectLst/>
                         </a:rPr>
                         <a:t>Parâmetros </a:t>
                       </a:r>
                       <a:r>
-                        <a:rPr lang="pt-BR" sz="1600" u="none" strike="noStrike" dirty="0">
+                        <a:rPr lang="pt-BR" sz="1600" u="none" strike="noStrike" noProof="0" dirty="0">
                           <a:effectLst/>
                         </a:rPr>
                         <a:t>ficam escondidos. Não é habitual gravar </a:t>
                       </a:r>
                       <a:r>
-                        <a:rPr lang="pt-BR" sz="1600" u="none" strike="noStrike" dirty="0" smtClean="0">
+                        <a:rPr lang="pt-BR" sz="1600" u="none" strike="noStrike" noProof="0" dirty="0" smtClean="0">
                           <a:effectLst/>
                         </a:rPr>
                         <a:t>parâmetros </a:t>
                       </a:r>
                       <a:r>
-                        <a:rPr lang="pt-BR" sz="1600" u="none" strike="noStrike" dirty="0">
+                        <a:rPr lang="pt-BR" sz="1600" u="none" strike="noStrike" noProof="0" dirty="0">
                           <a:effectLst/>
                         </a:rPr>
                         <a:t>de post.</a:t>
                       </a:r>
-                      <a:endParaRPr lang="pt-BR" sz="1600" b="0" i="0" u="none" strike="noStrike" dirty="0">
+                      <a:endParaRPr lang="pt-BR" sz="1600" b="0" i="0" u="none" strike="noStrike" noProof="0" dirty="0">
                         <a:solidFill>
                           <a:srgbClr val="333333"/>
                         </a:solidFill>
@@ -14022,10 +13890,10 @@
           <a:lstStyle/>
           <a:p>
             <a:r>
-              <a:rPr lang="en-US" dirty="0" smtClean="0"/>
+              <a:rPr lang="pt-BR" noProof="0" dirty="0" err="1" smtClean="0"/>
               <a:t>Controllers</a:t>
             </a:r>
-            <a:endParaRPr lang="en-US" dirty="0"/>
+            <a:endParaRPr lang="pt-BR" noProof="0" dirty="0"/>
           </a:p>
         </p:txBody>
       </p:sp>
@@ -14052,91 +13920,83 @@
           <a:lstStyle/>
           <a:p>
             <a:r>
-              <a:rPr lang="en-US" sz="2800" dirty="0" smtClean="0"/>
+              <a:rPr lang="pt-BR" sz="2800" noProof="0" dirty="0" err="1" smtClean="0"/>
               <a:t>Action</a:t>
             </a:r>
-            <a:endParaRPr lang="en-US" sz="2800" dirty="0" smtClean="0"/>
+            <a:endParaRPr lang="pt-BR" sz="2800" noProof="0" dirty="0" smtClean="0"/>
           </a:p>
           <a:p>
             <a:pPr lvl="1"/>
             <a:r>
-              <a:rPr lang="en-US" sz="2400" dirty="0" err="1" smtClean="0"/>
-              <a:t>Tipos</a:t>
-            </a:r>
-            <a:r>
-              <a:rPr lang="en-US" sz="2400" dirty="0" smtClean="0"/>
-              <a:t> de </a:t>
-            </a:r>
-            <a:r>
-              <a:rPr lang="en-US" sz="2400" dirty="0" err="1" smtClean="0"/>
-              <a:t>retorno</a:t>
-            </a:r>
-            <a:r>
-              <a:rPr lang="en-US" sz="2400" dirty="0" smtClean="0"/>
-              <a:t>:</a:t>
+              <a:rPr lang="pt-BR" sz="2400" noProof="0" dirty="0" smtClean="0"/>
+              <a:t>Tipos de retorno:</a:t>
             </a:r>
           </a:p>
           <a:p>
             <a:pPr lvl="2"/>
             <a:r>
-              <a:rPr lang="en-US" sz="2000" dirty="0" err="1" smtClean="0"/>
+              <a:rPr lang="pt-BR" sz="2000" noProof="0" dirty="0" err="1" smtClean="0"/>
               <a:t>ActionResult</a:t>
             </a:r>
-            <a:endParaRPr lang="en-US" sz="2000" dirty="0" smtClean="0"/>
+            <a:endParaRPr lang="pt-BR" sz="2000" noProof="0" dirty="0" smtClean="0"/>
           </a:p>
           <a:p>
             <a:pPr lvl="3"/>
             <a:r>
-              <a:rPr lang="en-US" sz="1800" dirty="0" err="1" smtClean="0"/>
+              <a:rPr lang="pt-BR" sz="1800" noProof="0" dirty="0" err="1" smtClean="0"/>
               <a:t>FileResult</a:t>
             </a:r>
-            <a:endParaRPr lang="en-US" sz="1800" dirty="0" smtClean="0"/>
+            <a:endParaRPr lang="pt-BR" sz="1800" noProof="0" dirty="0" smtClean="0"/>
           </a:p>
           <a:p>
             <a:pPr lvl="3"/>
             <a:r>
-              <a:rPr lang="en-US" sz="1800" dirty="0" err="1" smtClean="0"/>
+              <a:rPr lang="pt-BR" sz="1800" noProof="0" dirty="0" err="1" smtClean="0"/>
               <a:t>ViewResult</a:t>
             </a:r>
-            <a:endParaRPr lang="en-US" sz="1800" dirty="0" smtClean="0"/>
+            <a:endParaRPr lang="pt-BR" sz="1800" noProof="0" dirty="0" smtClean="0"/>
           </a:p>
           <a:p>
             <a:pPr lvl="3"/>
             <a:r>
-              <a:rPr lang="en-US" sz="1800" dirty="0" err="1" smtClean="0"/>
+              <a:rPr lang="pt-BR" sz="1800" noProof="0" dirty="0" err="1" smtClean="0"/>
               <a:t>JsonResult</a:t>
             </a:r>
-            <a:endParaRPr lang="en-US" sz="1800" dirty="0" smtClean="0"/>
+            <a:endParaRPr lang="pt-BR" sz="1800" noProof="0" dirty="0" smtClean="0"/>
           </a:p>
           <a:p>
             <a:pPr lvl="1"/>
             <a:r>
-              <a:rPr lang="en-US" sz="2400" dirty="0" err="1" smtClean="0"/>
-              <a:t>Passagem</a:t>
-            </a:r>
-            <a:r>
-              <a:rPr lang="en-US" sz="2400" dirty="0" smtClean="0"/>
-              <a:t> de </a:t>
-            </a:r>
-            <a:r>
-              <a:rPr lang="en-US" sz="2400" dirty="0" err="1" smtClean="0"/>
-              <a:t>parâmetros</a:t>
-            </a:r>
-            <a:endParaRPr lang="en-US" sz="2400" dirty="0" smtClean="0"/>
+              <a:rPr lang="pt-BR" sz="2400" noProof="0" dirty="0" smtClean="0"/>
+              <a:t>Passagem de parâmetros</a:t>
+            </a:r>
           </a:p>
           <a:p>
             <a:pPr lvl="2"/>
             <a:r>
-              <a:rPr lang="en-US" sz="2000" dirty="0" smtClean="0"/>
+              <a:rPr lang="pt-BR" sz="2000" noProof="0" dirty="0" smtClean="0"/>
               <a:t>Normal</a:t>
             </a:r>
           </a:p>
           <a:p>
             <a:pPr lvl="2"/>
             <a:r>
-              <a:rPr lang="en-US" sz="2000" dirty="0" smtClean="0"/>
-              <a:t>MVC model binding</a:t>
-            </a:r>
+              <a:rPr lang="pt-BR" sz="2000" noProof="0" dirty="0" smtClean="0"/>
+              <a:t>MVC </a:t>
+            </a:r>
+            <a:r>
+              <a:rPr lang="pt-BR" sz="2000" noProof="0" dirty="0" err="1" smtClean="0"/>
+              <a:t>model</a:t>
+            </a:r>
+            <a:r>
+              <a:rPr lang="pt-BR" sz="2000" noProof="0" dirty="0" smtClean="0"/>
+              <a:t> </a:t>
+            </a:r>
+            <a:r>
+              <a:rPr lang="pt-BR" sz="2000" noProof="0" dirty="0" err="1" smtClean="0"/>
+              <a:t>binding</a:t>
+            </a:r>
+            <a:endParaRPr lang="pt-BR" sz="2000" noProof="0" dirty="0" smtClean="0"/>
           </a:p>
         </p:txBody>
       </p:sp>
@@ -14193,10 +14053,10 @@
           <a:lstStyle/>
           <a:p>
             <a:r>
-              <a:rPr lang="en-US" dirty="0" smtClean="0"/>
+              <a:rPr lang="pt-BR" noProof="0" dirty="0" smtClean="0"/>
               <a:t>Web</a:t>
             </a:r>
-            <a:endParaRPr lang="en-US" dirty="0"/>
+            <a:endParaRPr lang="pt-BR" noProof="0" dirty="0"/>
           </a:p>
         </p:txBody>
       </p:sp>
@@ -14223,9 +14083,14 @@
           <a:lstStyle/>
           <a:p>
             <a:r>
-              <a:rPr lang="en-US" sz="2800" dirty="0" smtClean="0"/>
-              <a:t>Client Server</a:t>
-            </a:r>
+              <a:rPr lang="pt-BR" sz="2800" noProof="0" dirty="0" err="1" smtClean="0"/>
+              <a:t>Client</a:t>
+            </a:r>
+            <a:r>
+              <a:rPr lang="pt-BR" sz="2800" noProof="0" dirty="0" smtClean="0"/>
+              <a:t> Server</a:t>
+            </a:r>
+            <a:endParaRPr lang="pt-BR" sz="2800" noProof="0" dirty="0" smtClean="0"/>
           </a:p>
         </p:txBody>
       </p:sp>
@@ -14660,17 +14525,13 @@
           <a:lstStyle/>
           <a:p>
             <a:r>
-              <a:rPr lang="en-US" dirty="0" err="1"/>
-              <a:t>Armazenamento</a:t>
-            </a:r>
-            <a:r>
-              <a:rPr lang="en-US" dirty="0"/>
-              <a:t> web</a:t>
+              <a:rPr lang="pt-BR" noProof="0" dirty="0" smtClean="0"/>
+              <a:t>Armazenamento web</a:t>
             </a:r>
             <a:br>
-              <a:rPr lang="en-US" dirty="0"/>
+              <a:rPr lang="pt-BR" noProof="0" dirty="0" smtClean="0"/>
             </a:br>
-            <a:endParaRPr lang="en-US" dirty="0"/>
+            <a:endParaRPr lang="pt-BR" noProof="0" dirty="0"/>
           </a:p>
         </p:txBody>
       </p:sp>
@@ -14702,22 +14563,18 @@
               </a:lnSpc>
             </a:pPr>
             <a:r>
-              <a:rPr lang="en-US" sz="2800" dirty="0" err="1" smtClean="0"/>
+              <a:rPr lang="pt-BR" sz="2800" noProof="0" dirty="0" err="1" smtClean="0"/>
               <a:t>TempData</a:t>
             </a:r>
             <a:r>
-              <a:rPr lang="en-US" sz="2800" dirty="0" smtClean="0"/>
-              <a:t> – </a:t>
-            </a:r>
-            <a:r>
-              <a:rPr lang="en-US" sz="2800" dirty="0" err="1" smtClean="0"/>
-              <a:t>Usado</a:t>
-            </a:r>
-            <a:r>
-              <a:rPr lang="en-US" sz="2800" dirty="0" smtClean="0"/>
-              <a:t> para redirects</a:t>
-            </a:r>
-            <a:endParaRPr lang="en-US" sz="2800" dirty="0"/>
+              <a:rPr lang="pt-BR" sz="2800" noProof="0" dirty="0" smtClean="0"/>
+              <a:t> – Usado para </a:t>
+            </a:r>
+            <a:r>
+              <a:rPr lang="pt-BR" sz="2800" noProof="0" dirty="0" err="1" smtClean="0"/>
+              <a:t>redirects</a:t>
+            </a:r>
+            <a:endParaRPr lang="pt-BR" sz="2800" noProof="0" dirty="0" smtClean="0"/>
           </a:p>
           <a:p>
             <a:pPr>
@@ -14726,18 +14583,18 @@
               </a:lnSpc>
             </a:pPr>
             <a:r>
-              <a:rPr lang="en-US" sz="2800" dirty="0" err="1"/>
+              <a:rPr lang="pt-BR" sz="2800" noProof="0" dirty="0" err="1" smtClean="0"/>
               <a:t>ViewBag</a:t>
             </a:r>
             <a:r>
-              <a:rPr lang="en-US" sz="2800" dirty="0"/>
+              <a:rPr lang="pt-BR" sz="2800" noProof="0" dirty="0" smtClean="0"/>
               <a:t> e </a:t>
             </a:r>
             <a:r>
-              <a:rPr lang="en-US" sz="2800" dirty="0" err="1"/>
+              <a:rPr lang="pt-BR" sz="2800" noProof="0" dirty="0" err="1" smtClean="0"/>
               <a:t>ViewData</a:t>
             </a:r>
-            <a:endParaRPr lang="en-US" sz="2800" dirty="0"/>
+            <a:endParaRPr lang="pt-BR" sz="2800" noProof="0" dirty="0" smtClean="0"/>
           </a:p>
           <a:p>
             <a:pPr>
@@ -14745,7 +14602,7 @@
                 <a:spcPct val="200000"/>
               </a:lnSpc>
             </a:pPr>
-            <a:endParaRPr lang="en-US" sz="2800" dirty="0"/>
+            <a:endParaRPr lang="pt-BR" sz="2800" noProof="0" dirty="0"/>
           </a:p>
         </p:txBody>
       </p:sp>
@@ -14802,17 +14659,13 @@
           <a:lstStyle/>
           <a:p>
             <a:r>
-              <a:rPr lang="en-US" dirty="0" err="1"/>
-              <a:t>Armazenamento</a:t>
-            </a:r>
-            <a:r>
-              <a:rPr lang="en-US" dirty="0"/>
-              <a:t> web</a:t>
+              <a:rPr lang="pt-BR" noProof="0" dirty="0" smtClean="0"/>
+              <a:t>Armazenamento web</a:t>
             </a:r>
             <a:br>
-              <a:rPr lang="en-US" dirty="0"/>
+              <a:rPr lang="pt-BR" noProof="0" dirty="0" smtClean="0"/>
             </a:br>
-            <a:endParaRPr lang="en-US" dirty="0"/>
+            <a:endParaRPr lang="pt-BR" noProof="0" dirty="0"/>
           </a:p>
         </p:txBody>
       </p:sp>
@@ -14825,7 +14678,7 @@
           <p:nvPr>
             <p:extLst>
               <p:ext uri="{D42A27DB-BD31-4B8C-83A1-F6EECF244321}">
-                <p14:modId xmlns:p14="http://schemas.microsoft.com/office/powerpoint/2010/main" val="1043833605"/>
+                <p14:modId xmlns:p14="http://schemas.microsoft.com/office/powerpoint/2010/main" val="3251115510"/>
               </p:ext>
             </p:extLst>
           </p:nvPr>
@@ -14942,12 +14795,12 @@
                     <a:p>
                       <a:pPr algn="l" fontAlgn="b"/>
                       <a:r>
-                        <a:rPr lang="en-US" sz="1600" u="none" strike="noStrike" dirty="0" err="1">
+                        <a:rPr lang="pt-BR" sz="1600" u="none" strike="noStrike" noProof="0" dirty="0" smtClean="0">
                           <a:effectLst/>
                         </a:rPr>
                         <a:t>Escopo</a:t>
                       </a:r>
-                      <a:endParaRPr lang="en-US" sz="1600" b="0" i="0" u="none" strike="noStrike" dirty="0">
+                      <a:endParaRPr lang="pt-BR" sz="1600" b="0" i="0" u="none" strike="noStrike" noProof="0" dirty="0">
                         <a:solidFill>
                           <a:schemeClr val="tx1"/>
                         </a:solidFill>
@@ -14965,42 +14818,12 @@
                     <a:p>
                       <a:pPr algn="l" fontAlgn="b"/>
                       <a:r>
-                        <a:rPr lang="en-US" sz="1600" u="none" strike="noStrike" dirty="0">
+                        <a:rPr lang="pt-BR" sz="1600" u="none" strike="noStrike" noProof="0" dirty="0" smtClean="0">
                           <a:effectLst/>
                         </a:rPr>
-                        <a:t>Para </a:t>
+                        <a:t>Para cada Sessão/Usuário</a:t>
                       </a:r>
-                      <a:r>
-                        <a:rPr lang="en-US" sz="1600" u="none" strike="noStrike" dirty="0" err="1">
-                          <a:effectLst/>
-                        </a:rPr>
-                        <a:t>cada</a:t>
-                      </a:r>
-                      <a:r>
-                        <a:rPr lang="en-US" sz="1600" u="none" strike="noStrike" dirty="0">
-                          <a:effectLst/>
-                        </a:rPr>
-                        <a:t> </a:t>
-                      </a:r>
-                      <a:r>
-                        <a:rPr lang="en-US" sz="1600" u="none" strike="noStrike" dirty="0" err="1">
-                          <a:effectLst/>
-                        </a:rPr>
-                        <a:t>Sessão</a:t>
-                      </a:r>
-                      <a:r>
-                        <a:rPr lang="en-US" sz="1600" u="none" strike="noStrike" dirty="0">
-                          <a:effectLst/>
-                        </a:rPr>
-                        <a:t>/</a:t>
-                      </a:r>
-                      <a:r>
-                        <a:rPr lang="en-US" sz="1600" u="none" strike="noStrike" dirty="0" err="1">
-                          <a:effectLst/>
-                        </a:rPr>
-                        <a:t>Usuário</a:t>
-                      </a:r>
-                      <a:endParaRPr lang="en-US" sz="1600" b="0" i="0" u="none" strike="noStrike" dirty="0">
+                      <a:endParaRPr lang="pt-BR" sz="1600" b="0" i="0" u="none" strike="noStrike" noProof="0" dirty="0">
                         <a:solidFill>
                           <a:schemeClr val="tx1"/>
                         </a:solidFill>
@@ -15018,12 +14841,12 @@
                     <a:p>
                       <a:pPr algn="l" fontAlgn="b"/>
                       <a:r>
-                        <a:rPr lang="pt-BR" sz="1600" u="none" strike="noStrike" dirty="0">
+                        <a:rPr lang="pt-BR" sz="1600" u="none" strike="noStrike" noProof="0" dirty="0">
                           <a:effectLst/>
                         </a:rPr>
                         <a:t>Aplicação toda (todos os usuários tem acesso aos mesmos dados)</a:t>
                       </a:r>
-                      <a:endParaRPr lang="pt-BR" sz="1600" b="0" i="0" u="none" strike="noStrike" dirty="0">
+                      <a:endParaRPr lang="pt-BR" sz="1600" b="0" i="0" u="none" strike="noStrike" noProof="0" dirty="0">
                         <a:solidFill>
                           <a:schemeClr val="tx1"/>
                         </a:solidFill>
@@ -15060,12 +14883,12 @@
                     <a:p>
                       <a:pPr algn="l" fontAlgn="b"/>
                       <a:r>
-                        <a:rPr lang="en-US" sz="1600" u="none" strike="noStrike" dirty="0" err="1">
+                        <a:rPr lang="pt-BR" sz="1600" u="none" strike="noStrike" noProof="0" dirty="0" smtClean="0">
                           <a:effectLst/>
                         </a:rPr>
                         <a:t>Expiração</a:t>
                       </a:r>
-                      <a:endParaRPr lang="en-US" sz="1600" b="0" i="0" u="none" strike="noStrike" dirty="0">
+                      <a:endParaRPr lang="pt-BR" sz="1600" b="0" i="0" u="none" strike="noStrike" noProof="0" dirty="0">
                         <a:solidFill>
                           <a:schemeClr val="tx1"/>
                         </a:solidFill>
@@ -15083,24 +14906,24 @@
                     <a:p>
                       <a:pPr algn="l" fontAlgn="b"/>
                       <a:r>
-                        <a:rPr lang="pt-BR" sz="1600" u="none" strike="noStrike" dirty="0">
+                        <a:rPr lang="pt-BR" sz="1600" u="none" strike="noStrike" noProof="0" dirty="0">
                           <a:effectLst/>
                         </a:rPr>
                         <a:t>Expira com a Sessão(padrão 20 </a:t>
                       </a:r>
                       <a:r>
-                        <a:rPr lang="pt-BR" sz="1600" u="none" strike="noStrike" dirty="0" err="1">
+                        <a:rPr lang="pt-BR" sz="1600" u="none" strike="noStrike" noProof="0" dirty="0" err="1">
                           <a:effectLst/>
                         </a:rPr>
                         <a:t>mins</a:t>
                       </a:r>
                       <a:r>
-                        <a:rPr lang="pt-BR" sz="1600" u="none" strike="noStrike" dirty="0">
+                        <a:rPr lang="pt-BR" sz="1600" u="none" strike="noStrike" noProof="0" dirty="0">
                           <a:effectLst/>
                         </a:rPr>
                         <a:t>)</a:t>
                       </a:r>
-                      <a:endParaRPr lang="pt-BR" sz="1600" b="0" i="0" u="none" strike="noStrike" dirty="0">
+                      <a:endParaRPr lang="pt-BR" sz="1600" b="0" i="0" u="none" strike="noStrike" noProof="0" dirty="0">
                         <a:solidFill>
                           <a:schemeClr val="tx1"/>
                         </a:solidFill>
@@ -15118,24 +14941,12 @@
                     <a:p>
                       <a:pPr algn="l" fontAlgn="b"/>
                       <a:r>
-                        <a:rPr lang="en-US" sz="1600" u="none" strike="noStrike" dirty="0" err="1">
+                        <a:rPr lang="pt-BR" sz="1600" u="none" strike="noStrike" noProof="0" dirty="0" smtClean="0">
                           <a:effectLst/>
                         </a:rPr>
-                        <a:t>Não</a:t>
+                        <a:t>Não expira</a:t>
                       </a:r>
-                      <a:r>
-                        <a:rPr lang="en-US" sz="1600" u="none" strike="noStrike" dirty="0">
-                          <a:effectLst/>
-                        </a:rPr>
-                        <a:t> </a:t>
-                      </a:r>
-                      <a:r>
-                        <a:rPr lang="en-US" sz="1600" u="none" strike="noStrike" dirty="0" err="1">
-                          <a:effectLst/>
-                        </a:rPr>
-                        <a:t>expira</a:t>
-                      </a:r>
-                      <a:endParaRPr lang="en-US" sz="1600" b="0" i="0" u="none" strike="noStrike" dirty="0">
+                      <a:endParaRPr lang="pt-BR" sz="1600" b="0" i="0" u="none" strike="noStrike" noProof="0" dirty="0">
                         <a:solidFill>
                           <a:schemeClr val="tx1"/>
                         </a:solidFill>
@@ -15153,30 +14964,12 @@
                     <a:p>
                       <a:pPr algn="l" fontAlgn="b"/>
                       <a:r>
-                        <a:rPr lang="en-US" sz="1600" u="none" strike="noStrike" dirty="0" err="1">
+                        <a:rPr lang="pt-BR" sz="1600" u="none" strike="noStrike" noProof="0" dirty="0" smtClean="0">
                           <a:effectLst/>
                         </a:rPr>
-                        <a:t>Configurável</a:t>
+                        <a:t>Configurável para cada item</a:t>
                       </a:r>
-                      <a:r>
-                        <a:rPr lang="en-US" sz="1600" u="none" strike="noStrike" dirty="0">
-                          <a:effectLst/>
-                        </a:rPr>
-                        <a:t> para </a:t>
-                      </a:r>
-                      <a:r>
-                        <a:rPr lang="en-US" sz="1600" u="none" strike="noStrike" dirty="0" err="1">
-                          <a:effectLst/>
-                        </a:rPr>
-                        <a:t>cada</a:t>
-                      </a:r>
-                      <a:r>
-                        <a:rPr lang="en-US" sz="1600" u="none" strike="noStrike" dirty="0">
-                          <a:effectLst/>
-                        </a:rPr>
-                        <a:t> item</a:t>
-                      </a:r>
-                      <a:endParaRPr lang="en-US" sz="1600" b="0" i="0" u="none" strike="noStrike" dirty="0">
+                      <a:endParaRPr lang="pt-BR" sz="1600" b="0" i="0" u="none" strike="noStrike" noProof="0" dirty="0">
                         <a:solidFill>
                           <a:schemeClr val="tx1"/>
                         </a:solidFill>
@@ -15245,10 +15038,10 @@
           <a:lstStyle/>
           <a:p>
             <a:r>
-              <a:rPr lang="en-US" dirty="0" smtClean="0"/>
+              <a:rPr lang="pt-BR" noProof="0" dirty="0" err="1" smtClean="0"/>
               <a:t>Models</a:t>
             </a:r>
-            <a:endParaRPr lang="en-US" dirty="0"/>
+            <a:endParaRPr lang="pt-BR" noProof="0" dirty="0"/>
           </a:p>
         </p:txBody>
       </p:sp>
@@ -15275,9 +15068,38 @@
           <a:lstStyle/>
           <a:p>
             <a:r>
-              <a:rPr lang="en-US" sz="2400" dirty="0" smtClean="0"/>
-              <a:t>View Models (Presentation Model)</a:t>
-            </a:r>
+              <a:rPr lang="pt-BR" sz="2400" noProof="0" dirty="0" err="1" smtClean="0"/>
+              <a:t>View</a:t>
+            </a:r>
+            <a:r>
+              <a:rPr lang="pt-BR" sz="2400" noProof="0" dirty="0" smtClean="0"/>
+              <a:t> </a:t>
+            </a:r>
+            <a:r>
+              <a:rPr lang="pt-BR" sz="2400" noProof="0" dirty="0" err="1" smtClean="0"/>
+              <a:t>Models</a:t>
+            </a:r>
+            <a:r>
+              <a:rPr lang="pt-BR" sz="2400" noProof="0" dirty="0" smtClean="0"/>
+              <a:t> (</a:t>
+            </a:r>
+            <a:r>
+              <a:rPr lang="pt-BR" sz="2400" noProof="0" dirty="0" err="1" smtClean="0"/>
+              <a:t>Presentation</a:t>
+            </a:r>
+            <a:r>
+              <a:rPr lang="pt-BR" sz="2400" noProof="0" dirty="0" smtClean="0"/>
+              <a:t> </a:t>
+            </a:r>
+            <a:r>
+              <a:rPr lang="pt-BR" sz="2400" noProof="0" dirty="0" err="1" smtClean="0"/>
+              <a:t>Model</a:t>
+            </a:r>
+            <a:r>
+              <a:rPr lang="pt-BR" sz="2400" noProof="0" dirty="0" smtClean="0"/>
+              <a:t>)</a:t>
+            </a:r>
+            <a:endParaRPr lang="pt-BR" sz="2400" noProof="0" dirty="0" smtClean="0"/>
           </a:p>
         </p:txBody>
       </p:sp>
@@ -15618,22 +15440,22 @@
           <a:lstStyle/>
           <a:p>
             <a:r>
-              <a:rPr lang="en-US" dirty="0" err="1" smtClean="0"/>
-              <a:t>Preparando</a:t>
-            </a:r>
-            <a:r>
-              <a:rPr lang="en-US" dirty="0" smtClean="0"/>
-              <a:t> a </a:t>
-            </a:r>
-            <a:r>
-              <a:rPr lang="en-US" dirty="0" err="1" smtClean="0"/>
-              <a:t>sua</a:t>
-            </a:r>
-            <a:r>
-              <a:rPr lang="en-US" dirty="0" smtClean="0"/>
-              <a:t> View Model</a:t>
-            </a:r>
-            <a:endParaRPr lang="en-US" dirty="0"/>
+              <a:rPr lang="pt-BR" noProof="0" dirty="0" smtClean="0"/>
+              <a:t>Preparando a sua </a:t>
+            </a:r>
+            <a:r>
+              <a:rPr lang="pt-BR" noProof="0" dirty="0" err="1" smtClean="0"/>
+              <a:t>View</a:t>
+            </a:r>
+            <a:r>
+              <a:rPr lang="pt-BR" noProof="0" dirty="0" smtClean="0"/>
+              <a:t> </a:t>
+            </a:r>
+            <a:r>
+              <a:rPr lang="pt-BR" noProof="0" dirty="0" err="1" smtClean="0"/>
+              <a:t>Model</a:t>
+            </a:r>
+            <a:endParaRPr lang="pt-BR" noProof="0" dirty="0"/>
           </a:p>
         </p:txBody>
       </p:sp>
@@ -15665,13 +15487,14 @@
               </a:lnSpc>
             </a:pPr>
             <a:r>
-              <a:rPr lang="en-US" sz="2800" dirty="0" err="1" smtClean="0"/>
-              <a:t>Atributos</a:t>
-            </a:r>
-            <a:r>
-              <a:rPr lang="en-US" sz="2800" dirty="0" smtClean="0"/>
-              <a:t> Data types</a:t>
-            </a:r>
+              <a:rPr lang="pt-BR" sz="2800" noProof="0" dirty="0" smtClean="0"/>
+              <a:t>Atributos Data </a:t>
+            </a:r>
+            <a:r>
+              <a:rPr lang="pt-BR" sz="2800" noProof="0" dirty="0" err="1" smtClean="0"/>
+              <a:t>types</a:t>
+            </a:r>
+            <a:endParaRPr lang="pt-BR" sz="2800" noProof="0" dirty="0" smtClean="0"/>
           </a:p>
           <a:p>
             <a:pPr lvl="1">
@@ -15680,10 +15503,10 @@
               </a:lnSpc>
             </a:pPr>
             <a:r>
-              <a:rPr lang="en-US" sz="2400" dirty="0" err="1" smtClean="0"/>
+              <a:rPr lang="pt-BR" sz="2400" noProof="0" dirty="0" err="1" smtClean="0"/>
               <a:t>CreditCard</a:t>
             </a:r>
-            <a:endParaRPr lang="en-US" sz="2400" dirty="0" smtClean="0"/>
+            <a:endParaRPr lang="pt-BR" sz="2400" noProof="0" dirty="0" smtClean="0"/>
           </a:p>
           <a:p>
             <a:pPr lvl="1">
@@ -15692,9 +15515,10 @@
               </a:lnSpc>
             </a:pPr>
             <a:r>
-              <a:rPr lang="en-US" sz="2400" dirty="0" smtClean="0"/>
+              <a:rPr lang="pt-BR" sz="2400" noProof="0" dirty="0" err="1" smtClean="0"/>
               <a:t>Currency</a:t>
             </a:r>
+            <a:endParaRPr lang="pt-BR" sz="2400" noProof="0" dirty="0" smtClean="0"/>
           </a:p>
           <a:p>
             <a:pPr lvl="1">
@@ -15703,10 +15527,10 @@
               </a:lnSpc>
             </a:pPr>
             <a:r>
-              <a:rPr lang="en-US" sz="2400" dirty="0" err="1" smtClean="0"/>
+              <a:rPr lang="pt-BR" sz="2400" noProof="0" dirty="0" err="1" smtClean="0"/>
               <a:t>EmailAddress</a:t>
             </a:r>
-            <a:endParaRPr lang="en-US" sz="2400" dirty="0" smtClean="0"/>
+            <a:endParaRPr lang="pt-BR" sz="2400" noProof="0" dirty="0" smtClean="0"/>
           </a:p>
           <a:p>
             <a:pPr lvl="1">
@@ -15715,9 +15539,10 @@
               </a:lnSpc>
             </a:pPr>
             <a:r>
-              <a:rPr lang="en-US" sz="2400" dirty="0" smtClean="0"/>
+              <a:rPr lang="pt-BR" sz="2400" noProof="0" dirty="0" err="1" smtClean="0"/>
               <a:t>Password</a:t>
             </a:r>
+            <a:endParaRPr lang="pt-BR" sz="2400" noProof="0" dirty="0" smtClean="0"/>
           </a:p>
           <a:p>
             <a:pPr lvl="1">
@@ -15726,10 +15551,10 @@
               </a:lnSpc>
             </a:pPr>
             <a:r>
-              <a:rPr lang="en-US" sz="2400" dirty="0" err="1" smtClean="0"/>
+              <a:rPr lang="pt-BR" sz="2400" noProof="0" dirty="0" err="1" smtClean="0"/>
               <a:t>Url</a:t>
             </a:r>
-            <a:endParaRPr lang="en-US" sz="2400" dirty="0" smtClean="0"/>
+            <a:endParaRPr lang="pt-BR" sz="2400" noProof="0" dirty="0" smtClean="0"/>
           </a:p>
           <a:p>
             <a:pPr lvl="1">
@@ -15737,7 +15562,7 @@
                 <a:spcPct val="160000"/>
               </a:lnSpc>
             </a:pPr>
-            <a:endParaRPr lang="en-US" sz="2400" dirty="0" smtClean="0"/>
+            <a:endParaRPr lang="pt-BR" sz="2400" noProof="0" dirty="0" smtClean="0"/>
           </a:p>
           <a:p>
             <a:pPr>
@@ -15746,14 +15571,14 @@
               </a:lnSpc>
             </a:pPr>
             <a:r>
-              <a:rPr lang="en-US" sz="2800" dirty="0" err="1" smtClean="0"/>
-              <a:t>Formatação</a:t>
-            </a:r>
-            <a:r>
-              <a:rPr lang="en-US" sz="2800" dirty="0" smtClean="0"/>
-              <a:t> com Data annotations</a:t>
-            </a:r>
-            <a:endParaRPr lang="en-US" sz="2800" dirty="0"/>
+              <a:rPr lang="pt-BR" sz="2800" noProof="0" dirty="0" smtClean="0"/>
+              <a:t>Formatação com Data </a:t>
+            </a:r>
+            <a:r>
+              <a:rPr lang="pt-BR" sz="2800" noProof="0" dirty="0" err="1" smtClean="0"/>
+              <a:t>annotations</a:t>
+            </a:r>
+            <a:endParaRPr lang="pt-BR" sz="2800" noProof="0" dirty="0" smtClean="0"/>
           </a:p>
           <a:p>
             <a:pPr lvl="1">
@@ -15762,7 +15587,7 @@
               </a:lnSpc>
             </a:pPr>
             <a:r>
-              <a:rPr lang="en-US" sz="2400" dirty="0"/>
+              <a:rPr lang="pt-BR" sz="2400" noProof="0" dirty="0" smtClean="0"/>
               <a:t>Display</a:t>
             </a:r>
           </a:p>
@@ -15773,10 +15598,10 @@
               </a:lnSpc>
             </a:pPr>
             <a:r>
-              <a:rPr lang="en-US" sz="2400" dirty="0" err="1"/>
+              <a:rPr lang="pt-BR" sz="2400" noProof="0" dirty="0" err="1" smtClean="0"/>
               <a:t>DisplayFormat</a:t>
             </a:r>
-            <a:endParaRPr lang="en-US" sz="2400" dirty="0"/>
+            <a:endParaRPr lang="pt-BR" sz="2400" noProof="0" dirty="0" smtClean="0"/>
           </a:p>
           <a:p>
             <a:pPr lvl="1">
@@ -15785,10 +15610,10 @@
               </a:lnSpc>
             </a:pPr>
             <a:r>
-              <a:rPr lang="en-US" sz="2400" dirty="0" err="1"/>
+              <a:rPr lang="pt-BR" sz="2400" noProof="0" dirty="0" err="1" smtClean="0"/>
               <a:t>ScaffoldColumn</a:t>
             </a:r>
-            <a:endParaRPr lang="en-US" sz="2400" dirty="0"/>
+            <a:endParaRPr lang="pt-BR" sz="2400" noProof="0" dirty="0" smtClean="0"/>
           </a:p>
           <a:p>
             <a:pPr lvl="1">
@@ -15797,10 +15622,10 @@
               </a:lnSpc>
             </a:pPr>
             <a:r>
-              <a:rPr lang="en-US" sz="2400" dirty="0" err="1" smtClean="0"/>
+              <a:rPr lang="pt-BR" sz="2400" noProof="0" dirty="0" err="1" smtClean="0"/>
               <a:t>ReadOnly</a:t>
             </a:r>
-            <a:endParaRPr lang="en-US" sz="2400" dirty="0"/>
+            <a:endParaRPr lang="pt-BR" sz="2400" noProof="0" dirty="0" smtClean="0"/>
           </a:p>
           <a:p>
             <a:pPr lvl="1">
@@ -15808,7 +15633,7 @@
                 <a:spcPct val="160000"/>
               </a:lnSpc>
             </a:pPr>
-            <a:endParaRPr lang="en-US" sz="2400" dirty="0" smtClean="0"/>
+            <a:endParaRPr lang="pt-BR" sz="2400" noProof="0" dirty="0" smtClean="0"/>
           </a:p>
         </p:txBody>
       </p:sp>
@@ -15865,22 +15690,18 @@
           <a:lstStyle/>
           <a:p>
             <a:r>
-              <a:rPr lang="en-US" sz="3200" dirty="0" err="1" smtClean="0"/>
-              <a:t>Criando</a:t>
-            </a:r>
-            <a:r>
-              <a:rPr lang="en-US" sz="3200" dirty="0" smtClean="0"/>
+              <a:rPr lang="pt-BR" sz="3200" noProof="0" dirty="0" smtClean="0"/>
+              <a:t>Criando validações com Data </a:t>
+            </a:r>
+            <a:r>
+              <a:rPr lang="pt-BR" sz="3200" noProof="0" dirty="0" err="1" smtClean="0"/>
+              <a:t>annotations</a:t>
+            </a:r>
+            <a:r>
+              <a:rPr lang="pt-BR" sz="3200" noProof="0" dirty="0" smtClean="0"/>
               <a:t> </a:t>
             </a:r>
-            <a:r>
-              <a:rPr lang="en-US" sz="3200" dirty="0" err="1" smtClean="0"/>
-              <a:t>validações</a:t>
-            </a:r>
-            <a:r>
-              <a:rPr lang="en-US" sz="3200" dirty="0" smtClean="0"/>
-              <a:t> com Data annotations </a:t>
-            </a:r>
-            <a:endParaRPr lang="en-US" sz="3200" dirty="0"/>
+            <a:endParaRPr lang="pt-BR" sz="3200" noProof="0" dirty="0"/>
           </a:p>
         </p:txBody>
       </p:sp>
@@ -15912,21 +15733,14 @@
               </a:lnSpc>
             </a:pPr>
             <a:r>
-              <a:rPr lang="en-US" sz="1800" dirty="0" err="1"/>
-              <a:t>Criando</a:t>
-            </a:r>
-            <a:r>
-              <a:rPr lang="en-US" sz="1800" dirty="0"/>
-              <a:t> </a:t>
-            </a:r>
-            <a:r>
-              <a:rPr lang="en-US" sz="1800" dirty="0" err="1"/>
-              <a:t>validações</a:t>
-            </a:r>
-            <a:r>
-              <a:rPr lang="en-US" sz="1800" dirty="0"/>
-              <a:t> com Data annotations</a:t>
-            </a:r>
+              <a:rPr lang="pt-BR" sz="1800" noProof="0" dirty="0" smtClean="0"/>
+              <a:t>Criando validações com Data </a:t>
+            </a:r>
+            <a:r>
+              <a:rPr lang="pt-BR" sz="1800" noProof="0" dirty="0" err="1" smtClean="0"/>
+              <a:t>annotations</a:t>
+            </a:r>
+            <a:endParaRPr lang="pt-BR" sz="1800" noProof="0" dirty="0" smtClean="0"/>
           </a:p>
           <a:p>
             <a:pPr lvl="1">
@@ -15935,9 +15749,10 @@
               </a:lnSpc>
             </a:pPr>
             <a:r>
-              <a:rPr lang="en-US" sz="1600" dirty="0"/>
+              <a:rPr lang="pt-BR" sz="1600" noProof="0" dirty="0" err="1" smtClean="0"/>
               <a:t>Required</a:t>
             </a:r>
+            <a:endParaRPr lang="pt-BR" sz="1600" noProof="0" dirty="0" smtClean="0"/>
           </a:p>
           <a:p>
             <a:pPr lvl="1">
@@ -15946,10 +15761,10 @@
               </a:lnSpc>
             </a:pPr>
             <a:r>
-              <a:rPr lang="en-US" sz="1600" dirty="0" err="1"/>
+              <a:rPr lang="pt-BR" sz="1600" noProof="0" dirty="0" err="1" smtClean="0"/>
               <a:t>StringLength</a:t>
             </a:r>
-            <a:endParaRPr lang="en-US" sz="1600" dirty="0"/>
+            <a:endParaRPr lang="pt-BR" sz="1600" noProof="0" dirty="0" smtClean="0"/>
           </a:p>
           <a:p>
             <a:pPr lvl="1">
@@ -15958,10 +15773,10 @@
               </a:lnSpc>
             </a:pPr>
             <a:r>
-              <a:rPr lang="en-US" sz="1600" dirty="0" err="1"/>
+              <a:rPr lang="pt-BR" sz="1600" noProof="0" dirty="0" err="1" smtClean="0"/>
               <a:t>RegularExpression</a:t>
             </a:r>
-            <a:endParaRPr lang="en-US" sz="1600" dirty="0"/>
+            <a:endParaRPr lang="pt-BR" sz="1600" noProof="0" dirty="0" smtClean="0"/>
           </a:p>
           <a:p>
             <a:pPr lvl="1">
@@ -15970,7 +15785,7 @@
               </a:lnSpc>
             </a:pPr>
             <a:r>
-              <a:rPr lang="en-US" sz="1600" dirty="0"/>
+              <a:rPr lang="pt-BR" sz="1600" noProof="0" dirty="0" smtClean="0"/>
               <a:t>Range</a:t>
             </a:r>
           </a:p>
@@ -15981,7 +15796,7 @@
               </a:lnSpc>
             </a:pPr>
             <a:r>
-              <a:rPr lang="en-US" sz="1600" dirty="0"/>
+              <a:rPr lang="pt-BR" sz="1600" noProof="0" dirty="0" smtClean="0"/>
               <a:t>Compare</a:t>
             </a:r>
           </a:p>
@@ -15992,7 +15807,7 @@
               </a:lnSpc>
             </a:pPr>
             <a:r>
-              <a:rPr lang="en-US" sz="1600" dirty="0"/>
+              <a:rPr lang="pt-BR" sz="1600" noProof="0" dirty="0" smtClean="0"/>
               <a:t>Remote</a:t>
             </a:r>
           </a:p>
@@ -16003,60 +15818,8 @@
               </a:lnSpc>
             </a:pPr>
             <a:r>
-              <a:rPr lang="en-US" sz="1600" dirty="0" err="1"/>
-              <a:t>Você</a:t>
-            </a:r>
-            <a:r>
-              <a:rPr lang="en-US" sz="1600" dirty="0"/>
-              <a:t> </a:t>
-            </a:r>
-            <a:r>
-              <a:rPr lang="en-US" sz="1600" dirty="0" err="1"/>
-              <a:t>pode</a:t>
-            </a:r>
-            <a:r>
-              <a:rPr lang="en-US" sz="1600" dirty="0"/>
-              <a:t> </a:t>
-            </a:r>
-            <a:r>
-              <a:rPr lang="en-US" sz="1600" dirty="0" err="1"/>
-              <a:t>criar</a:t>
-            </a:r>
-            <a:r>
-              <a:rPr lang="en-US" sz="1600" dirty="0"/>
-              <a:t> a </a:t>
-            </a:r>
-            <a:r>
-              <a:rPr lang="en-US" sz="1600" dirty="0" err="1"/>
-              <a:t>sua</a:t>
-            </a:r>
-            <a:r>
-              <a:rPr lang="en-US" sz="1600" dirty="0"/>
-              <a:t> </a:t>
-            </a:r>
-            <a:r>
-              <a:rPr lang="en-US" sz="1600" dirty="0" err="1"/>
-              <a:t>própria</a:t>
-            </a:r>
-            <a:r>
-              <a:rPr lang="en-US" sz="1600" dirty="0"/>
-              <a:t> </a:t>
-            </a:r>
-            <a:r>
-              <a:rPr lang="en-US" sz="1600" dirty="0" err="1"/>
-              <a:t>anotação</a:t>
-            </a:r>
-            <a:r>
-              <a:rPr lang="en-US" sz="1600" dirty="0"/>
-              <a:t> </a:t>
-            </a:r>
-            <a:r>
-              <a:rPr lang="en-US" sz="1600" dirty="0" err="1"/>
-              <a:t>customizada</a:t>
-            </a:r>
-            <a:r>
-              <a:rPr lang="en-US" sz="1600" dirty="0"/>
-              <a:t>.</a:t>
+              <a:rPr lang="pt-BR" sz="1600" noProof="0" dirty="0" smtClean="0"/>
+              <a:t>Você pode criar a sua própria anotação customizada.</a:t>
             </a:r>
           </a:p>
           <a:p>
@@ -16066,34 +15829,14 @@
               </a:lnSpc>
             </a:pPr>
             <a:r>
-              <a:rPr lang="en-US" sz="1800" dirty="0" err="1"/>
-              <a:t>Criando</a:t>
-            </a:r>
-            <a:r>
-              <a:rPr lang="en-US" sz="1800" dirty="0"/>
-              <a:t> </a:t>
-            </a:r>
-            <a:r>
-              <a:rPr lang="en-US" sz="1800" dirty="0" err="1"/>
-              <a:t>validações</a:t>
-            </a:r>
-            <a:r>
-              <a:rPr lang="en-US" sz="1800" dirty="0"/>
-              <a:t> </a:t>
-            </a:r>
-            <a:r>
-              <a:rPr lang="en-US" sz="1800" dirty="0" err="1"/>
-              <a:t>customizadas</a:t>
-            </a:r>
-            <a:r>
-              <a:rPr lang="en-US" sz="1800" dirty="0"/>
-              <a:t> com </a:t>
-            </a:r>
-            <a:r>
-              <a:rPr lang="en-US" sz="1800" dirty="0" err="1"/>
+              <a:rPr lang="pt-BR" sz="1800" noProof="0" dirty="0" smtClean="0"/>
+              <a:t>Criando validações customizadas com </a:t>
+            </a:r>
+            <a:r>
+              <a:rPr lang="pt-BR" sz="1800" noProof="0" dirty="0" err="1" smtClean="0"/>
               <a:t>IValidatableObject</a:t>
             </a:r>
-            <a:endParaRPr lang="en-US" sz="1800" dirty="0"/>
+            <a:endParaRPr lang="pt-BR" sz="1800" noProof="0" dirty="0" smtClean="0"/>
           </a:p>
           <a:p>
             <a:pPr>
@@ -16101,7 +15844,7 @@
                 <a:spcPct val="150000"/>
               </a:lnSpc>
             </a:pPr>
-            <a:endParaRPr lang="en-US" sz="1800" dirty="0"/>
+            <a:endParaRPr lang="pt-BR" sz="1800" noProof="0" dirty="0"/>
           </a:p>
         </p:txBody>
       </p:sp>
@@ -16186,30 +15929,10 @@
           <a:lstStyle/>
           <a:p>
             <a:r>
-              <a:rPr lang="en-US" dirty="0" err="1" smtClean="0"/>
-              <a:t>Onde</a:t>
-            </a:r>
-            <a:r>
-              <a:rPr lang="en-US" dirty="0" smtClean="0"/>
-              <a:t> a </a:t>
-            </a:r>
-            <a:r>
-              <a:rPr lang="en-US" dirty="0" err="1" smtClean="0"/>
-              <a:t>validação</a:t>
-            </a:r>
-            <a:r>
-              <a:rPr lang="en-US" dirty="0" smtClean="0"/>
-              <a:t> </a:t>
-            </a:r>
-            <a:r>
-              <a:rPr lang="en-US" dirty="0" err="1" smtClean="0"/>
-              <a:t>ocorre</a:t>
-            </a:r>
-            <a:r>
-              <a:rPr lang="en-US" dirty="0" smtClean="0"/>
-              <a:t>?</a:t>
-            </a:r>
-            <a:endParaRPr lang="en-US" dirty="0"/>
+              <a:rPr lang="pt-BR" noProof="0" dirty="0" smtClean="0"/>
+              <a:t>Onde a validação ocorre?</a:t>
+            </a:r>
+            <a:endParaRPr lang="pt-BR" noProof="0" dirty="0"/>
           </a:p>
         </p:txBody>
       </p:sp>
@@ -16236,9 +15959,14 @@
               </a:lnSpc>
             </a:pPr>
             <a:r>
-              <a:rPr lang="en-US" sz="2800" dirty="0" smtClean="0"/>
-              <a:t>No server-side</a:t>
-            </a:r>
+              <a:rPr lang="pt-BR" sz="2800" noProof="0" dirty="0" smtClean="0"/>
+              <a:t>No server-</a:t>
+            </a:r>
+            <a:r>
+              <a:rPr lang="pt-BR" sz="2800" noProof="0" dirty="0" err="1" smtClean="0"/>
+              <a:t>side</a:t>
+            </a:r>
+            <a:endParaRPr lang="pt-BR" sz="2800" noProof="0" dirty="0" smtClean="0"/>
           </a:p>
           <a:p>
             <a:pPr lvl="1">
@@ -16247,9 +15975,18 @@
               </a:lnSpc>
             </a:pPr>
             <a:r>
-              <a:rPr lang="en-US" sz="2400" dirty="0" smtClean="0"/>
-              <a:t>Model State</a:t>
-            </a:r>
+              <a:rPr lang="pt-BR" sz="2400" noProof="0" dirty="0" err="1" smtClean="0"/>
+              <a:t>Model</a:t>
+            </a:r>
+            <a:r>
+              <a:rPr lang="pt-BR" sz="2400" noProof="0" dirty="0" smtClean="0"/>
+              <a:t> </a:t>
+            </a:r>
+            <a:r>
+              <a:rPr lang="pt-BR" sz="2400" noProof="0" dirty="0" err="1" smtClean="0"/>
+              <a:t>State</a:t>
+            </a:r>
+            <a:endParaRPr lang="pt-BR" sz="2400" noProof="0" dirty="0" smtClean="0"/>
           </a:p>
           <a:p>
             <a:pPr lvl="1">
@@ -16257,7 +15994,7 @@
                 <a:spcPct val="150000"/>
               </a:lnSpc>
             </a:pPr>
-            <a:endParaRPr lang="en-US" sz="2400" dirty="0" smtClean="0"/>
+            <a:endParaRPr lang="pt-BR" sz="2400" noProof="0" dirty="0" smtClean="0"/>
           </a:p>
           <a:p>
             <a:pPr>
@@ -16266,9 +16003,14 @@
               </a:lnSpc>
             </a:pPr>
             <a:r>
-              <a:rPr lang="en-US" sz="2800" dirty="0" smtClean="0"/>
-              <a:t>No client-side</a:t>
-            </a:r>
+              <a:rPr lang="pt-BR" sz="2800" noProof="0" dirty="0" smtClean="0"/>
+              <a:t>No </a:t>
+            </a:r>
+            <a:r>
+              <a:rPr lang="pt-BR" sz="2800" noProof="0" dirty="0" err="1" smtClean="0"/>
+              <a:t>client-side</a:t>
+            </a:r>
+            <a:endParaRPr lang="pt-BR" sz="2800" noProof="0" dirty="0" smtClean="0"/>
           </a:p>
           <a:p>
             <a:pPr lvl="1">
@@ -16277,22 +16019,30 @@
               </a:lnSpc>
             </a:pPr>
             <a:r>
-              <a:rPr lang="en-US" sz="2400" dirty="0" err="1" smtClean="0"/>
-              <a:t>Requer</a:t>
-            </a:r>
-            <a:r>
-              <a:rPr lang="en-US" sz="2400" dirty="0" smtClean="0"/>
-              <a:t> o </a:t>
-            </a:r>
-            <a:r>
-              <a:rPr lang="en-US" sz="2400" dirty="0" err="1" smtClean="0"/>
-              <a:t>uso</a:t>
-            </a:r>
-            <a:r>
-              <a:rPr lang="en-US" sz="2400" dirty="0" smtClean="0"/>
-              <a:t> jQuery unobtrusive validation</a:t>
-            </a:r>
-            <a:endParaRPr lang="en-US" sz="2400" dirty="0"/>
+              <a:rPr lang="pt-BR" sz="2400" noProof="0" dirty="0" smtClean="0"/>
+              <a:t>Requer o uso </a:t>
+            </a:r>
+            <a:r>
+              <a:rPr lang="pt-BR" sz="2400" noProof="0" dirty="0" err="1" smtClean="0"/>
+              <a:t>jQuery</a:t>
+            </a:r>
+            <a:r>
+              <a:rPr lang="pt-BR" sz="2400" noProof="0" dirty="0" smtClean="0"/>
+              <a:t> </a:t>
+            </a:r>
+            <a:r>
+              <a:rPr lang="pt-BR" sz="2400" noProof="0" dirty="0" err="1" smtClean="0"/>
+              <a:t>unobtrusive</a:t>
+            </a:r>
+            <a:r>
+              <a:rPr lang="pt-BR" sz="2400" noProof="0" dirty="0" smtClean="0"/>
+              <a:t> </a:t>
+            </a:r>
+            <a:r>
+              <a:rPr lang="pt-BR" sz="2400" noProof="0" dirty="0" err="1" smtClean="0"/>
+              <a:t>validation</a:t>
+            </a:r>
+            <a:endParaRPr lang="pt-BR" sz="2400" noProof="0" dirty="0"/>
           </a:p>
         </p:txBody>
       </p:sp>
@@ -16349,10 +16099,10 @@
           <a:lstStyle/>
           <a:p>
             <a:r>
-              <a:rPr lang="en-US" dirty="0" smtClean="0"/>
+              <a:rPr lang="pt-BR" noProof="0" dirty="0" err="1" smtClean="0"/>
               <a:t>Routing</a:t>
             </a:r>
-            <a:endParaRPr lang="en-US" dirty="0"/>
+            <a:endParaRPr lang="pt-BR" noProof="0" dirty="0"/>
           </a:p>
         </p:txBody>
       </p:sp>
@@ -16384,12 +16134,12 @@
               </a:lnSpc>
             </a:pPr>
             <a:r>
-              <a:rPr lang="en-US" sz="2800" dirty="0"/>
-              <a:t>Semantic </a:t>
-            </a:r>
-            <a:r>
-              <a:rPr lang="en-US" sz="2800" dirty="0" smtClean="0"/>
-              <a:t>URL</a:t>
+              <a:rPr lang="pt-BR" sz="2800" noProof="0" dirty="0" err="1" smtClean="0"/>
+              <a:t>Semantic</a:t>
+            </a:r>
+            <a:r>
+              <a:rPr lang="pt-BR" sz="2800" noProof="0" dirty="0" smtClean="0"/>
+              <a:t> URL</a:t>
             </a:r>
           </a:p>
           <a:p>
@@ -16399,7 +16149,7 @@
               </a:lnSpc>
             </a:pPr>
             <a:r>
-              <a:rPr lang="en-US" sz="2800" dirty="0">
+              <a:rPr lang="pt-BR" sz="2800" noProof="0" dirty="0" smtClean="0">
                 <a:solidFill>
                   <a:schemeClr val="bg2">
                     <a:lumMod val="60000"/>
@@ -16410,7 +16160,7 @@
               <a:t>http://sao-paulo.estadao.com.br/</a:t>
             </a:r>
             <a:r>
-              <a:rPr lang="en-US" sz="2800" b="1" dirty="0">
+              <a:rPr lang="pt-BR" sz="2800" b="1" noProof="0" dirty="0" smtClean="0">
                 <a:solidFill>
                   <a:schemeClr val="tx1">
                     <a:lumMod val="95000"/>
@@ -16420,7 +16170,7 @@
               <a:t>blogs</a:t>
             </a:r>
             <a:r>
-              <a:rPr lang="en-US" sz="2800" dirty="0">
+              <a:rPr lang="pt-BR" sz="2800" noProof="0" dirty="0" smtClean="0">
                 <a:solidFill>
                   <a:schemeClr val="bg2">
                     <a:lumMod val="60000"/>
@@ -16431,7 +16181,7 @@
               <a:t>/</a:t>
             </a:r>
             <a:r>
-              <a:rPr lang="en-US" sz="2800" b="1" dirty="0">
+              <a:rPr lang="pt-BR" sz="2800" b="1" noProof="0" dirty="0" smtClean="0">
                 <a:solidFill>
                   <a:schemeClr val="accent1">
                     <a:lumMod val="60000"/>
@@ -16442,7 +16192,7 @@
               <a:t>edison-veiga</a:t>
             </a:r>
             <a:r>
-              <a:rPr lang="en-US" sz="2800" dirty="0">
+              <a:rPr lang="pt-BR" sz="2800" noProof="0" dirty="0" smtClean="0">
                 <a:solidFill>
                   <a:schemeClr val="bg2">
                     <a:lumMod val="60000"/>
@@ -16453,7 +16203,7 @@
               <a:t>/</a:t>
             </a:r>
             <a:r>
-              <a:rPr lang="en-US" sz="2800" b="1" dirty="0">
+              <a:rPr lang="pt-BR" sz="2800" b="1" noProof="0" dirty="0" smtClean="0">
                 <a:solidFill>
                   <a:srgbClr val="92D050"/>
                 </a:solidFill>
@@ -16461,7 +16211,7 @@
               <a:t>espacos-culturais-de-sp-estao-concentrados-no-centro-e-na-zona-oeste</a:t>
             </a:r>
             <a:r>
-              <a:rPr lang="en-US" sz="2800" dirty="0" smtClean="0">
+              <a:rPr lang="pt-BR" sz="2800" noProof="0" dirty="0" smtClean="0">
                 <a:solidFill>
                   <a:schemeClr val="bg2">
                     <a:lumMod val="60000"/>
@@ -16471,7 +16221,7 @@
               </a:rPr>
               <a:t>/</a:t>
             </a:r>
-            <a:endParaRPr lang="en-US" sz="2800" dirty="0" smtClean="0">
+            <a:endParaRPr lang="pt-BR" sz="2800" noProof="0" dirty="0" smtClean="0">
               <a:solidFill>
                 <a:schemeClr val="bg2">
                   <a:lumMod val="60000"/>
@@ -16535,10 +16285,10 @@
           <a:lstStyle/>
           <a:p>
             <a:r>
-              <a:rPr lang="en-US" dirty="0" smtClean="0"/>
+              <a:rPr lang="pt-BR" noProof="0" dirty="0" err="1" smtClean="0"/>
               <a:t>Routing</a:t>
             </a:r>
-            <a:endParaRPr lang="en-US" dirty="0"/>
+            <a:endParaRPr lang="pt-BR" noProof="0" dirty="0"/>
           </a:p>
         </p:txBody>
       </p:sp>
@@ -16570,90 +16320,33 @@
               </a:lnSpc>
             </a:pPr>
             <a:r>
-              <a:rPr lang="en-US" sz="2800" dirty="0" smtClean="0"/>
+              <a:rPr lang="pt-BR" sz="2800" noProof="0" dirty="0" smtClean="0"/>
               <a:t>O </a:t>
             </a:r>
             <a:r>
-              <a:rPr lang="en-US" sz="2800" dirty="0" smtClean="0"/>
-              <a:t>Routing do MVC </a:t>
-            </a:r>
-            <a:r>
-              <a:rPr lang="en-US" sz="2800" dirty="0" err="1" smtClean="0"/>
-              <a:t>controla</a:t>
-            </a:r>
-            <a:r>
-              <a:rPr lang="en-US" sz="2800" dirty="0" smtClean="0"/>
-              <a:t> </a:t>
-            </a:r>
-            <a:r>
-              <a:rPr lang="en-US" sz="2800" dirty="0" err="1" smtClean="0"/>
-              <a:t>qual</a:t>
-            </a:r>
-            <a:r>
-              <a:rPr lang="en-US" sz="2800" dirty="0" smtClean="0"/>
-              <a:t> Controller/Action </a:t>
-            </a:r>
-            <a:r>
-              <a:rPr lang="en-US" sz="2800" dirty="0" err="1" smtClean="0"/>
-              <a:t>vai</a:t>
-            </a:r>
-            <a:r>
-              <a:rPr lang="en-US" sz="2800" dirty="0" smtClean="0"/>
-              <a:t> </a:t>
-            </a:r>
-            <a:r>
-              <a:rPr lang="en-US" sz="2800" dirty="0" err="1" smtClean="0"/>
-              <a:t>ser</a:t>
-            </a:r>
-            <a:r>
-              <a:rPr lang="en-US" sz="2800" dirty="0" smtClean="0"/>
-              <a:t> </a:t>
-            </a:r>
-            <a:r>
-              <a:rPr lang="en-US" sz="2800" dirty="0" err="1" smtClean="0"/>
-              <a:t>chamado</a:t>
-            </a:r>
-            <a:r>
-              <a:rPr lang="en-US" sz="2800" dirty="0" smtClean="0"/>
-              <a:t> </a:t>
-            </a:r>
-            <a:r>
-              <a:rPr lang="en-US" sz="2800" dirty="0" err="1" smtClean="0"/>
-              <a:t>baseado</a:t>
-            </a:r>
-            <a:r>
-              <a:rPr lang="en-US" sz="2800" dirty="0" smtClean="0"/>
-              <a:t> </a:t>
-            </a:r>
-            <a:r>
-              <a:rPr lang="en-US" sz="2800" dirty="0" err="1" smtClean="0"/>
-              <a:t>na</a:t>
-            </a:r>
-            <a:r>
-              <a:rPr lang="en-US" sz="2800" dirty="0" smtClean="0"/>
-              <a:t> URL </a:t>
-            </a:r>
-            <a:r>
-              <a:rPr lang="en-US" sz="2800" dirty="0" err="1" smtClean="0"/>
-              <a:t>fornecida</a:t>
-            </a:r>
-            <a:r>
-              <a:rPr lang="en-US" sz="2800" dirty="0" smtClean="0"/>
-              <a:t> </a:t>
-            </a:r>
-            <a:r>
-              <a:rPr lang="en-US" sz="2800" dirty="0" err="1" smtClean="0"/>
-              <a:t>na</a:t>
-            </a:r>
-            <a:r>
-              <a:rPr lang="en-US" sz="2800" dirty="0" smtClean="0"/>
-              <a:t> </a:t>
-            </a:r>
-            <a:r>
-              <a:rPr lang="en-US" sz="2800" dirty="0" err="1" smtClean="0"/>
-              <a:t>requisição</a:t>
-            </a:r>
-            <a:endParaRPr lang="en-US" sz="2800" dirty="0" smtClean="0"/>
+              <a:rPr lang="pt-BR" sz="2800" noProof="0" dirty="0" err="1" smtClean="0"/>
+              <a:t>Routing</a:t>
+            </a:r>
+            <a:r>
+              <a:rPr lang="pt-BR" sz="2800" noProof="0" dirty="0" smtClean="0"/>
+              <a:t> do MVC controla qual </a:t>
+            </a:r>
+            <a:r>
+              <a:rPr lang="pt-BR" sz="2800" noProof="0" dirty="0" err="1" smtClean="0"/>
+              <a:t>Controller</a:t>
+            </a:r>
+            <a:r>
+              <a:rPr lang="pt-BR" sz="2800" noProof="0" dirty="0" smtClean="0"/>
+              <a:t>/</a:t>
+            </a:r>
+            <a:r>
+              <a:rPr lang="pt-BR" sz="2800" noProof="0" dirty="0" err="1" smtClean="0"/>
+              <a:t>Action</a:t>
+            </a:r>
+            <a:r>
+              <a:rPr lang="pt-BR" sz="2800" noProof="0" dirty="0" smtClean="0"/>
+              <a:t> vai ser chamado baseado na URL fornecida na requisição</a:t>
+            </a:r>
           </a:p>
           <a:p>
             <a:pPr>
@@ -16662,13 +16355,14 @@
               </a:lnSpc>
             </a:pPr>
             <a:r>
-              <a:rPr lang="en-US" sz="2400" dirty="0" err="1" smtClean="0"/>
-              <a:t>Métodos</a:t>
-            </a:r>
-            <a:r>
-              <a:rPr lang="en-US" sz="2400" dirty="0" smtClean="0"/>
-              <a:t> para customizer o routing</a:t>
-            </a:r>
+              <a:rPr lang="pt-BR" sz="2400" noProof="0" dirty="0" smtClean="0"/>
+              <a:t>Métodos para customizar o </a:t>
+            </a:r>
+            <a:r>
+              <a:rPr lang="pt-BR" sz="2400" noProof="0" dirty="0" err="1" smtClean="0"/>
+              <a:t>routing</a:t>
+            </a:r>
+            <a:endParaRPr lang="pt-BR" sz="2400" noProof="0" dirty="0" smtClean="0"/>
           </a:p>
           <a:p>
             <a:pPr lvl="1">
@@ -16677,10 +16371,10 @@
               </a:lnSpc>
             </a:pPr>
             <a:r>
-              <a:rPr lang="en-US" sz="2000" dirty="0" err="1" smtClean="0"/>
+              <a:rPr lang="pt-BR" sz="2000" noProof="0" dirty="0" err="1" smtClean="0"/>
               <a:t>RouteConfig.cs</a:t>
             </a:r>
-            <a:endParaRPr lang="en-US" sz="2000" dirty="0" smtClean="0"/>
+            <a:endParaRPr lang="pt-BR" sz="2000" noProof="0" dirty="0" smtClean="0"/>
           </a:p>
           <a:p>
             <a:pPr lvl="1">
@@ -16689,10 +16383,10 @@
               </a:lnSpc>
             </a:pPr>
             <a:r>
-              <a:rPr lang="en-US" sz="2000" dirty="0" err="1" smtClean="0"/>
+              <a:rPr lang="pt-BR" sz="2000" noProof="0" dirty="0" err="1" smtClean="0"/>
               <a:t>AttributeRouting</a:t>
             </a:r>
-            <a:endParaRPr lang="en-US" sz="2000" dirty="0"/>
+            <a:endParaRPr lang="pt-BR" sz="2000" noProof="0" dirty="0"/>
           </a:p>
         </p:txBody>
       </p:sp>
@@ -16749,18 +16443,10 @@
           <a:lstStyle/>
           <a:p>
             <a:r>
-              <a:rPr lang="en-US" dirty="0" err="1" smtClean="0"/>
-              <a:t>Exemplos</a:t>
-            </a:r>
-            <a:r>
-              <a:rPr lang="en-US" dirty="0" smtClean="0"/>
-              <a:t> de </a:t>
-            </a:r>
-            <a:r>
-              <a:rPr lang="en-US" dirty="0" err="1" smtClean="0"/>
-              <a:t>Rotas</a:t>
-            </a:r>
-            <a:endParaRPr lang="en-US" dirty="0"/>
+              <a:rPr lang="pt-BR" noProof="0" dirty="0" smtClean="0"/>
+              <a:t>Exemplos de Rotas</a:t>
+            </a:r>
+            <a:endParaRPr lang="pt-BR" noProof="0" dirty="0"/>
           </a:p>
         </p:txBody>
       </p:sp>
@@ -17157,9 +16843,18 @@
           <a:lstStyle/>
           <a:p>
             <a:r>
-              <a:rPr lang="en-US" dirty="0"/>
-              <a:t>Attribute Routing</a:t>
-            </a:r>
+              <a:rPr lang="pt-BR" noProof="0" dirty="0" err="1" smtClean="0"/>
+              <a:t>Attribute</a:t>
+            </a:r>
+            <a:r>
+              <a:rPr lang="pt-BR" noProof="0" dirty="0" smtClean="0"/>
+              <a:t> </a:t>
+            </a:r>
+            <a:r>
+              <a:rPr lang="pt-BR" noProof="0" dirty="0" err="1" smtClean="0"/>
+              <a:t>Routing</a:t>
+            </a:r>
+            <a:endParaRPr lang="pt-BR" noProof="0" dirty="0"/>
           </a:p>
         </p:txBody>
       </p:sp>
@@ -17201,7 +16896,7 @@
               <a:buNone/>
             </a:pPr>
             <a:r>
-              <a:rPr lang="en-US" dirty="0" smtClean="0">
+              <a:rPr lang="pt-BR" noProof="0" dirty="0" smtClean="0">
                 <a:solidFill>
                   <a:srgbClr val="000000"/>
                 </a:solidFill>
@@ -17213,7 +16908,7 @@
               <a:t>[</a:t>
             </a:r>
             <a:r>
-              <a:rPr lang="en-US" dirty="0" err="1" smtClean="0">
+              <a:rPr lang="pt-BR" noProof="0" dirty="0" err="1" smtClean="0">
                 <a:solidFill>
                   <a:srgbClr val="2B91AF"/>
                 </a:solidFill>
@@ -17225,7 +16920,7 @@
               <a:t>RoutePrefix</a:t>
             </a:r>
             <a:r>
-              <a:rPr lang="en-US" dirty="0" smtClean="0">
+              <a:rPr lang="pt-BR" noProof="0" dirty="0" smtClean="0">
                 <a:solidFill>
                   <a:srgbClr val="000000"/>
                 </a:solidFill>
@@ -17237,7 +16932,7 @@
               <a:t>(</a:t>
             </a:r>
             <a:r>
-              <a:rPr lang="en-US" dirty="0" smtClean="0">
+              <a:rPr lang="pt-BR" noProof="0" dirty="0" smtClean="0">
                 <a:solidFill>
                   <a:srgbClr val="A31515"/>
                 </a:solidFill>
@@ -17246,10 +16941,34 @@
                 </a:highlight>
                 <a:latin typeface="Consolas" panose="020B0609020204030204" pitchFamily="49" charset="0"/>
               </a:rPr>
-              <a:t>"Album"</a:t>
-            </a:r>
-            <a:r>
-              <a:rPr lang="en-US" dirty="0" smtClean="0">
+              <a:t>"</a:t>
+            </a:r>
+            <a:r>
+              <a:rPr lang="pt-BR" noProof="0" dirty="0" err="1" smtClean="0">
+                <a:solidFill>
+                  <a:srgbClr val="A31515"/>
+                </a:solidFill>
+                <a:highlight>
+                  <a:srgbClr val="FFFFFF"/>
+                </a:highlight>
+                <a:latin typeface="Consolas" panose="020B0609020204030204" pitchFamily="49" charset="0"/>
+              </a:rPr>
+              <a:t>Album</a:t>
+            </a:r>
+            <a:r>
+              <a:rPr lang="pt-BR" noProof="0" dirty="0" smtClean="0">
+                <a:solidFill>
+                  <a:srgbClr val="A31515"/>
+                </a:solidFill>
+                <a:highlight>
+                  <a:srgbClr val="FFFFFF"/>
+                </a:highlight>
+                <a:latin typeface="Consolas" panose="020B0609020204030204" pitchFamily="49" charset="0"/>
+              </a:rPr>
+              <a:t>"</a:t>
+            </a:r>
+            <a:r>
+              <a:rPr lang="pt-BR" noProof="0" dirty="0" smtClean="0">
                 <a:solidFill>
                   <a:srgbClr val="000000"/>
                 </a:solidFill>
@@ -17266,7 +16985,7 @@
               <a:buNone/>
             </a:pPr>
             <a:r>
-              <a:rPr lang="en-US" dirty="0" smtClean="0">
+              <a:rPr lang="pt-BR" noProof="0" dirty="0" err="1" smtClean="0">
                 <a:solidFill>
                   <a:srgbClr val="0000FF"/>
                 </a:solidFill>
@@ -17278,7 +16997,7 @@
               <a:t>public</a:t>
             </a:r>
             <a:r>
-              <a:rPr lang="en-US" dirty="0" smtClean="0">
+              <a:rPr lang="pt-BR" noProof="0" dirty="0" smtClean="0">
                 <a:solidFill>
                   <a:srgbClr val="000000"/>
                 </a:solidFill>
@@ -17290,7 +17009,7 @@
               <a:t> </a:t>
             </a:r>
             <a:r>
-              <a:rPr lang="en-US" dirty="0" smtClean="0">
+              <a:rPr lang="pt-BR" noProof="0" dirty="0" err="1" smtClean="0">
                 <a:solidFill>
                   <a:srgbClr val="0000FF"/>
                 </a:solidFill>
@@ -17302,7 +17021,7 @@
               <a:t>class</a:t>
             </a:r>
             <a:r>
-              <a:rPr lang="en-US" dirty="0" smtClean="0">
+              <a:rPr lang="pt-BR" noProof="0" dirty="0" smtClean="0">
                 <a:solidFill>
                   <a:srgbClr val="000000"/>
                 </a:solidFill>
@@ -17314,7 +17033,7 @@
               <a:t> </a:t>
             </a:r>
             <a:r>
-              <a:rPr lang="en-US" dirty="0" err="1" smtClean="0">
+              <a:rPr lang="pt-BR" noProof="0" dirty="0" err="1" smtClean="0">
                 <a:solidFill>
                   <a:srgbClr val="2B91AF"/>
                 </a:solidFill>
@@ -17326,7 +17045,7 @@
               <a:t>AlbumsController</a:t>
             </a:r>
             <a:r>
-              <a:rPr lang="en-US" dirty="0" smtClean="0">
+              <a:rPr lang="pt-BR" noProof="0" dirty="0" smtClean="0">
                 <a:solidFill>
                   <a:srgbClr val="000000"/>
                 </a:solidFill>
@@ -17338,7 +17057,7 @@
               <a:t> : </a:t>
             </a:r>
             <a:r>
-              <a:rPr lang="en-US" dirty="0" smtClean="0">
+              <a:rPr lang="pt-BR" noProof="0" dirty="0" err="1" smtClean="0">
                 <a:solidFill>
                   <a:srgbClr val="2B91AF"/>
                 </a:solidFill>
@@ -17349,7 +17068,7 @@
               </a:rPr>
               <a:t>Controller</a:t>
             </a:r>
-            <a:endParaRPr lang="en-US" dirty="0" smtClean="0">
+            <a:endParaRPr lang="pt-BR" noProof="0" dirty="0" smtClean="0">
               <a:solidFill>
                 <a:srgbClr val="000000"/>
               </a:solidFill>
@@ -17364,7 +17083,7 @@
               <a:buNone/>
             </a:pPr>
             <a:r>
-              <a:rPr lang="en-US" dirty="0" smtClean="0">
+              <a:rPr lang="pt-BR" noProof="0" dirty="0" smtClean="0">
                 <a:solidFill>
                   <a:srgbClr val="000000"/>
                 </a:solidFill>
@@ -17381,7 +17100,7 @@
               <a:buNone/>
             </a:pPr>
             <a:r>
-              <a:rPr lang="en-US" dirty="0" smtClean="0">
+              <a:rPr lang="pt-BR" noProof="0" dirty="0" smtClean="0">
                 <a:solidFill>
                   <a:srgbClr val="000000"/>
                 </a:solidFill>
@@ -17393,7 +17112,7 @@
               <a:t>   [</a:t>
             </a:r>
             <a:r>
-              <a:rPr lang="en-US" dirty="0" smtClean="0">
+              <a:rPr lang="pt-BR" noProof="0" dirty="0" err="1" smtClean="0">
                 <a:solidFill>
                   <a:srgbClr val="2B91AF"/>
                 </a:solidFill>
@@ -17405,7 +17124,7 @@
               <a:t>Route</a:t>
             </a:r>
             <a:r>
-              <a:rPr lang="en-US" dirty="0" smtClean="0">
+              <a:rPr lang="pt-BR" noProof="0" dirty="0" smtClean="0">
                 <a:solidFill>
                   <a:srgbClr val="000000"/>
                 </a:solidFill>
@@ -17417,7 +17136,7 @@
               <a:t>(</a:t>
             </a:r>
             <a:r>
-              <a:rPr lang="en-US" dirty="0" smtClean="0">
+              <a:rPr lang="pt-BR" noProof="0" dirty="0" smtClean="0">
                 <a:solidFill>
                   <a:srgbClr val="A31515"/>
                 </a:solidFill>
@@ -17426,10 +17145,58 @@
                 </a:highlight>
                 <a:latin typeface="Consolas" panose="020B0609020204030204" pitchFamily="49" charset="0"/>
               </a:rPr>
-              <a:t>"Album/Edit/{</a:t>
-            </a:r>
-            <a:r>
-              <a:rPr lang="en-US" dirty="0" err="1" smtClean="0">
+              <a:t>"</a:t>
+            </a:r>
+            <a:r>
+              <a:rPr lang="pt-BR" noProof="0" dirty="0" err="1" smtClean="0">
+                <a:solidFill>
+                  <a:srgbClr val="A31515"/>
+                </a:solidFill>
+                <a:highlight>
+                  <a:srgbClr val="FFFFFF"/>
+                </a:highlight>
+                <a:latin typeface="Consolas" panose="020B0609020204030204" pitchFamily="49" charset="0"/>
+              </a:rPr>
+              <a:t>Album</a:t>
+            </a:r>
+            <a:r>
+              <a:rPr lang="pt-BR" noProof="0" dirty="0" smtClean="0">
+                <a:solidFill>
+                  <a:srgbClr val="A31515"/>
+                </a:solidFill>
+                <a:highlight>
+                  <a:srgbClr val="FFFFFF"/>
+                </a:highlight>
+                <a:latin typeface="Consolas" panose="020B0609020204030204" pitchFamily="49" charset="0"/>
+              </a:rPr>
+              <a:t>/</a:t>
+            </a:r>
+            <a:r>
+              <a:rPr lang="pt-BR" noProof="0" dirty="0" err="1" smtClean="0">
+                <a:solidFill>
+                  <a:srgbClr val="A31515"/>
+                </a:solidFill>
+                <a:highlight>
+                  <a:srgbClr val="FFFFFF"/>
+                </a:highlight>
+                <a:latin typeface="Consolas" panose="020B0609020204030204" pitchFamily="49" charset="0"/>
+              </a:rPr>
+              <a:t>Edit</a:t>
+            </a:r>
+            <a:r>
+              <a:rPr lang="pt-BR" noProof="0" dirty="0" smtClean="0">
+                <a:solidFill>
+                  <a:srgbClr val="A31515"/>
+                </a:solidFill>
+                <a:highlight>
+                  <a:srgbClr val="FFFFFF"/>
+                </a:highlight>
+                <a:latin typeface="Consolas" panose="020B0609020204030204" pitchFamily="49" charset="0"/>
+              </a:rPr>
+              <a:t>/{</a:t>
+            </a:r>
+            <a:r>
+              <a:rPr lang="pt-BR" noProof="0" dirty="0" err="1" smtClean="0">
                 <a:solidFill>
                   <a:srgbClr val="A31515"/>
                 </a:solidFill>
@@ -17441,7 +17208,7 @@
               <a:t>id:int</a:t>
             </a:r>
             <a:r>
-              <a:rPr lang="en-US" dirty="0" smtClean="0">
+              <a:rPr lang="pt-BR" noProof="0" dirty="0" smtClean="0">
                 <a:solidFill>
                   <a:srgbClr val="A31515"/>
                 </a:solidFill>
@@ -17453,7 +17220,7 @@
               <a:t>}"</a:t>
             </a:r>
             <a:r>
-              <a:rPr lang="en-US" dirty="0" smtClean="0">
+              <a:rPr lang="pt-BR" noProof="0" dirty="0" smtClean="0">
                 <a:solidFill>
                   <a:srgbClr val="000000"/>
                 </a:solidFill>
@@ -17470,7 +17237,7 @@
               <a:buNone/>
             </a:pPr>
             <a:r>
-              <a:rPr lang="en-US" dirty="0" smtClean="0">
+              <a:rPr lang="pt-BR" noProof="0" dirty="0" smtClean="0">
                 <a:solidFill>
                   <a:srgbClr val="0000FF"/>
                 </a:solidFill>
@@ -17479,10 +17246,22 @@
                 </a:highlight>
                 <a:latin typeface="Consolas" panose="020B0609020204030204" pitchFamily="49" charset="0"/>
               </a:rPr>
-              <a:t>   public</a:t>
-            </a:r>
-            <a:r>
-              <a:rPr lang="en-US" dirty="0" smtClean="0">
+              <a:t>   </a:t>
+            </a:r>
+            <a:r>
+              <a:rPr lang="pt-BR" noProof="0" dirty="0" err="1" smtClean="0">
+                <a:solidFill>
+                  <a:srgbClr val="0000FF"/>
+                </a:solidFill>
+                <a:highlight>
+                  <a:srgbClr val="FFFFFF"/>
+                </a:highlight>
+                <a:latin typeface="Consolas" panose="020B0609020204030204" pitchFamily="49" charset="0"/>
+              </a:rPr>
+              <a:t>public</a:t>
+            </a:r>
+            <a:r>
+              <a:rPr lang="pt-BR" noProof="0" dirty="0" smtClean="0">
                 <a:solidFill>
                   <a:srgbClr val="000000"/>
                 </a:solidFill>
@@ -17494,7 +17273,7 @@
               <a:t> </a:t>
             </a:r>
             <a:r>
-              <a:rPr lang="en-US" dirty="0" err="1" smtClean="0">
+              <a:rPr lang="pt-BR" noProof="0" dirty="0" err="1" smtClean="0">
                 <a:solidFill>
                   <a:srgbClr val="2B91AF"/>
                 </a:solidFill>
@@ -17506,7 +17285,7 @@
               <a:t>ActionResult</a:t>
             </a:r>
             <a:r>
-              <a:rPr lang="en-US" dirty="0" smtClean="0">
+              <a:rPr lang="pt-BR" noProof="0" dirty="0" smtClean="0">
                 <a:solidFill>
                   <a:srgbClr val="000000"/>
                 </a:solidFill>
@@ -17515,10 +17294,34 @@
                 </a:highlight>
                 <a:latin typeface="Consolas" panose="020B0609020204030204" pitchFamily="49" charset="0"/>
               </a:rPr>
-              <a:t> Edit(</a:t>
-            </a:r>
-            <a:r>
-              <a:rPr lang="en-US" dirty="0" err="1" smtClean="0">
+              <a:t> </a:t>
+            </a:r>
+            <a:r>
+              <a:rPr lang="pt-BR" noProof="0" dirty="0" err="1" smtClean="0">
+                <a:solidFill>
+                  <a:srgbClr val="000000"/>
+                </a:solidFill>
+                <a:highlight>
+                  <a:srgbClr val="FFFFFF"/>
+                </a:highlight>
+                <a:latin typeface="Consolas" panose="020B0609020204030204" pitchFamily="49" charset="0"/>
+              </a:rPr>
+              <a:t>Edit</a:t>
+            </a:r>
+            <a:r>
+              <a:rPr lang="pt-BR" noProof="0" dirty="0" smtClean="0">
+                <a:solidFill>
+                  <a:srgbClr val="000000"/>
+                </a:solidFill>
+                <a:highlight>
+                  <a:srgbClr val="FFFFFF"/>
+                </a:highlight>
+                <a:latin typeface="Consolas" panose="020B0609020204030204" pitchFamily="49" charset="0"/>
+              </a:rPr>
+              <a:t>(</a:t>
+            </a:r>
+            <a:r>
+              <a:rPr lang="pt-BR" noProof="0" dirty="0" err="1" smtClean="0">
                 <a:solidFill>
                   <a:srgbClr val="0000FF"/>
                 </a:solidFill>
@@ -17530,7 +17333,7 @@
               <a:t>int</a:t>
             </a:r>
             <a:r>
-              <a:rPr lang="en-US" dirty="0" smtClean="0">
+              <a:rPr lang="pt-BR" noProof="0" dirty="0" smtClean="0">
                 <a:solidFill>
                   <a:srgbClr val="000000"/>
                 </a:solidFill>
@@ -17547,7 +17350,7 @@
               <a:buNone/>
             </a:pPr>
             <a:r>
-              <a:rPr lang="en-US" dirty="0" smtClean="0">
+              <a:rPr lang="pt-BR" noProof="0" dirty="0" smtClean="0">
                 <a:solidFill>
                   <a:srgbClr val="000000"/>
                 </a:solidFill>
@@ -17564,7 +17367,7 @@
               <a:buNone/>
             </a:pPr>
             <a:r>
-              <a:rPr lang="en-US" dirty="0" smtClean="0">
+              <a:rPr lang="pt-BR" noProof="0" dirty="0" smtClean="0">
                 <a:solidFill>
                   <a:srgbClr val="000000"/>
                 </a:solidFill>
@@ -17576,7 +17379,7 @@
               <a:t>      </a:t>
             </a:r>
             <a:r>
-              <a:rPr lang="en-US" dirty="0" smtClean="0">
+              <a:rPr lang="pt-BR" noProof="0" dirty="0" smtClean="0">
                 <a:solidFill>
                   <a:srgbClr val="008000"/>
                 </a:solidFill>
@@ -17585,9 +17388,21 @@
                 </a:highlight>
                 <a:latin typeface="Consolas" panose="020B0609020204030204" pitchFamily="49" charset="0"/>
               </a:rPr>
-              <a:t>// code</a:t>
-            </a:r>
-            <a:endParaRPr lang="en-US" dirty="0" smtClean="0">
+              <a:t>// </a:t>
+            </a:r>
+            <a:r>
+              <a:rPr lang="pt-BR" noProof="0" dirty="0" err="1" smtClean="0">
+                <a:solidFill>
+                  <a:srgbClr val="008000"/>
+                </a:solidFill>
+                <a:highlight>
+                  <a:srgbClr val="FFFFFF"/>
+                </a:highlight>
+                <a:latin typeface="Consolas" panose="020B0609020204030204" pitchFamily="49" charset="0"/>
+              </a:rPr>
+              <a:t>code</a:t>
+            </a:r>
+            <a:endParaRPr lang="pt-BR" noProof="0" dirty="0" smtClean="0">
               <a:solidFill>
                 <a:srgbClr val="000000"/>
               </a:solidFill>
@@ -17602,7 +17417,7 @@
               <a:buNone/>
             </a:pPr>
             <a:r>
-              <a:rPr lang="en-US" dirty="0" smtClean="0">
+              <a:rPr lang="pt-BR" noProof="0" dirty="0" smtClean="0">
                 <a:solidFill>
                   <a:srgbClr val="000000"/>
                 </a:solidFill>
@@ -17613,7 +17428,7 @@
               </a:rPr>
               <a:t>   }</a:t>
             </a:r>
-            <a:endParaRPr lang="en-US" dirty="0" smtClean="0">
+            <a:endParaRPr lang="pt-BR" noProof="0" dirty="0" smtClean="0">
               <a:highlight>
                 <a:srgbClr val="FFFFFF"/>
               </a:highlight>
@@ -17624,7 +17439,7 @@
               <a:buNone/>
             </a:pPr>
             <a:r>
-              <a:rPr lang="en-US" dirty="0" smtClean="0">
+              <a:rPr lang="pt-BR" noProof="0" dirty="0" smtClean="0">
                 <a:solidFill>
                   <a:srgbClr val="000000"/>
                 </a:solidFill>
@@ -17637,7 +17452,7 @@
             </a:r>
           </a:p>
           <a:p>
-            <a:endParaRPr lang="en-US" dirty="0"/>
+            <a:endParaRPr lang="pt-BR" noProof="0" dirty="0"/>
           </a:p>
         </p:txBody>
       </p:sp>
@@ -17694,18 +17509,10 @@
           <a:lstStyle/>
           <a:p>
             <a:r>
-              <a:rPr lang="en-US" dirty="0" smtClean="0"/>
-              <a:t>O </a:t>
-            </a:r>
-            <a:r>
-              <a:rPr lang="en-US" dirty="0" err="1" smtClean="0"/>
-              <a:t>Padrão</a:t>
-            </a:r>
-            <a:r>
-              <a:rPr lang="en-US" dirty="0" smtClean="0"/>
-              <a:t> MVC	</a:t>
-            </a:r>
-            <a:endParaRPr lang="en-US" dirty="0"/>
+              <a:rPr lang="pt-BR" noProof="0" dirty="0" smtClean="0"/>
+              <a:t>O Padrão MVC	</a:t>
+            </a:r>
+            <a:endParaRPr lang="pt-BR" noProof="0" dirty="0"/>
           </a:p>
         </p:txBody>
       </p:sp>
@@ -17737,31 +17544,31 @@
               </a:lnSpc>
             </a:pPr>
             <a:r>
-              <a:rPr lang="pt-BR" sz="2800" dirty="0" smtClean="0"/>
+              <a:rPr lang="pt-BR" sz="2800" noProof="0" dirty="0" smtClean="0"/>
               <a:t>Originalmente </a:t>
             </a:r>
             <a:r>
-              <a:rPr lang="pt-BR" sz="2800" dirty="0" err="1" smtClean="0"/>
+              <a:rPr lang="pt-BR" sz="2800" noProof="0" dirty="0" err="1" smtClean="0"/>
               <a:t>Thing</a:t>
             </a:r>
             <a:r>
-              <a:rPr lang="pt-BR" sz="2800" dirty="0" smtClean="0"/>
+              <a:rPr lang="pt-BR" sz="2800" noProof="0" dirty="0" smtClean="0"/>
               <a:t>-</a:t>
             </a:r>
             <a:r>
-              <a:rPr lang="pt-BR" sz="2800" dirty="0" err="1" smtClean="0"/>
+              <a:rPr lang="pt-BR" sz="2800" noProof="0" dirty="0" err="1" smtClean="0"/>
               <a:t>Mode</a:t>
             </a:r>
             <a:r>
-              <a:rPr lang="pt-BR" sz="2800" dirty="0" smtClean="0"/>
+              <a:rPr lang="pt-BR" sz="2800" noProof="0" dirty="0" smtClean="0"/>
               <a:t>-</a:t>
             </a:r>
             <a:r>
-              <a:rPr lang="pt-BR" sz="2800" dirty="0" err="1" smtClean="0"/>
+              <a:rPr lang="pt-BR" sz="2800" noProof="0" dirty="0" err="1" smtClean="0"/>
               <a:t>View</a:t>
             </a:r>
             <a:r>
-              <a:rPr lang="pt-BR" sz="2800" dirty="0" smtClean="0"/>
+              <a:rPr lang="pt-BR" sz="2800" noProof="0" dirty="0" smtClean="0"/>
               <a:t>-Editor</a:t>
             </a:r>
           </a:p>
@@ -17772,12 +17579,16 @@
               </a:lnSpc>
             </a:pPr>
             <a:r>
-              <a:rPr lang="pt-BR" sz="2800" dirty="0" smtClean="0"/>
+              <a:rPr lang="pt-BR" sz="2800" noProof="0" dirty="0" smtClean="0"/>
               <a:t>Original da comunidade </a:t>
             </a:r>
             <a:r>
-              <a:rPr lang="pt-BR" sz="2800" dirty="0"/>
-              <a:t>Smalltalk, mais específico na Xerox PARC entre 1970s e 1980s</a:t>
+              <a:rPr lang="pt-BR" sz="2800" noProof="0" dirty="0" err="1"/>
+              <a:t>Smalltalk</a:t>
+            </a:r>
+            <a:r>
+              <a:rPr lang="pt-BR" sz="2800" noProof="0" dirty="0"/>
+              <a:t>, mais específico na Xerox PARC entre 1970s e 1980s</a:t>
             </a:r>
           </a:p>
           <a:p>
@@ -17787,8 +17598,16 @@
               </a:lnSpc>
             </a:pPr>
             <a:r>
-              <a:rPr lang="pt-BR" sz="2800" dirty="0" smtClean="0"/>
-              <a:t>Perde força em 1980s com o surgimento do conceito de event-drive design</a:t>
+              <a:rPr lang="pt-BR" sz="2800" noProof="0" dirty="0" smtClean="0"/>
+              <a:t>Perde força em 1980s com o surgimento do conceito de </a:t>
+            </a:r>
+            <a:r>
+              <a:rPr lang="pt-BR" sz="2800" noProof="0" dirty="0" err="1" smtClean="0"/>
+              <a:t>event</a:t>
+            </a:r>
+            <a:r>
+              <a:rPr lang="pt-BR" sz="2800" noProof="0" dirty="0" smtClean="0"/>
+              <a:t>-drive design</a:t>
             </a:r>
           </a:p>
           <a:p>
@@ -17798,9 +17617,14 @@
               </a:lnSpc>
             </a:pPr>
             <a:r>
-              <a:rPr lang="pt-BR" sz="2800" dirty="0" smtClean="0"/>
-              <a:t>Ressurgimento do padrão na plataforma web em 2003 pela comunidade Ruby</a:t>
-            </a:r>
+              <a:rPr lang="pt-BR" sz="2800" noProof="0" dirty="0" smtClean="0"/>
+              <a:t>Ressurgimento do padrão na plataforma web em 2003 pela comunidade </a:t>
+            </a:r>
+            <a:r>
+              <a:rPr lang="pt-BR" sz="2800" noProof="0" dirty="0" err="1" smtClean="0"/>
+              <a:t>Ruby</a:t>
+            </a:r>
+            <a:endParaRPr lang="pt-BR" sz="2800" noProof="0" dirty="0" smtClean="0"/>
           </a:p>
           <a:p>
             <a:pPr>
@@ -17808,7 +17632,7 @@
                 <a:spcPct val="150000"/>
               </a:lnSpc>
             </a:pPr>
-            <a:endParaRPr lang="pt-BR" sz="2800" dirty="0" smtClean="0"/>
+            <a:endParaRPr lang="pt-BR" sz="2800" noProof="0" dirty="0" smtClean="0"/>
           </a:p>
         </p:txBody>
       </p:sp>
@@ -17865,18 +17689,18 @@
           <a:lstStyle/>
           <a:p>
             <a:r>
-              <a:rPr lang="en-US" dirty="0"/>
-              <a:t>Bundles </a:t>
-            </a:r>
-            <a:r>
-              <a:rPr lang="en-US" dirty="0" smtClean="0"/>
-              <a:t>e </a:t>
-            </a:r>
-            <a:r>
-              <a:rPr lang="en-US" dirty="0" err="1" smtClean="0"/>
+              <a:rPr lang="pt-BR" noProof="0" dirty="0" err="1" smtClean="0"/>
+              <a:t>Bundles</a:t>
+            </a:r>
+            <a:r>
+              <a:rPr lang="pt-BR" noProof="0" dirty="0" smtClean="0"/>
+              <a:t> e </a:t>
+            </a:r>
+            <a:r>
+              <a:rPr lang="pt-BR" noProof="0" dirty="0" err="1" smtClean="0"/>
               <a:t>Minification</a:t>
             </a:r>
-            <a:endParaRPr lang="en-US" dirty="0"/>
+            <a:endParaRPr lang="pt-BR" noProof="0" dirty="0"/>
           </a:p>
         </p:txBody>
       </p:sp>
@@ -17908,24 +17732,20 @@
               </a:lnSpc>
             </a:pPr>
             <a:r>
-              <a:rPr lang="pt-BR" sz="2800" dirty="0" err="1"/>
+              <a:rPr lang="pt-BR" sz="2800" noProof="0" dirty="0" err="1" smtClean="0"/>
               <a:t>Bundle</a:t>
             </a:r>
             <a:r>
-              <a:rPr lang="pt-BR" sz="2800" dirty="0"/>
+              <a:rPr lang="pt-BR" sz="2800" noProof="0" dirty="0" smtClean="0"/>
               <a:t> e </a:t>
             </a:r>
             <a:r>
-              <a:rPr lang="pt-BR" sz="2800" dirty="0" err="1"/>
+              <a:rPr lang="pt-BR" sz="2800" noProof="0" dirty="0" err="1" smtClean="0"/>
               <a:t>minification</a:t>
             </a:r>
             <a:r>
-              <a:rPr lang="pt-BR" sz="2800" dirty="0"/>
-              <a:t> são 2 técnicas usadas no ASP.NET para melhorar o desempenho das </a:t>
-            </a:r>
-            <a:r>
-              <a:rPr lang="pt-BR" sz="2800" dirty="0" smtClean="0"/>
-              <a:t>requisições</a:t>
+              <a:rPr lang="pt-BR" sz="2800" noProof="0" dirty="0" smtClean="0"/>
+              <a:t> são 2 técnicas usadas no ASP.NET para melhorar o desempenho das requisições</a:t>
             </a:r>
           </a:p>
           <a:p>
@@ -17935,12 +17755,8 @@
               </a:lnSpc>
             </a:pPr>
             <a:r>
-              <a:rPr lang="en-US" sz="2400" dirty="0" err="1" smtClean="0"/>
-              <a:t>Arquivos</a:t>
-            </a:r>
-            <a:r>
-              <a:rPr lang="en-US" sz="2400" dirty="0" smtClean="0"/>
-              <a:t> CSS</a:t>
+              <a:rPr lang="pt-BR" sz="2400" noProof="0" dirty="0" smtClean="0"/>
+              <a:t>Arquivos CSS</a:t>
             </a:r>
           </a:p>
           <a:p>
@@ -17950,10 +17766,10 @@
               </a:lnSpc>
             </a:pPr>
             <a:r>
-              <a:rPr lang="en-US" sz="2400" dirty="0" err="1" smtClean="0"/>
+              <a:rPr lang="pt-BR" sz="2400" noProof="0" dirty="0" err="1" smtClean="0"/>
               <a:t>Javascript</a:t>
             </a:r>
-            <a:endParaRPr lang="en-US" sz="2400" dirty="0"/>
+            <a:endParaRPr lang="pt-BR" sz="2400" noProof="0" dirty="0"/>
           </a:p>
         </p:txBody>
       </p:sp>
@@ -18038,10 +17854,10 @@
           <a:lstStyle/>
           <a:p>
             <a:r>
-              <a:rPr lang="en-US" dirty="0" smtClean="0"/>
+              <a:rPr lang="pt-BR" noProof="0" dirty="0" err="1" smtClean="0"/>
               <a:t>Filters</a:t>
             </a:r>
-            <a:endParaRPr lang="en-US" dirty="0"/>
+            <a:endParaRPr lang="pt-BR" noProof="0" dirty="0"/>
           </a:p>
         </p:txBody>
       </p:sp>
@@ -18073,18 +17889,18 @@
               </a:lnSpc>
             </a:pPr>
             <a:r>
-              <a:rPr lang="en-US" sz="2400" dirty="0"/>
-              <a:t>Filters </a:t>
-            </a:r>
-            <a:r>
-              <a:rPr lang="en-US" sz="2400" dirty="0" err="1" smtClean="0"/>
-              <a:t>são</a:t>
-            </a:r>
-            <a:r>
-              <a:rPr lang="en-US" sz="2400" dirty="0" smtClean="0"/>
-              <a:t> attributes</a:t>
-            </a:r>
-            <a:endParaRPr lang="en-US" sz="2400" dirty="0"/>
+              <a:rPr lang="pt-BR" sz="2400" noProof="0" dirty="0" err="1" smtClean="0"/>
+              <a:t>Filters</a:t>
+            </a:r>
+            <a:r>
+              <a:rPr lang="pt-BR" sz="2400" noProof="0" dirty="0" smtClean="0"/>
+              <a:t> são </a:t>
+            </a:r>
+            <a:r>
+              <a:rPr lang="pt-BR" sz="2400" noProof="0" dirty="0" err="1" smtClean="0"/>
+              <a:t>attributes</a:t>
+            </a:r>
+            <a:endParaRPr lang="pt-BR" sz="2400" noProof="0" dirty="0" smtClean="0"/>
           </a:p>
           <a:p>
             <a:pPr lvl="1">
@@ -18093,18 +17909,22 @@
               </a:lnSpc>
             </a:pPr>
             <a:r>
-              <a:rPr lang="en-US" sz="2000" dirty="0" smtClean="0"/>
-              <a:t>Que “</a:t>
-            </a:r>
-            <a:r>
-              <a:rPr lang="en-US" sz="2000" dirty="0" err="1" smtClean="0"/>
-              <a:t>decoram</a:t>
-            </a:r>
-            <a:r>
-              <a:rPr lang="en-US" sz="2000" dirty="0" smtClean="0"/>
-              <a:t>” Actions e Controllers</a:t>
-            </a:r>
-            <a:endParaRPr lang="en-US" sz="2000" dirty="0"/>
+              <a:rPr lang="pt-BR" sz="2000" noProof="0" dirty="0" smtClean="0"/>
+              <a:t>Que “decoram” </a:t>
+            </a:r>
+            <a:r>
+              <a:rPr lang="pt-BR" sz="2000" noProof="0" dirty="0" err="1" smtClean="0"/>
+              <a:t>Actions</a:t>
+            </a:r>
+            <a:r>
+              <a:rPr lang="pt-BR" sz="2000" noProof="0" dirty="0" smtClean="0"/>
+              <a:t> e </a:t>
+            </a:r>
+            <a:r>
+              <a:rPr lang="pt-BR" sz="2000" noProof="0" dirty="0" err="1" smtClean="0"/>
+              <a:t>Controllers</a:t>
+            </a:r>
+            <a:endParaRPr lang="pt-BR" sz="2000" noProof="0" dirty="0" smtClean="0"/>
           </a:p>
           <a:p>
             <a:pPr>
@@ -18113,18 +17933,9 @@
               </a:lnSpc>
             </a:pPr>
             <a:r>
-              <a:rPr lang="en-US" sz="2400" dirty="0" err="1" smtClean="0"/>
-              <a:t>Execução</a:t>
-            </a:r>
-            <a:r>
-              <a:rPr lang="en-US" sz="2400" dirty="0" smtClean="0"/>
-              <a:t> </a:t>
-            </a:r>
-            <a:r>
-              <a:rPr lang="en-US" sz="2400" dirty="0" err="1" smtClean="0"/>
-              <a:t>alternativa</a:t>
-            </a:r>
-            <a:endParaRPr lang="en-US" sz="2400" dirty="0" smtClean="0"/>
+              <a:rPr lang="pt-BR" sz="2400" noProof="0" dirty="0" smtClean="0"/>
+              <a:t>Execução alternativa</a:t>
+            </a:r>
           </a:p>
           <a:p>
             <a:pPr lvl="1">
@@ -18133,29 +17944,14 @@
               </a:lnSpc>
             </a:pPr>
             <a:r>
-              <a:rPr lang="en-US" sz="2000" dirty="0" err="1" smtClean="0"/>
-              <a:t>Pode</a:t>
-            </a:r>
-            <a:r>
-              <a:rPr lang="en-US" sz="2000" dirty="0" smtClean="0"/>
-              <a:t> </a:t>
-            </a:r>
-            <a:r>
-              <a:rPr lang="en-US" sz="2000" dirty="0" err="1" smtClean="0"/>
-              <a:t>ser</a:t>
-            </a:r>
-            <a:r>
-              <a:rPr lang="en-US" sz="2000" dirty="0" smtClean="0"/>
-              <a:t> </a:t>
-            </a:r>
-            <a:r>
-              <a:rPr lang="en-US" sz="2000" dirty="0" err="1" smtClean="0"/>
-              <a:t>executada</a:t>
-            </a:r>
-            <a:r>
-              <a:rPr lang="en-US" sz="2000" dirty="0" smtClean="0"/>
-              <a:t> antes da Action</a:t>
-            </a:r>
+              <a:rPr lang="pt-BR" sz="2000" noProof="0" dirty="0" smtClean="0"/>
+              <a:t>Pode ser executada antes da </a:t>
+            </a:r>
+            <a:r>
+              <a:rPr lang="pt-BR" sz="2000" noProof="0" dirty="0" err="1" smtClean="0"/>
+              <a:t>Action</a:t>
+            </a:r>
+            <a:endParaRPr lang="pt-BR" sz="2000" noProof="0" dirty="0" smtClean="0"/>
           </a:p>
           <a:p>
             <a:pPr lvl="1">
@@ -18164,29 +17960,14 @@
               </a:lnSpc>
             </a:pPr>
             <a:r>
-              <a:rPr lang="en-US" sz="2000" dirty="0" err="1" smtClean="0"/>
-              <a:t>Ou</a:t>
-            </a:r>
-            <a:r>
-              <a:rPr lang="en-US" sz="2000" dirty="0" smtClean="0"/>
-              <a:t> </a:t>
-            </a:r>
-            <a:r>
-              <a:rPr lang="en-US" sz="2000" dirty="0" err="1" smtClean="0"/>
-              <a:t>depois</a:t>
-            </a:r>
-            <a:r>
-              <a:rPr lang="en-US" sz="2000" dirty="0" smtClean="0"/>
-              <a:t> da </a:t>
-            </a:r>
-            <a:r>
-              <a:rPr lang="en-US" sz="2000" dirty="0" err="1" smtClean="0"/>
-              <a:t>execução</a:t>
-            </a:r>
-            <a:r>
-              <a:rPr lang="en-US" sz="2000" dirty="0" smtClean="0"/>
-              <a:t> da Action</a:t>
-            </a:r>
+              <a:rPr lang="pt-BR" sz="2000" noProof="0" dirty="0" smtClean="0"/>
+              <a:t>Ou depois da execução da </a:t>
+            </a:r>
+            <a:r>
+              <a:rPr lang="pt-BR" sz="2000" noProof="0" dirty="0" err="1" smtClean="0"/>
+              <a:t>Action</a:t>
+            </a:r>
+            <a:endParaRPr lang="pt-BR" sz="2000" noProof="0" dirty="0" smtClean="0"/>
           </a:p>
           <a:p>
             <a:pPr>
@@ -18195,26 +17976,9 @@
               </a:lnSpc>
             </a:pPr>
             <a:r>
-              <a:rPr lang="en-US" sz="2400" dirty="0" err="1" smtClean="0"/>
-              <a:t>Podem</a:t>
-            </a:r>
-            <a:r>
-              <a:rPr lang="en-US" sz="2400" dirty="0" smtClean="0"/>
-              <a:t> </a:t>
-            </a:r>
-            <a:r>
-              <a:rPr lang="en-US" sz="2400" dirty="0" err="1" smtClean="0"/>
-              <a:t>ser</a:t>
-            </a:r>
-            <a:r>
-              <a:rPr lang="en-US" sz="2400" dirty="0" smtClean="0"/>
-              <a:t> </a:t>
-            </a:r>
-            <a:r>
-              <a:rPr lang="en-US" sz="2400" dirty="0" err="1" smtClean="0"/>
-              <a:t>globais</a:t>
-            </a:r>
-            <a:endParaRPr lang="en-US" sz="2400" dirty="0" smtClean="0"/>
+              <a:rPr lang="pt-BR" sz="2400" noProof="0" dirty="0" smtClean="0"/>
+              <a:t>Podem ser globais</a:t>
+            </a:r>
           </a:p>
           <a:p>
             <a:pPr lvl="1">
@@ -18223,10 +17987,10 @@
               </a:lnSpc>
             </a:pPr>
             <a:r>
-              <a:rPr lang="en-US" sz="2000" dirty="0" err="1" smtClean="0"/>
+              <a:rPr lang="pt-BR" sz="2000" noProof="0" dirty="0" err="1" smtClean="0"/>
               <a:t>FilterConfig.cs</a:t>
             </a:r>
-            <a:endParaRPr lang="en-US" sz="2000" dirty="0" smtClean="0"/>
+            <a:endParaRPr lang="pt-BR" sz="2000" noProof="0" dirty="0" smtClean="0"/>
           </a:p>
           <a:p>
             <a:pPr lvl="2">
@@ -18235,10 +17999,10 @@
               </a:lnSpc>
             </a:pPr>
             <a:r>
-              <a:rPr lang="en-US" sz="1800" dirty="0" err="1" smtClean="0"/>
+              <a:rPr lang="pt-BR" sz="1800" noProof="0" dirty="0" err="1" smtClean="0"/>
               <a:t>Global.asax.cs</a:t>
             </a:r>
-            <a:endParaRPr lang="en-US" sz="1800" dirty="0"/>
+            <a:endParaRPr lang="pt-BR" sz="1800" noProof="0" dirty="0" smtClean="0"/>
           </a:p>
           <a:p>
             <a:pPr>
@@ -18246,7 +18010,7 @@
                 <a:spcPct val="150000"/>
               </a:lnSpc>
             </a:pPr>
-            <a:endParaRPr lang="en-US" sz="2400" dirty="0"/>
+            <a:endParaRPr lang="pt-BR" sz="2400" noProof="0" dirty="0"/>
           </a:p>
         </p:txBody>
       </p:sp>
@@ -18303,22 +18067,14 @@
           <a:lstStyle/>
           <a:p>
             <a:r>
-              <a:rPr lang="en-US" dirty="0" err="1" smtClean="0"/>
-              <a:t>Execução</a:t>
-            </a:r>
-            <a:r>
-              <a:rPr lang="en-US" dirty="0" smtClean="0"/>
-              <a:t> normal de </a:t>
-            </a:r>
-            <a:r>
-              <a:rPr lang="en-US" dirty="0" err="1" smtClean="0"/>
-              <a:t>uma</a:t>
-            </a:r>
-            <a:r>
-              <a:rPr lang="en-US" dirty="0" smtClean="0"/>
-              <a:t> Action</a:t>
-            </a:r>
-            <a:endParaRPr lang="en-US" dirty="0"/>
+              <a:rPr lang="pt-BR" noProof="0" dirty="0" smtClean="0"/>
+              <a:t>Execução normal de uma </a:t>
+            </a:r>
+            <a:r>
+              <a:rPr lang="pt-BR" noProof="0" dirty="0" err="1" smtClean="0"/>
+              <a:t>Action</a:t>
+            </a:r>
+            <a:endParaRPr lang="pt-BR" noProof="0" dirty="0"/>
           </a:p>
         </p:txBody>
       </p:sp>
@@ -18491,17 +18247,18 @@
           <a:p>
             <a:pPr algn="ctr"/>
             <a:r>
-              <a:rPr lang="en-US" sz="2400" dirty="0"/>
-              <a:t>Model é </a:t>
-            </a:r>
-            <a:r>
-              <a:rPr lang="en-US" sz="2400" dirty="0" err="1"/>
-              <a:t>combinada</a:t>
-            </a:r>
-            <a:r>
-              <a:rPr lang="en-US" sz="2400" dirty="0"/>
-              <a:t> com a View</a:t>
-            </a:r>
+              <a:rPr lang="pt-BR" sz="2400" dirty="0" err="1" smtClean="0"/>
+              <a:t>Model</a:t>
+            </a:r>
+            <a:r>
+              <a:rPr lang="pt-BR" sz="2400" dirty="0" smtClean="0"/>
+              <a:t> é combinada com a </a:t>
+            </a:r>
+            <a:r>
+              <a:rPr lang="pt-BR" sz="2400" dirty="0" err="1" smtClean="0"/>
+              <a:t>View</a:t>
+            </a:r>
+            <a:endParaRPr lang="pt-BR" sz="2400" dirty="0"/>
           </a:p>
         </p:txBody>
       </p:sp>
@@ -18565,18 +18322,10 @@
           <a:lstStyle/>
           <a:p>
             <a:r>
-              <a:rPr lang="en-US" dirty="0" err="1"/>
-              <a:t>Requisição</a:t>
-            </a:r>
-            <a:r>
-              <a:rPr lang="en-US" dirty="0"/>
-              <a:t> do </a:t>
-            </a:r>
-            <a:r>
-              <a:rPr lang="en-US" dirty="0" err="1"/>
-              <a:t>Usuário</a:t>
-            </a:r>
-            <a:endParaRPr lang="en-US" dirty="0"/>
+              <a:rPr lang="pt-BR" dirty="0" smtClean="0"/>
+              <a:t>Requisição do Usuário</a:t>
+            </a:r>
+            <a:endParaRPr lang="pt-BR" dirty="0"/>
           </a:p>
         </p:txBody>
       </p:sp>
@@ -18641,14 +18390,10 @@
           <a:p>
             <a:pPr algn="ctr"/>
             <a:r>
-              <a:rPr lang="en-US" dirty="0"/>
-              <a:t>HTML é </a:t>
-            </a:r>
-            <a:r>
-              <a:rPr lang="en-US" dirty="0" err="1"/>
-              <a:t>retornado</a:t>
-            </a:r>
-            <a:endParaRPr lang="en-US" dirty="0"/>
+              <a:rPr lang="pt-BR" dirty="0" smtClean="0"/>
+              <a:t>HTML é retornado</a:t>
+            </a:r>
+            <a:endParaRPr lang="pt-BR" dirty="0"/>
           </a:p>
         </p:txBody>
       </p:sp>
@@ -18713,14 +18458,10 @@
           <a:p>
             <a:pPr algn="ctr"/>
             <a:r>
-              <a:rPr lang="en-US" dirty="0" smtClean="0"/>
-              <a:t>Para o </a:t>
-            </a:r>
-            <a:r>
-              <a:rPr lang="en-US" dirty="0" err="1" smtClean="0"/>
-              <a:t>navegador</a:t>
-            </a:r>
-            <a:endParaRPr lang="en-US" dirty="0"/>
+              <a:rPr lang="pt-BR" dirty="0" smtClean="0"/>
+              <a:t>Para o navegador</a:t>
+            </a:r>
+            <a:endParaRPr lang="pt-BR" dirty="0"/>
           </a:p>
         </p:txBody>
       </p:sp>
@@ -18815,29 +18556,14 @@
           <a:lstStyle/>
           <a:p>
             <a:r>
-              <a:rPr lang="en-US" dirty="0" err="1" smtClean="0"/>
-              <a:t>Execução</a:t>
-            </a:r>
-            <a:r>
-              <a:rPr lang="en-US" dirty="0" smtClean="0"/>
-              <a:t> </a:t>
-            </a:r>
-            <a:r>
-              <a:rPr lang="en-US" dirty="0" err="1"/>
-              <a:t>quando</a:t>
-            </a:r>
-            <a:r>
-              <a:rPr lang="en-US" dirty="0"/>
-              <a:t> se </a:t>
-            </a:r>
-            <a:r>
-              <a:rPr lang="en-US" dirty="0" err="1"/>
-              <a:t>utiliza</a:t>
-            </a:r>
-            <a:r>
-              <a:rPr lang="en-US" dirty="0"/>
-              <a:t> Filters</a:t>
-            </a:r>
+              <a:rPr lang="pt-BR" noProof="0" dirty="0" smtClean="0"/>
+              <a:t>Execução quando se utiliza </a:t>
+            </a:r>
+            <a:r>
+              <a:rPr lang="pt-BR" noProof="0" dirty="0" err="1" smtClean="0"/>
+              <a:t>Filters</a:t>
+            </a:r>
+            <a:endParaRPr lang="pt-BR" noProof="0" dirty="0"/>
           </a:p>
         </p:txBody>
       </p:sp>
@@ -19442,14 +19168,14 @@
           <a:lstStyle/>
           <a:p>
             <a:r>
-              <a:rPr lang="en-US" dirty="0" smtClean="0"/>
-              <a:t>Filters de </a:t>
-            </a:r>
-            <a:r>
-              <a:rPr lang="en-US" dirty="0" err="1" smtClean="0"/>
-              <a:t>segurança</a:t>
-            </a:r>
-            <a:endParaRPr lang="en-US" dirty="0"/>
+              <a:rPr lang="pt-BR" noProof="0" dirty="0" err="1" smtClean="0"/>
+              <a:t>Filters</a:t>
+            </a:r>
+            <a:r>
+              <a:rPr lang="pt-BR" noProof="0" dirty="0" smtClean="0"/>
+              <a:t> de segurança</a:t>
+            </a:r>
+            <a:endParaRPr lang="pt-BR" noProof="0" dirty="0"/>
           </a:p>
         </p:txBody>
       </p:sp>
@@ -19476,66 +19202,54 @@
           <a:lstStyle/>
           <a:p>
             <a:r>
-              <a:rPr lang="en-US" sz="3200" dirty="0" smtClean="0"/>
+              <a:rPr lang="pt-BR" sz="3200" noProof="0" dirty="0" err="1" smtClean="0"/>
               <a:t>Authorize</a:t>
             </a:r>
+            <a:endParaRPr lang="pt-BR" sz="3200" noProof="0" dirty="0" smtClean="0"/>
           </a:p>
           <a:p>
             <a:pPr lvl="1"/>
             <a:r>
-              <a:rPr lang="en-US" sz="2800" dirty="0" err="1" smtClean="0"/>
-              <a:t>Controla</a:t>
-            </a:r>
-            <a:r>
-              <a:rPr lang="en-US" sz="2800" dirty="0" smtClean="0"/>
-              <a:t> </a:t>
-            </a:r>
-            <a:r>
-              <a:rPr lang="en-US" sz="2800" dirty="0" err="1" smtClean="0"/>
-              <a:t>quem</a:t>
-            </a:r>
-            <a:r>
-              <a:rPr lang="en-US" sz="2800" dirty="0" smtClean="0"/>
-              <a:t> </a:t>
-            </a:r>
-            <a:r>
-              <a:rPr lang="en-US" sz="2800" dirty="0" err="1" smtClean="0"/>
-              <a:t>pode</a:t>
-            </a:r>
-            <a:r>
-              <a:rPr lang="en-US" sz="2800" dirty="0" smtClean="0"/>
-              <a:t> </a:t>
-            </a:r>
-            <a:r>
-              <a:rPr lang="en-US" sz="2800" dirty="0" err="1" smtClean="0"/>
-              <a:t>acessar</a:t>
-            </a:r>
-            <a:r>
-              <a:rPr lang="en-US" sz="2800" dirty="0" smtClean="0"/>
-              <a:t> a Controller/Action</a:t>
-            </a:r>
+              <a:rPr lang="pt-BR" sz="2800" noProof="0" dirty="0" smtClean="0"/>
+              <a:t>Controla quem pode acessar a </a:t>
+            </a:r>
+            <a:r>
+              <a:rPr lang="pt-BR" sz="2800" noProof="0" dirty="0" err="1" smtClean="0"/>
+              <a:t>Controller</a:t>
+            </a:r>
+            <a:r>
+              <a:rPr lang="pt-BR" sz="2800" noProof="0" dirty="0" smtClean="0"/>
+              <a:t>/</a:t>
+            </a:r>
+            <a:r>
+              <a:rPr lang="pt-BR" sz="2800" noProof="0" dirty="0" err="1" smtClean="0"/>
+              <a:t>Action</a:t>
+            </a:r>
+            <a:endParaRPr lang="pt-BR" sz="2800" noProof="0" dirty="0" smtClean="0"/>
           </a:p>
           <a:p>
             <a:pPr lvl="1"/>
             <a:r>
-              <a:rPr lang="en-US" sz="2800" dirty="0" smtClean="0"/>
+              <a:rPr lang="pt-BR" sz="2800" noProof="0" dirty="0" err="1" smtClean="0"/>
               <a:t>Properties</a:t>
             </a:r>
+            <a:endParaRPr lang="pt-BR" sz="2800" noProof="0" dirty="0" smtClean="0"/>
           </a:p>
           <a:p>
             <a:pPr lvl="2"/>
             <a:r>
-              <a:rPr lang="en-US" sz="2400" dirty="0" smtClean="0"/>
+              <a:rPr lang="pt-BR" sz="2400" noProof="0" dirty="0" err="1" smtClean="0"/>
               <a:t>Users</a:t>
             </a:r>
+            <a:endParaRPr lang="pt-BR" sz="2400" noProof="0" dirty="0" smtClean="0"/>
           </a:p>
           <a:p>
             <a:pPr lvl="2"/>
             <a:r>
-              <a:rPr lang="en-US" sz="2400" dirty="0" smtClean="0"/>
+              <a:rPr lang="pt-BR" sz="2400" noProof="0" dirty="0" smtClean="0"/>
               <a:t>Roles</a:t>
             </a:r>
-            <a:endParaRPr lang="en-US" sz="2400" dirty="0" smtClean="0"/>
+            <a:endParaRPr lang="pt-BR" sz="2400" noProof="0" dirty="0" smtClean="0"/>
           </a:p>
         </p:txBody>
       </p:sp>
@@ -19592,14 +19306,14 @@
           <a:lstStyle/>
           <a:p>
             <a:r>
-              <a:rPr lang="en-US" dirty="0" smtClean="0"/>
-              <a:t>Filters de </a:t>
-            </a:r>
-            <a:r>
-              <a:rPr lang="en-US" dirty="0" err="1" smtClean="0"/>
-              <a:t>segurança</a:t>
-            </a:r>
-            <a:endParaRPr lang="en-US" dirty="0"/>
+              <a:rPr lang="pt-BR" noProof="0" dirty="0" err="1" smtClean="0"/>
+              <a:t>Filters</a:t>
+            </a:r>
+            <a:r>
+              <a:rPr lang="pt-BR" noProof="0" dirty="0" smtClean="0"/>
+              <a:t> de segurança</a:t>
+            </a:r>
+            <a:endParaRPr lang="pt-BR" noProof="0" dirty="0"/>
           </a:p>
         </p:txBody>
       </p:sp>
@@ -19626,140 +19340,96 @@
           <a:lstStyle/>
           <a:p>
             <a:r>
-              <a:rPr lang="en-US" sz="2400" dirty="0" err="1" smtClean="0"/>
+              <a:rPr lang="pt-BR" sz="2400" noProof="0" dirty="0" err="1" smtClean="0"/>
               <a:t>ValidateAntiForgeryToken</a:t>
             </a:r>
-            <a:endParaRPr lang="en-US" sz="2400" dirty="0" smtClean="0"/>
+            <a:endParaRPr lang="pt-BR" sz="2400" noProof="0" dirty="0" smtClean="0"/>
           </a:p>
           <a:p>
             <a:pPr lvl="1"/>
             <a:r>
-              <a:rPr lang="en-US" sz="2400" dirty="0" err="1" smtClean="0"/>
-              <a:t>Defende</a:t>
-            </a:r>
-            <a:r>
-              <a:rPr lang="en-US" sz="2400" dirty="0" smtClean="0"/>
-              <a:t> a Action de </a:t>
-            </a:r>
-            <a:r>
-              <a:rPr lang="en-US" sz="2400" dirty="0" err="1" smtClean="0"/>
-              <a:t>possíveis</a:t>
-            </a:r>
-            <a:r>
-              <a:rPr lang="en-US" sz="2400" dirty="0" smtClean="0"/>
+              <a:rPr lang="pt-BR" sz="2400" noProof="0" dirty="0" smtClean="0"/>
+              <a:t>Defende a </a:t>
+            </a:r>
+            <a:r>
+              <a:rPr lang="pt-BR" sz="2400" noProof="0" dirty="0" err="1" smtClean="0"/>
+              <a:t>Action</a:t>
+            </a:r>
+            <a:r>
+              <a:rPr lang="pt-BR" sz="2400" noProof="0" dirty="0" smtClean="0"/>
+              <a:t> de possíveis requisições maliciosas vindas de outras aplicações</a:t>
+            </a:r>
+          </a:p>
+          <a:p>
+            <a:pPr lvl="1"/>
+            <a:r>
+              <a:rPr lang="pt-BR" sz="2400" noProof="0" dirty="0" smtClean="0"/>
+              <a:t>Obriga que seja adicionado na </a:t>
+            </a:r>
+            <a:r>
+              <a:rPr lang="pt-BR" sz="2400" noProof="0" dirty="0" err="1" smtClean="0"/>
+              <a:t>View</a:t>
+            </a:r>
+            <a:r>
+              <a:rPr lang="pt-BR" sz="2400" noProof="0" dirty="0" smtClean="0"/>
+              <a:t> o </a:t>
+            </a:r>
+            <a:r>
+              <a:rPr lang="pt-BR" sz="2400" noProof="0" dirty="0" err="1" smtClean="0"/>
+              <a:t>token</a:t>
+            </a:r>
+            <a:r>
+              <a:rPr lang="pt-BR" sz="2400" noProof="0" dirty="0" smtClean="0"/>
               <a:t> </a:t>
             </a:r>
             <a:r>
-              <a:rPr lang="en-US" sz="2400" dirty="0" err="1" smtClean="0"/>
-              <a:t>requisções</a:t>
-            </a:r>
-            <a:r>
-              <a:rPr lang="en-US" sz="2400" dirty="0" smtClean="0"/>
+              <a:rPr lang="pt-BR" sz="2400" noProof="0" dirty="0" err="1" smtClean="0"/>
+              <a:t>anti-forgery</a:t>
+            </a:r>
+            <a:endParaRPr lang="pt-BR" sz="2400" noProof="0" dirty="0" smtClean="0"/>
+          </a:p>
+          <a:p>
+            <a:pPr lvl="2"/>
+            <a:r>
+              <a:rPr lang="pt-BR" sz="2000" noProof="0" dirty="0" smtClean="0"/>
+              <a:t>@</a:t>
+            </a:r>
+            <a:r>
+              <a:rPr lang="pt-BR" sz="2000" noProof="0" dirty="0" err="1" smtClean="0"/>
+              <a:t>Html.AntiForgeryToken</a:t>
+            </a:r>
+            <a:endParaRPr lang="pt-BR" sz="2000" noProof="0" dirty="0" smtClean="0"/>
+          </a:p>
+          <a:p>
+            <a:r>
+              <a:rPr lang="pt-BR" sz="2400" noProof="0" dirty="0" err="1" smtClean="0"/>
+              <a:t>RequireHttps</a:t>
+            </a:r>
+            <a:endParaRPr lang="pt-BR" sz="2400" noProof="0" dirty="0" smtClean="0"/>
+          </a:p>
+          <a:p>
+            <a:pPr lvl="1"/>
+            <a:r>
+              <a:rPr lang="pt-BR" sz="2400" noProof="0" dirty="0" smtClean="0"/>
+              <a:t>Requer a utilização do </a:t>
+            </a:r>
+            <a:r>
+              <a:rPr lang="pt-BR" sz="2400" noProof="0" dirty="0" err="1" smtClean="0"/>
+              <a:t>protocol</a:t>
+            </a:r>
+            <a:r>
+              <a:rPr lang="pt-BR" sz="2400" noProof="0" dirty="0" smtClean="0"/>
               <a:t> </a:t>
             </a:r>
             <a:r>
-              <a:rPr lang="en-US" sz="2400" dirty="0" err="1" smtClean="0"/>
-              <a:t>maliciosas</a:t>
-            </a:r>
-            <a:r>
-              <a:rPr lang="en-US" sz="2400" dirty="0" smtClean="0"/>
-              <a:t> </a:t>
-            </a:r>
-            <a:r>
-              <a:rPr lang="en-US" sz="2400" dirty="0" err="1" smtClean="0"/>
-              <a:t>vindas</a:t>
-            </a:r>
-            <a:r>
-              <a:rPr lang="en-US" sz="2400" dirty="0" smtClean="0"/>
-              <a:t> de </a:t>
-            </a:r>
-            <a:r>
-              <a:rPr lang="en-US" sz="2400" dirty="0" err="1" smtClean="0"/>
-              <a:t>outras</a:t>
-            </a:r>
-            <a:r>
-              <a:rPr lang="en-US" sz="2400" dirty="0" smtClean="0"/>
-              <a:t> </a:t>
-            </a:r>
-            <a:r>
-              <a:rPr lang="en-US" sz="2400" dirty="0" err="1" smtClean="0"/>
-              <a:t>aplicações</a:t>
-            </a:r>
-            <a:endParaRPr lang="en-US" sz="2400" dirty="0" smtClean="0"/>
-          </a:p>
-          <a:p>
-            <a:pPr lvl="1"/>
-            <a:r>
-              <a:rPr lang="en-US" sz="2400" dirty="0" err="1" smtClean="0"/>
-              <a:t>Obriga</a:t>
-            </a:r>
-            <a:r>
-              <a:rPr lang="en-US" sz="2400" dirty="0" smtClean="0"/>
-              <a:t> que </a:t>
-            </a:r>
-            <a:r>
-              <a:rPr lang="en-US" sz="2400" dirty="0" err="1" smtClean="0"/>
-              <a:t>seja</a:t>
-            </a:r>
-            <a:r>
-              <a:rPr lang="en-US" sz="2400" dirty="0" smtClean="0"/>
-              <a:t> </a:t>
-            </a:r>
-            <a:r>
-              <a:rPr lang="en-US" sz="2400" dirty="0" err="1" smtClean="0"/>
-              <a:t>adicionado</a:t>
-            </a:r>
-            <a:r>
-              <a:rPr lang="en-US" sz="2400" dirty="0" smtClean="0"/>
-              <a:t> </a:t>
-            </a:r>
-            <a:r>
-              <a:rPr lang="en-US" sz="2400" dirty="0" err="1" smtClean="0"/>
-              <a:t>na</a:t>
-            </a:r>
-            <a:r>
-              <a:rPr lang="en-US" sz="2400" dirty="0" smtClean="0"/>
-              <a:t> View o token anti-forgery</a:t>
-            </a:r>
-          </a:p>
-          <a:p>
-            <a:pPr lvl="2"/>
-            <a:r>
-              <a:rPr lang="en-US" sz="2000" dirty="0" smtClean="0"/>
-              <a:t>@</a:t>
-            </a:r>
-            <a:r>
-              <a:rPr lang="en-US" sz="2000" dirty="0" err="1" smtClean="0"/>
-              <a:t>Html.AntiForgeryToken</a:t>
-            </a:r>
-            <a:endParaRPr lang="en-US" sz="2000" dirty="0" smtClean="0"/>
-          </a:p>
-          <a:p>
-            <a:r>
-              <a:rPr lang="en-US" sz="2400" dirty="0" err="1" smtClean="0"/>
-              <a:t>RequireHttps</a:t>
-            </a:r>
-            <a:endParaRPr lang="en-US" sz="2400" dirty="0" smtClean="0"/>
-          </a:p>
-          <a:p>
-            <a:pPr lvl="1"/>
-            <a:r>
-              <a:rPr lang="en-US" sz="2400" dirty="0" err="1" smtClean="0"/>
-              <a:t>Requer</a:t>
-            </a:r>
-            <a:r>
-              <a:rPr lang="en-US" sz="2400" dirty="0" smtClean="0"/>
-              <a:t> a </a:t>
-            </a:r>
-            <a:r>
-              <a:rPr lang="en-US" sz="2400" dirty="0" err="1" smtClean="0"/>
-              <a:t>utilização</a:t>
-            </a:r>
-            <a:r>
-              <a:rPr lang="en-US" sz="2400" dirty="0" smtClean="0"/>
-              <a:t> do protocol https/SSL</a:t>
-            </a:r>
-            <a:endParaRPr lang="en-US" sz="2400" dirty="0"/>
+              <a:rPr lang="pt-BR" sz="2400" noProof="0" dirty="0" err="1" smtClean="0"/>
+              <a:t>https</a:t>
+            </a:r>
+            <a:r>
+              <a:rPr lang="pt-BR" sz="2400" noProof="0" dirty="0" smtClean="0"/>
+              <a:t>/SSL</a:t>
+            </a:r>
+            <a:endParaRPr lang="pt-BR" sz="2400" noProof="0" dirty="0"/>
           </a:p>
         </p:txBody>
       </p:sp>
@@ -19816,26 +19486,10 @@
           <a:lstStyle/>
           <a:p>
             <a:r>
-              <a:rPr lang="en-US" dirty="0" err="1" smtClean="0"/>
-              <a:t>Segurança</a:t>
-            </a:r>
-            <a:r>
-              <a:rPr lang="en-US" dirty="0" smtClean="0"/>
-              <a:t>: </a:t>
-            </a:r>
-            <a:r>
-              <a:rPr lang="en-US" dirty="0" err="1" smtClean="0"/>
-              <a:t>autorização</a:t>
-            </a:r>
-            <a:r>
-              <a:rPr lang="en-US" dirty="0" smtClean="0"/>
-              <a:t> e </a:t>
-            </a:r>
-            <a:r>
-              <a:rPr lang="en-US" dirty="0" err="1" smtClean="0"/>
-              <a:t>autenticação</a:t>
-            </a:r>
-            <a:endParaRPr lang="en-US" dirty="0"/>
+              <a:rPr lang="pt-BR" noProof="0" dirty="0" smtClean="0"/>
+              <a:t>Segurança: autorização e autenticação</a:t>
+            </a:r>
+            <a:endParaRPr lang="pt-BR" noProof="0" dirty="0"/>
           </a:p>
         </p:txBody>
       </p:sp>
@@ -19855,10 +19509,14 @@
           <a:lstStyle/>
           <a:p>
             <a:r>
-              <a:rPr lang="en-US" dirty="0" smtClean="0"/>
-              <a:t>ASP.NET Identity</a:t>
-            </a:r>
-            <a:endParaRPr lang="en-US" dirty="0"/>
+              <a:rPr lang="pt-BR" noProof="0" dirty="0" smtClean="0"/>
+              <a:t>ASP.NET </a:t>
+            </a:r>
+            <a:r>
+              <a:rPr lang="pt-BR" noProof="0" dirty="0" err="1" smtClean="0"/>
+              <a:t>Identity</a:t>
+            </a:r>
+            <a:endParaRPr lang="pt-BR" noProof="0" dirty="0"/>
           </a:p>
         </p:txBody>
       </p:sp>
@@ -19937,10 +19595,14 @@
           <a:lstStyle/>
           <a:p>
             <a:r>
-              <a:rPr lang="en-US" dirty="0" smtClean="0"/>
-              <a:t>ASP.NET Identity</a:t>
-            </a:r>
-            <a:endParaRPr lang="en-US" dirty="0"/>
+              <a:rPr lang="pt-BR" noProof="0" dirty="0" smtClean="0"/>
+              <a:t>ASP.NET </a:t>
+            </a:r>
+            <a:r>
+              <a:rPr lang="pt-BR" noProof="0" dirty="0" err="1" smtClean="0"/>
+              <a:t>Identity</a:t>
+            </a:r>
+            <a:endParaRPr lang="pt-BR" noProof="0" dirty="0"/>
           </a:p>
         </p:txBody>
       </p:sp>
@@ -19978,7 +19640,7 @@
               </a:spcAft>
             </a:pPr>
             <a:r>
-              <a:rPr lang="pt-BR" dirty="0"/>
+              <a:rPr lang="pt-BR" noProof="0" dirty="0" smtClean="0"/>
               <a:t>Autenticação != Autorização</a:t>
             </a:r>
           </a:p>
@@ -19994,7 +19656,7 @@
                 <a:spcPct val="0"/>
               </a:spcAft>
             </a:pPr>
-            <a:endParaRPr lang="en-US" altLang="en-US" dirty="0" smtClean="0"/>
+            <a:endParaRPr lang="pt-BR" altLang="en-US" noProof="0" dirty="0" smtClean="0"/>
           </a:p>
           <a:p>
             <a:pPr defTabSz="914400" eaLnBrk="0" fontAlgn="base" hangingPunct="0">
@@ -20009,18 +19671,18 @@
               </a:spcAft>
             </a:pPr>
             <a:r>
-              <a:rPr lang="en-US" altLang="en-US" dirty="0" smtClean="0"/>
-              <a:t>One </a:t>
-            </a:r>
-            <a:r>
-              <a:rPr lang="en-US" altLang="en-US" dirty="0"/>
-              <a:t>ASP.NET </a:t>
-            </a:r>
-            <a:r>
-              <a:rPr lang="en-US" altLang="en-US" dirty="0" smtClean="0"/>
+              <a:rPr lang="pt-BR" altLang="en-US" noProof="0" dirty="0" err="1" smtClean="0"/>
+              <a:t>One</a:t>
+            </a:r>
+            <a:r>
+              <a:rPr lang="pt-BR" altLang="en-US" noProof="0" dirty="0" smtClean="0"/>
+              <a:t> ASP.NET </a:t>
+            </a:r>
+            <a:r>
+              <a:rPr lang="pt-BR" altLang="en-US" noProof="0" dirty="0" err="1" smtClean="0"/>
               <a:t>Identity</a:t>
             </a:r>
-            <a:endParaRPr lang="en-US" altLang="en-US" dirty="0"/>
+            <a:endParaRPr lang="pt-BR" altLang="en-US" noProof="0" dirty="0" smtClean="0"/>
           </a:p>
           <a:p>
             <a:pPr defTabSz="914400" eaLnBrk="0" fontAlgn="base" hangingPunct="0">
@@ -20035,18 +19697,9 @@
               </a:spcAft>
             </a:pPr>
             <a:r>
-              <a:rPr lang="en-US" altLang="en-US" dirty="0" err="1" smtClean="0"/>
-              <a:t>Controle</a:t>
-            </a:r>
-            <a:r>
-              <a:rPr lang="en-US" altLang="en-US" dirty="0" smtClean="0"/>
-              <a:t> de </a:t>
-            </a:r>
-            <a:r>
-              <a:rPr lang="en-US" altLang="en-US" dirty="0" err="1" smtClean="0"/>
-              <a:t>persistência</a:t>
-            </a:r>
-            <a:endParaRPr lang="en-US" altLang="en-US" dirty="0"/>
+              <a:rPr lang="pt-BR" altLang="en-US" noProof="0" dirty="0" smtClean="0"/>
+              <a:t>Controle de persistência</a:t>
+            </a:r>
           </a:p>
           <a:p>
             <a:pPr defTabSz="914400" eaLnBrk="0" fontAlgn="base" hangingPunct="0">
@@ -20061,18 +19714,9 @@
               </a:spcAft>
             </a:pPr>
             <a:r>
-              <a:rPr lang="en-US" altLang="en-US" dirty="0" err="1" smtClean="0"/>
-              <a:t>Possibilita</a:t>
-            </a:r>
-            <a:r>
-              <a:rPr lang="en-US" altLang="en-US" dirty="0" smtClean="0"/>
-              <a:t> testes </a:t>
-            </a:r>
-            <a:r>
-              <a:rPr lang="en-US" altLang="en-US" dirty="0" err="1" smtClean="0"/>
-              <a:t>unitários</a:t>
-            </a:r>
-            <a:endParaRPr lang="en-US" altLang="en-US" dirty="0"/>
+              <a:rPr lang="pt-BR" altLang="en-US" noProof="0" dirty="0" smtClean="0"/>
+              <a:t>Possibilita testes unitários</a:t>
+            </a:r>
           </a:p>
           <a:p>
             <a:pPr defTabSz="914400" eaLnBrk="0" fontAlgn="base" hangingPunct="0">
@@ -20087,9 +19731,14 @@
               </a:spcAft>
             </a:pPr>
             <a:r>
-              <a:rPr lang="en-US" altLang="en-US" dirty="0"/>
-              <a:t>Role provider</a:t>
-            </a:r>
+              <a:rPr lang="pt-BR" altLang="en-US" noProof="0" dirty="0" smtClean="0"/>
+              <a:t>Role </a:t>
+            </a:r>
+            <a:r>
+              <a:rPr lang="pt-BR" altLang="en-US" noProof="0" dirty="0" err="1" smtClean="0"/>
+              <a:t>provider</a:t>
+            </a:r>
+            <a:endParaRPr lang="pt-BR" altLang="en-US" noProof="0" dirty="0" smtClean="0"/>
           </a:p>
           <a:p>
             <a:pPr defTabSz="914400" eaLnBrk="0" fontAlgn="base" hangingPunct="0">
@@ -20104,9 +19753,18 @@
               </a:spcAft>
             </a:pPr>
             <a:r>
-              <a:rPr lang="en-US" altLang="en-US" dirty="0"/>
-              <a:t>Claims Based</a:t>
-            </a:r>
+              <a:rPr lang="pt-BR" altLang="en-US" noProof="0" dirty="0" err="1" smtClean="0"/>
+              <a:t>Claims</a:t>
+            </a:r>
+            <a:r>
+              <a:rPr lang="pt-BR" altLang="en-US" noProof="0" dirty="0" smtClean="0"/>
+              <a:t> </a:t>
+            </a:r>
+            <a:r>
+              <a:rPr lang="pt-BR" altLang="en-US" noProof="0" dirty="0" err="1" smtClean="0"/>
+              <a:t>Based</a:t>
+            </a:r>
+            <a:endParaRPr lang="pt-BR" altLang="en-US" noProof="0" dirty="0" smtClean="0"/>
           </a:p>
           <a:p>
             <a:pPr defTabSz="914400" eaLnBrk="0" fontAlgn="base" hangingPunct="0">
@@ -20121,18 +19779,46 @@
               </a:spcAft>
             </a:pPr>
             <a:r>
-              <a:rPr lang="en-US" altLang="en-US" dirty="0"/>
-              <a:t>Social Login </a:t>
-            </a:r>
-            <a:r>
-              <a:rPr lang="en-US" altLang="en-US" dirty="0" smtClean="0"/>
-              <a:t>Providers </a:t>
-            </a:r>
-            <a:r>
-              <a:rPr lang="en-US" dirty="0"/>
-              <a:t>(Facebook, Google, Microsoft, Twitter)</a:t>
-            </a:r>
-            <a:endParaRPr lang="en-US" altLang="en-US" dirty="0"/>
+              <a:rPr lang="pt-BR" altLang="en-US" noProof="0" dirty="0" smtClean="0"/>
+              <a:t>Social </a:t>
+            </a:r>
+            <a:r>
+              <a:rPr lang="pt-BR" altLang="en-US" noProof="0" dirty="0" err="1" smtClean="0"/>
+              <a:t>Login</a:t>
+            </a:r>
+            <a:r>
+              <a:rPr lang="pt-BR" altLang="en-US" noProof="0" dirty="0" smtClean="0"/>
+              <a:t> </a:t>
+            </a:r>
+            <a:r>
+              <a:rPr lang="pt-BR" altLang="en-US" noProof="0" dirty="0" err="1" smtClean="0"/>
+              <a:t>Providers</a:t>
+            </a:r>
+            <a:r>
+              <a:rPr lang="pt-BR" altLang="en-US" noProof="0" dirty="0" smtClean="0"/>
+              <a:t> </a:t>
+            </a:r>
+            <a:r>
+              <a:rPr lang="pt-BR" noProof="0" dirty="0" smtClean="0"/>
+              <a:t>(</a:t>
+            </a:r>
+            <a:r>
+              <a:rPr lang="pt-BR" noProof="0" dirty="0" err="1" smtClean="0"/>
+              <a:t>Facebook</a:t>
+            </a:r>
+            <a:r>
+              <a:rPr lang="pt-BR" noProof="0" dirty="0" smtClean="0"/>
+              <a:t>, Google, Microsoft, </a:t>
+            </a:r>
+            <a:r>
+              <a:rPr lang="pt-BR" noProof="0" dirty="0" err="1" smtClean="0"/>
+              <a:t>Twitter</a:t>
+            </a:r>
+            <a:r>
+              <a:rPr lang="pt-BR" noProof="0" dirty="0" smtClean="0"/>
+              <a:t>)</a:t>
+            </a:r>
+            <a:endParaRPr lang="pt-BR" altLang="en-US" noProof="0" dirty="0" smtClean="0"/>
           </a:p>
           <a:p>
             <a:pPr defTabSz="914400" eaLnBrk="0" fontAlgn="base" hangingPunct="0">
@@ -20147,9 +19833,22 @@
               </a:spcAft>
             </a:pPr>
             <a:r>
-              <a:rPr lang="en-US" altLang="en-US" dirty="0"/>
-              <a:t>Windows Azure Active Directory</a:t>
-            </a:r>
+              <a:rPr lang="pt-BR" altLang="en-US" noProof="0" dirty="0" smtClean="0"/>
+              <a:t>Windows </a:t>
+            </a:r>
+            <a:r>
+              <a:rPr lang="pt-BR" altLang="en-US" noProof="0" dirty="0" err="1" smtClean="0"/>
+              <a:t>Azure</a:t>
+            </a:r>
+            <a:r>
+              <a:rPr lang="pt-BR" altLang="en-US" noProof="0" dirty="0" smtClean="0"/>
+              <a:t> Active </a:t>
+            </a:r>
+            <a:r>
+              <a:rPr lang="pt-BR" altLang="en-US" noProof="0" dirty="0" err="1" smtClean="0"/>
+              <a:t>Directory</a:t>
+            </a:r>
+            <a:endParaRPr lang="pt-BR" altLang="en-US" noProof="0" dirty="0" smtClean="0"/>
           </a:p>
           <a:p>
             <a:pPr defTabSz="914400" eaLnBrk="0" fontAlgn="base" hangingPunct="0">
@@ -20164,9 +19863,14 @@
               </a:spcAft>
             </a:pPr>
             <a:r>
-              <a:rPr lang="en-US" altLang="en-US" dirty="0"/>
-              <a:t>OWIN Integration</a:t>
-            </a:r>
+              <a:rPr lang="pt-BR" altLang="en-US" noProof="0" dirty="0" smtClean="0"/>
+              <a:t>OWIN </a:t>
+            </a:r>
+            <a:r>
+              <a:rPr lang="pt-BR" altLang="en-US" noProof="0" dirty="0" err="1" smtClean="0"/>
+              <a:t>Integration</a:t>
+            </a:r>
+            <a:endParaRPr lang="pt-BR" altLang="en-US" noProof="0" dirty="0" smtClean="0"/>
           </a:p>
           <a:p>
             <a:pPr defTabSz="914400" eaLnBrk="0" fontAlgn="base" hangingPunct="0">
@@ -20181,18 +19885,18 @@
               </a:spcAft>
             </a:pPr>
             <a:r>
-              <a:rPr lang="en-US" altLang="en-US" dirty="0" err="1"/>
+              <a:rPr lang="pt-BR" altLang="en-US" noProof="0" dirty="0" err="1" smtClean="0"/>
               <a:t>NuGet</a:t>
             </a:r>
             <a:r>
-              <a:rPr lang="en-US" altLang="en-US" dirty="0"/>
+              <a:rPr lang="pt-BR" altLang="en-US" noProof="0" dirty="0" smtClean="0"/>
               <a:t> </a:t>
             </a:r>
             <a:r>
-              <a:rPr lang="en-US" altLang="en-US" dirty="0" smtClean="0"/>
+              <a:rPr lang="pt-BR" altLang="en-US" noProof="0" dirty="0" err="1" smtClean="0"/>
               <a:t>package</a:t>
             </a:r>
-            <a:endParaRPr lang="en-US" altLang="en-US" dirty="0"/>
+            <a:endParaRPr lang="pt-BR" altLang="en-US" noProof="0" dirty="0"/>
           </a:p>
         </p:txBody>
       </p:sp>
@@ -20249,14 +19953,14 @@
           <a:lstStyle/>
           <a:p>
             <a:r>
-              <a:rPr lang="en-US" dirty="0" err="1" smtClean="0"/>
-              <a:t>Recursos</a:t>
-            </a:r>
-            <a:r>
-              <a:rPr lang="en-US" dirty="0" smtClean="0"/>
-              <a:t> do Identity</a:t>
-            </a:r>
-            <a:endParaRPr lang="en-US" dirty="0"/>
+              <a:rPr lang="pt-BR" noProof="0" dirty="0" smtClean="0"/>
+              <a:t>Recursos do </a:t>
+            </a:r>
+            <a:r>
+              <a:rPr lang="pt-BR" noProof="0" dirty="0" err="1" smtClean="0"/>
+              <a:t>Identity</a:t>
+            </a:r>
+            <a:endParaRPr lang="pt-BR" noProof="0" dirty="0"/>
           </a:p>
         </p:txBody>
       </p:sp>
@@ -20288,9 +19992,18 @@
               </a:lnSpc>
             </a:pPr>
             <a:r>
-              <a:rPr lang="en-US" sz="2400" dirty="0"/>
-              <a:t>Two-Factor Authentication</a:t>
-            </a:r>
+              <a:rPr lang="pt-BR" sz="2400" noProof="0" dirty="0" err="1" smtClean="0"/>
+              <a:t>Two-Factor</a:t>
+            </a:r>
+            <a:r>
+              <a:rPr lang="pt-BR" sz="2400" noProof="0" dirty="0" smtClean="0"/>
+              <a:t> </a:t>
+            </a:r>
+            <a:r>
+              <a:rPr lang="pt-BR" sz="2400" noProof="0" dirty="0" err="1" smtClean="0"/>
+              <a:t>Authentication</a:t>
+            </a:r>
+            <a:endParaRPr lang="pt-BR" sz="2400" noProof="0" dirty="0" smtClean="0"/>
           </a:p>
           <a:p>
             <a:pPr>
@@ -20299,9 +20012,18 @@
               </a:lnSpc>
             </a:pPr>
             <a:r>
-              <a:rPr lang="en-US" sz="2400" dirty="0"/>
-              <a:t>Account Lockout</a:t>
-            </a:r>
+              <a:rPr lang="pt-BR" sz="2400" noProof="0" dirty="0" err="1" smtClean="0"/>
+              <a:t>Account</a:t>
+            </a:r>
+            <a:r>
+              <a:rPr lang="pt-BR" sz="2400" noProof="0" dirty="0" smtClean="0"/>
+              <a:t> </a:t>
+            </a:r>
+            <a:r>
+              <a:rPr lang="pt-BR" sz="2400" noProof="0" dirty="0" err="1" smtClean="0"/>
+              <a:t>Lockout</a:t>
+            </a:r>
+            <a:endParaRPr lang="pt-BR" sz="2400" noProof="0" dirty="0" smtClean="0"/>
           </a:p>
           <a:p>
             <a:pPr>
@@ -20310,9 +20032,18 @@
               </a:lnSpc>
             </a:pPr>
             <a:r>
-              <a:rPr lang="en-US" sz="2400" dirty="0"/>
-              <a:t>Account confirmation</a:t>
-            </a:r>
+              <a:rPr lang="pt-BR" sz="2400" noProof="0" dirty="0" err="1" smtClean="0"/>
+              <a:t>Account</a:t>
+            </a:r>
+            <a:r>
+              <a:rPr lang="pt-BR" sz="2400" noProof="0" dirty="0" smtClean="0"/>
+              <a:t> </a:t>
+            </a:r>
+            <a:r>
+              <a:rPr lang="pt-BR" sz="2400" noProof="0" dirty="0" err="1" smtClean="0"/>
+              <a:t>confirmation</a:t>
+            </a:r>
+            <a:endParaRPr lang="pt-BR" sz="2400" noProof="0" dirty="0" smtClean="0"/>
           </a:p>
           <a:p>
             <a:pPr>
@@ -20321,8 +20052,12 @@
               </a:lnSpc>
             </a:pPr>
             <a:r>
-              <a:rPr lang="en-US" sz="2400" dirty="0"/>
-              <a:t>Password reset</a:t>
+              <a:rPr lang="pt-BR" sz="2400" noProof="0" dirty="0" err="1" smtClean="0"/>
+              <a:t>Password</a:t>
+            </a:r>
+            <a:r>
+              <a:rPr lang="pt-BR" sz="2400" noProof="0" dirty="0" smtClean="0"/>
+              <a:t> reset</a:t>
             </a:r>
           </a:p>
           <a:p>
@@ -20332,9 +20067,18 @@
               </a:lnSpc>
             </a:pPr>
             <a:r>
-              <a:rPr lang="en-US" sz="2400" dirty="0"/>
-              <a:t>Sign-out everywhere</a:t>
-            </a:r>
+              <a:rPr lang="pt-BR" sz="2400" noProof="0" dirty="0" err="1" smtClean="0"/>
+              <a:t>Sign</a:t>
+            </a:r>
+            <a:r>
+              <a:rPr lang="pt-BR" sz="2400" noProof="0" dirty="0" smtClean="0"/>
+              <a:t>-out </a:t>
+            </a:r>
+            <a:r>
+              <a:rPr lang="pt-BR" sz="2400" noProof="0" dirty="0" err="1" smtClean="0"/>
+              <a:t>everywhere</a:t>
+            </a:r>
+            <a:endParaRPr lang="pt-BR" sz="2400" noProof="0" dirty="0" smtClean="0"/>
           </a:p>
           <a:p>
             <a:pPr>
@@ -20343,10 +20087,18 @@
               </a:lnSpc>
             </a:pPr>
             <a:r>
-              <a:rPr lang="en-US" sz="2400" dirty="0" smtClean="0"/>
-              <a:t>Password validator</a:t>
-            </a:r>
-            <a:endParaRPr lang="en-US" sz="2400" dirty="0"/>
+              <a:rPr lang="pt-BR" sz="2400" noProof="0" dirty="0" err="1" smtClean="0"/>
+              <a:t>Password</a:t>
+            </a:r>
+            <a:r>
+              <a:rPr lang="pt-BR" sz="2400" noProof="0" dirty="0" smtClean="0"/>
+              <a:t> </a:t>
+            </a:r>
+            <a:r>
+              <a:rPr lang="pt-BR" sz="2400" noProof="0" dirty="0" err="1" smtClean="0"/>
+              <a:t>validator</a:t>
+            </a:r>
+            <a:endParaRPr lang="pt-BR" sz="2400" noProof="0" dirty="0"/>
           </a:p>
         </p:txBody>
       </p:sp>
@@ -20403,18 +20155,18 @@
           <a:lstStyle/>
           <a:p>
             <a:r>
-              <a:rPr lang="en-US" dirty="0" err="1" smtClean="0"/>
+              <a:rPr lang="pt-BR" noProof="0" dirty="0" err="1" smtClean="0"/>
               <a:t>HandleError</a:t>
             </a:r>
             <a:r>
-              <a:rPr lang="en-US" dirty="0" smtClean="0"/>
+              <a:rPr lang="pt-BR" noProof="0" dirty="0" smtClean="0"/>
               <a:t> e </a:t>
             </a:r>
             <a:r>
-              <a:rPr lang="en-US" dirty="0" err="1" smtClean="0"/>
+              <a:rPr lang="pt-BR" noProof="0" dirty="0" err="1" smtClean="0"/>
               <a:t>OutputCache</a:t>
             </a:r>
-            <a:endParaRPr lang="en-US" dirty="0"/>
+            <a:endParaRPr lang="pt-BR" noProof="0" dirty="0"/>
           </a:p>
         </p:txBody>
       </p:sp>
@@ -20446,10 +20198,10 @@
               </a:lnSpc>
             </a:pPr>
             <a:r>
-              <a:rPr lang="en-US" sz="2400" dirty="0" err="1" smtClean="0"/>
+              <a:rPr lang="pt-BR" sz="2400" noProof="0" dirty="0" err="1" smtClean="0"/>
               <a:t>HandleError</a:t>
             </a:r>
-            <a:endParaRPr lang="en-US" sz="2400" dirty="0" smtClean="0"/>
+            <a:endParaRPr lang="pt-BR" sz="2400" noProof="0" dirty="0" smtClean="0"/>
           </a:p>
           <a:p>
             <a:pPr lvl="1">
@@ -20458,58 +20210,17 @@
               </a:lnSpc>
             </a:pPr>
             <a:r>
-              <a:rPr lang="en-US" sz="2000" dirty="0" err="1" smtClean="0"/>
-              <a:t>Redireciona</a:t>
-            </a:r>
-            <a:r>
-              <a:rPr lang="en-US" sz="2000" dirty="0" smtClean="0"/>
-              <a:t> para o </a:t>
-            </a:r>
-            <a:r>
-              <a:rPr lang="en-US" sz="2000" dirty="0" err="1" smtClean="0"/>
-              <a:t>usuário</a:t>
-            </a:r>
-            <a:r>
-              <a:rPr lang="en-US" sz="2000" dirty="0" smtClean="0"/>
-              <a:t> </a:t>
-            </a:r>
-            <a:r>
-              <a:rPr lang="en-US" sz="2000" dirty="0" err="1" smtClean="0"/>
-              <a:t>uma</a:t>
-            </a:r>
-            <a:r>
-              <a:rPr lang="en-US" sz="2000" dirty="0" smtClean="0"/>
-              <a:t> view </a:t>
-            </a:r>
-            <a:r>
-              <a:rPr lang="en-US" sz="2000" dirty="0" err="1" smtClean="0"/>
-              <a:t>quando</a:t>
-            </a:r>
-            <a:r>
-              <a:rPr lang="en-US" sz="2000" dirty="0" smtClean="0"/>
-              <a:t> </a:t>
-            </a:r>
-            <a:r>
-              <a:rPr lang="en-US" sz="2000" dirty="0" err="1" smtClean="0"/>
-              <a:t>uma</a:t>
-            </a:r>
-            <a:r>
-              <a:rPr lang="en-US" sz="2000" dirty="0" smtClean="0"/>
-              <a:t> </a:t>
-            </a:r>
-            <a:r>
-              <a:rPr lang="en-US" sz="2000" dirty="0" err="1" smtClean="0"/>
-              <a:t>execão</a:t>
-            </a:r>
-            <a:r>
-              <a:rPr lang="en-US" sz="2000" dirty="0" smtClean="0"/>
-              <a:t> é </a:t>
-            </a:r>
-            <a:r>
-              <a:rPr lang="en-US" sz="2000" dirty="0" err="1" smtClean="0"/>
-              <a:t>lançada</a:t>
-            </a:r>
-            <a:endParaRPr lang="en-US" sz="2000" dirty="0" smtClean="0"/>
+              <a:rPr lang="pt-BR" sz="2000" noProof="0" dirty="0" smtClean="0"/>
+              <a:t>Redireciona para o usuário uma </a:t>
+            </a:r>
+            <a:r>
+              <a:rPr lang="pt-BR" sz="2000" noProof="0" dirty="0" err="1" smtClean="0"/>
+              <a:t>view</a:t>
+            </a:r>
+            <a:r>
+              <a:rPr lang="pt-BR" sz="2000" noProof="0" dirty="0" smtClean="0"/>
+              <a:t> quando uma exceção é lançada</a:t>
+            </a:r>
           </a:p>
           <a:p>
             <a:pPr lvl="1">
@@ -20518,37 +20229,30 @@
               </a:lnSpc>
             </a:pPr>
             <a:r>
-              <a:rPr lang="en-US" sz="2000" dirty="0" err="1" smtClean="0"/>
-              <a:t>Precisa</a:t>
-            </a:r>
-            <a:r>
-              <a:rPr lang="en-US" sz="2000" dirty="0" smtClean="0"/>
-              <a:t> que </a:t>
-            </a:r>
-            <a:r>
-              <a:rPr lang="en-US" sz="2000" dirty="0" err="1" smtClean="0"/>
-              <a:t>esteja</a:t>
-            </a:r>
-            <a:r>
-              <a:rPr lang="en-US" sz="2000" dirty="0" smtClean="0"/>
+              <a:rPr lang="pt-BR" sz="2000" noProof="0" dirty="0" smtClean="0"/>
+              <a:t>Precisa que esteja habilitado no </a:t>
+            </a:r>
+            <a:r>
+              <a:rPr lang="pt-BR" sz="2000" noProof="0" dirty="0" err="1" smtClean="0"/>
+              <a:t>web.config</a:t>
+            </a:r>
+            <a:r>
+              <a:rPr lang="pt-BR" sz="2000" noProof="0" dirty="0" smtClean="0"/>
               <a:t> </a:t>
             </a:r>
             <a:r>
-              <a:rPr lang="en-US" sz="2000" dirty="0" err="1" smtClean="0"/>
-              <a:t>habilitado</a:t>
-            </a:r>
-            <a:r>
-              <a:rPr lang="en-US" sz="2000" dirty="0" smtClean="0"/>
-              <a:t> no </a:t>
-            </a:r>
-            <a:r>
-              <a:rPr lang="en-US" sz="2000" dirty="0" err="1" smtClean="0"/>
-              <a:t>web.config</a:t>
-            </a:r>
-            <a:r>
-              <a:rPr lang="en-US" sz="2000" dirty="0" smtClean="0"/>
-              <a:t> custom errors</a:t>
-            </a:r>
+              <a:rPr lang="pt-BR" sz="2000" noProof="0" dirty="0" err="1" smtClean="0"/>
+              <a:t>custom</a:t>
+            </a:r>
+            <a:r>
+              <a:rPr lang="pt-BR" sz="2000" noProof="0" dirty="0" smtClean="0"/>
+              <a:t> </a:t>
+            </a:r>
+            <a:r>
+              <a:rPr lang="pt-BR" sz="2000" noProof="0" dirty="0" err="1" smtClean="0"/>
+              <a:t>errors</a:t>
+            </a:r>
+            <a:endParaRPr lang="pt-BR" sz="2000" noProof="0" dirty="0" smtClean="0"/>
           </a:p>
           <a:p>
             <a:pPr>
@@ -20557,10 +20261,10 @@
               </a:lnSpc>
             </a:pPr>
             <a:r>
-              <a:rPr lang="en-US" sz="2400" dirty="0" err="1" smtClean="0"/>
+              <a:rPr lang="pt-BR" sz="2400" noProof="0" dirty="0" err="1" smtClean="0"/>
               <a:t>OutputCache</a:t>
             </a:r>
-            <a:endParaRPr lang="en-US" sz="2400" dirty="0" smtClean="0"/>
+            <a:endParaRPr lang="pt-BR" sz="2400" noProof="0" dirty="0" smtClean="0"/>
           </a:p>
           <a:p>
             <a:pPr lvl="1">
@@ -20569,28 +20273,8 @@
               </a:lnSpc>
             </a:pPr>
             <a:r>
-              <a:rPr lang="en-US" sz="2000" dirty="0" err="1" smtClean="0"/>
-              <a:t>Instrui</a:t>
-            </a:r>
-            <a:r>
-              <a:rPr lang="en-US" sz="2000" dirty="0" smtClean="0"/>
-              <a:t> o ASP.NET a </a:t>
-            </a:r>
-            <a:r>
-              <a:rPr lang="en-US" sz="2000" dirty="0" err="1" smtClean="0"/>
-              <a:t>fazer</a:t>
-            </a:r>
-            <a:r>
-              <a:rPr lang="en-US" sz="2000" dirty="0" smtClean="0"/>
-              <a:t> um cache do </a:t>
-            </a:r>
-            <a:r>
-              <a:rPr lang="en-US" sz="2000" dirty="0" err="1" smtClean="0"/>
-              <a:t>resultado</a:t>
-            </a:r>
-            <a:r>
-              <a:rPr lang="en-US" sz="2000" dirty="0" smtClean="0"/>
-              <a:t> HTML  </a:t>
+              <a:rPr lang="pt-BR" sz="2000" noProof="0" dirty="0" smtClean="0"/>
+              <a:t>Instrui o ASP.NET a fazer um cache do resultado HTML  </a:t>
             </a:r>
           </a:p>
           <a:p>
@@ -20600,12 +20284,8 @@
               </a:lnSpc>
             </a:pPr>
             <a:r>
-              <a:rPr lang="en-US" sz="2000" dirty="0" err="1" smtClean="0"/>
-              <a:t>Melhora</a:t>
-            </a:r>
-            <a:r>
-              <a:rPr lang="en-US" sz="2000" dirty="0" smtClean="0"/>
-              <a:t> a performance</a:t>
+              <a:rPr lang="pt-BR" sz="2000" noProof="0" dirty="0" smtClean="0"/>
+              <a:t>Melhora a performance</a:t>
             </a:r>
           </a:p>
           <a:p>
@@ -20614,7 +20294,7 @@
                 <a:spcPct val="150000"/>
               </a:lnSpc>
             </a:pPr>
-            <a:endParaRPr lang="en-US" sz="2000" dirty="0"/>
+            <a:endParaRPr lang="pt-BR" sz="2000" noProof="0" dirty="0"/>
           </a:p>
         </p:txBody>
       </p:sp>
@@ -20671,10 +20351,26 @@
           <a:lstStyle/>
           <a:p>
             <a:r>
-              <a:rPr lang="en-US" dirty="0" smtClean="0"/>
-              <a:t>Model – View - Controller</a:t>
-            </a:r>
-            <a:endParaRPr lang="en-US" dirty="0"/>
+              <a:rPr lang="pt-BR" noProof="0" dirty="0" err="1" smtClean="0"/>
+              <a:t>Model</a:t>
+            </a:r>
+            <a:r>
+              <a:rPr lang="pt-BR" noProof="0" dirty="0" smtClean="0"/>
+              <a:t> – </a:t>
+            </a:r>
+            <a:r>
+              <a:rPr lang="pt-BR" noProof="0" dirty="0" err="1" smtClean="0"/>
+              <a:t>View</a:t>
+            </a:r>
+            <a:r>
+              <a:rPr lang="pt-BR" noProof="0" dirty="0" smtClean="0"/>
+              <a:t> - </a:t>
+            </a:r>
+            <a:r>
+              <a:rPr lang="pt-BR" noProof="0" dirty="0" err="1" smtClean="0"/>
+              <a:t>Controller</a:t>
+            </a:r>
+            <a:endParaRPr lang="pt-BR" noProof="0" dirty="0"/>
           </a:p>
         </p:txBody>
       </p:sp>
@@ -21090,18 +20786,10 @@
           <a:lstStyle/>
           <a:p>
             <a:r>
-              <a:rPr lang="en-US" dirty="0" err="1" smtClean="0"/>
-              <a:t>Melhores</a:t>
-            </a:r>
-            <a:r>
-              <a:rPr lang="en-US" dirty="0" smtClean="0"/>
-              <a:t> </a:t>
-            </a:r>
-            <a:r>
-              <a:rPr lang="en-US" dirty="0" err="1" smtClean="0"/>
-              <a:t>práticas</a:t>
-            </a:r>
-            <a:endParaRPr lang="en-US" dirty="0"/>
+              <a:rPr lang="pt-BR" noProof="0" dirty="0" smtClean="0"/>
+              <a:t>Melhores práticas</a:t>
+            </a:r>
+            <a:endParaRPr lang="pt-BR" noProof="0" dirty="0"/>
           </a:p>
         </p:txBody>
       </p:sp>
@@ -21133,17 +20821,14 @@
               </a:lnSpc>
             </a:pPr>
             <a:r>
-              <a:rPr lang="en-US" sz="2400" dirty="0" smtClean="0"/>
-              <a:t>Tome </a:t>
-            </a:r>
-            <a:r>
-              <a:rPr lang="en-US" sz="2400" dirty="0" err="1" smtClean="0"/>
-              <a:t>cuidado</a:t>
-            </a:r>
-            <a:r>
-              <a:rPr lang="en-US" sz="2400" dirty="0" smtClean="0"/>
-              <a:t> com session</a:t>
-            </a:r>
+              <a:rPr lang="pt-BR" sz="2400" noProof="0" dirty="0" smtClean="0"/>
+              <a:t>Tome cuidado com </a:t>
+            </a:r>
+            <a:r>
+              <a:rPr lang="pt-BR" sz="2400" noProof="0" dirty="0" err="1" smtClean="0"/>
+              <a:t>session</a:t>
+            </a:r>
+            <a:endParaRPr lang="pt-BR" sz="2400" noProof="0" dirty="0" smtClean="0"/>
           </a:p>
           <a:p>
             <a:pPr>
@@ -21152,18 +20837,22 @@
               </a:lnSpc>
             </a:pPr>
             <a:r>
-              <a:rPr lang="en-US" sz="2400" dirty="0" err="1" smtClean="0"/>
-              <a:t>Adicionar</a:t>
-            </a:r>
-            <a:r>
-              <a:rPr lang="en-US" sz="2400" dirty="0" smtClean="0"/>
-              <a:t> o import default no </a:t>
-            </a:r>
-            <a:r>
-              <a:rPr lang="en-US" sz="2400" dirty="0" err="1" smtClean="0"/>
+              <a:rPr lang="pt-BR" sz="2400" noProof="0" dirty="0" smtClean="0"/>
+              <a:t>Adicionar o </a:t>
+            </a:r>
+            <a:r>
+              <a:rPr lang="pt-BR" sz="2400" noProof="0" dirty="0" err="1" smtClean="0"/>
+              <a:t>import</a:t>
+            </a:r>
+            <a:r>
+              <a:rPr lang="pt-BR" sz="2400" noProof="0" dirty="0" smtClean="0"/>
+              <a:t> default no </a:t>
+            </a:r>
+            <a:r>
+              <a:rPr lang="pt-BR" sz="2400" noProof="0" dirty="0" err="1" smtClean="0"/>
               <a:t>Web.config</a:t>
             </a:r>
-            <a:endParaRPr lang="en-US" sz="2400" dirty="0" smtClean="0"/>
+            <a:endParaRPr lang="pt-BR" sz="2400" noProof="0" dirty="0" smtClean="0"/>
           </a:p>
           <a:p>
             <a:pPr>
@@ -21172,13 +20861,26 @@
               </a:lnSpc>
             </a:pPr>
             <a:r>
-              <a:rPr lang="en-US" sz="2400" dirty="0" err="1" smtClean="0"/>
-              <a:t>Pré-compilar</a:t>
-            </a:r>
-            <a:r>
-              <a:rPr lang="en-US" sz="2400" dirty="0" smtClean="0"/>
-              <a:t> as views para warm-up</a:t>
-            </a:r>
+              <a:rPr lang="pt-BR" sz="2400" noProof="0" dirty="0" err="1" smtClean="0"/>
+              <a:t>Pré</a:t>
+            </a:r>
+            <a:r>
+              <a:rPr lang="pt-BR" sz="2400" noProof="0" dirty="0" smtClean="0"/>
+              <a:t>-compilar as </a:t>
+            </a:r>
+            <a:r>
+              <a:rPr lang="pt-BR" sz="2400" noProof="0" dirty="0" err="1" smtClean="0"/>
+              <a:t>views</a:t>
+            </a:r>
+            <a:r>
+              <a:rPr lang="pt-BR" sz="2400" noProof="0" dirty="0" smtClean="0"/>
+              <a:t> para </a:t>
+            </a:r>
+            <a:r>
+              <a:rPr lang="pt-BR" sz="2400" noProof="0" dirty="0" err="1" smtClean="0"/>
+              <a:t>warm-up</a:t>
+            </a:r>
+            <a:endParaRPr lang="pt-BR" sz="2400" noProof="0" dirty="0" smtClean="0"/>
           </a:p>
           <a:p>
             <a:pPr>
@@ -21187,9 +20889,14 @@
               </a:lnSpc>
             </a:pPr>
             <a:r>
-              <a:rPr lang="en-US" sz="2400" dirty="0" smtClean="0"/>
-              <a:t>Output caching</a:t>
-            </a:r>
+              <a:rPr lang="pt-BR" sz="2400" noProof="0" dirty="0" smtClean="0"/>
+              <a:t>Output </a:t>
+            </a:r>
+            <a:r>
+              <a:rPr lang="pt-BR" sz="2400" noProof="0" dirty="0" err="1" smtClean="0"/>
+              <a:t>caching</a:t>
+            </a:r>
+            <a:endParaRPr lang="pt-BR" sz="2400" noProof="0" dirty="0" smtClean="0"/>
           </a:p>
           <a:p>
             <a:pPr>
@@ -21198,13 +20905,14 @@
               </a:lnSpc>
             </a:pPr>
             <a:r>
-              <a:rPr lang="en-US" sz="2400" dirty="0" err="1" smtClean="0"/>
-              <a:t>Previna</a:t>
-            </a:r>
-            <a:r>
-              <a:rPr lang="en-US" sz="2400" dirty="0" smtClean="0"/>
-              <a:t> Over posting</a:t>
-            </a:r>
+              <a:rPr lang="pt-BR" sz="2400" noProof="0" dirty="0" smtClean="0"/>
+              <a:t>Previna Over </a:t>
+            </a:r>
+            <a:r>
+              <a:rPr lang="pt-BR" sz="2400" noProof="0" dirty="0" err="1" smtClean="0"/>
+              <a:t>posting</a:t>
+            </a:r>
+            <a:endParaRPr lang="pt-BR" sz="2400" noProof="0" dirty="0" smtClean="0"/>
           </a:p>
           <a:p>
             <a:pPr>
@@ -21213,38 +20921,42 @@
               </a:lnSpc>
             </a:pPr>
             <a:r>
-              <a:rPr lang="en-US" sz="2400" dirty="0" err="1" smtClean="0"/>
-              <a:t>Utilizem</a:t>
-            </a:r>
-            <a:r>
-              <a:rPr lang="en-US" sz="2400" dirty="0" smtClean="0"/>
-              <a:t> Task, </a:t>
-            </a:r>
-            <a:r>
-              <a:rPr lang="en-US" sz="2400" dirty="0" err="1" smtClean="0"/>
+              <a:rPr lang="pt-BR" sz="2400" noProof="0" dirty="0" smtClean="0"/>
+              <a:t>Utilizem </a:t>
+            </a:r>
+            <a:r>
+              <a:rPr lang="pt-BR" sz="2400" noProof="0" dirty="0" err="1" smtClean="0"/>
+              <a:t>Task</a:t>
+            </a:r>
+            <a:r>
+              <a:rPr lang="pt-BR" sz="2400" noProof="0" dirty="0" smtClean="0"/>
+              <a:t>, </a:t>
+            </a:r>
+            <a:r>
+              <a:rPr lang="pt-BR" sz="2400" noProof="0" dirty="0" err="1" smtClean="0"/>
               <a:t>async</a:t>
             </a:r>
             <a:r>
-              <a:rPr lang="en-US" sz="2400" dirty="0" smtClean="0"/>
-              <a:t> e await </a:t>
-            </a:r>
-            <a:r>
-              <a:rPr lang="en-US" sz="2400" dirty="0" err="1" smtClean="0"/>
-              <a:t>nas</a:t>
-            </a:r>
-            <a:r>
-              <a:rPr lang="en-US" sz="2400" dirty="0" smtClean="0"/>
-              <a:t> Actions que </a:t>
-            </a:r>
-            <a:r>
-              <a:rPr lang="en-US" sz="2400" dirty="0" err="1" smtClean="0"/>
-              <a:t>realizam</a:t>
-            </a:r>
-            <a:r>
-              <a:rPr lang="en-US" sz="2400" dirty="0" smtClean="0"/>
-              <a:t> IO</a:t>
-            </a:r>
-            <a:endParaRPr lang="en-US" sz="2400" dirty="0"/>
+              <a:rPr lang="pt-BR" sz="2400" noProof="0" dirty="0" smtClean="0"/>
+              <a:t> e </a:t>
+            </a:r>
+            <a:r>
+              <a:rPr lang="pt-BR" sz="2400" noProof="0" dirty="0" err="1" smtClean="0"/>
+              <a:t>await</a:t>
+            </a:r>
+            <a:r>
+              <a:rPr lang="pt-BR" sz="2400" noProof="0" dirty="0" smtClean="0"/>
+              <a:t> nas </a:t>
+            </a:r>
+            <a:r>
+              <a:rPr lang="pt-BR" sz="2400" noProof="0" dirty="0" err="1" smtClean="0"/>
+              <a:t>Actions</a:t>
+            </a:r>
+            <a:r>
+              <a:rPr lang="pt-BR" sz="2400" noProof="0" dirty="0" smtClean="0"/>
+              <a:t> que realizam IO</a:t>
+            </a:r>
+            <a:endParaRPr lang="pt-BR" sz="2400" noProof="0" dirty="0"/>
           </a:p>
         </p:txBody>
       </p:sp>
@@ -21301,10 +21013,10 @@
           <a:lstStyle/>
           <a:p>
             <a:r>
-              <a:rPr lang="en-US" dirty="0" err="1" smtClean="0"/>
+              <a:rPr lang="pt-BR" noProof="0" dirty="0" smtClean="0"/>
               <a:t>Ferramentas</a:t>
             </a:r>
-            <a:endParaRPr lang="en-US" dirty="0"/>
+            <a:endParaRPr lang="pt-BR" noProof="0" dirty="0"/>
           </a:p>
         </p:txBody>
       </p:sp>
@@ -21331,119 +21043,142 @@
           <a:lstStyle/>
           <a:p>
             <a:r>
-              <a:rPr lang="en-US" b="1" dirty="0" smtClean="0"/>
-              <a:t>Logging e tracing</a:t>
-            </a:r>
+              <a:rPr lang="pt-BR" b="1" noProof="0" dirty="0" err="1" smtClean="0"/>
+              <a:t>Logging</a:t>
+            </a:r>
+            <a:r>
+              <a:rPr lang="pt-BR" b="1" noProof="0" dirty="0" smtClean="0"/>
+              <a:t> e </a:t>
+            </a:r>
+            <a:r>
+              <a:rPr lang="pt-BR" b="1" noProof="0" dirty="0" err="1" smtClean="0"/>
+              <a:t>tracing</a:t>
+            </a:r>
+            <a:endParaRPr lang="pt-BR" b="1" noProof="0" dirty="0" smtClean="0"/>
           </a:p>
           <a:p>
             <a:pPr lvl="1"/>
             <a:r>
-              <a:rPr lang="en-US" dirty="0" smtClean="0"/>
-              <a:t>Log4net </a:t>
-            </a:r>
-            <a:r>
-              <a:rPr lang="en-US" dirty="0" err="1" smtClean="0"/>
-              <a:t>ou</a:t>
-            </a:r>
-            <a:r>
-              <a:rPr lang="en-US" dirty="0" smtClean="0"/>
+              <a:rPr lang="pt-BR" noProof="0" dirty="0" smtClean="0"/>
+              <a:t>Log4net ou </a:t>
+            </a:r>
+            <a:r>
+              <a:rPr lang="pt-BR" noProof="0" dirty="0" err="1" smtClean="0"/>
+              <a:t>Elmah</a:t>
+            </a:r>
+            <a:endParaRPr lang="pt-BR" noProof="0" dirty="0" smtClean="0"/>
+          </a:p>
+          <a:p>
+            <a:r>
+              <a:rPr lang="pt-BR" b="1" noProof="0" dirty="0" smtClean="0"/>
+              <a:t>Segurança</a:t>
+            </a:r>
+          </a:p>
+          <a:p>
+            <a:pPr lvl="1"/>
+            <a:r>
+              <a:rPr lang="pt-BR" noProof="0" dirty="0" err="1" smtClean="0"/>
+              <a:t>Fluent</a:t>
+            </a:r>
+            <a:r>
+              <a:rPr lang="pt-BR" noProof="0" dirty="0" smtClean="0"/>
+              <a:t> Security</a:t>
+            </a:r>
+          </a:p>
+          <a:p>
+            <a:r>
+              <a:rPr lang="pt-BR" b="1" noProof="0" dirty="0" smtClean="0"/>
+              <a:t>Validações</a:t>
+            </a:r>
+          </a:p>
+          <a:p>
+            <a:pPr lvl="1"/>
+            <a:r>
+              <a:rPr lang="pt-BR" noProof="0" dirty="0" err="1" smtClean="0"/>
+              <a:t>Fluent</a:t>
+            </a:r>
+            <a:r>
+              <a:rPr lang="pt-BR" noProof="0" dirty="0" smtClean="0"/>
               <a:t> </a:t>
             </a:r>
             <a:r>
-              <a:rPr lang="en-US" dirty="0" err="1" smtClean="0"/>
-              <a:t>Elmah</a:t>
-            </a:r>
-            <a:endParaRPr lang="en-US" dirty="0" smtClean="0"/>
-          </a:p>
-          <a:p>
-            <a:r>
-              <a:rPr lang="en-US" b="1" dirty="0" err="1" smtClean="0"/>
-              <a:t>Segurança</a:t>
-            </a:r>
-            <a:endParaRPr lang="en-US" b="1" dirty="0" smtClean="0"/>
+              <a:rPr lang="pt-BR" noProof="0" dirty="0" err="1" smtClean="0"/>
+              <a:t>Validation</a:t>
+            </a:r>
+            <a:endParaRPr lang="pt-BR" noProof="0" dirty="0" smtClean="0"/>
+          </a:p>
+          <a:p>
+            <a:r>
+              <a:rPr lang="pt-BR" noProof="0" dirty="0" err="1" smtClean="0"/>
+              <a:t>Flurl</a:t>
+            </a:r>
+            <a:endParaRPr lang="pt-BR" noProof="0" dirty="0" smtClean="0"/>
+          </a:p>
+          <a:p>
+            <a:r>
+              <a:rPr lang="pt-BR" b="1" noProof="0" dirty="0" smtClean="0"/>
+              <a:t>Acesso a dados: </a:t>
+            </a:r>
+            <a:r>
+              <a:rPr lang="pt-BR" b="1" noProof="0" dirty="0" err="1" smtClean="0"/>
+              <a:t>ORMs</a:t>
+            </a:r>
+            <a:endParaRPr lang="pt-BR" b="1" noProof="0" dirty="0" smtClean="0"/>
           </a:p>
           <a:p>
             <a:pPr lvl="1"/>
             <a:r>
-              <a:rPr lang="en-US" dirty="0" smtClean="0"/>
-              <a:t>Fluent Security</a:t>
-            </a:r>
-          </a:p>
-          <a:p>
-            <a:r>
-              <a:rPr lang="en-US" b="1" dirty="0" err="1" smtClean="0"/>
-              <a:t>Validações</a:t>
-            </a:r>
-            <a:endParaRPr lang="en-US" b="1" dirty="0" smtClean="0"/>
+              <a:rPr lang="pt-BR" noProof="0" dirty="0" err="1" smtClean="0"/>
+              <a:t>Entity</a:t>
+            </a:r>
+            <a:r>
+              <a:rPr lang="pt-BR" noProof="0" dirty="0" smtClean="0"/>
+              <a:t> Framework</a:t>
+            </a:r>
           </a:p>
           <a:p>
             <a:pPr lvl="1"/>
             <a:r>
-              <a:rPr lang="en-US" dirty="0" smtClean="0"/>
-              <a:t>Fluent Validation</a:t>
-            </a:r>
-          </a:p>
-          <a:p>
-            <a:r>
-              <a:rPr lang="en-US" dirty="0" err="1" smtClean="0"/>
-              <a:t>Flurl</a:t>
-            </a:r>
-            <a:endParaRPr lang="en-US" dirty="0" smtClean="0"/>
-          </a:p>
-          <a:p>
-            <a:r>
-              <a:rPr lang="en-US" b="1" dirty="0" err="1" smtClean="0"/>
-              <a:t>Acesso</a:t>
-            </a:r>
-            <a:r>
-              <a:rPr lang="en-US" b="1" dirty="0" smtClean="0"/>
-              <a:t> a dados: ORMs</a:t>
-            </a:r>
+              <a:rPr lang="pt-BR" noProof="0" dirty="0" err="1" smtClean="0"/>
+              <a:t>Nhibernate</a:t>
+            </a:r>
+            <a:endParaRPr lang="pt-BR" noProof="0" dirty="0" smtClean="0"/>
           </a:p>
           <a:p>
             <a:pPr lvl="1"/>
             <a:r>
-              <a:rPr lang="en-US" dirty="0" smtClean="0"/>
-              <a:t>Entity Framework</a:t>
-            </a:r>
-          </a:p>
-          <a:p>
-            <a:pPr lvl="1"/>
-            <a:r>
-              <a:rPr lang="en-US" dirty="0" err="1" smtClean="0"/>
-              <a:t>Nhibernate</a:t>
-            </a:r>
-            <a:endParaRPr lang="en-US" dirty="0" smtClean="0"/>
-          </a:p>
-          <a:p>
-            <a:pPr lvl="1"/>
-            <a:r>
-              <a:rPr lang="en-US" dirty="0" smtClean="0"/>
-              <a:t>Micro ORMs</a:t>
-            </a:r>
+              <a:rPr lang="pt-BR" noProof="0" dirty="0" smtClean="0"/>
+              <a:t>Micro </a:t>
+            </a:r>
+            <a:r>
+              <a:rPr lang="pt-BR" noProof="0" dirty="0" err="1" smtClean="0"/>
+              <a:t>ORMs</a:t>
+            </a:r>
+            <a:endParaRPr lang="pt-BR" noProof="0" dirty="0" smtClean="0"/>
           </a:p>
           <a:p>
             <a:pPr lvl="2"/>
             <a:r>
-              <a:rPr lang="en-US" dirty="0"/>
+              <a:rPr lang="pt-BR" noProof="0" dirty="0" err="1" smtClean="0"/>
               <a:t>Dapper</a:t>
             </a:r>
+            <a:endParaRPr lang="pt-BR" noProof="0" dirty="0" smtClean="0"/>
           </a:p>
           <a:p>
             <a:pPr lvl="2"/>
             <a:r>
-              <a:rPr lang="en-US" dirty="0" err="1" smtClean="0"/>
+              <a:rPr lang="pt-BR" noProof="0" dirty="0" err="1" smtClean="0"/>
               <a:t>PetaPoco</a:t>
             </a:r>
-            <a:endParaRPr lang="en-US" dirty="0"/>
+            <a:endParaRPr lang="pt-BR" noProof="0" dirty="0" smtClean="0"/>
           </a:p>
           <a:p>
             <a:pPr lvl="2"/>
             <a:r>
-              <a:rPr lang="en-US" dirty="0" err="1" smtClean="0"/>
+              <a:rPr lang="pt-BR" noProof="0" dirty="0" err="1" smtClean="0"/>
               <a:t>OrmLite</a:t>
             </a:r>
-            <a:endParaRPr lang="en-US" dirty="0" smtClean="0"/>
+            <a:endParaRPr lang="pt-BR" noProof="0" dirty="0" smtClean="0"/>
           </a:p>
         </p:txBody>
       </p:sp>
@@ -21737,14 +21472,10 @@
           <a:lstStyle/>
           <a:p>
             <a:r>
-              <a:rPr lang="en-US" dirty="0" err="1" smtClean="0"/>
-              <a:t>Futuro</a:t>
-            </a:r>
-            <a:r>
-              <a:rPr lang="en-US" dirty="0" smtClean="0"/>
-              <a:t> do ASP.NET</a:t>
-            </a:r>
-            <a:endParaRPr lang="en-US" dirty="0"/>
+              <a:rPr lang="pt-BR" noProof="0" dirty="0" smtClean="0"/>
+              <a:t>Futuro do ASP.NET</a:t>
+            </a:r>
+            <a:endParaRPr lang="pt-BR" noProof="0" dirty="0"/>
           </a:p>
         </p:txBody>
       </p:sp>
@@ -21771,200 +21502,114 @@
           <a:lstStyle/>
           <a:p>
             <a:r>
-              <a:rPr lang="en-US" sz="2400" dirty="0" smtClean="0"/>
-              <a:t>ASP.NET 5 </a:t>
-            </a:r>
-            <a:r>
-              <a:rPr lang="en-US" sz="2400" dirty="0" err="1" smtClean="0"/>
-              <a:t>será</a:t>
-            </a:r>
-            <a:r>
-              <a:rPr lang="en-US" sz="2400" dirty="0" smtClean="0"/>
+              <a:rPr lang="pt-BR" sz="2400" noProof="0" dirty="0" smtClean="0"/>
+              <a:t>ASP.NET 5 será </a:t>
+            </a:r>
+            <a:r>
+              <a:rPr lang="pt-BR" sz="2400" noProof="0" dirty="0" err="1" smtClean="0"/>
+              <a:t>multiplataforma</a:t>
+            </a:r>
+            <a:endParaRPr lang="pt-BR" sz="2400" noProof="0" dirty="0" smtClean="0"/>
+          </a:p>
+          <a:p>
+            <a:r>
+              <a:rPr lang="pt-BR" sz="2400" noProof="0" dirty="0" smtClean="0"/>
+              <a:t>Novo compilador (</a:t>
+            </a:r>
+            <a:r>
+              <a:rPr lang="pt-BR" sz="2400" noProof="0" dirty="0" err="1" smtClean="0"/>
+              <a:t>Roslyn</a:t>
+            </a:r>
+            <a:r>
+              <a:rPr lang="pt-BR" sz="2400" noProof="0" dirty="0" smtClean="0"/>
+              <a:t>)</a:t>
+            </a:r>
+          </a:p>
+          <a:p>
+            <a:r>
+              <a:rPr lang="pt-BR" sz="2400" noProof="0" dirty="0" smtClean="0"/>
+              <a:t>Divisão de responsabilidade entre os gerenciadores de pacotes</a:t>
+            </a:r>
+          </a:p>
+          <a:p>
+            <a:pPr lvl="1"/>
+            <a:r>
+              <a:rPr lang="pt-BR" sz="2000" noProof="0" dirty="0" err="1" smtClean="0"/>
+              <a:t>Nuget</a:t>
+            </a:r>
+            <a:r>
+              <a:rPr lang="pt-BR" sz="2000" noProof="0" dirty="0" smtClean="0"/>
+              <a:t>: Server-</a:t>
+            </a:r>
+            <a:r>
+              <a:rPr lang="pt-BR" sz="2000" noProof="0" dirty="0" err="1" smtClean="0"/>
+              <a:t>side</a:t>
+            </a:r>
+            <a:endParaRPr lang="pt-BR" sz="2000" noProof="0" dirty="0" smtClean="0"/>
+          </a:p>
+          <a:p>
+            <a:pPr lvl="1"/>
+            <a:r>
+              <a:rPr lang="pt-BR" sz="2000" noProof="0" dirty="0" err="1" smtClean="0"/>
+              <a:t>Bower</a:t>
+            </a:r>
+            <a:r>
+              <a:rPr lang="pt-BR" sz="2000" noProof="0" dirty="0" smtClean="0"/>
+              <a:t>: </a:t>
+            </a:r>
+            <a:r>
+              <a:rPr lang="pt-BR" sz="2000" noProof="0" dirty="0" err="1" smtClean="0"/>
+              <a:t>Client-side</a:t>
+            </a:r>
+            <a:endParaRPr lang="pt-BR" sz="2000" noProof="0" dirty="0" smtClean="0"/>
+          </a:p>
+          <a:p>
+            <a:r>
+              <a:rPr lang="pt-BR" sz="2400" noProof="0" dirty="0" smtClean="0"/>
+              <a:t>System.Web.dll não estará mais disponível.</a:t>
+            </a:r>
+          </a:p>
+          <a:p>
+            <a:r>
+              <a:rPr lang="pt-BR" sz="2400" noProof="0" dirty="0" smtClean="0"/>
+              <a:t>Compilação dinâmica</a:t>
+            </a:r>
+          </a:p>
+          <a:p>
+            <a:r>
+              <a:rPr lang="pt-BR" sz="2400" noProof="0" dirty="0" smtClean="0"/>
+              <a:t>Arquivos de configurações serão baseados em JSON</a:t>
+            </a:r>
+          </a:p>
+          <a:p>
+            <a:r>
+              <a:rPr lang="pt-BR" sz="2400" noProof="0" dirty="0" err="1" smtClean="0"/>
+              <a:t>View</a:t>
+            </a:r>
+            <a:r>
+              <a:rPr lang="pt-BR" sz="2400" noProof="0" dirty="0" smtClean="0"/>
               <a:t> </a:t>
             </a:r>
             <a:r>
-              <a:rPr lang="en-US" sz="2400" dirty="0" err="1" smtClean="0"/>
-              <a:t>multiplataforma</a:t>
-            </a:r>
-            <a:endParaRPr lang="en-US" sz="2400" dirty="0" smtClean="0"/>
-          </a:p>
-          <a:p>
-            <a:r>
-              <a:rPr lang="en-US" sz="2400" dirty="0" smtClean="0"/>
-              <a:t>Novo </a:t>
-            </a:r>
-            <a:r>
-              <a:rPr lang="en-US" sz="2400" dirty="0" err="1" smtClean="0"/>
-              <a:t>compilador</a:t>
-            </a:r>
-            <a:r>
-              <a:rPr lang="en-US" sz="2400" dirty="0" smtClean="0"/>
-              <a:t> (Roslyn)</a:t>
-            </a:r>
-          </a:p>
-          <a:p>
-            <a:r>
-              <a:rPr lang="en-US" sz="2400" dirty="0" err="1" smtClean="0"/>
-              <a:t>Divisão</a:t>
-            </a:r>
-            <a:r>
-              <a:rPr lang="en-US" sz="2400" dirty="0" smtClean="0"/>
-              <a:t> de </a:t>
-            </a:r>
-            <a:r>
-              <a:rPr lang="en-US" sz="2400" dirty="0" err="1" smtClean="0"/>
-              <a:t>responsabilidade</a:t>
-            </a:r>
-            <a:r>
-              <a:rPr lang="en-US" sz="2400" dirty="0" smtClean="0"/>
-              <a:t> entre </a:t>
-            </a:r>
-            <a:r>
-              <a:rPr lang="en-US" sz="2400" dirty="0" err="1" smtClean="0"/>
-              <a:t>os</a:t>
-            </a:r>
-            <a:r>
-              <a:rPr lang="en-US" sz="2400" dirty="0" smtClean="0"/>
+              <a:rPr lang="pt-BR" sz="2400" noProof="0" dirty="0" err="1" smtClean="0"/>
+              <a:t>Components</a:t>
+            </a:r>
+            <a:endParaRPr lang="pt-BR" sz="2400" noProof="0" dirty="0" smtClean="0"/>
+          </a:p>
+          <a:p>
+            <a:r>
+              <a:rPr lang="pt-BR" sz="2400" noProof="0" dirty="0" err="1" smtClean="0"/>
+              <a:t>Tag</a:t>
+            </a:r>
+            <a:r>
+              <a:rPr lang="pt-BR" sz="2400" noProof="0" dirty="0" smtClean="0"/>
               <a:t> </a:t>
             </a:r>
             <a:r>
-              <a:rPr lang="en-US" sz="2400" dirty="0" err="1" smtClean="0"/>
-              <a:t>gerenciadores</a:t>
-            </a:r>
-            <a:r>
-              <a:rPr lang="en-US" sz="2400" dirty="0" smtClean="0"/>
-              <a:t> de </a:t>
-            </a:r>
-            <a:r>
-              <a:rPr lang="en-US" sz="2400" dirty="0" err="1" smtClean="0"/>
-              <a:t>pacotes</a:t>
-            </a:r>
-            <a:endParaRPr lang="en-US" sz="2400" dirty="0" smtClean="0"/>
-          </a:p>
-          <a:p>
-            <a:pPr lvl="1"/>
-            <a:r>
-              <a:rPr lang="en-US" sz="2000" dirty="0" err="1" smtClean="0"/>
-              <a:t>Nuget</a:t>
-            </a:r>
-            <a:r>
-              <a:rPr lang="en-US" sz="2000" dirty="0" smtClean="0"/>
-              <a:t>: Server-side</a:t>
-            </a:r>
-          </a:p>
-          <a:p>
-            <a:pPr lvl="1"/>
-            <a:r>
-              <a:rPr lang="en-US" sz="2000" dirty="0" smtClean="0"/>
-              <a:t>Bower: Client-side</a:t>
-            </a:r>
-          </a:p>
-          <a:p>
-            <a:r>
-              <a:rPr lang="en-US" sz="2400" dirty="0" smtClean="0"/>
-              <a:t>System.Web.dll </a:t>
-            </a:r>
-            <a:r>
-              <a:rPr lang="en-US" sz="2400" dirty="0" err="1" smtClean="0"/>
-              <a:t>não</a:t>
-            </a:r>
-            <a:r>
-              <a:rPr lang="en-US" sz="2400" dirty="0" smtClean="0"/>
-              <a:t> </a:t>
-            </a:r>
-            <a:r>
-              <a:rPr lang="en-US" sz="2400" dirty="0" err="1" smtClean="0"/>
-              <a:t>estará</a:t>
-            </a:r>
-            <a:r>
-              <a:rPr lang="en-US" sz="2400" dirty="0" smtClean="0"/>
-              <a:t> </a:t>
-            </a:r>
-            <a:r>
-              <a:rPr lang="en-US" sz="2400" dirty="0" err="1" smtClean="0"/>
-              <a:t>mais</a:t>
-            </a:r>
-            <a:r>
-              <a:rPr lang="en-US" sz="2400" dirty="0" smtClean="0"/>
-              <a:t> </a:t>
-            </a:r>
-            <a:r>
-              <a:rPr lang="en-US" sz="2400" dirty="0" err="1" smtClean="0"/>
-              <a:t>disponível</a:t>
-            </a:r>
-            <a:r>
-              <a:rPr lang="en-US" sz="2400" dirty="0" smtClean="0"/>
-              <a:t>.</a:t>
-            </a:r>
-          </a:p>
-          <a:p>
-            <a:r>
-              <a:rPr lang="en-US" sz="2400" dirty="0" err="1" smtClean="0"/>
-              <a:t>Compilação</a:t>
-            </a:r>
-            <a:r>
-              <a:rPr lang="en-US" sz="2400" dirty="0" smtClean="0"/>
-              <a:t> </a:t>
-            </a:r>
-            <a:r>
-              <a:rPr lang="en-US" sz="2400" dirty="0" err="1" smtClean="0"/>
-              <a:t>dinâmica</a:t>
-            </a:r>
-            <a:endParaRPr lang="en-US" sz="2400" dirty="0" smtClean="0"/>
-          </a:p>
-          <a:p>
-            <a:r>
-              <a:rPr lang="en-US" sz="2400" dirty="0" err="1" smtClean="0"/>
-              <a:t>Arquivos</a:t>
-            </a:r>
-            <a:r>
-              <a:rPr lang="en-US" sz="2400" dirty="0" smtClean="0"/>
-              <a:t> de </a:t>
-            </a:r>
-            <a:r>
-              <a:rPr lang="en-US" sz="2400" dirty="0" err="1" smtClean="0"/>
-              <a:t>configurações</a:t>
-            </a:r>
-            <a:r>
-              <a:rPr lang="en-US" sz="2400" dirty="0" smtClean="0"/>
-              <a:t> </a:t>
-            </a:r>
-            <a:r>
-              <a:rPr lang="en-US" sz="2400" dirty="0" err="1" smtClean="0"/>
-              <a:t>serão</a:t>
-            </a:r>
-            <a:r>
-              <a:rPr lang="en-US" sz="2400" dirty="0" smtClean="0"/>
-              <a:t> </a:t>
-            </a:r>
-            <a:r>
-              <a:rPr lang="en-US" sz="2400" dirty="0" err="1" smtClean="0"/>
-              <a:t>baseados</a:t>
-            </a:r>
-            <a:r>
-              <a:rPr lang="en-US" sz="2400" dirty="0" smtClean="0"/>
-              <a:t> </a:t>
-            </a:r>
-            <a:r>
-              <a:rPr lang="en-US" sz="2400" dirty="0" err="1" smtClean="0"/>
-              <a:t>em</a:t>
-            </a:r>
-            <a:r>
-              <a:rPr lang="en-US" sz="2400" dirty="0" smtClean="0"/>
-              <a:t> JSON</a:t>
-            </a:r>
-          </a:p>
-          <a:p>
-            <a:r>
-              <a:rPr lang="en-US" sz="2400" dirty="0" smtClean="0"/>
-              <a:t>View Components</a:t>
-            </a:r>
-          </a:p>
-          <a:p>
-            <a:r>
-              <a:rPr lang="en-US" sz="2400" dirty="0" smtClean="0"/>
-              <a:t>Tag Helpers</a:t>
-            </a:r>
+              <a:rPr lang="pt-BR" sz="2400" noProof="0" dirty="0" err="1" smtClean="0"/>
+              <a:t>Helpers</a:t>
+            </a:r>
+            <a:endParaRPr lang="pt-BR" sz="2400" noProof="0" dirty="0" smtClean="0"/>
           </a:p>
         </p:txBody>
       </p:sp>
@@ -22026,13 +21671,10 @@
           <a:lstStyle/>
           <a:p>
             <a:r>
-              <a:rPr lang="en-US" dirty="0" err="1" smtClean="0"/>
-              <a:t>Perguntas</a:t>
-            </a:r>
-            <a:r>
-              <a:rPr lang="en-US" dirty="0"/>
-              <a:t>?</a:t>
-            </a:r>
+              <a:rPr lang="pt-BR" noProof="0" dirty="0" smtClean="0"/>
+              <a:t>Perguntas?</a:t>
+            </a:r>
+            <a:endParaRPr lang="pt-BR" noProof="0" dirty="0"/>
           </a:p>
         </p:txBody>
       </p:sp>
@@ -22094,14 +21736,10 @@
           <a:lstStyle/>
           <a:p>
             <a:r>
-              <a:rPr lang="en-US" dirty="0" err="1" smtClean="0"/>
-              <a:t>Plataforma</a:t>
-            </a:r>
-            <a:r>
-              <a:rPr lang="en-US" dirty="0" smtClean="0"/>
-              <a:t> ASP.NET</a:t>
-            </a:r>
-            <a:endParaRPr lang="en-US" dirty="0"/>
+              <a:rPr lang="pt-BR" noProof="0" dirty="0" smtClean="0"/>
+              <a:t>Plataforma ASP.NET</a:t>
+            </a:r>
+            <a:endParaRPr lang="pt-BR" noProof="0" dirty="0"/>
           </a:p>
         </p:txBody>
       </p:sp>
@@ -22955,14 +22593,10 @@
           <a:p>
             <a:pPr algn="ctr"/>
             <a:r>
-              <a:rPr lang="en-US" dirty="0" err="1" smtClean="0"/>
-              <a:t>Estrutura</a:t>
-            </a:r>
-            <a:r>
-              <a:rPr lang="en-US" dirty="0" smtClean="0"/>
-              <a:t> do ASP.NET Core</a:t>
-            </a:r>
-            <a:endParaRPr lang="en-US" dirty="0"/>
+              <a:rPr lang="pt-BR" noProof="0" dirty="0" smtClean="0"/>
+              <a:t>Estrutura do ASP.NET Core</a:t>
+            </a:r>
+            <a:endParaRPr lang="pt-BR" noProof="0" dirty="0"/>
           </a:p>
         </p:txBody>
       </p:sp>
@@ -24311,10 +23945,26 @@
           <a:lstStyle/>
           <a:p>
             <a:r>
-              <a:rPr lang="en-US" dirty="0" smtClean="0"/>
-              <a:t>Component vs Request</a:t>
-            </a:r>
-            <a:endParaRPr lang="en-US" dirty="0"/>
+              <a:rPr lang="pt-BR" noProof="0" dirty="0" err="1" smtClean="0"/>
+              <a:t>Component</a:t>
+            </a:r>
+            <a:r>
+              <a:rPr lang="pt-BR" noProof="0" dirty="0" smtClean="0"/>
+              <a:t> </a:t>
+            </a:r>
+            <a:r>
+              <a:rPr lang="pt-BR" noProof="0" dirty="0" err="1" smtClean="0"/>
+              <a:t>vs</a:t>
+            </a:r>
+            <a:r>
+              <a:rPr lang="pt-BR" noProof="0" dirty="0" smtClean="0"/>
+              <a:t> </a:t>
+            </a:r>
+            <a:r>
+              <a:rPr lang="pt-BR" noProof="0" dirty="0" err="1" smtClean="0"/>
+              <a:t>Request</a:t>
+            </a:r>
+            <a:endParaRPr lang="pt-BR" noProof="0" dirty="0"/>
           </a:p>
         </p:txBody>
       </p:sp>
@@ -24326,7 +23976,11 @@
           </p:cNvGraphicFramePr>
           <p:nvPr>
             <p:ph idx="1"/>
-            <p:extLst/>
+            <p:extLst>
+              <p:ext uri="{D42A27DB-BD31-4B8C-83A1-F6EECF244321}">
+                <p14:modId xmlns:p14="http://schemas.microsoft.com/office/powerpoint/2010/main" val="666147468"/>
+              </p:ext>
+            </p:extLst>
           </p:nvPr>
         </p:nvGraphicFramePr>
         <p:xfrm>
@@ -24511,12 +24165,30 @@
                     <a:p>
                       <a:pPr algn="l" fontAlgn="t"/>
                       <a:r>
-                        <a:rPr lang="en-US" sz="1600" u="none" strike="noStrike">
+                        <a:rPr lang="en-US" sz="1600" u="none" strike="noStrike" dirty="0" err="1">
                           <a:effectLst/>
                         </a:rPr>
-                        <a:t>Mantida (ex: ViewState)</a:t>
+                        <a:t>Mantida</a:t>
                       </a:r>
-                      <a:endParaRPr lang="en-US" sz="1600" b="0" i="0" u="none" strike="noStrike">
+                      <a:r>
+                        <a:rPr lang="en-US" sz="1600" u="none" strike="noStrike" dirty="0">
+                          <a:effectLst/>
+                        </a:rPr>
+                        <a:t> (ex: </a:t>
+                      </a:r>
+                      <a:r>
+                        <a:rPr lang="en-US" sz="1600" u="none" strike="noStrike" dirty="0" err="1">
+                          <a:effectLst/>
+                        </a:rPr>
+                        <a:t>ViewState</a:t>
+                      </a:r>
+                      <a:r>
+                        <a:rPr lang="en-US" sz="1600" u="none" strike="noStrike" dirty="0">
+                          <a:effectLst/>
+                        </a:rPr>
+                        <a:t>)</a:t>
+                      </a:r>
+                      <a:endParaRPr lang="en-US" sz="1600" b="0" i="0" u="none" strike="noStrike" dirty="0">
                         <a:solidFill>
                           <a:srgbClr val="000000"/>
                         </a:solidFill>
@@ -24730,16 +24402,22 @@
                     <a:p>
                       <a:pPr algn="l" fontAlgn="t"/>
                       <a:r>
-                        <a:rPr lang="en-US" sz="1600" u="none" strike="noStrike" dirty="0" err="1">
+                        <a:rPr lang="en-US" sz="1600" u="none" strike="noStrike" dirty="0" err="1" smtClean="0">
                           <a:effectLst/>
                         </a:rPr>
-                        <a:t>Reponsabilidade</a:t>
+                        <a:t>Responsabilidade</a:t>
+                      </a:r>
+                      <a:r>
+                        <a:rPr lang="en-US" sz="1600" u="none" strike="noStrike" dirty="0" smtClean="0">
+                          <a:effectLst/>
+                        </a:rPr>
+                        <a:t> </a:t>
                       </a:r>
                       <a:r>
                         <a:rPr lang="en-US" sz="1600" u="none" strike="noStrike" dirty="0">
                           <a:effectLst/>
                         </a:rPr>
-                        <a:t> do </a:t>
+                        <a:t>do </a:t>
                       </a:r>
                       <a:r>
                         <a:rPr lang="en-US" sz="1600" u="none" strike="noStrike" dirty="0" err="1">
@@ -24910,14 +24588,18 @@
           <a:lstStyle/>
           <a:p>
             <a:r>
-              <a:rPr lang="en-US" sz="3600" dirty="0" err="1" smtClean="0"/>
+              <a:rPr lang="pt-BR" sz="3600" noProof="0" dirty="0" err="1" smtClean="0"/>
               <a:t>Asp.Net</a:t>
             </a:r>
             <a:r>
-              <a:rPr lang="en-US" sz="3600" dirty="0" smtClean="0"/>
-              <a:t> Web Forms</a:t>
-            </a:r>
-            <a:endParaRPr lang="en-US" sz="3600" dirty="0"/>
+              <a:rPr lang="pt-BR" sz="3600" noProof="0" dirty="0" smtClean="0"/>
+              <a:t> Web </a:t>
+            </a:r>
+            <a:r>
+              <a:rPr lang="pt-BR" sz="3600" noProof="0" dirty="0" err="1" smtClean="0"/>
+              <a:t>Forms</a:t>
+            </a:r>
+            <a:endParaRPr lang="pt-BR" sz="3600" noProof="0" dirty="0"/>
           </a:p>
         </p:txBody>
       </p:sp>
@@ -24991,10 +24673,18 @@
           <a:lstStyle/>
           <a:p>
             <a:r>
-              <a:rPr lang="en-US" dirty="0" smtClean="0"/>
-              <a:t>Component Based</a:t>
-            </a:r>
-            <a:endParaRPr lang="en-US" dirty="0"/>
+              <a:rPr lang="pt-BR" noProof="0" dirty="0" err="1" smtClean="0"/>
+              <a:t>Component</a:t>
+            </a:r>
+            <a:r>
+              <a:rPr lang="pt-BR" noProof="0" dirty="0" smtClean="0"/>
+              <a:t> </a:t>
+            </a:r>
+            <a:r>
+              <a:rPr lang="pt-BR" noProof="0" dirty="0" err="1" smtClean="0"/>
+              <a:t>Based</a:t>
+            </a:r>
+            <a:endParaRPr lang="pt-BR" noProof="0" dirty="0"/>
           </a:p>
         </p:txBody>
       </p:sp>

--- a/Presentation/AspNetMvc.pptx
+++ b/Presentation/AspNetMvc.pptx
@@ -17,7 +17,7 @@
     <p:sldId id="295" r:id="rId11"/>
     <p:sldId id="296" r:id="rId12"/>
     <p:sldId id="297" r:id="rId13"/>
-    <p:sldId id="261" r:id="rId14"/>
+    <p:sldId id="308" r:id="rId14"/>
     <p:sldId id="305" r:id="rId15"/>
     <p:sldId id="278" r:id="rId16"/>
     <p:sldId id="304" r:id="rId17"/>
@@ -1506,700 +1506,6 @@
       <dsp:cNvGrpSpPr/>
     </dsp:nvGrpSpPr>
     <dsp:grpSpPr/>
-    <dsp:sp modelId="{C86777CB-B33D-4C8A-9511-C3D973658E12}">
-      <dsp:nvSpPr>
-        <dsp:cNvPr id="0" name=""/>
-        <dsp:cNvSpPr/>
-      </dsp:nvSpPr>
-      <dsp:spPr>
-        <a:xfrm>
-          <a:off x="-17" y="0"/>
-          <a:ext cx="7858794" cy="4502183"/>
-        </a:xfrm>
-        <a:prstGeom prst="swooshArrow">
-          <a:avLst>
-            <a:gd name="adj1" fmla="val 25000"/>
-            <a:gd name="adj2" fmla="val 25000"/>
-          </a:avLst>
-        </a:prstGeom>
-        <a:solidFill>
-          <a:schemeClr val="bg2">
-            <a:lumMod val="40000"/>
-            <a:lumOff val="60000"/>
-          </a:schemeClr>
-        </a:solidFill>
-        <a:ln>
-          <a:noFill/>
-        </a:ln>
-        <a:effectLst/>
-      </dsp:spPr>
-      <dsp:style>
-        <a:lnRef idx="0">
-          <a:scrgbClr r="0" g="0" b="0"/>
-        </a:lnRef>
-        <a:fillRef idx="1">
-          <a:scrgbClr r="0" g="0" b="0"/>
-        </a:fillRef>
-        <a:effectRef idx="1">
-          <a:scrgbClr r="0" g="0" b="0"/>
-        </a:effectRef>
-        <a:fontRef idx="minor"/>
-      </dsp:style>
-    </dsp:sp>
-    <dsp:sp modelId="{368BC525-FAD0-44BA-A568-518BDEDA1A3A}">
-      <dsp:nvSpPr>
-        <dsp:cNvPr id="0" name=""/>
-        <dsp:cNvSpPr/>
-      </dsp:nvSpPr>
-      <dsp:spPr>
-        <a:xfrm>
-          <a:off x="866594" y="3306951"/>
-          <a:ext cx="165680" cy="165680"/>
-        </a:xfrm>
-        <a:prstGeom prst="ellipse">
-          <a:avLst/>
-        </a:prstGeom>
-        <a:gradFill rotWithShape="1">
-          <a:gsLst>
-            <a:gs pos="0">
-              <a:schemeClr val="accent1">
-                <a:tint val="98000"/>
-                <a:lumMod val="114000"/>
-              </a:schemeClr>
-            </a:gs>
-            <a:gs pos="100000">
-              <a:schemeClr val="accent1">
-                <a:shade val="90000"/>
-                <a:lumMod val="84000"/>
-              </a:schemeClr>
-            </a:gs>
-          </a:gsLst>
-          <a:lin ang="5400000" scaled="0"/>
-        </a:gradFill>
-        <a:ln w="9525" cap="rnd" cmpd="sng" algn="ctr">
-          <a:solidFill>
-            <a:schemeClr val="accent1"/>
-          </a:solidFill>
-          <a:prstDash val="solid"/>
-        </a:ln>
-        <a:effectLst>
-          <a:outerShdw blurRad="38100" dist="25400" dir="5400000" rotWithShape="0">
-            <a:srgbClr val="000000">
-              <a:alpha val="45000"/>
-            </a:srgbClr>
-          </a:outerShdw>
-        </a:effectLst>
-        <a:scene3d>
-          <a:camera prst="orthographicFront"/>
-          <a:lightRig rig="flat" dir="t"/>
-        </a:scene3d>
-        <a:sp3d/>
-      </dsp:spPr>
-      <dsp:style>
-        <a:lnRef idx="1">
-          <a:schemeClr val="accent1"/>
-        </a:lnRef>
-        <a:fillRef idx="3">
-          <a:schemeClr val="accent1"/>
-        </a:fillRef>
-        <a:effectRef idx="2">
-          <a:schemeClr val="accent1"/>
-        </a:effectRef>
-        <a:fontRef idx="minor">
-          <a:schemeClr val="lt1"/>
-        </a:fontRef>
-      </dsp:style>
-    </dsp:sp>
-    <dsp:sp modelId="{7CB05DE3-CF21-4A41-A117-C2056143086F}">
-      <dsp:nvSpPr>
-        <dsp:cNvPr id="0" name=""/>
-        <dsp:cNvSpPr/>
-      </dsp:nvSpPr>
-      <dsp:spPr>
-        <a:xfrm>
-          <a:off x="750141" y="3531054"/>
-          <a:ext cx="1471671" cy="721325"/>
-        </a:xfrm>
-        <a:prstGeom prst="rect">
-          <a:avLst/>
-        </a:prstGeom>
-        <a:noFill/>
-        <a:ln>
-          <a:noFill/>
-        </a:ln>
-        <a:effectLst/>
-      </dsp:spPr>
-      <dsp:style>
-        <a:lnRef idx="0">
-          <a:scrgbClr r="0" g="0" b="0"/>
-        </a:lnRef>
-        <a:fillRef idx="0">
-          <a:scrgbClr r="0" g="0" b="0"/>
-        </a:fillRef>
-        <a:effectRef idx="0">
-          <a:scrgbClr r="0" g="0" b="0"/>
-        </a:effectRef>
-        <a:fontRef idx="minor"/>
-      </dsp:style>
-      <dsp:txBody>
-        <a:bodyPr spcFirstLastPara="0" vert="horz" wrap="square" lIns="87791" tIns="0" rIns="0" bIns="0" numCol="1" spcCol="1270" anchor="t" anchorCtr="0">
-          <a:noAutofit/>
-        </a:bodyPr>
-        <a:lstStyle/>
-        <a:p>
-          <a:pPr lvl="0" algn="l" defTabSz="800100">
-            <a:lnSpc>
-              <a:spcPct val="90000"/>
-            </a:lnSpc>
-            <a:spcBef>
-              <a:spcPct val="0"/>
-            </a:spcBef>
-            <a:spcAft>
-              <a:spcPct val="35000"/>
-            </a:spcAft>
-          </a:pPr>
-          <a:r>
-            <a:rPr lang="en-US" sz="1800" kern="1200" dirty="0" smtClean="0"/>
-            <a:t>ASP.NET 1.1</a:t>
-          </a:r>
-          <a:br>
-            <a:rPr lang="en-US" sz="1800" kern="1200" dirty="0" smtClean="0"/>
-          </a:br>
-          <a:r>
-            <a:rPr lang="en-US" sz="1800" kern="1200" dirty="0" smtClean="0"/>
-            <a:t>N/A</a:t>
-          </a:r>
-          <a:endParaRPr lang="en-US" sz="1800" kern="1200" dirty="0"/>
-        </a:p>
-      </dsp:txBody>
-      <dsp:txXfrm>
-        <a:off x="750141" y="3531054"/>
-        <a:ext cx="1471671" cy="721325"/>
-      </dsp:txXfrm>
-    </dsp:sp>
-    <dsp:sp modelId="{C20D409C-3E0E-401F-A17D-161E2051613C}">
-      <dsp:nvSpPr>
-        <dsp:cNvPr id="0" name=""/>
-        <dsp:cNvSpPr/>
-      </dsp:nvSpPr>
-      <dsp:spPr>
-        <a:xfrm>
-          <a:off x="1934012" y="2486105"/>
-          <a:ext cx="259325" cy="259325"/>
-        </a:xfrm>
-        <a:prstGeom prst="ellipse">
-          <a:avLst/>
-        </a:prstGeom>
-        <a:gradFill rotWithShape="1">
-          <a:gsLst>
-            <a:gs pos="0">
-              <a:schemeClr val="accent1">
-                <a:tint val="98000"/>
-                <a:lumMod val="114000"/>
-              </a:schemeClr>
-            </a:gs>
-            <a:gs pos="100000">
-              <a:schemeClr val="accent1">
-                <a:shade val="90000"/>
-                <a:lumMod val="84000"/>
-              </a:schemeClr>
-            </a:gs>
-          </a:gsLst>
-          <a:lin ang="5400000" scaled="0"/>
-        </a:gradFill>
-        <a:ln w="9525" cap="rnd" cmpd="sng" algn="ctr">
-          <a:solidFill>
-            <a:schemeClr val="accent1"/>
-          </a:solidFill>
-          <a:prstDash val="solid"/>
-        </a:ln>
-        <a:effectLst>
-          <a:outerShdw blurRad="38100" dist="25400" dir="5400000" rotWithShape="0">
-            <a:srgbClr val="000000">
-              <a:alpha val="45000"/>
-            </a:srgbClr>
-          </a:outerShdw>
-        </a:effectLst>
-        <a:scene3d>
-          <a:camera prst="orthographicFront"/>
-          <a:lightRig rig="flat" dir="t"/>
-        </a:scene3d>
-        <a:sp3d/>
-      </dsp:spPr>
-      <dsp:style>
-        <a:lnRef idx="1">
-          <a:schemeClr val="accent1"/>
-        </a:lnRef>
-        <a:fillRef idx="3">
-          <a:schemeClr val="accent1"/>
-        </a:fillRef>
-        <a:effectRef idx="2">
-          <a:schemeClr val="accent1"/>
-        </a:effectRef>
-        <a:fontRef idx="minor">
-          <a:schemeClr val="lt1"/>
-        </a:fontRef>
-      </dsp:style>
-    </dsp:sp>
-    <dsp:sp modelId="{2FAA0972-8FDA-45DF-AEB1-EB1B640F1122}">
-      <dsp:nvSpPr>
-        <dsp:cNvPr id="0" name=""/>
-        <dsp:cNvSpPr/>
-      </dsp:nvSpPr>
-      <dsp:spPr>
-        <a:xfrm>
-          <a:off x="792256" y="1644642"/>
-          <a:ext cx="1642176" cy="840586"/>
-        </a:xfrm>
-        <a:prstGeom prst="rect">
-          <a:avLst/>
-        </a:prstGeom>
-        <a:noFill/>
-        <a:ln>
-          <a:noFill/>
-        </a:ln>
-        <a:effectLst/>
-      </dsp:spPr>
-      <dsp:style>
-        <a:lnRef idx="0">
-          <a:scrgbClr r="0" g="0" b="0"/>
-        </a:lnRef>
-        <a:fillRef idx="0">
-          <a:scrgbClr r="0" g="0" b="0"/>
-        </a:fillRef>
-        <a:effectRef idx="0">
-          <a:scrgbClr r="0" g="0" b="0"/>
-        </a:effectRef>
-        <a:fontRef idx="minor"/>
-      </dsp:style>
-      <dsp:txBody>
-        <a:bodyPr spcFirstLastPara="0" vert="horz" wrap="square" lIns="137411" tIns="0" rIns="0" bIns="0" numCol="1" spcCol="1270" anchor="t" anchorCtr="0">
-          <a:noAutofit/>
-        </a:bodyPr>
-        <a:lstStyle/>
-        <a:p>
-          <a:pPr lvl="0" algn="l" defTabSz="711200">
-            <a:lnSpc>
-              <a:spcPct val="90000"/>
-            </a:lnSpc>
-            <a:spcBef>
-              <a:spcPct val="0"/>
-            </a:spcBef>
-            <a:spcAft>
-              <a:spcPct val="35000"/>
-            </a:spcAft>
-          </a:pPr>
-          <a:r>
-            <a:rPr lang="en-US" sz="1600" kern="1200" dirty="0" smtClean="0"/>
-            <a:t>ASP.NET 2.0</a:t>
-          </a:r>
-          <a:br>
-            <a:rPr lang="en-US" sz="1600" kern="1200" dirty="0" smtClean="0"/>
-          </a:br>
-          <a:r>
-            <a:rPr lang="en-US" sz="1600" kern="1200" dirty="0" smtClean="0"/>
-            <a:t>Membership Provider</a:t>
-          </a:r>
-          <a:endParaRPr lang="en-US" sz="1600" kern="1200" dirty="0"/>
-        </a:p>
-      </dsp:txBody>
-      <dsp:txXfrm>
-        <a:off x="792256" y="1644642"/>
-        <a:ext cx="1642176" cy="840586"/>
-      </dsp:txXfrm>
-    </dsp:sp>
-    <dsp:sp modelId="{6FBDA9B7-E5D0-4D62-BCF4-19D60FA04F50}">
-      <dsp:nvSpPr>
-        <dsp:cNvPr id="0" name=""/>
-        <dsp:cNvSpPr/>
-      </dsp:nvSpPr>
-      <dsp:spPr>
-        <a:xfrm>
-          <a:off x="3086571" y="1799072"/>
-          <a:ext cx="345767" cy="345767"/>
-        </a:xfrm>
-        <a:prstGeom prst="ellipse">
-          <a:avLst/>
-        </a:prstGeom>
-        <a:gradFill rotWithShape="1">
-          <a:gsLst>
-            <a:gs pos="0">
-              <a:schemeClr val="accent1">
-                <a:tint val="98000"/>
-                <a:lumMod val="114000"/>
-              </a:schemeClr>
-            </a:gs>
-            <a:gs pos="100000">
-              <a:schemeClr val="accent1">
-                <a:shade val="90000"/>
-                <a:lumMod val="84000"/>
-              </a:schemeClr>
-            </a:gs>
-          </a:gsLst>
-          <a:lin ang="5400000" scaled="0"/>
-        </a:gradFill>
-        <a:ln w="9525" cap="rnd" cmpd="sng" algn="ctr">
-          <a:solidFill>
-            <a:schemeClr val="accent1"/>
-          </a:solidFill>
-          <a:prstDash val="solid"/>
-        </a:ln>
-        <a:effectLst>
-          <a:outerShdw blurRad="38100" dist="25400" dir="5400000" rotWithShape="0">
-            <a:srgbClr val="000000">
-              <a:alpha val="45000"/>
-            </a:srgbClr>
-          </a:outerShdw>
-        </a:effectLst>
-        <a:scene3d>
-          <a:camera prst="orthographicFront"/>
-          <a:lightRig rig="flat" dir="t"/>
-        </a:scene3d>
-        <a:sp3d/>
-      </dsp:spPr>
-      <dsp:style>
-        <a:lnRef idx="1">
-          <a:schemeClr val="accent1"/>
-        </a:lnRef>
-        <a:fillRef idx="3">
-          <a:schemeClr val="accent1"/>
-        </a:fillRef>
-        <a:effectRef idx="2">
-          <a:schemeClr val="accent1"/>
-        </a:effectRef>
-        <a:fontRef idx="minor">
-          <a:schemeClr val="lt1"/>
-        </a:fontRef>
-      </dsp:style>
-    </dsp:sp>
-    <dsp:sp modelId="{CC6365D6-BC5A-4662-88C2-460380F95395}">
-      <dsp:nvSpPr>
-        <dsp:cNvPr id="0" name=""/>
-        <dsp:cNvSpPr/>
-      </dsp:nvSpPr>
-      <dsp:spPr>
-        <a:xfrm>
-          <a:off x="2981664" y="2410520"/>
-          <a:ext cx="1642247" cy="906074"/>
-        </a:xfrm>
-        <a:prstGeom prst="rect">
-          <a:avLst/>
-        </a:prstGeom>
-        <a:noFill/>
-        <a:ln>
-          <a:noFill/>
-        </a:ln>
-        <a:effectLst/>
-      </dsp:spPr>
-      <dsp:style>
-        <a:lnRef idx="0">
-          <a:scrgbClr r="0" g="0" b="0"/>
-        </a:lnRef>
-        <a:fillRef idx="0">
-          <a:scrgbClr r="0" g="0" b="0"/>
-        </a:fillRef>
-        <a:effectRef idx="0">
-          <a:scrgbClr r="0" g="0" b="0"/>
-        </a:effectRef>
-        <a:fontRef idx="minor"/>
-      </dsp:style>
-      <dsp:txBody>
-        <a:bodyPr spcFirstLastPara="0" vert="horz" wrap="square" lIns="183215" tIns="0" rIns="0" bIns="0" numCol="1" spcCol="1270" anchor="t" anchorCtr="0">
-          <a:noAutofit/>
-        </a:bodyPr>
-        <a:lstStyle/>
-        <a:p>
-          <a:pPr lvl="0" algn="l" defTabSz="800100">
-            <a:lnSpc>
-              <a:spcPct val="90000"/>
-            </a:lnSpc>
-            <a:spcBef>
-              <a:spcPct val="0"/>
-            </a:spcBef>
-            <a:spcAft>
-              <a:spcPct val="35000"/>
-            </a:spcAft>
-          </a:pPr>
-          <a:r>
-            <a:rPr lang="en-US" sz="1800" kern="1200" dirty="0" smtClean="0"/>
-            <a:t>ASP.NET 4</a:t>
-          </a:r>
-          <a:br>
-            <a:rPr lang="en-US" sz="1800" kern="1200" dirty="0" smtClean="0"/>
-          </a:br>
-          <a:r>
-            <a:rPr lang="en-US" sz="1800" kern="1200" dirty="0" smtClean="0"/>
-            <a:t>Simple Membership</a:t>
-          </a:r>
-        </a:p>
-      </dsp:txBody>
-      <dsp:txXfrm>
-        <a:off x="2981664" y="2410520"/>
-        <a:ext cx="1642247" cy="906074"/>
-      </dsp:txXfrm>
-    </dsp:sp>
-    <dsp:sp modelId="{238B15F4-CFF9-43D7-862E-CABB501E2892}">
-      <dsp:nvSpPr>
-        <dsp:cNvPr id="0" name=""/>
-        <dsp:cNvSpPr/>
-      </dsp:nvSpPr>
-      <dsp:spPr>
-        <a:xfrm>
-          <a:off x="4426421" y="1262412"/>
-          <a:ext cx="446616" cy="446616"/>
-        </a:xfrm>
-        <a:prstGeom prst="ellipse">
-          <a:avLst/>
-        </a:prstGeom>
-        <a:gradFill rotWithShape="1">
-          <a:gsLst>
-            <a:gs pos="0">
-              <a:schemeClr val="accent1">
-                <a:tint val="98000"/>
-                <a:lumMod val="114000"/>
-              </a:schemeClr>
-            </a:gs>
-            <a:gs pos="100000">
-              <a:schemeClr val="accent1">
-                <a:shade val="90000"/>
-                <a:lumMod val="84000"/>
-              </a:schemeClr>
-            </a:gs>
-          </a:gsLst>
-          <a:lin ang="5400000" scaled="0"/>
-        </a:gradFill>
-        <a:ln w="9525" cap="rnd" cmpd="sng" algn="ctr">
-          <a:solidFill>
-            <a:schemeClr val="accent1"/>
-          </a:solidFill>
-          <a:prstDash val="solid"/>
-        </a:ln>
-        <a:effectLst>
-          <a:outerShdw blurRad="38100" dist="25400" dir="5400000" rotWithShape="0">
-            <a:srgbClr val="000000">
-              <a:alpha val="45000"/>
-            </a:srgbClr>
-          </a:outerShdw>
-        </a:effectLst>
-        <a:scene3d>
-          <a:camera prst="orthographicFront"/>
-          <a:lightRig rig="flat" dir="t"/>
-        </a:scene3d>
-        <a:sp3d/>
-      </dsp:spPr>
-      <dsp:style>
-        <a:lnRef idx="1">
-          <a:schemeClr val="accent1"/>
-        </a:lnRef>
-        <a:fillRef idx="3">
-          <a:schemeClr val="accent1"/>
-        </a:fillRef>
-        <a:effectRef idx="2">
-          <a:schemeClr val="accent1"/>
-        </a:effectRef>
-        <a:fontRef idx="minor">
-          <a:schemeClr val="lt1"/>
-        </a:fontRef>
-      </dsp:style>
-    </dsp:sp>
-    <dsp:sp modelId="{48381EF1-0387-4E13-A84D-28EB559E8678}">
-      <dsp:nvSpPr>
-        <dsp:cNvPr id="0" name=""/>
-        <dsp:cNvSpPr/>
-      </dsp:nvSpPr>
-      <dsp:spPr>
-        <a:xfrm>
-          <a:off x="3211386" y="468282"/>
-          <a:ext cx="2075600" cy="593609"/>
-        </a:xfrm>
-        <a:prstGeom prst="rect">
-          <a:avLst/>
-        </a:prstGeom>
-        <a:noFill/>
-        <a:ln>
-          <a:noFill/>
-        </a:ln>
-        <a:effectLst/>
-      </dsp:spPr>
-      <dsp:style>
-        <a:lnRef idx="0">
-          <a:scrgbClr r="0" g="0" b="0"/>
-        </a:lnRef>
-        <a:fillRef idx="0">
-          <a:scrgbClr r="0" g="0" b="0"/>
-        </a:fillRef>
-        <a:effectRef idx="0">
-          <a:scrgbClr r="0" g="0" b="0"/>
-        </a:effectRef>
-        <a:fontRef idx="minor"/>
-      </dsp:style>
-      <dsp:txBody>
-        <a:bodyPr spcFirstLastPara="0" vert="horz" wrap="square" lIns="236653" tIns="0" rIns="0" bIns="0" numCol="1" spcCol="1270" anchor="t" anchorCtr="0">
-          <a:noAutofit/>
-        </a:bodyPr>
-        <a:lstStyle/>
-        <a:p>
-          <a:pPr lvl="0" algn="l" defTabSz="800100">
-            <a:lnSpc>
-              <a:spcPct val="90000"/>
-            </a:lnSpc>
-            <a:spcBef>
-              <a:spcPct val="0"/>
-            </a:spcBef>
-            <a:spcAft>
-              <a:spcPct val="35000"/>
-            </a:spcAft>
-          </a:pPr>
-          <a:r>
-            <a:rPr lang="en-US" sz="1800" kern="1200" dirty="0" smtClean="0"/>
-            <a:t>ASP.NET 4/4.5</a:t>
-          </a:r>
-          <a:br>
-            <a:rPr lang="en-US" sz="1800" kern="1200" dirty="0" smtClean="0"/>
-          </a:br>
-          <a:r>
-            <a:rPr lang="en-US" sz="1800" kern="1200" dirty="0" smtClean="0"/>
-            <a:t>Universal Providers</a:t>
-          </a:r>
-          <a:endParaRPr lang="en-US" sz="1800" kern="1200" dirty="0"/>
-        </a:p>
-      </dsp:txBody>
-      <dsp:txXfrm>
-        <a:off x="3211386" y="468282"/>
-        <a:ext cx="2075600" cy="593609"/>
-      </dsp:txXfrm>
-    </dsp:sp>
-    <dsp:sp modelId="{4E2663D7-ACE9-4775-AA3F-17DDBE267A56}">
-      <dsp:nvSpPr>
-        <dsp:cNvPr id="0" name=""/>
-        <dsp:cNvSpPr/>
-      </dsp:nvSpPr>
-      <dsp:spPr>
-        <a:xfrm>
-          <a:off x="5805889" y="904038"/>
-          <a:ext cx="569075" cy="569075"/>
-        </a:xfrm>
-        <a:prstGeom prst="ellipse">
-          <a:avLst/>
-        </a:prstGeom>
-        <a:gradFill rotWithShape="1">
-          <a:gsLst>
-            <a:gs pos="0">
-              <a:schemeClr val="accent1">
-                <a:tint val="98000"/>
-                <a:lumMod val="114000"/>
-              </a:schemeClr>
-            </a:gs>
-            <a:gs pos="100000">
-              <a:schemeClr val="accent1">
-                <a:shade val="90000"/>
-                <a:lumMod val="84000"/>
-              </a:schemeClr>
-            </a:gs>
-          </a:gsLst>
-          <a:lin ang="5400000" scaled="0"/>
-        </a:gradFill>
-        <a:ln w="9525" cap="rnd" cmpd="sng" algn="ctr">
-          <a:solidFill>
-            <a:schemeClr val="accent1"/>
-          </a:solidFill>
-          <a:prstDash val="solid"/>
-        </a:ln>
-        <a:effectLst>
-          <a:outerShdw blurRad="38100" dist="25400" dir="5400000" rotWithShape="0">
-            <a:srgbClr val="000000">
-              <a:alpha val="45000"/>
-            </a:srgbClr>
-          </a:outerShdw>
-        </a:effectLst>
-        <a:scene3d>
-          <a:camera prst="orthographicFront"/>
-          <a:lightRig rig="flat" dir="t"/>
-        </a:scene3d>
-        <a:sp3d/>
-      </dsp:spPr>
-      <dsp:style>
-        <a:lnRef idx="1">
-          <a:schemeClr val="accent1"/>
-        </a:lnRef>
-        <a:fillRef idx="3">
-          <a:schemeClr val="accent1"/>
-        </a:fillRef>
-        <a:effectRef idx="2">
-          <a:schemeClr val="accent1"/>
-        </a:effectRef>
-        <a:fontRef idx="minor">
-          <a:schemeClr val="lt1"/>
-        </a:fontRef>
-      </dsp:style>
-    </dsp:sp>
-    <dsp:sp modelId="{8F385B18-7ECC-490B-B267-043A6C368803}">
-      <dsp:nvSpPr>
-        <dsp:cNvPr id="0" name=""/>
-        <dsp:cNvSpPr/>
-      </dsp:nvSpPr>
-      <dsp:spPr>
-        <a:xfrm>
-          <a:off x="5423420" y="1839683"/>
-          <a:ext cx="1856815" cy="869656"/>
-        </a:xfrm>
-        <a:prstGeom prst="rect">
-          <a:avLst/>
-        </a:prstGeom>
-        <a:noFill/>
-        <a:ln>
-          <a:noFill/>
-        </a:ln>
-        <a:effectLst/>
-      </dsp:spPr>
-      <dsp:style>
-        <a:lnRef idx="0">
-          <a:scrgbClr r="0" g="0" b="0"/>
-        </a:lnRef>
-        <a:fillRef idx="0">
-          <a:scrgbClr r="0" g="0" b="0"/>
-        </a:fillRef>
-        <a:effectRef idx="0">
-          <a:scrgbClr r="0" g="0" b="0"/>
-        </a:effectRef>
-        <a:fontRef idx="minor"/>
-      </dsp:style>
-      <dsp:txBody>
-        <a:bodyPr spcFirstLastPara="0" vert="horz" wrap="square" lIns="301542" tIns="0" rIns="0" bIns="0" numCol="1" spcCol="1270" anchor="t" anchorCtr="0">
-          <a:noAutofit/>
-        </a:bodyPr>
-        <a:lstStyle/>
-        <a:p>
-          <a:pPr lvl="0" algn="l" defTabSz="844550">
-            <a:lnSpc>
-              <a:spcPct val="90000"/>
-            </a:lnSpc>
-            <a:spcBef>
-              <a:spcPct val="0"/>
-            </a:spcBef>
-            <a:spcAft>
-              <a:spcPct val="35000"/>
-            </a:spcAft>
-          </a:pPr>
-          <a:r>
-            <a:rPr lang="en-US" sz="1900" kern="1200" dirty="0" smtClean="0"/>
-            <a:t>ASP.NET 4.5</a:t>
-          </a:r>
-          <a:br>
-            <a:rPr lang="en-US" sz="1900" kern="1200" dirty="0" smtClean="0"/>
-          </a:br>
-          <a:r>
-            <a:rPr lang="en-US" sz="1900" kern="1200" dirty="0" smtClean="0"/>
-            <a:t>One ASP.NET Identity</a:t>
-          </a:r>
-          <a:endParaRPr lang="en-US" sz="1900" kern="1200" dirty="0"/>
-        </a:p>
-      </dsp:txBody>
-      <dsp:txXfrm>
-        <a:off x="5423420" y="1839683"/>
-        <a:ext cx="1856815" cy="869656"/>
-      </dsp:txXfrm>
-    </dsp:sp>
   </dsp:spTree>
 </dsp:drawing>
 </file>
@@ -11807,10 +11113,10 @@
           <a:lstStyle/>
           <a:p>
             <a:r>
-              <a:rPr lang="pt-BR" noProof="0" dirty="0" err="1" smtClean="0"/>
+              <a:rPr lang="en-US" dirty="0" smtClean="0"/>
               <a:t>Views</a:t>
             </a:r>
-            <a:endParaRPr lang="pt-BR" noProof="0" dirty="0"/>
+            <a:endParaRPr lang="en-US" dirty="0"/>
           </a:p>
         </p:txBody>
       </p:sp>
@@ -11826,8 +11132,8 @@
         </p:nvSpPr>
         <p:spPr>
           <a:xfrm>
-            <a:off x="646111" y="1668930"/>
-            <a:ext cx="8946541" cy="4919471"/>
+            <a:off x="646111" y="1853248"/>
+            <a:ext cx="11391214" cy="4919471"/>
           </a:xfrm>
         </p:spPr>
         <p:txBody>
@@ -11837,126 +11143,58 @@
           <a:lstStyle/>
           <a:p>
             <a:r>
-              <a:rPr lang="pt-BR" sz="2800" noProof="0" dirty="0" err="1" smtClean="0"/>
-              <a:t>Views</a:t>
-            </a:r>
-            <a:r>
-              <a:rPr lang="pt-BR" sz="2800" noProof="0" dirty="0" smtClean="0"/>
+              <a:rPr lang="en-US" sz="3200" dirty="0" err="1" smtClean="0"/>
+              <a:t>Estrutura</a:t>
+            </a:r>
+            <a:r>
+              <a:rPr lang="en-US" sz="3200" dirty="0" smtClean="0"/>
+              <a:t> da pasta Views e </a:t>
+            </a:r>
+            <a:r>
+              <a:rPr lang="en-US" sz="3200" dirty="0" err="1" smtClean="0"/>
+              <a:t>suas</a:t>
+            </a:r>
+            <a:r>
+              <a:rPr lang="en-US" sz="3200" dirty="0" smtClean="0"/>
               <a:t> </a:t>
             </a:r>
             <a:r>
-              <a:rPr lang="pt-BR" sz="2800" noProof="0" dirty="0" err="1" smtClean="0"/>
-              <a:t>Engines</a:t>
-            </a:r>
-            <a:endParaRPr lang="pt-BR" sz="2800" noProof="0" dirty="0" smtClean="0"/>
+              <a:rPr lang="en-US" sz="3200" dirty="0" err="1" smtClean="0"/>
+              <a:t>convenções</a:t>
+            </a:r>
+            <a:endParaRPr lang="en-US" sz="3200" dirty="0" smtClean="0"/>
+          </a:p>
+          <a:p>
+            <a:r>
+              <a:rPr lang="en-US" sz="3200" dirty="0" smtClean="0"/>
+              <a:t>Pasta Shared</a:t>
+            </a:r>
+          </a:p>
+          <a:p>
+            <a:r>
+              <a:rPr lang="en-US" sz="3200" dirty="0" smtClean="0"/>
+              <a:t>_Layout</a:t>
+            </a:r>
+          </a:p>
+          <a:p>
+            <a:r>
+              <a:rPr lang="en-US" sz="3200" dirty="0" smtClean="0"/>
+              <a:t>Partial Views</a:t>
+            </a:r>
           </a:p>
           <a:p>
             <a:pPr lvl="1"/>
-            <a:r>
-              <a:rPr lang="pt-BR" sz="2400" noProof="0" dirty="0" err="1" smtClean="0"/>
-              <a:t>Razor</a:t>
-            </a:r>
-            <a:endParaRPr lang="pt-BR" sz="2400" noProof="0" dirty="0" smtClean="0"/>
-          </a:p>
-          <a:p>
-            <a:pPr lvl="1"/>
-            <a:r>
-              <a:rPr lang="pt-BR" sz="2400" noProof="0" dirty="0" smtClean="0"/>
-              <a:t>Alternativas de </a:t>
-            </a:r>
-            <a:r>
-              <a:rPr lang="pt-BR" sz="2400" noProof="0" dirty="0" err="1" smtClean="0"/>
-              <a:t>views</a:t>
-            </a:r>
-            <a:r>
-              <a:rPr lang="pt-BR" sz="2400" noProof="0" dirty="0" smtClean="0"/>
-              <a:t> </a:t>
-            </a:r>
-            <a:r>
-              <a:rPr lang="pt-BR" sz="2400" noProof="0" dirty="0" err="1" smtClean="0"/>
-              <a:t>engines</a:t>
-            </a:r>
-            <a:r>
-              <a:rPr lang="pt-BR" sz="2400" noProof="0" dirty="0" smtClean="0"/>
-              <a:t>:</a:t>
-            </a:r>
-          </a:p>
-          <a:p>
-            <a:pPr lvl="2"/>
-            <a:r>
-              <a:rPr lang="pt-BR" sz="2000" noProof="0" dirty="0" err="1" smtClean="0"/>
-              <a:t>Spark</a:t>
-            </a:r>
-            <a:endParaRPr lang="pt-BR" sz="2000" noProof="0" dirty="0" smtClean="0"/>
-          </a:p>
-          <a:p>
-            <a:pPr lvl="2"/>
-            <a:r>
-              <a:rPr lang="pt-BR" sz="2000" noProof="0" dirty="0" err="1" smtClean="0"/>
-              <a:t>Nhaml</a:t>
-            </a:r>
-            <a:endParaRPr lang="pt-BR" sz="2000" noProof="0" dirty="0" smtClean="0"/>
-          </a:p>
-          <a:p>
-            <a:pPr lvl="2"/>
-            <a:r>
-              <a:rPr lang="pt-BR" sz="2000" noProof="0" dirty="0" err="1" smtClean="0"/>
-              <a:t>Brail</a:t>
-            </a:r>
-            <a:endParaRPr lang="pt-BR" sz="2000" noProof="0" dirty="0" smtClean="0"/>
-          </a:p>
-          <a:p>
-            <a:pPr lvl="2"/>
-            <a:r>
-              <a:rPr lang="pt-BR" sz="2000" noProof="0" dirty="0" err="1" smtClean="0"/>
-              <a:t>String</a:t>
-            </a:r>
-            <a:r>
-              <a:rPr lang="pt-BR" sz="2000" noProof="0" dirty="0" smtClean="0"/>
-              <a:t> </a:t>
-            </a:r>
-            <a:r>
-              <a:rPr lang="pt-BR" sz="2000" noProof="0" dirty="0" err="1" smtClean="0"/>
-              <a:t>Template</a:t>
-            </a:r>
-            <a:endParaRPr lang="pt-BR" sz="2000" noProof="0" dirty="0" smtClean="0"/>
-          </a:p>
-          <a:p>
-            <a:pPr lvl="2"/>
-            <a:r>
-              <a:rPr lang="pt-BR" sz="2000" noProof="0" dirty="0" err="1" smtClean="0"/>
-              <a:t>Nustache</a:t>
-            </a:r>
-            <a:endParaRPr lang="pt-BR" sz="2000" noProof="0" dirty="0" smtClean="0"/>
-          </a:p>
-          <a:p>
-            <a:r>
-              <a:rPr lang="pt-BR" sz="2800" noProof="0" dirty="0" err="1" smtClean="0"/>
-              <a:t>Views</a:t>
-            </a:r>
-            <a:r>
-              <a:rPr lang="pt-BR" sz="2800" noProof="0" dirty="0" smtClean="0"/>
-              <a:t> </a:t>
-            </a:r>
-            <a:r>
-              <a:rPr lang="pt-BR" sz="2800" noProof="0" dirty="0" err="1" smtClean="0"/>
-              <a:t>Tipadas</a:t>
-            </a:r>
-            <a:endParaRPr lang="pt-BR" sz="2800" noProof="0" dirty="0" smtClean="0"/>
-          </a:p>
-          <a:p>
-            <a:pPr lvl="1"/>
-            <a:endParaRPr lang="pt-BR" sz="2400" noProof="0" dirty="0" smtClean="0"/>
-          </a:p>
-          <a:p>
-            <a:endParaRPr lang="pt-BR" sz="2800" noProof="0" dirty="0" smtClean="0"/>
+            <a:endParaRPr lang="en-US" sz="2800" dirty="0" smtClean="0"/>
+          </a:p>
+          <a:p>
+            <a:endParaRPr lang="en-US" sz="3200" dirty="0" smtClean="0"/>
           </a:p>
         </p:txBody>
       </p:sp>
     </p:spTree>
     <p:extLst>
       <p:ext uri="{BB962C8B-B14F-4D97-AF65-F5344CB8AC3E}">
-        <p14:creationId xmlns:p14="http://schemas.microsoft.com/office/powerpoint/2010/main" val="507056793"/>
+        <p14:creationId xmlns:p14="http://schemas.microsoft.com/office/powerpoint/2010/main" val="4015875087"/>
       </p:ext>
     </p:extLst>
   </p:cSld>
@@ -12826,11 +12064,7 @@
             </a:r>
             <a:r>
               <a:rPr lang="en-US" sz="2800" dirty="0" smtClean="0"/>
-              <a:t> </a:t>
-            </a:r>
-            <a:r>
-              <a:rPr lang="en-US" sz="2800" dirty="0" smtClean="0"/>
-              <a:t>Helpers</a:t>
+              <a:t> Helpers</a:t>
             </a:r>
           </a:p>
           <a:p>
@@ -14090,7 +13324,6 @@
               <a:rPr lang="pt-BR" sz="2800" noProof="0" dirty="0" smtClean="0"/>
               <a:t> Server</a:t>
             </a:r>
-            <a:endParaRPr lang="pt-BR" sz="2800" noProof="0" dirty="0" smtClean="0"/>
           </a:p>
         </p:txBody>
       </p:sp>
@@ -15099,7 +14332,6 @@
               <a:rPr lang="pt-BR" sz="2400" noProof="0" dirty="0" smtClean="0"/>
               <a:t>)</a:t>
             </a:r>
-            <a:endParaRPr lang="pt-BR" sz="2400" noProof="0" dirty="0" smtClean="0"/>
           </a:p>
         </p:txBody>
       </p:sp>
@@ -15717,7 +14949,7 @@
         </p:nvSpPr>
         <p:spPr>
           <a:xfrm>
-            <a:off x="761936" y="1577430"/>
+            <a:off x="646111" y="1290827"/>
             <a:ext cx="9927529" cy="4977916"/>
           </a:xfrm>
         </p:spPr>
@@ -15733,14 +14965,14 @@
               </a:lnSpc>
             </a:pPr>
             <a:r>
-              <a:rPr lang="pt-BR" sz="1800" noProof="0" dirty="0" smtClean="0"/>
+              <a:rPr lang="pt-BR" noProof="0" dirty="0" smtClean="0"/>
               <a:t>Criando validações com Data </a:t>
             </a:r>
             <a:r>
-              <a:rPr lang="pt-BR" sz="1800" noProof="0" dirty="0" err="1" smtClean="0"/>
+              <a:rPr lang="pt-BR" noProof="0" dirty="0" err="1" smtClean="0"/>
               <a:t>annotations</a:t>
             </a:r>
-            <a:endParaRPr lang="pt-BR" sz="1800" noProof="0" dirty="0" smtClean="0"/>
+            <a:endParaRPr lang="pt-BR" noProof="0" dirty="0" smtClean="0"/>
           </a:p>
           <a:p>
             <a:pPr lvl="1">
@@ -15749,10 +14981,10 @@
               </a:lnSpc>
             </a:pPr>
             <a:r>
-              <a:rPr lang="pt-BR" sz="1600" noProof="0" dirty="0" err="1" smtClean="0"/>
+              <a:rPr lang="pt-BR" noProof="0" dirty="0" err="1" smtClean="0"/>
               <a:t>Required</a:t>
             </a:r>
-            <a:endParaRPr lang="pt-BR" sz="1600" noProof="0" dirty="0" smtClean="0"/>
+            <a:endParaRPr lang="pt-BR" noProof="0" dirty="0" smtClean="0"/>
           </a:p>
           <a:p>
             <a:pPr lvl="1">
@@ -15761,10 +14993,10 @@
               </a:lnSpc>
             </a:pPr>
             <a:r>
-              <a:rPr lang="pt-BR" sz="1600" noProof="0" dirty="0" err="1" smtClean="0"/>
+              <a:rPr lang="pt-BR" noProof="0" dirty="0" err="1" smtClean="0"/>
               <a:t>StringLength</a:t>
             </a:r>
-            <a:endParaRPr lang="pt-BR" sz="1600" noProof="0" dirty="0" smtClean="0"/>
+            <a:endParaRPr lang="pt-BR" noProof="0" dirty="0" smtClean="0"/>
           </a:p>
           <a:p>
             <a:pPr lvl="1">
@@ -15773,10 +15005,10 @@
               </a:lnSpc>
             </a:pPr>
             <a:r>
-              <a:rPr lang="pt-BR" sz="1600" noProof="0" dirty="0" err="1" smtClean="0"/>
+              <a:rPr lang="pt-BR" noProof="0" dirty="0" err="1" smtClean="0"/>
               <a:t>RegularExpression</a:t>
             </a:r>
-            <a:endParaRPr lang="pt-BR" sz="1600" noProof="0" dirty="0" smtClean="0"/>
+            <a:endParaRPr lang="pt-BR" noProof="0" dirty="0" smtClean="0"/>
           </a:p>
           <a:p>
             <a:pPr lvl="1">
@@ -15785,7 +15017,7 @@
               </a:lnSpc>
             </a:pPr>
             <a:r>
-              <a:rPr lang="pt-BR" sz="1600" noProof="0" dirty="0" smtClean="0"/>
+              <a:rPr lang="pt-BR" noProof="0" dirty="0" smtClean="0"/>
               <a:t>Range</a:t>
             </a:r>
           </a:p>
@@ -15796,7 +15028,7 @@
               </a:lnSpc>
             </a:pPr>
             <a:r>
-              <a:rPr lang="pt-BR" sz="1600" noProof="0" dirty="0" smtClean="0"/>
+              <a:rPr lang="pt-BR" noProof="0" dirty="0" smtClean="0"/>
               <a:t>Compare</a:t>
             </a:r>
           </a:p>
@@ -15807,7 +15039,7 @@
               </a:lnSpc>
             </a:pPr>
             <a:r>
-              <a:rPr lang="pt-BR" sz="1600" noProof="0" dirty="0" smtClean="0"/>
+              <a:rPr lang="pt-BR" noProof="0" dirty="0" smtClean="0"/>
               <a:t>Remote</a:t>
             </a:r>
           </a:p>
@@ -15818,7 +15050,7 @@
               </a:lnSpc>
             </a:pPr>
             <a:r>
-              <a:rPr lang="pt-BR" sz="1600" noProof="0" dirty="0" smtClean="0"/>
+              <a:rPr lang="pt-BR" noProof="0" dirty="0" smtClean="0"/>
               <a:t>Você pode criar a sua própria anotação customizada.</a:t>
             </a:r>
           </a:p>
@@ -15829,14 +15061,14 @@
               </a:lnSpc>
             </a:pPr>
             <a:r>
-              <a:rPr lang="pt-BR" sz="1800" noProof="0" dirty="0" smtClean="0"/>
+              <a:rPr lang="pt-BR" noProof="0" dirty="0" smtClean="0"/>
               <a:t>Criando validações customizadas com </a:t>
             </a:r>
             <a:r>
-              <a:rPr lang="pt-BR" sz="1800" noProof="0" dirty="0" err="1" smtClean="0"/>
+              <a:rPr lang="pt-BR" noProof="0" dirty="0" err="1" smtClean="0"/>
               <a:t>IValidatableObject</a:t>
             </a:r>
-            <a:endParaRPr lang="pt-BR" sz="1800" noProof="0" dirty="0" smtClean="0"/>
+            <a:endParaRPr lang="pt-BR" noProof="0" dirty="0" smtClean="0"/>
           </a:p>
           <a:p>
             <a:pPr>
@@ -15844,7 +15076,7 @@
                 <a:spcPct val="150000"/>
               </a:lnSpc>
             </a:pPr>
-            <a:endParaRPr lang="pt-BR" sz="1800" noProof="0" dirty="0"/>
+            <a:endParaRPr lang="pt-BR" noProof="0" dirty="0"/>
           </a:p>
         </p:txBody>
       </p:sp>
@@ -16221,14 +15453,6 @@
               </a:rPr>
               <a:t>/</a:t>
             </a:r>
-            <a:endParaRPr lang="pt-BR" sz="2800" noProof="0" dirty="0" smtClean="0">
-              <a:solidFill>
-                <a:schemeClr val="bg2">
-                  <a:lumMod val="60000"/>
-                  <a:lumOff val="40000"/>
-                </a:schemeClr>
-              </a:solidFill>
-            </a:endParaRPr>
           </a:p>
         </p:txBody>
       </p:sp>
@@ -16675,7 +15899,7 @@
                     <a:p>
                       <a:pPr algn="l" fontAlgn="ctr"/>
                       <a:r>
-                        <a:rPr lang="en-US" sz="2000" b="0" i="0" u="none" strike="noStrike">
+                        <a:rPr lang="en-US" sz="2000" b="0" i="0" u="none" strike="noStrike" dirty="0">
                           <a:solidFill>
                             <a:srgbClr val="006400"/>
                           </a:solidFill>
@@ -16717,7 +15941,7 @@
                     <a:p>
                       <a:pPr algn="l" fontAlgn="ctr"/>
                       <a:r>
-                        <a:rPr lang="en-US" sz="2000" b="0" i="0" u="none" strike="noStrike">
+                        <a:rPr lang="en-US" sz="2000" b="0" i="0" u="none" strike="noStrike" dirty="0">
                           <a:solidFill>
                             <a:srgbClr val="006400"/>
                           </a:solidFill>
@@ -19249,7 +18473,6 @@
               <a:rPr lang="pt-BR" sz="2400" noProof="0" dirty="0" smtClean="0"/>
               <a:t>Roles</a:t>
             </a:r>
-            <a:endParaRPr lang="pt-BR" sz="2400" noProof="0" dirty="0" smtClean="0"/>
           </a:p>
         </p:txBody>
       </p:sp>
@@ -20183,14 +19406,26 @@
         <p:spPr>
           <a:xfrm>
             <a:off x="646111" y="1853248"/>
-            <a:ext cx="8946541" cy="4195481"/>
+            <a:ext cx="10367632" cy="4195481"/>
           </a:xfrm>
         </p:spPr>
         <p:txBody>
           <a:bodyPr>
-            <a:normAutofit/>
+            <a:normAutofit fontScale="92500" lnSpcReduction="10000"/>
           </a:bodyPr>
           <a:lstStyle/>
+          <a:p>
+            <a:pPr>
+              <a:lnSpc>
+                <a:spcPct val="150000"/>
+              </a:lnSpc>
+            </a:pPr>
+            <a:r>
+              <a:rPr lang="pt-BR" sz="3000" b="1" noProof="0" dirty="0" err="1" smtClean="0"/>
+              <a:t>Filters</a:t>
+            </a:r>
+            <a:endParaRPr lang="pt-BR" sz="2400" b="1" noProof="0" dirty="0" smtClean="0"/>
+          </a:p>
           <a:p>
             <a:pPr>
               <a:lnSpc>
